--- a/aws_sra_examples/solutions/securityhub/securityhub_org/documentation/securityhub-org.pptx
+++ b/aws_sra_examples/solutions/securityhub/securityhub_org/documentation/securityhub-org.pptx
@@ -197,7 +197,7 @@
           <a:p>
             <a:fld id="{FD8D84E3-00BA-4A46-8256-7E527D8B4480}" type="datetimeFigureOut">
               <a:rPr lang="en-US" smtClean="0"/>
-              <a:t>3/5/22</a:t>
+              <a:t>4/27/22</a:t>
             </a:fld>
             <a:endParaRPr lang="en-US"/>
           </a:p>
@@ -695,7 +695,7 @@
           <a:p>
             <a:fld id="{9FE185F7-9B28-9F45-9F43-9CB5A0B99390}" type="datetimeFigureOut">
               <a:rPr lang="en-US" smtClean="0"/>
-              <a:t>3/5/22</a:t>
+              <a:t>4/27/22</a:t>
             </a:fld>
             <a:endParaRPr lang="en-US"/>
           </a:p>
@@ -893,7 +893,7 @@
           <a:p>
             <a:fld id="{9FE185F7-9B28-9F45-9F43-9CB5A0B99390}" type="datetimeFigureOut">
               <a:rPr lang="en-US" smtClean="0"/>
-              <a:t>3/5/22</a:t>
+              <a:t>4/27/22</a:t>
             </a:fld>
             <a:endParaRPr lang="en-US"/>
           </a:p>
@@ -1101,7 +1101,7 @@
           <a:p>
             <a:fld id="{9FE185F7-9B28-9F45-9F43-9CB5A0B99390}" type="datetimeFigureOut">
               <a:rPr lang="en-US" smtClean="0"/>
-              <a:t>3/5/22</a:t>
+              <a:t>4/27/22</a:t>
             </a:fld>
             <a:endParaRPr lang="en-US"/>
           </a:p>
@@ -1299,7 +1299,7 @@
           <a:p>
             <a:fld id="{9FE185F7-9B28-9F45-9F43-9CB5A0B99390}" type="datetimeFigureOut">
               <a:rPr lang="en-US" smtClean="0"/>
-              <a:t>3/5/22</a:t>
+              <a:t>4/27/22</a:t>
             </a:fld>
             <a:endParaRPr lang="en-US"/>
           </a:p>
@@ -1574,7 +1574,7 @@
           <a:p>
             <a:fld id="{9FE185F7-9B28-9F45-9F43-9CB5A0B99390}" type="datetimeFigureOut">
               <a:rPr lang="en-US" smtClean="0"/>
-              <a:t>3/5/22</a:t>
+              <a:t>4/27/22</a:t>
             </a:fld>
             <a:endParaRPr lang="en-US"/>
           </a:p>
@@ -1839,7 +1839,7 @@
           <a:p>
             <a:fld id="{9FE185F7-9B28-9F45-9F43-9CB5A0B99390}" type="datetimeFigureOut">
               <a:rPr lang="en-US" smtClean="0"/>
-              <a:t>3/5/22</a:t>
+              <a:t>4/27/22</a:t>
             </a:fld>
             <a:endParaRPr lang="en-US"/>
           </a:p>
@@ -2251,7 +2251,7 @@
           <a:p>
             <a:fld id="{9FE185F7-9B28-9F45-9F43-9CB5A0B99390}" type="datetimeFigureOut">
               <a:rPr lang="en-US" smtClean="0"/>
-              <a:t>3/5/22</a:t>
+              <a:t>4/27/22</a:t>
             </a:fld>
             <a:endParaRPr lang="en-US"/>
           </a:p>
@@ -2392,7 +2392,7 @@
           <a:p>
             <a:fld id="{9FE185F7-9B28-9F45-9F43-9CB5A0B99390}" type="datetimeFigureOut">
               <a:rPr lang="en-US" smtClean="0"/>
-              <a:t>3/5/22</a:t>
+              <a:t>4/27/22</a:t>
             </a:fld>
             <a:endParaRPr lang="en-US"/>
           </a:p>
@@ -2505,7 +2505,7 @@
           <a:p>
             <a:fld id="{9FE185F7-9B28-9F45-9F43-9CB5A0B99390}" type="datetimeFigureOut">
               <a:rPr lang="en-US" smtClean="0"/>
-              <a:t>3/5/22</a:t>
+              <a:t>4/27/22</a:t>
             </a:fld>
             <a:endParaRPr lang="en-US"/>
           </a:p>
@@ -2816,7 +2816,7 @@
           <a:p>
             <a:fld id="{9FE185F7-9B28-9F45-9F43-9CB5A0B99390}" type="datetimeFigureOut">
               <a:rPr lang="en-US" smtClean="0"/>
-              <a:t>3/5/22</a:t>
+              <a:t>4/27/22</a:t>
             </a:fld>
             <a:endParaRPr lang="en-US"/>
           </a:p>
@@ -3104,7 +3104,7 @@
           <a:p>
             <a:fld id="{9FE185F7-9B28-9F45-9F43-9CB5A0B99390}" type="datetimeFigureOut">
               <a:rPr lang="en-US" smtClean="0"/>
-              <a:t>3/5/22</a:t>
+              <a:t>4/27/22</a:t>
             </a:fld>
             <a:endParaRPr lang="en-US"/>
           </a:p>
@@ -3345,7 +3345,7 @@
           <a:p>
             <a:fld id="{9FE185F7-9B28-9F45-9F43-9CB5A0B99390}" type="datetimeFigureOut">
               <a:rPr lang="en-US" smtClean="0"/>
-              <a:t>3/5/22</a:t>
+              <a:t>4/27/22</a:t>
             </a:fld>
             <a:endParaRPr lang="en-US"/>
           </a:p>
@@ -3777,7 +3777,7 @@
         <p:spPr>
           <a:xfrm>
             <a:off x="840075" y="245354"/>
-            <a:ext cx="10659212" cy="6238866"/>
+            <a:ext cx="10659212" cy="6217024"/>
           </a:xfrm>
           <a:prstGeom prst="rect">
             <a:avLst/>
@@ -3971,8 +3971,8 @@
         </p:nvSpPr>
         <p:spPr>
           <a:xfrm>
-            <a:off x="976097" y="1494353"/>
-            <a:ext cx="6813952" cy="3805657"/>
+            <a:off x="976097" y="882500"/>
+            <a:ext cx="6813952" cy="4915972"/>
           </a:xfrm>
           <a:prstGeom prst="rect">
             <a:avLst/>
@@ -4118,7 +4118,7 @@
         </p:nvSpPr>
         <p:spPr>
           <a:xfrm>
-            <a:off x="1130566" y="2661142"/>
+            <a:off x="1130566" y="2049289"/>
             <a:ext cx="1240931" cy="430887"/>
           </a:xfrm>
           <a:prstGeom prst="rect">
@@ -4171,7 +4171,7 @@
         </p:blipFill>
         <p:spPr>
           <a:xfrm>
-            <a:off x="1522432" y="2197202"/>
+            <a:off x="1522432" y="1585349"/>
             <a:ext cx="457200" cy="457200"/>
           </a:xfrm>
           <a:prstGeom prst="rect">
@@ -4193,7 +4193,7 @@
         </p:nvSpPr>
         <p:spPr>
           <a:xfrm>
-            <a:off x="1125977" y="1890086"/>
+            <a:off x="1125977" y="1278233"/>
             <a:ext cx="6494832" cy="3263355"/>
           </a:xfrm>
           <a:prstGeom prst="rect">
@@ -4257,7 +4257,7 @@
         </p:nvSpPr>
         <p:spPr>
           <a:xfrm>
-            <a:off x="996927" y="1510911"/>
+            <a:off x="996927" y="899058"/>
             <a:ext cx="253435" cy="212902"/>
           </a:xfrm>
           <a:prstGeom prst="ellipse">
@@ -4317,7 +4317,7 @@
         </p:nvSpPr>
         <p:spPr>
           <a:xfrm>
-            <a:off x="1532391" y="2205271"/>
+            <a:off x="1532391" y="1593418"/>
             <a:ext cx="253435" cy="212902"/>
           </a:xfrm>
           <a:prstGeom prst="ellipse">
@@ -4635,8 +4635,8 @@
         </p:nvSpPr>
         <p:spPr bwMode="auto">
           <a:xfrm>
-            <a:off x="1237147" y="4320151"/>
-            <a:ext cx="1107245" cy="430887"/>
+            <a:off x="1160528" y="4210710"/>
+            <a:ext cx="1107245" cy="261610"/>
           </a:xfrm>
           <a:prstGeom prst="rect">
             <a:avLst/>
@@ -4775,18 +4775,7 @@
                 <a:ea typeface="Amazon Ember" panose="020B0603020204020204" pitchFamily="34" charset="0"/>
                 <a:cs typeface="Arial" panose="020B0604020202020204" pitchFamily="34" charset="0"/>
               </a:rPr>
-              <a:t>Configuration </a:t>
-            </a:r>
-          </a:p>
-          <a:p>
-            <a:pPr algn="ctr" eaLnBrk="1" hangingPunct="1"/>
-            <a:r>
-              <a:rPr lang="en-US" altLang="en-US" sz="1100" dirty="0">
-                <a:latin typeface="Arial" panose="020B0604020202020204" pitchFamily="34" charset="0"/>
-                <a:ea typeface="Amazon Ember" panose="020B0603020204020204" pitchFamily="34" charset="0"/>
-                <a:cs typeface="Arial" panose="020B0604020202020204" pitchFamily="34" charset="0"/>
-              </a:rPr>
-              <a:t>Role</a:t>
+              <a:t>IAM Roles</a:t>
             </a:r>
           </a:p>
         </p:txBody>
@@ -4820,7 +4809,7 @@
         </p:blipFill>
         <p:spPr bwMode="auto">
           <a:xfrm>
-            <a:off x="1506606" y="3975484"/>
+            <a:off x="1429987" y="3866043"/>
             <a:ext cx="457200" cy="457200"/>
           </a:xfrm>
           <a:prstGeom prst="rect">
@@ -4880,7 +4869,7 @@
         </p:blipFill>
         <p:spPr bwMode="auto">
           <a:xfrm>
-            <a:off x="3324995" y="4296439"/>
+            <a:off x="2968407" y="2679806"/>
             <a:ext cx="457200" cy="457200"/>
           </a:xfrm>
           <a:prstGeom prst="rect">
@@ -4927,8 +4916,8 @@
         </p:nvSpPr>
         <p:spPr bwMode="auto">
           <a:xfrm>
-            <a:off x="3087172" y="4727700"/>
-            <a:ext cx="897526" cy="430887"/>
+            <a:off x="2679593" y="3119506"/>
+            <a:ext cx="969198" cy="430887"/>
           </a:xfrm>
           <a:prstGeom prst="rect">
             <a:avLst/>
@@ -5067,7 +5056,7 @@
                 <a:ea typeface="Amazon Ember" panose="020B0603020204020204" pitchFamily="34" charset="0"/>
                 <a:cs typeface="Arial" panose="020B0604020202020204" pitchFamily="34" charset="0"/>
               </a:rPr>
-              <a:t>Lifecycle Event Rule</a:t>
+              <a:t>Regional Event Rules</a:t>
             </a:r>
           </a:p>
         </p:txBody>
@@ -5306,452 +5295,10 @@
       </p:pic>
       <p:sp>
         <p:nvSpPr>
-          <p:cNvPr id="66" name="TextBox 29">
-            <a:extLst>
-              <a:ext uri="{FF2B5EF4-FFF2-40B4-BE49-F238E27FC236}">
-                <a16:creationId xmlns:a16="http://schemas.microsoft.com/office/drawing/2014/main" id="{9E0E69DC-60E3-2C4F-8D4D-5FADBFDF3FC2}"/>
-              </a:ext>
-            </a:extLst>
-          </p:cNvPr>
-          <p:cNvSpPr txBox="1">
-            <a:spLocks noChangeArrowheads="1"/>
-          </p:cNvSpPr>
-          <p:nvPr/>
-        </p:nvSpPr>
-        <p:spPr bwMode="auto">
-          <a:xfrm>
-            <a:off x="1209074" y="3691218"/>
-            <a:ext cx="1119613" cy="261610"/>
-          </a:xfrm>
-          <a:prstGeom prst="rect">
-            <a:avLst/>
-          </a:prstGeom>
-          <a:noFill/>
-          <a:ln>
-            <a:noFill/>
-          </a:ln>
-          <a:extLst>
-            <a:ext uri="{909E8E84-426E-40DD-AFC4-6F175D3DCCD1}">
-              <a14:hiddenFill xmlns:a14="http://schemas.microsoft.com/office/drawing/2010/main">
-                <a:solidFill>
-                  <a:srgbClr val="FFFFFF"/>
-                </a:solidFill>
-              </a14:hiddenFill>
-            </a:ext>
-            <a:ext uri="{91240B29-F687-4F45-9708-019B960494DF}">
-              <a14:hiddenLine xmlns:a14="http://schemas.microsoft.com/office/drawing/2010/main" w="9525">
-                <a:solidFill>
-                  <a:srgbClr val="000000"/>
-                </a:solidFill>
-                <a:miter lim="800000"/>
-                <a:headEnd/>
-                <a:tailEnd/>
-              </a14:hiddenLine>
-            </a:ext>
-          </a:extLst>
-        </p:spPr>
-        <p:txBody>
-          <a:bodyPr wrap="square">
-            <a:spAutoFit/>
-          </a:bodyPr>
-          <a:lstStyle>
-            <a:lvl1pPr>
-              <a:defRPr>
-                <a:solidFill>
-                  <a:schemeClr val="tx1"/>
-                </a:solidFill>
-                <a:latin typeface="Calibri" panose="020F0502020204030204" pitchFamily="34" charset="0"/>
-              </a:defRPr>
-            </a:lvl1pPr>
-            <a:lvl2pPr marL="742950" indent="-285750">
-              <a:defRPr>
-                <a:solidFill>
-                  <a:schemeClr val="tx1"/>
-                </a:solidFill>
-                <a:latin typeface="Calibri" panose="020F0502020204030204" pitchFamily="34" charset="0"/>
-              </a:defRPr>
-            </a:lvl2pPr>
-            <a:lvl3pPr marL="1143000" indent="-228600">
-              <a:defRPr>
-                <a:solidFill>
-                  <a:schemeClr val="tx1"/>
-                </a:solidFill>
-                <a:latin typeface="Calibri" panose="020F0502020204030204" pitchFamily="34" charset="0"/>
-              </a:defRPr>
-            </a:lvl3pPr>
-            <a:lvl4pPr marL="1600200" indent="-228600">
-              <a:defRPr>
-                <a:solidFill>
-                  <a:schemeClr val="tx1"/>
-                </a:solidFill>
-                <a:latin typeface="Calibri" panose="020F0502020204030204" pitchFamily="34" charset="0"/>
-              </a:defRPr>
-            </a:lvl4pPr>
-            <a:lvl5pPr marL="2057400" indent="-228600">
-              <a:defRPr>
-                <a:solidFill>
-                  <a:schemeClr val="tx1"/>
-                </a:solidFill>
-                <a:latin typeface="Calibri" panose="020F0502020204030204" pitchFamily="34" charset="0"/>
-              </a:defRPr>
-            </a:lvl5pPr>
-            <a:lvl6pPr marL="2514600" indent="-228600" eaLnBrk="0" fontAlgn="base" hangingPunct="0">
-              <a:spcBef>
-                <a:spcPct val="0"/>
-              </a:spcBef>
-              <a:spcAft>
-                <a:spcPct val="0"/>
-              </a:spcAft>
-              <a:defRPr>
-                <a:solidFill>
-                  <a:schemeClr val="tx1"/>
-                </a:solidFill>
-                <a:latin typeface="Calibri" panose="020F0502020204030204" pitchFamily="34" charset="0"/>
-              </a:defRPr>
-            </a:lvl6pPr>
-            <a:lvl7pPr marL="2971800" indent="-228600" eaLnBrk="0" fontAlgn="base" hangingPunct="0">
-              <a:spcBef>
-                <a:spcPct val="0"/>
-              </a:spcBef>
-              <a:spcAft>
-                <a:spcPct val="0"/>
-              </a:spcAft>
-              <a:defRPr>
-                <a:solidFill>
-                  <a:schemeClr val="tx1"/>
-                </a:solidFill>
-                <a:latin typeface="Calibri" panose="020F0502020204030204" pitchFamily="34" charset="0"/>
-              </a:defRPr>
-            </a:lvl7pPr>
-            <a:lvl8pPr marL="3429000" indent="-228600" eaLnBrk="0" fontAlgn="base" hangingPunct="0">
-              <a:spcBef>
-                <a:spcPct val="0"/>
-              </a:spcBef>
-              <a:spcAft>
-                <a:spcPct val="0"/>
-              </a:spcAft>
-              <a:defRPr>
-                <a:solidFill>
-                  <a:schemeClr val="tx1"/>
-                </a:solidFill>
-                <a:latin typeface="Calibri" panose="020F0502020204030204" pitchFamily="34" charset="0"/>
-              </a:defRPr>
-            </a:lvl8pPr>
-            <a:lvl9pPr marL="3886200" indent="-228600" eaLnBrk="0" fontAlgn="base" hangingPunct="0">
-              <a:spcBef>
-                <a:spcPct val="0"/>
-              </a:spcBef>
-              <a:spcAft>
-                <a:spcPct val="0"/>
-              </a:spcAft>
-              <a:defRPr>
-                <a:solidFill>
-                  <a:schemeClr val="tx1"/>
-                </a:solidFill>
-                <a:latin typeface="Calibri" panose="020F0502020204030204" pitchFamily="34" charset="0"/>
-              </a:defRPr>
-            </a:lvl9pPr>
-          </a:lstStyle>
-          <a:p>
-            <a:pPr algn="ctr" eaLnBrk="1" hangingPunct="1"/>
-            <a:r>
-              <a:rPr lang="en-US" altLang="en-US" sz="1100" dirty="0">
-                <a:latin typeface="Arial" panose="020B0604020202020204" pitchFamily="34" charset="0"/>
-                <a:ea typeface="Amazon Ember" panose="020B0603020204020204" pitchFamily="34" charset="0"/>
-                <a:cs typeface="Arial" panose="020B0604020202020204" pitchFamily="34" charset="0"/>
-              </a:rPr>
-              <a:t>Lambda Role</a:t>
-            </a:r>
-          </a:p>
-        </p:txBody>
-      </p:sp>
-      <p:pic>
-        <p:nvPicPr>
-          <p:cNvPr id="67" name="Graphic 49">
-            <a:extLst>
-              <a:ext uri="{FF2B5EF4-FFF2-40B4-BE49-F238E27FC236}">
-                <a16:creationId xmlns:a16="http://schemas.microsoft.com/office/drawing/2014/main" id="{C6A8E1EE-C7EC-154E-A17B-9AAAC0C20DBD}"/>
-              </a:ext>
-            </a:extLst>
-          </p:cNvPr>
-          <p:cNvPicPr>
-            <a:picLocks noChangeAspect="1" noChangeArrowheads="1"/>
-          </p:cNvPicPr>
-          <p:nvPr/>
-        </p:nvPicPr>
-        <p:blipFill>
-          <a:blip r:embed="rId7">
-            <a:extLst>
-              <a:ext uri="{28A0092B-C50C-407E-A947-70E740481C1C}">
-                <a14:useLocalDpi xmlns:a14="http://schemas.microsoft.com/office/drawing/2010/main" val="0"/>
-              </a:ext>
-            </a:extLst>
-          </a:blip>
-          <a:srcRect/>
-          <a:stretch>
-            <a:fillRect/>
-          </a:stretch>
-        </p:blipFill>
-        <p:spPr bwMode="auto">
-          <a:xfrm>
-            <a:off x="1517196" y="3353505"/>
-            <a:ext cx="457200" cy="457200"/>
-          </a:xfrm>
-          <a:prstGeom prst="rect">
-            <a:avLst/>
-          </a:prstGeom>
-          <a:noFill/>
-          <a:ln>
-            <a:noFill/>
-          </a:ln>
-          <a:extLst>
-            <a:ext uri="{909E8E84-426E-40DD-AFC4-6F175D3DCCD1}">
-              <a14:hiddenFill xmlns:a14="http://schemas.microsoft.com/office/drawing/2010/main">
-                <a:solidFill>
-                  <a:srgbClr val="FFFFFF"/>
-                </a:solidFill>
-              </a14:hiddenFill>
-            </a:ext>
-            <a:ext uri="{91240B29-F687-4F45-9708-019B960494DF}">
-              <a14:hiddenLine xmlns:a14="http://schemas.microsoft.com/office/drawing/2010/main" w="9525">
-                <a:solidFill>
-                  <a:srgbClr val="000000"/>
-                </a:solidFill>
-                <a:miter lim="800000"/>
-                <a:headEnd/>
-                <a:tailEnd/>
-              </a14:hiddenLine>
-            </a:ext>
-          </a:extLst>
-        </p:spPr>
-      </p:pic>
-      <p:sp>
-        <p:nvSpPr>
-          <p:cNvPr id="75" name="TextBox 23">
-            <a:extLst>
-              <a:ext uri="{FF2B5EF4-FFF2-40B4-BE49-F238E27FC236}">
-                <a16:creationId xmlns:a16="http://schemas.microsoft.com/office/drawing/2014/main" id="{7F958851-8145-014D-BFA0-3124A10BD4F4}"/>
-              </a:ext>
-            </a:extLst>
-          </p:cNvPr>
-          <p:cNvSpPr txBox="1">
-            <a:spLocks noChangeArrowheads="1"/>
-          </p:cNvSpPr>
-          <p:nvPr/>
-        </p:nvSpPr>
-        <p:spPr bwMode="auto">
-          <a:xfrm>
-            <a:off x="2903492" y="2430875"/>
-            <a:ext cx="1273984" cy="261610"/>
-          </a:xfrm>
-          <a:prstGeom prst="rect">
-            <a:avLst/>
-          </a:prstGeom>
-          <a:noFill/>
-          <a:ln>
-            <a:noFill/>
-          </a:ln>
-          <a:extLst>
-            <a:ext uri="{909E8E84-426E-40DD-AFC4-6F175D3DCCD1}">
-              <a14:hiddenFill xmlns:a14="http://schemas.microsoft.com/office/drawing/2010/main">
-                <a:solidFill>
-                  <a:srgbClr val="FFFFFF"/>
-                </a:solidFill>
-              </a14:hiddenFill>
-            </a:ext>
-            <a:ext uri="{91240B29-F687-4F45-9708-019B960494DF}">
-              <a14:hiddenLine xmlns:a14="http://schemas.microsoft.com/office/drawing/2010/main" w="9525">
-                <a:solidFill>
-                  <a:srgbClr val="000000"/>
-                </a:solidFill>
-                <a:miter lim="800000"/>
-                <a:headEnd/>
-                <a:tailEnd/>
-              </a14:hiddenLine>
-            </a:ext>
-          </a:extLst>
-        </p:spPr>
-        <p:txBody>
-          <a:bodyPr wrap="square">
-            <a:spAutoFit/>
-          </a:bodyPr>
-          <a:lstStyle>
-            <a:lvl1pPr>
-              <a:defRPr>
-                <a:solidFill>
-                  <a:schemeClr val="tx1"/>
-                </a:solidFill>
-                <a:latin typeface="Calibri" panose="020F0502020204030204" pitchFamily="34" charset="0"/>
-              </a:defRPr>
-            </a:lvl1pPr>
-            <a:lvl2pPr marL="742950" indent="-285750">
-              <a:defRPr>
-                <a:solidFill>
-                  <a:schemeClr val="tx1"/>
-                </a:solidFill>
-                <a:latin typeface="Calibri" panose="020F0502020204030204" pitchFamily="34" charset="0"/>
-              </a:defRPr>
-            </a:lvl2pPr>
-            <a:lvl3pPr marL="1143000" indent="-228600">
-              <a:defRPr>
-                <a:solidFill>
-                  <a:schemeClr val="tx1"/>
-                </a:solidFill>
-                <a:latin typeface="Calibri" panose="020F0502020204030204" pitchFamily="34" charset="0"/>
-              </a:defRPr>
-            </a:lvl3pPr>
-            <a:lvl4pPr marL="1600200" indent="-228600">
-              <a:defRPr>
-                <a:solidFill>
-                  <a:schemeClr val="tx1"/>
-                </a:solidFill>
-                <a:latin typeface="Calibri" panose="020F0502020204030204" pitchFamily="34" charset="0"/>
-              </a:defRPr>
-            </a:lvl4pPr>
-            <a:lvl5pPr marL="2057400" indent="-228600">
-              <a:defRPr>
-                <a:solidFill>
-                  <a:schemeClr val="tx1"/>
-                </a:solidFill>
-                <a:latin typeface="Calibri" panose="020F0502020204030204" pitchFamily="34" charset="0"/>
-              </a:defRPr>
-            </a:lvl5pPr>
-            <a:lvl6pPr marL="2514600" indent="-228600" eaLnBrk="0" fontAlgn="base" hangingPunct="0">
-              <a:spcBef>
-                <a:spcPct val="0"/>
-              </a:spcBef>
-              <a:spcAft>
-                <a:spcPct val="0"/>
-              </a:spcAft>
-              <a:defRPr>
-                <a:solidFill>
-                  <a:schemeClr val="tx1"/>
-                </a:solidFill>
-                <a:latin typeface="Calibri" panose="020F0502020204030204" pitchFamily="34" charset="0"/>
-              </a:defRPr>
-            </a:lvl6pPr>
-            <a:lvl7pPr marL="2971800" indent="-228600" eaLnBrk="0" fontAlgn="base" hangingPunct="0">
-              <a:spcBef>
-                <a:spcPct val="0"/>
-              </a:spcBef>
-              <a:spcAft>
-                <a:spcPct val="0"/>
-              </a:spcAft>
-              <a:defRPr>
-                <a:solidFill>
-                  <a:schemeClr val="tx1"/>
-                </a:solidFill>
-                <a:latin typeface="Calibri" panose="020F0502020204030204" pitchFamily="34" charset="0"/>
-              </a:defRPr>
-            </a:lvl7pPr>
-            <a:lvl8pPr marL="3429000" indent="-228600" eaLnBrk="0" fontAlgn="base" hangingPunct="0">
-              <a:spcBef>
-                <a:spcPct val="0"/>
-              </a:spcBef>
-              <a:spcAft>
-                <a:spcPct val="0"/>
-              </a:spcAft>
-              <a:defRPr>
-                <a:solidFill>
-                  <a:schemeClr val="tx1"/>
-                </a:solidFill>
-                <a:latin typeface="Calibri" panose="020F0502020204030204" pitchFamily="34" charset="0"/>
-              </a:defRPr>
-            </a:lvl8pPr>
-            <a:lvl9pPr marL="3886200" indent="-228600" eaLnBrk="0" fontAlgn="base" hangingPunct="0">
-              <a:spcBef>
-                <a:spcPct val="0"/>
-              </a:spcBef>
-              <a:spcAft>
-                <a:spcPct val="0"/>
-              </a:spcAft>
-              <a:defRPr>
-                <a:solidFill>
-                  <a:schemeClr val="tx1"/>
-                </a:solidFill>
-                <a:latin typeface="Calibri" panose="020F0502020204030204" pitchFamily="34" charset="0"/>
-              </a:defRPr>
-            </a:lvl9pPr>
-          </a:lstStyle>
-          <a:p>
-            <a:pPr algn="ctr" eaLnBrk="1" hangingPunct="1"/>
-            <a:r>
-              <a:rPr lang="en-US" altLang="en-US" sz="1100" dirty="0">
-                <a:latin typeface="Arial" panose="020B0604020202020204" pitchFamily="34" charset="0"/>
-                <a:ea typeface="Amazon Ember" panose="020B0603020204020204" pitchFamily="34" charset="0"/>
-                <a:cs typeface="Arial" panose="020B0604020202020204" pitchFamily="34" charset="0"/>
-              </a:rPr>
-              <a:t>SSM Parameter</a:t>
-            </a:r>
-          </a:p>
-        </p:txBody>
-      </p:sp>
-      <p:pic>
-        <p:nvPicPr>
-          <p:cNvPr id="76" name="Graphic 26">
-            <a:extLst>
-              <a:ext uri="{FF2B5EF4-FFF2-40B4-BE49-F238E27FC236}">
-                <a16:creationId xmlns:a16="http://schemas.microsoft.com/office/drawing/2014/main" id="{1B5A0656-8C2A-A940-9929-6FD88DF62445}"/>
-              </a:ext>
-            </a:extLst>
-          </p:cNvPr>
-          <p:cNvPicPr>
-            <a:picLocks noChangeAspect="1" noChangeArrowheads="1"/>
-          </p:cNvPicPr>
-          <p:nvPr/>
-        </p:nvPicPr>
-        <p:blipFill>
-          <a:blip r:embed="rId9">
-            <a:extLst>
-              <a:ext uri="{28A0092B-C50C-407E-A947-70E740481C1C}">
-                <a14:useLocalDpi xmlns:a14="http://schemas.microsoft.com/office/drawing/2010/main" val="0"/>
-              </a:ext>
-            </a:extLst>
-          </a:blip>
-          <a:srcRect/>
-          <a:stretch>
-            <a:fillRect/>
-          </a:stretch>
-        </p:blipFill>
-        <p:spPr bwMode="auto">
-          <a:xfrm>
-            <a:off x="3311087" y="2006363"/>
-            <a:ext cx="457200" cy="457200"/>
-          </a:xfrm>
-          <a:prstGeom prst="rect">
-            <a:avLst/>
-          </a:prstGeom>
-          <a:noFill/>
-          <a:ln>
-            <a:noFill/>
-          </a:ln>
-          <a:extLst>
-            <a:ext uri="{909E8E84-426E-40DD-AFC4-6F175D3DCCD1}">
-              <a14:hiddenFill xmlns:a14="http://schemas.microsoft.com/office/drawing/2010/main">
-                <a:solidFill>
-                  <a:srgbClr val="FFFFFF"/>
-                </a:solidFill>
-              </a14:hiddenFill>
-            </a:ext>
-            <a:ext uri="{91240B29-F687-4F45-9708-019B960494DF}">
-              <a14:hiddenLine xmlns:a14="http://schemas.microsoft.com/office/drawing/2010/main" w="9525">
-                <a:solidFill>
-                  <a:srgbClr val="000000"/>
-                </a:solidFill>
-                <a:miter lim="800000"/>
-                <a:headEnd/>
-                <a:tailEnd/>
-              </a14:hiddenLine>
-            </a:ext>
-          </a:extLst>
-        </p:spPr>
-      </p:pic>
-      <p:sp>
-        <p:nvSpPr>
-          <p:cNvPr id="123" name="Oval 122">
-            <a:extLst>
-              <a:ext uri="{FF2B5EF4-FFF2-40B4-BE49-F238E27FC236}">
-                <a16:creationId xmlns:a16="http://schemas.microsoft.com/office/drawing/2014/main" id="{BD584D30-A592-AC43-A191-29E0F618BAD5}"/>
+          <p:cNvPr id="132" name="Oval 131">
+            <a:extLst>
+              <a:ext uri="{FF2B5EF4-FFF2-40B4-BE49-F238E27FC236}">
+                <a16:creationId xmlns:a16="http://schemas.microsoft.com/office/drawing/2014/main" id="{E90E9980-B378-8B48-A029-3577A1108948}"/>
               </a:ext>
             </a:extLst>
           </p:cNvPr>
@@ -5760,7 +5307,7 @@
         </p:nvSpPr>
         <p:spPr>
           <a:xfrm>
-            <a:off x="3066693" y="2025894"/>
+            <a:off x="1272421" y="3853363"/>
             <a:ext cx="253435" cy="212902"/>
           </a:xfrm>
           <a:prstGeom prst="ellipse">
@@ -5801,17 +5348,17 @@
                 <a:latin typeface="Arial" panose="020B0604020202020204" pitchFamily="34" charset="0"/>
                 <a:cs typeface="Arial" panose="020B0604020202020204" pitchFamily="34" charset="0"/>
               </a:rPr>
-              <a:t>1.6</a:t>
-            </a:r>
-          </a:p>
-        </p:txBody>
-      </p:sp>
-      <p:sp>
-        <p:nvSpPr>
-          <p:cNvPr id="130" name="Oval 129">
-            <a:extLst>
-              <a:ext uri="{FF2B5EF4-FFF2-40B4-BE49-F238E27FC236}">
-                <a16:creationId xmlns:a16="http://schemas.microsoft.com/office/drawing/2014/main" id="{21B075B1-99C7-C04A-8C1B-229FF282B726}"/>
+              <a:t>1.2</a:t>
+            </a:r>
+          </a:p>
+        </p:txBody>
+      </p:sp>
+      <p:sp>
+        <p:nvSpPr>
+          <p:cNvPr id="136" name="Oval 135">
+            <a:extLst>
+              <a:ext uri="{FF2B5EF4-FFF2-40B4-BE49-F238E27FC236}">
+                <a16:creationId xmlns:a16="http://schemas.microsoft.com/office/drawing/2014/main" id="{8883E90E-2B69-9B42-B954-561E833F7F65}"/>
               </a:ext>
             </a:extLst>
           </p:cNvPr>
@@ -5820,8 +5367,8 @@
         </p:nvSpPr>
         <p:spPr>
           <a:xfrm>
-            <a:off x="3010518" y="4312137"/>
-            <a:ext cx="300569" cy="204616"/>
+            <a:off x="10090876" y="1104008"/>
+            <a:ext cx="253435" cy="212902"/>
           </a:xfrm>
           <a:prstGeom prst="ellipse">
             <a:avLst/>
@@ -5861,17 +5408,17 @@
                 <a:latin typeface="Arial" panose="020B0604020202020204" pitchFamily="34" charset="0"/>
                 <a:cs typeface="Arial" panose="020B0604020202020204" pitchFamily="34" charset="0"/>
               </a:rPr>
-              <a:t>1.10</a:t>
-            </a:r>
-          </a:p>
-        </p:txBody>
-      </p:sp>
-      <p:sp>
-        <p:nvSpPr>
-          <p:cNvPr id="132" name="Oval 131">
-            <a:extLst>
-              <a:ext uri="{FF2B5EF4-FFF2-40B4-BE49-F238E27FC236}">
-                <a16:creationId xmlns:a16="http://schemas.microsoft.com/office/drawing/2014/main" id="{E90E9980-B378-8B48-A029-3577A1108948}"/>
+              <a:t>2.2</a:t>
+            </a:r>
+          </a:p>
+        </p:txBody>
+      </p:sp>
+      <p:sp>
+        <p:nvSpPr>
+          <p:cNvPr id="51" name="Rectangle 50">
+            <a:extLst>
+              <a:ext uri="{FF2B5EF4-FFF2-40B4-BE49-F238E27FC236}">
+                <a16:creationId xmlns:a16="http://schemas.microsoft.com/office/drawing/2014/main" id="{94E4C51E-7A98-6F4B-822A-7AA7100FCB0A}"/>
               </a:ext>
             </a:extLst>
           </p:cNvPr>
@@ -5880,19 +5427,18 @@
         </p:nvSpPr>
         <p:spPr>
           <a:xfrm>
-            <a:off x="1350075" y="3383633"/>
-            <a:ext cx="253435" cy="212902"/>
-          </a:xfrm>
-          <a:prstGeom prst="ellipse">
+            <a:off x="9851790" y="1835502"/>
+            <a:ext cx="1236216" cy="1399834"/>
+          </a:xfrm>
+          <a:prstGeom prst="rect">
             <a:avLst/>
           </a:prstGeom>
-          <a:solidFill>
-            <a:schemeClr val="tx1"/>
-          </a:solidFill>
-          <a:ln>
+          <a:noFill/>
+          <a:ln w="12700">
             <a:solidFill>
               <a:schemeClr val="tx1"/>
             </a:solidFill>
+            <a:prstDash val="dash"/>
           </a:ln>
         </p:spPr>
         <p:style>
@@ -5912,26 +5458,30 @@
           </a:fontRef>
         </p:style>
         <p:txBody>
-          <a:bodyPr lIns="0" tIns="0" rIns="0" bIns="0" rtlCol="0" anchor="ctr"/>
+          <a:bodyPr rot="0" spcFirstLastPara="0" vertOverflow="overflow" horzOverflow="overflow" vert="horz" wrap="square" lIns="91440" tIns="0" rIns="91440" bIns="45720" numCol="1" spcCol="0" rtlCol="0" fromWordArt="0" anchor="t" anchorCtr="0" forceAA="0" compatLnSpc="1">
+            <a:noAutofit/>
+          </a:bodyPr>
           <a:lstStyle/>
           <a:p>
-            <a:pPr algn="ctr"/>
-            <a:r>
-              <a:rPr lang="en-US" sz="800" dirty="0">
+            <a:r>
+              <a:rPr lang="en-US" sz="1100" b="1" dirty="0">
+                <a:solidFill>
+                  <a:schemeClr val="tx1"/>
+                </a:solidFill>
                 <a:latin typeface="Arial" panose="020B0604020202020204" pitchFamily="34" charset="0"/>
                 <a:cs typeface="Arial" panose="020B0604020202020204" pitchFamily="34" charset="0"/>
               </a:rPr>
-              <a:t>1.2</a:t>
-            </a:r>
-          </a:p>
-        </p:txBody>
-      </p:sp>
-      <p:sp>
-        <p:nvSpPr>
-          <p:cNvPr id="133" name="Oval 132">
-            <a:extLst>
-              <a:ext uri="{FF2B5EF4-FFF2-40B4-BE49-F238E27FC236}">
-                <a16:creationId xmlns:a16="http://schemas.microsoft.com/office/drawing/2014/main" id="{C8F90A1A-7217-E543-8402-8ADC936F45BF}"/>
+              <a:t>region-1</a:t>
+            </a:r>
+          </a:p>
+        </p:txBody>
+      </p:sp>
+      <p:sp>
+        <p:nvSpPr>
+          <p:cNvPr id="70" name="Rectangle 69">
+            <a:extLst>
+              <a:ext uri="{FF2B5EF4-FFF2-40B4-BE49-F238E27FC236}">
+                <a16:creationId xmlns:a16="http://schemas.microsoft.com/office/drawing/2014/main" id="{B9B0DB77-AA27-F240-9DBA-0C4D391FE38F}"/>
               </a:ext>
             </a:extLst>
           </p:cNvPr>
@@ -5940,19 +5490,18 @@
         </p:nvSpPr>
         <p:spPr>
           <a:xfrm>
-            <a:off x="1331025" y="4015451"/>
-            <a:ext cx="253435" cy="212902"/>
-          </a:xfrm>
-          <a:prstGeom prst="ellipse">
+            <a:off x="9948026" y="2056898"/>
+            <a:ext cx="1139980" cy="1177336"/>
+          </a:xfrm>
+          <a:prstGeom prst="rect">
             <a:avLst/>
           </a:prstGeom>
-          <a:solidFill>
-            <a:schemeClr val="tx1"/>
-          </a:solidFill>
-          <a:ln>
+          <a:noFill/>
+          <a:ln w="12700">
             <a:solidFill>
               <a:schemeClr val="tx1"/>
             </a:solidFill>
+            <a:prstDash val="dash"/>
           </a:ln>
         </p:spPr>
         <p:style>
@@ -5972,26 +5521,30 @@
           </a:fontRef>
         </p:style>
         <p:txBody>
-          <a:bodyPr lIns="0" tIns="0" rIns="0" bIns="0" rtlCol="0" anchor="ctr"/>
+          <a:bodyPr rot="0" spcFirstLastPara="0" vertOverflow="overflow" horzOverflow="overflow" vert="horz" wrap="square" lIns="91440" tIns="0" rIns="91440" bIns="45720" numCol="1" spcCol="0" rtlCol="0" fromWordArt="0" anchor="t" anchorCtr="0" forceAA="0" compatLnSpc="1">
+            <a:noAutofit/>
+          </a:bodyPr>
           <a:lstStyle/>
           <a:p>
-            <a:pPr algn="ctr"/>
-            <a:r>
-              <a:rPr lang="en-US" sz="800" dirty="0">
+            <a:r>
+              <a:rPr lang="en-US" sz="1100" b="1" dirty="0">
+                <a:solidFill>
+                  <a:schemeClr val="tx1"/>
+                </a:solidFill>
                 <a:latin typeface="Arial" panose="020B0604020202020204" pitchFamily="34" charset="0"/>
                 <a:cs typeface="Arial" panose="020B0604020202020204" pitchFamily="34" charset="0"/>
               </a:rPr>
-              <a:t>1.3</a:t>
-            </a:r>
-          </a:p>
-        </p:txBody>
-      </p:sp>
-      <p:sp>
-        <p:nvSpPr>
-          <p:cNvPr id="136" name="Oval 135">
-            <a:extLst>
-              <a:ext uri="{FF2B5EF4-FFF2-40B4-BE49-F238E27FC236}">
-                <a16:creationId xmlns:a16="http://schemas.microsoft.com/office/drawing/2014/main" id="{8883E90E-2B69-9B42-B954-561E833F7F65}"/>
+              <a:t>region-2</a:t>
+            </a:r>
+          </a:p>
+        </p:txBody>
+      </p:sp>
+      <p:sp>
+        <p:nvSpPr>
+          <p:cNvPr id="71" name="Rectangle 70">
+            <a:extLst>
+              <a:ext uri="{FF2B5EF4-FFF2-40B4-BE49-F238E27FC236}">
+                <a16:creationId xmlns:a16="http://schemas.microsoft.com/office/drawing/2014/main" id="{CED78D6A-CD89-5346-873D-908A31D1183D}"/>
               </a:ext>
             </a:extLst>
           </p:cNvPr>
@@ -6000,19 +5553,18 @@
         </p:nvSpPr>
         <p:spPr>
           <a:xfrm>
-            <a:off x="10090876" y="1104008"/>
-            <a:ext cx="253435" cy="212902"/>
-          </a:xfrm>
-          <a:prstGeom prst="ellipse">
+            <a:off x="10029322" y="2282451"/>
+            <a:ext cx="1058684" cy="951784"/>
+          </a:xfrm>
+          <a:prstGeom prst="rect">
             <a:avLst/>
           </a:prstGeom>
-          <a:solidFill>
-            <a:schemeClr val="tx1"/>
-          </a:solidFill>
-          <a:ln>
+          <a:noFill/>
+          <a:ln w="12700">
             <a:solidFill>
               <a:schemeClr val="tx1"/>
             </a:solidFill>
+            <a:prstDash val="dash"/>
           </a:ln>
         </p:spPr>
         <p:style>
@@ -6032,46 +5584,151 @@
           </a:fontRef>
         </p:style>
         <p:txBody>
-          <a:bodyPr lIns="0" tIns="0" rIns="0" bIns="0" rtlCol="0" anchor="ctr"/>
+          <a:bodyPr rot="0" spcFirstLastPara="0" vertOverflow="overflow" horzOverflow="overflow" vert="horz" wrap="square" lIns="91440" tIns="0" rIns="91440" bIns="45720" numCol="1" spcCol="0" rtlCol="0" fromWordArt="0" anchor="t" anchorCtr="0" forceAA="0" compatLnSpc="1">
+            <a:noAutofit/>
+          </a:bodyPr>
           <a:lstStyle/>
           <a:p>
-            <a:pPr algn="ctr"/>
-            <a:r>
-              <a:rPr lang="en-US" sz="800" dirty="0">
+            <a:r>
+              <a:rPr lang="en-US" sz="1100" b="1" dirty="0">
+                <a:solidFill>
+                  <a:schemeClr val="tx1"/>
+                </a:solidFill>
                 <a:latin typeface="Arial" panose="020B0604020202020204" pitchFamily="34" charset="0"/>
                 <a:cs typeface="Arial" panose="020B0604020202020204" pitchFamily="34" charset="0"/>
               </a:rPr>
-              <a:t>2.2</a:t>
-            </a:r>
-          </a:p>
-        </p:txBody>
-      </p:sp>
-      <p:sp>
-        <p:nvSpPr>
-          <p:cNvPr id="51" name="Rectangle 50">
-            <a:extLst>
-              <a:ext uri="{FF2B5EF4-FFF2-40B4-BE49-F238E27FC236}">
-                <a16:creationId xmlns:a16="http://schemas.microsoft.com/office/drawing/2014/main" id="{94E4C51E-7A98-6F4B-822A-7AA7100FCB0A}"/>
-              </a:ext>
-            </a:extLst>
-          </p:cNvPr>
-          <p:cNvSpPr/>
+              <a:t>region-n</a:t>
+            </a:r>
+          </a:p>
+        </p:txBody>
+      </p:sp>
+      <p:sp>
+        <p:nvSpPr>
+          <p:cNvPr id="59" name="TextBox 58">
+            <a:extLst>
+              <a:ext uri="{FF2B5EF4-FFF2-40B4-BE49-F238E27FC236}">
+                <a16:creationId xmlns:a16="http://schemas.microsoft.com/office/drawing/2014/main" id="{DF368EA3-A8D0-7C40-9C72-DE5E49476E9C}"/>
+              </a:ext>
+            </a:extLst>
+          </p:cNvPr>
+          <p:cNvSpPr txBox="1"/>
           <p:nvPr/>
         </p:nvSpPr>
         <p:spPr>
           <a:xfrm>
-            <a:off x="9851790" y="1835502"/>
-            <a:ext cx="1236216" cy="1399834"/>
+            <a:off x="9868137" y="2954601"/>
+            <a:ext cx="1387582" cy="261610"/>
           </a:xfrm>
           <a:prstGeom prst="rect">
             <a:avLst/>
           </a:prstGeom>
           <a:noFill/>
-          <a:ln w="12700">
+        </p:spPr>
+        <p:txBody>
+          <a:bodyPr wrap="square" rtlCol="0">
+            <a:spAutoFit/>
+          </a:bodyPr>
+          <a:lstStyle/>
+          <a:p>
+            <a:pPr algn="ctr"/>
+            <a:r>
+              <a:rPr lang="en-US" altLang="en-US" sz="1100" dirty="0">
+                <a:latin typeface="Arial" panose="020B0604020202020204" pitchFamily="34" charset="0"/>
+                <a:ea typeface="Amazon Ember" panose="020B0603020204020204" pitchFamily="34" charset="0"/>
+                <a:cs typeface="Arial" panose="020B0604020202020204" pitchFamily="34" charset="0"/>
+              </a:rPr>
+              <a:t>Security Hub</a:t>
+            </a:r>
+          </a:p>
+        </p:txBody>
+      </p:sp>
+      <p:pic>
+        <p:nvPicPr>
+          <p:cNvPr id="68" name="Graphic 19">
+            <a:extLst>
+              <a:ext uri="{FF2B5EF4-FFF2-40B4-BE49-F238E27FC236}">
+                <a16:creationId xmlns:a16="http://schemas.microsoft.com/office/drawing/2014/main" id="{B3CE992A-C6D8-294E-8822-57F521C084DC}"/>
+              </a:ext>
+            </a:extLst>
+          </p:cNvPr>
+          <p:cNvPicPr>
+            <a:picLocks noChangeAspect="1" noChangeArrowheads="1"/>
+          </p:cNvPicPr>
+          <p:nvPr/>
+        </p:nvPicPr>
+        <p:blipFill>
+          <a:blip r:embed="rId9">
+            <a:extLst>
+              <a:ext uri="{28A0092B-C50C-407E-A947-70E740481C1C}">
+                <a14:useLocalDpi xmlns:a14="http://schemas.microsoft.com/office/drawing/2010/main" val="0"/>
+              </a:ext>
+            </a:extLst>
+          </a:blip>
+          <a:srcRect/>
+          <a:stretch>
+            <a:fillRect/>
+          </a:stretch>
+        </p:blipFill>
+        <p:spPr bwMode="auto">
+          <a:xfrm>
+            <a:off x="10305444" y="2521719"/>
+            <a:ext cx="457200" cy="457200"/>
+          </a:xfrm>
+          <a:prstGeom prst="rect">
+            <a:avLst/>
+          </a:prstGeom>
+          <a:noFill/>
+          <a:ln>
+            <a:noFill/>
+          </a:ln>
+          <a:extLst>
+            <a:ext uri="{909E8E84-426E-40DD-AFC4-6F175D3DCCD1}">
+              <a14:hiddenFill xmlns:a14="http://schemas.microsoft.com/office/drawing/2010/main">
+                <a:solidFill>
+                  <a:srgbClr val="FFFFFF"/>
+                </a:solidFill>
+              </a14:hiddenFill>
+            </a:ext>
+            <a:ext uri="{91240B29-F687-4F45-9708-019B960494DF}">
+              <a14:hiddenLine xmlns:a14="http://schemas.microsoft.com/office/drawing/2010/main" w="9525">
+                <a:solidFill>
+                  <a:srgbClr val="000000"/>
+                </a:solidFill>
+                <a:miter lim="800000"/>
+                <a:headEnd/>
+                <a:tailEnd/>
+              </a14:hiddenLine>
+            </a:ext>
+          </a:extLst>
+        </p:spPr>
+      </p:pic>
+      <p:sp>
+        <p:nvSpPr>
+          <p:cNvPr id="83" name="Oval 82">
+            <a:extLst>
+              <a:ext uri="{FF2B5EF4-FFF2-40B4-BE49-F238E27FC236}">
+                <a16:creationId xmlns:a16="http://schemas.microsoft.com/office/drawing/2014/main" id="{7FAA5BDA-59EE-924B-ACDA-6C50D7ABCDCD}"/>
+              </a:ext>
+            </a:extLst>
+          </p:cNvPr>
+          <p:cNvSpPr/>
+          <p:nvPr/>
+        </p:nvSpPr>
+        <p:spPr>
+          <a:xfrm>
+            <a:off x="10311889" y="2529458"/>
+            <a:ext cx="253435" cy="212902"/>
+          </a:xfrm>
+          <a:prstGeom prst="ellipse">
+            <a:avLst/>
+          </a:prstGeom>
+          <a:solidFill>
+            <a:schemeClr val="tx1"/>
+          </a:solidFill>
+          <a:ln>
             <a:solidFill>
               <a:schemeClr val="tx1"/>
             </a:solidFill>
-            <a:prstDash val="dash"/>
           </a:ln>
         </p:spPr>
         <p:style>
@@ -6091,50 +5748,147 @@
           </a:fontRef>
         </p:style>
         <p:txBody>
-          <a:bodyPr rot="0" spcFirstLastPara="0" vertOverflow="overflow" horzOverflow="overflow" vert="horz" wrap="square" lIns="91440" tIns="0" rIns="91440" bIns="45720" numCol="1" spcCol="0" rtlCol="0" fromWordArt="0" anchor="t" anchorCtr="0" forceAA="0" compatLnSpc="1">
-            <a:noAutofit/>
-          </a:bodyPr>
+          <a:bodyPr lIns="0" tIns="0" rIns="0" bIns="0" rtlCol="0" anchor="ctr"/>
           <a:lstStyle/>
           <a:p>
-            <a:r>
-              <a:rPr lang="en-US" sz="1100" b="1" dirty="0">
-                <a:solidFill>
-                  <a:schemeClr val="tx1"/>
-                </a:solidFill>
+            <a:pPr algn="ctr"/>
+            <a:r>
+              <a:rPr lang="en-US" sz="800" dirty="0">
                 <a:latin typeface="Arial" panose="020B0604020202020204" pitchFamily="34" charset="0"/>
                 <a:cs typeface="Arial" panose="020B0604020202020204" pitchFamily="34" charset="0"/>
               </a:rPr>
-              <a:t>region-1</a:t>
-            </a:r>
-          </a:p>
-        </p:txBody>
-      </p:sp>
-      <p:sp>
-        <p:nvSpPr>
-          <p:cNvPr id="70" name="Rectangle 69">
-            <a:extLst>
-              <a:ext uri="{FF2B5EF4-FFF2-40B4-BE49-F238E27FC236}">
-                <a16:creationId xmlns:a16="http://schemas.microsoft.com/office/drawing/2014/main" id="{B9B0DB77-AA27-F240-9DBA-0C4D391FE38F}"/>
-              </a:ext>
-            </a:extLst>
-          </p:cNvPr>
-          <p:cNvSpPr/>
+              <a:t>2.4</a:t>
+            </a:r>
+          </a:p>
+        </p:txBody>
+      </p:sp>
+      <p:sp>
+        <p:nvSpPr>
+          <p:cNvPr id="84" name="TextBox 83">
+            <a:extLst>
+              <a:ext uri="{FF2B5EF4-FFF2-40B4-BE49-F238E27FC236}">
+                <a16:creationId xmlns:a16="http://schemas.microsoft.com/office/drawing/2014/main" id="{CA6FA08B-9C3A-C74A-9199-441BF175B015}"/>
+              </a:ext>
+            </a:extLst>
+          </p:cNvPr>
+          <p:cNvSpPr txBox="1"/>
           <p:nvPr/>
         </p:nvSpPr>
         <p:spPr>
           <a:xfrm>
-            <a:off x="9948026" y="2056898"/>
-            <a:ext cx="1139980" cy="1177336"/>
+            <a:off x="8031550" y="3003414"/>
+            <a:ext cx="1037821" cy="261610"/>
           </a:xfrm>
           <a:prstGeom prst="rect">
             <a:avLst/>
           </a:prstGeom>
           <a:noFill/>
-          <a:ln w="12700">
+        </p:spPr>
+        <p:txBody>
+          <a:bodyPr wrap="square" rtlCol="0">
+            <a:spAutoFit/>
+          </a:bodyPr>
+          <a:lstStyle/>
+          <a:p>
+            <a:pPr algn="ctr"/>
+            <a:r>
+              <a:rPr lang="en-US" altLang="en-US" sz="1100" dirty="0">
+                <a:latin typeface="Arial" panose="020B0604020202020204" pitchFamily="34" charset="0"/>
+                <a:ea typeface="Amazon Ember" panose="020B0603020204020204" pitchFamily="34" charset="0"/>
+                <a:cs typeface="Arial" panose="020B0604020202020204" pitchFamily="34" charset="0"/>
+              </a:rPr>
+              <a:t>Security Hub</a:t>
+            </a:r>
+          </a:p>
+        </p:txBody>
+      </p:sp>
+      <p:pic>
+        <p:nvPicPr>
+          <p:cNvPr id="85" name="Graphic 19">
+            <a:extLst>
+              <a:ext uri="{FF2B5EF4-FFF2-40B4-BE49-F238E27FC236}">
+                <a16:creationId xmlns:a16="http://schemas.microsoft.com/office/drawing/2014/main" id="{052D1FA4-53EF-3D4D-8389-53F260FA7527}"/>
+              </a:ext>
+            </a:extLst>
+          </p:cNvPr>
+          <p:cNvPicPr>
+            <a:picLocks noChangeAspect="1" noChangeArrowheads="1"/>
+          </p:cNvPicPr>
+          <p:nvPr/>
+        </p:nvPicPr>
+        <p:blipFill>
+          <a:blip r:embed="rId9">
+            <a:extLst>
+              <a:ext uri="{28A0092B-C50C-407E-A947-70E740481C1C}">
+                <a14:useLocalDpi xmlns:a14="http://schemas.microsoft.com/office/drawing/2010/main" val="0"/>
+              </a:ext>
+            </a:extLst>
+          </a:blip>
+          <a:srcRect/>
+          <a:stretch>
+            <a:fillRect/>
+          </a:stretch>
+        </p:blipFill>
+        <p:spPr bwMode="auto">
+          <a:xfrm>
+            <a:off x="8321861" y="2549594"/>
+            <a:ext cx="457200" cy="457200"/>
+          </a:xfrm>
+          <a:prstGeom prst="rect">
+            <a:avLst/>
+          </a:prstGeom>
+          <a:noFill/>
+          <a:ln>
+            <a:noFill/>
+          </a:ln>
+          <a:extLst>
+            <a:ext uri="{909E8E84-426E-40DD-AFC4-6F175D3DCCD1}">
+              <a14:hiddenFill xmlns:a14="http://schemas.microsoft.com/office/drawing/2010/main">
+                <a:solidFill>
+                  <a:srgbClr val="FFFFFF"/>
+                </a:solidFill>
+              </a14:hiddenFill>
+            </a:ext>
+            <a:ext uri="{91240B29-F687-4F45-9708-019B960494DF}">
+              <a14:hiddenLine xmlns:a14="http://schemas.microsoft.com/office/drawing/2010/main" w="9525">
+                <a:solidFill>
+                  <a:srgbClr val="000000"/>
+                </a:solidFill>
+                <a:miter lim="800000"/>
+                <a:headEnd/>
+                <a:tailEnd/>
+              </a14:hiddenLine>
+            </a:ext>
+          </a:extLst>
+        </p:spPr>
+      </p:pic>
+      <p:sp>
+        <p:nvSpPr>
+          <p:cNvPr id="86" name="Oval 85">
+            <a:extLst>
+              <a:ext uri="{FF2B5EF4-FFF2-40B4-BE49-F238E27FC236}">
+                <a16:creationId xmlns:a16="http://schemas.microsoft.com/office/drawing/2014/main" id="{35153FDD-FB22-B342-84E8-288ECF8E2988}"/>
+              </a:ext>
+            </a:extLst>
+          </p:cNvPr>
+          <p:cNvSpPr/>
+          <p:nvPr/>
+        </p:nvSpPr>
+        <p:spPr>
+          <a:xfrm>
+            <a:off x="8329922" y="2557333"/>
+            <a:ext cx="253435" cy="212902"/>
+          </a:xfrm>
+          <a:prstGeom prst="ellipse">
+            <a:avLst/>
+          </a:prstGeom>
+          <a:solidFill>
+            <a:schemeClr val="tx1"/>
+          </a:solidFill>
+          <a:ln>
             <a:solidFill>
               <a:schemeClr val="tx1"/>
             </a:solidFill>
-            <a:prstDash val="dash"/>
           </a:ln>
         </p:spPr>
         <p:style>
@@ -6154,30 +5908,26 @@
           </a:fontRef>
         </p:style>
         <p:txBody>
-          <a:bodyPr rot="0" spcFirstLastPara="0" vertOverflow="overflow" horzOverflow="overflow" vert="horz" wrap="square" lIns="91440" tIns="0" rIns="91440" bIns="45720" numCol="1" spcCol="0" rtlCol="0" fromWordArt="0" anchor="t" anchorCtr="0" forceAA="0" compatLnSpc="1">
-            <a:noAutofit/>
-          </a:bodyPr>
+          <a:bodyPr lIns="0" tIns="0" rIns="0" bIns="0" rtlCol="0" anchor="ctr"/>
           <a:lstStyle/>
           <a:p>
-            <a:r>
-              <a:rPr lang="en-US" sz="1100" b="1" dirty="0">
-                <a:solidFill>
-                  <a:schemeClr val="tx1"/>
-                </a:solidFill>
+            <a:pPr algn="ctr"/>
+            <a:r>
+              <a:rPr lang="en-US" sz="800" dirty="0">
                 <a:latin typeface="Arial" panose="020B0604020202020204" pitchFamily="34" charset="0"/>
                 <a:cs typeface="Arial" panose="020B0604020202020204" pitchFamily="34" charset="0"/>
               </a:rPr>
-              <a:t>region-2</a:t>
-            </a:r>
-          </a:p>
-        </p:txBody>
-      </p:sp>
-      <p:sp>
-        <p:nvSpPr>
-          <p:cNvPr id="71" name="Rectangle 70">
-            <a:extLst>
-              <a:ext uri="{FF2B5EF4-FFF2-40B4-BE49-F238E27FC236}">
-                <a16:creationId xmlns:a16="http://schemas.microsoft.com/office/drawing/2014/main" id="{CED78D6A-CD89-5346-873D-908A31D1183D}"/>
+              <a:t>2.3</a:t>
+            </a:r>
+          </a:p>
+        </p:txBody>
+      </p:sp>
+      <p:sp>
+        <p:nvSpPr>
+          <p:cNvPr id="17" name="Left Arrow Callout 16">
+            <a:extLst>
+              <a:ext uri="{FF2B5EF4-FFF2-40B4-BE49-F238E27FC236}">
+                <a16:creationId xmlns:a16="http://schemas.microsoft.com/office/drawing/2014/main" id="{64B27E64-AD91-9D47-8309-E5091AFF20AB}"/>
               </a:ext>
             </a:extLst>
           </p:cNvPr>
@@ -6186,8 +5936,65 @@
         </p:nvSpPr>
         <p:spPr>
           <a:xfrm>
-            <a:off x="10029322" y="2282451"/>
-            <a:ext cx="1058684" cy="951784"/>
+            <a:off x="8881524" y="2612468"/>
+            <a:ext cx="869182" cy="394326"/>
+          </a:xfrm>
+          <a:prstGeom prst="leftArrowCallout">
+            <a:avLst>
+              <a:gd name="adj1" fmla="val 16886"/>
+              <a:gd name="adj2" fmla="val 25000"/>
+              <a:gd name="adj3" fmla="val 26600"/>
+              <a:gd name="adj4" fmla="val 84605"/>
+            </a:avLst>
+          </a:prstGeom>
+          <a:ln>
+            <a:solidFill>
+              <a:schemeClr val="dk1"/>
+            </a:solidFill>
+          </a:ln>
+        </p:spPr>
+        <p:style>
+          <a:lnRef idx="2">
+            <a:schemeClr val="dk1"/>
+          </a:lnRef>
+          <a:fillRef idx="1">
+            <a:schemeClr val="lt1"/>
+          </a:fillRef>
+          <a:effectRef idx="0">
+            <a:schemeClr val="dk1"/>
+          </a:effectRef>
+          <a:fontRef idx="minor">
+            <a:schemeClr val="dk1"/>
+          </a:fontRef>
+        </p:style>
+        <p:txBody>
+          <a:bodyPr lIns="0" tIns="0" rIns="0" bIns="0" rtlCol="0" anchor="ctr"/>
+          <a:lstStyle/>
+          <a:p>
+            <a:pPr algn="ctr"/>
+            <a:r>
+              <a:rPr lang="en-US" sz="1000" dirty="0"/>
+              <a:t>Region Aggregator</a:t>
+            </a:r>
+          </a:p>
+        </p:txBody>
+      </p:sp>
+      <p:sp>
+        <p:nvSpPr>
+          <p:cNvPr id="90" name="Rectangle 89">
+            <a:extLst>
+              <a:ext uri="{FF2B5EF4-FFF2-40B4-BE49-F238E27FC236}">
+                <a16:creationId xmlns:a16="http://schemas.microsoft.com/office/drawing/2014/main" id="{47B93F37-6BED-7842-BCB8-8257FA6836B8}"/>
+              </a:ext>
+            </a:extLst>
+          </p:cNvPr>
+          <p:cNvSpPr/>
+          <p:nvPr/>
+        </p:nvSpPr>
+        <p:spPr>
+          <a:xfrm>
+            <a:off x="7896701" y="3577177"/>
+            <a:ext cx="3455224" cy="2750796"/>
           </a:xfrm>
           <a:prstGeom prst="rect">
             <a:avLst/>
@@ -6197,7 +6004,7 @@
             <a:solidFill>
               <a:schemeClr val="tx1"/>
             </a:solidFill>
-            <a:prstDash val="dash"/>
+            <a:prstDash val="solid"/>
           </a:ln>
         </p:spPr>
         <p:style>
@@ -6217,130 +6024,47 @@
           </a:fontRef>
         </p:style>
         <p:txBody>
-          <a:bodyPr rot="0" spcFirstLastPara="0" vertOverflow="overflow" horzOverflow="overflow" vert="horz" wrap="square" lIns="91440" tIns="0" rIns="91440" bIns="45720" numCol="1" spcCol="0" rtlCol="0" fromWordArt="0" anchor="t" anchorCtr="0" forceAA="0" compatLnSpc="1">
+          <a:bodyPr rot="0" spcFirstLastPara="0" vertOverflow="overflow" horzOverflow="overflow" vert="horz" wrap="square" lIns="91440" tIns="91440" rIns="91440" bIns="45720" numCol="1" spcCol="0" rtlCol="0" fromWordArt="0" anchor="t" anchorCtr="0" forceAA="0" compatLnSpc="1">
+            <a:prstTxWarp prst="textNoShape">
+              <a:avLst/>
+            </a:prstTxWarp>
             <a:noAutofit/>
           </a:bodyPr>
           <a:lstStyle/>
           <a:p>
-            <a:r>
-              <a:rPr lang="en-US" sz="1100" b="1" dirty="0">
+            <a:pPr algn="ctr"/>
+            <a:r>
+              <a:rPr lang="en-US" sz="1400" dirty="0">
                 <a:solidFill>
                   <a:schemeClr val="tx1"/>
                 </a:solidFill>
                 <a:latin typeface="Arial" panose="020B0604020202020204" pitchFamily="34" charset="0"/>
                 <a:cs typeface="Arial" panose="020B0604020202020204" pitchFamily="34" charset="0"/>
               </a:rPr>
-              <a:t>region-n</a:t>
-            </a:r>
-          </a:p>
-        </p:txBody>
-      </p:sp>
-      <p:sp>
-        <p:nvSpPr>
-          <p:cNvPr id="59" name="TextBox 58">
-            <a:extLst>
-              <a:ext uri="{FF2B5EF4-FFF2-40B4-BE49-F238E27FC236}">
-                <a16:creationId xmlns:a16="http://schemas.microsoft.com/office/drawing/2014/main" id="{DF368EA3-A8D0-7C40-9C72-DE5E49476E9C}"/>
-              </a:ext>
-            </a:extLst>
-          </p:cNvPr>
-          <p:cNvSpPr txBox="1"/>
-          <p:nvPr/>
-        </p:nvSpPr>
-        <p:spPr>
-          <a:xfrm>
-            <a:off x="9868137" y="2954601"/>
-            <a:ext cx="1387582" cy="261610"/>
-          </a:xfrm>
-          <a:prstGeom prst="rect">
-            <a:avLst/>
-          </a:prstGeom>
-          <a:noFill/>
-        </p:spPr>
-        <p:txBody>
-          <a:bodyPr wrap="square" rtlCol="0">
-            <a:spAutoFit/>
-          </a:bodyPr>
-          <a:lstStyle/>
+              <a:t>All Existing and Future </a:t>
+            </a:r>
+          </a:p>
           <a:p>
             <a:pPr algn="ctr"/>
             <a:r>
-              <a:rPr lang="en-US" altLang="en-US" sz="1100" dirty="0">
+              <a:rPr lang="en-US" sz="1400" dirty="0">
+                <a:solidFill>
+                  <a:schemeClr val="tx1"/>
+                </a:solidFill>
                 <a:latin typeface="Arial" panose="020B0604020202020204" pitchFamily="34" charset="0"/>
-                <a:ea typeface="Amazon Ember" panose="020B0603020204020204" pitchFamily="34" charset="0"/>
                 <a:cs typeface="Arial" panose="020B0604020202020204" pitchFamily="34" charset="0"/>
               </a:rPr>
-              <a:t>Security Hub</a:t>
-            </a:r>
-          </a:p>
-        </p:txBody>
-      </p:sp>
-      <p:pic>
-        <p:nvPicPr>
-          <p:cNvPr id="68" name="Graphic 19">
-            <a:extLst>
-              <a:ext uri="{FF2B5EF4-FFF2-40B4-BE49-F238E27FC236}">
-                <a16:creationId xmlns:a16="http://schemas.microsoft.com/office/drawing/2014/main" id="{B3CE992A-C6D8-294E-8822-57F521C084DC}"/>
-              </a:ext>
-            </a:extLst>
-          </p:cNvPr>
-          <p:cNvPicPr>
-            <a:picLocks noChangeAspect="1" noChangeArrowheads="1"/>
-          </p:cNvPicPr>
-          <p:nvPr/>
-        </p:nvPicPr>
-        <p:blipFill>
-          <a:blip r:embed="rId10">
-            <a:extLst>
-              <a:ext uri="{28A0092B-C50C-407E-A947-70E740481C1C}">
-                <a14:useLocalDpi xmlns:a14="http://schemas.microsoft.com/office/drawing/2010/main" val="0"/>
-              </a:ext>
-            </a:extLst>
-          </a:blip>
-          <a:srcRect/>
-          <a:stretch>
-            <a:fillRect/>
-          </a:stretch>
-        </p:blipFill>
-        <p:spPr bwMode="auto">
-          <a:xfrm>
-            <a:off x="10305444" y="2521719"/>
-            <a:ext cx="457200" cy="457200"/>
-          </a:xfrm>
-          <a:prstGeom prst="rect">
-            <a:avLst/>
-          </a:prstGeom>
-          <a:noFill/>
-          <a:ln>
-            <a:noFill/>
-          </a:ln>
-          <a:extLst>
-            <a:ext uri="{909E8E84-426E-40DD-AFC4-6F175D3DCCD1}">
-              <a14:hiddenFill xmlns:a14="http://schemas.microsoft.com/office/drawing/2010/main">
-                <a:solidFill>
-                  <a:srgbClr val="FFFFFF"/>
-                </a:solidFill>
-              </a14:hiddenFill>
-            </a:ext>
-            <a:ext uri="{91240B29-F687-4F45-9708-019B960494DF}">
-              <a14:hiddenLine xmlns:a14="http://schemas.microsoft.com/office/drawing/2010/main" w="9525">
-                <a:solidFill>
-                  <a:srgbClr val="000000"/>
-                </a:solidFill>
-                <a:miter lim="800000"/>
-                <a:headEnd/>
-                <a:tailEnd/>
-              </a14:hiddenLine>
-            </a:ext>
-          </a:extLst>
-        </p:spPr>
-      </p:pic>
-      <p:sp>
-        <p:nvSpPr>
-          <p:cNvPr id="83" name="Oval 82">
-            <a:extLst>
-              <a:ext uri="{FF2B5EF4-FFF2-40B4-BE49-F238E27FC236}">
-                <a16:creationId xmlns:a16="http://schemas.microsoft.com/office/drawing/2014/main" id="{7FAA5BDA-59EE-924B-ACDA-6C50D7ABCDCD}"/>
+              <a:t>Organization Member Accounts</a:t>
+            </a:r>
+          </a:p>
+        </p:txBody>
+      </p:sp>
+      <p:sp>
+        <p:nvSpPr>
+          <p:cNvPr id="91" name="Oval 90">
+            <a:extLst>
+              <a:ext uri="{FF2B5EF4-FFF2-40B4-BE49-F238E27FC236}">
+                <a16:creationId xmlns:a16="http://schemas.microsoft.com/office/drawing/2014/main" id="{4F6D3A5E-6D06-304A-97F5-69FDBDFDA450}"/>
               </a:ext>
             </a:extLst>
           </p:cNvPr>
@@ -6349,7 +6073,7 @@
         </p:nvSpPr>
         <p:spPr>
           <a:xfrm>
-            <a:off x="10311889" y="2529458"/>
+            <a:off x="7923154" y="3599017"/>
             <a:ext cx="253435" cy="212902"/>
           </a:xfrm>
           <a:prstGeom prst="ellipse">
@@ -6386,142 +6110,38 @@
           <a:p>
             <a:pPr algn="ctr"/>
             <a:r>
-              <a:rPr lang="en-US" sz="800" dirty="0">
-                <a:latin typeface="Arial" panose="020B0604020202020204" pitchFamily="34" charset="0"/>
-                <a:cs typeface="Arial" panose="020B0604020202020204" pitchFamily="34" charset="0"/>
-              </a:rPr>
-              <a:t>2.4</a:t>
-            </a:r>
-          </a:p>
-        </p:txBody>
-      </p:sp>
-      <p:sp>
-        <p:nvSpPr>
-          <p:cNvPr id="84" name="TextBox 83">
-            <a:extLst>
-              <a:ext uri="{FF2B5EF4-FFF2-40B4-BE49-F238E27FC236}">
-                <a16:creationId xmlns:a16="http://schemas.microsoft.com/office/drawing/2014/main" id="{CA6FA08B-9C3A-C74A-9199-441BF175B015}"/>
-              </a:ext>
-            </a:extLst>
-          </p:cNvPr>
-          <p:cNvSpPr txBox="1"/>
+              <a:rPr lang="en-US" sz="800" dirty="0"/>
+              <a:t>3.0</a:t>
+            </a:r>
+          </a:p>
+        </p:txBody>
+      </p:sp>
+      <p:sp>
+        <p:nvSpPr>
+          <p:cNvPr id="92" name="Rectangle 91">
+            <a:extLst>
+              <a:ext uri="{FF2B5EF4-FFF2-40B4-BE49-F238E27FC236}">
+                <a16:creationId xmlns:a16="http://schemas.microsoft.com/office/drawing/2014/main" id="{00FDA628-A4EA-EB48-92B2-27CAC6AB8DD3}"/>
+              </a:ext>
+            </a:extLst>
+          </p:cNvPr>
+          <p:cNvSpPr/>
           <p:nvPr/>
         </p:nvSpPr>
         <p:spPr>
           <a:xfrm>
-            <a:off x="8031550" y="3003414"/>
-            <a:ext cx="1037821" cy="261610"/>
+            <a:off x="7995097" y="4185150"/>
+            <a:ext cx="3260622" cy="1997165"/>
           </a:xfrm>
           <a:prstGeom prst="rect">
             <a:avLst/>
           </a:prstGeom>
           <a:noFill/>
-        </p:spPr>
-        <p:txBody>
-          <a:bodyPr wrap="square" rtlCol="0">
-            <a:spAutoFit/>
-          </a:bodyPr>
-          <a:lstStyle/>
-          <a:p>
-            <a:pPr algn="ctr"/>
-            <a:r>
-              <a:rPr lang="en-US" altLang="en-US" sz="1100" dirty="0">
-                <a:latin typeface="Arial" panose="020B0604020202020204" pitchFamily="34" charset="0"/>
-                <a:ea typeface="Amazon Ember" panose="020B0603020204020204" pitchFamily="34" charset="0"/>
-                <a:cs typeface="Arial" panose="020B0604020202020204" pitchFamily="34" charset="0"/>
-              </a:rPr>
-              <a:t>Security Hub</a:t>
-            </a:r>
-          </a:p>
-        </p:txBody>
-      </p:sp>
-      <p:pic>
-        <p:nvPicPr>
-          <p:cNvPr id="85" name="Graphic 19">
-            <a:extLst>
-              <a:ext uri="{FF2B5EF4-FFF2-40B4-BE49-F238E27FC236}">
-                <a16:creationId xmlns:a16="http://schemas.microsoft.com/office/drawing/2014/main" id="{052D1FA4-53EF-3D4D-8389-53F260FA7527}"/>
-              </a:ext>
-            </a:extLst>
-          </p:cNvPr>
-          <p:cNvPicPr>
-            <a:picLocks noChangeAspect="1" noChangeArrowheads="1"/>
-          </p:cNvPicPr>
-          <p:nvPr/>
-        </p:nvPicPr>
-        <p:blipFill>
-          <a:blip r:embed="rId10">
-            <a:extLst>
-              <a:ext uri="{28A0092B-C50C-407E-A947-70E740481C1C}">
-                <a14:useLocalDpi xmlns:a14="http://schemas.microsoft.com/office/drawing/2010/main" val="0"/>
-              </a:ext>
-            </a:extLst>
-          </a:blip>
-          <a:srcRect/>
-          <a:stretch>
-            <a:fillRect/>
-          </a:stretch>
-        </p:blipFill>
-        <p:spPr bwMode="auto">
-          <a:xfrm>
-            <a:off x="8321861" y="2549594"/>
-            <a:ext cx="457200" cy="457200"/>
-          </a:xfrm>
-          <a:prstGeom prst="rect">
-            <a:avLst/>
-          </a:prstGeom>
-          <a:noFill/>
-          <a:ln>
-            <a:noFill/>
-          </a:ln>
-          <a:extLst>
-            <a:ext uri="{909E8E84-426E-40DD-AFC4-6F175D3DCCD1}">
-              <a14:hiddenFill xmlns:a14="http://schemas.microsoft.com/office/drawing/2010/main">
-                <a:solidFill>
-                  <a:srgbClr val="FFFFFF"/>
-                </a:solidFill>
-              </a14:hiddenFill>
-            </a:ext>
-            <a:ext uri="{91240B29-F687-4F45-9708-019B960494DF}">
-              <a14:hiddenLine xmlns:a14="http://schemas.microsoft.com/office/drawing/2010/main" w="9525">
-                <a:solidFill>
-                  <a:srgbClr val="000000"/>
-                </a:solidFill>
-                <a:miter lim="800000"/>
-                <a:headEnd/>
-                <a:tailEnd/>
-              </a14:hiddenLine>
-            </a:ext>
-          </a:extLst>
-        </p:spPr>
-      </p:pic>
-      <p:sp>
-        <p:nvSpPr>
-          <p:cNvPr id="86" name="Oval 85">
-            <a:extLst>
-              <a:ext uri="{FF2B5EF4-FFF2-40B4-BE49-F238E27FC236}">
-                <a16:creationId xmlns:a16="http://schemas.microsoft.com/office/drawing/2014/main" id="{35153FDD-FB22-B342-84E8-288ECF8E2988}"/>
-              </a:ext>
-            </a:extLst>
-          </p:cNvPr>
-          <p:cNvSpPr/>
-          <p:nvPr/>
-        </p:nvSpPr>
-        <p:spPr>
-          <a:xfrm>
-            <a:off x="8323198" y="2557333"/>
-            <a:ext cx="253435" cy="212902"/>
-          </a:xfrm>
-          <a:prstGeom prst="ellipse">
-            <a:avLst/>
-          </a:prstGeom>
-          <a:solidFill>
-            <a:schemeClr val="tx1"/>
-          </a:solidFill>
-          <a:ln>
+          <a:ln w="12700">
             <a:solidFill>
               <a:schemeClr val="tx1"/>
             </a:solidFill>
+            <a:prstDash val="dash"/>
           </a:ln>
         </p:spPr>
         <p:style>
@@ -6541,98 +6161,127 @@
           </a:fontRef>
         </p:style>
         <p:txBody>
-          <a:bodyPr lIns="0" tIns="0" rIns="0" bIns="0" rtlCol="0" anchor="ctr"/>
+          <a:bodyPr rot="0" spcFirstLastPara="0" vertOverflow="overflow" horzOverflow="overflow" vert="horz" wrap="square" lIns="91440" tIns="0" rIns="91440" bIns="45720" numCol="1" spcCol="0" rtlCol="0" fromWordArt="0" anchor="t" anchorCtr="0" forceAA="0" compatLnSpc="1">
+            <a:prstTxWarp prst="textNoShape">
+              <a:avLst/>
+            </a:prstTxWarp>
+            <a:noAutofit/>
+          </a:bodyPr>
           <a:lstStyle/>
           <a:p>
-            <a:pPr algn="ctr"/>
-            <a:r>
-              <a:rPr lang="en-US" sz="800" dirty="0">
-                <a:latin typeface="Arial" panose="020B0604020202020204" pitchFamily="34" charset="0"/>
-                <a:cs typeface="Arial" panose="020B0604020202020204" pitchFamily="34" charset="0"/>
+            <a:r>
+              <a:rPr lang="en-US" sz="1200" b="1" dirty="0">
+                <a:solidFill>
+                  <a:schemeClr val="tx1"/>
+                </a:solidFill>
               </a:rPr>
-              <a:t>2.3</a:t>
-            </a:r>
-          </a:p>
-        </p:txBody>
-      </p:sp>
-      <p:sp>
-        <p:nvSpPr>
-          <p:cNvPr id="17" name="Left Arrow Callout 16">
-            <a:extLst>
-              <a:ext uri="{FF2B5EF4-FFF2-40B4-BE49-F238E27FC236}">
-                <a16:creationId xmlns:a16="http://schemas.microsoft.com/office/drawing/2014/main" id="{64B27E64-AD91-9D47-8309-E5091AFF20AB}"/>
-              </a:ext>
-            </a:extLst>
-          </p:cNvPr>
-          <p:cNvSpPr/>
+              <a:t>Home-region</a:t>
+            </a:r>
+          </a:p>
+        </p:txBody>
+      </p:sp>
+      <p:sp>
+        <p:nvSpPr>
+          <p:cNvPr id="93" name="TextBox 92">
+            <a:extLst>
+              <a:ext uri="{FF2B5EF4-FFF2-40B4-BE49-F238E27FC236}">
+                <a16:creationId xmlns:a16="http://schemas.microsoft.com/office/drawing/2014/main" id="{CDCCCE1E-DD4E-3D4B-BE03-47129D861225}"/>
+              </a:ext>
+            </a:extLst>
+          </p:cNvPr>
+          <p:cNvSpPr txBox="1"/>
           <p:nvPr/>
         </p:nvSpPr>
         <p:spPr>
           <a:xfrm>
-            <a:off x="8813876" y="2547676"/>
-            <a:ext cx="989796" cy="457200"/>
-          </a:xfrm>
-          <a:prstGeom prst="leftArrowCallout">
-            <a:avLst>
-              <a:gd name="adj1" fmla="val 25000"/>
-              <a:gd name="adj2" fmla="val 25000"/>
-              <a:gd name="adj3" fmla="val 26600"/>
-              <a:gd name="adj4" fmla="val 79758"/>
-            </a:avLst>
-          </a:prstGeom>
-        </p:spPr>
-        <p:style>
-          <a:lnRef idx="2">
-            <a:schemeClr val="dk1"/>
-          </a:lnRef>
-          <a:fillRef idx="1">
-            <a:schemeClr val="lt1"/>
-          </a:fillRef>
-          <a:effectRef idx="0">
-            <a:schemeClr val="dk1"/>
-          </a:effectRef>
-          <a:fontRef idx="minor">
-            <a:schemeClr val="dk1"/>
-          </a:fontRef>
-        </p:style>
-        <p:txBody>
-          <a:bodyPr rtlCol="0" anchor="ctr"/>
-          <a:lstStyle/>
-          <a:p>
-            <a:pPr algn="ctr"/>
-            <a:r>
-              <a:rPr lang="en-US" sz="1000" dirty="0"/>
-              <a:t>Region Aggregator</a:t>
-            </a:r>
-          </a:p>
-        </p:txBody>
-      </p:sp>
-      <p:sp>
-        <p:nvSpPr>
-          <p:cNvPr id="90" name="Rectangle 89">
-            <a:extLst>
-              <a:ext uri="{FF2B5EF4-FFF2-40B4-BE49-F238E27FC236}">
-                <a16:creationId xmlns:a16="http://schemas.microsoft.com/office/drawing/2014/main" id="{47B93F37-6BED-7842-BCB8-8257FA6836B8}"/>
-              </a:ext>
-            </a:extLst>
-          </p:cNvPr>
-          <p:cNvSpPr/>
-          <p:nvPr/>
-        </p:nvSpPr>
-        <p:spPr>
-          <a:xfrm>
-            <a:off x="7896701" y="3577177"/>
-            <a:ext cx="3455224" cy="2750796"/>
+            <a:off x="8176490" y="4922992"/>
+            <a:ext cx="1209667" cy="430887"/>
           </a:xfrm>
           <a:prstGeom prst="rect">
             <a:avLst/>
           </a:prstGeom>
           <a:noFill/>
-          <a:ln w="12700">
+        </p:spPr>
+        <p:txBody>
+          <a:bodyPr wrap="square" rtlCol="0">
+            <a:spAutoFit/>
+          </a:bodyPr>
+          <a:lstStyle/>
+          <a:p>
+            <a:pPr algn="ctr"/>
+            <a:r>
+              <a:rPr lang="en-US" sz="1100" dirty="0">
+                <a:latin typeface="Arial" panose="020B0604020202020204" pitchFamily="34" charset="0"/>
+                <a:cs typeface="Arial" panose="020B0604020202020204" pitchFamily="34" charset="0"/>
+              </a:rPr>
+              <a:t>AWS CloudFormation</a:t>
+            </a:r>
+          </a:p>
+        </p:txBody>
+      </p:sp>
+      <p:pic>
+        <p:nvPicPr>
+          <p:cNvPr id="94" name="Graphic 93">
+            <a:extLst>
+              <a:ext uri="{FF2B5EF4-FFF2-40B4-BE49-F238E27FC236}">
+                <a16:creationId xmlns:a16="http://schemas.microsoft.com/office/drawing/2014/main" id="{31D7640F-4E48-1D4E-B8F0-CC6DBC330519}"/>
+              </a:ext>
+            </a:extLst>
+          </p:cNvPr>
+          <p:cNvPicPr>
+            <a:picLocks noChangeAspect="1"/>
+          </p:cNvPicPr>
+          <p:nvPr/>
+        </p:nvPicPr>
+        <p:blipFill>
+          <a:blip r:embed="rId5">
+            <a:extLst>
+              <a:ext uri="{96DAC541-7B7A-43D3-8B79-37D633B846F1}">
+                <asvg:svgBlip xmlns:asvg="http://schemas.microsoft.com/office/drawing/2016/SVG/main" r:embed="rId6"/>
+              </a:ext>
+            </a:extLst>
+          </a:blip>
+          <a:stretch>
+            <a:fillRect/>
+          </a:stretch>
+        </p:blipFill>
+        <p:spPr>
+          <a:xfrm>
+            <a:off x="8555831" y="4469389"/>
+            <a:ext cx="457200" cy="457200"/>
+          </a:xfrm>
+          <a:prstGeom prst="rect">
+            <a:avLst/>
+          </a:prstGeom>
+        </p:spPr>
+      </p:pic>
+      <p:sp>
+        <p:nvSpPr>
+          <p:cNvPr id="95" name="Oval 94">
+            <a:extLst>
+              <a:ext uri="{FF2B5EF4-FFF2-40B4-BE49-F238E27FC236}">
+                <a16:creationId xmlns:a16="http://schemas.microsoft.com/office/drawing/2014/main" id="{AD4975BB-DD6D-C54E-B125-5B4B36BCF8AC}"/>
+              </a:ext>
+            </a:extLst>
+          </p:cNvPr>
+          <p:cNvSpPr/>
+          <p:nvPr/>
+        </p:nvSpPr>
+        <p:spPr>
+          <a:xfrm>
+            <a:off x="8571057" y="4477896"/>
+            <a:ext cx="253435" cy="212902"/>
+          </a:xfrm>
+          <a:prstGeom prst="ellipse">
+            <a:avLst/>
+          </a:prstGeom>
+          <a:solidFill>
+            <a:schemeClr val="tx1"/>
+          </a:solidFill>
+          <a:ln>
             <a:solidFill>
               <a:schemeClr val="tx1"/>
             </a:solidFill>
-            <a:prstDash val="solid"/>
           </a:ln>
         </p:spPr>
         <p:style>
@@ -6652,47 +6301,258 @@
           </a:fontRef>
         </p:style>
         <p:txBody>
-          <a:bodyPr rot="0" spcFirstLastPara="0" vertOverflow="overflow" horzOverflow="overflow" vert="horz" wrap="square" lIns="91440" tIns="91440" rIns="91440" bIns="45720" numCol="1" spcCol="0" rtlCol="0" fromWordArt="0" anchor="t" anchorCtr="0" forceAA="0" compatLnSpc="1">
-            <a:prstTxWarp prst="textNoShape">
-              <a:avLst/>
-            </a:prstTxWarp>
-            <a:noAutofit/>
-          </a:bodyPr>
+          <a:bodyPr lIns="0" tIns="0" rIns="0" bIns="0" rtlCol="0" anchor="ctr"/>
           <a:lstStyle/>
           <a:p>
             <a:pPr algn="ctr"/>
             <a:r>
-              <a:rPr lang="en-US" sz="1400" dirty="0">
-                <a:solidFill>
-                  <a:schemeClr val="tx1"/>
-                </a:solidFill>
+              <a:rPr lang="en-US" sz="800" dirty="0">
                 <a:latin typeface="Arial" panose="020B0604020202020204" pitchFamily="34" charset="0"/>
                 <a:cs typeface="Arial" panose="020B0604020202020204" pitchFamily="34" charset="0"/>
               </a:rPr>
-              <a:t>All Existing and Future </a:t>
-            </a:r>
-          </a:p>
+              <a:t>3.1</a:t>
+            </a:r>
+          </a:p>
+        </p:txBody>
+      </p:sp>
+      <p:sp>
+        <p:nvSpPr>
+          <p:cNvPr id="96" name="TextBox 29">
+            <a:extLst>
+              <a:ext uri="{FF2B5EF4-FFF2-40B4-BE49-F238E27FC236}">
+                <a16:creationId xmlns:a16="http://schemas.microsoft.com/office/drawing/2014/main" id="{C618E77E-F039-1E4A-96DB-E5F160FF919B}"/>
+              </a:ext>
+            </a:extLst>
+          </p:cNvPr>
+          <p:cNvSpPr txBox="1">
+            <a:spLocks noChangeArrowheads="1"/>
+          </p:cNvSpPr>
+          <p:nvPr/>
+        </p:nvSpPr>
+        <p:spPr bwMode="auto">
+          <a:xfrm>
+            <a:off x="8295095" y="5683869"/>
+            <a:ext cx="1062976" cy="430887"/>
+          </a:xfrm>
+          <a:prstGeom prst="rect">
+            <a:avLst/>
+          </a:prstGeom>
+          <a:noFill/>
+          <a:ln>
+            <a:noFill/>
+          </a:ln>
+          <a:extLst>
+            <a:ext uri="{909E8E84-426E-40DD-AFC4-6F175D3DCCD1}">
+              <a14:hiddenFill xmlns:a14="http://schemas.microsoft.com/office/drawing/2010/main">
+                <a:solidFill>
+                  <a:srgbClr val="FFFFFF"/>
+                </a:solidFill>
+              </a14:hiddenFill>
+            </a:ext>
+            <a:ext uri="{91240B29-F687-4F45-9708-019B960494DF}">
+              <a14:hiddenLine xmlns:a14="http://schemas.microsoft.com/office/drawing/2010/main" w="9525">
+                <a:solidFill>
+                  <a:srgbClr val="000000"/>
+                </a:solidFill>
+                <a:miter lim="800000"/>
+                <a:headEnd/>
+                <a:tailEnd/>
+              </a14:hiddenLine>
+            </a:ext>
+          </a:extLst>
+        </p:spPr>
+        <p:txBody>
+          <a:bodyPr wrap="square">
+            <a:spAutoFit/>
+          </a:bodyPr>
+          <a:lstStyle>
+            <a:lvl1pPr>
+              <a:defRPr>
+                <a:solidFill>
+                  <a:schemeClr val="tx1"/>
+                </a:solidFill>
+                <a:latin typeface="Calibri" panose="020F0502020204030204" pitchFamily="34" charset="0"/>
+              </a:defRPr>
+            </a:lvl1pPr>
+            <a:lvl2pPr marL="742950" indent="-285750">
+              <a:defRPr>
+                <a:solidFill>
+                  <a:schemeClr val="tx1"/>
+                </a:solidFill>
+                <a:latin typeface="Calibri" panose="020F0502020204030204" pitchFamily="34" charset="0"/>
+              </a:defRPr>
+            </a:lvl2pPr>
+            <a:lvl3pPr marL="1143000" indent="-228600">
+              <a:defRPr>
+                <a:solidFill>
+                  <a:schemeClr val="tx1"/>
+                </a:solidFill>
+                <a:latin typeface="Calibri" panose="020F0502020204030204" pitchFamily="34" charset="0"/>
+              </a:defRPr>
+            </a:lvl3pPr>
+            <a:lvl4pPr marL="1600200" indent="-228600">
+              <a:defRPr>
+                <a:solidFill>
+                  <a:schemeClr val="tx1"/>
+                </a:solidFill>
+                <a:latin typeface="Calibri" panose="020F0502020204030204" pitchFamily="34" charset="0"/>
+              </a:defRPr>
+            </a:lvl4pPr>
+            <a:lvl5pPr marL="2057400" indent="-228600">
+              <a:defRPr>
+                <a:solidFill>
+                  <a:schemeClr val="tx1"/>
+                </a:solidFill>
+                <a:latin typeface="Calibri" panose="020F0502020204030204" pitchFamily="34" charset="0"/>
+              </a:defRPr>
+            </a:lvl5pPr>
+            <a:lvl6pPr marL="2514600" indent="-228600" eaLnBrk="0" fontAlgn="base" hangingPunct="0">
+              <a:spcBef>
+                <a:spcPct val="0"/>
+              </a:spcBef>
+              <a:spcAft>
+                <a:spcPct val="0"/>
+              </a:spcAft>
+              <a:defRPr>
+                <a:solidFill>
+                  <a:schemeClr val="tx1"/>
+                </a:solidFill>
+                <a:latin typeface="Calibri" panose="020F0502020204030204" pitchFamily="34" charset="0"/>
+              </a:defRPr>
+            </a:lvl6pPr>
+            <a:lvl7pPr marL="2971800" indent="-228600" eaLnBrk="0" fontAlgn="base" hangingPunct="0">
+              <a:spcBef>
+                <a:spcPct val="0"/>
+              </a:spcBef>
+              <a:spcAft>
+                <a:spcPct val="0"/>
+              </a:spcAft>
+              <a:defRPr>
+                <a:solidFill>
+                  <a:schemeClr val="tx1"/>
+                </a:solidFill>
+                <a:latin typeface="Calibri" panose="020F0502020204030204" pitchFamily="34" charset="0"/>
+              </a:defRPr>
+            </a:lvl7pPr>
+            <a:lvl8pPr marL="3429000" indent="-228600" eaLnBrk="0" fontAlgn="base" hangingPunct="0">
+              <a:spcBef>
+                <a:spcPct val="0"/>
+              </a:spcBef>
+              <a:spcAft>
+                <a:spcPct val="0"/>
+              </a:spcAft>
+              <a:defRPr>
+                <a:solidFill>
+                  <a:schemeClr val="tx1"/>
+                </a:solidFill>
+                <a:latin typeface="Calibri" panose="020F0502020204030204" pitchFamily="34" charset="0"/>
+              </a:defRPr>
+            </a:lvl8pPr>
+            <a:lvl9pPr marL="3886200" indent="-228600" eaLnBrk="0" fontAlgn="base" hangingPunct="0">
+              <a:spcBef>
+                <a:spcPct val="0"/>
+              </a:spcBef>
+              <a:spcAft>
+                <a:spcPct val="0"/>
+              </a:spcAft>
+              <a:defRPr>
+                <a:solidFill>
+                  <a:schemeClr val="tx1"/>
+                </a:solidFill>
+                <a:latin typeface="Calibri" panose="020F0502020204030204" pitchFamily="34" charset="0"/>
+              </a:defRPr>
+            </a:lvl9pPr>
+          </a:lstStyle>
           <a:p>
             <a:pPr algn="ctr"/>
             <a:r>
-              <a:rPr lang="en-US" sz="1400" dirty="0">
-                <a:solidFill>
-                  <a:schemeClr val="tx1"/>
-                </a:solidFill>
+              <a:rPr lang="en-US" altLang="en-US" sz="1100" dirty="0">
                 <a:latin typeface="Arial" panose="020B0604020202020204" pitchFamily="34" charset="0"/>
+                <a:ea typeface="Amazon Ember" panose="020B0603020204020204" pitchFamily="34" charset="0"/>
                 <a:cs typeface="Arial" panose="020B0604020202020204" pitchFamily="34" charset="0"/>
               </a:rPr>
-              <a:t>Organization Member Accounts</a:t>
-            </a:r>
-          </a:p>
-        </p:txBody>
-      </p:sp>
-      <p:sp>
-        <p:nvSpPr>
-          <p:cNvPr id="91" name="Oval 90">
-            <a:extLst>
-              <a:ext uri="{FF2B5EF4-FFF2-40B4-BE49-F238E27FC236}">
-                <a16:creationId xmlns:a16="http://schemas.microsoft.com/office/drawing/2014/main" id="{4F6D3A5E-6D06-304A-97F5-69FDBDFDA450}"/>
+              <a:t>Configuration </a:t>
+            </a:r>
+          </a:p>
+          <a:p>
+            <a:pPr algn="ctr"/>
+            <a:r>
+              <a:rPr lang="en-US" altLang="en-US" sz="1100" dirty="0">
+                <a:latin typeface="Arial" panose="020B0604020202020204" pitchFamily="34" charset="0"/>
+                <a:ea typeface="Amazon Ember" panose="020B0603020204020204" pitchFamily="34" charset="0"/>
+                <a:cs typeface="Arial" panose="020B0604020202020204" pitchFamily="34" charset="0"/>
+              </a:rPr>
+              <a:t>Role</a:t>
+            </a:r>
+          </a:p>
+        </p:txBody>
+      </p:sp>
+      <p:pic>
+        <p:nvPicPr>
+          <p:cNvPr id="97" name="Graphic 49">
+            <a:extLst>
+              <a:ext uri="{FF2B5EF4-FFF2-40B4-BE49-F238E27FC236}">
+                <a16:creationId xmlns:a16="http://schemas.microsoft.com/office/drawing/2014/main" id="{142C67C1-85D4-884F-8467-EC8CEA4D39A7}"/>
+              </a:ext>
+            </a:extLst>
+          </p:cNvPr>
+          <p:cNvPicPr>
+            <a:picLocks noChangeAspect="1" noChangeArrowheads="1"/>
+          </p:cNvPicPr>
+          <p:nvPr/>
+        </p:nvPicPr>
+        <p:blipFill>
+          <a:blip r:embed="rId7">
+            <a:extLst>
+              <a:ext uri="{28A0092B-C50C-407E-A947-70E740481C1C}">
+                <a14:useLocalDpi xmlns:a14="http://schemas.microsoft.com/office/drawing/2010/main" val="0"/>
+              </a:ext>
+            </a:extLst>
+          </a:blip>
+          <a:srcRect/>
+          <a:stretch>
+            <a:fillRect/>
+          </a:stretch>
+        </p:blipFill>
+        <p:spPr bwMode="auto">
+          <a:xfrm>
+            <a:off x="8550461" y="5341272"/>
+            <a:ext cx="457200" cy="457200"/>
+          </a:xfrm>
+          <a:prstGeom prst="rect">
+            <a:avLst/>
+          </a:prstGeom>
+          <a:noFill/>
+          <a:ln>
+            <a:noFill/>
+          </a:ln>
+          <a:extLst>
+            <a:ext uri="{909E8E84-426E-40DD-AFC4-6F175D3DCCD1}">
+              <a14:hiddenFill xmlns:a14="http://schemas.microsoft.com/office/drawing/2010/main">
+                <a:solidFill>
+                  <a:srgbClr val="FFFFFF"/>
+                </a:solidFill>
+              </a14:hiddenFill>
+            </a:ext>
+            <a:ext uri="{91240B29-F687-4F45-9708-019B960494DF}">
+              <a14:hiddenLine xmlns:a14="http://schemas.microsoft.com/office/drawing/2010/main" w="9525">
+                <a:solidFill>
+                  <a:srgbClr val="000000"/>
+                </a:solidFill>
+                <a:miter lim="800000"/>
+                <a:headEnd/>
+                <a:tailEnd/>
+              </a14:hiddenLine>
+            </a:ext>
+          </a:extLst>
+        </p:spPr>
+      </p:pic>
+      <p:sp>
+        <p:nvSpPr>
+          <p:cNvPr id="98" name="Oval 97">
+            <a:extLst>
+              <a:ext uri="{FF2B5EF4-FFF2-40B4-BE49-F238E27FC236}">
+                <a16:creationId xmlns:a16="http://schemas.microsoft.com/office/drawing/2014/main" id="{CF03D907-C303-E248-85D2-6E9BA760D360}"/>
               </a:ext>
             </a:extLst>
           </p:cNvPr>
@@ -6701,7 +6561,7 @@
         </p:nvSpPr>
         <p:spPr>
           <a:xfrm>
-            <a:off x="7923154" y="3599017"/>
+            <a:off x="8381504" y="5399312"/>
             <a:ext cx="253435" cy="212902"/>
           </a:xfrm>
           <a:prstGeom prst="ellipse">
@@ -6738,18 +6598,21 @@
           <a:p>
             <a:pPr algn="ctr"/>
             <a:r>
-              <a:rPr lang="en-US" sz="800" dirty="0"/>
-              <a:t>3.0</a:t>
-            </a:r>
-          </a:p>
-        </p:txBody>
-      </p:sp>
-      <p:sp>
-        <p:nvSpPr>
-          <p:cNvPr id="92" name="Rectangle 91">
-            <a:extLst>
-              <a:ext uri="{FF2B5EF4-FFF2-40B4-BE49-F238E27FC236}">
-                <a16:creationId xmlns:a16="http://schemas.microsoft.com/office/drawing/2014/main" id="{00FDA628-A4EA-EB48-92B2-27CAC6AB8DD3}"/>
+              <a:rPr lang="en-US" sz="800" dirty="0">
+                <a:latin typeface="Arial" panose="020B0604020202020204" pitchFamily="34" charset="0"/>
+                <a:cs typeface="Arial" panose="020B0604020202020204" pitchFamily="34" charset="0"/>
+              </a:rPr>
+              <a:t>3.2</a:t>
+            </a:r>
+          </a:p>
+        </p:txBody>
+      </p:sp>
+      <p:sp>
+        <p:nvSpPr>
+          <p:cNvPr id="99" name="Rectangle 98">
+            <a:extLst>
+              <a:ext uri="{FF2B5EF4-FFF2-40B4-BE49-F238E27FC236}">
+                <a16:creationId xmlns:a16="http://schemas.microsoft.com/office/drawing/2014/main" id="{4B2670A8-11CF-694C-B441-E690B7BB0CAA}"/>
               </a:ext>
             </a:extLst>
           </p:cNvPr>
@@ -6758,8 +6621,8 @@
         </p:nvSpPr>
         <p:spPr>
           <a:xfrm>
-            <a:off x="7995097" y="4185150"/>
-            <a:ext cx="3260622" cy="1997165"/>
+            <a:off x="9729842" y="4548521"/>
+            <a:ext cx="1236216" cy="1398732"/>
           </a:xfrm>
           <a:prstGeom prst="rect">
             <a:avLst/>
@@ -6790,126 +6653,49 @@
         </p:style>
         <p:txBody>
           <a:bodyPr rot="0" spcFirstLastPara="0" vertOverflow="overflow" horzOverflow="overflow" vert="horz" wrap="square" lIns="91440" tIns="0" rIns="91440" bIns="45720" numCol="1" spcCol="0" rtlCol="0" fromWordArt="0" anchor="t" anchorCtr="0" forceAA="0" compatLnSpc="1">
-            <a:prstTxWarp prst="textNoShape">
-              <a:avLst/>
-            </a:prstTxWarp>
             <a:noAutofit/>
           </a:bodyPr>
           <a:lstStyle/>
           <a:p>
             <a:r>
-              <a:rPr lang="en-US" sz="1200" b="1" dirty="0">
+              <a:rPr lang="en-US" sz="1100" b="1" dirty="0">
                 <a:solidFill>
                   <a:schemeClr val="tx1"/>
                 </a:solidFill>
+                <a:latin typeface="Arial" panose="020B0604020202020204" pitchFamily="34" charset="0"/>
+                <a:cs typeface="Arial" panose="020B0604020202020204" pitchFamily="34" charset="0"/>
               </a:rPr>
-              <a:t>Home-region</a:t>
-            </a:r>
-          </a:p>
-        </p:txBody>
-      </p:sp>
-      <p:sp>
-        <p:nvSpPr>
-          <p:cNvPr id="93" name="TextBox 92">
-            <a:extLst>
-              <a:ext uri="{FF2B5EF4-FFF2-40B4-BE49-F238E27FC236}">
-                <a16:creationId xmlns:a16="http://schemas.microsoft.com/office/drawing/2014/main" id="{CDCCCE1E-DD4E-3D4B-BE03-47129D861225}"/>
-              </a:ext>
-            </a:extLst>
-          </p:cNvPr>
-          <p:cNvSpPr txBox="1"/>
+              <a:t>region-1</a:t>
+            </a:r>
+          </a:p>
+        </p:txBody>
+      </p:sp>
+      <p:sp>
+        <p:nvSpPr>
+          <p:cNvPr id="100" name="Rectangle 99">
+            <a:extLst>
+              <a:ext uri="{FF2B5EF4-FFF2-40B4-BE49-F238E27FC236}">
+                <a16:creationId xmlns:a16="http://schemas.microsoft.com/office/drawing/2014/main" id="{53D9012E-A9AA-F04D-B5A5-ABC2C0B2E5A2}"/>
+              </a:ext>
+            </a:extLst>
+          </p:cNvPr>
+          <p:cNvSpPr/>
           <p:nvPr/>
         </p:nvSpPr>
         <p:spPr>
           <a:xfrm>
-            <a:off x="8176490" y="4922992"/>
-            <a:ext cx="1209667" cy="430887"/>
+            <a:off x="9826078" y="4769917"/>
+            <a:ext cx="1139980" cy="1177336"/>
           </a:xfrm>
           <a:prstGeom prst="rect">
             <a:avLst/>
           </a:prstGeom>
           <a:noFill/>
-        </p:spPr>
-        <p:txBody>
-          <a:bodyPr wrap="square" rtlCol="0">
-            <a:spAutoFit/>
-          </a:bodyPr>
-          <a:lstStyle/>
-          <a:p>
-            <a:pPr algn="ctr"/>
-            <a:r>
-              <a:rPr lang="en-US" sz="1100" dirty="0">
-                <a:latin typeface="Arial" panose="020B0604020202020204" pitchFamily="34" charset="0"/>
-                <a:cs typeface="Arial" panose="020B0604020202020204" pitchFamily="34" charset="0"/>
-              </a:rPr>
-              <a:t>AWS CloudFormation</a:t>
-            </a:r>
-          </a:p>
-        </p:txBody>
-      </p:sp>
-      <p:pic>
-        <p:nvPicPr>
-          <p:cNvPr id="94" name="Graphic 93">
-            <a:extLst>
-              <a:ext uri="{FF2B5EF4-FFF2-40B4-BE49-F238E27FC236}">
-                <a16:creationId xmlns:a16="http://schemas.microsoft.com/office/drawing/2014/main" id="{31D7640F-4E48-1D4E-B8F0-CC6DBC330519}"/>
-              </a:ext>
-            </a:extLst>
-          </p:cNvPr>
-          <p:cNvPicPr>
-            <a:picLocks noChangeAspect="1"/>
-          </p:cNvPicPr>
-          <p:nvPr/>
-        </p:nvPicPr>
-        <p:blipFill>
-          <a:blip r:embed="rId5">
-            <a:extLst>
-              <a:ext uri="{96DAC541-7B7A-43D3-8B79-37D633B846F1}">
-                <asvg:svgBlip xmlns:asvg="http://schemas.microsoft.com/office/drawing/2016/SVG/main" r:embed="rId6"/>
-              </a:ext>
-            </a:extLst>
-          </a:blip>
-          <a:stretch>
-            <a:fillRect/>
-          </a:stretch>
-        </p:blipFill>
-        <p:spPr>
-          <a:xfrm>
-            <a:off x="8555831" y="4469389"/>
-            <a:ext cx="457200" cy="457200"/>
-          </a:xfrm>
-          <a:prstGeom prst="rect">
-            <a:avLst/>
-          </a:prstGeom>
-        </p:spPr>
-      </p:pic>
-      <p:sp>
-        <p:nvSpPr>
-          <p:cNvPr id="95" name="Oval 94">
-            <a:extLst>
-              <a:ext uri="{FF2B5EF4-FFF2-40B4-BE49-F238E27FC236}">
-                <a16:creationId xmlns:a16="http://schemas.microsoft.com/office/drawing/2014/main" id="{AD4975BB-DD6D-C54E-B125-5B4B36BCF8AC}"/>
-              </a:ext>
-            </a:extLst>
-          </p:cNvPr>
-          <p:cNvSpPr/>
-          <p:nvPr/>
-        </p:nvSpPr>
-        <p:spPr>
-          <a:xfrm>
-            <a:off x="8571057" y="4477896"/>
-            <a:ext cx="253435" cy="212902"/>
-          </a:xfrm>
-          <a:prstGeom prst="ellipse">
-            <a:avLst/>
-          </a:prstGeom>
-          <a:solidFill>
-            <a:schemeClr val="tx1"/>
-          </a:solidFill>
-          <a:ln>
+          <a:ln w="12700">
             <a:solidFill>
               <a:schemeClr val="tx1"/>
             </a:solidFill>
+            <a:prstDash val="dash"/>
           </a:ln>
         </p:spPr>
         <p:style>
@@ -6929,279 +6715,50 @@
           </a:fontRef>
         </p:style>
         <p:txBody>
-          <a:bodyPr lIns="0" tIns="0" rIns="0" bIns="0" rtlCol="0" anchor="ctr"/>
+          <a:bodyPr rot="0" spcFirstLastPara="0" vertOverflow="overflow" horzOverflow="overflow" vert="horz" wrap="square" lIns="91440" tIns="0" rIns="91440" bIns="45720" numCol="1" spcCol="0" rtlCol="0" fromWordArt="0" anchor="t" anchorCtr="0" forceAA="0" compatLnSpc="1">
+            <a:noAutofit/>
+          </a:bodyPr>
           <a:lstStyle/>
           <a:p>
-            <a:pPr algn="ctr"/>
-            <a:r>
-              <a:rPr lang="en-US" sz="800" dirty="0">
+            <a:r>
+              <a:rPr lang="en-US" sz="1100" b="1" dirty="0">
+                <a:solidFill>
+                  <a:schemeClr val="tx1"/>
+                </a:solidFill>
                 <a:latin typeface="Arial" panose="020B0604020202020204" pitchFamily="34" charset="0"/>
                 <a:cs typeface="Arial" panose="020B0604020202020204" pitchFamily="34" charset="0"/>
               </a:rPr>
-              <a:t>3.1</a:t>
-            </a:r>
-          </a:p>
-        </p:txBody>
-      </p:sp>
-      <p:sp>
-        <p:nvSpPr>
-          <p:cNvPr id="96" name="TextBox 29">
-            <a:extLst>
-              <a:ext uri="{FF2B5EF4-FFF2-40B4-BE49-F238E27FC236}">
-                <a16:creationId xmlns:a16="http://schemas.microsoft.com/office/drawing/2014/main" id="{C618E77E-F039-1E4A-96DB-E5F160FF919B}"/>
-              </a:ext>
-            </a:extLst>
-          </p:cNvPr>
-          <p:cNvSpPr txBox="1">
-            <a:spLocks noChangeArrowheads="1"/>
-          </p:cNvSpPr>
+              <a:t>region-2</a:t>
+            </a:r>
+          </a:p>
+        </p:txBody>
+      </p:sp>
+      <p:sp>
+        <p:nvSpPr>
+          <p:cNvPr id="101" name="Rectangle 100">
+            <a:extLst>
+              <a:ext uri="{FF2B5EF4-FFF2-40B4-BE49-F238E27FC236}">
+                <a16:creationId xmlns:a16="http://schemas.microsoft.com/office/drawing/2014/main" id="{DA8DA2D9-5C2F-9747-BEF0-1712ACBC7552}"/>
+              </a:ext>
+            </a:extLst>
+          </p:cNvPr>
+          <p:cNvSpPr/>
           <p:nvPr/>
         </p:nvSpPr>
-        <p:spPr bwMode="auto">
-          <a:xfrm>
-            <a:off x="8295095" y="5683869"/>
-            <a:ext cx="1062976" cy="430887"/>
+        <p:spPr>
+          <a:xfrm>
+            <a:off x="9907374" y="4995470"/>
+            <a:ext cx="1058684" cy="951783"/>
           </a:xfrm>
           <a:prstGeom prst="rect">
             <a:avLst/>
           </a:prstGeom>
           <a:noFill/>
-          <a:ln>
-            <a:noFill/>
-          </a:ln>
-          <a:extLst>
-            <a:ext uri="{909E8E84-426E-40DD-AFC4-6F175D3DCCD1}">
-              <a14:hiddenFill xmlns:a14="http://schemas.microsoft.com/office/drawing/2010/main">
-                <a:solidFill>
-                  <a:srgbClr val="FFFFFF"/>
-                </a:solidFill>
-              </a14:hiddenFill>
-            </a:ext>
-            <a:ext uri="{91240B29-F687-4F45-9708-019B960494DF}">
-              <a14:hiddenLine xmlns:a14="http://schemas.microsoft.com/office/drawing/2010/main" w="9525">
-                <a:solidFill>
-                  <a:srgbClr val="000000"/>
-                </a:solidFill>
-                <a:miter lim="800000"/>
-                <a:headEnd/>
-                <a:tailEnd/>
-              </a14:hiddenLine>
-            </a:ext>
-          </a:extLst>
-        </p:spPr>
-        <p:txBody>
-          <a:bodyPr wrap="square">
-            <a:spAutoFit/>
-          </a:bodyPr>
-          <a:lstStyle>
-            <a:lvl1pPr>
-              <a:defRPr>
-                <a:solidFill>
-                  <a:schemeClr val="tx1"/>
-                </a:solidFill>
-                <a:latin typeface="Calibri" panose="020F0502020204030204" pitchFamily="34" charset="0"/>
-              </a:defRPr>
-            </a:lvl1pPr>
-            <a:lvl2pPr marL="742950" indent="-285750">
-              <a:defRPr>
-                <a:solidFill>
-                  <a:schemeClr val="tx1"/>
-                </a:solidFill>
-                <a:latin typeface="Calibri" panose="020F0502020204030204" pitchFamily="34" charset="0"/>
-              </a:defRPr>
-            </a:lvl2pPr>
-            <a:lvl3pPr marL="1143000" indent="-228600">
-              <a:defRPr>
-                <a:solidFill>
-                  <a:schemeClr val="tx1"/>
-                </a:solidFill>
-                <a:latin typeface="Calibri" panose="020F0502020204030204" pitchFamily="34" charset="0"/>
-              </a:defRPr>
-            </a:lvl3pPr>
-            <a:lvl4pPr marL="1600200" indent="-228600">
-              <a:defRPr>
-                <a:solidFill>
-                  <a:schemeClr val="tx1"/>
-                </a:solidFill>
-                <a:latin typeface="Calibri" panose="020F0502020204030204" pitchFamily="34" charset="0"/>
-              </a:defRPr>
-            </a:lvl4pPr>
-            <a:lvl5pPr marL="2057400" indent="-228600">
-              <a:defRPr>
-                <a:solidFill>
-                  <a:schemeClr val="tx1"/>
-                </a:solidFill>
-                <a:latin typeface="Calibri" panose="020F0502020204030204" pitchFamily="34" charset="0"/>
-              </a:defRPr>
-            </a:lvl5pPr>
-            <a:lvl6pPr marL="2514600" indent="-228600" eaLnBrk="0" fontAlgn="base" hangingPunct="0">
-              <a:spcBef>
-                <a:spcPct val="0"/>
-              </a:spcBef>
-              <a:spcAft>
-                <a:spcPct val="0"/>
-              </a:spcAft>
-              <a:defRPr>
-                <a:solidFill>
-                  <a:schemeClr val="tx1"/>
-                </a:solidFill>
-                <a:latin typeface="Calibri" panose="020F0502020204030204" pitchFamily="34" charset="0"/>
-              </a:defRPr>
-            </a:lvl6pPr>
-            <a:lvl7pPr marL="2971800" indent="-228600" eaLnBrk="0" fontAlgn="base" hangingPunct="0">
-              <a:spcBef>
-                <a:spcPct val="0"/>
-              </a:spcBef>
-              <a:spcAft>
-                <a:spcPct val="0"/>
-              </a:spcAft>
-              <a:defRPr>
-                <a:solidFill>
-                  <a:schemeClr val="tx1"/>
-                </a:solidFill>
-                <a:latin typeface="Calibri" panose="020F0502020204030204" pitchFamily="34" charset="0"/>
-              </a:defRPr>
-            </a:lvl7pPr>
-            <a:lvl8pPr marL="3429000" indent="-228600" eaLnBrk="0" fontAlgn="base" hangingPunct="0">
-              <a:spcBef>
-                <a:spcPct val="0"/>
-              </a:spcBef>
-              <a:spcAft>
-                <a:spcPct val="0"/>
-              </a:spcAft>
-              <a:defRPr>
-                <a:solidFill>
-                  <a:schemeClr val="tx1"/>
-                </a:solidFill>
-                <a:latin typeface="Calibri" panose="020F0502020204030204" pitchFamily="34" charset="0"/>
-              </a:defRPr>
-            </a:lvl8pPr>
-            <a:lvl9pPr marL="3886200" indent="-228600" eaLnBrk="0" fontAlgn="base" hangingPunct="0">
-              <a:spcBef>
-                <a:spcPct val="0"/>
-              </a:spcBef>
-              <a:spcAft>
-                <a:spcPct val="0"/>
-              </a:spcAft>
-              <a:defRPr>
-                <a:solidFill>
-                  <a:schemeClr val="tx1"/>
-                </a:solidFill>
-                <a:latin typeface="Calibri" panose="020F0502020204030204" pitchFamily="34" charset="0"/>
-              </a:defRPr>
-            </a:lvl9pPr>
-          </a:lstStyle>
-          <a:p>
-            <a:pPr algn="ctr"/>
-            <a:r>
-              <a:rPr lang="en-US" altLang="en-US" sz="1100" dirty="0">
-                <a:latin typeface="Arial" panose="020B0604020202020204" pitchFamily="34" charset="0"/>
-                <a:ea typeface="Amazon Ember" panose="020B0603020204020204" pitchFamily="34" charset="0"/>
-                <a:cs typeface="Arial" panose="020B0604020202020204" pitchFamily="34" charset="0"/>
-              </a:rPr>
-              <a:t>Configuration </a:t>
-            </a:r>
-          </a:p>
-          <a:p>
-            <a:pPr algn="ctr"/>
-            <a:r>
-              <a:rPr lang="en-US" altLang="en-US" sz="1100" dirty="0">
-                <a:latin typeface="Arial" panose="020B0604020202020204" pitchFamily="34" charset="0"/>
-                <a:ea typeface="Amazon Ember" panose="020B0603020204020204" pitchFamily="34" charset="0"/>
-                <a:cs typeface="Arial" panose="020B0604020202020204" pitchFamily="34" charset="0"/>
-              </a:rPr>
-              <a:t>Role</a:t>
-            </a:r>
-          </a:p>
-        </p:txBody>
-      </p:sp>
-      <p:pic>
-        <p:nvPicPr>
-          <p:cNvPr id="97" name="Graphic 49">
-            <a:extLst>
-              <a:ext uri="{FF2B5EF4-FFF2-40B4-BE49-F238E27FC236}">
-                <a16:creationId xmlns:a16="http://schemas.microsoft.com/office/drawing/2014/main" id="{142C67C1-85D4-884F-8467-EC8CEA4D39A7}"/>
-              </a:ext>
-            </a:extLst>
-          </p:cNvPr>
-          <p:cNvPicPr>
-            <a:picLocks noChangeAspect="1" noChangeArrowheads="1"/>
-          </p:cNvPicPr>
-          <p:nvPr/>
-        </p:nvPicPr>
-        <p:blipFill>
-          <a:blip r:embed="rId7">
-            <a:extLst>
-              <a:ext uri="{28A0092B-C50C-407E-A947-70E740481C1C}">
-                <a14:useLocalDpi xmlns:a14="http://schemas.microsoft.com/office/drawing/2010/main" val="0"/>
-              </a:ext>
-            </a:extLst>
-          </a:blip>
-          <a:srcRect/>
-          <a:stretch>
-            <a:fillRect/>
-          </a:stretch>
-        </p:blipFill>
-        <p:spPr bwMode="auto">
-          <a:xfrm>
-            <a:off x="8550461" y="5341272"/>
-            <a:ext cx="457200" cy="457200"/>
-          </a:xfrm>
-          <a:prstGeom prst="rect">
-            <a:avLst/>
-          </a:prstGeom>
-          <a:noFill/>
-          <a:ln>
-            <a:noFill/>
-          </a:ln>
-          <a:extLst>
-            <a:ext uri="{909E8E84-426E-40DD-AFC4-6F175D3DCCD1}">
-              <a14:hiddenFill xmlns:a14="http://schemas.microsoft.com/office/drawing/2010/main">
-                <a:solidFill>
-                  <a:srgbClr val="FFFFFF"/>
-                </a:solidFill>
-              </a14:hiddenFill>
-            </a:ext>
-            <a:ext uri="{91240B29-F687-4F45-9708-019B960494DF}">
-              <a14:hiddenLine xmlns:a14="http://schemas.microsoft.com/office/drawing/2010/main" w="9525">
-                <a:solidFill>
-                  <a:srgbClr val="000000"/>
-                </a:solidFill>
-                <a:miter lim="800000"/>
-                <a:headEnd/>
-                <a:tailEnd/>
-              </a14:hiddenLine>
-            </a:ext>
-          </a:extLst>
-        </p:spPr>
-      </p:pic>
-      <p:sp>
-        <p:nvSpPr>
-          <p:cNvPr id="98" name="Oval 97">
-            <a:extLst>
-              <a:ext uri="{FF2B5EF4-FFF2-40B4-BE49-F238E27FC236}">
-                <a16:creationId xmlns:a16="http://schemas.microsoft.com/office/drawing/2014/main" id="{CF03D907-C303-E248-85D2-6E9BA760D360}"/>
-              </a:ext>
-            </a:extLst>
-          </p:cNvPr>
-          <p:cNvSpPr/>
-          <p:nvPr/>
-        </p:nvSpPr>
-        <p:spPr>
-          <a:xfrm>
-            <a:off x="8381504" y="5399312"/>
-            <a:ext cx="253435" cy="212902"/>
-          </a:xfrm>
-          <a:prstGeom prst="ellipse">
-            <a:avLst/>
-          </a:prstGeom>
-          <a:solidFill>
-            <a:schemeClr val="tx1"/>
-          </a:solidFill>
-          <a:ln>
+          <a:ln w="12700">
             <a:solidFill>
               <a:schemeClr val="tx1"/>
             </a:solidFill>
+            <a:prstDash val="dash"/>
           </a:ln>
         </p:spPr>
         <p:style>
@@ -7221,46 +6778,151 @@
           </a:fontRef>
         </p:style>
         <p:txBody>
-          <a:bodyPr lIns="0" tIns="0" rIns="0" bIns="0" rtlCol="0" anchor="ctr"/>
+          <a:bodyPr rot="0" spcFirstLastPara="0" vertOverflow="overflow" horzOverflow="overflow" vert="horz" wrap="square" lIns="91440" tIns="0" rIns="91440" bIns="45720" numCol="1" spcCol="0" rtlCol="0" fromWordArt="0" anchor="t" anchorCtr="0" forceAA="0" compatLnSpc="1">
+            <a:noAutofit/>
+          </a:bodyPr>
           <a:lstStyle/>
           <a:p>
-            <a:pPr algn="ctr"/>
-            <a:r>
-              <a:rPr lang="en-US" sz="800" dirty="0">
+            <a:r>
+              <a:rPr lang="en-US" sz="1100" b="1" dirty="0">
+                <a:solidFill>
+                  <a:schemeClr val="tx1"/>
+                </a:solidFill>
                 <a:latin typeface="Arial" panose="020B0604020202020204" pitchFamily="34" charset="0"/>
                 <a:cs typeface="Arial" panose="020B0604020202020204" pitchFamily="34" charset="0"/>
               </a:rPr>
-              <a:t>3.2</a:t>
-            </a:r>
-          </a:p>
-        </p:txBody>
-      </p:sp>
-      <p:sp>
-        <p:nvSpPr>
-          <p:cNvPr id="99" name="Rectangle 98">
-            <a:extLst>
-              <a:ext uri="{FF2B5EF4-FFF2-40B4-BE49-F238E27FC236}">
-                <a16:creationId xmlns:a16="http://schemas.microsoft.com/office/drawing/2014/main" id="{4B2670A8-11CF-694C-B441-E690B7BB0CAA}"/>
-              </a:ext>
-            </a:extLst>
-          </p:cNvPr>
-          <p:cNvSpPr/>
+              <a:t>region-n</a:t>
+            </a:r>
+          </a:p>
+        </p:txBody>
+      </p:sp>
+      <p:sp>
+        <p:nvSpPr>
+          <p:cNvPr id="102" name="TextBox 101">
+            <a:extLst>
+              <a:ext uri="{FF2B5EF4-FFF2-40B4-BE49-F238E27FC236}">
+                <a16:creationId xmlns:a16="http://schemas.microsoft.com/office/drawing/2014/main" id="{A3B458CE-DFC3-5642-9743-EB6D6D28F735}"/>
+              </a:ext>
+            </a:extLst>
+          </p:cNvPr>
+          <p:cNvSpPr txBox="1"/>
           <p:nvPr/>
         </p:nvSpPr>
         <p:spPr>
           <a:xfrm>
-            <a:off x="9729842" y="4548521"/>
-            <a:ext cx="1236216" cy="1399834"/>
+            <a:off x="9837420" y="5690779"/>
+            <a:ext cx="1139980" cy="261610"/>
           </a:xfrm>
           <a:prstGeom prst="rect">
             <a:avLst/>
           </a:prstGeom>
           <a:noFill/>
-          <a:ln w="12700">
+        </p:spPr>
+        <p:txBody>
+          <a:bodyPr wrap="square" rtlCol="0">
+            <a:spAutoFit/>
+          </a:bodyPr>
+          <a:lstStyle/>
+          <a:p>
+            <a:pPr algn="ctr"/>
+            <a:r>
+              <a:rPr lang="en-US" altLang="en-US" sz="1100" dirty="0">
+                <a:latin typeface="Arial" panose="020B0604020202020204" pitchFamily="34" charset="0"/>
+                <a:ea typeface="Amazon Ember" panose="020B0603020204020204" pitchFamily="34" charset="0"/>
+                <a:cs typeface="Arial" panose="020B0604020202020204" pitchFamily="34" charset="0"/>
+              </a:rPr>
+              <a:t>Security Hub</a:t>
+            </a:r>
+          </a:p>
+        </p:txBody>
+      </p:sp>
+      <p:pic>
+        <p:nvPicPr>
+          <p:cNvPr id="103" name="Graphic 19">
+            <a:extLst>
+              <a:ext uri="{FF2B5EF4-FFF2-40B4-BE49-F238E27FC236}">
+                <a16:creationId xmlns:a16="http://schemas.microsoft.com/office/drawing/2014/main" id="{4FB17EB5-E73F-0448-91C5-9E03860C5E1E}"/>
+              </a:ext>
+            </a:extLst>
+          </p:cNvPr>
+          <p:cNvPicPr>
+            <a:picLocks noChangeAspect="1" noChangeArrowheads="1"/>
+          </p:cNvPicPr>
+          <p:nvPr/>
+        </p:nvPicPr>
+        <p:blipFill>
+          <a:blip r:embed="rId9">
+            <a:extLst>
+              <a:ext uri="{28A0092B-C50C-407E-A947-70E740481C1C}">
+                <a14:useLocalDpi xmlns:a14="http://schemas.microsoft.com/office/drawing/2010/main" val="0"/>
+              </a:ext>
+            </a:extLst>
+          </a:blip>
+          <a:srcRect/>
+          <a:stretch>
+            <a:fillRect/>
+          </a:stretch>
+        </p:blipFill>
+        <p:spPr bwMode="auto">
+          <a:xfrm>
+            <a:off x="10183496" y="5234738"/>
+            <a:ext cx="457200" cy="457200"/>
+          </a:xfrm>
+          <a:prstGeom prst="rect">
+            <a:avLst/>
+          </a:prstGeom>
+          <a:noFill/>
+          <a:ln>
+            <a:noFill/>
+          </a:ln>
+          <a:extLst>
+            <a:ext uri="{909E8E84-426E-40DD-AFC4-6F175D3DCCD1}">
+              <a14:hiddenFill xmlns:a14="http://schemas.microsoft.com/office/drawing/2010/main">
+                <a:solidFill>
+                  <a:srgbClr val="FFFFFF"/>
+                </a:solidFill>
+              </a14:hiddenFill>
+            </a:ext>
+            <a:ext uri="{91240B29-F687-4F45-9708-019B960494DF}">
+              <a14:hiddenLine xmlns:a14="http://schemas.microsoft.com/office/drawing/2010/main" w="9525">
+                <a:solidFill>
+                  <a:srgbClr val="000000"/>
+                </a:solidFill>
+                <a:miter lim="800000"/>
+                <a:headEnd/>
+                <a:tailEnd/>
+              </a14:hiddenLine>
+            </a:ext>
+          </a:extLst>
+        </p:spPr>
+      </p:pic>
+      <p:sp>
+        <p:nvSpPr>
+          <p:cNvPr id="104" name="Oval 103">
+            <a:extLst>
+              <a:ext uri="{FF2B5EF4-FFF2-40B4-BE49-F238E27FC236}">
+                <a16:creationId xmlns:a16="http://schemas.microsoft.com/office/drawing/2014/main" id="{81719607-B241-6741-938B-3FC1408AF05E}"/>
+              </a:ext>
+            </a:extLst>
+          </p:cNvPr>
+          <p:cNvSpPr/>
+          <p:nvPr/>
+        </p:nvSpPr>
+        <p:spPr>
+          <a:xfrm>
+            <a:off x="10191557" y="5242477"/>
+            <a:ext cx="253435" cy="212902"/>
+          </a:xfrm>
+          <a:prstGeom prst="ellipse">
+            <a:avLst/>
+          </a:prstGeom>
+          <a:solidFill>
+            <a:schemeClr val="tx1"/>
+          </a:solidFill>
+          <a:ln>
             <a:solidFill>
               <a:schemeClr val="tx1"/>
             </a:solidFill>
-            <a:prstDash val="dash"/>
           </a:ln>
         </p:spPr>
         <p:style>
@@ -7280,30 +6942,26 @@
           </a:fontRef>
         </p:style>
         <p:txBody>
-          <a:bodyPr rot="0" spcFirstLastPara="0" vertOverflow="overflow" horzOverflow="overflow" vert="horz" wrap="square" lIns="91440" tIns="0" rIns="91440" bIns="45720" numCol="1" spcCol="0" rtlCol="0" fromWordArt="0" anchor="t" anchorCtr="0" forceAA="0" compatLnSpc="1">
-            <a:noAutofit/>
-          </a:bodyPr>
+          <a:bodyPr lIns="0" tIns="0" rIns="0" bIns="0" rtlCol="0" anchor="ctr"/>
           <a:lstStyle/>
           <a:p>
-            <a:r>
-              <a:rPr lang="en-US" sz="1100" b="1" dirty="0">
-                <a:solidFill>
-                  <a:schemeClr val="tx1"/>
-                </a:solidFill>
+            <a:pPr algn="ctr"/>
+            <a:r>
+              <a:rPr lang="en-US" sz="800" dirty="0">
                 <a:latin typeface="Arial" panose="020B0604020202020204" pitchFamily="34" charset="0"/>
                 <a:cs typeface="Arial" panose="020B0604020202020204" pitchFamily="34" charset="0"/>
               </a:rPr>
-              <a:t>region-1</a:t>
-            </a:r>
-          </a:p>
-        </p:txBody>
-      </p:sp>
-      <p:sp>
-        <p:nvSpPr>
-          <p:cNvPr id="100" name="Rectangle 99">
-            <a:extLst>
-              <a:ext uri="{FF2B5EF4-FFF2-40B4-BE49-F238E27FC236}">
-                <a16:creationId xmlns:a16="http://schemas.microsoft.com/office/drawing/2014/main" id="{53D9012E-A9AA-F04D-B5A5-ABC2C0B2E5A2}"/>
+              <a:t>3.3</a:t>
+            </a:r>
+          </a:p>
+        </p:txBody>
+      </p:sp>
+      <p:sp>
+        <p:nvSpPr>
+          <p:cNvPr id="113" name="Rectangle 112">
+            <a:extLst>
+              <a:ext uri="{FF2B5EF4-FFF2-40B4-BE49-F238E27FC236}">
+                <a16:creationId xmlns:a16="http://schemas.microsoft.com/office/drawing/2014/main" id="{72A71EB1-7660-1644-8F82-9E88364BD5A6}"/>
               </a:ext>
             </a:extLst>
           </p:cNvPr>
@@ -7312,8 +6970,8 @@
         </p:nvSpPr>
         <p:spPr>
           <a:xfrm>
-            <a:off x="9826078" y="4769917"/>
-            <a:ext cx="1139980" cy="1177336"/>
+            <a:off x="6262745" y="2237529"/>
+            <a:ext cx="1236216" cy="1399834"/>
           </a:xfrm>
           <a:prstGeom prst="rect">
             <a:avLst/>
@@ -7356,17 +7014,17 @@
                 <a:latin typeface="Arial" panose="020B0604020202020204" pitchFamily="34" charset="0"/>
                 <a:cs typeface="Arial" panose="020B0604020202020204" pitchFamily="34" charset="0"/>
               </a:rPr>
-              <a:t>region-2</a:t>
-            </a:r>
-          </a:p>
-        </p:txBody>
-      </p:sp>
-      <p:sp>
-        <p:nvSpPr>
-          <p:cNvPr id="101" name="Rectangle 100">
-            <a:extLst>
-              <a:ext uri="{FF2B5EF4-FFF2-40B4-BE49-F238E27FC236}">
-                <a16:creationId xmlns:a16="http://schemas.microsoft.com/office/drawing/2014/main" id="{DA8DA2D9-5C2F-9747-BEF0-1712ACBC7552}"/>
+              <a:t>region-1</a:t>
+            </a:r>
+          </a:p>
+        </p:txBody>
+      </p:sp>
+      <p:sp>
+        <p:nvSpPr>
+          <p:cNvPr id="114" name="Rectangle 113">
+            <a:extLst>
+              <a:ext uri="{FF2B5EF4-FFF2-40B4-BE49-F238E27FC236}">
+                <a16:creationId xmlns:a16="http://schemas.microsoft.com/office/drawing/2014/main" id="{D0B2400D-49F3-C14F-94BF-F47D1BAEC1CD}"/>
               </a:ext>
             </a:extLst>
           </p:cNvPr>
@@ -7375,8 +7033,8 @@
         </p:nvSpPr>
         <p:spPr>
           <a:xfrm>
-            <a:off x="9907374" y="4995470"/>
-            <a:ext cx="1058684" cy="951784"/>
+            <a:off x="6358981" y="2458925"/>
+            <a:ext cx="1139980" cy="1177336"/>
           </a:xfrm>
           <a:prstGeom prst="rect">
             <a:avLst/>
@@ -7419,138 +7077,37 @@
                 <a:latin typeface="Arial" panose="020B0604020202020204" pitchFamily="34" charset="0"/>
                 <a:cs typeface="Arial" panose="020B0604020202020204" pitchFamily="34" charset="0"/>
               </a:rPr>
-              <a:t>region-n</a:t>
-            </a:r>
-          </a:p>
-        </p:txBody>
-      </p:sp>
-      <p:sp>
-        <p:nvSpPr>
-          <p:cNvPr id="102" name="TextBox 101">
-            <a:extLst>
-              <a:ext uri="{FF2B5EF4-FFF2-40B4-BE49-F238E27FC236}">
-                <a16:creationId xmlns:a16="http://schemas.microsoft.com/office/drawing/2014/main" id="{A3B458CE-DFC3-5642-9743-EB6D6D28F735}"/>
-              </a:ext>
-            </a:extLst>
-          </p:cNvPr>
-          <p:cNvSpPr txBox="1"/>
+              <a:t>region-2</a:t>
+            </a:r>
+          </a:p>
+        </p:txBody>
+      </p:sp>
+      <p:sp>
+        <p:nvSpPr>
+          <p:cNvPr id="115" name="Rectangle 114">
+            <a:extLst>
+              <a:ext uri="{FF2B5EF4-FFF2-40B4-BE49-F238E27FC236}">
+                <a16:creationId xmlns:a16="http://schemas.microsoft.com/office/drawing/2014/main" id="{7A361719-6E8F-0E48-B536-033B29B1530B}"/>
+              </a:ext>
+            </a:extLst>
+          </p:cNvPr>
+          <p:cNvSpPr/>
           <p:nvPr/>
         </p:nvSpPr>
         <p:spPr>
           <a:xfrm>
-            <a:off x="9746189" y="5667620"/>
-            <a:ext cx="1387582" cy="261610"/>
+            <a:off x="6440277" y="2684478"/>
+            <a:ext cx="1058684" cy="951784"/>
           </a:xfrm>
           <a:prstGeom prst="rect">
             <a:avLst/>
           </a:prstGeom>
           <a:noFill/>
-        </p:spPr>
-        <p:txBody>
-          <a:bodyPr wrap="square" rtlCol="0">
-            <a:spAutoFit/>
-          </a:bodyPr>
-          <a:lstStyle/>
-          <a:p>
-            <a:pPr algn="ctr"/>
-            <a:r>
-              <a:rPr lang="en-US" altLang="en-US" sz="1100" dirty="0">
-                <a:latin typeface="Arial" panose="020B0604020202020204" pitchFamily="34" charset="0"/>
-                <a:ea typeface="Amazon Ember" panose="020B0603020204020204" pitchFamily="34" charset="0"/>
-                <a:cs typeface="Arial" panose="020B0604020202020204" pitchFamily="34" charset="0"/>
-              </a:rPr>
-              <a:t>Security Hub</a:t>
-            </a:r>
-          </a:p>
-        </p:txBody>
-      </p:sp>
-      <p:pic>
-        <p:nvPicPr>
-          <p:cNvPr id="103" name="Graphic 19">
-            <a:extLst>
-              <a:ext uri="{FF2B5EF4-FFF2-40B4-BE49-F238E27FC236}">
-                <a16:creationId xmlns:a16="http://schemas.microsoft.com/office/drawing/2014/main" id="{4FB17EB5-E73F-0448-91C5-9E03860C5E1E}"/>
-              </a:ext>
-            </a:extLst>
-          </p:cNvPr>
-          <p:cNvPicPr>
-            <a:picLocks noChangeAspect="1" noChangeArrowheads="1"/>
-          </p:cNvPicPr>
-          <p:nvPr/>
-        </p:nvPicPr>
-        <p:blipFill>
-          <a:blip r:embed="rId10">
-            <a:extLst>
-              <a:ext uri="{28A0092B-C50C-407E-A947-70E740481C1C}">
-                <a14:useLocalDpi xmlns:a14="http://schemas.microsoft.com/office/drawing/2010/main" val="0"/>
-              </a:ext>
-            </a:extLst>
-          </a:blip>
-          <a:srcRect/>
-          <a:stretch>
-            <a:fillRect/>
-          </a:stretch>
-        </p:blipFill>
-        <p:spPr bwMode="auto">
-          <a:xfrm>
-            <a:off x="10183496" y="5234738"/>
-            <a:ext cx="457200" cy="457200"/>
-          </a:xfrm>
-          <a:prstGeom prst="rect">
-            <a:avLst/>
-          </a:prstGeom>
-          <a:noFill/>
-          <a:ln>
-            <a:noFill/>
-          </a:ln>
-          <a:extLst>
-            <a:ext uri="{909E8E84-426E-40DD-AFC4-6F175D3DCCD1}">
-              <a14:hiddenFill xmlns:a14="http://schemas.microsoft.com/office/drawing/2010/main">
-                <a:solidFill>
-                  <a:srgbClr val="FFFFFF"/>
-                </a:solidFill>
-              </a14:hiddenFill>
-            </a:ext>
-            <a:ext uri="{91240B29-F687-4F45-9708-019B960494DF}">
-              <a14:hiddenLine xmlns:a14="http://schemas.microsoft.com/office/drawing/2010/main" w="9525">
-                <a:solidFill>
-                  <a:srgbClr val="000000"/>
-                </a:solidFill>
-                <a:miter lim="800000"/>
-                <a:headEnd/>
-                <a:tailEnd/>
-              </a14:hiddenLine>
-            </a:ext>
-          </a:extLst>
-        </p:spPr>
-      </p:pic>
-      <p:sp>
-        <p:nvSpPr>
-          <p:cNvPr id="104" name="Oval 103">
-            <a:extLst>
-              <a:ext uri="{FF2B5EF4-FFF2-40B4-BE49-F238E27FC236}">
-                <a16:creationId xmlns:a16="http://schemas.microsoft.com/office/drawing/2014/main" id="{81719607-B241-6741-938B-3FC1408AF05E}"/>
-              </a:ext>
-            </a:extLst>
-          </p:cNvPr>
-          <p:cNvSpPr/>
-          <p:nvPr/>
-        </p:nvSpPr>
-        <p:spPr>
-          <a:xfrm>
-            <a:off x="10184833" y="5242477"/>
-            <a:ext cx="253435" cy="212902"/>
-          </a:xfrm>
-          <a:prstGeom prst="ellipse">
-            <a:avLst/>
-          </a:prstGeom>
-          <a:solidFill>
-            <a:schemeClr val="tx1"/>
-          </a:solidFill>
-          <a:ln>
+          <a:ln w="12700">
             <a:solidFill>
               <a:schemeClr val="tx1"/>
             </a:solidFill>
+            <a:prstDash val="dash"/>
           </a:ln>
         </p:spPr>
         <p:style>
@@ -7570,46 +7127,381 @@
           </a:fontRef>
         </p:style>
         <p:txBody>
-          <a:bodyPr lIns="0" tIns="0" rIns="0" bIns="0" rtlCol="0" anchor="ctr"/>
+          <a:bodyPr rot="0" spcFirstLastPara="0" vertOverflow="overflow" horzOverflow="overflow" vert="horz" wrap="square" lIns="91440" tIns="0" rIns="91440" bIns="45720" numCol="1" spcCol="0" rtlCol="0" fromWordArt="0" anchor="t" anchorCtr="0" forceAA="0" compatLnSpc="1">
+            <a:noAutofit/>
+          </a:bodyPr>
           <a:lstStyle/>
           <a:p>
-            <a:pPr algn="ctr"/>
-            <a:r>
-              <a:rPr lang="en-US" sz="800" dirty="0">
+            <a:r>
+              <a:rPr lang="en-US" sz="1100" b="1" dirty="0">
+                <a:solidFill>
+                  <a:schemeClr val="tx1"/>
+                </a:solidFill>
                 <a:latin typeface="Arial" panose="020B0604020202020204" pitchFamily="34" charset="0"/>
                 <a:cs typeface="Arial" panose="020B0604020202020204" pitchFamily="34" charset="0"/>
               </a:rPr>
-              <a:t>3.3</a:t>
-            </a:r>
-          </a:p>
-        </p:txBody>
-      </p:sp>
-      <p:sp>
-        <p:nvSpPr>
-          <p:cNvPr id="113" name="Rectangle 112">
-            <a:extLst>
-              <a:ext uri="{FF2B5EF4-FFF2-40B4-BE49-F238E27FC236}">
-                <a16:creationId xmlns:a16="http://schemas.microsoft.com/office/drawing/2014/main" id="{72A71EB1-7660-1644-8F82-9E88364BD5A6}"/>
-              </a:ext>
-            </a:extLst>
-          </p:cNvPr>
-          <p:cNvSpPr/>
+              <a:t>region-n</a:t>
+            </a:r>
+          </a:p>
+        </p:txBody>
+      </p:sp>
+      <p:sp>
+        <p:nvSpPr>
+          <p:cNvPr id="116" name="TextBox 115">
+            <a:extLst>
+              <a:ext uri="{FF2B5EF4-FFF2-40B4-BE49-F238E27FC236}">
+                <a16:creationId xmlns:a16="http://schemas.microsoft.com/office/drawing/2014/main" id="{048F5901-3353-3F4F-9724-3570CA206207}"/>
+              </a:ext>
+            </a:extLst>
+          </p:cNvPr>
+          <p:cNvSpPr txBox="1"/>
           <p:nvPr/>
         </p:nvSpPr>
         <p:spPr>
           <a:xfrm>
-            <a:off x="6262745" y="2654402"/>
-            <a:ext cx="1236216" cy="1399834"/>
+            <a:off x="6279092" y="3356628"/>
+            <a:ext cx="1387582" cy="261610"/>
           </a:xfrm>
           <a:prstGeom prst="rect">
             <a:avLst/>
           </a:prstGeom>
           <a:noFill/>
-          <a:ln w="12700">
+        </p:spPr>
+        <p:txBody>
+          <a:bodyPr wrap="square" rtlCol="0">
+            <a:spAutoFit/>
+          </a:bodyPr>
+          <a:lstStyle/>
+          <a:p>
+            <a:pPr algn="ctr"/>
+            <a:r>
+              <a:rPr lang="en-US" altLang="en-US" sz="1100" dirty="0">
+                <a:latin typeface="Arial" panose="020B0604020202020204" pitchFamily="34" charset="0"/>
+                <a:ea typeface="Amazon Ember" panose="020B0603020204020204" pitchFamily="34" charset="0"/>
+                <a:cs typeface="Arial" panose="020B0604020202020204" pitchFamily="34" charset="0"/>
+              </a:rPr>
+              <a:t>Security Hub</a:t>
+            </a:r>
+          </a:p>
+        </p:txBody>
+      </p:sp>
+      <p:pic>
+        <p:nvPicPr>
+          <p:cNvPr id="117" name="Graphic 19">
+            <a:extLst>
+              <a:ext uri="{FF2B5EF4-FFF2-40B4-BE49-F238E27FC236}">
+                <a16:creationId xmlns:a16="http://schemas.microsoft.com/office/drawing/2014/main" id="{681E6F44-6A2D-0F4F-9003-A247317810CA}"/>
+              </a:ext>
+            </a:extLst>
+          </p:cNvPr>
+          <p:cNvPicPr>
+            <a:picLocks noChangeAspect="1" noChangeArrowheads="1"/>
+          </p:cNvPicPr>
+          <p:nvPr/>
+        </p:nvPicPr>
+        <p:blipFill>
+          <a:blip r:embed="rId9">
+            <a:extLst>
+              <a:ext uri="{28A0092B-C50C-407E-A947-70E740481C1C}">
+                <a14:useLocalDpi xmlns:a14="http://schemas.microsoft.com/office/drawing/2010/main" val="0"/>
+              </a:ext>
+            </a:extLst>
+          </a:blip>
+          <a:srcRect/>
+          <a:stretch>
+            <a:fillRect/>
+          </a:stretch>
+        </p:blipFill>
+        <p:spPr bwMode="auto">
+          <a:xfrm>
+            <a:off x="6716399" y="2923746"/>
+            <a:ext cx="457200" cy="457200"/>
+          </a:xfrm>
+          <a:prstGeom prst="rect">
+            <a:avLst/>
+          </a:prstGeom>
+          <a:noFill/>
+          <a:ln>
+            <a:noFill/>
+          </a:ln>
+          <a:extLst>
+            <a:ext uri="{909E8E84-426E-40DD-AFC4-6F175D3DCCD1}">
+              <a14:hiddenFill xmlns:a14="http://schemas.microsoft.com/office/drawing/2010/main">
+                <a:solidFill>
+                  <a:srgbClr val="FFFFFF"/>
+                </a:solidFill>
+              </a14:hiddenFill>
+            </a:ext>
+            <a:ext uri="{91240B29-F687-4F45-9708-019B960494DF}">
+              <a14:hiddenLine xmlns:a14="http://schemas.microsoft.com/office/drawing/2010/main" w="9525">
+                <a:solidFill>
+                  <a:srgbClr val="000000"/>
+                </a:solidFill>
+                <a:miter lim="800000"/>
+                <a:headEnd/>
+                <a:tailEnd/>
+              </a14:hiddenLine>
+            </a:ext>
+          </a:extLst>
+        </p:spPr>
+      </p:pic>
+      <p:sp>
+        <p:nvSpPr>
+          <p:cNvPr id="119" name="TextBox 2">
+            <a:extLst>
+              <a:ext uri="{FF2B5EF4-FFF2-40B4-BE49-F238E27FC236}">
+                <a16:creationId xmlns:a16="http://schemas.microsoft.com/office/drawing/2014/main" id="{09D97EC6-0028-0C4E-9A5E-FDAE7961F522}"/>
+              </a:ext>
+            </a:extLst>
+          </p:cNvPr>
+          <p:cNvSpPr txBox="1"/>
+          <p:nvPr/>
+        </p:nvSpPr>
+        <p:spPr>
+          <a:xfrm>
+            <a:off x="4188733" y="3152490"/>
+            <a:ext cx="1273984" cy="261610"/>
+          </a:xfrm>
+          <a:prstGeom prst="rect">
+            <a:avLst/>
+          </a:prstGeom>
+          <a:noFill/>
+        </p:spPr>
+        <p:style>
+          <a:lnRef idx="0">
+            <a:scrgbClr r="0" g="0" b="0"/>
+          </a:lnRef>
+          <a:fillRef idx="0">
+            <a:scrgbClr r="0" g="0" b="0"/>
+          </a:fillRef>
+          <a:effectRef idx="0">
+            <a:scrgbClr r="0" g="0" b="0"/>
+          </a:effectRef>
+          <a:fontRef idx="major"/>
+        </p:style>
+        <p:txBody>
+          <a:bodyPr wrap="square" rtlCol="0">
+            <a:spAutoFit/>
+          </a:bodyPr>
+          <a:lstStyle>
+            <a:lvl1pPr>
+              <a:defRPr>
+                <a:latin typeface="+mj-lt"/>
+                <a:ea typeface="+mj-ea"/>
+                <a:cs typeface="+mj-cs"/>
+              </a:defRPr>
+            </a:lvl1pPr>
+            <a:lvl2pPr>
+              <a:defRPr>
+                <a:latin typeface="+mj-lt"/>
+                <a:ea typeface="+mj-ea"/>
+                <a:cs typeface="+mj-cs"/>
+              </a:defRPr>
+            </a:lvl2pPr>
+            <a:lvl3pPr>
+              <a:defRPr>
+                <a:latin typeface="+mj-lt"/>
+                <a:ea typeface="+mj-ea"/>
+                <a:cs typeface="+mj-cs"/>
+              </a:defRPr>
+            </a:lvl3pPr>
+            <a:lvl4pPr>
+              <a:defRPr>
+                <a:latin typeface="+mj-lt"/>
+                <a:ea typeface="+mj-ea"/>
+                <a:cs typeface="+mj-cs"/>
+              </a:defRPr>
+            </a:lvl4pPr>
+            <a:lvl5pPr>
+              <a:defRPr>
+                <a:latin typeface="+mj-lt"/>
+                <a:ea typeface="+mj-ea"/>
+                <a:cs typeface="+mj-cs"/>
+              </a:defRPr>
+            </a:lvl5pPr>
+            <a:lvl6pPr>
+              <a:defRPr>
+                <a:latin typeface="+mj-lt"/>
+                <a:ea typeface="+mj-ea"/>
+                <a:cs typeface="+mj-cs"/>
+              </a:defRPr>
+            </a:lvl6pPr>
+            <a:lvl7pPr>
+              <a:defRPr>
+                <a:latin typeface="+mj-lt"/>
+                <a:ea typeface="+mj-ea"/>
+                <a:cs typeface="+mj-cs"/>
+              </a:defRPr>
+            </a:lvl7pPr>
+            <a:lvl8pPr>
+              <a:defRPr>
+                <a:latin typeface="+mj-lt"/>
+                <a:ea typeface="+mj-ea"/>
+                <a:cs typeface="+mj-cs"/>
+              </a:defRPr>
+            </a:lvl8pPr>
+            <a:lvl9pPr>
+              <a:defRPr>
+                <a:latin typeface="+mj-lt"/>
+                <a:ea typeface="+mj-ea"/>
+                <a:cs typeface="+mj-cs"/>
+              </a:defRPr>
+            </a:lvl9pPr>
+          </a:lstStyle>
+          <a:p>
+            <a:pPr algn="ctr"/>
+            <a:r>
+              <a:rPr lang="en-US" sz="1100" dirty="0">
+                <a:latin typeface="Arial" panose="020B0604020202020204" pitchFamily="34" charset="0"/>
+                <a:cs typeface="Arial" panose="020B0604020202020204" pitchFamily="34" charset="0"/>
+              </a:rPr>
+              <a:t>Lambda Function</a:t>
+            </a:r>
+          </a:p>
+        </p:txBody>
+      </p:sp>
+      <p:sp>
+        <p:nvSpPr>
+          <p:cNvPr id="120" name="TextBox 2">
+            <a:extLst>
+              <a:ext uri="{FF2B5EF4-FFF2-40B4-BE49-F238E27FC236}">
+                <a16:creationId xmlns:a16="http://schemas.microsoft.com/office/drawing/2014/main" id="{45754691-70CD-3F46-A03E-D5A1C0A380AF}"/>
+              </a:ext>
+            </a:extLst>
+          </p:cNvPr>
+          <p:cNvSpPr txBox="1"/>
+          <p:nvPr/>
+        </p:nvSpPr>
+        <p:spPr>
+          <a:xfrm>
+            <a:off x="4386370" y="4102178"/>
+            <a:ext cx="1098724" cy="430887"/>
+          </a:xfrm>
+          <a:prstGeom prst="rect">
+            <a:avLst/>
+          </a:prstGeom>
+          <a:noFill/>
+        </p:spPr>
+        <p:style>
+          <a:lnRef idx="0">
+            <a:scrgbClr r="0" g="0" b="0"/>
+          </a:lnRef>
+          <a:fillRef idx="0">
+            <a:scrgbClr r="0" g="0" b="0"/>
+          </a:fillRef>
+          <a:effectRef idx="0">
+            <a:scrgbClr r="0" g="0" b="0"/>
+          </a:effectRef>
+          <a:fontRef idx="major"/>
+        </p:style>
+        <p:txBody>
+          <a:bodyPr wrap="square" rtlCol="0">
+            <a:spAutoFit/>
+          </a:bodyPr>
+          <a:lstStyle>
+            <a:lvl1pPr>
+              <a:defRPr>
+                <a:latin typeface="+mj-lt"/>
+                <a:ea typeface="+mj-ea"/>
+                <a:cs typeface="+mj-cs"/>
+              </a:defRPr>
+            </a:lvl1pPr>
+            <a:lvl2pPr>
+              <a:defRPr>
+                <a:latin typeface="+mj-lt"/>
+                <a:ea typeface="+mj-ea"/>
+                <a:cs typeface="+mj-cs"/>
+              </a:defRPr>
+            </a:lvl2pPr>
+            <a:lvl3pPr>
+              <a:defRPr>
+                <a:latin typeface="+mj-lt"/>
+                <a:ea typeface="+mj-ea"/>
+                <a:cs typeface="+mj-cs"/>
+              </a:defRPr>
+            </a:lvl3pPr>
+            <a:lvl4pPr>
+              <a:defRPr>
+                <a:latin typeface="+mj-lt"/>
+                <a:ea typeface="+mj-ea"/>
+                <a:cs typeface="+mj-cs"/>
+              </a:defRPr>
+            </a:lvl4pPr>
+            <a:lvl5pPr>
+              <a:defRPr>
+                <a:latin typeface="+mj-lt"/>
+                <a:ea typeface="+mj-ea"/>
+                <a:cs typeface="+mj-cs"/>
+              </a:defRPr>
+            </a:lvl5pPr>
+            <a:lvl6pPr>
+              <a:defRPr>
+                <a:latin typeface="+mj-lt"/>
+                <a:ea typeface="+mj-ea"/>
+                <a:cs typeface="+mj-cs"/>
+              </a:defRPr>
+            </a:lvl6pPr>
+            <a:lvl7pPr>
+              <a:defRPr>
+                <a:latin typeface="+mj-lt"/>
+                <a:ea typeface="+mj-ea"/>
+                <a:cs typeface="+mj-cs"/>
+              </a:defRPr>
+            </a:lvl7pPr>
+            <a:lvl8pPr>
+              <a:defRPr>
+                <a:latin typeface="+mj-lt"/>
+                <a:ea typeface="+mj-ea"/>
+                <a:cs typeface="+mj-cs"/>
+              </a:defRPr>
+            </a:lvl8pPr>
+            <a:lvl9pPr>
+              <a:defRPr>
+                <a:latin typeface="+mj-lt"/>
+                <a:ea typeface="+mj-ea"/>
+                <a:cs typeface="+mj-cs"/>
+              </a:defRPr>
+            </a:lvl9pPr>
+          </a:lstStyle>
+          <a:p>
+            <a:pPr algn="ctr"/>
+            <a:r>
+              <a:rPr lang="en-US" sz="1100" dirty="0">
+                <a:latin typeface="Arial" panose="020B0604020202020204" pitchFamily="34" charset="0"/>
+                <a:cs typeface="Arial" panose="020B0604020202020204" pitchFamily="34" charset="0"/>
+              </a:rPr>
+              <a:t>CloudWatch Log Group</a:t>
+            </a:r>
+          </a:p>
+        </p:txBody>
+      </p:sp>
+      <p:sp>
+        <p:nvSpPr>
+          <p:cNvPr id="127" name="Oval 126">
+            <a:extLst>
+              <a:ext uri="{FF2B5EF4-FFF2-40B4-BE49-F238E27FC236}">
+                <a16:creationId xmlns:a16="http://schemas.microsoft.com/office/drawing/2014/main" id="{DABAD47C-74DD-2144-AA9E-4148BBC990CA}"/>
+              </a:ext>
+            </a:extLst>
+          </p:cNvPr>
+          <p:cNvSpPr/>
+          <p:nvPr/>
+        </p:nvSpPr>
+        <p:spPr>
+          <a:xfrm>
+            <a:off x="4415306" y="3749771"/>
+            <a:ext cx="253435" cy="212902"/>
+          </a:xfrm>
+          <a:prstGeom prst="ellipse">
+            <a:avLst/>
+          </a:prstGeom>
+          <a:solidFill>
+            <a:schemeClr val="tx1"/>
+          </a:solidFill>
+          <a:ln>
             <a:solidFill>
               <a:schemeClr val="tx1"/>
             </a:solidFill>
-            <a:prstDash val="dash"/>
           </a:ln>
         </p:spPr>
         <p:style>
@@ -7629,50 +7521,107 @@
           </a:fontRef>
         </p:style>
         <p:txBody>
-          <a:bodyPr rot="0" spcFirstLastPara="0" vertOverflow="overflow" horzOverflow="overflow" vert="horz" wrap="square" lIns="91440" tIns="0" rIns="91440" bIns="45720" numCol="1" spcCol="0" rtlCol="0" fromWordArt="0" anchor="t" anchorCtr="0" forceAA="0" compatLnSpc="1">
-            <a:noAutofit/>
-          </a:bodyPr>
+          <a:bodyPr lIns="0" tIns="0" rIns="0" bIns="0" rtlCol="0" anchor="ctr"/>
           <a:lstStyle/>
           <a:p>
-            <a:r>
-              <a:rPr lang="en-US" sz="1100" b="1" dirty="0">
-                <a:solidFill>
-                  <a:schemeClr val="tx1"/>
-                </a:solidFill>
+            <a:pPr algn="ctr"/>
+            <a:r>
+              <a:rPr lang="en-US" sz="800" dirty="0">
                 <a:latin typeface="Arial" panose="020B0604020202020204" pitchFamily="34" charset="0"/>
                 <a:cs typeface="Arial" panose="020B0604020202020204" pitchFamily="34" charset="0"/>
               </a:rPr>
-              <a:t>region-1</a:t>
-            </a:r>
-          </a:p>
-        </p:txBody>
-      </p:sp>
-      <p:sp>
-        <p:nvSpPr>
-          <p:cNvPr id="114" name="Rectangle 113">
-            <a:extLst>
-              <a:ext uri="{FF2B5EF4-FFF2-40B4-BE49-F238E27FC236}">
-                <a16:creationId xmlns:a16="http://schemas.microsoft.com/office/drawing/2014/main" id="{D0B2400D-49F3-C14F-94BF-F47D1BAEC1CD}"/>
-              </a:ext>
-            </a:extLst>
-          </p:cNvPr>
-          <p:cNvSpPr/>
+              <a:t>1.8</a:t>
+            </a:r>
+          </a:p>
+        </p:txBody>
+      </p:sp>
+      <p:pic>
+        <p:nvPicPr>
+          <p:cNvPr id="134" name="Graphic 13">
+            <a:extLst>
+              <a:ext uri="{FF2B5EF4-FFF2-40B4-BE49-F238E27FC236}">
+                <a16:creationId xmlns:a16="http://schemas.microsoft.com/office/drawing/2014/main" id="{E264F702-84AB-5049-8F85-097823504F5F}"/>
+              </a:ext>
+            </a:extLst>
+          </p:cNvPr>
+          <p:cNvPicPr>
+            <a:picLocks noChangeAspect="1" noChangeArrowheads="1"/>
+          </p:cNvPicPr>
           <p:nvPr/>
-        </p:nvSpPr>
-        <p:spPr>
-          <a:xfrm>
-            <a:off x="6358981" y="2875798"/>
-            <a:ext cx="1139980" cy="1177336"/>
+        </p:nvPicPr>
+        <p:blipFill>
+          <a:blip r:embed="rId10">
+            <a:extLst>
+              <a:ext uri="{28A0092B-C50C-407E-A947-70E740481C1C}">
+                <a14:useLocalDpi xmlns:a14="http://schemas.microsoft.com/office/drawing/2010/main" val="0"/>
+              </a:ext>
+            </a:extLst>
+          </a:blip>
+          <a:srcRect/>
+          <a:stretch>
+            <a:fillRect/>
+          </a:stretch>
+        </p:blipFill>
+        <p:spPr bwMode="auto">
+          <a:xfrm>
+            <a:off x="4598218" y="2700794"/>
+            <a:ext cx="457200" cy="457200"/>
           </a:xfrm>
           <a:prstGeom prst="rect">
             <a:avLst/>
           </a:prstGeom>
           <a:noFill/>
-          <a:ln w="12700">
+          <a:ln>
+            <a:noFill/>
+          </a:ln>
+          <a:extLst>
+            <a:ext uri="{909E8E84-426E-40DD-AFC4-6F175D3DCCD1}">
+              <a14:hiddenFill xmlns:a14="http://schemas.microsoft.com/office/drawing/2010/main">
+                <a:solidFill>
+                  <a:srgbClr val="FFFFFF"/>
+                </a:solidFill>
+              </a14:hiddenFill>
+            </a:ext>
+            <a:ext uri="{91240B29-F687-4F45-9708-019B960494DF}">
+              <a14:hiddenLine xmlns:a14="http://schemas.microsoft.com/office/drawing/2010/main" w="9525">
+                <a:solidFill>
+                  <a:srgbClr val="000000"/>
+                </a:solidFill>
+                <a:miter lim="800000"/>
+                <a:headEnd/>
+                <a:tailEnd/>
+              </a14:hiddenLine>
+            </a:ext>
+          </a:extLst>
+        </p:spPr>
+      </p:pic>
+      <p:sp>
+        <p:nvSpPr>
+          <p:cNvPr id="135" name="Oval 134">
+            <a:extLst>
+              <a:ext uri="{FF2B5EF4-FFF2-40B4-BE49-F238E27FC236}">
+                <a16:creationId xmlns:a16="http://schemas.microsoft.com/office/drawing/2014/main" id="{2AA7BBCB-A999-5247-BBC2-FD57DEA7AABD}"/>
+              </a:ext>
+            </a:extLst>
+          </p:cNvPr>
+          <p:cNvSpPr/>
+          <p:nvPr/>
+        </p:nvSpPr>
+        <p:spPr>
+          <a:xfrm>
+            <a:off x="4437113" y="2613295"/>
+            <a:ext cx="253435" cy="212902"/>
+          </a:xfrm>
+          <a:prstGeom prst="ellipse">
+            <a:avLst/>
+          </a:prstGeom>
+          <a:solidFill>
+            <a:schemeClr val="tx1"/>
+          </a:solidFill>
+          <a:ln>
             <a:solidFill>
               <a:schemeClr val="tx1"/>
             </a:solidFill>
-            <a:prstDash val="dash"/>
           </a:ln>
         </p:spPr>
         <p:style>
@@ -7692,133 +7641,26 @@
           </a:fontRef>
         </p:style>
         <p:txBody>
-          <a:bodyPr rot="0" spcFirstLastPara="0" vertOverflow="overflow" horzOverflow="overflow" vert="horz" wrap="square" lIns="91440" tIns="0" rIns="91440" bIns="45720" numCol="1" spcCol="0" rtlCol="0" fromWordArt="0" anchor="t" anchorCtr="0" forceAA="0" compatLnSpc="1">
-            <a:noAutofit/>
-          </a:bodyPr>
+          <a:bodyPr lIns="0" tIns="0" rIns="0" bIns="0" rtlCol="0" anchor="ctr"/>
           <a:lstStyle/>
           <a:p>
-            <a:r>
-              <a:rPr lang="en-US" sz="1100" b="1" dirty="0">
-                <a:solidFill>
-                  <a:schemeClr val="tx1"/>
-                </a:solidFill>
+            <a:pPr algn="ctr"/>
+            <a:r>
+              <a:rPr lang="en-US" sz="800" dirty="0">
                 <a:latin typeface="Arial" panose="020B0604020202020204" pitchFamily="34" charset="0"/>
                 <a:cs typeface="Arial" panose="020B0604020202020204" pitchFamily="34" charset="0"/>
               </a:rPr>
-              <a:t>region-2</a:t>
-            </a:r>
-          </a:p>
-        </p:txBody>
-      </p:sp>
-      <p:sp>
-        <p:nvSpPr>
-          <p:cNvPr id="115" name="Rectangle 114">
-            <a:extLst>
-              <a:ext uri="{FF2B5EF4-FFF2-40B4-BE49-F238E27FC236}">
-                <a16:creationId xmlns:a16="http://schemas.microsoft.com/office/drawing/2014/main" id="{7A361719-6E8F-0E48-B536-033B29B1530B}"/>
-              </a:ext>
-            </a:extLst>
-          </p:cNvPr>
-          <p:cNvSpPr/>
-          <p:nvPr/>
-        </p:nvSpPr>
-        <p:spPr>
-          <a:xfrm>
-            <a:off x="6440277" y="3101351"/>
-            <a:ext cx="1058684" cy="951784"/>
-          </a:xfrm>
-          <a:prstGeom prst="rect">
-            <a:avLst/>
-          </a:prstGeom>
-          <a:noFill/>
-          <a:ln w="12700">
-            <a:solidFill>
-              <a:schemeClr val="tx1"/>
-            </a:solidFill>
-            <a:prstDash val="dash"/>
-          </a:ln>
-        </p:spPr>
-        <p:style>
-          <a:lnRef idx="2">
-            <a:schemeClr val="accent1">
-              <a:shade val="50000"/>
-            </a:schemeClr>
-          </a:lnRef>
-          <a:fillRef idx="1">
-            <a:schemeClr val="accent1"/>
-          </a:fillRef>
-          <a:effectRef idx="0">
-            <a:schemeClr val="accent1"/>
-          </a:effectRef>
-          <a:fontRef idx="minor">
-            <a:schemeClr val="lt1"/>
-          </a:fontRef>
-        </p:style>
-        <p:txBody>
-          <a:bodyPr rot="0" spcFirstLastPara="0" vertOverflow="overflow" horzOverflow="overflow" vert="horz" wrap="square" lIns="91440" tIns="0" rIns="91440" bIns="45720" numCol="1" spcCol="0" rtlCol="0" fromWordArt="0" anchor="t" anchorCtr="0" forceAA="0" compatLnSpc="1">
-            <a:noAutofit/>
-          </a:bodyPr>
-          <a:lstStyle/>
-          <a:p>
-            <a:r>
-              <a:rPr lang="en-US" sz="1100" b="1" dirty="0">
-                <a:solidFill>
-                  <a:schemeClr val="tx1"/>
-                </a:solidFill>
-                <a:latin typeface="Arial" panose="020B0604020202020204" pitchFamily="34" charset="0"/>
-                <a:cs typeface="Arial" panose="020B0604020202020204" pitchFamily="34" charset="0"/>
-              </a:rPr>
-              <a:t>region-n</a:t>
-            </a:r>
-          </a:p>
-        </p:txBody>
-      </p:sp>
-      <p:sp>
-        <p:nvSpPr>
-          <p:cNvPr id="116" name="TextBox 115">
-            <a:extLst>
-              <a:ext uri="{FF2B5EF4-FFF2-40B4-BE49-F238E27FC236}">
-                <a16:creationId xmlns:a16="http://schemas.microsoft.com/office/drawing/2014/main" id="{048F5901-3353-3F4F-9724-3570CA206207}"/>
-              </a:ext>
-            </a:extLst>
-          </p:cNvPr>
-          <p:cNvSpPr txBox="1"/>
-          <p:nvPr/>
-        </p:nvSpPr>
-        <p:spPr>
-          <a:xfrm>
-            <a:off x="6279092" y="3773501"/>
-            <a:ext cx="1387582" cy="261610"/>
-          </a:xfrm>
-          <a:prstGeom prst="rect">
-            <a:avLst/>
-          </a:prstGeom>
-          <a:noFill/>
-        </p:spPr>
-        <p:txBody>
-          <a:bodyPr wrap="square" rtlCol="0">
-            <a:spAutoFit/>
-          </a:bodyPr>
-          <a:lstStyle/>
-          <a:p>
-            <a:pPr algn="ctr"/>
-            <a:r>
-              <a:rPr lang="en-US" altLang="en-US" sz="1100" dirty="0">
-                <a:latin typeface="Arial" panose="020B0604020202020204" pitchFamily="34" charset="0"/>
-                <a:ea typeface="Amazon Ember" panose="020B0603020204020204" pitchFamily="34" charset="0"/>
-                <a:cs typeface="Arial" panose="020B0604020202020204" pitchFamily="34" charset="0"/>
-              </a:rPr>
-              <a:t>Security Hub</a:t>
+              <a:t>1.7</a:t>
             </a:r>
           </a:p>
         </p:txBody>
       </p:sp>
       <p:pic>
         <p:nvPicPr>
-          <p:cNvPr id="117" name="Graphic 19">
-            <a:extLst>
-              <a:ext uri="{FF2B5EF4-FFF2-40B4-BE49-F238E27FC236}">
-                <a16:creationId xmlns:a16="http://schemas.microsoft.com/office/drawing/2014/main" id="{681E6F44-6A2D-0F4F-9003-A247317810CA}"/>
+          <p:cNvPr id="137" name="Graphic 7">
+            <a:extLst>
+              <a:ext uri="{FF2B5EF4-FFF2-40B4-BE49-F238E27FC236}">
+                <a16:creationId xmlns:a16="http://schemas.microsoft.com/office/drawing/2014/main" id="{17D44A4F-DA13-4649-B3FC-C06000F8C2B5}"/>
               </a:ext>
             </a:extLst>
           </p:cNvPr>
@@ -7828,7 +7670,7 @@
           <p:nvPr/>
         </p:nvPicPr>
         <p:blipFill>
-          <a:blip r:embed="rId10">
+          <a:blip r:embed="rId11">
             <a:extLst>
               <a:ext uri="{28A0092B-C50C-407E-A947-70E740481C1C}">
                 <a14:useLocalDpi xmlns:a14="http://schemas.microsoft.com/office/drawing/2010/main" val="0"/>
@@ -7842,7 +7684,7 @@
         </p:blipFill>
         <p:spPr bwMode="auto">
           <a:xfrm>
-            <a:off x="6716399" y="3340619"/>
+            <a:off x="4709858" y="3684586"/>
             <a:ext cx="457200" cy="457200"/>
           </a:xfrm>
           <a:prstGeom prst="rect">
@@ -7873,482 +7715,12 @@
           </a:extLst>
         </p:spPr>
       </p:pic>
-      <p:sp>
-        <p:nvSpPr>
-          <p:cNvPr id="119" name="TextBox 2">
-            <a:extLst>
-              <a:ext uri="{FF2B5EF4-FFF2-40B4-BE49-F238E27FC236}">
-                <a16:creationId xmlns:a16="http://schemas.microsoft.com/office/drawing/2014/main" id="{09D97EC6-0028-0C4E-9A5E-FDAE7961F522}"/>
-              </a:ext>
-            </a:extLst>
-          </p:cNvPr>
-          <p:cNvSpPr txBox="1"/>
-          <p:nvPr/>
-        </p:nvSpPr>
-        <p:spPr>
-          <a:xfrm>
-            <a:off x="4188733" y="3764343"/>
-            <a:ext cx="1273984" cy="261610"/>
-          </a:xfrm>
-          <a:prstGeom prst="rect">
-            <a:avLst/>
-          </a:prstGeom>
-          <a:noFill/>
-        </p:spPr>
-        <p:style>
-          <a:lnRef idx="0">
-            <a:scrgbClr r="0" g="0" b="0"/>
-          </a:lnRef>
-          <a:fillRef idx="0">
-            <a:scrgbClr r="0" g="0" b="0"/>
-          </a:fillRef>
-          <a:effectRef idx="0">
-            <a:scrgbClr r="0" g="0" b="0"/>
-          </a:effectRef>
-          <a:fontRef idx="major"/>
-        </p:style>
-        <p:txBody>
-          <a:bodyPr wrap="square" rtlCol="0">
-            <a:spAutoFit/>
-          </a:bodyPr>
-          <a:lstStyle>
-            <a:lvl1pPr>
-              <a:defRPr>
-                <a:latin typeface="+mj-lt"/>
-                <a:ea typeface="+mj-ea"/>
-                <a:cs typeface="+mj-cs"/>
-              </a:defRPr>
-            </a:lvl1pPr>
-            <a:lvl2pPr>
-              <a:defRPr>
-                <a:latin typeface="+mj-lt"/>
-                <a:ea typeface="+mj-ea"/>
-                <a:cs typeface="+mj-cs"/>
-              </a:defRPr>
-            </a:lvl2pPr>
-            <a:lvl3pPr>
-              <a:defRPr>
-                <a:latin typeface="+mj-lt"/>
-                <a:ea typeface="+mj-ea"/>
-                <a:cs typeface="+mj-cs"/>
-              </a:defRPr>
-            </a:lvl3pPr>
-            <a:lvl4pPr>
-              <a:defRPr>
-                <a:latin typeface="+mj-lt"/>
-                <a:ea typeface="+mj-ea"/>
-                <a:cs typeface="+mj-cs"/>
-              </a:defRPr>
-            </a:lvl4pPr>
-            <a:lvl5pPr>
-              <a:defRPr>
-                <a:latin typeface="+mj-lt"/>
-                <a:ea typeface="+mj-ea"/>
-                <a:cs typeface="+mj-cs"/>
-              </a:defRPr>
-            </a:lvl5pPr>
-            <a:lvl6pPr>
-              <a:defRPr>
-                <a:latin typeface="+mj-lt"/>
-                <a:ea typeface="+mj-ea"/>
-                <a:cs typeface="+mj-cs"/>
-              </a:defRPr>
-            </a:lvl6pPr>
-            <a:lvl7pPr>
-              <a:defRPr>
-                <a:latin typeface="+mj-lt"/>
-                <a:ea typeface="+mj-ea"/>
-                <a:cs typeface="+mj-cs"/>
-              </a:defRPr>
-            </a:lvl7pPr>
-            <a:lvl8pPr>
-              <a:defRPr>
-                <a:latin typeface="+mj-lt"/>
-                <a:ea typeface="+mj-ea"/>
-                <a:cs typeface="+mj-cs"/>
-              </a:defRPr>
-            </a:lvl8pPr>
-            <a:lvl9pPr>
-              <a:defRPr>
-                <a:latin typeface="+mj-lt"/>
-                <a:ea typeface="+mj-ea"/>
-                <a:cs typeface="+mj-cs"/>
-              </a:defRPr>
-            </a:lvl9pPr>
-          </a:lstStyle>
-          <a:p>
-            <a:pPr algn="ctr"/>
-            <a:r>
-              <a:rPr lang="en-US" sz="1100" dirty="0">
-                <a:latin typeface="Arial" panose="020B0604020202020204" pitchFamily="34" charset="0"/>
-                <a:cs typeface="Arial" panose="020B0604020202020204" pitchFamily="34" charset="0"/>
-              </a:rPr>
-              <a:t>Lambda Function</a:t>
-            </a:r>
-          </a:p>
-        </p:txBody>
-      </p:sp>
-      <p:sp>
-        <p:nvSpPr>
-          <p:cNvPr id="120" name="TextBox 2">
-            <a:extLst>
-              <a:ext uri="{FF2B5EF4-FFF2-40B4-BE49-F238E27FC236}">
-                <a16:creationId xmlns:a16="http://schemas.microsoft.com/office/drawing/2014/main" id="{45754691-70CD-3F46-A03E-D5A1C0A380AF}"/>
-              </a:ext>
-            </a:extLst>
-          </p:cNvPr>
-          <p:cNvSpPr txBox="1"/>
-          <p:nvPr/>
-        </p:nvSpPr>
-        <p:spPr>
-          <a:xfrm>
-            <a:off x="4386370" y="4714031"/>
-            <a:ext cx="1098724" cy="430887"/>
-          </a:xfrm>
-          <a:prstGeom prst="rect">
-            <a:avLst/>
-          </a:prstGeom>
-          <a:noFill/>
-        </p:spPr>
-        <p:style>
-          <a:lnRef idx="0">
-            <a:scrgbClr r="0" g="0" b="0"/>
-          </a:lnRef>
-          <a:fillRef idx="0">
-            <a:scrgbClr r="0" g="0" b="0"/>
-          </a:fillRef>
-          <a:effectRef idx="0">
-            <a:scrgbClr r="0" g="0" b="0"/>
-          </a:effectRef>
-          <a:fontRef idx="major"/>
-        </p:style>
-        <p:txBody>
-          <a:bodyPr wrap="square" rtlCol="0">
-            <a:spAutoFit/>
-          </a:bodyPr>
-          <a:lstStyle>
-            <a:lvl1pPr>
-              <a:defRPr>
-                <a:latin typeface="+mj-lt"/>
-                <a:ea typeface="+mj-ea"/>
-                <a:cs typeface="+mj-cs"/>
-              </a:defRPr>
-            </a:lvl1pPr>
-            <a:lvl2pPr>
-              <a:defRPr>
-                <a:latin typeface="+mj-lt"/>
-                <a:ea typeface="+mj-ea"/>
-                <a:cs typeface="+mj-cs"/>
-              </a:defRPr>
-            </a:lvl2pPr>
-            <a:lvl3pPr>
-              <a:defRPr>
-                <a:latin typeface="+mj-lt"/>
-                <a:ea typeface="+mj-ea"/>
-                <a:cs typeface="+mj-cs"/>
-              </a:defRPr>
-            </a:lvl3pPr>
-            <a:lvl4pPr>
-              <a:defRPr>
-                <a:latin typeface="+mj-lt"/>
-                <a:ea typeface="+mj-ea"/>
-                <a:cs typeface="+mj-cs"/>
-              </a:defRPr>
-            </a:lvl4pPr>
-            <a:lvl5pPr>
-              <a:defRPr>
-                <a:latin typeface="+mj-lt"/>
-                <a:ea typeface="+mj-ea"/>
-                <a:cs typeface="+mj-cs"/>
-              </a:defRPr>
-            </a:lvl5pPr>
-            <a:lvl6pPr>
-              <a:defRPr>
-                <a:latin typeface="+mj-lt"/>
-                <a:ea typeface="+mj-ea"/>
-                <a:cs typeface="+mj-cs"/>
-              </a:defRPr>
-            </a:lvl6pPr>
-            <a:lvl7pPr>
-              <a:defRPr>
-                <a:latin typeface="+mj-lt"/>
-                <a:ea typeface="+mj-ea"/>
-                <a:cs typeface="+mj-cs"/>
-              </a:defRPr>
-            </a:lvl7pPr>
-            <a:lvl8pPr>
-              <a:defRPr>
-                <a:latin typeface="+mj-lt"/>
-                <a:ea typeface="+mj-ea"/>
-                <a:cs typeface="+mj-cs"/>
-              </a:defRPr>
-            </a:lvl8pPr>
-            <a:lvl9pPr>
-              <a:defRPr>
-                <a:latin typeface="+mj-lt"/>
-                <a:ea typeface="+mj-ea"/>
-                <a:cs typeface="+mj-cs"/>
-              </a:defRPr>
-            </a:lvl9pPr>
-          </a:lstStyle>
-          <a:p>
-            <a:pPr algn="ctr"/>
-            <a:r>
-              <a:rPr lang="en-US" sz="1100" dirty="0">
-                <a:latin typeface="Arial" panose="020B0604020202020204" pitchFamily="34" charset="0"/>
-                <a:cs typeface="Arial" panose="020B0604020202020204" pitchFamily="34" charset="0"/>
-              </a:rPr>
-              <a:t>CloudWatch Log Group</a:t>
-            </a:r>
-          </a:p>
-        </p:txBody>
-      </p:sp>
-      <p:sp>
-        <p:nvSpPr>
-          <p:cNvPr id="127" name="Oval 126">
-            <a:extLst>
-              <a:ext uri="{FF2B5EF4-FFF2-40B4-BE49-F238E27FC236}">
-                <a16:creationId xmlns:a16="http://schemas.microsoft.com/office/drawing/2014/main" id="{DABAD47C-74DD-2144-AA9E-4148BBC990CA}"/>
-              </a:ext>
-            </a:extLst>
-          </p:cNvPr>
-          <p:cNvSpPr/>
-          <p:nvPr/>
-        </p:nvSpPr>
-        <p:spPr>
-          <a:xfrm>
-            <a:off x="4415306" y="4361624"/>
-            <a:ext cx="253435" cy="212902"/>
-          </a:xfrm>
-          <a:prstGeom prst="ellipse">
-            <a:avLst/>
-          </a:prstGeom>
-          <a:solidFill>
-            <a:schemeClr val="tx1"/>
-          </a:solidFill>
-          <a:ln>
-            <a:solidFill>
-              <a:schemeClr val="tx1"/>
-            </a:solidFill>
-          </a:ln>
-        </p:spPr>
-        <p:style>
-          <a:lnRef idx="2">
-            <a:schemeClr val="accent1">
-              <a:shade val="50000"/>
-            </a:schemeClr>
-          </a:lnRef>
-          <a:fillRef idx="1">
-            <a:schemeClr val="accent1"/>
-          </a:fillRef>
-          <a:effectRef idx="0">
-            <a:schemeClr val="accent1"/>
-          </a:effectRef>
-          <a:fontRef idx="minor">
-            <a:schemeClr val="lt1"/>
-          </a:fontRef>
-        </p:style>
-        <p:txBody>
-          <a:bodyPr lIns="0" tIns="0" rIns="0" bIns="0" rtlCol="0" anchor="ctr"/>
-          <a:lstStyle/>
-          <a:p>
-            <a:pPr algn="ctr"/>
-            <a:r>
-              <a:rPr lang="en-US" sz="800" dirty="0">
-                <a:latin typeface="Arial" panose="020B0604020202020204" pitchFamily="34" charset="0"/>
-                <a:cs typeface="Arial" panose="020B0604020202020204" pitchFamily="34" charset="0"/>
-              </a:rPr>
-              <a:t>1.5</a:t>
-            </a:r>
-          </a:p>
-        </p:txBody>
-      </p:sp>
-      <p:pic>
-        <p:nvPicPr>
-          <p:cNvPr id="134" name="Graphic 13">
-            <a:extLst>
-              <a:ext uri="{FF2B5EF4-FFF2-40B4-BE49-F238E27FC236}">
-                <a16:creationId xmlns:a16="http://schemas.microsoft.com/office/drawing/2014/main" id="{E264F702-84AB-5049-8F85-097823504F5F}"/>
-              </a:ext>
-            </a:extLst>
-          </p:cNvPr>
-          <p:cNvPicPr>
-            <a:picLocks noChangeAspect="1" noChangeArrowheads="1"/>
-          </p:cNvPicPr>
-          <p:nvPr/>
-        </p:nvPicPr>
-        <p:blipFill>
-          <a:blip r:embed="rId11">
-            <a:extLst>
-              <a:ext uri="{28A0092B-C50C-407E-A947-70E740481C1C}">
-                <a14:useLocalDpi xmlns:a14="http://schemas.microsoft.com/office/drawing/2010/main" val="0"/>
-              </a:ext>
-            </a:extLst>
-          </a:blip>
-          <a:srcRect/>
-          <a:stretch>
-            <a:fillRect/>
-          </a:stretch>
-        </p:blipFill>
-        <p:spPr bwMode="auto">
-          <a:xfrm>
-            <a:off x="4598218" y="3312647"/>
-            <a:ext cx="457200" cy="457200"/>
-          </a:xfrm>
-          <a:prstGeom prst="rect">
-            <a:avLst/>
-          </a:prstGeom>
-          <a:noFill/>
-          <a:ln>
-            <a:noFill/>
-          </a:ln>
-          <a:extLst>
-            <a:ext uri="{909E8E84-426E-40DD-AFC4-6F175D3DCCD1}">
-              <a14:hiddenFill xmlns:a14="http://schemas.microsoft.com/office/drawing/2010/main">
-                <a:solidFill>
-                  <a:srgbClr val="FFFFFF"/>
-                </a:solidFill>
-              </a14:hiddenFill>
-            </a:ext>
-            <a:ext uri="{91240B29-F687-4F45-9708-019B960494DF}">
-              <a14:hiddenLine xmlns:a14="http://schemas.microsoft.com/office/drawing/2010/main" w="9525">
-                <a:solidFill>
-                  <a:srgbClr val="000000"/>
-                </a:solidFill>
-                <a:miter lim="800000"/>
-                <a:headEnd/>
-                <a:tailEnd/>
-              </a14:hiddenLine>
-            </a:ext>
-          </a:extLst>
-        </p:spPr>
-      </p:pic>
-      <p:sp>
-        <p:nvSpPr>
-          <p:cNvPr id="135" name="Oval 134">
-            <a:extLst>
-              <a:ext uri="{FF2B5EF4-FFF2-40B4-BE49-F238E27FC236}">
-                <a16:creationId xmlns:a16="http://schemas.microsoft.com/office/drawing/2014/main" id="{2AA7BBCB-A999-5247-BBC2-FD57DEA7AABD}"/>
-              </a:ext>
-            </a:extLst>
-          </p:cNvPr>
-          <p:cNvSpPr/>
-          <p:nvPr/>
-        </p:nvSpPr>
-        <p:spPr>
-          <a:xfrm>
-            <a:off x="4437113" y="3225148"/>
-            <a:ext cx="253435" cy="212902"/>
-          </a:xfrm>
-          <a:prstGeom prst="ellipse">
-            <a:avLst/>
-          </a:prstGeom>
-          <a:solidFill>
-            <a:schemeClr val="tx1"/>
-          </a:solidFill>
-          <a:ln>
-            <a:solidFill>
-              <a:schemeClr val="tx1"/>
-            </a:solidFill>
-          </a:ln>
-        </p:spPr>
-        <p:style>
-          <a:lnRef idx="2">
-            <a:schemeClr val="accent1">
-              <a:shade val="50000"/>
-            </a:schemeClr>
-          </a:lnRef>
-          <a:fillRef idx="1">
-            <a:schemeClr val="accent1"/>
-          </a:fillRef>
-          <a:effectRef idx="0">
-            <a:schemeClr val="accent1"/>
-          </a:effectRef>
-          <a:fontRef idx="minor">
-            <a:schemeClr val="lt1"/>
-          </a:fontRef>
-        </p:style>
-        <p:txBody>
-          <a:bodyPr lIns="0" tIns="0" rIns="0" bIns="0" rtlCol="0" anchor="ctr"/>
-          <a:lstStyle/>
-          <a:p>
-            <a:pPr algn="ctr"/>
-            <a:r>
-              <a:rPr lang="en-US" sz="800" dirty="0">
-                <a:latin typeface="Arial" panose="020B0604020202020204" pitchFamily="34" charset="0"/>
-                <a:cs typeface="Arial" panose="020B0604020202020204" pitchFamily="34" charset="0"/>
-              </a:rPr>
-              <a:t>1.4</a:t>
-            </a:r>
-          </a:p>
-        </p:txBody>
-      </p:sp>
-      <p:pic>
-        <p:nvPicPr>
-          <p:cNvPr id="137" name="Graphic 7">
-            <a:extLst>
-              <a:ext uri="{FF2B5EF4-FFF2-40B4-BE49-F238E27FC236}">
-                <a16:creationId xmlns:a16="http://schemas.microsoft.com/office/drawing/2014/main" id="{17D44A4F-DA13-4649-B3FC-C06000F8C2B5}"/>
-              </a:ext>
-            </a:extLst>
-          </p:cNvPr>
-          <p:cNvPicPr>
-            <a:picLocks noChangeAspect="1" noChangeArrowheads="1"/>
-          </p:cNvPicPr>
-          <p:nvPr/>
-        </p:nvPicPr>
-        <p:blipFill>
-          <a:blip r:embed="rId12">
-            <a:extLst>
-              <a:ext uri="{28A0092B-C50C-407E-A947-70E740481C1C}">
-                <a14:useLocalDpi xmlns:a14="http://schemas.microsoft.com/office/drawing/2010/main" val="0"/>
-              </a:ext>
-            </a:extLst>
-          </a:blip>
-          <a:srcRect/>
-          <a:stretch>
-            <a:fillRect/>
-          </a:stretch>
-        </p:blipFill>
-        <p:spPr bwMode="auto">
-          <a:xfrm>
-            <a:off x="4709858" y="4296439"/>
-            <a:ext cx="457200" cy="457200"/>
-          </a:xfrm>
-          <a:prstGeom prst="rect">
-            <a:avLst/>
-          </a:prstGeom>
-          <a:noFill/>
-          <a:ln>
-            <a:noFill/>
-          </a:ln>
-          <a:extLst>
-            <a:ext uri="{909E8E84-426E-40DD-AFC4-6F175D3DCCD1}">
-              <a14:hiddenFill xmlns:a14="http://schemas.microsoft.com/office/drawing/2010/main">
-                <a:solidFill>
-                  <a:srgbClr val="FFFFFF"/>
-                </a:solidFill>
-              </a14:hiddenFill>
-            </a:ext>
-            <a:ext uri="{91240B29-F687-4F45-9708-019B960494DF}">
-              <a14:hiddenLine xmlns:a14="http://schemas.microsoft.com/office/drawing/2010/main" w="9525">
-                <a:solidFill>
-                  <a:srgbClr val="000000"/>
-                </a:solidFill>
-                <a:miter lim="800000"/>
-                <a:headEnd/>
-                <a:tailEnd/>
-              </a14:hiddenLine>
-            </a:ext>
-          </a:extLst>
-        </p:spPr>
-      </p:pic>
       <p:cxnSp>
         <p:nvCxnSpPr>
-          <p:cNvPr id="138" name="Straight Arrow Connector 137">
-            <a:extLst>
-              <a:ext uri="{FF2B5EF4-FFF2-40B4-BE49-F238E27FC236}">
-                <a16:creationId xmlns:a16="http://schemas.microsoft.com/office/drawing/2014/main" id="{DDFE14C6-C156-AB44-B16C-0FD90C56A169}"/>
+          <p:cNvPr id="139" name="Straight Arrow Connector 138">
+            <a:extLst>
+              <a:ext uri="{FF2B5EF4-FFF2-40B4-BE49-F238E27FC236}">
+                <a16:creationId xmlns:a16="http://schemas.microsoft.com/office/drawing/2014/main" id="{6F9F1E92-7045-184F-BEF3-EB4718C2FDD4}"/>
               </a:ext>
             </a:extLst>
           </p:cNvPr>
@@ -8358,50 +7730,9 @@
           <p:nvPr/>
         </p:nvCxnSpPr>
         <p:spPr>
-          <a:xfrm flipH="1" flipV="1">
-            <a:off x="3991357" y="2759548"/>
-            <a:ext cx="424906" cy="411171"/>
-          </a:xfrm>
-          <a:prstGeom prst="straightConnector1">
-            <a:avLst/>
-          </a:prstGeom>
-          <a:ln>
-            <a:tailEnd type="triangle"/>
-          </a:ln>
-        </p:spPr>
-        <p:style>
-          <a:lnRef idx="1">
-            <a:schemeClr val="dk1"/>
-          </a:lnRef>
-          <a:fillRef idx="0">
-            <a:schemeClr val="dk1"/>
-          </a:fillRef>
-          <a:effectRef idx="0">
-            <a:schemeClr val="dk1"/>
-          </a:effectRef>
-          <a:fontRef idx="minor">
-            <a:schemeClr val="tx1"/>
-          </a:fontRef>
-        </p:style>
-      </p:cxnSp>
-      <p:cxnSp>
-        <p:nvCxnSpPr>
-          <p:cNvPr id="139" name="Straight Arrow Connector 138">
-            <a:extLst>
-              <a:ext uri="{FF2B5EF4-FFF2-40B4-BE49-F238E27FC236}">
-                <a16:creationId xmlns:a16="http://schemas.microsoft.com/office/drawing/2014/main" id="{6F9F1E92-7045-184F-BEF3-EB4718C2FDD4}"/>
-              </a:ext>
-            </a:extLst>
-          </p:cNvPr>
-          <p:cNvCxnSpPr>
-            <a:cxnSpLocks/>
-          </p:cNvCxnSpPr>
-          <p:nvPr/>
-        </p:nvCxnSpPr>
-        <p:spPr>
-          <a:xfrm>
-            <a:off x="5150112" y="3532426"/>
-            <a:ext cx="955130" cy="0"/>
+          <a:xfrm>
+            <a:off x="5247932" y="2912483"/>
+            <a:ext cx="702510" cy="0"/>
           </a:xfrm>
           <a:prstGeom prst="straightConnector1">
             <a:avLst/>
@@ -8440,7 +7771,7 @@
           <p:nvPr/>
         </p:nvPicPr>
         <p:blipFill>
-          <a:blip r:embed="rId13">
+          <a:blip r:embed="rId12">
             <a:extLst>
               <a:ext uri="{28A0092B-C50C-407E-A947-70E740481C1C}">
                 <a14:useLocalDpi xmlns:a14="http://schemas.microsoft.com/office/drawing/2010/main" val="0"/>
@@ -8454,7 +7785,7 @@
         </p:blipFill>
         <p:spPr bwMode="auto">
           <a:xfrm>
-            <a:off x="3290378" y="3272096"/>
+            <a:off x="3302107" y="1353081"/>
             <a:ext cx="457200" cy="457200"/>
           </a:xfrm>
           <a:prstGeom prst="rect">
@@ -8499,7 +7830,7 @@
         </p:nvSpPr>
         <p:spPr>
           <a:xfrm>
-            <a:off x="3056329" y="3678633"/>
+            <a:off x="3068058" y="1759618"/>
             <a:ext cx="917042" cy="261610"/>
           </a:xfrm>
           <a:prstGeom prst="rect">
@@ -8616,7 +7947,7 @@
         </p:nvCxnSpPr>
         <p:spPr>
           <a:xfrm flipV="1">
-            <a:off x="4840764" y="2759548"/>
+            <a:off x="4840764" y="2147695"/>
             <a:ext cx="0" cy="465600"/>
           </a:xfrm>
           <a:prstGeom prst="straightConnector1">
@@ -8656,7 +7987,7 @@
           <p:nvPr/>
         </p:nvPicPr>
         <p:blipFill>
-          <a:blip r:embed="rId13">
+          <a:blip r:embed="rId12">
             <a:extLst>
               <a:ext uri="{28A0092B-C50C-407E-A947-70E740481C1C}">
                 <a14:useLocalDpi xmlns:a14="http://schemas.microsoft.com/office/drawing/2010/main" val="0"/>
@@ -8670,7 +8001,7 @@
         </p:blipFill>
         <p:spPr bwMode="auto">
           <a:xfrm>
-            <a:off x="5574109" y="1958922"/>
+            <a:off x="5574109" y="1347069"/>
             <a:ext cx="457200" cy="457200"/>
           </a:xfrm>
           <a:prstGeom prst="rect">
@@ -8715,7 +8046,7 @@
         </p:nvSpPr>
         <p:spPr>
           <a:xfrm>
-            <a:off x="5339584" y="2360952"/>
+            <a:off x="5339584" y="1749099"/>
             <a:ext cx="932275" cy="261610"/>
           </a:xfrm>
           <a:prstGeom prst="rect">
@@ -8831,9 +8162,9 @@
           <p:nvPr/>
         </p:nvCxnSpPr>
         <p:spPr>
-          <a:xfrm flipV="1">
-            <a:off x="3991357" y="3536167"/>
-            <a:ext cx="479614" cy="1"/>
+          <a:xfrm>
+            <a:off x="3962307" y="2056853"/>
+            <a:ext cx="396856" cy="409889"/>
           </a:xfrm>
           <a:prstGeom prst="straightConnector1">
             <a:avLst/>
@@ -8873,7 +8204,7 @@
           <p:nvPr/>
         </p:nvPicPr>
         <p:blipFill>
-          <a:blip r:embed="rId14">
+          <a:blip r:embed="rId13">
             <a:extLst>
               <a:ext uri="{28A0092B-C50C-407E-A947-70E740481C1C}">
                 <a14:useLocalDpi xmlns:a14="http://schemas.microsoft.com/office/drawing/2010/main" val="0"/>
@@ -8887,7 +8218,7 @@
         </p:blipFill>
         <p:spPr bwMode="auto">
           <a:xfrm>
-            <a:off x="4597969" y="1964548"/>
+            <a:off x="4597969" y="1352695"/>
             <a:ext cx="457200" cy="457200"/>
           </a:xfrm>
           <a:prstGeom prst="rect">
@@ -8932,7 +8263,7 @@
         </p:nvSpPr>
         <p:spPr>
           <a:xfrm>
-            <a:off x="4359163" y="2339037"/>
+            <a:off x="4359163" y="1727184"/>
             <a:ext cx="932275" cy="261610"/>
           </a:xfrm>
           <a:prstGeom prst="rect">
@@ -9047,7 +8378,7 @@
         </p:nvSpPr>
         <p:spPr>
           <a:xfrm>
-            <a:off x="3323448" y="3331900"/>
+            <a:off x="3335177" y="1412885"/>
             <a:ext cx="253435" cy="212902"/>
           </a:xfrm>
           <a:prstGeom prst="ellipse">
@@ -9088,7 +8419,7 @@
                 <a:latin typeface="Arial" panose="020B0604020202020204" pitchFamily="34" charset="0"/>
                 <a:cs typeface="Arial" panose="020B0604020202020204" pitchFamily="34" charset="0"/>
               </a:rPr>
-              <a:t>1.9</a:t>
+              <a:t>1.5</a:t>
             </a:r>
           </a:p>
         </p:txBody>
@@ -9107,7 +8438,7 @@
         </p:nvSpPr>
         <p:spPr>
           <a:xfrm>
-            <a:off x="4339819" y="2077067"/>
+            <a:off x="4339819" y="1465214"/>
             <a:ext cx="253435" cy="212902"/>
           </a:xfrm>
           <a:prstGeom prst="ellipse">
@@ -9148,7 +8479,7 @@
                 <a:latin typeface="Arial" panose="020B0604020202020204" pitchFamily="34" charset="0"/>
                 <a:cs typeface="Arial" panose="020B0604020202020204" pitchFamily="34" charset="0"/>
               </a:rPr>
-              <a:t>1.7</a:t>
+              <a:t>1.6</a:t>
             </a:r>
           </a:p>
         </p:txBody>
@@ -9167,7 +8498,7 @@
         </p:nvSpPr>
         <p:spPr>
           <a:xfrm>
-            <a:off x="5599187" y="2009727"/>
+            <a:off x="5599187" y="1397874"/>
             <a:ext cx="253435" cy="212902"/>
           </a:xfrm>
           <a:prstGeom prst="ellipse">
@@ -9208,7 +8539,7 @@
                 <a:latin typeface="Arial" panose="020B0604020202020204" pitchFamily="34" charset="0"/>
                 <a:cs typeface="Arial" panose="020B0604020202020204" pitchFamily="34" charset="0"/>
               </a:rPr>
-              <a:t>1.8</a:t>
+              <a:t>1.9</a:t>
             </a:r>
           </a:p>
         </p:txBody>
@@ -9229,7 +8560,7 @@
         </p:nvCxnSpPr>
         <p:spPr>
           <a:xfrm>
-            <a:off x="5113168" y="2193534"/>
+            <a:off x="5113168" y="1581681"/>
             <a:ext cx="356540" cy="0"/>
           </a:xfrm>
           <a:prstGeom prst="straightConnector1">
@@ -9270,7 +8601,7 @@
         </p:nvCxnSpPr>
         <p:spPr>
           <a:xfrm>
-            <a:off x="4840764" y="4025953"/>
+            <a:off x="4840764" y="3414100"/>
             <a:ext cx="0" cy="270486"/>
           </a:xfrm>
           <a:prstGeom prst="straightConnector1">
@@ -9310,9 +8641,9 @@
           <p:nvPr/>
         </p:nvCxnSpPr>
         <p:spPr>
-          <a:xfrm flipV="1">
-            <a:off x="3736138" y="4127302"/>
-            <a:ext cx="314479" cy="239988"/>
+          <a:xfrm>
+            <a:off x="3526579" y="2911259"/>
+            <a:ext cx="628999" cy="0"/>
           </a:xfrm>
           <a:prstGeom prst="straightConnector1">
             <a:avLst/>
@@ -9350,7 +8681,7 @@
         </p:nvSpPr>
         <p:spPr>
           <a:xfrm>
-            <a:off x="6721576" y="3351264"/>
+            <a:off x="6721576" y="2934391"/>
             <a:ext cx="300569" cy="204616"/>
           </a:xfrm>
           <a:prstGeom prst="ellipse">
@@ -9391,7 +8722,412 @@
                 <a:latin typeface="Arial" panose="020B0604020202020204" pitchFamily="34" charset="0"/>
                 <a:cs typeface="Arial" panose="020B0604020202020204" pitchFamily="34" charset="0"/>
               </a:rPr>
-              <a:t>1.11</a:t>
+              <a:t>1.10</a:t>
+            </a:r>
+          </a:p>
+        </p:txBody>
+      </p:sp>
+      <p:sp>
+        <p:nvSpPr>
+          <p:cNvPr id="89" name="Rectangle 88">
+            <a:extLst>
+              <a:ext uri="{FF2B5EF4-FFF2-40B4-BE49-F238E27FC236}">
+                <a16:creationId xmlns:a16="http://schemas.microsoft.com/office/drawing/2014/main" id="{E9C7F202-493F-5E47-A2D4-A969A5C3AB4F}"/>
+              </a:ext>
+            </a:extLst>
+          </p:cNvPr>
+          <p:cNvSpPr/>
+          <p:nvPr/>
+        </p:nvSpPr>
+        <p:spPr>
+          <a:xfrm>
+            <a:off x="1125977" y="4648986"/>
+            <a:ext cx="6490624" cy="1049233"/>
+          </a:xfrm>
+          <a:prstGeom prst="rect">
+            <a:avLst/>
+          </a:prstGeom>
+          <a:noFill/>
+          <a:ln w="12700">
+            <a:solidFill>
+              <a:schemeClr val="tx1"/>
+            </a:solidFill>
+            <a:prstDash val="dash"/>
+          </a:ln>
+        </p:spPr>
+        <p:style>
+          <a:lnRef idx="2">
+            <a:schemeClr val="accent1">
+              <a:shade val="50000"/>
+            </a:schemeClr>
+          </a:lnRef>
+          <a:fillRef idx="1">
+            <a:schemeClr val="accent1"/>
+          </a:fillRef>
+          <a:effectRef idx="0">
+            <a:schemeClr val="accent1"/>
+          </a:effectRef>
+          <a:fontRef idx="minor">
+            <a:schemeClr val="lt1"/>
+          </a:fontRef>
+        </p:style>
+        <p:txBody>
+          <a:bodyPr rot="0" spcFirstLastPara="0" vertOverflow="overflow" horzOverflow="overflow" vert="horz" wrap="square" lIns="91440" tIns="0" rIns="91440" bIns="45720" numCol="1" spcCol="0" rtlCol="0" fromWordArt="0" anchor="t" anchorCtr="0" forceAA="0" compatLnSpc="1">
+            <a:prstTxWarp prst="textNoShape">
+              <a:avLst/>
+            </a:prstTxWarp>
+            <a:noAutofit/>
+          </a:bodyPr>
+          <a:lstStyle/>
+          <a:p>
+            <a:r>
+              <a:rPr lang="en-US" sz="1200" b="1" dirty="0">
+                <a:solidFill>
+                  <a:schemeClr val="tx1"/>
+                </a:solidFill>
+              </a:rPr>
+              <a:t>Global-region</a:t>
+            </a:r>
+          </a:p>
+        </p:txBody>
+      </p:sp>
+      <p:pic>
+        <p:nvPicPr>
+          <p:cNvPr id="105" name="Graphic 24">
+            <a:extLst>
+              <a:ext uri="{FF2B5EF4-FFF2-40B4-BE49-F238E27FC236}">
+                <a16:creationId xmlns:a16="http://schemas.microsoft.com/office/drawing/2014/main" id="{C3D967FB-732C-F048-8D8C-4DB9C678B82D}"/>
+              </a:ext>
+            </a:extLst>
+          </p:cNvPr>
+          <p:cNvPicPr>
+            <a:picLocks noChangeAspect="1" noChangeArrowheads="1"/>
+          </p:cNvPicPr>
+          <p:nvPr/>
+        </p:nvPicPr>
+        <p:blipFill>
+          <a:blip r:embed="rId8">
+            <a:extLst>
+              <a:ext uri="{28A0092B-C50C-407E-A947-70E740481C1C}">
+                <a14:useLocalDpi xmlns:a14="http://schemas.microsoft.com/office/drawing/2010/main" val="0"/>
+              </a:ext>
+            </a:extLst>
+          </a:blip>
+          <a:srcRect/>
+          <a:stretch>
+            <a:fillRect/>
+          </a:stretch>
+        </p:blipFill>
+        <p:spPr bwMode="auto">
+          <a:xfrm>
+            <a:off x="2948936" y="4788615"/>
+            <a:ext cx="457200" cy="457200"/>
+          </a:xfrm>
+          <a:prstGeom prst="rect">
+            <a:avLst/>
+          </a:prstGeom>
+          <a:noFill/>
+          <a:ln>
+            <a:noFill/>
+          </a:ln>
+          <a:extLst>
+            <a:ext uri="{909E8E84-426E-40DD-AFC4-6F175D3DCCD1}">
+              <a14:hiddenFill xmlns:a14="http://schemas.microsoft.com/office/drawing/2010/main">
+                <a:solidFill>
+                  <a:srgbClr val="FFFFFF"/>
+                </a:solidFill>
+              </a14:hiddenFill>
+            </a:ext>
+            <a:ext uri="{91240B29-F687-4F45-9708-019B960494DF}">
+              <a14:hiddenLine xmlns:a14="http://schemas.microsoft.com/office/drawing/2010/main" w="9525">
+                <a:solidFill>
+                  <a:srgbClr val="000000"/>
+                </a:solidFill>
+                <a:miter lim="800000"/>
+                <a:headEnd/>
+                <a:tailEnd/>
+              </a14:hiddenLine>
+            </a:ext>
+          </a:extLst>
+        </p:spPr>
+      </p:pic>
+      <p:sp>
+        <p:nvSpPr>
+          <p:cNvPr id="106" name="TextBox 26">
+            <a:extLst>
+              <a:ext uri="{FF2B5EF4-FFF2-40B4-BE49-F238E27FC236}">
+                <a16:creationId xmlns:a16="http://schemas.microsoft.com/office/drawing/2014/main" id="{CE5E3976-69CA-3240-B7E5-EDD5450EC732}"/>
+              </a:ext>
+            </a:extLst>
+          </p:cNvPr>
+          <p:cNvSpPr txBox="1">
+            <a:spLocks noChangeArrowheads="1"/>
+          </p:cNvSpPr>
+          <p:nvPr/>
+        </p:nvSpPr>
+        <p:spPr bwMode="auto">
+          <a:xfrm>
+            <a:off x="2592266" y="5204628"/>
+            <a:ext cx="1143852" cy="430887"/>
+          </a:xfrm>
+          <a:prstGeom prst="rect">
+            <a:avLst/>
+          </a:prstGeom>
+          <a:noFill/>
+          <a:ln>
+            <a:noFill/>
+          </a:ln>
+          <a:extLst>
+            <a:ext uri="{909E8E84-426E-40DD-AFC4-6F175D3DCCD1}">
+              <a14:hiddenFill xmlns:a14="http://schemas.microsoft.com/office/drawing/2010/main">
+                <a:solidFill>
+                  <a:srgbClr val="FFFFFF"/>
+                </a:solidFill>
+              </a14:hiddenFill>
+            </a:ext>
+            <a:ext uri="{91240B29-F687-4F45-9708-019B960494DF}">
+              <a14:hiddenLine xmlns:a14="http://schemas.microsoft.com/office/drawing/2010/main" w="9525">
+                <a:solidFill>
+                  <a:srgbClr val="000000"/>
+                </a:solidFill>
+                <a:miter lim="800000"/>
+                <a:headEnd/>
+                <a:tailEnd/>
+              </a14:hiddenLine>
+            </a:ext>
+          </a:extLst>
+        </p:spPr>
+        <p:txBody>
+          <a:bodyPr wrap="square">
+            <a:spAutoFit/>
+          </a:bodyPr>
+          <a:lstStyle>
+            <a:lvl1pPr>
+              <a:defRPr>
+                <a:solidFill>
+                  <a:schemeClr val="tx1"/>
+                </a:solidFill>
+                <a:latin typeface="Calibri" panose="020F0502020204030204" pitchFamily="34" charset="0"/>
+              </a:defRPr>
+            </a:lvl1pPr>
+            <a:lvl2pPr marL="742950" indent="-285750">
+              <a:defRPr>
+                <a:solidFill>
+                  <a:schemeClr val="tx1"/>
+                </a:solidFill>
+                <a:latin typeface="Calibri" panose="020F0502020204030204" pitchFamily="34" charset="0"/>
+              </a:defRPr>
+            </a:lvl2pPr>
+            <a:lvl3pPr marL="1143000" indent="-228600">
+              <a:defRPr>
+                <a:solidFill>
+                  <a:schemeClr val="tx1"/>
+                </a:solidFill>
+                <a:latin typeface="Calibri" panose="020F0502020204030204" pitchFamily="34" charset="0"/>
+              </a:defRPr>
+            </a:lvl3pPr>
+            <a:lvl4pPr marL="1600200" indent="-228600">
+              <a:defRPr>
+                <a:solidFill>
+                  <a:schemeClr val="tx1"/>
+                </a:solidFill>
+                <a:latin typeface="Calibri" panose="020F0502020204030204" pitchFamily="34" charset="0"/>
+              </a:defRPr>
+            </a:lvl4pPr>
+            <a:lvl5pPr marL="2057400" indent="-228600">
+              <a:defRPr>
+                <a:solidFill>
+                  <a:schemeClr val="tx1"/>
+                </a:solidFill>
+                <a:latin typeface="Calibri" panose="020F0502020204030204" pitchFamily="34" charset="0"/>
+              </a:defRPr>
+            </a:lvl5pPr>
+            <a:lvl6pPr marL="2514600" indent="-228600" eaLnBrk="0" fontAlgn="base" hangingPunct="0">
+              <a:spcBef>
+                <a:spcPct val="0"/>
+              </a:spcBef>
+              <a:spcAft>
+                <a:spcPct val="0"/>
+              </a:spcAft>
+              <a:defRPr>
+                <a:solidFill>
+                  <a:schemeClr val="tx1"/>
+                </a:solidFill>
+                <a:latin typeface="Calibri" panose="020F0502020204030204" pitchFamily="34" charset="0"/>
+              </a:defRPr>
+            </a:lvl6pPr>
+            <a:lvl7pPr marL="2971800" indent="-228600" eaLnBrk="0" fontAlgn="base" hangingPunct="0">
+              <a:spcBef>
+                <a:spcPct val="0"/>
+              </a:spcBef>
+              <a:spcAft>
+                <a:spcPct val="0"/>
+              </a:spcAft>
+              <a:defRPr>
+                <a:solidFill>
+                  <a:schemeClr val="tx1"/>
+                </a:solidFill>
+                <a:latin typeface="Calibri" panose="020F0502020204030204" pitchFamily="34" charset="0"/>
+              </a:defRPr>
+            </a:lvl7pPr>
+            <a:lvl8pPr marL="3429000" indent="-228600" eaLnBrk="0" fontAlgn="base" hangingPunct="0">
+              <a:spcBef>
+                <a:spcPct val="0"/>
+              </a:spcBef>
+              <a:spcAft>
+                <a:spcPct val="0"/>
+              </a:spcAft>
+              <a:defRPr>
+                <a:solidFill>
+                  <a:schemeClr val="tx1"/>
+                </a:solidFill>
+                <a:latin typeface="Calibri" panose="020F0502020204030204" pitchFamily="34" charset="0"/>
+              </a:defRPr>
+            </a:lvl8pPr>
+            <a:lvl9pPr marL="3886200" indent="-228600" eaLnBrk="0" fontAlgn="base" hangingPunct="0">
+              <a:spcBef>
+                <a:spcPct val="0"/>
+              </a:spcBef>
+              <a:spcAft>
+                <a:spcPct val="0"/>
+              </a:spcAft>
+              <a:defRPr>
+                <a:solidFill>
+                  <a:schemeClr val="tx1"/>
+                </a:solidFill>
+                <a:latin typeface="Calibri" panose="020F0502020204030204" pitchFamily="34" charset="0"/>
+              </a:defRPr>
+            </a:lvl9pPr>
+          </a:lstStyle>
+          <a:p>
+            <a:pPr algn="ctr" eaLnBrk="1" hangingPunct="1"/>
+            <a:r>
+              <a:rPr lang="en-US" altLang="en-US" sz="1100" dirty="0">
+                <a:latin typeface="Arial" panose="020B0604020202020204" pitchFamily="34" charset="0"/>
+                <a:ea typeface="Amazon Ember" panose="020B0603020204020204" pitchFamily="34" charset="0"/>
+                <a:cs typeface="Arial" panose="020B0604020202020204" pitchFamily="34" charset="0"/>
+              </a:rPr>
+              <a:t>Global Event Rules</a:t>
+            </a:r>
+          </a:p>
+        </p:txBody>
+      </p:sp>
+      <p:sp>
+        <p:nvSpPr>
+          <p:cNvPr id="110" name="Oval 109">
+            <a:extLst>
+              <a:ext uri="{FF2B5EF4-FFF2-40B4-BE49-F238E27FC236}">
+                <a16:creationId xmlns:a16="http://schemas.microsoft.com/office/drawing/2014/main" id="{25C9DE58-B653-B447-97CA-5FEDAFE124F4}"/>
+              </a:ext>
+            </a:extLst>
+          </p:cNvPr>
+          <p:cNvSpPr/>
+          <p:nvPr/>
+        </p:nvSpPr>
+        <p:spPr>
+          <a:xfrm>
+            <a:off x="2746508" y="4723435"/>
+            <a:ext cx="253435" cy="212902"/>
+          </a:xfrm>
+          <a:prstGeom prst="ellipse">
+            <a:avLst/>
+          </a:prstGeom>
+          <a:solidFill>
+            <a:schemeClr val="tx1"/>
+          </a:solidFill>
+          <a:ln>
+            <a:solidFill>
+              <a:schemeClr val="tx1"/>
+            </a:solidFill>
+          </a:ln>
+        </p:spPr>
+        <p:style>
+          <a:lnRef idx="2">
+            <a:schemeClr val="accent1">
+              <a:shade val="50000"/>
+            </a:schemeClr>
+          </a:lnRef>
+          <a:fillRef idx="1">
+            <a:schemeClr val="accent1"/>
+          </a:fillRef>
+          <a:effectRef idx="0">
+            <a:schemeClr val="accent1"/>
+          </a:effectRef>
+          <a:fontRef idx="minor">
+            <a:schemeClr val="lt1"/>
+          </a:fontRef>
+        </p:style>
+        <p:txBody>
+          <a:bodyPr lIns="0" tIns="0" rIns="0" bIns="0" rtlCol="0" anchor="ctr"/>
+          <a:lstStyle/>
+          <a:p>
+            <a:pPr algn="ctr"/>
+            <a:r>
+              <a:rPr lang="en-US" sz="800" dirty="0">
+                <a:latin typeface="Arial" panose="020B0604020202020204" pitchFamily="34" charset="0"/>
+                <a:cs typeface="Arial" panose="020B0604020202020204" pitchFamily="34" charset="0"/>
+              </a:rPr>
+              <a:t>1.4</a:t>
+            </a:r>
+          </a:p>
+        </p:txBody>
+      </p:sp>
+      <p:sp>
+        <p:nvSpPr>
+          <p:cNvPr id="112" name="Oval 111">
+            <a:extLst>
+              <a:ext uri="{FF2B5EF4-FFF2-40B4-BE49-F238E27FC236}">
+                <a16:creationId xmlns:a16="http://schemas.microsoft.com/office/drawing/2014/main" id="{3B585DF5-E863-A541-8A57-A39966979E6D}"/>
+              </a:ext>
+            </a:extLst>
+          </p:cNvPr>
+          <p:cNvSpPr/>
+          <p:nvPr/>
+        </p:nvSpPr>
+        <p:spPr>
+          <a:xfrm>
+            <a:off x="2741753" y="2635909"/>
+            <a:ext cx="253435" cy="212902"/>
+          </a:xfrm>
+          <a:prstGeom prst="ellipse">
+            <a:avLst/>
+          </a:prstGeom>
+          <a:solidFill>
+            <a:schemeClr val="tx1"/>
+          </a:solidFill>
+          <a:ln>
+            <a:solidFill>
+              <a:schemeClr val="tx1"/>
+            </a:solidFill>
+          </a:ln>
+        </p:spPr>
+        <p:style>
+          <a:lnRef idx="2">
+            <a:schemeClr val="accent1">
+              <a:shade val="50000"/>
+            </a:schemeClr>
+          </a:lnRef>
+          <a:fillRef idx="1">
+            <a:schemeClr val="accent1"/>
+          </a:fillRef>
+          <a:effectRef idx="0">
+            <a:schemeClr val="accent1"/>
+          </a:effectRef>
+          <a:fontRef idx="minor">
+            <a:schemeClr val="lt1"/>
+          </a:fontRef>
+        </p:style>
+        <p:txBody>
+          <a:bodyPr lIns="0" tIns="0" rIns="0" bIns="0" rtlCol="0" anchor="ctr"/>
+          <a:lstStyle/>
+          <a:p>
+            <a:pPr algn="ctr"/>
+            <a:r>
+              <a:rPr lang="en-US" sz="800" dirty="0">
+                <a:latin typeface="Arial" panose="020B0604020202020204" pitchFamily="34" charset="0"/>
+                <a:cs typeface="Arial" panose="020B0604020202020204" pitchFamily="34" charset="0"/>
+              </a:rPr>
+              <a:t>1.3</a:t>
             </a:r>
           </a:p>
         </p:txBody>

--- a/aws_sra_examples/solutions/securityhub/securityhub_org/documentation/securityhub-org.pptx
+++ b/aws_sra_examples/solutions/securityhub/securityhub_org/documentation/securityhub-org.pptx
@@ -8,7 +8,7 @@
     <p:notesMasterId r:id="rId3"/>
   </p:notesMasterIdLst>
   <p:sldIdLst>
-    <p:sldId id="256" r:id="rId2"/>
+    <p:sldId id="257" r:id="rId2"/>
   </p:sldIdLst>
   <p:sldSz cx="12192000" cy="6858000"/>
   <p:notesSz cx="6858000" cy="9144000"/>
@@ -197,7 +197,7 @@
           <a:p>
             <a:fld id="{FD8D84E3-00BA-4A46-8256-7E527D8B4480}" type="datetimeFigureOut">
               <a:rPr lang="en-US" smtClean="0"/>
-              <a:t>4/27/22</a:t>
+              <a:t>8/2/2023</a:t>
             </a:fld>
             <a:endParaRPr lang="en-US"/>
           </a:p>
@@ -695,7 +695,7 @@
           <a:p>
             <a:fld id="{9FE185F7-9B28-9F45-9F43-9CB5A0B99390}" type="datetimeFigureOut">
               <a:rPr lang="en-US" smtClean="0"/>
-              <a:t>4/27/22</a:t>
+              <a:t>8/2/2023</a:t>
             </a:fld>
             <a:endParaRPr lang="en-US"/>
           </a:p>
@@ -893,7 +893,7 @@
           <a:p>
             <a:fld id="{9FE185F7-9B28-9F45-9F43-9CB5A0B99390}" type="datetimeFigureOut">
               <a:rPr lang="en-US" smtClean="0"/>
-              <a:t>4/27/22</a:t>
+              <a:t>8/2/2023</a:t>
             </a:fld>
             <a:endParaRPr lang="en-US"/>
           </a:p>
@@ -1101,7 +1101,7 @@
           <a:p>
             <a:fld id="{9FE185F7-9B28-9F45-9F43-9CB5A0B99390}" type="datetimeFigureOut">
               <a:rPr lang="en-US" smtClean="0"/>
-              <a:t>4/27/22</a:t>
+              <a:t>8/2/2023</a:t>
             </a:fld>
             <a:endParaRPr lang="en-US"/>
           </a:p>
@@ -1299,7 +1299,7 @@
           <a:p>
             <a:fld id="{9FE185F7-9B28-9F45-9F43-9CB5A0B99390}" type="datetimeFigureOut">
               <a:rPr lang="en-US" smtClean="0"/>
-              <a:t>4/27/22</a:t>
+              <a:t>8/2/2023</a:t>
             </a:fld>
             <a:endParaRPr lang="en-US"/>
           </a:p>
@@ -1574,7 +1574,7 @@
           <a:p>
             <a:fld id="{9FE185F7-9B28-9F45-9F43-9CB5A0B99390}" type="datetimeFigureOut">
               <a:rPr lang="en-US" smtClean="0"/>
-              <a:t>4/27/22</a:t>
+              <a:t>8/2/2023</a:t>
             </a:fld>
             <a:endParaRPr lang="en-US"/>
           </a:p>
@@ -1839,7 +1839,7 @@
           <a:p>
             <a:fld id="{9FE185F7-9B28-9F45-9F43-9CB5A0B99390}" type="datetimeFigureOut">
               <a:rPr lang="en-US" smtClean="0"/>
-              <a:t>4/27/22</a:t>
+              <a:t>8/2/2023</a:t>
             </a:fld>
             <a:endParaRPr lang="en-US"/>
           </a:p>
@@ -2251,7 +2251,7 @@
           <a:p>
             <a:fld id="{9FE185F7-9B28-9F45-9F43-9CB5A0B99390}" type="datetimeFigureOut">
               <a:rPr lang="en-US" smtClean="0"/>
-              <a:t>4/27/22</a:t>
+              <a:t>8/2/2023</a:t>
             </a:fld>
             <a:endParaRPr lang="en-US"/>
           </a:p>
@@ -2392,7 +2392,7 @@
           <a:p>
             <a:fld id="{9FE185F7-9B28-9F45-9F43-9CB5A0B99390}" type="datetimeFigureOut">
               <a:rPr lang="en-US" smtClean="0"/>
-              <a:t>4/27/22</a:t>
+              <a:t>8/2/2023</a:t>
             </a:fld>
             <a:endParaRPr lang="en-US"/>
           </a:p>
@@ -2505,7 +2505,7 @@
           <a:p>
             <a:fld id="{9FE185F7-9B28-9F45-9F43-9CB5A0B99390}" type="datetimeFigureOut">
               <a:rPr lang="en-US" smtClean="0"/>
-              <a:t>4/27/22</a:t>
+              <a:t>8/2/2023</a:t>
             </a:fld>
             <a:endParaRPr lang="en-US"/>
           </a:p>
@@ -2816,7 +2816,7 @@
           <a:p>
             <a:fld id="{9FE185F7-9B28-9F45-9F43-9CB5A0B99390}" type="datetimeFigureOut">
               <a:rPr lang="en-US" smtClean="0"/>
-              <a:t>4/27/22</a:t>
+              <a:t>8/2/2023</a:t>
             </a:fld>
             <a:endParaRPr lang="en-US"/>
           </a:p>
@@ -3104,7 +3104,7 @@
           <a:p>
             <a:fld id="{9FE185F7-9B28-9F45-9F43-9CB5A0B99390}" type="datetimeFigureOut">
               <a:rPr lang="en-US" smtClean="0"/>
-              <a:t>4/27/22</a:t>
+              <a:t>8/2/2023</a:t>
             </a:fld>
             <a:endParaRPr lang="en-US"/>
           </a:p>
@@ -3345,7 +3345,7 @@
           <a:p>
             <a:fld id="{9FE185F7-9B28-9F45-9F43-9CB5A0B99390}" type="datetimeFigureOut">
               <a:rPr lang="en-US" smtClean="0"/>
-              <a:t>4/27/22</a:t>
+              <a:t>8/2/2023</a:t>
             </a:fld>
             <a:endParaRPr lang="en-US"/>
           </a:p>
@@ -3764,10 +3764,85 @@
       </p:grpSpPr>
       <p:sp>
         <p:nvSpPr>
-          <p:cNvPr id="158" name="Rectangle 157">
-            <a:extLst>
-              <a:ext uri="{FF2B5EF4-FFF2-40B4-BE49-F238E27FC236}">
-                <a16:creationId xmlns:a16="http://schemas.microsoft.com/office/drawing/2014/main" id="{39940720-0CF8-DE48-BF8F-A16B7DD2A14B}"/>
+          <p:cNvPr id="93" name="TextBox 92">
+            <a:extLst>
+              <a:ext uri="{FF2B5EF4-FFF2-40B4-BE49-F238E27FC236}">
+                <a16:creationId xmlns:a16="http://schemas.microsoft.com/office/drawing/2014/main" id="{CDCCCE1E-DD4E-3D4B-BE03-47129D861225}"/>
+              </a:ext>
+            </a:extLst>
+          </p:cNvPr>
+          <p:cNvSpPr txBox="1"/>
+          <p:nvPr/>
+        </p:nvSpPr>
+        <p:spPr>
+          <a:xfrm>
+            <a:off x="8763334" y="4968977"/>
+            <a:ext cx="1209667" cy="430887"/>
+          </a:xfrm>
+          <a:prstGeom prst="rect">
+            <a:avLst/>
+          </a:prstGeom>
+          <a:noFill/>
+        </p:spPr>
+        <p:txBody>
+          <a:bodyPr wrap="square" rtlCol="0">
+            <a:spAutoFit/>
+          </a:bodyPr>
+          <a:lstStyle/>
+          <a:p>
+            <a:pPr algn="ctr"/>
+            <a:r>
+              <a:rPr lang="en-US" sz="1100" dirty="0">
+                <a:latin typeface="Arial" panose="020B0604020202020204" pitchFamily="34" charset="0"/>
+                <a:cs typeface="Arial" panose="020B0604020202020204" pitchFamily="34" charset="0"/>
+              </a:rPr>
+              <a:t>AWS CloudFormation</a:t>
+            </a:r>
+          </a:p>
+        </p:txBody>
+      </p:sp>
+      <p:pic>
+        <p:nvPicPr>
+          <p:cNvPr id="94" name="Graphic 93">
+            <a:extLst>
+              <a:ext uri="{FF2B5EF4-FFF2-40B4-BE49-F238E27FC236}">
+                <a16:creationId xmlns:a16="http://schemas.microsoft.com/office/drawing/2014/main" id="{31D7640F-4E48-1D4E-B8F0-CC6DBC330519}"/>
+              </a:ext>
+            </a:extLst>
+          </p:cNvPr>
+          <p:cNvPicPr>
+            <a:picLocks noChangeAspect="1"/>
+          </p:cNvPicPr>
+          <p:nvPr/>
+        </p:nvPicPr>
+        <p:blipFill>
+          <a:blip r:embed="rId3">
+            <a:extLst>
+              <a:ext uri="{96DAC541-7B7A-43D3-8B79-37D633B846F1}">
+                <asvg:svgBlip xmlns:asvg="http://schemas.microsoft.com/office/drawing/2016/SVG/main" r:embed="rId4"/>
+              </a:ext>
+            </a:extLst>
+          </a:blip>
+          <a:stretch>
+            <a:fillRect/>
+          </a:stretch>
+        </p:blipFill>
+        <p:spPr>
+          <a:xfrm>
+            <a:off x="9142675" y="4515374"/>
+            <a:ext cx="457200" cy="457200"/>
+          </a:xfrm>
+          <a:prstGeom prst="rect">
+            <a:avLst/>
+          </a:prstGeom>
+        </p:spPr>
+      </p:pic>
+      <p:sp>
+        <p:nvSpPr>
+          <p:cNvPr id="95" name="Oval 94">
+            <a:extLst>
+              <a:ext uri="{FF2B5EF4-FFF2-40B4-BE49-F238E27FC236}">
+                <a16:creationId xmlns:a16="http://schemas.microsoft.com/office/drawing/2014/main" id="{AD4975BB-DD6D-C54E-B125-5B4B36BCF8AC}"/>
               </a:ext>
             </a:extLst>
           </p:cNvPr>
@@ -3776,16 +3851,16 @@
         </p:nvSpPr>
         <p:spPr>
           <a:xfrm>
-            <a:off x="840075" y="245354"/>
-            <a:ext cx="10659212" cy="6217024"/>
-          </a:xfrm>
-          <a:prstGeom prst="rect">
+            <a:off x="9045146" y="4424789"/>
+            <a:ext cx="253435" cy="212902"/>
+          </a:xfrm>
+          <a:prstGeom prst="ellipse">
             <a:avLst/>
           </a:prstGeom>
           <a:solidFill>
-            <a:schemeClr val="bg1"/>
+            <a:schemeClr val="tx1"/>
           </a:solidFill>
-          <a:ln w="12700">
+          <a:ln>
             <a:solidFill>
               <a:schemeClr val="tx1"/>
             </a:solidFill>
@@ -3808,161 +3883,26 @@
           </a:fontRef>
         </p:style>
         <p:txBody>
-          <a:bodyPr rot="0" spcFirstLastPara="0" vert="horz" wrap="square" lIns="457200" tIns="91440" rIns="91440" bIns="45720" numCol="1" spcCol="0" rtlCol="0" fromWordArt="0" anchor="t" anchorCtr="0" forceAA="0" compatLnSpc="1">
-            <a:prstTxWarp prst="textNoShape">
-              <a:avLst/>
-            </a:prstTxWarp>
-            <a:noAutofit/>
-          </a:bodyPr>
-          <a:lstStyle>
-            <a:lvl1pPr>
-              <a:defRPr>
-                <a:solidFill>
-                  <a:schemeClr val="lt1"/>
-                </a:solidFill>
-                <a:latin typeface="+mn-lt"/>
-                <a:ea typeface="+mn-ea"/>
-                <a:cs typeface="+mn-cs"/>
-              </a:defRPr>
-            </a:lvl1pPr>
-            <a:lvl2pPr>
-              <a:defRPr>
-                <a:solidFill>
-                  <a:schemeClr val="lt1"/>
-                </a:solidFill>
-                <a:latin typeface="+mn-lt"/>
-                <a:ea typeface="+mn-ea"/>
-                <a:cs typeface="+mn-cs"/>
-              </a:defRPr>
-            </a:lvl2pPr>
-            <a:lvl3pPr>
-              <a:defRPr>
-                <a:solidFill>
-                  <a:schemeClr val="lt1"/>
-                </a:solidFill>
-                <a:latin typeface="+mn-lt"/>
-                <a:ea typeface="+mn-ea"/>
-                <a:cs typeface="+mn-cs"/>
-              </a:defRPr>
-            </a:lvl3pPr>
-            <a:lvl4pPr>
-              <a:defRPr>
-                <a:solidFill>
-                  <a:schemeClr val="lt1"/>
-                </a:solidFill>
-                <a:latin typeface="+mn-lt"/>
-                <a:ea typeface="+mn-ea"/>
-                <a:cs typeface="+mn-cs"/>
-              </a:defRPr>
-            </a:lvl4pPr>
-            <a:lvl5pPr>
-              <a:defRPr>
-                <a:solidFill>
-                  <a:schemeClr val="lt1"/>
-                </a:solidFill>
-                <a:latin typeface="+mn-lt"/>
-                <a:ea typeface="+mn-ea"/>
-                <a:cs typeface="+mn-cs"/>
-              </a:defRPr>
-            </a:lvl5pPr>
-            <a:lvl6pPr>
-              <a:defRPr>
-                <a:solidFill>
-                  <a:schemeClr val="lt1"/>
-                </a:solidFill>
-                <a:latin typeface="+mn-lt"/>
-                <a:ea typeface="+mn-ea"/>
-                <a:cs typeface="+mn-cs"/>
-              </a:defRPr>
-            </a:lvl6pPr>
-            <a:lvl7pPr>
-              <a:defRPr>
-                <a:solidFill>
-                  <a:schemeClr val="lt1"/>
-                </a:solidFill>
-                <a:latin typeface="+mn-lt"/>
-                <a:ea typeface="+mn-ea"/>
-                <a:cs typeface="+mn-cs"/>
-              </a:defRPr>
-            </a:lvl7pPr>
-            <a:lvl8pPr>
-              <a:defRPr>
-                <a:solidFill>
-                  <a:schemeClr val="lt1"/>
-                </a:solidFill>
-                <a:latin typeface="+mn-lt"/>
-                <a:ea typeface="+mn-ea"/>
-                <a:cs typeface="+mn-cs"/>
-              </a:defRPr>
-            </a:lvl8pPr>
-            <a:lvl9pPr>
-              <a:defRPr>
-                <a:solidFill>
-                  <a:schemeClr val="lt1"/>
-                </a:solidFill>
-                <a:latin typeface="+mn-lt"/>
-                <a:ea typeface="+mn-ea"/>
-                <a:cs typeface="+mn-cs"/>
-              </a:defRPr>
-            </a:lvl9pPr>
-          </a:lstStyle>
-          <a:p>
-            <a:pPr algn="l"/>
-            <a:r>
-              <a:rPr lang="en-US" sz="1400" dirty="0">
-                <a:solidFill>
-                  <a:sysClr val="windowText" lastClr="000000"/>
-                </a:solidFill>
+          <a:bodyPr lIns="0" tIns="0" rIns="0" bIns="0" rtlCol="0" anchor="ctr"/>
+          <a:lstStyle/>
+          <a:p>
+            <a:pPr algn="ctr"/>
+            <a:r>
+              <a:rPr lang="en-US" sz="800" dirty="0">
                 <a:latin typeface="Arial" panose="020B0604020202020204" pitchFamily="34" charset="0"/>
                 <a:cs typeface="Arial" panose="020B0604020202020204" pitchFamily="34" charset="0"/>
               </a:rPr>
-              <a:t>AWS Cloud</a:t>
-            </a:r>
-          </a:p>
-        </p:txBody>
-      </p:sp>
-      <p:pic>
-        <p:nvPicPr>
-          <p:cNvPr id="126" name="Graphic 2">
-            <a:extLst>
-              <a:ext uri="{FF2B5EF4-FFF2-40B4-BE49-F238E27FC236}">
-                <a16:creationId xmlns:a16="http://schemas.microsoft.com/office/drawing/2014/main" id="{F04267D0-7955-2C4A-842B-D8A3A9599CC0}"/>
-              </a:ext>
-            </a:extLst>
-          </p:cNvPr>
-          <p:cNvPicPr>
-            <a:picLocks noChangeAspect="1"/>
-          </p:cNvPicPr>
-          <p:nvPr/>
-        </p:nvPicPr>
-        <p:blipFill>
-          <a:blip r:embed="rId3">
-            <a:extLst>
-              <a:ext uri="{96DAC541-7B7A-43D3-8B79-37D633B846F1}">
-                <asvg:svgBlip xmlns:asvg="http://schemas.microsoft.com/office/drawing/2016/SVG/main" r:embed="rId4"/>
-              </a:ext>
-            </a:extLst>
-          </a:blip>
-          <a:stretch>
-            <a:fillRect/>
-          </a:stretch>
-        </p:blipFill>
-        <p:spPr>
-          <a:xfrm>
-            <a:off x="840075" y="242764"/>
-            <a:ext cx="330200" cy="330200"/>
-          </a:xfrm>
-          <a:prstGeom prst="rect">
-            <a:avLst/>
-          </a:prstGeom>
-        </p:spPr>
-      </p:pic>
-      <p:sp>
-        <p:nvSpPr>
-          <p:cNvPr id="129" name="Rectangle 128">
-            <a:extLst>
-              <a:ext uri="{FF2B5EF4-FFF2-40B4-BE49-F238E27FC236}">
-                <a16:creationId xmlns:a16="http://schemas.microsoft.com/office/drawing/2014/main" id="{FB73AA4D-BE37-B546-8168-72555838077A}"/>
+              <a:t>3.1</a:t>
+            </a:r>
+          </a:p>
+        </p:txBody>
+      </p:sp>
+      <p:sp>
+        <p:nvSpPr>
+          <p:cNvPr id="81" name="Rectangle 80">
+            <a:extLst>
+              <a:ext uri="{FF2B5EF4-FFF2-40B4-BE49-F238E27FC236}">
+                <a16:creationId xmlns:a16="http://schemas.microsoft.com/office/drawing/2014/main" id="{FD0BEA75-341F-49B4-83DB-758CA12480EF}"/>
               </a:ext>
             </a:extLst>
           </p:cNvPr>
@@ -3971,8 +3911,8 @@
         </p:nvSpPr>
         <p:spPr>
           <a:xfrm>
-            <a:off x="976097" y="882500"/>
-            <a:ext cx="6813952" cy="4915972"/>
+            <a:off x="162732" y="158633"/>
+            <a:ext cx="11887200" cy="6587003"/>
           </a:xfrm>
           <a:prstGeom prst="rect">
             <a:avLst/>
@@ -3982,7 +3922,6 @@
             <a:solidFill>
               <a:schemeClr val="tx1"/>
             </a:solidFill>
-            <a:prstDash val="solid"/>
           </a:ln>
         </p:spPr>
         <p:style>
@@ -4002,34 +3941,72 @@
           </a:fontRef>
         </p:style>
         <p:txBody>
-          <a:bodyPr rot="0" spcFirstLastPara="0" vertOverflow="overflow" horzOverflow="overflow" vert="horz" wrap="square" lIns="91440" tIns="91440" rIns="91440" bIns="45720" numCol="1" spcCol="0" rtlCol="0" fromWordArt="0" anchor="t" anchorCtr="0" forceAA="0" compatLnSpc="1">
-            <a:prstTxWarp prst="textNoShape">
-              <a:avLst/>
-            </a:prstTxWarp>
-            <a:noAutofit/>
-          </a:bodyPr>
+          <a:bodyPr lIns="502920" tIns="91440"/>
           <a:lstStyle/>
           <a:p>
-            <a:pPr algn="ctr"/>
-            <a:r>
-              <a:rPr lang="en-US" sz="1400" dirty="0">
+            <a:pPr eaLnBrk="1" fontAlgn="auto" hangingPunct="1">
+              <a:spcBef>
+                <a:spcPts val="0"/>
+              </a:spcBef>
+              <a:spcAft>
+                <a:spcPts val="0"/>
+              </a:spcAft>
+              <a:defRPr/>
+            </a:pPr>
+            <a:r>
+              <a:rPr lang="en-US" sz="1200" dirty="0">
                 <a:solidFill>
-                  <a:schemeClr val="tx1"/>
+                  <a:sysClr val="windowText" lastClr="000000"/>
                 </a:solidFill>
                 <a:latin typeface="Arial" panose="020B0604020202020204" pitchFamily="34" charset="0"/>
                 <a:cs typeface="Arial" panose="020B0604020202020204" pitchFamily="34" charset="0"/>
               </a:rPr>
-              <a:t>Organization Management Account</a:t>
-            </a:r>
-          </a:p>
-        </p:txBody>
-      </p:sp>
-      <p:sp>
-        <p:nvSpPr>
-          <p:cNvPr id="128" name="Rectangle 127">
-            <a:extLst>
-              <a:ext uri="{FF2B5EF4-FFF2-40B4-BE49-F238E27FC236}">
-                <a16:creationId xmlns:a16="http://schemas.microsoft.com/office/drawing/2014/main" id="{747041A4-100F-0D48-87F9-E63DDDFD96C6}"/>
+              <a:t>AWS Cloud</a:t>
+            </a:r>
+          </a:p>
+        </p:txBody>
+      </p:sp>
+      <p:pic>
+        <p:nvPicPr>
+          <p:cNvPr id="82" name="Graphic 81">
+            <a:extLst>
+              <a:ext uri="{FF2B5EF4-FFF2-40B4-BE49-F238E27FC236}">
+                <a16:creationId xmlns:a16="http://schemas.microsoft.com/office/drawing/2014/main" id="{ADF00096-D97F-4D69-B4CB-8B0D7A8DF2BF}"/>
+              </a:ext>
+            </a:extLst>
+          </p:cNvPr>
+          <p:cNvPicPr>
+            <a:picLocks noChangeAspect="1"/>
+          </p:cNvPicPr>
+          <p:nvPr/>
+        </p:nvPicPr>
+        <p:blipFill>
+          <a:blip r:embed="rId5">
+            <a:extLst>
+              <a:ext uri="{96DAC541-7B7A-43D3-8B79-37D633B846F1}">
+                <asvg:svgBlip xmlns:asvg="http://schemas.microsoft.com/office/drawing/2016/SVG/main" r:embed="rId6"/>
+              </a:ext>
+            </a:extLst>
+          </a:blip>
+          <a:srcRect/>
+          <a:stretch/>
+        </p:blipFill>
+        <p:spPr>
+          <a:xfrm>
+            <a:off x="162732" y="158631"/>
+            <a:ext cx="381000" cy="381000"/>
+          </a:xfrm>
+          <a:prstGeom prst="rect">
+            <a:avLst/>
+          </a:prstGeom>
+        </p:spPr>
+      </p:pic>
+      <p:sp>
+        <p:nvSpPr>
+          <p:cNvPr id="87" name="Rectangle 86">
+            <a:extLst>
+              <a:ext uri="{FF2B5EF4-FFF2-40B4-BE49-F238E27FC236}">
+                <a16:creationId xmlns:a16="http://schemas.microsoft.com/office/drawing/2014/main" id="{233194F9-79FD-453D-AC8F-FA9F8DEF9795}"/>
               </a:ext>
             </a:extLst>
           </p:cNvPr>
@@ -4038,8 +4015,8 @@
         </p:nvSpPr>
         <p:spPr>
           <a:xfrm>
-            <a:off x="7889985" y="373781"/>
-            <a:ext cx="3461940" cy="3115711"/>
+            <a:off x="281694" y="603750"/>
+            <a:ext cx="6574900" cy="5128850"/>
           </a:xfrm>
           <a:prstGeom prst="rect">
             <a:avLst/>
@@ -4047,9 +4024,8 @@
           <a:noFill/>
           <a:ln w="12700">
             <a:solidFill>
-              <a:schemeClr val="tx1"/>
+              <a:srgbClr val="CD2264"/>
             </a:solidFill>
-            <a:prstDash val="solid"/>
           </a:ln>
         </p:spPr>
         <p:style>
@@ -4069,47 +4045,196 @@
           </a:fontRef>
         </p:style>
         <p:txBody>
-          <a:bodyPr rot="0" spcFirstLastPara="0" vertOverflow="overflow" horzOverflow="overflow" vert="horz" wrap="square" lIns="91440" tIns="91440" rIns="91440" bIns="45720" numCol="1" spcCol="0" rtlCol="0" fromWordArt="0" anchor="t" anchorCtr="0" forceAA="0" compatLnSpc="1">
-            <a:prstTxWarp prst="textNoShape">
-              <a:avLst/>
-            </a:prstTxWarp>
-            <a:noAutofit/>
-          </a:bodyPr>
+          <a:bodyPr lIns="502920" tIns="91440"/>
           <a:lstStyle/>
           <a:p>
-            <a:pPr algn="ctr"/>
-            <a:r>
-              <a:rPr lang="en-US" sz="1400" dirty="0">
+            <a:pPr eaLnBrk="1" fontAlgn="auto" hangingPunct="1">
+              <a:spcBef>
+                <a:spcPts val="0"/>
+              </a:spcBef>
+              <a:spcAft>
+                <a:spcPts val="0"/>
+              </a:spcAft>
+              <a:defRPr/>
+            </a:pPr>
+            <a:r>
+              <a:rPr lang="en-US" sz="1200" dirty="0">
                 <a:solidFill>
-                  <a:schemeClr val="tx1"/>
+                  <a:srgbClr val="CD2264"/>
                 </a:solidFill>
                 <a:latin typeface="Arial" panose="020B0604020202020204" pitchFamily="34" charset="0"/>
                 <a:cs typeface="Arial" panose="020B0604020202020204" pitchFamily="34" charset="0"/>
               </a:rPr>
-              <a:t>Audit Account</a:t>
-            </a:r>
-          </a:p>
-          <a:p>
-            <a:pPr algn="ctr"/>
-            <a:r>
-              <a:rPr lang="en-US" sz="1200" dirty="0">
-                <a:solidFill>
-                  <a:schemeClr val="tx1"/>
-                </a:solidFill>
+              <a:t>Organization Management Account</a:t>
+            </a:r>
+          </a:p>
+        </p:txBody>
+      </p:sp>
+      <p:pic>
+        <p:nvPicPr>
+          <p:cNvPr id="88" name="Graphic 87">
+            <a:extLst>
+              <a:ext uri="{FF2B5EF4-FFF2-40B4-BE49-F238E27FC236}">
+                <a16:creationId xmlns:a16="http://schemas.microsoft.com/office/drawing/2014/main" id="{234AB67D-9201-40E8-83E1-AF224AFD12B8}"/>
+              </a:ext>
+            </a:extLst>
+          </p:cNvPr>
+          <p:cNvPicPr>
+            <a:picLocks noChangeAspect="1"/>
+          </p:cNvPicPr>
+          <p:nvPr/>
+        </p:nvPicPr>
+        <p:blipFill>
+          <a:blip r:embed="rId7">
+            <a:extLst>
+              <a:ext uri="{96DAC541-7B7A-43D3-8B79-37D633B846F1}">
+                <asvg:svgBlip xmlns:asvg="http://schemas.microsoft.com/office/drawing/2016/SVG/main" r:embed="rId8"/>
+              </a:ext>
+            </a:extLst>
+          </a:blip>
+          <a:stretch>
+            <a:fillRect/>
+          </a:stretch>
+        </p:blipFill>
+        <p:spPr>
+          <a:xfrm>
+            <a:off x="278676" y="603748"/>
+            <a:ext cx="424469" cy="424469"/>
+          </a:xfrm>
+          <a:prstGeom prst="rect">
+            <a:avLst/>
+          </a:prstGeom>
+        </p:spPr>
+      </p:pic>
+      <p:sp>
+        <p:nvSpPr>
+          <p:cNvPr id="122" name="TextBox 2">
+            <a:extLst>
+              <a:ext uri="{FF2B5EF4-FFF2-40B4-BE49-F238E27FC236}">
+                <a16:creationId xmlns:a16="http://schemas.microsoft.com/office/drawing/2014/main" id="{D779FD12-DEC5-45B4-89B4-2B5EBBA6290B}"/>
+              </a:ext>
+            </a:extLst>
+          </p:cNvPr>
+          <p:cNvSpPr txBox="1"/>
+          <p:nvPr/>
+        </p:nvSpPr>
+        <p:spPr>
+          <a:xfrm>
+            <a:off x="3279561" y="2583954"/>
+            <a:ext cx="740002" cy="430887"/>
+          </a:xfrm>
+          <a:prstGeom prst="rect">
+            <a:avLst/>
+          </a:prstGeom>
+          <a:noFill/>
+        </p:spPr>
+        <p:style>
+          <a:lnRef idx="0">
+            <a:scrgbClr r="0" g="0" b="0"/>
+          </a:lnRef>
+          <a:fillRef idx="0">
+            <a:scrgbClr r="0" g="0" b="0"/>
+          </a:fillRef>
+          <a:effectRef idx="0">
+            <a:scrgbClr r="0" g="0" b="0"/>
+          </a:effectRef>
+          <a:fontRef idx="major"/>
+        </p:style>
+        <p:txBody>
+          <a:bodyPr wrap="square" rtlCol="0">
+            <a:spAutoFit/>
+          </a:bodyPr>
+          <a:lstStyle>
+            <a:lvl1pPr>
+              <a:defRPr>
+                <a:latin typeface="+mj-lt"/>
+                <a:ea typeface="+mj-ea"/>
+                <a:cs typeface="+mj-cs"/>
+              </a:defRPr>
+            </a:lvl1pPr>
+            <a:lvl2pPr>
+              <a:defRPr>
+                <a:latin typeface="+mj-lt"/>
+                <a:ea typeface="+mj-ea"/>
+                <a:cs typeface="+mj-cs"/>
+              </a:defRPr>
+            </a:lvl2pPr>
+            <a:lvl3pPr>
+              <a:defRPr>
+                <a:latin typeface="+mj-lt"/>
+                <a:ea typeface="+mj-ea"/>
+                <a:cs typeface="+mj-cs"/>
+              </a:defRPr>
+            </a:lvl3pPr>
+            <a:lvl4pPr>
+              <a:defRPr>
+                <a:latin typeface="+mj-lt"/>
+                <a:ea typeface="+mj-ea"/>
+                <a:cs typeface="+mj-cs"/>
+              </a:defRPr>
+            </a:lvl4pPr>
+            <a:lvl5pPr>
+              <a:defRPr>
+                <a:latin typeface="+mj-lt"/>
+                <a:ea typeface="+mj-ea"/>
+                <a:cs typeface="+mj-cs"/>
+              </a:defRPr>
+            </a:lvl5pPr>
+            <a:lvl6pPr>
+              <a:defRPr>
+                <a:latin typeface="+mj-lt"/>
+                <a:ea typeface="+mj-ea"/>
+                <a:cs typeface="+mj-cs"/>
+              </a:defRPr>
+            </a:lvl6pPr>
+            <a:lvl7pPr>
+              <a:defRPr>
+                <a:latin typeface="+mj-lt"/>
+                <a:ea typeface="+mj-ea"/>
+                <a:cs typeface="+mj-cs"/>
+              </a:defRPr>
+            </a:lvl7pPr>
+            <a:lvl8pPr>
+              <a:defRPr>
+                <a:latin typeface="+mj-lt"/>
+                <a:ea typeface="+mj-ea"/>
+                <a:cs typeface="+mj-cs"/>
+              </a:defRPr>
+            </a:lvl8pPr>
+            <a:lvl9pPr>
+              <a:defRPr>
+                <a:latin typeface="+mj-lt"/>
+                <a:ea typeface="+mj-ea"/>
+                <a:cs typeface="+mj-cs"/>
+              </a:defRPr>
+            </a:lvl9pPr>
+          </a:lstStyle>
+          <a:p>
+            <a:r>
+              <a:rPr lang="en-US" sz="1100" dirty="0">
                 <a:latin typeface="Arial" panose="020B0604020202020204" pitchFamily="34" charset="0"/>
                 <a:cs typeface="Arial" panose="020B0604020202020204" pitchFamily="34" charset="0"/>
               </a:rPr>
-              <a:t>OU: Security</a:t>
-            </a:r>
-          </a:p>
-        </p:txBody>
-      </p:sp>
-      <p:sp>
-        <p:nvSpPr>
-          <p:cNvPr id="151" name="TextBox 150">
-            <a:extLst>
-              <a:ext uri="{FF2B5EF4-FFF2-40B4-BE49-F238E27FC236}">
-                <a16:creationId xmlns:a16="http://schemas.microsoft.com/office/drawing/2014/main" id="{08B67E83-7D09-C748-AEEF-49786315014A}"/>
+              <a:t>Lambda</a:t>
+            </a:r>
+          </a:p>
+          <a:p>
+            <a:r>
+              <a:rPr lang="en-US" sz="1100" dirty="0">
+                <a:latin typeface="Arial" panose="020B0604020202020204" pitchFamily="34" charset="0"/>
+                <a:cs typeface="Arial" panose="020B0604020202020204" pitchFamily="34" charset="0"/>
+              </a:rPr>
+              <a:t>Function</a:t>
+            </a:r>
+          </a:p>
+        </p:txBody>
+      </p:sp>
+      <p:sp>
+        <p:nvSpPr>
+          <p:cNvPr id="123" name="TextBox 2">
+            <a:extLst>
+              <a:ext uri="{FF2B5EF4-FFF2-40B4-BE49-F238E27FC236}">
+                <a16:creationId xmlns:a16="http://schemas.microsoft.com/office/drawing/2014/main" id="{956DC4A8-C454-4D0C-A193-B9CF227389CD}"/>
               </a:ext>
             </a:extLst>
           </p:cNvPr>
@@ -4118,8 +4243,123 @@
         </p:nvSpPr>
         <p:spPr>
           <a:xfrm>
-            <a:off x="1130566" y="2049289"/>
-            <a:ext cx="1240931" cy="430887"/>
+            <a:off x="2802365" y="3902268"/>
+            <a:ext cx="1098724" cy="430887"/>
+          </a:xfrm>
+          <a:prstGeom prst="rect">
+            <a:avLst/>
+          </a:prstGeom>
+          <a:noFill/>
+        </p:spPr>
+        <p:style>
+          <a:lnRef idx="0">
+            <a:scrgbClr r="0" g="0" b="0"/>
+          </a:lnRef>
+          <a:fillRef idx="0">
+            <a:scrgbClr r="0" g="0" b="0"/>
+          </a:fillRef>
+          <a:effectRef idx="0">
+            <a:scrgbClr r="0" g="0" b="0"/>
+          </a:effectRef>
+          <a:fontRef idx="major"/>
+        </p:style>
+        <p:txBody>
+          <a:bodyPr wrap="square" rtlCol="0">
+            <a:spAutoFit/>
+          </a:bodyPr>
+          <a:lstStyle>
+            <a:lvl1pPr>
+              <a:defRPr>
+                <a:latin typeface="+mj-lt"/>
+                <a:ea typeface="+mj-ea"/>
+                <a:cs typeface="+mj-cs"/>
+              </a:defRPr>
+            </a:lvl1pPr>
+            <a:lvl2pPr>
+              <a:defRPr>
+                <a:latin typeface="+mj-lt"/>
+                <a:ea typeface="+mj-ea"/>
+                <a:cs typeface="+mj-cs"/>
+              </a:defRPr>
+            </a:lvl2pPr>
+            <a:lvl3pPr>
+              <a:defRPr>
+                <a:latin typeface="+mj-lt"/>
+                <a:ea typeface="+mj-ea"/>
+                <a:cs typeface="+mj-cs"/>
+              </a:defRPr>
+            </a:lvl3pPr>
+            <a:lvl4pPr>
+              <a:defRPr>
+                <a:latin typeface="+mj-lt"/>
+                <a:ea typeface="+mj-ea"/>
+                <a:cs typeface="+mj-cs"/>
+              </a:defRPr>
+            </a:lvl4pPr>
+            <a:lvl5pPr>
+              <a:defRPr>
+                <a:latin typeface="+mj-lt"/>
+                <a:ea typeface="+mj-ea"/>
+                <a:cs typeface="+mj-cs"/>
+              </a:defRPr>
+            </a:lvl5pPr>
+            <a:lvl6pPr>
+              <a:defRPr>
+                <a:latin typeface="+mj-lt"/>
+                <a:ea typeface="+mj-ea"/>
+                <a:cs typeface="+mj-cs"/>
+              </a:defRPr>
+            </a:lvl6pPr>
+            <a:lvl7pPr>
+              <a:defRPr>
+                <a:latin typeface="+mj-lt"/>
+                <a:ea typeface="+mj-ea"/>
+                <a:cs typeface="+mj-cs"/>
+              </a:defRPr>
+            </a:lvl7pPr>
+            <a:lvl8pPr>
+              <a:defRPr>
+                <a:latin typeface="+mj-lt"/>
+                <a:ea typeface="+mj-ea"/>
+                <a:cs typeface="+mj-cs"/>
+              </a:defRPr>
+            </a:lvl8pPr>
+            <a:lvl9pPr>
+              <a:defRPr>
+                <a:latin typeface="+mj-lt"/>
+                <a:ea typeface="+mj-ea"/>
+                <a:cs typeface="+mj-cs"/>
+              </a:defRPr>
+            </a:lvl9pPr>
+          </a:lstStyle>
+          <a:p>
+            <a:pPr algn="ctr"/>
+            <a:r>
+              <a:rPr lang="en-US" sz="1100" dirty="0">
+                <a:latin typeface="Arial" panose="020B0604020202020204" pitchFamily="34" charset="0"/>
+                <a:cs typeface="Arial" panose="020B0604020202020204" pitchFamily="34" charset="0"/>
+              </a:rPr>
+              <a:t>CloudWatch Log Group</a:t>
+            </a:r>
+          </a:p>
+        </p:txBody>
+      </p:sp>
+      <p:sp>
+        <p:nvSpPr>
+          <p:cNvPr id="130" name="TextBox 129">
+            <a:extLst>
+              <a:ext uri="{FF2B5EF4-FFF2-40B4-BE49-F238E27FC236}">
+                <a16:creationId xmlns:a16="http://schemas.microsoft.com/office/drawing/2014/main" id="{8D4C5C94-FD55-4958-94CD-9C621E29B0AE}"/>
+              </a:ext>
+            </a:extLst>
+          </p:cNvPr>
+          <p:cNvSpPr txBox="1"/>
+          <p:nvPr/>
+        </p:nvSpPr>
+        <p:spPr>
+          <a:xfrm>
+            <a:off x="647520" y="2193715"/>
+            <a:ext cx="1233913" cy="430887"/>
           </a:xfrm>
           <a:prstGeom prst="rect">
             <a:avLst/>
@@ -4143,48 +4383,12 @@
           </a:p>
         </p:txBody>
       </p:sp>
-      <p:pic>
-        <p:nvPicPr>
-          <p:cNvPr id="152" name="Graphic 151">
-            <a:extLst>
-              <a:ext uri="{FF2B5EF4-FFF2-40B4-BE49-F238E27FC236}">
-                <a16:creationId xmlns:a16="http://schemas.microsoft.com/office/drawing/2014/main" id="{399FFB55-9DC7-0642-93ED-51225281247C}"/>
-              </a:ext>
-            </a:extLst>
-          </p:cNvPr>
-          <p:cNvPicPr>
-            <a:picLocks noChangeAspect="1"/>
-          </p:cNvPicPr>
-          <p:nvPr/>
-        </p:nvPicPr>
-        <p:blipFill>
-          <a:blip r:embed="rId5">
-            <a:extLst>
-              <a:ext uri="{96DAC541-7B7A-43D3-8B79-37D633B846F1}">
-                <asvg:svgBlip xmlns:asvg="http://schemas.microsoft.com/office/drawing/2016/SVG/main" r:embed="rId6"/>
-              </a:ext>
-            </a:extLst>
-          </a:blip>
-          <a:stretch>
-            <a:fillRect/>
-          </a:stretch>
-        </p:blipFill>
-        <p:spPr>
-          <a:xfrm>
-            <a:off x="1522432" y="1585349"/>
-            <a:ext cx="457200" cy="457200"/>
-          </a:xfrm>
-          <a:prstGeom prst="rect">
-            <a:avLst/>
-          </a:prstGeom>
-        </p:spPr>
-      </p:pic>
-      <p:sp>
-        <p:nvSpPr>
-          <p:cNvPr id="153" name="Rectangle 152">
-            <a:extLst>
-              <a:ext uri="{FF2B5EF4-FFF2-40B4-BE49-F238E27FC236}">
-                <a16:creationId xmlns:a16="http://schemas.microsoft.com/office/drawing/2014/main" id="{CB91CC3D-9B41-4F4E-A36E-8EBAE5690590}"/>
+      <p:sp>
+        <p:nvSpPr>
+          <p:cNvPr id="133" name="Oval 132">
+            <a:extLst>
+              <a:ext uri="{FF2B5EF4-FFF2-40B4-BE49-F238E27FC236}">
+                <a16:creationId xmlns:a16="http://schemas.microsoft.com/office/drawing/2014/main" id="{40C04EF0-8999-4E87-9938-BB23E34A77B4}"/>
               </a:ext>
             </a:extLst>
           </p:cNvPr>
@@ -4193,18 +4397,19 @@
         </p:nvSpPr>
         <p:spPr>
           <a:xfrm>
-            <a:off x="1125977" y="1278233"/>
-            <a:ext cx="6494832" cy="3263355"/>
-          </a:xfrm>
-          <a:prstGeom prst="rect">
-            <a:avLst/>
-          </a:prstGeom>
-          <a:noFill/>
-          <a:ln w="12700">
+            <a:off x="3447188" y="3458394"/>
+            <a:ext cx="253435" cy="212902"/>
+          </a:xfrm>
+          <a:prstGeom prst="ellipse">
+            <a:avLst/>
+          </a:prstGeom>
+          <a:solidFill>
+            <a:schemeClr val="tx1"/>
+          </a:solidFill>
+          <a:ln>
             <a:solidFill>
               <a:schemeClr val="tx1"/>
             </a:solidFill>
-            <a:prstDash val="dash"/>
           </a:ln>
         </p:spPr>
         <p:style>
@@ -4224,71 +4429,6 @@
           </a:fontRef>
         </p:style>
         <p:txBody>
-          <a:bodyPr rot="0" spcFirstLastPara="0" vertOverflow="overflow" horzOverflow="overflow" vert="horz" wrap="square" lIns="91440" tIns="0" rIns="91440" bIns="45720" numCol="1" spcCol="0" rtlCol="0" fromWordArt="0" anchor="t" anchorCtr="0" forceAA="0" compatLnSpc="1">
-            <a:prstTxWarp prst="textNoShape">
-              <a:avLst/>
-            </a:prstTxWarp>
-            <a:noAutofit/>
-          </a:bodyPr>
-          <a:lstStyle/>
-          <a:p>
-            <a:r>
-              <a:rPr lang="en-US" sz="1200" b="1" dirty="0">
-                <a:solidFill>
-                  <a:schemeClr val="tx1"/>
-                </a:solidFill>
-              </a:rPr>
-              <a:t>Home-region</a:t>
-            </a:r>
-          </a:p>
-        </p:txBody>
-      </p:sp>
-      <p:sp>
-        <p:nvSpPr>
-          <p:cNvPr id="226" name="Oval 225">
-            <a:extLst>
-              <a:ext uri="{FF2B5EF4-FFF2-40B4-BE49-F238E27FC236}">
-                <a16:creationId xmlns:a16="http://schemas.microsoft.com/office/drawing/2014/main" id="{B075B0CF-8F6A-3947-BD02-50EB6DA85CEE}"/>
-              </a:ext>
-            </a:extLst>
-          </p:cNvPr>
-          <p:cNvSpPr/>
-          <p:nvPr/>
-        </p:nvSpPr>
-        <p:spPr>
-          <a:xfrm>
-            <a:off x="996927" y="899058"/>
-            <a:ext cx="253435" cy="212902"/>
-          </a:xfrm>
-          <a:prstGeom prst="ellipse">
-            <a:avLst/>
-          </a:prstGeom>
-          <a:solidFill>
-            <a:schemeClr val="tx1"/>
-          </a:solidFill>
-          <a:ln>
-            <a:solidFill>
-              <a:schemeClr val="tx1"/>
-            </a:solidFill>
-          </a:ln>
-        </p:spPr>
-        <p:style>
-          <a:lnRef idx="2">
-            <a:schemeClr val="accent1">
-              <a:shade val="50000"/>
-            </a:schemeClr>
-          </a:lnRef>
-          <a:fillRef idx="1">
-            <a:schemeClr val="accent1"/>
-          </a:fillRef>
-          <a:effectRef idx="0">
-            <a:schemeClr val="accent1"/>
-          </a:effectRef>
-          <a:fontRef idx="minor">
-            <a:schemeClr val="lt1"/>
-          </a:fontRef>
-        </p:style>
-        <p:txBody>
           <a:bodyPr lIns="0" tIns="0" rIns="0" bIns="0" rtlCol="0" anchor="ctr"/>
           <a:lstStyle/>
           <a:p>
@@ -4298,345 +4438,42 @@
                 <a:latin typeface="Arial" panose="020B0604020202020204" pitchFamily="34" charset="0"/>
                 <a:cs typeface="Arial" panose="020B0604020202020204" pitchFamily="34" charset="0"/>
               </a:rPr>
-              <a:t>1.0</a:t>
-            </a:r>
-          </a:p>
-        </p:txBody>
-      </p:sp>
-      <p:sp>
-        <p:nvSpPr>
-          <p:cNvPr id="227" name="Oval 226">
-            <a:extLst>
-              <a:ext uri="{FF2B5EF4-FFF2-40B4-BE49-F238E27FC236}">
-                <a16:creationId xmlns:a16="http://schemas.microsoft.com/office/drawing/2014/main" id="{F0D1735B-0005-B145-8C48-3E3934A1D64E}"/>
-              </a:ext>
-            </a:extLst>
-          </p:cNvPr>
-          <p:cNvSpPr/>
-          <p:nvPr/>
-        </p:nvSpPr>
-        <p:spPr>
-          <a:xfrm>
-            <a:off x="1532391" y="1593418"/>
-            <a:ext cx="253435" cy="212902"/>
-          </a:xfrm>
-          <a:prstGeom prst="ellipse">
-            <a:avLst/>
-          </a:prstGeom>
-          <a:solidFill>
-            <a:schemeClr val="tx1"/>
-          </a:solidFill>
-          <a:ln>
-            <a:solidFill>
-              <a:schemeClr val="tx1"/>
-            </a:solidFill>
-          </a:ln>
-        </p:spPr>
-        <p:style>
-          <a:lnRef idx="2">
-            <a:schemeClr val="accent1">
-              <a:shade val="50000"/>
-            </a:schemeClr>
-          </a:lnRef>
-          <a:fillRef idx="1">
-            <a:schemeClr val="accent1"/>
-          </a:fillRef>
-          <a:effectRef idx="0">
-            <a:schemeClr val="accent1"/>
-          </a:effectRef>
-          <a:fontRef idx="minor">
-            <a:schemeClr val="lt1"/>
-          </a:fontRef>
-        </p:style>
-        <p:txBody>
-          <a:bodyPr lIns="0" tIns="0" rIns="0" bIns="0" rtlCol="0" anchor="ctr"/>
-          <a:lstStyle/>
-          <a:p>
-            <a:pPr algn="ctr"/>
-            <a:r>
-              <a:rPr lang="en-US" sz="800" dirty="0">
-                <a:latin typeface="Arial" panose="020B0604020202020204" pitchFamily="34" charset="0"/>
-                <a:cs typeface="Arial" panose="020B0604020202020204" pitchFamily="34" charset="0"/>
-              </a:rPr>
-              <a:t>1.1</a:t>
-            </a:r>
-          </a:p>
-        </p:txBody>
-      </p:sp>
-      <p:sp>
-        <p:nvSpPr>
-          <p:cNvPr id="233" name="Oval 232">
-            <a:extLst>
-              <a:ext uri="{FF2B5EF4-FFF2-40B4-BE49-F238E27FC236}">
-                <a16:creationId xmlns:a16="http://schemas.microsoft.com/office/drawing/2014/main" id="{4E5E3A8F-6978-7E4A-B538-0774C0EF83DA}"/>
-              </a:ext>
-            </a:extLst>
-          </p:cNvPr>
-          <p:cNvSpPr/>
-          <p:nvPr/>
-        </p:nvSpPr>
-        <p:spPr>
-          <a:xfrm>
-            <a:off x="7916438" y="395622"/>
-            <a:ext cx="253435" cy="212902"/>
-          </a:xfrm>
-          <a:prstGeom prst="ellipse">
-            <a:avLst/>
-          </a:prstGeom>
-          <a:solidFill>
-            <a:schemeClr val="tx1"/>
-          </a:solidFill>
-          <a:ln>
-            <a:solidFill>
-              <a:schemeClr val="tx1"/>
-            </a:solidFill>
-          </a:ln>
-        </p:spPr>
-        <p:style>
-          <a:lnRef idx="2">
-            <a:schemeClr val="accent1">
-              <a:shade val="50000"/>
-            </a:schemeClr>
-          </a:lnRef>
-          <a:fillRef idx="1">
-            <a:schemeClr val="accent1"/>
-          </a:fillRef>
-          <a:effectRef idx="0">
-            <a:schemeClr val="accent1"/>
-          </a:effectRef>
-          <a:fontRef idx="minor">
-            <a:schemeClr val="lt1"/>
-          </a:fontRef>
-        </p:style>
-        <p:txBody>
-          <a:bodyPr lIns="0" tIns="0" rIns="0" bIns="0" rtlCol="0" anchor="ctr"/>
-          <a:lstStyle/>
-          <a:p>
-            <a:pPr algn="ctr"/>
-            <a:r>
-              <a:rPr lang="en-US" sz="800" dirty="0"/>
-              <a:t>2.0</a:t>
-            </a:r>
-          </a:p>
-        </p:txBody>
-      </p:sp>
-      <p:sp>
-        <p:nvSpPr>
-          <p:cNvPr id="107" name="Rectangle 106">
-            <a:extLst>
-              <a:ext uri="{FF2B5EF4-FFF2-40B4-BE49-F238E27FC236}">
-                <a16:creationId xmlns:a16="http://schemas.microsoft.com/office/drawing/2014/main" id="{F987F7DF-6CB9-144D-9E1D-1E6008DD66FB}"/>
-              </a:ext>
-            </a:extLst>
-          </p:cNvPr>
-          <p:cNvSpPr/>
-          <p:nvPr/>
-        </p:nvSpPr>
-        <p:spPr>
-          <a:xfrm>
-            <a:off x="7995758" y="882694"/>
-            <a:ext cx="3260751" cy="2464949"/>
-          </a:xfrm>
-          <a:prstGeom prst="rect">
-            <a:avLst/>
-          </a:prstGeom>
-          <a:noFill/>
-          <a:ln w="12700">
-            <a:solidFill>
-              <a:schemeClr val="tx1"/>
-            </a:solidFill>
-            <a:prstDash val="dash"/>
-          </a:ln>
-        </p:spPr>
-        <p:style>
-          <a:lnRef idx="2">
-            <a:schemeClr val="accent1">
-              <a:shade val="50000"/>
-            </a:schemeClr>
-          </a:lnRef>
-          <a:fillRef idx="1">
-            <a:schemeClr val="accent1"/>
-          </a:fillRef>
-          <a:effectRef idx="0">
-            <a:schemeClr val="accent1"/>
-          </a:effectRef>
-          <a:fontRef idx="minor">
-            <a:schemeClr val="lt1"/>
-          </a:fontRef>
-        </p:style>
-        <p:txBody>
-          <a:bodyPr rot="0" spcFirstLastPara="0" vertOverflow="overflow" horzOverflow="overflow" vert="horz" wrap="square" lIns="91440" tIns="0" rIns="91440" bIns="45720" numCol="1" spcCol="0" rtlCol="0" fromWordArt="0" anchor="t" anchorCtr="0" forceAA="0" compatLnSpc="1">
-            <a:prstTxWarp prst="textNoShape">
-              <a:avLst/>
-            </a:prstTxWarp>
-            <a:noAutofit/>
-          </a:bodyPr>
-          <a:lstStyle/>
-          <a:p>
-            <a:r>
-              <a:rPr lang="en-US" sz="1200" b="1" dirty="0">
-                <a:solidFill>
-                  <a:schemeClr val="tx1"/>
-                </a:solidFill>
-              </a:rPr>
-              <a:t>Home-region</a:t>
-            </a:r>
-          </a:p>
-        </p:txBody>
-      </p:sp>
-      <p:sp>
-        <p:nvSpPr>
-          <p:cNvPr id="108" name="TextBox 107">
-            <a:extLst>
-              <a:ext uri="{FF2B5EF4-FFF2-40B4-BE49-F238E27FC236}">
-                <a16:creationId xmlns:a16="http://schemas.microsoft.com/office/drawing/2014/main" id="{B5BD843E-4A99-344F-B2BC-AB0E5E2CB733}"/>
-              </a:ext>
-            </a:extLst>
-          </p:cNvPr>
-          <p:cNvSpPr txBox="1"/>
-          <p:nvPr/>
-        </p:nvSpPr>
-        <p:spPr>
-          <a:xfrm>
-            <a:off x="8353115" y="1603305"/>
-            <a:ext cx="1209667" cy="430887"/>
-          </a:xfrm>
-          <a:prstGeom prst="rect">
-            <a:avLst/>
-          </a:prstGeom>
-          <a:noFill/>
-        </p:spPr>
-        <p:txBody>
-          <a:bodyPr wrap="square" rtlCol="0">
-            <a:spAutoFit/>
-          </a:bodyPr>
-          <a:lstStyle/>
-          <a:p>
-            <a:pPr algn="ctr"/>
-            <a:r>
-              <a:rPr lang="en-US" sz="1100" dirty="0">
-                <a:latin typeface="Arial" panose="020B0604020202020204" pitchFamily="34" charset="0"/>
-                <a:cs typeface="Arial" panose="020B0604020202020204" pitchFamily="34" charset="0"/>
-              </a:rPr>
-              <a:t>AWS CloudFormation</a:t>
+              <a:t>1.8</a:t>
             </a:r>
           </a:p>
         </p:txBody>
       </p:sp>
       <p:pic>
         <p:nvPicPr>
-          <p:cNvPr id="109" name="Graphic 108">
-            <a:extLst>
-              <a:ext uri="{FF2B5EF4-FFF2-40B4-BE49-F238E27FC236}">
-                <a16:creationId xmlns:a16="http://schemas.microsoft.com/office/drawing/2014/main" id="{A640C55B-F6FD-3640-965F-605AEAB778BE}"/>
+          <p:cNvPr id="138" name="Graphic 13">
+            <a:extLst>
+              <a:ext uri="{FF2B5EF4-FFF2-40B4-BE49-F238E27FC236}">
+                <a16:creationId xmlns:a16="http://schemas.microsoft.com/office/drawing/2014/main" id="{DD93BA21-ED60-4BEA-8CCB-AB48DD1F7F7F}"/>
               </a:ext>
             </a:extLst>
           </p:cNvPr>
           <p:cNvPicPr>
-            <a:picLocks noChangeAspect="1"/>
+            <a:picLocks noChangeAspect="1" noChangeArrowheads="1"/>
           </p:cNvPicPr>
           <p:nvPr/>
         </p:nvPicPr>
         <p:blipFill>
-          <a:blip r:embed="rId5">
-            <a:extLst>
-              <a:ext uri="{96DAC541-7B7A-43D3-8B79-37D633B846F1}">
-                <asvg:svgBlip xmlns:asvg="http://schemas.microsoft.com/office/drawing/2016/SVG/main" r:embed="rId6"/>
+          <a:blip r:embed="rId9">
+            <a:extLst>
+              <a:ext uri="{28A0092B-C50C-407E-A947-70E740481C1C}">
+                <a14:useLocalDpi xmlns:a14="http://schemas.microsoft.com/office/drawing/2010/main"/>
               </a:ext>
             </a:extLst>
           </a:blip>
+          <a:srcRect/>
           <a:stretch>
             <a:fillRect/>
           </a:stretch>
         </p:blipFill>
-        <p:spPr>
-          <a:xfrm>
-            <a:off x="8732456" y="1149702"/>
+        <p:spPr bwMode="auto">
+          <a:xfrm>
+            <a:off x="2914633" y="2519221"/>
             <a:ext cx="457200" cy="457200"/>
-          </a:xfrm>
-          <a:prstGeom prst="rect">
-            <a:avLst/>
-          </a:prstGeom>
-        </p:spPr>
-      </p:pic>
-      <p:sp>
-        <p:nvSpPr>
-          <p:cNvPr id="111" name="Oval 110">
-            <a:extLst>
-              <a:ext uri="{FF2B5EF4-FFF2-40B4-BE49-F238E27FC236}">
-                <a16:creationId xmlns:a16="http://schemas.microsoft.com/office/drawing/2014/main" id="{FB20F0D1-0CBE-9546-BAA5-F1447A9E8B2F}"/>
-              </a:ext>
-            </a:extLst>
-          </p:cNvPr>
-          <p:cNvSpPr/>
-          <p:nvPr/>
-        </p:nvSpPr>
-        <p:spPr>
-          <a:xfrm>
-            <a:off x="8742574" y="1158209"/>
-            <a:ext cx="253435" cy="212902"/>
-          </a:xfrm>
-          <a:prstGeom prst="ellipse">
-            <a:avLst/>
-          </a:prstGeom>
-          <a:solidFill>
-            <a:schemeClr val="tx1"/>
-          </a:solidFill>
-          <a:ln>
-            <a:solidFill>
-              <a:schemeClr val="tx1"/>
-            </a:solidFill>
-          </a:ln>
-        </p:spPr>
-        <p:style>
-          <a:lnRef idx="2">
-            <a:schemeClr val="accent1">
-              <a:shade val="50000"/>
-            </a:schemeClr>
-          </a:lnRef>
-          <a:fillRef idx="1">
-            <a:schemeClr val="accent1"/>
-          </a:fillRef>
-          <a:effectRef idx="0">
-            <a:schemeClr val="accent1"/>
-          </a:effectRef>
-          <a:fontRef idx="minor">
-            <a:schemeClr val="lt1"/>
-          </a:fontRef>
-        </p:style>
-        <p:txBody>
-          <a:bodyPr lIns="0" tIns="0" rIns="0" bIns="0" rtlCol="0" anchor="ctr"/>
-          <a:lstStyle/>
-          <a:p>
-            <a:pPr algn="ctr"/>
-            <a:r>
-              <a:rPr lang="en-US" sz="800" dirty="0">
-                <a:latin typeface="Arial" panose="020B0604020202020204" pitchFamily="34" charset="0"/>
-                <a:cs typeface="Arial" panose="020B0604020202020204" pitchFamily="34" charset="0"/>
-              </a:rPr>
-              <a:t>2.1</a:t>
-            </a:r>
-          </a:p>
-        </p:txBody>
-      </p:sp>
-      <p:sp>
-        <p:nvSpPr>
-          <p:cNvPr id="52" name="TextBox 29">
-            <a:extLst>
-              <a:ext uri="{FF2B5EF4-FFF2-40B4-BE49-F238E27FC236}">
-                <a16:creationId xmlns:a16="http://schemas.microsoft.com/office/drawing/2014/main" id="{95A77985-9994-9042-96C7-A75BE742DD29}"/>
-              </a:ext>
-            </a:extLst>
-          </p:cNvPr>
-          <p:cNvSpPr txBox="1">
-            <a:spLocks noChangeArrowheads="1"/>
-          </p:cNvSpPr>
-          <p:nvPr/>
-        </p:nvSpPr>
-        <p:spPr bwMode="auto">
-          <a:xfrm>
-            <a:off x="1160528" y="4210710"/>
-            <a:ext cx="1107245" cy="261610"/>
           </a:xfrm>
           <a:prstGeom prst="rect">
             <a:avLst/>
@@ -4665,127 +4502,73 @@
             </a:ext>
           </a:extLst>
         </p:spPr>
-        <p:txBody>
-          <a:bodyPr wrap="square">
-            <a:spAutoFit/>
-          </a:bodyPr>
-          <a:lstStyle>
-            <a:lvl1pPr>
-              <a:defRPr>
-                <a:solidFill>
-                  <a:schemeClr val="tx1"/>
-                </a:solidFill>
-                <a:latin typeface="Calibri" panose="020F0502020204030204" pitchFamily="34" charset="0"/>
-              </a:defRPr>
-            </a:lvl1pPr>
-            <a:lvl2pPr marL="742950" indent="-285750">
-              <a:defRPr>
-                <a:solidFill>
-                  <a:schemeClr val="tx1"/>
-                </a:solidFill>
-                <a:latin typeface="Calibri" panose="020F0502020204030204" pitchFamily="34" charset="0"/>
-              </a:defRPr>
-            </a:lvl2pPr>
-            <a:lvl3pPr marL="1143000" indent="-228600">
-              <a:defRPr>
-                <a:solidFill>
-                  <a:schemeClr val="tx1"/>
-                </a:solidFill>
-                <a:latin typeface="Calibri" panose="020F0502020204030204" pitchFamily="34" charset="0"/>
-              </a:defRPr>
-            </a:lvl3pPr>
-            <a:lvl4pPr marL="1600200" indent="-228600">
-              <a:defRPr>
-                <a:solidFill>
-                  <a:schemeClr val="tx1"/>
-                </a:solidFill>
-                <a:latin typeface="Calibri" panose="020F0502020204030204" pitchFamily="34" charset="0"/>
-              </a:defRPr>
-            </a:lvl4pPr>
-            <a:lvl5pPr marL="2057400" indent="-228600">
-              <a:defRPr>
-                <a:solidFill>
-                  <a:schemeClr val="tx1"/>
-                </a:solidFill>
-                <a:latin typeface="Calibri" panose="020F0502020204030204" pitchFamily="34" charset="0"/>
-              </a:defRPr>
-            </a:lvl5pPr>
-            <a:lvl6pPr marL="2514600" indent="-228600" eaLnBrk="0" fontAlgn="base" hangingPunct="0">
-              <a:spcBef>
-                <a:spcPct val="0"/>
-              </a:spcBef>
-              <a:spcAft>
-                <a:spcPct val="0"/>
-              </a:spcAft>
-              <a:defRPr>
-                <a:solidFill>
-                  <a:schemeClr val="tx1"/>
-                </a:solidFill>
-                <a:latin typeface="Calibri" panose="020F0502020204030204" pitchFamily="34" charset="0"/>
-              </a:defRPr>
-            </a:lvl6pPr>
-            <a:lvl7pPr marL="2971800" indent="-228600" eaLnBrk="0" fontAlgn="base" hangingPunct="0">
-              <a:spcBef>
-                <a:spcPct val="0"/>
-              </a:spcBef>
-              <a:spcAft>
-                <a:spcPct val="0"/>
-              </a:spcAft>
-              <a:defRPr>
-                <a:solidFill>
-                  <a:schemeClr val="tx1"/>
-                </a:solidFill>
-                <a:latin typeface="Calibri" panose="020F0502020204030204" pitchFamily="34" charset="0"/>
-              </a:defRPr>
-            </a:lvl7pPr>
-            <a:lvl8pPr marL="3429000" indent="-228600" eaLnBrk="0" fontAlgn="base" hangingPunct="0">
-              <a:spcBef>
-                <a:spcPct val="0"/>
-              </a:spcBef>
-              <a:spcAft>
-                <a:spcPct val="0"/>
-              </a:spcAft>
-              <a:defRPr>
-                <a:solidFill>
-                  <a:schemeClr val="tx1"/>
-                </a:solidFill>
-                <a:latin typeface="Calibri" panose="020F0502020204030204" pitchFamily="34" charset="0"/>
-              </a:defRPr>
-            </a:lvl8pPr>
-            <a:lvl9pPr marL="3886200" indent="-228600" eaLnBrk="0" fontAlgn="base" hangingPunct="0">
-              <a:spcBef>
-                <a:spcPct val="0"/>
-              </a:spcBef>
-              <a:spcAft>
-                <a:spcPct val="0"/>
-              </a:spcAft>
-              <a:defRPr>
-                <a:solidFill>
-                  <a:schemeClr val="tx1"/>
-                </a:solidFill>
-                <a:latin typeface="Calibri" panose="020F0502020204030204" pitchFamily="34" charset="0"/>
-              </a:defRPr>
-            </a:lvl9pPr>
-          </a:lstStyle>
-          <a:p>
-            <a:pPr algn="ctr" eaLnBrk="1" hangingPunct="1"/>
-            <a:r>
-              <a:rPr lang="en-US" altLang="en-US" sz="1100" dirty="0">
+      </p:pic>
+      <p:sp>
+        <p:nvSpPr>
+          <p:cNvPr id="159" name="Oval 158">
+            <a:extLst>
+              <a:ext uri="{FF2B5EF4-FFF2-40B4-BE49-F238E27FC236}">
+                <a16:creationId xmlns:a16="http://schemas.microsoft.com/office/drawing/2014/main" id="{4A05C662-2FBC-439F-B802-9699E92DB84C}"/>
+              </a:ext>
+            </a:extLst>
+          </p:cNvPr>
+          <p:cNvSpPr/>
+          <p:nvPr/>
+        </p:nvSpPr>
+        <p:spPr>
+          <a:xfrm>
+            <a:off x="3194648" y="2432141"/>
+            <a:ext cx="253435" cy="212902"/>
+          </a:xfrm>
+          <a:prstGeom prst="ellipse">
+            <a:avLst/>
+          </a:prstGeom>
+          <a:solidFill>
+            <a:schemeClr val="tx1"/>
+          </a:solidFill>
+          <a:ln>
+            <a:solidFill>
+              <a:schemeClr val="tx1"/>
+            </a:solidFill>
+          </a:ln>
+        </p:spPr>
+        <p:style>
+          <a:lnRef idx="2">
+            <a:schemeClr val="accent1">
+              <a:shade val="50000"/>
+            </a:schemeClr>
+          </a:lnRef>
+          <a:fillRef idx="1">
+            <a:schemeClr val="accent1"/>
+          </a:fillRef>
+          <a:effectRef idx="0">
+            <a:schemeClr val="accent1"/>
+          </a:effectRef>
+          <a:fontRef idx="minor">
+            <a:schemeClr val="lt1"/>
+          </a:fontRef>
+        </p:style>
+        <p:txBody>
+          <a:bodyPr lIns="0" tIns="0" rIns="0" bIns="0" rtlCol="0" anchor="ctr"/>
+          <a:lstStyle/>
+          <a:p>
+            <a:pPr algn="ctr"/>
+            <a:r>
+              <a:rPr lang="en-US" sz="800" dirty="0">
                 <a:latin typeface="Arial" panose="020B0604020202020204" pitchFamily="34" charset="0"/>
-                <a:ea typeface="Amazon Ember" panose="020B0603020204020204" pitchFamily="34" charset="0"/>
                 <a:cs typeface="Arial" panose="020B0604020202020204" pitchFamily="34" charset="0"/>
               </a:rPr>
-              <a:t>IAM Roles</a:t>
+              <a:t>1.7</a:t>
             </a:r>
           </a:p>
         </p:txBody>
       </p:sp>
       <p:pic>
         <p:nvPicPr>
-          <p:cNvPr id="53" name="Graphic 49">
-            <a:extLst>
-              <a:ext uri="{FF2B5EF4-FFF2-40B4-BE49-F238E27FC236}">
-                <a16:creationId xmlns:a16="http://schemas.microsoft.com/office/drawing/2014/main" id="{E5A43064-1E8C-D64F-9E2D-DA95886F7A4B}"/>
+          <p:cNvPr id="160" name="Graphic 7">
+            <a:extLst>
+              <a:ext uri="{FF2B5EF4-FFF2-40B4-BE49-F238E27FC236}">
+                <a16:creationId xmlns:a16="http://schemas.microsoft.com/office/drawing/2014/main" id="{0B13130F-B51E-4BFD-AECE-120AC8A6CA73}"/>
               </a:ext>
             </a:extLst>
           </p:cNvPr>
@@ -4795,10 +4578,10 @@
           <p:nvPr/>
         </p:nvPicPr>
         <p:blipFill>
-          <a:blip r:embed="rId7">
+          <a:blip r:embed="rId10">
             <a:extLst>
               <a:ext uri="{28A0092B-C50C-407E-A947-70E740481C1C}">
-                <a14:useLocalDpi xmlns:a14="http://schemas.microsoft.com/office/drawing/2010/main" val="0"/>
+                <a14:useLocalDpi xmlns:a14="http://schemas.microsoft.com/office/drawing/2010/main"/>
               </a:ext>
             </a:extLst>
           </a:blip>
@@ -4809,7 +4592,7 @@
         </p:blipFill>
         <p:spPr bwMode="auto">
           <a:xfrm>
-            <a:off x="1429987" y="3866043"/>
+            <a:off x="3177860" y="3515129"/>
             <a:ext cx="457200" cy="457200"/>
           </a:xfrm>
           <a:prstGeom prst="rect">
@@ -4840,12 +4623,53 @@
           </a:extLst>
         </p:spPr>
       </p:pic>
+      <p:cxnSp>
+        <p:nvCxnSpPr>
+          <p:cNvPr id="161" name="Straight Arrow Connector 160">
+            <a:extLst>
+              <a:ext uri="{FF2B5EF4-FFF2-40B4-BE49-F238E27FC236}">
+                <a16:creationId xmlns:a16="http://schemas.microsoft.com/office/drawing/2014/main" id="{5027F5E7-5F52-4829-B197-8F0895FD8F71}"/>
+              </a:ext>
+            </a:extLst>
+          </p:cNvPr>
+          <p:cNvCxnSpPr>
+            <a:cxnSpLocks/>
+          </p:cNvCxnSpPr>
+          <p:nvPr/>
+        </p:nvCxnSpPr>
+        <p:spPr>
+          <a:xfrm flipH="1" flipV="1">
+            <a:off x="2724625" y="1895270"/>
+            <a:ext cx="288135" cy="649210"/>
+          </a:xfrm>
+          <a:prstGeom prst="straightConnector1">
+            <a:avLst/>
+          </a:prstGeom>
+          <a:ln>
+            <a:tailEnd type="triangle"/>
+          </a:ln>
+        </p:spPr>
+        <p:style>
+          <a:lnRef idx="1">
+            <a:schemeClr val="dk1"/>
+          </a:lnRef>
+          <a:fillRef idx="0">
+            <a:schemeClr val="dk1"/>
+          </a:fillRef>
+          <a:effectRef idx="0">
+            <a:schemeClr val="dk1"/>
+          </a:effectRef>
+          <a:fontRef idx="minor">
+            <a:schemeClr val="tx1"/>
+          </a:fontRef>
+        </p:style>
+      </p:cxnSp>
       <p:pic>
         <p:nvPicPr>
-          <p:cNvPr id="54" name="Graphic 24">
-            <a:extLst>
-              <a:ext uri="{FF2B5EF4-FFF2-40B4-BE49-F238E27FC236}">
-                <a16:creationId xmlns:a16="http://schemas.microsoft.com/office/drawing/2014/main" id="{0565F9CB-9F9E-E443-BF68-41C87611C350}"/>
+          <p:cNvPr id="162" name="Graphic 17">
+            <a:extLst>
+              <a:ext uri="{FF2B5EF4-FFF2-40B4-BE49-F238E27FC236}">
+                <a16:creationId xmlns:a16="http://schemas.microsoft.com/office/drawing/2014/main" id="{2A5D1DCB-4C74-4F64-8B48-F85EF8C1424A}"/>
               </a:ext>
             </a:extLst>
           </p:cNvPr>
@@ -4855,10 +4679,10 @@
           <p:nvPr/>
         </p:nvPicPr>
         <p:blipFill>
-          <a:blip r:embed="rId8">
+          <a:blip r:embed="rId11">
             <a:extLst>
               <a:ext uri="{28A0092B-C50C-407E-A947-70E740481C1C}">
-                <a14:useLocalDpi xmlns:a14="http://schemas.microsoft.com/office/drawing/2010/main" val="0"/>
+                <a14:useLocalDpi xmlns:a14="http://schemas.microsoft.com/office/drawing/2010/main"/>
               </a:ext>
             </a:extLst>
           </a:blip>
@@ -4869,7 +4693,7 @@
         </p:blipFill>
         <p:spPr bwMode="auto">
           <a:xfrm>
-            <a:off x="2968407" y="2679806"/>
+            <a:off x="2217692" y="1684870"/>
             <a:ext cx="457200" cy="457200"/>
           </a:xfrm>
           <a:prstGeom prst="rect">
@@ -4902,22 +4726,192 @@
       </p:pic>
       <p:sp>
         <p:nvSpPr>
-          <p:cNvPr id="55" name="TextBox 26">
-            <a:extLst>
-              <a:ext uri="{FF2B5EF4-FFF2-40B4-BE49-F238E27FC236}">
-                <a16:creationId xmlns:a16="http://schemas.microsoft.com/office/drawing/2014/main" id="{8C01A33B-B67C-0445-AA21-F3786470D6FF}"/>
-              </a:ext>
-            </a:extLst>
-          </p:cNvPr>
-          <p:cNvSpPr txBox="1">
-            <a:spLocks noChangeArrowheads="1"/>
-          </p:cNvSpPr>
-          <p:nvPr/>
-        </p:nvSpPr>
+          <p:cNvPr id="163" name="TextBox 2">
+            <a:extLst>
+              <a:ext uri="{FF2B5EF4-FFF2-40B4-BE49-F238E27FC236}">
+                <a16:creationId xmlns:a16="http://schemas.microsoft.com/office/drawing/2014/main" id="{4F80BB92-ED3C-4B43-AE93-3C503210728A}"/>
+              </a:ext>
+            </a:extLst>
+          </p:cNvPr>
+          <p:cNvSpPr txBox="1"/>
+          <p:nvPr/>
+        </p:nvSpPr>
+        <p:spPr>
+          <a:xfrm>
+            <a:off x="1836928" y="2109554"/>
+            <a:ext cx="1273984" cy="261610"/>
+          </a:xfrm>
+          <a:prstGeom prst="rect">
+            <a:avLst/>
+          </a:prstGeom>
+          <a:noFill/>
+        </p:spPr>
+        <p:style>
+          <a:lnRef idx="0">
+            <a:scrgbClr r="0" g="0" b="0"/>
+          </a:lnRef>
+          <a:fillRef idx="0">
+            <a:scrgbClr r="0" g="0" b="0"/>
+          </a:fillRef>
+          <a:effectRef idx="0">
+            <a:scrgbClr r="0" g="0" b="0"/>
+          </a:effectRef>
+          <a:fontRef idx="major"/>
+        </p:style>
+        <p:txBody>
+          <a:bodyPr wrap="square" rtlCol="0">
+            <a:spAutoFit/>
+          </a:bodyPr>
+          <a:lstStyle>
+            <a:lvl1pPr>
+              <a:defRPr>
+                <a:latin typeface="+mj-lt"/>
+                <a:ea typeface="+mj-ea"/>
+                <a:cs typeface="+mj-cs"/>
+              </a:defRPr>
+            </a:lvl1pPr>
+            <a:lvl2pPr>
+              <a:defRPr>
+                <a:latin typeface="+mj-lt"/>
+                <a:ea typeface="+mj-ea"/>
+                <a:cs typeface="+mj-cs"/>
+              </a:defRPr>
+            </a:lvl2pPr>
+            <a:lvl3pPr>
+              <a:defRPr>
+                <a:latin typeface="+mj-lt"/>
+                <a:ea typeface="+mj-ea"/>
+                <a:cs typeface="+mj-cs"/>
+              </a:defRPr>
+            </a:lvl3pPr>
+            <a:lvl4pPr>
+              <a:defRPr>
+                <a:latin typeface="+mj-lt"/>
+                <a:ea typeface="+mj-ea"/>
+                <a:cs typeface="+mj-cs"/>
+              </a:defRPr>
+            </a:lvl4pPr>
+            <a:lvl5pPr>
+              <a:defRPr>
+                <a:latin typeface="+mj-lt"/>
+                <a:ea typeface="+mj-ea"/>
+                <a:cs typeface="+mj-cs"/>
+              </a:defRPr>
+            </a:lvl5pPr>
+            <a:lvl6pPr>
+              <a:defRPr>
+                <a:latin typeface="+mj-lt"/>
+                <a:ea typeface="+mj-ea"/>
+                <a:cs typeface="+mj-cs"/>
+              </a:defRPr>
+            </a:lvl6pPr>
+            <a:lvl7pPr>
+              <a:defRPr>
+                <a:latin typeface="+mj-lt"/>
+                <a:ea typeface="+mj-ea"/>
+                <a:cs typeface="+mj-cs"/>
+              </a:defRPr>
+            </a:lvl7pPr>
+            <a:lvl8pPr>
+              <a:defRPr>
+                <a:latin typeface="+mj-lt"/>
+                <a:ea typeface="+mj-ea"/>
+                <a:cs typeface="+mj-cs"/>
+              </a:defRPr>
+            </a:lvl8pPr>
+            <a:lvl9pPr>
+              <a:defRPr>
+                <a:latin typeface="+mj-lt"/>
+                <a:ea typeface="+mj-ea"/>
+                <a:cs typeface="+mj-cs"/>
+              </a:defRPr>
+            </a:lvl9pPr>
+          </a:lstStyle>
+          <a:p>
+            <a:pPr algn="ctr"/>
+            <a:r>
+              <a:rPr lang="en-US" sz="1100" dirty="0">
+                <a:latin typeface="Arial" panose="020B0604020202020204" pitchFamily="34" charset="0"/>
+                <a:cs typeface="Arial" panose="020B0604020202020204" pitchFamily="34" charset="0"/>
+              </a:rPr>
+              <a:t>SNS Topic</a:t>
+            </a:r>
+          </a:p>
+        </p:txBody>
+      </p:sp>
+      <p:cxnSp>
+        <p:nvCxnSpPr>
+          <p:cNvPr id="164" name="Straight Arrow Connector 163">
+            <a:extLst>
+              <a:ext uri="{FF2B5EF4-FFF2-40B4-BE49-F238E27FC236}">
+                <a16:creationId xmlns:a16="http://schemas.microsoft.com/office/drawing/2014/main" id="{576CF6C8-4D82-42C0-9B2D-E4B6FA6D170B}"/>
+              </a:ext>
+            </a:extLst>
+          </p:cNvPr>
+          <p:cNvCxnSpPr>
+            <a:cxnSpLocks/>
+            <a:stCxn id="138" idx="0"/>
+          </p:cNvCxnSpPr>
+          <p:nvPr/>
+        </p:nvCxnSpPr>
+        <p:spPr>
+          <a:xfrm flipV="1">
+            <a:off x="3143233" y="1826883"/>
+            <a:ext cx="199109" cy="692338"/>
+          </a:xfrm>
+          <a:prstGeom prst="straightConnector1">
+            <a:avLst/>
+          </a:prstGeom>
+          <a:ln>
+            <a:tailEnd type="triangle"/>
+          </a:ln>
+        </p:spPr>
+        <p:style>
+          <a:lnRef idx="1">
+            <a:schemeClr val="dk1"/>
+          </a:lnRef>
+          <a:fillRef idx="0">
+            <a:schemeClr val="dk1"/>
+          </a:fillRef>
+          <a:effectRef idx="0">
+            <a:schemeClr val="dk1"/>
+          </a:effectRef>
+          <a:fontRef idx="minor">
+            <a:schemeClr val="tx1"/>
+          </a:fontRef>
+        </p:style>
+      </p:cxnSp>
+      <p:pic>
+        <p:nvPicPr>
+          <p:cNvPr id="165" name="Graphic 17">
+            <a:extLst>
+              <a:ext uri="{FF2B5EF4-FFF2-40B4-BE49-F238E27FC236}">
+                <a16:creationId xmlns:a16="http://schemas.microsoft.com/office/drawing/2014/main" id="{6F887213-7B87-4EF7-8FFC-86F3F2BA8A6E}"/>
+              </a:ext>
+            </a:extLst>
+          </p:cNvPr>
+          <p:cNvPicPr>
+            <a:picLocks noChangeAspect="1" noChangeArrowheads="1"/>
+          </p:cNvPicPr>
+          <p:nvPr/>
+        </p:nvPicPr>
+        <p:blipFill>
+          <a:blip r:embed="rId11">
+            <a:extLst>
+              <a:ext uri="{28A0092B-C50C-407E-A947-70E740481C1C}">
+                <a14:useLocalDpi xmlns:a14="http://schemas.microsoft.com/office/drawing/2010/main"/>
+              </a:ext>
+            </a:extLst>
+          </a:blip>
+          <a:srcRect/>
+          <a:stretch>
+            <a:fillRect/>
+          </a:stretch>
+        </p:blipFill>
         <p:spPr bwMode="auto">
           <a:xfrm>
-            <a:off x="2679593" y="3119506"/>
-            <a:ext cx="969198" cy="430887"/>
+            <a:off x="4332236" y="1230120"/>
+            <a:ext cx="457200" cy="457200"/>
           </a:xfrm>
           <a:prstGeom prst="rect">
             <a:avLst/>
@@ -4946,139 +4940,153 @@
             </a:ext>
           </a:extLst>
         </p:spPr>
-        <p:txBody>
-          <a:bodyPr wrap="square">
+      </p:pic>
+      <p:sp>
+        <p:nvSpPr>
+          <p:cNvPr id="166" name="TextBox 2">
+            <a:extLst>
+              <a:ext uri="{FF2B5EF4-FFF2-40B4-BE49-F238E27FC236}">
+                <a16:creationId xmlns:a16="http://schemas.microsoft.com/office/drawing/2014/main" id="{7A13731A-47C5-476A-955C-8DC2DA5E0649}"/>
+              </a:ext>
+            </a:extLst>
+          </p:cNvPr>
+          <p:cNvSpPr txBox="1"/>
+          <p:nvPr/>
+        </p:nvSpPr>
+        <p:spPr>
+          <a:xfrm>
+            <a:off x="4072779" y="1634868"/>
+            <a:ext cx="932275" cy="261610"/>
+          </a:xfrm>
+          <a:prstGeom prst="rect">
+            <a:avLst/>
+          </a:prstGeom>
+          <a:noFill/>
+        </p:spPr>
+        <p:style>
+          <a:lnRef idx="0">
+            <a:scrgbClr r="0" g="0" b="0"/>
+          </a:lnRef>
+          <a:fillRef idx="0">
+            <a:scrgbClr r="0" g="0" b="0"/>
+          </a:fillRef>
+          <a:effectRef idx="0">
+            <a:scrgbClr r="0" g="0" b="0"/>
+          </a:effectRef>
+          <a:fontRef idx="major"/>
+        </p:style>
+        <p:txBody>
+          <a:bodyPr wrap="square" rtlCol="0">
             <a:spAutoFit/>
           </a:bodyPr>
           <a:lstStyle>
             <a:lvl1pPr>
               <a:defRPr>
-                <a:solidFill>
-                  <a:schemeClr val="tx1"/>
-                </a:solidFill>
-                <a:latin typeface="Calibri" panose="020F0502020204030204" pitchFamily="34" charset="0"/>
+                <a:latin typeface="+mj-lt"/>
+                <a:ea typeface="+mj-ea"/>
+                <a:cs typeface="+mj-cs"/>
               </a:defRPr>
             </a:lvl1pPr>
-            <a:lvl2pPr marL="742950" indent="-285750">
+            <a:lvl2pPr>
               <a:defRPr>
-                <a:solidFill>
-                  <a:schemeClr val="tx1"/>
-                </a:solidFill>
-                <a:latin typeface="Calibri" panose="020F0502020204030204" pitchFamily="34" charset="0"/>
+                <a:latin typeface="+mj-lt"/>
+                <a:ea typeface="+mj-ea"/>
+                <a:cs typeface="+mj-cs"/>
               </a:defRPr>
             </a:lvl2pPr>
-            <a:lvl3pPr marL="1143000" indent="-228600">
+            <a:lvl3pPr>
               <a:defRPr>
-                <a:solidFill>
-                  <a:schemeClr val="tx1"/>
-                </a:solidFill>
-                <a:latin typeface="Calibri" panose="020F0502020204030204" pitchFamily="34" charset="0"/>
+                <a:latin typeface="+mj-lt"/>
+                <a:ea typeface="+mj-ea"/>
+                <a:cs typeface="+mj-cs"/>
               </a:defRPr>
             </a:lvl3pPr>
-            <a:lvl4pPr marL="1600200" indent="-228600">
+            <a:lvl4pPr>
               <a:defRPr>
-                <a:solidFill>
-                  <a:schemeClr val="tx1"/>
-                </a:solidFill>
-                <a:latin typeface="Calibri" panose="020F0502020204030204" pitchFamily="34" charset="0"/>
+                <a:latin typeface="+mj-lt"/>
+                <a:ea typeface="+mj-ea"/>
+                <a:cs typeface="+mj-cs"/>
               </a:defRPr>
             </a:lvl4pPr>
-            <a:lvl5pPr marL="2057400" indent="-228600">
+            <a:lvl5pPr>
               <a:defRPr>
-                <a:solidFill>
-                  <a:schemeClr val="tx1"/>
-                </a:solidFill>
-                <a:latin typeface="Calibri" panose="020F0502020204030204" pitchFamily="34" charset="0"/>
+                <a:latin typeface="+mj-lt"/>
+                <a:ea typeface="+mj-ea"/>
+                <a:cs typeface="+mj-cs"/>
               </a:defRPr>
             </a:lvl5pPr>
-            <a:lvl6pPr marL="2514600" indent="-228600" eaLnBrk="0" fontAlgn="base" hangingPunct="0">
-              <a:spcBef>
-                <a:spcPct val="0"/>
-              </a:spcBef>
-              <a:spcAft>
-                <a:spcPct val="0"/>
-              </a:spcAft>
+            <a:lvl6pPr>
               <a:defRPr>
-                <a:solidFill>
-                  <a:schemeClr val="tx1"/>
-                </a:solidFill>
-                <a:latin typeface="Calibri" panose="020F0502020204030204" pitchFamily="34" charset="0"/>
+                <a:latin typeface="+mj-lt"/>
+                <a:ea typeface="+mj-ea"/>
+                <a:cs typeface="+mj-cs"/>
               </a:defRPr>
             </a:lvl6pPr>
-            <a:lvl7pPr marL="2971800" indent="-228600" eaLnBrk="0" fontAlgn="base" hangingPunct="0">
-              <a:spcBef>
-                <a:spcPct val="0"/>
-              </a:spcBef>
-              <a:spcAft>
-                <a:spcPct val="0"/>
-              </a:spcAft>
+            <a:lvl7pPr>
               <a:defRPr>
-                <a:solidFill>
-                  <a:schemeClr val="tx1"/>
-                </a:solidFill>
-                <a:latin typeface="Calibri" panose="020F0502020204030204" pitchFamily="34" charset="0"/>
+                <a:latin typeface="+mj-lt"/>
+                <a:ea typeface="+mj-ea"/>
+                <a:cs typeface="+mj-cs"/>
               </a:defRPr>
             </a:lvl7pPr>
-            <a:lvl8pPr marL="3429000" indent="-228600" eaLnBrk="0" fontAlgn="base" hangingPunct="0">
-              <a:spcBef>
-                <a:spcPct val="0"/>
-              </a:spcBef>
-              <a:spcAft>
-                <a:spcPct val="0"/>
-              </a:spcAft>
+            <a:lvl8pPr>
               <a:defRPr>
-                <a:solidFill>
-                  <a:schemeClr val="tx1"/>
-                </a:solidFill>
-                <a:latin typeface="Calibri" panose="020F0502020204030204" pitchFamily="34" charset="0"/>
+                <a:latin typeface="+mj-lt"/>
+                <a:ea typeface="+mj-ea"/>
+                <a:cs typeface="+mj-cs"/>
               </a:defRPr>
             </a:lvl8pPr>
-            <a:lvl9pPr marL="3886200" indent="-228600" eaLnBrk="0" fontAlgn="base" hangingPunct="0">
-              <a:spcBef>
-                <a:spcPct val="0"/>
-              </a:spcBef>
-              <a:spcAft>
-                <a:spcPct val="0"/>
-              </a:spcAft>
+            <a:lvl9pPr>
               <a:defRPr>
-                <a:solidFill>
-                  <a:schemeClr val="tx1"/>
-                </a:solidFill>
-                <a:latin typeface="Calibri" panose="020F0502020204030204" pitchFamily="34" charset="0"/>
+                <a:latin typeface="+mj-lt"/>
+                <a:ea typeface="+mj-ea"/>
+                <a:cs typeface="+mj-cs"/>
               </a:defRPr>
             </a:lvl9pPr>
           </a:lstStyle>
           <a:p>
-            <a:pPr algn="ctr" eaLnBrk="1" hangingPunct="1"/>
-            <a:r>
-              <a:rPr lang="en-US" altLang="en-US" sz="1100" dirty="0">
+            <a:pPr algn="ctr"/>
+            <a:r>
+              <a:rPr lang="en-US" sz="1100" dirty="0">
                 <a:latin typeface="Arial" panose="020B0604020202020204" pitchFamily="34" charset="0"/>
-                <a:ea typeface="Amazon Ember" panose="020B0603020204020204" pitchFamily="34" charset="0"/>
                 <a:cs typeface="Arial" panose="020B0604020202020204" pitchFamily="34" charset="0"/>
               </a:rPr>
-              <a:t>Regional Event Rules</a:t>
-            </a:r>
-          </a:p>
-        </p:txBody>
-      </p:sp>
-      <p:sp>
-        <p:nvSpPr>
-          <p:cNvPr id="60" name="TextBox 29">
-            <a:extLst>
-              <a:ext uri="{FF2B5EF4-FFF2-40B4-BE49-F238E27FC236}">
-                <a16:creationId xmlns:a16="http://schemas.microsoft.com/office/drawing/2014/main" id="{7256CFDB-E862-AB4F-AC9E-F667A8C5EADD}"/>
-              </a:ext>
-            </a:extLst>
-          </p:cNvPr>
-          <p:cNvSpPr txBox="1">
-            <a:spLocks noChangeArrowheads="1"/>
-          </p:cNvSpPr>
-          <p:nvPr/>
-        </p:nvSpPr>
+              <a:t>Alarm Topic</a:t>
+            </a:r>
+          </a:p>
+        </p:txBody>
+      </p:sp>
+      <p:pic>
+        <p:nvPicPr>
+          <p:cNvPr id="167" name="Graphic 29">
+            <a:extLst>
+              <a:ext uri="{FF2B5EF4-FFF2-40B4-BE49-F238E27FC236}">
+                <a16:creationId xmlns:a16="http://schemas.microsoft.com/office/drawing/2014/main" id="{A964B389-DF95-490C-ABEE-039A026F09C2}"/>
+              </a:ext>
+            </a:extLst>
+          </p:cNvPr>
+          <p:cNvPicPr>
+            <a:picLocks noChangeAspect="1" noChangeArrowheads="1"/>
+          </p:cNvPicPr>
+          <p:nvPr/>
+        </p:nvPicPr>
+        <p:blipFill>
+          <a:blip r:embed="rId12">
+            <a:extLst>
+              <a:ext uri="{28A0092B-C50C-407E-A947-70E740481C1C}">
+                <a14:useLocalDpi xmlns:a14="http://schemas.microsoft.com/office/drawing/2010/main"/>
+              </a:ext>
+            </a:extLst>
+          </a:blip>
+          <a:srcRect/>
+          <a:stretch>
+            <a:fillRect/>
+          </a:stretch>
+        </p:blipFill>
         <p:spPr bwMode="auto">
           <a:xfrm>
-            <a:off x="10004467" y="1388565"/>
-            <a:ext cx="1062976" cy="430887"/>
+            <a:off x="3159556" y="1227670"/>
+            <a:ext cx="457200" cy="457200"/>
           </a:xfrm>
           <a:prstGeom prst="rect">
             <a:avLst/>
@@ -5107,138 +5115,351 @@
             </a:ext>
           </a:extLst>
         </p:spPr>
-        <p:txBody>
-          <a:bodyPr wrap="square">
+      </p:pic>
+      <p:sp>
+        <p:nvSpPr>
+          <p:cNvPr id="168" name="TextBox 2">
+            <a:extLst>
+              <a:ext uri="{FF2B5EF4-FFF2-40B4-BE49-F238E27FC236}">
+                <a16:creationId xmlns:a16="http://schemas.microsoft.com/office/drawing/2014/main" id="{5C50D3CA-26BC-4467-A544-D63E0C024FD0}"/>
+              </a:ext>
+            </a:extLst>
+          </p:cNvPr>
+          <p:cNvSpPr txBox="1"/>
+          <p:nvPr/>
+        </p:nvSpPr>
+        <p:spPr>
+          <a:xfrm>
+            <a:off x="3120686" y="1568116"/>
+            <a:ext cx="475182" cy="261610"/>
+          </a:xfrm>
+          <a:prstGeom prst="rect">
+            <a:avLst/>
+          </a:prstGeom>
+          <a:noFill/>
+        </p:spPr>
+        <p:style>
+          <a:lnRef idx="0">
+            <a:scrgbClr r="0" g="0" b="0"/>
+          </a:lnRef>
+          <a:fillRef idx="0">
+            <a:scrgbClr r="0" g="0" b="0"/>
+          </a:fillRef>
+          <a:effectRef idx="0">
+            <a:scrgbClr r="0" g="0" b="0"/>
+          </a:effectRef>
+          <a:fontRef idx="major"/>
+        </p:style>
+        <p:txBody>
+          <a:bodyPr wrap="square" rtlCol="0">
             <a:spAutoFit/>
           </a:bodyPr>
           <a:lstStyle>
             <a:lvl1pPr>
               <a:defRPr>
-                <a:solidFill>
-                  <a:schemeClr val="tx1"/>
-                </a:solidFill>
-                <a:latin typeface="Calibri" panose="020F0502020204030204" pitchFamily="34" charset="0"/>
+                <a:latin typeface="+mj-lt"/>
+                <a:ea typeface="+mj-ea"/>
+                <a:cs typeface="+mj-cs"/>
               </a:defRPr>
             </a:lvl1pPr>
-            <a:lvl2pPr marL="742950" indent="-285750">
+            <a:lvl2pPr>
               <a:defRPr>
-                <a:solidFill>
-                  <a:schemeClr val="tx1"/>
-                </a:solidFill>
-                <a:latin typeface="Calibri" panose="020F0502020204030204" pitchFamily="34" charset="0"/>
+                <a:latin typeface="+mj-lt"/>
+                <a:ea typeface="+mj-ea"/>
+                <a:cs typeface="+mj-cs"/>
               </a:defRPr>
             </a:lvl2pPr>
-            <a:lvl3pPr marL="1143000" indent="-228600">
+            <a:lvl3pPr>
               <a:defRPr>
-                <a:solidFill>
-                  <a:schemeClr val="tx1"/>
-                </a:solidFill>
-                <a:latin typeface="Calibri" panose="020F0502020204030204" pitchFamily="34" charset="0"/>
+                <a:latin typeface="+mj-lt"/>
+                <a:ea typeface="+mj-ea"/>
+                <a:cs typeface="+mj-cs"/>
               </a:defRPr>
             </a:lvl3pPr>
-            <a:lvl4pPr marL="1600200" indent="-228600">
+            <a:lvl4pPr>
               <a:defRPr>
-                <a:solidFill>
-                  <a:schemeClr val="tx1"/>
-                </a:solidFill>
-                <a:latin typeface="Calibri" panose="020F0502020204030204" pitchFamily="34" charset="0"/>
+                <a:latin typeface="+mj-lt"/>
+                <a:ea typeface="+mj-ea"/>
+                <a:cs typeface="+mj-cs"/>
               </a:defRPr>
             </a:lvl4pPr>
-            <a:lvl5pPr marL="2057400" indent="-228600">
+            <a:lvl5pPr>
               <a:defRPr>
-                <a:solidFill>
-                  <a:schemeClr val="tx1"/>
-                </a:solidFill>
-                <a:latin typeface="Calibri" panose="020F0502020204030204" pitchFamily="34" charset="0"/>
+                <a:latin typeface="+mj-lt"/>
+                <a:ea typeface="+mj-ea"/>
+                <a:cs typeface="+mj-cs"/>
               </a:defRPr>
             </a:lvl5pPr>
-            <a:lvl6pPr marL="2514600" indent="-228600" eaLnBrk="0" fontAlgn="base" hangingPunct="0">
-              <a:spcBef>
-                <a:spcPct val="0"/>
-              </a:spcBef>
-              <a:spcAft>
-                <a:spcPct val="0"/>
-              </a:spcAft>
+            <a:lvl6pPr>
               <a:defRPr>
-                <a:solidFill>
-                  <a:schemeClr val="tx1"/>
-                </a:solidFill>
-                <a:latin typeface="Calibri" panose="020F0502020204030204" pitchFamily="34" charset="0"/>
+                <a:latin typeface="+mj-lt"/>
+                <a:ea typeface="+mj-ea"/>
+                <a:cs typeface="+mj-cs"/>
               </a:defRPr>
             </a:lvl6pPr>
-            <a:lvl7pPr marL="2971800" indent="-228600" eaLnBrk="0" fontAlgn="base" hangingPunct="0">
-              <a:spcBef>
-                <a:spcPct val="0"/>
-              </a:spcBef>
-              <a:spcAft>
-                <a:spcPct val="0"/>
-              </a:spcAft>
+            <a:lvl7pPr>
               <a:defRPr>
-                <a:solidFill>
-                  <a:schemeClr val="tx1"/>
-                </a:solidFill>
-                <a:latin typeface="Calibri" panose="020F0502020204030204" pitchFamily="34" charset="0"/>
+                <a:latin typeface="+mj-lt"/>
+                <a:ea typeface="+mj-ea"/>
+                <a:cs typeface="+mj-cs"/>
               </a:defRPr>
             </a:lvl7pPr>
-            <a:lvl8pPr marL="3429000" indent="-228600" eaLnBrk="0" fontAlgn="base" hangingPunct="0">
-              <a:spcBef>
-                <a:spcPct val="0"/>
-              </a:spcBef>
-              <a:spcAft>
-                <a:spcPct val="0"/>
-              </a:spcAft>
+            <a:lvl8pPr>
               <a:defRPr>
-                <a:solidFill>
-                  <a:schemeClr val="tx1"/>
-                </a:solidFill>
-                <a:latin typeface="Calibri" panose="020F0502020204030204" pitchFamily="34" charset="0"/>
+                <a:latin typeface="+mj-lt"/>
+                <a:ea typeface="+mj-ea"/>
+                <a:cs typeface="+mj-cs"/>
               </a:defRPr>
             </a:lvl8pPr>
-            <a:lvl9pPr marL="3886200" indent="-228600" eaLnBrk="0" fontAlgn="base" hangingPunct="0">
-              <a:spcBef>
-                <a:spcPct val="0"/>
-              </a:spcBef>
-              <a:spcAft>
-                <a:spcPct val="0"/>
-              </a:spcAft>
+            <a:lvl9pPr>
               <a:defRPr>
-                <a:solidFill>
-                  <a:schemeClr val="tx1"/>
-                </a:solidFill>
-                <a:latin typeface="Calibri" panose="020F0502020204030204" pitchFamily="34" charset="0"/>
+                <a:latin typeface="+mj-lt"/>
+                <a:ea typeface="+mj-ea"/>
+                <a:cs typeface="+mj-cs"/>
               </a:defRPr>
             </a:lvl9pPr>
           </a:lstStyle>
           <a:p>
             <a:pPr algn="ctr"/>
             <a:r>
-              <a:rPr lang="en-US" altLang="en-US" sz="1100" dirty="0">
+              <a:rPr lang="en-US" sz="1100" dirty="0">
                 <a:latin typeface="Arial" panose="020B0604020202020204" pitchFamily="34" charset="0"/>
-                <a:ea typeface="Amazon Ember" panose="020B0603020204020204" pitchFamily="34" charset="0"/>
                 <a:cs typeface="Arial" panose="020B0604020202020204" pitchFamily="34" charset="0"/>
               </a:rPr>
-              <a:t>Configuration </a:t>
-            </a:r>
-          </a:p>
+              <a:t>DLQ</a:t>
+            </a:r>
+          </a:p>
+        </p:txBody>
+      </p:sp>
+      <p:cxnSp>
+        <p:nvCxnSpPr>
+          <p:cNvPr id="169" name="Straight Arrow Connector 168">
+            <a:extLst>
+              <a:ext uri="{FF2B5EF4-FFF2-40B4-BE49-F238E27FC236}">
+                <a16:creationId xmlns:a16="http://schemas.microsoft.com/office/drawing/2014/main" id="{A1AB6DA0-EA5A-488D-AE59-BD43FB2DB975}"/>
+              </a:ext>
+            </a:extLst>
+          </p:cNvPr>
+          <p:cNvCxnSpPr>
+            <a:cxnSpLocks/>
+            <a:stCxn id="167" idx="3"/>
+            <a:endCxn id="165" idx="1"/>
+          </p:cNvCxnSpPr>
+          <p:nvPr/>
+        </p:nvCxnSpPr>
+        <p:spPr>
+          <a:xfrm>
+            <a:off x="3616756" y="1456270"/>
+            <a:ext cx="715480" cy="2450"/>
+          </a:xfrm>
+          <a:prstGeom prst="straightConnector1">
+            <a:avLst/>
+          </a:prstGeom>
+          <a:ln>
+            <a:tailEnd type="triangle"/>
+          </a:ln>
+        </p:spPr>
+        <p:style>
+          <a:lnRef idx="1">
+            <a:schemeClr val="dk1"/>
+          </a:lnRef>
+          <a:fillRef idx="0">
+            <a:schemeClr val="dk1"/>
+          </a:fillRef>
+          <a:effectRef idx="0">
+            <a:schemeClr val="dk1"/>
+          </a:effectRef>
+          <a:fontRef idx="minor">
+            <a:schemeClr val="tx1"/>
+          </a:fontRef>
+        </p:style>
+      </p:cxnSp>
+      <p:sp>
+        <p:nvSpPr>
+          <p:cNvPr id="170" name="Oval 169">
+            <a:extLst>
+              <a:ext uri="{FF2B5EF4-FFF2-40B4-BE49-F238E27FC236}">
+                <a16:creationId xmlns:a16="http://schemas.microsoft.com/office/drawing/2014/main" id="{97797EDC-C96B-4205-9EA5-4896D4E19CC8}"/>
+              </a:ext>
+            </a:extLst>
+          </p:cNvPr>
+          <p:cNvSpPr/>
+          <p:nvPr/>
+        </p:nvSpPr>
+        <p:spPr>
+          <a:xfrm>
+            <a:off x="2553155" y="1599146"/>
+            <a:ext cx="253435" cy="212902"/>
+          </a:xfrm>
+          <a:prstGeom prst="ellipse">
+            <a:avLst/>
+          </a:prstGeom>
+          <a:solidFill>
+            <a:schemeClr val="tx1"/>
+          </a:solidFill>
+          <a:ln>
+            <a:solidFill>
+              <a:schemeClr val="tx1"/>
+            </a:solidFill>
+          </a:ln>
+        </p:spPr>
+        <p:style>
+          <a:lnRef idx="2">
+            <a:schemeClr val="accent1">
+              <a:shade val="50000"/>
+            </a:schemeClr>
+          </a:lnRef>
+          <a:fillRef idx="1">
+            <a:schemeClr val="accent1"/>
+          </a:fillRef>
+          <a:effectRef idx="0">
+            <a:schemeClr val="accent1"/>
+          </a:effectRef>
+          <a:fontRef idx="minor">
+            <a:schemeClr val="lt1"/>
+          </a:fontRef>
+        </p:style>
+        <p:txBody>
+          <a:bodyPr lIns="0" tIns="0" rIns="0" bIns="0" rtlCol="0" anchor="ctr"/>
+          <a:lstStyle/>
           <a:p>
             <a:pPr algn="ctr"/>
             <a:r>
-              <a:rPr lang="en-US" altLang="en-US" sz="1100" dirty="0">
+              <a:rPr lang="en-US" sz="800" dirty="0">
                 <a:latin typeface="Arial" panose="020B0604020202020204" pitchFamily="34" charset="0"/>
-                <a:ea typeface="Amazon Ember" panose="020B0603020204020204" pitchFamily="34" charset="0"/>
                 <a:cs typeface="Arial" panose="020B0604020202020204" pitchFamily="34" charset="0"/>
               </a:rPr>
-              <a:t>Role</a:t>
+              <a:t>1.5</a:t>
+            </a:r>
+          </a:p>
+        </p:txBody>
+      </p:sp>
+      <p:sp>
+        <p:nvSpPr>
+          <p:cNvPr id="171" name="Oval 170">
+            <a:extLst>
+              <a:ext uri="{FF2B5EF4-FFF2-40B4-BE49-F238E27FC236}">
+                <a16:creationId xmlns:a16="http://schemas.microsoft.com/office/drawing/2014/main" id="{6CAE65A8-CCB2-4C12-9AFA-3E2BDB737702}"/>
+              </a:ext>
+            </a:extLst>
+          </p:cNvPr>
+          <p:cNvSpPr/>
+          <p:nvPr/>
+        </p:nvSpPr>
+        <p:spPr>
+          <a:xfrm>
+            <a:off x="3493369" y="1178283"/>
+            <a:ext cx="253435" cy="212902"/>
+          </a:xfrm>
+          <a:prstGeom prst="ellipse">
+            <a:avLst/>
+          </a:prstGeom>
+          <a:solidFill>
+            <a:schemeClr val="tx1"/>
+          </a:solidFill>
+          <a:ln>
+            <a:solidFill>
+              <a:schemeClr val="tx1"/>
+            </a:solidFill>
+          </a:ln>
+        </p:spPr>
+        <p:style>
+          <a:lnRef idx="2">
+            <a:schemeClr val="accent1">
+              <a:shade val="50000"/>
+            </a:schemeClr>
+          </a:lnRef>
+          <a:fillRef idx="1">
+            <a:schemeClr val="accent1"/>
+          </a:fillRef>
+          <a:effectRef idx="0">
+            <a:schemeClr val="accent1"/>
+          </a:effectRef>
+          <a:fontRef idx="minor">
+            <a:schemeClr val="lt1"/>
+          </a:fontRef>
+        </p:style>
+        <p:txBody>
+          <a:bodyPr lIns="0" tIns="0" rIns="0" bIns="0" rtlCol="0" anchor="ctr"/>
+          <a:lstStyle/>
+          <a:p>
+            <a:pPr algn="ctr"/>
+            <a:r>
+              <a:rPr lang="en-US" sz="800" dirty="0">
+                <a:latin typeface="Arial" panose="020B0604020202020204" pitchFamily="34" charset="0"/>
+                <a:cs typeface="Arial" panose="020B0604020202020204" pitchFamily="34" charset="0"/>
+              </a:rPr>
+              <a:t>1.6</a:t>
+            </a:r>
+          </a:p>
+        </p:txBody>
+      </p:sp>
+      <p:sp>
+        <p:nvSpPr>
+          <p:cNvPr id="172" name="Oval 171">
+            <a:extLst>
+              <a:ext uri="{FF2B5EF4-FFF2-40B4-BE49-F238E27FC236}">
+                <a16:creationId xmlns:a16="http://schemas.microsoft.com/office/drawing/2014/main" id="{94708E57-AB59-4E59-A000-F84C0F553A38}"/>
+              </a:ext>
+            </a:extLst>
+          </p:cNvPr>
+          <p:cNvSpPr/>
+          <p:nvPr/>
+        </p:nvSpPr>
+        <p:spPr>
+          <a:xfrm>
+            <a:off x="4679051" y="1145459"/>
+            <a:ext cx="253435" cy="212902"/>
+          </a:xfrm>
+          <a:prstGeom prst="ellipse">
+            <a:avLst/>
+          </a:prstGeom>
+          <a:solidFill>
+            <a:schemeClr val="tx1"/>
+          </a:solidFill>
+          <a:ln>
+            <a:solidFill>
+              <a:schemeClr val="tx1"/>
+            </a:solidFill>
+          </a:ln>
+        </p:spPr>
+        <p:style>
+          <a:lnRef idx="2">
+            <a:schemeClr val="accent1">
+              <a:shade val="50000"/>
+            </a:schemeClr>
+          </a:lnRef>
+          <a:fillRef idx="1">
+            <a:schemeClr val="accent1"/>
+          </a:fillRef>
+          <a:effectRef idx="0">
+            <a:schemeClr val="accent1"/>
+          </a:effectRef>
+          <a:fontRef idx="minor">
+            <a:schemeClr val="lt1"/>
+          </a:fontRef>
+        </p:style>
+        <p:txBody>
+          <a:bodyPr lIns="0" tIns="0" rIns="0" bIns="0" rtlCol="0" anchor="ctr"/>
+          <a:lstStyle/>
+          <a:p>
+            <a:pPr algn="ctr"/>
+            <a:r>
+              <a:rPr lang="en-US" sz="800" dirty="0">
+                <a:latin typeface="Arial" panose="020B0604020202020204" pitchFamily="34" charset="0"/>
+                <a:cs typeface="Arial" panose="020B0604020202020204" pitchFamily="34" charset="0"/>
+              </a:rPr>
+              <a:t>1.9</a:t>
             </a:r>
           </a:p>
         </p:txBody>
       </p:sp>
       <p:pic>
         <p:nvPicPr>
-          <p:cNvPr id="61" name="Graphic 49">
-            <a:extLst>
-              <a:ext uri="{FF2B5EF4-FFF2-40B4-BE49-F238E27FC236}">
-                <a16:creationId xmlns:a16="http://schemas.microsoft.com/office/drawing/2014/main" id="{222F14F2-0D5F-3A49-B4BE-0AE368E5A3B3}"/>
+          <p:cNvPr id="173" name="Graphic 21">
+            <a:extLst>
+              <a:ext uri="{FF2B5EF4-FFF2-40B4-BE49-F238E27FC236}">
+                <a16:creationId xmlns:a16="http://schemas.microsoft.com/office/drawing/2014/main" id="{EE9A2C89-D760-44AD-9846-59BF08E6A6F6}"/>
               </a:ext>
             </a:extLst>
           </p:cNvPr>
@@ -5248,10 +5469,10 @@
           <p:nvPr/>
         </p:nvPicPr>
         <p:blipFill>
-          <a:blip r:embed="rId7">
+          <a:blip r:embed="rId13">
             <a:extLst>
               <a:ext uri="{28A0092B-C50C-407E-A947-70E740481C1C}">
-                <a14:useLocalDpi xmlns:a14="http://schemas.microsoft.com/office/drawing/2010/main" val="0"/>
+                <a14:useLocalDpi xmlns:a14="http://schemas.microsoft.com/office/drawing/2010/main"/>
               </a:ext>
             </a:extLst>
           </a:blip>
@@ -5262,7 +5483,7 @@
         </p:blipFill>
         <p:spPr bwMode="auto">
           <a:xfrm>
-            <a:off x="10259833" y="1045968"/>
+            <a:off x="1022073" y="1727522"/>
             <a:ext cx="457200" cy="457200"/>
           </a:xfrm>
           <a:prstGeom prst="rect">
@@ -5295,10 +5516,10 @@
       </p:pic>
       <p:sp>
         <p:nvSpPr>
-          <p:cNvPr id="132" name="Oval 131">
-            <a:extLst>
-              <a:ext uri="{FF2B5EF4-FFF2-40B4-BE49-F238E27FC236}">
-                <a16:creationId xmlns:a16="http://schemas.microsoft.com/office/drawing/2014/main" id="{E90E9980-B378-8B48-A029-3577A1108948}"/>
+          <p:cNvPr id="174" name="Oval 173">
+            <a:extLst>
+              <a:ext uri="{FF2B5EF4-FFF2-40B4-BE49-F238E27FC236}">
+                <a16:creationId xmlns:a16="http://schemas.microsoft.com/office/drawing/2014/main" id="{33B53A6B-210B-4CAD-9B2E-8A4A48DDC8EC}"/>
               </a:ext>
             </a:extLst>
           </p:cNvPr>
@@ -5307,7 +5528,7 @@
         </p:nvSpPr>
         <p:spPr>
           <a:xfrm>
-            <a:off x="1272421" y="3853363"/>
+            <a:off x="841301" y="1599281"/>
             <a:ext cx="253435" cy="212902"/>
           </a:xfrm>
           <a:prstGeom prst="ellipse">
@@ -5348,17 +5569,17 @@
                 <a:latin typeface="Arial" panose="020B0604020202020204" pitchFamily="34" charset="0"/>
                 <a:cs typeface="Arial" panose="020B0604020202020204" pitchFamily="34" charset="0"/>
               </a:rPr>
-              <a:t>1.2</a:t>
-            </a:r>
-          </a:p>
-        </p:txBody>
-      </p:sp>
-      <p:sp>
-        <p:nvSpPr>
-          <p:cNvPr id="136" name="Oval 135">
-            <a:extLst>
-              <a:ext uri="{FF2B5EF4-FFF2-40B4-BE49-F238E27FC236}">
-                <a16:creationId xmlns:a16="http://schemas.microsoft.com/office/drawing/2014/main" id="{8883E90E-2B69-9B42-B954-561E833F7F65}"/>
+              <a:t>1.1</a:t>
+            </a:r>
+          </a:p>
+        </p:txBody>
+      </p:sp>
+      <p:sp>
+        <p:nvSpPr>
+          <p:cNvPr id="175" name="Rectangle 174">
+            <a:extLst>
+              <a:ext uri="{FF2B5EF4-FFF2-40B4-BE49-F238E27FC236}">
+                <a16:creationId xmlns:a16="http://schemas.microsoft.com/office/drawing/2014/main" id="{E23EF82D-34D3-46B6-978C-7B6A8238A22B}"/>
               </a:ext>
             </a:extLst>
           </p:cNvPr>
@@ -5367,19 +5588,18 @@
         </p:nvSpPr>
         <p:spPr>
           <a:xfrm>
-            <a:off x="10090876" y="1104008"/>
-            <a:ext cx="253435" cy="212902"/>
-          </a:xfrm>
-          <a:prstGeom prst="ellipse">
-            <a:avLst/>
-          </a:prstGeom>
-          <a:solidFill>
-            <a:schemeClr val="tx1"/>
-          </a:solidFill>
-          <a:ln>
+            <a:off x="729970" y="1098831"/>
+            <a:ext cx="5920149" cy="3409580"/>
+          </a:xfrm>
+          <a:prstGeom prst="rect">
+            <a:avLst/>
+          </a:prstGeom>
+          <a:noFill/>
+          <a:ln w="12700">
             <a:solidFill>
-              <a:schemeClr val="tx1"/>
+              <a:srgbClr val="5B9CD5"/>
             </a:solidFill>
+            <a:prstDash val="sysDash"/>
           </a:ln>
         </p:spPr>
         <p:style>
@@ -5399,26 +5619,115 @@
           </a:fontRef>
         </p:style>
         <p:txBody>
-          <a:bodyPr lIns="0" tIns="0" rIns="0" bIns="0" rtlCol="0" anchor="ctr"/>
+          <a:bodyPr lIns="502920" tIns="91440"/>
           <a:lstStyle/>
           <a:p>
-            <a:pPr algn="ctr"/>
-            <a:r>
-              <a:rPr lang="en-US" sz="800" dirty="0">
+            <a:pPr eaLnBrk="1" fontAlgn="auto" hangingPunct="1">
+              <a:spcBef>
+                <a:spcPts val="0"/>
+              </a:spcBef>
+              <a:spcAft>
+                <a:spcPts val="0"/>
+              </a:spcAft>
+              <a:defRPr/>
+            </a:pPr>
+            <a:r>
+              <a:rPr lang="en-US" sz="1200" dirty="0">
+                <a:solidFill>
+                  <a:srgbClr val="5B9CD5"/>
+                </a:solidFill>
                 <a:latin typeface="Arial" panose="020B0604020202020204" pitchFamily="34" charset="0"/>
                 <a:cs typeface="Arial" panose="020B0604020202020204" pitchFamily="34" charset="0"/>
               </a:rPr>
-              <a:t>2.2</a:t>
-            </a:r>
-          </a:p>
-        </p:txBody>
-      </p:sp>
-      <p:sp>
-        <p:nvSpPr>
-          <p:cNvPr id="51" name="Rectangle 50">
-            <a:extLst>
-              <a:ext uri="{FF2B5EF4-FFF2-40B4-BE49-F238E27FC236}">
-                <a16:creationId xmlns:a16="http://schemas.microsoft.com/office/drawing/2014/main" id="{94E4C51E-7A98-6F4B-822A-7AA7100FCB0A}"/>
+              <a:t>Home Region</a:t>
+            </a:r>
+          </a:p>
+        </p:txBody>
+      </p:sp>
+      <p:pic>
+        <p:nvPicPr>
+          <p:cNvPr id="176" name="Graphic 175">
+            <a:extLst>
+              <a:ext uri="{FF2B5EF4-FFF2-40B4-BE49-F238E27FC236}">
+                <a16:creationId xmlns:a16="http://schemas.microsoft.com/office/drawing/2014/main" id="{79BE28C9-BA1C-439C-A7D3-8AB7EFF8AFC4}"/>
+              </a:ext>
+            </a:extLst>
+          </p:cNvPr>
+          <p:cNvPicPr>
+            <a:picLocks noChangeAspect="1"/>
+          </p:cNvPicPr>
+          <p:nvPr/>
+        </p:nvPicPr>
+        <p:blipFill>
+          <a:blip r:embed="rId14">
+            <a:extLst>
+              <a:ext uri="{96DAC541-7B7A-43D3-8B79-37D633B846F1}">
+                <asvg:svgBlip xmlns:asvg="http://schemas.microsoft.com/office/drawing/2016/SVG/main" r:embed="rId15"/>
+              </a:ext>
+            </a:extLst>
+          </a:blip>
+          <a:stretch>
+            <a:fillRect/>
+          </a:stretch>
+        </p:blipFill>
+        <p:spPr>
+          <a:xfrm>
+            <a:off x="721026" y="1092337"/>
+            <a:ext cx="391567" cy="391567"/>
+          </a:xfrm>
+          <a:prstGeom prst="rect">
+            <a:avLst/>
+          </a:prstGeom>
+        </p:spPr>
+      </p:pic>
+      <p:cxnSp>
+        <p:nvCxnSpPr>
+          <p:cNvPr id="177" name="Straight Arrow Connector 176">
+            <a:extLst>
+              <a:ext uri="{FF2B5EF4-FFF2-40B4-BE49-F238E27FC236}">
+                <a16:creationId xmlns:a16="http://schemas.microsoft.com/office/drawing/2014/main" id="{4A73DC17-2E0A-47FF-927C-2082DB636979}"/>
+              </a:ext>
+            </a:extLst>
+          </p:cNvPr>
+          <p:cNvCxnSpPr>
+            <a:cxnSpLocks/>
+            <a:endCxn id="160" idx="0"/>
+          </p:cNvCxnSpPr>
+          <p:nvPr/>
+        </p:nvCxnSpPr>
+        <p:spPr>
+          <a:xfrm>
+            <a:off x="3269143" y="2953751"/>
+            <a:ext cx="137317" cy="561378"/>
+          </a:xfrm>
+          <a:prstGeom prst="straightConnector1">
+            <a:avLst/>
+          </a:prstGeom>
+          <a:ln>
+            <a:tailEnd type="triangle"/>
+          </a:ln>
+        </p:spPr>
+        <p:style>
+          <a:lnRef idx="1">
+            <a:schemeClr val="dk1"/>
+          </a:lnRef>
+          <a:fillRef idx="0">
+            <a:schemeClr val="dk1"/>
+          </a:fillRef>
+          <a:effectRef idx="0">
+            <a:schemeClr val="dk1"/>
+          </a:effectRef>
+          <a:fontRef idx="minor">
+            <a:schemeClr val="tx1"/>
+          </a:fontRef>
+        </p:style>
+      </p:cxnSp>
+      <p:sp>
+        <p:nvSpPr>
+          <p:cNvPr id="178" name="Rectangle 177">
+            <a:extLst>
+              <a:ext uri="{FF2B5EF4-FFF2-40B4-BE49-F238E27FC236}">
+                <a16:creationId xmlns:a16="http://schemas.microsoft.com/office/drawing/2014/main" id="{2A5BD256-3DC9-4885-BEE2-FECB68F03E2D}"/>
               </a:ext>
             </a:extLst>
           </p:cNvPr>
@@ -5427,8 +5736,8 @@
         </p:nvSpPr>
         <p:spPr>
           <a:xfrm>
-            <a:off x="9851790" y="1835502"/>
-            <a:ext cx="1236216" cy="1399834"/>
+            <a:off x="734119" y="4599831"/>
+            <a:ext cx="5920149" cy="972968"/>
           </a:xfrm>
           <a:prstGeom prst="rect">
             <a:avLst/>
@@ -5436,9 +5745,9 @@
           <a:noFill/>
           <a:ln w="12700">
             <a:solidFill>
-              <a:schemeClr val="tx1"/>
+              <a:srgbClr val="5B9CD5"/>
             </a:solidFill>
-            <a:prstDash val="dash"/>
+            <a:prstDash val="sysDash"/>
           </a:ln>
         </p:spPr>
         <p:style>
@@ -5458,30 +5767,158 @@
           </a:fontRef>
         </p:style>
         <p:txBody>
-          <a:bodyPr rot="0" spcFirstLastPara="0" vertOverflow="overflow" horzOverflow="overflow" vert="horz" wrap="square" lIns="91440" tIns="0" rIns="91440" bIns="45720" numCol="1" spcCol="0" rtlCol="0" fromWordArt="0" anchor="t" anchorCtr="0" forceAA="0" compatLnSpc="1">
-            <a:noAutofit/>
-          </a:bodyPr>
+          <a:bodyPr lIns="502920" tIns="91440"/>
           <a:lstStyle/>
           <a:p>
-            <a:r>
-              <a:rPr lang="en-US" sz="1100" b="1" dirty="0">
+            <a:pPr eaLnBrk="1" fontAlgn="auto" hangingPunct="1">
+              <a:spcBef>
+                <a:spcPts val="0"/>
+              </a:spcBef>
+              <a:spcAft>
+                <a:spcPts val="0"/>
+              </a:spcAft>
+              <a:defRPr/>
+            </a:pPr>
+            <a:r>
+              <a:rPr lang="en-US" sz="1200" dirty="0">
                 <a:solidFill>
-                  <a:schemeClr val="tx1"/>
+                  <a:srgbClr val="5B9CD5"/>
                 </a:solidFill>
                 <a:latin typeface="Arial" panose="020B0604020202020204" pitchFamily="34" charset="0"/>
                 <a:cs typeface="Arial" panose="020B0604020202020204" pitchFamily="34" charset="0"/>
               </a:rPr>
-              <a:t>region-1</a:t>
-            </a:r>
-          </a:p>
-        </p:txBody>
-      </p:sp>
-      <p:sp>
-        <p:nvSpPr>
-          <p:cNvPr id="70" name="Rectangle 69">
-            <a:extLst>
-              <a:ext uri="{FF2B5EF4-FFF2-40B4-BE49-F238E27FC236}">
-                <a16:creationId xmlns:a16="http://schemas.microsoft.com/office/drawing/2014/main" id="{B9B0DB77-AA27-F240-9DBA-0C4D391FE38F}"/>
+              <a:t>Global Region</a:t>
+            </a:r>
+          </a:p>
+        </p:txBody>
+      </p:sp>
+      <p:pic>
+        <p:nvPicPr>
+          <p:cNvPr id="179" name="Graphic 178">
+            <a:extLst>
+              <a:ext uri="{FF2B5EF4-FFF2-40B4-BE49-F238E27FC236}">
+                <a16:creationId xmlns:a16="http://schemas.microsoft.com/office/drawing/2014/main" id="{FF3904C1-CE6D-4844-8DC9-52FD61C29128}"/>
+              </a:ext>
+            </a:extLst>
+          </p:cNvPr>
+          <p:cNvPicPr>
+            <a:picLocks noChangeAspect="1"/>
+          </p:cNvPicPr>
+          <p:nvPr/>
+        </p:nvPicPr>
+        <p:blipFill>
+          <a:blip r:embed="rId14">
+            <a:extLst>
+              <a:ext uri="{96DAC541-7B7A-43D3-8B79-37D633B846F1}">
+                <asvg:svgBlip xmlns:asvg="http://schemas.microsoft.com/office/drawing/2016/SVG/main" r:embed="rId15"/>
+              </a:ext>
+            </a:extLst>
+          </a:blip>
+          <a:stretch>
+            <a:fillRect/>
+          </a:stretch>
+        </p:blipFill>
+        <p:spPr>
+          <a:xfrm>
+            <a:off x="725175" y="4593336"/>
+            <a:ext cx="391567" cy="391567"/>
+          </a:xfrm>
+          <a:prstGeom prst="rect">
+            <a:avLst/>
+          </a:prstGeom>
+        </p:spPr>
+      </p:pic>
+      <p:sp>
+        <p:nvSpPr>
+          <p:cNvPr id="180" name="TextBox 179">
+            <a:extLst>
+              <a:ext uri="{FF2B5EF4-FFF2-40B4-BE49-F238E27FC236}">
+                <a16:creationId xmlns:a16="http://schemas.microsoft.com/office/drawing/2014/main" id="{AC7F548C-6A25-4C0C-8B1C-7834C3A5B2DF}"/>
+              </a:ext>
+            </a:extLst>
+          </p:cNvPr>
+          <p:cNvSpPr txBox="1"/>
+          <p:nvPr/>
+        </p:nvSpPr>
+        <p:spPr>
+          <a:xfrm>
+            <a:off x="4404325" y="5132704"/>
+            <a:ext cx="1098725" cy="430887"/>
+          </a:xfrm>
+          <a:prstGeom prst="rect">
+            <a:avLst/>
+          </a:prstGeom>
+          <a:noFill/>
+        </p:spPr>
+        <p:txBody>
+          <a:bodyPr wrap="square" rtlCol="0">
+            <a:spAutoFit/>
+          </a:bodyPr>
+          <a:lstStyle/>
+          <a:p>
+            <a:pPr algn="ctr"/>
+            <a:r>
+              <a:rPr lang="en-US" sz="1100" dirty="0">
+                <a:latin typeface="Arial" panose="020B0604020202020204" pitchFamily="34" charset="0"/>
+                <a:cs typeface="Arial" panose="020B0604020202020204" pitchFamily="34" charset="0"/>
+              </a:rPr>
+              <a:t>Configuration </a:t>
+            </a:r>
+          </a:p>
+          <a:p>
+            <a:pPr algn="ctr"/>
+            <a:r>
+              <a:rPr lang="en-US" sz="1100" dirty="0">
+                <a:latin typeface="Arial" panose="020B0604020202020204" pitchFamily="34" charset="0"/>
+                <a:cs typeface="Arial" panose="020B0604020202020204" pitchFamily="34" charset="0"/>
+              </a:rPr>
+              <a:t>Role</a:t>
+            </a:r>
+          </a:p>
+        </p:txBody>
+      </p:sp>
+      <p:pic>
+        <p:nvPicPr>
+          <p:cNvPr id="181" name="Graphic 180">
+            <a:extLst>
+              <a:ext uri="{FF2B5EF4-FFF2-40B4-BE49-F238E27FC236}">
+                <a16:creationId xmlns:a16="http://schemas.microsoft.com/office/drawing/2014/main" id="{F2F5F5D9-2DFE-4B62-BF98-68946BFBC8DD}"/>
+              </a:ext>
+            </a:extLst>
+          </p:cNvPr>
+          <p:cNvPicPr>
+            <a:picLocks noChangeAspect="1"/>
+          </p:cNvPicPr>
+          <p:nvPr/>
+        </p:nvPicPr>
+        <p:blipFill>
+          <a:blip r:embed="rId16">
+            <a:extLst>
+              <a:ext uri="{96DAC541-7B7A-43D3-8B79-37D633B846F1}">
+                <asvg:svgBlip xmlns:asvg="http://schemas.microsoft.com/office/drawing/2016/SVG/main" r:embed="rId17"/>
+              </a:ext>
+            </a:extLst>
+          </a:blip>
+          <a:stretch>
+            <a:fillRect/>
+          </a:stretch>
+        </p:blipFill>
+        <p:spPr>
+          <a:xfrm>
+            <a:off x="4716548" y="4774094"/>
+            <a:ext cx="469900" cy="469900"/>
+          </a:xfrm>
+          <a:prstGeom prst="rect">
+            <a:avLst/>
+          </a:prstGeom>
+        </p:spPr>
+      </p:pic>
+      <p:sp>
+        <p:nvSpPr>
+          <p:cNvPr id="182" name="Oval 181">
+            <a:extLst>
+              <a:ext uri="{FF2B5EF4-FFF2-40B4-BE49-F238E27FC236}">
+                <a16:creationId xmlns:a16="http://schemas.microsoft.com/office/drawing/2014/main" id="{E5AFFA29-B562-4693-A19B-E226CB2858D5}"/>
               </a:ext>
             </a:extLst>
           </p:cNvPr>
@@ -5490,18 +5927,19 @@
         </p:nvSpPr>
         <p:spPr>
           <a:xfrm>
-            <a:off x="9948026" y="2056898"/>
-            <a:ext cx="1139980" cy="1177336"/>
-          </a:xfrm>
-          <a:prstGeom prst="rect">
-            <a:avLst/>
-          </a:prstGeom>
-          <a:noFill/>
-          <a:ln w="12700">
+            <a:off x="4992604" y="4750917"/>
+            <a:ext cx="253435" cy="212902"/>
+          </a:xfrm>
+          <a:prstGeom prst="ellipse">
+            <a:avLst/>
+          </a:prstGeom>
+          <a:solidFill>
+            <a:schemeClr val="tx1"/>
+          </a:solidFill>
+          <a:ln>
             <a:solidFill>
               <a:schemeClr val="tx1"/>
             </a:solidFill>
-            <a:prstDash val="dash"/>
           </a:ln>
         </p:spPr>
         <p:style>
@@ -5521,133 +5959,26 @@
           </a:fontRef>
         </p:style>
         <p:txBody>
-          <a:bodyPr rot="0" spcFirstLastPara="0" vertOverflow="overflow" horzOverflow="overflow" vert="horz" wrap="square" lIns="91440" tIns="0" rIns="91440" bIns="45720" numCol="1" spcCol="0" rtlCol="0" fromWordArt="0" anchor="t" anchorCtr="0" forceAA="0" compatLnSpc="1">
-            <a:noAutofit/>
-          </a:bodyPr>
+          <a:bodyPr lIns="0" tIns="0" rIns="0" bIns="0" rtlCol="0" anchor="ctr"/>
           <a:lstStyle/>
           <a:p>
-            <a:r>
-              <a:rPr lang="en-US" sz="1100" b="1" dirty="0">
-                <a:solidFill>
-                  <a:schemeClr val="tx1"/>
-                </a:solidFill>
+            <a:pPr algn="ctr"/>
+            <a:r>
+              <a:rPr lang="en-US" sz="700" dirty="0">
                 <a:latin typeface="Arial" panose="020B0604020202020204" pitchFamily="34" charset="0"/>
                 <a:cs typeface="Arial" panose="020B0604020202020204" pitchFamily="34" charset="0"/>
               </a:rPr>
-              <a:t>region-2</a:t>
-            </a:r>
-          </a:p>
-        </p:txBody>
-      </p:sp>
-      <p:sp>
-        <p:nvSpPr>
-          <p:cNvPr id="71" name="Rectangle 70">
-            <a:extLst>
-              <a:ext uri="{FF2B5EF4-FFF2-40B4-BE49-F238E27FC236}">
-                <a16:creationId xmlns:a16="http://schemas.microsoft.com/office/drawing/2014/main" id="{CED78D6A-CD89-5346-873D-908A31D1183D}"/>
-              </a:ext>
-            </a:extLst>
-          </p:cNvPr>
-          <p:cNvSpPr/>
-          <p:nvPr/>
-        </p:nvSpPr>
-        <p:spPr>
-          <a:xfrm>
-            <a:off x="10029322" y="2282451"/>
-            <a:ext cx="1058684" cy="951784"/>
-          </a:xfrm>
-          <a:prstGeom prst="rect">
-            <a:avLst/>
-          </a:prstGeom>
-          <a:noFill/>
-          <a:ln w="12700">
-            <a:solidFill>
-              <a:schemeClr val="tx1"/>
-            </a:solidFill>
-            <a:prstDash val="dash"/>
-          </a:ln>
-        </p:spPr>
-        <p:style>
-          <a:lnRef idx="2">
-            <a:schemeClr val="accent1">
-              <a:shade val="50000"/>
-            </a:schemeClr>
-          </a:lnRef>
-          <a:fillRef idx="1">
-            <a:schemeClr val="accent1"/>
-          </a:fillRef>
-          <a:effectRef idx="0">
-            <a:schemeClr val="accent1"/>
-          </a:effectRef>
-          <a:fontRef idx="minor">
-            <a:schemeClr val="lt1"/>
-          </a:fontRef>
-        </p:style>
-        <p:txBody>
-          <a:bodyPr rot="0" spcFirstLastPara="0" vertOverflow="overflow" horzOverflow="overflow" vert="horz" wrap="square" lIns="91440" tIns="0" rIns="91440" bIns="45720" numCol="1" spcCol="0" rtlCol="0" fromWordArt="0" anchor="t" anchorCtr="0" forceAA="0" compatLnSpc="1">
-            <a:noAutofit/>
-          </a:bodyPr>
-          <a:lstStyle/>
-          <a:p>
-            <a:r>
-              <a:rPr lang="en-US" sz="1100" b="1" dirty="0">
-                <a:solidFill>
-                  <a:schemeClr val="tx1"/>
-                </a:solidFill>
-                <a:latin typeface="Arial" panose="020B0604020202020204" pitchFamily="34" charset="0"/>
-                <a:cs typeface="Arial" panose="020B0604020202020204" pitchFamily="34" charset="0"/>
-              </a:rPr>
-              <a:t>region-n</a:t>
-            </a:r>
-          </a:p>
-        </p:txBody>
-      </p:sp>
-      <p:sp>
-        <p:nvSpPr>
-          <p:cNvPr id="59" name="TextBox 58">
-            <a:extLst>
-              <a:ext uri="{FF2B5EF4-FFF2-40B4-BE49-F238E27FC236}">
-                <a16:creationId xmlns:a16="http://schemas.microsoft.com/office/drawing/2014/main" id="{DF368EA3-A8D0-7C40-9C72-DE5E49476E9C}"/>
-              </a:ext>
-            </a:extLst>
-          </p:cNvPr>
-          <p:cNvSpPr txBox="1"/>
-          <p:nvPr/>
-        </p:nvSpPr>
-        <p:spPr>
-          <a:xfrm>
-            <a:off x="9868137" y="2954601"/>
-            <a:ext cx="1387582" cy="261610"/>
-          </a:xfrm>
-          <a:prstGeom prst="rect">
-            <a:avLst/>
-          </a:prstGeom>
-          <a:noFill/>
-        </p:spPr>
-        <p:txBody>
-          <a:bodyPr wrap="square" rtlCol="0">
-            <a:spAutoFit/>
-          </a:bodyPr>
-          <a:lstStyle/>
-          <a:p>
-            <a:pPr algn="ctr"/>
-            <a:r>
-              <a:rPr lang="en-US" altLang="en-US" sz="1100" dirty="0">
-                <a:latin typeface="Arial" panose="020B0604020202020204" pitchFamily="34" charset="0"/>
-                <a:ea typeface="Amazon Ember" panose="020B0603020204020204" pitchFamily="34" charset="0"/>
-                <a:cs typeface="Arial" panose="020B0604020202020204" pitchFamily="34" charset="0"/>
-              </a:rPr>
-              <a:t>Security Hub</a:t>
+              <a:t>1.11</a:t>
             </a:r>
           </a:p>
         </p:txBody>
       </p:sp>
       <p:pic>
         <p:nvPicPr>
-          <p:cNvPr id="68" name="Graphic 19">
-            <a:extLst>
-              <a:ext uri="{FF2B5EF4-FFF2-40B4-BE49-F238E27FC236}">
-                <a16:creationId xmlns:a16="http://schemas.microsoft.com/office/drawing/2014/main" id="{B3CE992A-C6D8-294E-8822-57F521C084DC}"/>
+          <p:cNvPr id="183" name="Graphic 24">
+            <a:extLst>
+              <a:ext uri="{FF2B5EF4-FFF2-40B4-BE49-F238E27FC236}">
+                <a16:creationId xmlns:a16="http://schemas.microsoft.com/office/drawing/2014/main" id="{5AEA5BCA-38E3-4EE3-9078-EE3314DD38FA}"/>
               </a:ext>
             </a:extLst>
           </p:cNvPr>
@@ -5657,10 +5988,10 @@
           <p:nvPr/>
         </p:nvPicPr>
         <p:blipFill>
-          <a:blip r:embed="rId9">
+          <a:blip r:embed="rId18">
             <a:extLst>
               <a:ext uri="{28A0092B-C50C-407E-A947-70E740481C1C}">
-                <a14:useLocalDpi xmlns:a14="http://schemas.microsoft.com/office/drawing/2010/main" val="0"/>
+                <a14:useLocalDpi xmlns:a14="http://schemas.microsoft.com/office/drawing/2010/main"/>
               </a:ext>
             </a:extLst>
           </a:blip>
@@ -5671,7 +6002,7 @@
         </p:blipFill>
         <p:spPr bwMode="auto">
           <a:xfrm>
-            <a:off x="10305444" y="2521719"/>
+            <a:off x="2322782" y="4725834"/>
             <a:ext cx="457200" cy="457200"/>
           </a:xfrm>
           <a:prstGeom prst="rect">
@@ -5704,10 +6035,125 @@
       </p:pic>
       <p:sp>
         <p:nvSpPr>
-          <p:cNvPr id="83" name="Oval 82">
-            <a:extLst>
-              <a:ext uri="{FF2B5EF4-FFF2-40B4-BE49-F238E27FC236}">
-                <a16:creationId xmlns:a16="http://schemas.microsoft.com/office/drawing/2014/main" id="{7FAA5BDA-59EE-924B-ACDA-6C50D7ABCDCD}"/>
+          <p:cNvPr id="184" name="TextBox 2">
+            <a:extLst>
+              <a:ext uri="{FF2B5EF4-FFF2-40B4-BE49-F238E27FC236}">
+                <a16:creationId xmlns:a16="http://schemas.microsoft.com/office/drawing/2014/main" id="{4D413C83-25C6-4BC1-805C-083E62C5BEE9}"/>
+              </a:ext>
+            </a:extLst>
+          </p:cNvPr>
+          <p:cNvSpPr txBox="1"/>
+          <p:nvPr/>
+        </p:nvSpPr>
+        <p:spPr>
+          <a:xfrm>
+            <a:off x="2002020" y="5130314"/>
+            <a:ext cx="1098724" cy="430887"/>
+          </a:xfrm>
+          <a:prstGeom prst="rect">
+            <a:avLst/>
+          </a:prstGeom>
+          <a:noFill/>
+        </p:spPr>
+        <p:style>
+          <a:lnRef idx="0">
+            <a:scrgbClr r="0" g="0" b="0"/>
+          </a:lnRef>
+          <a:fillRef idx="0">
+            <a:scrgbClr r="0" g="0" b="0"/>
+          </a:fillRef>
+          <a:effectRef idx="0">
+            <a:scrgbClr r="0" g="0" b="0"/>
+          </a:effectRef>
+          <a:fontRef idx="major"/>
+        </p:style>
+        <p:txBody>
+          <a:bodyPr wrap="square" rtlCol="0">
+            <a:spAutoFit/>
+          </a:bodyPr>
+          <a:lstStyle>
+            <a:lvl1pPr>
+              <a:defRPr>
+                <a:latin typeface="+mj-lt"/>
+                <a:ea typeface="+mj-ea"/>
+                <a:cs typeface="+mj-cs"/>
+              </a:defRPr>
+            </a:lvl1pPr>
+            <a:lvl2pPr>
+              <a:defRPr>
+                <a:latin typeface="+mj-lt"/>
+                <a:ea typeface="+mj-ea"/>
+                <a:cs typeface="+mj-cs"/>
+              </a:defRPr>
+            </a:lvl2pPr>
+            <a:lvl3pPr>
+              <a:defRPr>
+                <a:latin typeface="+mj-lt"/>
+                <a:ea typeface="+mj-ea"/>
+                <a:cs typeface="+mj-cs"/>
+              </a:defRPr>
+            </a:lvl3pPr>
+            <a:lvl4pPr>
+              <a:defRPr>
+                <a:latin typeface="+mj-lt"/>
+                <a:ea typeface="+mj-ea"/>
+                <a:cs typeface="+mj-cs"/>
+              </a:defRPr>
+            </a:lvl4pPr>
+            <a:lvl5pPr>
+              <a:defRPr>
+                <a:latin typeface="+mj-lt"/>
+                <a:ea typeface="+mj-ea"/>
+                <a:cs typeface="+mj-cs"/>
+              </a:defRPr>
+            </a:lvl5pPr>
+            <a:lvl6pPr>
+              <a:defRPr>
+                <a:latin typeface="+mj-lt"/>
+                <a:ea typeface="+mj-ea"/>
+                <a:cs typeface="+mj-cs"/>
+              </a:defRPr>
+            </a:lvl6pPr>
+            <a:lvl7pPr>
+              <a:defRPr>
+                <a:latin typeface="+mj-lt"/>
+                <a:ea typeface="+mj-ea"/>
+                <a:cs typeface="+mj-cs"/>
+              </a:defRPr>
+            </a:lvl7pPr>
+            <a:lvl8pPr>
+              <a:defRPr>
+                <a:latin typeface="+mj-lt"/>
+                <a:ea typeface="+mj-ea"/>
+                <a:cs typeface="+mj-cs"/>
+              </a:defRPr>
+            </a:lvl8pPr>
+            <a:lvl9pPr>
+              <a:defRPr>
+                <a:latin typeface="+mj-lt"/>
+                <a:ea typeface="+mj-ea"/>
+                <a:cs typeface="+mj-cs"/>
+              </a:defRPr>
+            </a:lvl9pPr>
+          </a:lstStyle>
+          <a:p>
+            <a:pPr algn="ctr"/>
+            <a:r>
+              <a:rPr lang="en-US" sz="1100" dirty="0">
+                <a:latin typeface="Arial" panose="020B0604020202020204" pitchFamily="34" charset="0"/>
+                <a:cs typeface="Arial" panose="020B0604020202020204" pitchFamily="34" charset="0"/>
+              </a:rPr>
+              <a:t>Global Event Rule</a:t>
+            </a:r>
+          </a:p>
+        </p:txBody>
+      </p:sp>
+      <p:sp>
+        <p:nvSpPr>
+          <p:cNvPr id="185" name="Oval 184">
+            <a:extLst>
+              <a:ext uri="{FF2B5EF4-FFF2-40B4-BE49-F238E27FC236}">
+                <a16:creationId xmlns:a16="http://schemas.microsoft.com/office/drawing/2014/main" id="{F84C9C38-2F84-4974-8432-1960993E54BC}"/>
               </a:ext>
             </a:extLst>
           </p:cNvPr>
@@ -5716,7 +6162,7 @@
         </p:nvSpPr>
         <p:spPr>
           <a:xfrm>
-            <a:off x="10311889" y="2529458"/>
+            <a:off x="2687940" y="4655013"/>
             <a:ext cx="253435" cy="212902"/>
           </a:xfrm>
           <a:prstGeom prst="ellipse">
@@ -5757,57 +6203,17 @@
                 <a:latin typeface="Arial" panose="020B0604020202020204" pitchFamily="34" charset="0"/>
                 <a:cs typeface="Arial" panose="020B0604020202020204" pitchFamily="34" charset="0"/>
               </a:rPr>
-              <a:t>2.4</a:t>
-            </a:r>
-          </a:p>
-        </p:txBody>
-      </p:sp>
-      <p:sp>
-        <p:nvSpPr>
-          <p:cNvPr id="84" name="TextBox 83">
-            <a:extLst>
-              <a:ext uri="{FF2B5EF4-FFF2-40B4-BE49-F238E27FC236}">
-                <a16:creationId xmlns:a16="http://schemas.microsoft.com/office/drawing/2014/main" id="{CA6FA08B-9C3A-C74A-9199-441BF175B015}"/>
-              </a:ext>
-            </a:extLst>
-          </p:cNvPr>
-          <p:cNvSpPr txBox="1"/>
-          <p:nvPr/>
-        </p:nvSpPr>
-        <p:spPr>
-          <a:xfrm>
-            <a:off x="8031550" y="3003414"/>
-            <a:ext cx="1037821" cy="261610"/>
-          </a:xfrm>
-          <a:prstGeom prst="rect">
-            <a:avLst/>
-          </a:prstGeom>
-          <a:noFill/>
-        </p:spPr>
-        <p:txBody>
-          <a:bodyPr wrap="square" rtlCol="0">
-            <a:spAutoFit/>
-          </a:bodyPr>
-          <a:lstStyle/>
-          <a:p>
-            <a:pPr algn="ctr"/>
-            <a:r>
-              <a:rPr lang="en-US" altLang="en-US" sz="1100" dirty="0">
-                <a:latin typeface="Arial" panose="020B0604020202020204" pitchFamily="34" charset="0"/>
-                <a:ea typeface="Amazon Ember" panose="020B0603020204020204" pitchFamily="34" charset="0"/>
-                <a:cs typeface="Arial" panose="020B0604020202020204" pitchFamily="34" charset="0"/>
-              </a:rPr>
-              <a:t>Security Hub</a:t>
+              <a:t>1.4</a:t>
             </a:r>
           </a:p>
         </p:txBody>
       </p:sp>
       <p:pic>
         <p:nvPicPr>
-          <p:cNvPr id="85" name="Graphic 19">
-            <a:extLst>
-              <a:ext uri="{FF2B5EF4-FFF2-40B4-BE49-F238E27FC236}">
-                <a16:creationId xmlns:a16="http://schemas.microsoft.com/office/drawing/2014/main" id="{052D1FA4-53EF-3D4D-8389-53F260FA7527}"/>
+          <p:cNvPr id="186" name="Graphic 24">
+            <a:extLst>
+              <a:ext uri="{FF2B5EF4-FFF2-40B4-BE49-F238E27FC236}">
+                <a16:creationId xmlns:a16="http://schemas.microsoft.com/office/drawing/2014/main" id="{1EE7C665-627A-4E73-BF26-C781AD54A4D3}"/>
               </a:ext>
             </a:extLst>
           </p:cNvPr>
@@ -5817,10 +6223,10 @@
           <p:nvPr/>
         </p:nvPicPr>
         <p:blipFill>
-          <a:blip r:embed="rId9">
+          <a:blip r:embed="rId18">
             <a:extLst>
               <a:ext uri="{28A0092B-C50C-407E-A947-70E740481C1C}">
-                <a14:useLocalDpi xmlns:a14="http://schemas.microsoft.com/office/drawing/2010/main" val="0"/>
+                <a14:useLocalDpi xmlns:a14="http://schemas.microsoft.com/office/drawing/2010/main"/>
               </a:ext>
             </a:extLst>
           </a:blip>
@@ -5831,7 +6237,7 @@
         </p:blipFill>
         <p:spPr bwMode="auto">
           <a:xfrm>
-            <a:off x="8321861" y="2549594"/>
+            <a:off x="1473889" y="2556963"/>
             <a:ext cx="457200" cy="457200"/>
           </a:xfrm>
           <a:prstGeom prst="rect">
@@ -5864,10 +6270,125 @@
       </p:pic>
       <p:sp>
         <p:nvSpPr>
-          <p:cNvPr id="86" name="Oval 85">
-            <a:extLst>
-              <a:ext uri="{FF2B5EF4-FFF2-40B4-BE49-F238E27FC236}">
-                <a16:creationId xmlns:a16="http://schemas.microsoft.com/office/drawing/2014/main" id="{35153FDD-FB22-B342-84E8-288ECF8E2988}"/>
+          <p:cNvPr id="187" name="TextBox 2">
+            <a:extLst>
+              <a:ext uri="{FF2B5EF4-FFF2-40B4-BE49-F238E27FC236}">
+                <a16:creationId xmlns:a16="http://schemas.microsoft.com/office/drawing/2014/main" id="{E4DD8898-7139-4F59-AA1C-4074F90E6EEE}"/>
+              </a:ext>
+            </a:extLst>
+          </p:cNvPr>
+          <p:cNvSpPr txBox="1"/>
+          <p:nvPr/>
+        </p:nvSpPr>
+        <p:spPr>
+          <a:xfrm>
+            <a:off x="1153127" y="2961443"/>
+            <a:ext cx="1098724" cy="430887"/>
+          </a:xfrm>
+          <a:prstGeom prst="rect">
+            <a:avLst/>
+          </a:prstGeom>
+          <a:noFill/>
+        </p:spPr>
+        <p:style>
+          <a:lnRef idx="0">
+            <a:scrgbClr r="0" g="0" b="0"/>
+          </a:lnRef>
+          <a:fillRef idx="0">
+            <a:scrgbClr r="0" g="0" b="0"/>
+          </a:fillRef>
+          <a:effectRef idx="0">
+            <a:scrgbClr r="0" g="0" b="0"/>
+          </a:effectRef>
+          <a:fontRef idx="major"/>
+        </p:style>
+        <p:txBody>
+          <a:bodyPr wrap="square" rtlCol="0">
+            <a:spAutoFit/>
+          </a:bodyPr>
+          <a:lstStyle>
+            <a:lvl1pPr>
+              <a:defRPr>
+                <a:latin typeface="+mj-lt"/>
+                <a:ea typeface="+mj-ea"/>
+                <a:cs typeface="+mj-cs"/>
+              </a:defRPr>
+            </a:lvl1pPr>
+            <a:lvl2pPr>
+              <a:defRPr>
+                <a:latin typeface="+mj-lt"/>
+                <a:ea typeface="+mj-ea"/>
+                <a:cs typeface="+mj-cs"/>
+              </a:defRPr>
+            </a:lvl2pPr>
+            <a:lvl3pPr>
+              <a:defRPr>
+                <a:latin typeface="+mj-lt"/>
+                <a:ea typeface="+mj-ea"/>
+                <a:cs typeface="+mj-cs"/>
+              </a:defRPr>
+            </a:lvl3pPr>
+            <a:lvl4pPr>
+              <a:defRPr>
+                <a:latin typeface="+mj-lt"/>
+                <a:ea typeface="+mj-ea"/>
+                <a:cs typeface="+mj-cs"/>
+              </a:defRPr>
+            </a:lvl4pPr>
+            <a:lvl5pPr>
+              <a:defRPr>
+                <a:latin typeface="+mj-lt"/>
+                <a:ea typeface="+mj-ea"/>
+                <a:cs typeface="+mj-cs"/>
+              </a:defRPr>
+            </a:lvl5pPr>
+            <a:lvl6pPr>
+              <a:defRPr>
+                <a:latin typeface="+mj-lt"/>
+                <a:ea typeface="+mj-ea"/>
+                <a:cs typeface="+mj-cs"/>
+              </a:defRPr>
+            </a:lvl6pPr>
+            <a:lvl7pPr>
+              <a:defRPr>
+                <a:latin typeface="+mj-lt"/>
+                <a:ea typeface="+mj-ea"/>
+                <a:cs typeface="+mj-cs"/>
+              </a:defRPr>
+            </a:lvl7pPr>
+            <a:lvl8pPr>
+              <a:defRPr>
+                <a:latin typeface="+mj-lt"/>
+                <a:ea typeface="+mj-ea"/>
+                <a:cs typeface="+mj-cs"/>
+              </a:defRPr>
+            </a:lvl8pPr>
+            <a:lvl9pPr>
+              <a:defRPr>
+                <a:latin typeface="+mj-lt"/>
+                <a:ea typeface="+mj-ea"/>
+                <a:cs typeface="+mj-cs"/>
+              </a:defRPr>
+            </a:lvl9pPr>
+          </a:lstStyle>
+          <a:p>
+            <a:pPr algn="ctr"/>
+            <a:r>
+              <a:rPr lang="en-US" sz="1100" dirty="0">
+                <a:latin typeface="Arial" panose="020B0604020202020204" pitchFamily="34" charset="0"/>
+                <a:cs typeface="Arial" panose="020B0604020202020204" pitchFamily="34" charset="0"/>
+              </a:rPr>
+              <a:t>Regional Event Rule</a:t>
+            </a:r>
+          </a:p>
+        </p:txBody>
+      </p:sp>
+      <p:sp>
+        <p:nvSpPr>
+          <p:cNvPr id="188" name="Oval 187">
+            <a:extLst>
+              <a:ext uri="{FF2B5EF4-FFF2-40B4-BE49-F238E27FC236}">
+                <a16:creationId xmlns:a16="http://schemas.microsoft.com/office/drawing/2014/main" id="{C2221D33-75AF-432C-B6AB-D1DB0348201A}"/>
               </a:ext>
             </a:extLst>
           </p:cNvPr>
@@ -5876,7 +6397,7 @@
         </p:nvSpPr>
         <p:spPr>
           <a:xfrm>
-            <a:off x="8329922" y="2557333"/>
+            <a:off x="1839047" y="2486142"/>
             <a:ext cx="253435" cy="212902"/>
           </a:xfrm>
           <a:prstGeom prst="ellipse">
@@ -5917,74 +6438,60 @@
                 <a:latin typeface="Arial" panose="020B0604020202020204" pitchFamily="34" charset="0"/>
                 <a:cs typeface="Arial" panose="020B0604020202020204" pitchFamily="34" charset="0"/>
               </a:rPr>
-              <a:t>2.3</a:t>
-            </a:r>
-          </a:p>
-        </p:txBody>
-      </p:sp>
-      <p:sp>
-        <p:nvSpPr>
-          <p:cNvPr id="17" name="Left Arrow Callout 16">
-            <a:extLst>
-              <a:ext uri="{FF2B5EF4-FFF2-40B4-BE49-F238E27FC236}">
-                <a16:creationId xmlns:a16="http://schemas.microsoft.com/office/drawing/2014/main" id="{64B27E64-AD91-9D47-8309-E5091AFF20AB}"/>
-              </a:ext>
-            </a:extLst>
-          </p:cNvPr>
-          <p:cNvSpPr/>
-          <p:nvPr/>
-        </p:nvSpPr>
-        <p:spPr>
-          <a:xfrm>
-            <a:off x="8881524" y="2612468"/>
-            <a:ext cx="869182" cy="394326"/>
-          </a:xfrm>
-          <a:prstGeom prst="leftArrowCallout">
-            <a:avLst>
-              <a:gd name="adj1" fmla="val 16886"/>
-              <a:gd name="adj2" fmla="val 25000"/>
-              <a:gd name="adj3" fmla="val 26600"/>
-              <a:gd name="adj4" fmla="val 84605"/>
-            </a:avLst>
+              <a:t>1.3</a:t>
+            </a:r>
+          </a:p>
+        </p:txBody>
+      </p:sp>
+      <p:cxnSp>
+        <p:nvCxnSpPr>
+          <p:cNvPr id="189" name="Straight Arrow Connector 188">
+            <a:extLst>
+              <a:ext uri="{FF2B5EF4-FFF2-40B4-BE49-F238E27FC236}">
+                <a16:creationId xmlns:a16="http://schemas.microsoft.com/office/drawing/2014/main" id="{13756740-CBD2-4285-9E37-7A4C5D50B989}"/>
+              </a:ext>
+            </a:extLst>
+          </p:cNvPr>
+          <p:cNvCxnSpPr>
+            <a:cxnSpLocks/>
+            <a:stCxn id="186" idx="3"/>
+            <a:endCxn id="138" idx="1"/>
+          </p:cNvCxnSpPr>
+          <p:nvPr/>
+        </p:nvCxnSpPr>
+        <p:spPr>
+          <a:xfrm flipV="1">
+            <a:off x="1931089" y="2747821"/>
+            <a:ext cx="983544" cy="37742"/>
+          </a:xfrm>
+          <a:prstGeom prst="straightConnector1">
+            <a:avLst/>
           </a:prstGeom>
           <a:ln>
-            <a:solidFill>
-              <a:schemeClr val="dk1"/>
-            </a:solidFill>
+            <a:tailEnd type="triangle"/>
           </a:ln>
         </p:spPr>
         <p:style>
-          <a:lnRef idx="2">
+          <a:lnRef idx="1">
             <a:schemeClr val="dk1"/>
           </a:lnRef>
-          <a:fillRef idx="1">
-            <a:schemeClr val="lt1"/>
+          <a:fillRef idx="0">
+            <a:schemeClr val="dk1"/>
           </a:fillRef>
           <a:effectRef idx="0">
             <a:schemeClr val="dk1"/>
           </a:effectRef>
           <a:fontRef idx="minor">
-            <a:schemeClr val="dk1"/>
+            <a:schemeClr val="tx1"/>
           </a:fontRef>
         </p:style>
-        <p:txBody>
-          <a:bodyPr lIns="0" tIns="0" rIns="0" bIns="0" rtlCol="0" anchor="ctr"/>
-          <a:lstStyle/>
-          <a:p>
-            <a:pPr algn="ctr"/>
-            <a:r>
-              <a:rPr lang="en-US" sz="1000" dirty="0"/>
-              <a:t>Region Aggregator</a:t>
-            </a:r>
-          </a:p>
-        </p:txBody>
-      </p:sp>
-      <p:sp>
-        <p:nvSpPr>
-          <p:cNvPr id="90" name="Rectangle 89">
-            <a:extLst>
-              <a:ext uri="{FF2B5EF4-FFF2-40B4-BE49-F238E27FC236}">
-                <a16:creationId xmlns:a16="http://schemas.microsoft.com/office/drawing/2014/main" id="{47B93F37-6BED-7842-BCB8-8257FA6836B8}"/>
+      </p:cxnSp>
+      <p:sp>
+        <p:nvSpPr>
+          <p:cNvPr id="190" name="Rectangle 189">
+            <a:extLst>
+              <a:ext uri="{FF2B5EF4-FFF2-40B4-BE49-F238E27FC236}">
+                <a16:creationId xmlns:a16="http://schemas.microsoft.com/office/drawing/2014/main" id="{FB33BE81-596F-4ED7-8BA5-7D14B454E0F9}"/>
               </a:ext>
             </a:extLst>
           </p:cNvPr>
@@ -5993,19 +6500,28 @@
         </p:nvSpPr>
         <p:spPr>
           <a:xfrm>
-            <a:off x="7896701" y="3577177"/>
-            <a:ext cx="3455224" cy="2750796"/>
+            <a:off x="4203858" y="2327448"/>
+            <a:ext cx="1516310" cy="1307692"/>
           </a:xfrm>
           <a:prstGeom prst="rect">
             <a:avLst/>
           </a:prstGeom>
-          <a:noFill/>
+          <a:solidFill>
+            <a:schemeClr val="bg1"/>
+          </a:solidFill>
           <a:ln w="12700">
             <a:solidFill>
-              <a:schemeClr val="tx1"/>
+              <a:srgbClr val="5B9CD5"/>
             </a:solidFill>
-            <a:prstDash val="solid"/>
+            <a:prstDash val="sysDash"/>
           </a:ln>
+          <a:effectLst>
+            <a:outerShdw blurRad="50800" dist="38100" dir="13500000" algn="br" rotWithShape="0">
+              <a:prstClr val="black">
+                <a:alpha val="40000"/>
+              </a:prstClr>
+            </a:outerShdw>
+          </a:effectLst>
         </p:spPr>
         <p:style>
           <a:lnRef idx="2">
@@ -6024,47 +6540,80 @@
           </a:fontRef>
         </p:style>
         <p:txBody>
-          <a:bodyPr rot="0" spcFirstLastPara="0" vertOverflow="overflow" horzOverflow="overflow" vert="horz" wrap="square" lIns="91440" tIns="91440" rIns="91440" bIns="45720" numCol="1" spcCol="0" rtlCol="0" fromWordArt="0" anchor="t" anchorCtr="0" forceAA="0" compatLnSpc="1">
-            <a:prstTxWarp prst="textNoShape">
-              <a:avLst/>
-            </a:prstTxWarp>
-            <a:noAutofit/>
-          </a:bodyPr>
+          <a:bodyPr lIns="502920" tIns="91440"/>
           <a:lstStyle/>
           <a:p>
-            <a:pPr algn="ctr"/>
-            <a:r>
-              <a:rPr lang="en-US" sz="1400" dirty="0">
+            <a:pPr eaLnBrk="1" fontAlgn="auto" hangingPunct="1">
+              <a:spcBef>
+                <a:spcPts val="0"/>
+              </a:spcBef>
+              <a:spcAft>
+                <a:spcPts val="0"/>
+              </a:spcAft>
+              <a:defRPr/>
+            </a:pPr>
+            <a:r>
+              <a:rPr lang="en-US" sz="1200" dirty="0">
                 <a:solidFill>
-                  <a:schemeClr val="tx1"/>
+                  <a:srgbClr val="5B9CD5"/>
                 </a:solidFill>
                 <a:latin typeface="Arial" panose="020B0604020202020204" pitchFamily="34" charset="0"/>
                 <a:cs typeface="Arial" panose="020B0604020202020204" pitchFamily="34" charset="0"/>
               </a:rPr>
-              <a:t>All Existing and Future </a:t>
-            </a:r>
-          </a:p>
-          <a:p>
-            <a:pPr algn="ctr"/>
-            <a:r>
-              <a:rPr lang="en-US" sz="1400" dirty="0">
-                <a:solidFill>
-                  <a:schemeClr val="tx1"/>
-                </a:solidFill>
-                <a:latin typeface="Arial" panose="020B0604020202020204" pitchFamily="34" charset="0"/>
-                <a:cs typeface="Arial" panose="020B0604020202020204" pitchFamily="34" charset="0"/>
-              </a:rPr>
-              <a:t>Organization Member Accounts</a:t>
-            </a:r>
-          </a:p>
-        </p:txBody>
-      </p:sp>
-      <p:sp>
-        <p:nvSpPr>
-          <p:cNvPr id="91" name="Oval 90">
-            <a:extLst>
-              <a:ext uri="{FF2B5EF4-FFF2-40B4-BE49-F238E27FC236}">
-                <a16:creationId xmlns:a16="http://schemas.microsoft.com/office/drawing/2014/main" id="{4F6D3A5E-6D06-304A-97F5-69FDBDFDA450}"/>
+              <a:t>Region n</a:t>
+            </a:r>
+          </a:p>
+        </p:txBody>
+      </p:sp>
+      <p:pic>
+        <p:nvPicPr>
+          <p:cNvPr id="191" name="Graphic 190">
+            <a:extLst>
+              <a:ext uri="{FF2B5EF4-FFF2-40B4-BE49-F238E27FC236}">
+                <a16:creationId xmlns:a16="http://schemas.microsoft.com/office/drawing/2014/main" id="{EFDD8BD0-DF38-40A5-9412-28008B82706B}"/>
+              </a:ext>
+            </a:extLst>
+          </p:cNvPr>
+          <p:cNvPicPr>
+            <a:picLocks noChangeAspect="1"/>
+          </p:cNvPicPr>
+          <p:nvPr/>
+        </p:nvPicPr>
+        <p:blipFill>
+          <a:blip r:embed="rId14">
+            <a:extLst>
+              <a:ext uri="{96DAC541-7B7A-43D3-8B79-37D633B846F1}">
+                <asvg:svgBlip xmlns:asvg="http://schemas.microsoft.com/office/drawing/2016/SVG/main" r:embed="rId15"/>
+              </a:ext>
+            </a:extLst>
+          </a:blip>
+          <a:stretch>
+            <a:fillRect/>
+          </a:stretch>
+        </p:blipFill>
+        <p:spPr>
+          <a:xfrm>
+            <a:off x="4194914" y="2329563"/>
+            <a:ext cx="442506" cy="391567"/>
+          </a:xfrm>
+          <a:prstGeom prst="rect">
+            <a:avLst/>
+          </a:prstGeom>
+          <a:effectLst>
+            <a:outerShdw blurRad="50800" dist="38100" dir="13500000" algn="br" rotWithShape="0">
+              <a:prstClr val="black">
+                <a:alpha val="40000"/>
+              </a:prstClr>
+            </a:outerShdw>
+          </a:effectLst>
+        </p:spPr>
+      </p:pic>
+      <p:sp>
+        <p:nvSpPr>
+          <p:cNvPr id="192" name="Rectangle 191">
+            <a:extLst>
+              <a:ext uri="{FF2B5EF4-FFF2-40B4-BE49-F238E27FC236}">
+                <a16:creationId xmlns:a16="http://schemas.microsoft.com/office/drawing/2014/main" id="{5D0C1D3A-93F6-4D63-8242-CDCC01A39BFA}"/>
               </a:ext>
             </a:extLst>
           </p:cNvPr>
@@ -6073,20 +6622,28 @@
         </p:nvSpPr>
         <p:spPr>
           <a:xfrm>
-            <a:off x="7923154" y="3599017"/>
-            <a:ext cx="253435" cy="212902"/>
-          </a:xfrm>
-          <a:prstGeom prst="ellipse">
+            <a:off x="4330861" y="2623785"/>
+            <a:ext cx="1521910" cy="1307692"/>
+          </a:xfrm>
+          <a:prstGeom prst="rect">
             <a:avLst/>
           </a:prstGeom>
           <a:solidFill>
-            <a:schemeClr val="tx1"/>
+            <a:schemeClr val="bg1"/>
           </a:solidFill>
-          <a:ln>
+          <a:ln w="12700">
             <a:solidFill>
-              <a:schemeClr val="tx1"/>
+              <a:srgbClr val="5B9CD5"/>
             </a:solidFill>
+            <a:prstDash val="sysDash"/>
           </a:ln>
+          <a:effectLst>
+            <a:outerShdw blurRad="50800" dist="38100" dir="13500000" algn="br" rotWithShape="0">
+              <a:prstClr val="black">
+                <a:alpha val="40000"/>
+              </a:prstClr>
+            </a:outerShdw>
+          </a:effectLst>
         </p:spPr>
         <p:style>
           <a:lnRef idx="2">
@@ -6105,23 +6662,80 @@
           </a:fontRef>
         </p:style>
         <p:txBody>
-          <a:bodyPr lIns="0" tIns="0" rIns="0" bIns="0" rtlCol="0" anchor="ctr"/>
+          <a:bodyPr lIns="502920" tIns="91440"/>
           <a:lstStyle/>
           <a:p>
-            <a:pPr algn="ctr"/>
-            <a:r>
-              <a:rPr lang="en-US" sz="800" dirty="0"/>
-              <a:t>3.0</a:t>
-            </a:r>
-          </a:p>
-        </p:txBody>
-      </p:sp>
-      <p:sp>
-        <p:nvSpPr>
-          <p:cNvPr id="92" name="Rectangle 91">
-            <a:extLst>
-              <a:ext uri="{FF2B5EF4-FFF2-40B4-BE49-F238E27FC236}">
-                <a16:creationId xmlns:a16="http://schemas.microsoft.com/office/drawing/2014/main" id="{00FDA628-A4EA-EB48-92B2-27CAC6AB8DD3}"/>
+            <a:pPr eaLnBrk="1" fontAlgn="auto" hangingPunct="1">
+              <a:spcBef>
+                <a:spcPts val="0"/>
+              </a:spcBef>
+              <a:spcAft>
+                <a:spcPts val="0"/>
+              </a:spcAft>
+              <a:defRPr/>
+            </a:pPr>
+            <a:r>
+              <a:rPr lang="en-US" sz="1200" dirty="0">
+                <a:solidFill>
+                  <a:srgbClr val="5B9CD5"/>
+                </a:solidFill>
+                <a:latin typeface="Arial" panose="020B0604020202020204" pitchFamily="34" charset="0"/>
+                <a:cs typeface="Arial" panose="020B0604020202020204" pitchFamily="34" charset="0"/>
+              </a:rPr>
+              <a:t>Region 2</a:t>
+            </a:r>
+          </a:p>
+        </p:txBody>
+      </p:sp>
+      <p:pic>
+        <p:nvPicPr>
+          <p:cNvPr id="193" name="Graphic 192">
+            <a:extLst>
+              <a:ext uri="{FF2B5EF4-FFF2-40B4-BE49-F238E27FC236}">
+                <a16:creationId xmlns:a16="http://schemas.microsoft.com/office/drawing/2014/main" id="{6A82A4C9-9C1A-4DCD-B28A-423A688D2C9B}"/>
+              </a:ext>
+            </a:extLst>
+          </p:cNvPr>
+          <p:cNvPicPr>
+            <a:picLocks noChangeAspect="1"/>
+          </p:cNvPicPr>
+          <p:nvPr/>
+        </p:nvPicPr>
+        <p:blipFill>
+          <a:blip r:embed="rId14">
+            <a:extLst>
+              <a:ext uri="{96DAC541-7B7A-43D3-8B79-37D633B846F1}">
+                <asvg:svgBlip xmlns:asvg="http://schemas.microsoft.com/office/drawing/2016/SVG/main" r:embed="rId15"/>
+              </a:ext>
+            </a:extLst>
+          </a:blip>
+          <a:stretch>
+            <a:fillRect/>
+          </a:stretch>
+        </p:blipFill>
+        <p:spPr>
+          <a:xfrm>
+            <a:off x="4331444" y="2617672"/>
+            <a:ext cx="442506" cy="391567"/>
+          </a:xfrm>
+          <a:prstGeom prst="rect">
+            <a:avLst/>
+          </a:prstGeom>
+          <a:effectLst>
+            <a:outerShdw blurRad="50800" dist="38100" dir="13500000" algn="br" rotWithShape="0">
+              <a:prstClr val="black">
+                <a:alpha val="40000"/>
+              </a:prstClr>
+            </a:outerShdw>
+          </a:effectLst>
+        </p:spPr>
+      </p:pic>
+      <p:sp>
+        <p:nvSpPr>
+          <p:cNvPr id="194" name="Rectangle 193">
+            <a:extLst>
+              <a:ext uri="{FF2B5EF4-FFF2-40B4-BE49-F238E27FC236}">
+                <a16:creationId xmlns:a16="http://schemas.microsoft.com/office/drawing/2014/main" id="{89250F46-02BD-423F-84EF-A41C2A810235}"/>
               </a:ext>
             </a:extLst>
           </p:cNvPr>
@@ -6130,19 +6744,28 @@
         </p:nvSpPr>
         <p:spPr>
           <a:xfrm>
-            <a:off x="7995097" y="4185150"/>
-            <a:ext cx="3260622" cy="1997165"/>
+            <a:off x="4450044" y="2930111"/>
+            <a:ext cx="1523440" cy="1307692"/>
           </a:xfrm>
           <a:prstGeom prst="rect">
             <a:avLst/>
           </a:prstGeom>
-          <a:noFill/>
+          <a:solidFill>
+            <a:schemeClr val="bg1"/>
+          </a:solidFill>
           <a:ln w="12700">
             <a:solidFill>
-              <a:schemeClr val="tx1"/>
+              <a:srgbClr val="5B9CD5"/>
             </a:solidFill>
-            <a:prstDash val="dash"/>
+            <a:prstDash val="sysDash"/>
           </a:ln>
+          <a:effectLst>
+            <a:outerShdw blurRad="50800" dist="38100" dir="13500000" algn="br" rotWithShape="0">
+              <a:prstClr val="black">
+                <a:alpha val="40000"/>
+              </a:prstClr>
+            </a:outerShdw>
+          </a:effectLst>
         </p:spPr>
         <p:style>
           <a:lnRef idx="2">
@@ -6161,70 +6784,37 @@
           </a:fontRef>
         </p:style>
         <p:txBody>
-          <a:bodyPr rot="0" spcFirstLastPara="0" vertOverflow="overflow" horzOverflow="overflow" vert="horz" wrap="square" lIns="91440" tIns="0" rIns="91440" bIns="45720" numCol="1" spcCol="0" rtlCol="0" fromWordArt="0" anchor="t" anchorCtr="0" forceAA="0" compatLnSpc="1">
-            <a:prstTxWarp prst="textNoShape">
-              <a:avLst/>
-            </a:prstTxWarp>
-            <a:noAutofit/>
-          </a:bodyPr>
+          <a:bodyPr lIns="502920" tIns="91440"/>
           <a:lstStyle/>
           <a:p>
-            <a:r>
-              <a:rPr lang="en-US" sz="1200" b="1" dirty="0">
+            <a:pPr eaLnBrk="1" fontAlgn="auto" hangingPunct="1">
+              <a:spcBef>
+                <a:spcPts val="0"/>
+              </a:spcBef>
+              <a:spcAft>
+                <a:spcPts val="0"/>
+              </a:spcAft>
+              <a:defRPr/>
+            </a:pPr>
+            <a:r>
+              <a:rPr lang="en-US" sz="1200" dirty="0">
                 <a:solidFill>
-                  <a:schemeClr val="tx1"/>
+                  <a:srgbClr val="5B9CD5"/>
                 </a:solidFill>
-              </a:rPr>
-              <a:t>Home-region</a:t>
-            </a:r>
-          </a:p>
-        </p:txBody>
-      </p:sp>
-      <p:sp>
-        <p:nvSpPr>
-          <p:cNvPr id="93" name="TextBox 92">
-            <a:extLst>
-              <a:ext uri="{FF2B5EF4-FFF2-40B4-BE49-F238E27FC236}">
-                <a16:creationId xmlns:a16="http://schemas.microsoft.com/office/drawing/2014/main" id="{CDCCCE1E-DD4E-3D4B-BE03-47129D861225}"/>
-              </a:ext>
-            </a:extLst>
-          </p:cNvPr>
-          <p:cNvSpPr txBox="1"/>
-          <p:nvPr/>
-        </p:nvSpPr>
-        <p:spPr>
-          <a:xfrm>
-            <a:off x="8176490" y="4922992"/>
-            <a:ext cx="1209667" cy="430887"/>
-          </a:xfrm>
-          <a:prstGeom prst="rect">
-            <a:avLst/>
-          </a:prstGeom>
-          <a:noFill/>
-        </p:spPr>
-        <p:txBody>
-          <a:bodyPr wrap="square" rtlCol="0">
-            <a:spAutoFit/>
-          </a:bodyPr>
-          <a:lstStyle/>
-          <a:p>
-            <a:pPr algn="ctr"/>
-            <a:r>
-              <a:rPr lang="en-US" sz="1100" dirty="0">
                 <a:latin typeface="Arial" panose="020B0604020202020204" pitchFamily="34" charset="0"/>
                 <a:cs typeface="Arial" panose="020B0604020202020204" pitchFamily="34" charset="0"/>
               </a:rPr>
-              <a:t>AWS CloudFormation</a:t>
+              <a:t>Region 1</a:t>
             </a:r>
           </a:p>
         </p:txBody>
       </p:sp>
       <p:pic>
         <p:nvPicPr>
-          <p:cNvPr id="94" name="Graphic 93">
-            <a:extLst>
-              <a:ext uri="{FF2B5EF4-FFF2-40B4-BE49-F238E27FC236}">
-                <a16:creationId xmlns:a16="http://schemas.microsoft.com/office/drawing/2014/main" id="{31D7640F-4E48-1D4E-B8F0-CC6DBC330519}"/>
+          <p:cNvPr id="195" name="Graphic 194">
+            <a:extLst>
+              <a:ext uri="{FF2B5EF4-FFF2-40B4-BE49-F238E27FC236}">
+                <a16:creationId xmlns:a16="http://schemas.microsoft.com/office/drawing/2014/main" id="{A67566A0-854E-4B0C-805B-1612CF1B700A}"/>
               </a:ext>
             </a:extLst>
           </p:cNvPr>
@@ -6234,10 +6824,10 @@
           <p:nvPr/>
         </p:nvPicPr>
         <p:blipFill>
-          <a:blip r:embed="rId5">
+          <a:blip r:embed="rId14">
             <a:extLst>
               <a:ext uri="{96DAC541-7B7A-43D3-8B79-37D633B846F1}">
-                <asvg:svgBlip xmlns:asvg="http://schemas.microsoft.com/office/drawing/2016/SVG/main" r:embed="rId6"/>
+                <asvg:svgBlip xmlns:asvg="http://schemas.microsoft.com/office/drawing/2016/SVG/main" r:embed="rId15"/>
               </a:ext>
             </a:extLst>
           </a:blip>
@@ -6247,92 +6837,91 @@
         </p:blipFill>
         <p:spPr>
           <a:xfrm>
-            <a:off x="8555831" y="4469389"/>
-            <a:ext cx="457200" cy="457200"/>
+            <a:off x="4441100" y="2923759"/>
+            <a:ext cx="442506" cy="391567"/>
           </a:xfrm>
           <a:prstGeom prst="rect">
             <a:avLst/>
           </a:prstGeom>
+          <a:effectLst>
+            <a:outerShdw blurRad="50800" dist="38100" dir="13500000" algn="br" rotWithShape="0">
+              <a:prstClr val="black">
+                <a:alpha val="40000"/>
+              </a:prstClr>
+            </a:outerShdw>
+          </a:effectLst>
         </p:spPr>
       </p:pic>
       <p:sp>
         <p:nvSpPr>
-          <p:cNvPr id="95" name="Oval 94">
-            <a:extLst>
-              <a:ext uri="{FF2B5EF4-FFF2-40B4-BE49-F238E27FC236}">
-                <a16:creationId xmlns:a16="http://schemas.microsoft.com/office/drawing/2014/main" id="{AD4975BB-DD6D-C54E-B125-5B4B36BCF8AC}"/>
-              </a:ext>
-            </a:extLst>
-          </p:cNvPr>
-          <p:cNvSpPr/>
-          <p:nvPr/>
-        </p:nvSpPr>
-        <p:spPr>
-          <a:xfrm>
-            <a:off x="8571057" y="4477896"/>
-            <a:ext cx="253435" cy="212902"/>
-          </a:xfrm>
-          <a:prstGeom prst="ellipse">
-            <a:avLst/>
-          </a:prstGeom>
-          <a:solidFill>
-            <a:schemeClr val="tx1"/>
-          </a:solidFill>
-          <a:ln>
-            <a:solidFill>
-              <a:schemeClr val="tx1"/>
-            </a:solidFill>
-          </a:ln>
-        </p:spPr>
-        <p:style>
-          <a:lnRef idx="2">
-            <a:schemeClr val="accent1">
-              <a:shade val="50000"/>
-            </a:schemeClr>
-          </a:lnRef>
-          <a:fillRef idx="1">
-            <a:schemeClr val="accent1"/>
-          </a:fillRef>
-          <a:effectRef idx="0">
-            <a:schemeClr val="accent1"/>
-          </a:effectRef>
-          <a:fontRef idx="minor">
-            <a:schemeClr val="lt1"/>
-          </a:fontRef>
-        </p:style>
-        <p:txBody>
-          <a:bodyPr lIns="0" tIns="0" rIns="0" bIns="0" rtlCol="0" anchor="ctr"/>
+          <p:cNvPr id="196" name="TextBox 195">
+            <a:extLst>
+              <a:ext uri="{FF2B5EF4-FFF2-40B4-BE49-F238E27FC236}">
+                <a16:creationId xmlns:a16="http://schemas.microsoft.com/office/drawing/2014/main" id="{316B2C13-60B9-4027-82B6-A1AD81AFA44A}"/>
+              </a:ext>
+            </a:extLst>
+          </p:cNvPr>
+          <p:cNvSpPr txBox="1"/>
+          <p:nvPr/>
+        </p:nvSpPr>
+        <p:spPr>
+          <a:xfrm>
+            <a:off x="4330861" y="3780188"/>
+            <a:ext cx="1617142" cy="261610"/>
+          </a:xfrm>
+          <a:prstGeom prst="rect">
+            <a:avLst/>
+          </a:prstGeom>
+          <a:noFill/>
+        </p:spPr>
+        <p:txBody>
+          <a:bodyPr wrap="square" rtlCol="0">
+            <a:spAutoFit/>
+          </a:bodyPr>
           <a:lstStyle/>
           <a:p>
             <a:pPr algn="ctr"/>
             <a:r>
-              <a:rPr lang="en-US" sz="800" dirty="0">
+              <a:rPr lang="en-US" sz="1100" dirty="0">
                 <a:latin typeface="Arial" panose="020B0604020202020204" pitchFamily="34" charset="0"/>
                 <a:cs typeface="Arial" panose="020B0604020202020204" pitchFamily="34" charset="0"/>
               </a:rPr>
-              <a:t>3.1</a:t>
-            </a:r>
-          </a:p>
-        </p:txBody>
-      </p:sp>
-      <p:sp>
-        <p:nvSpPr>
-          <p:cNvPr id="96" name="TextBox 29">
-            <a:extLst>
-              <a:ext uri="{FF2B5EF4-FFF2-40B4-BE49-F238E27FC236}">
-                <a16:creationId xmlns:a16="http://schemas.microsoft.com/office/drawing/2014/main" id="{C618E77E-F039-1E4A-96DB-E5F160FF919B}"/>
-              </a:ext>
-            </a:extLst>
-          </p:cNvPr>
-          <p:cNvSpPr txBox="1">
-            <a:spLocks noChangeArrowheads="1"/>
-          </p:cNvSpPr>
-          <p:nvPr/>
-        </p:nvSpPr>
+              <a:t>Security Hub</a:t>
+            </a:r>
+          </a:p>
+        </p:txBody>
+      </p:sp>
+      <p:pic>
+        <p:nvPicPr>
+          <p:cNvPr id="202" name="Graphic 19">
+            <a:extLst>
+              <a:ext uri="{FF2B5EF4-FFF2-40B4-BE49-F238E27FC236}">
+                <a16:creationId xmlns:a16="http://schemas.microsoft.com/office/drawing/2014/main" id="{9E6E3A23-9546-42D3-81F6-D572342B9FA2}"/>
+              </a:ext>
+            </a:extLst>
+          </p:cNvPr>
+          <p:cNvPicPr>
+            <a:picLocks noChangeAspect="1" noChangeArrowheads="1"/>
+          </p:cNvPicPr>
+          <p:nvPr/>
+        </p:nvPicPr>
+        <p:blipFill>
+          <a:blip r:embed="rId19">
+            <a:extLst>
+              <a:ext uri="{28A0092B-C50C-407E-A947-70E740481C1C}">
+                <a14:useLocalDpi xmlns:a14="http://schemas.microsoft.com/office/drawing/2010/main"/>
+              </a:ext>
+            </a:extLst>
+          </a:blip>
+          <a:srcRect/>
+          <a:stretch>
+            <a:fillRect/>
+          </a:stretch>
+        </p:blipFill>
         <p:spPr bwMode="auto">
           <a:xfrm>
-            <a:off x="8295095" y="5683869"/>
-            <a:ext cx="1062976" cy="430887"/>
+            <a:off x="4910766" y="3355357"/>
+            <a:ext cx="457200" cy="457200"/>
           </a:xfrm>
           <a:prstGeom prst="rect">
             <a:avLst/>
@@ -6361,108 +6950,866 @@
             </a:ext>
           </a:extLst>
         </p:spPr>
-        <p:txBody>
-          <a:bodyPr wrap="square">
+      </p:pic>
+      <p:sp>
+        <p:nvSpPr>
+          <p:cNvPr id="198" name="Oval 197">
+            <a:extLst>
+              <a:ext uri="{FF2B5EF4-FFF2-40B4-BE49-F238E27FC236}">
+                <a16:creationId xmlns:a16="http://schemas.microsoft.com/office/drawing/2014/main" id="{6D6165D5-B9D1-4991-AA75-68D53C2CDFA7}"/>
+              </a:ext>
+            </a:extLst>
+          </p:cNvPr>
+          <p:cNvSpPr/>
+          <p:nvPr/>
+        </p:nvSpPr>
+        <p:spPr>
+          <a:xfrm>
+            <a:off x="5266328" y="3240906"/>
+            <a:ext cx="253435" cy="212902"/>
+          </a:xfrm>
+          <a:prstGeom prst="ellipse">
+            <a:avLst/>
+          </a:prstGeom>
+          <a:solidFill>
+            <a:schemeClr val="tx1"/>
+          </a:solidFill>
+          <a:ln>
+            <a:solidFill>
+              <a:schemeClr val="tx1"/>
+            </a:solidFill>
+          </a:ln>
+        </p:spPr>
+        <p:style>
+          <a:lnRef idx="2">
+            <a:schemeClr val="accent1">
+              <a:shade val="50000"/>
+            </a:schemeClr>
+          </a:lnRef>
+          <a:fillRef idx="1">
+            <a:schemeClr val="accent1"/>
+          </a:fillRef>
+          <a:effectRef idx="0">
+            <a:schemeClr val="accent1"/>
+          </a:effectRef>
+          <a:fontRef idx="minor">
+            <a:schemeClr val="lt1"/>
+          </a:fontRef>
+        </p:style>
+        <p:txBody>
+          <a:bodyPr lIns="0" tIns="0" rIns="0" bIns="0" rtlCol="0" anchor="ctr"/>
+          <a:lstStyle/>
+          <a:p>
+            <a:pPr algn="ctr"/>
+            <a:r>
+              <a:rPr lang="en-US" sz="700" dirty="0">
+                <a:latin typeface="Arial" panose="020B0604020202020204" pitchFamily="34" charset="0"/>
+                <a:cs typeface="Arial" panose="020B0604020202020204" pitchFamily="34" charset="0"/>
+              </a:rPr>
+              <a:t>1.10</a:t>
+            </a:r>
+          </a:p>
+        </p:txBody>
+      </p:sp>
+      <p:sp>
+        <p:nvSpPr>
+          <p:cNvPr id="203" name="Rectangle 202">
+            <a:extLst>
+              <a:ext uri="{FF2B5EF4-FFF2-40B4-BE49-F238E27FC236}">
+                <a16:creationId xmlns:a16="http://schemas.microsoft.com/office/drawing/2014/main" id="{0C7341F0-D9E9-4E22-9FDA-AEDD18FEC77A}"/>
+              </a:ext>
+            </a:extLst>
+          </p:cNvPr>
+          <p:cNvSpPr/>
+          <p:nvPr/>
+        </p:nvSpPr>
+        <p:spPr>
+          <a:xfrm>
+            <a:off x="10313256" y="1386481"/>
+            <a:ext cx="1275435" cy="1307692"/>
+          </a:xfrm>
+          <a:prstGeom prst="rect">
+            <a:avLst/>
+          </a:prstGeom>
+          <a:solidFill>
+            <a:schemeClr val="bg1"/>
+          </a:solidFill>
+          <a:ln w="12700">
+            <a:solidFill>
+              <a:srgbClr val="5B9CD5"/>
+            </a:solidFill>
+            <a:prstDash val="sysDash"/>
+          </a:ln>
+          <a:effectLst>
+            <a:outerShdw blurRad="50800" dist="38100" dir="13500000" algn="br" rotWithShape="0">
+              <a:prstClr val="black">
+                <a:alpha val="40000"/>
+              </a:prstClr>
+            </a:outerShdw>
+          </a:effectLst>
+        </p:spPr>
+        <p:style>
+          <a:lnRef idx="2">
+            <a:schemeClr val="accent1">
+              <a:shade val="50000"/>
+            </a:schemeClr>
+          </a:lnRef>
+          <a:fillRef idx="1">
+            <a:schemeClr val="accent1"/>
+          </a:fillRef>
+          <a:effectRef idx="0">
+            <a:schemeClr val="accent1"/>
+          </a:effectRef>
+          <a:fontRef idx="minor">
+            <a:schemeClr val="lt1"/>
+          </a:fontRef>
+        </p:style>
+        <p:txBody>
+          <a:bodyPr lIns="502920" tIns="91440"/>
+          <a:lstStyle/>
+          <a:p>
+            <a:pPr eaLnBrk="1" fontAlgn="auto" hangingPunct="1">
+              <a:spcBef>
+                <a:spcPts val="0"/>
+              </a:spcBef>
+              <a:spcAft>
+                <a:spcPts val="0"/>
+              </a:spcAft>
+              <a:defRPr/>
+            </a:pPr>
+            <a:r>
+              <a:rPr lang="en-US" sz="1200" dirty="0">
+                <a:solidFill>
+                  <a:srgbClr val="5B9CD5"/>
+                </a:solidFill>
+                <a:latin typeface="Arial" panose="020B0604020202020204" pitchFamily="34" charset="0"/>
+                <a:cs typeface="Arial" panose="020B0604020202020204" pitchFamily="34" charset="0"/>
+              </a:rPr>
+              <a:t>Region n</a:t>
+            </a:r>
+          </a:p>
+        </p:txBody>
+      </p:sp>
+      <p:pic>
+        <p:nvPicPr>
+          <p:cNvPr id="204" name="Graphic 203">
+            <a:extLst>
+              <a:ext uri="{FF2B5EF4-FFF2-40B4-BE49-F238E27FC236}">
+                <a16:creationId xmlns:a16="http://schemas.microsoft.com/office/drawing/2014/main" id="{0ACF6319-1BDA-4DD7-ADCF-06F76CD39D99}"/>
+              </a:ext>
+            </a:extLst>
+          </p:cNvPr>
+          <p:cNvPicPr>
+            <a:picLocks noChangeAspect="1"/>
+          </p:cNvPicPr>
+          <p:nvPr/>
+        </p:nvPicPr>
+        <p:blipFill>
+          <a:blip r:embed="rId14">
+            <a:extLst>
+              <a:ext uri="{96DAC541-7B7A-43D3-8B79-37D633B846F1}">
+                <asvg:svgBlip xmlns:asvg="http://schemas.microsoft.com/office/drawing/2016/SVG/main" r:embed="rId15"/>
+              </a:ext>
+            </a:extLst>
+          </a:blip>
+          <a:stretch>
+            <a:fillRect/>
+          </a:stretch>
+        </p:blipFill>
+        <p:spPr>
+          <a:xfrm>
+            <a:off x="10309076" y="1380129"/>
+            <a:ext cx="442506" cy="391567"/>
+          </a:xfrm>
+          <a:prstGeom prst="rect">
+            <a:avLst/>
+          </a:prstGeom>
+          <a:effectLst>
+            <a:outerShdw blurRad="50800" dist="38100" dir="13500000" algn="br" rotWithShape="0">
+              <a:prstClr val="black">
+                <a:alpha val="40000"/>
+              </a:prstClr>
+            </a:outerShdw>
+          </a:effectLst>
+        </p:spPr>
+      </p:pic>
+      <p:sp>
+        <p:nvSpPr>
+          <p:cNvPr id="205" name="Rectangle 204">
+            <a:extLst>
+              <a:ext uri="{FF2B5EF4-FFF2-40B4-BE49-F238E27FC236}">
+                <a16:creationId xmlns:a16="http://schemas.microsoft.com/office/drawing/2014/main" id="{07406336-918D-4B31-8DF3-7BD86137B01B}"/>
+              </a:ext>
+            </a:extLst>
+          </p:cNvPr>
+          <p:cNvSpPr/>
+          <p:nvPr/>
+        </p:nvSpPr>
+        <p:spPr>
+          <a:xfrm>
+            <a:off x="10440261" y="1699444"/>
+            <a:ext cx="1237614" cy="1307692"/>
+          </a:xfrm>
+          <a:prstGeom prst="rect">
+            <a:avLst/>
+          </a:prstGeom>
+          <a:solidFill>
+            <a:schemeClr val="bg1"/>
+          </a:solidFill>
+          <a:ln w="12700">
+            <a:solidFill>
+              <a:srgbClr val="5B9CD5"/>
+            </a:solidFill>
+            <a:prstDash val="sysDash"/>
+          </a:ln>
+          <a:effectLst>
+            <a:outerShdw blurRad="50800" dist="38100" dir="13500000" algn="br" rotWithShape="0">
+              <a:prstClr val="black">
+                <a:alpha val="40000"/>
+              </a:prstClr>
+            </a:outerShdw>
+          </a:effectLst>
+        </p:spPr>
+        <p:style>
+          <a:lnRef idx="2">
+            <a:schemeClr val="accent1">
+              <a:shade val="50000"/>
+            </a:schemeClr>
+          </a:lnRef>
+          <a:fillRef idx="1">
+            <a:schemeClr val="accent1"/>
+          </a:fillRef>
+          <a:effectRef idx="0">
+            <a:schemeClr val="accent1"/>
+          </a:effectRef>
+          <a:fontRef idx="minor">
+            <a:schemeClr val="lt1"/>
+          </a:fontRef>
+        </p:style>
+        <p:txBody>
+          <a:bodyPr lIns="502920" tIns="91440"/>
+          <a:lstStyle/>
+          <a:p>
+            <a:pPr eaLnBrk="1" fontAlgn="auto" hangingPunct="1">
+              <a:spcBef>
+                <a:spcPts val="0"/>
+              </a:spcBef>
+              <a:spcAft>
+                <a:spcPts val="0"/>
+              </a:spcAft>
+              <a:defRPr/>
+            </a:pPr>
+            <a:r>
+              <a:rPr lang="en-US" sz="1200" dirty="0">
+                <a:solidFill>
+                  <a:srgbClr val="5B9CD5"/>
+                </a:solidFill>
+                <a:latin typeface="Arial" panose="020B0604020202020204" pitchFamily="34" charset="0"/>
+                <a:cs typeface="Arial" panose="020B0604020202020204" pitchFamily="34" charset="0"/>
+              </a:rPr>
+              <a:t>Region 2</a:t>
+            </a:r>
+          </a:p>
+        </p:txBody>
+      </p:sp>
+      <p:sp>
+        <p:nvSpPr>
+          <p:cNvPr id="206" name="Rectangle 205">
+            <a:extLst>
+              <a:ext uri="{FF2B5EF4-FFF2-40B4-BE49-F238E27FC236}">
+                <a16:creationId xmlns:a16="http://schemas.microsoft.com/office/drawing/2014/main" id="{1037C40E-DC39-4D3B-B81E-28A322956D5E}"/>
+              </a:ext>
+            </a:extLst>
+          </p:cNvPr>
+          <p:cNvSpPr/>
+          <p:nvPr/>
+        </p:nvSpPr>
+        <p:spPr>
+          <a:xfrm>
+            <a:off x="8379488" y="641245"/>
+            <a:ext cx="3444201" cy="2574151"/>
+          </a:xfrm>
+          <a:prstGeom prst="rect">
+            <a:avLst/>
+          </a:prstGeom>
+          <a:noFill/>
+          <a:ln w="12700">
+            <a:solidFill>
+              <a:srgbClr val="5B9CD5"/>
+            </a:solidFill>
+            <a:prstDash val="sysDash"/>
+          </a:ln>
+        </p:spPr>
+        <p:style>
+          <a:lnRef idx="2">
+            <a:schemeClr val="accent1">
+              <a:shade val="50000"/>
+            </a:schemeClr>
+          </a:lnRef>
+          <a:fillRef idx="1">
+            <a:schemeClr val="accent1"/>
+          </a:fillRef>
+          <a:effectRef idx="0">
+            <a:schemeClr val="accent1"/>
+          </a:effectRef>
+          <a:fontRef idx="minor">
+            <a:schemeClr val="lt1"/>
+          </a:fontRef>
+        </p:style>
+        <p:txBody>
+          <a:bodyPr lIns="502920" tIns="91440"/>
+          <a:lstStyle/>
+          <a:p>
+            <a:pPr eaLnBrk="1" fontAlgn="auto" hangingPunct="1">
+              <a:spcBef>
+                <a:spcPts val="0"/>
+              </a:spcBef>
+              <a:spcAft>
+                <a:spcPts val="0"/>
+              </a:spcAft>
+              <a:defRPr/>
+            </a:pPr>
+            <a:r>
+              <a:rPr lang="en-US" sz="1200" dirty="0">
+                <a:solidFill>
+                  <a:srgbClr val="5B9CD5"/>
+                </a:solidFill>
+                <a:latin typeface="Arial" panose="020B0604020202020204" pitchFamily="34" charset="0"/>
+                <a:cs typeface="Arial" panose="020B0604020202020204" pitchFamily="34" charset="0"/>
+              </a:rPr>
+              <a:t>Home Region</a:t>
+            </a:r>
+          </a:p>
+        </p:txBody>
+      </p:sp>
+      <p:pic>
+        <p:nvPicPr>
+          <p:cNvPr id="207" name="Graphic 206">
+            <a:extLst>
+              <a:ext uri="{FF2B5EF4-FFF2-40B4-BE49-F238E27FC236}">
+                <a16:creationId xmlns:a16="http://schemas.microsoft.com/office/drawing/2014/main" id="{87920BCE-77A0-48C5-9935-18FEF0BE01B5}"/>
+              </a:ext>
+            </a:extLst>
+          </p:cNvPr>
+          <p:cNvPicPr>
+            <a:picLocks noChangeAspect="1"/>
+          </p:cNvPicPr>
+          <p:nvPr/>
+        </p:nvPicPr>
+        <p:blipFill>
+          <a:blip r:embed="rId14">
+            <a:extLst>
+              <a:ext uri="{96DAC541-7B7A-43D3-8B79-37D633B846F1}">
+                <asvg:svgBlip xmlns:asvg="http://schemas.microsoft.com/office/drawing/2016/SVG/main" r:embed="rId15"/>
+              </a:ext>
+            </a:extLst>
+          </a:blip>
+          <a:stretch>
+            <a:fillRect/>
+          </a:stretch>
+        </p:blipFill>
+        <p:spPr>
+          <a:xfrm>
+            <a:off x="8382130" y="635823"/>
+            <a:ext cx="391567" cy="391567"/>
+          </a:xfrm>
+          <a:prstGeom prst="rect">
+            <a:avLst/>
+          </a:prstGeom>
+        </p:spPr>
+      </p:pic>
+      <p:sp>
+        <p:nvSpPr>
+          <p:cNvPr id="208" name="Rectangle 207">
+            <a:extLst>
+              <a:ext uri="{FF2B5EF4-FFF2-40B4-BE49-F238E27FC236}">
+                <a16:creationId xmlns:a16="http://schemas.microsoft.com/office/drawing/2014/main" id="{6DD09EAF-9350-4737-B91E-6243882023D0}"/>
+              </a:ext>
+            </a:extLst>
+          </p:cNvPr>
+          <p:cNvSpPr/>
+          <p:nvPr/>
+        </p:nvSpPr>
+        <p:spPr>
+          <a:xfrm>
+            <a:off x="6985247" y="240970"/>
+            <a:ext cx="4925059" cy="3102316"/>
+          </a:xfrm>
+          <a:prstGeom prst="rect">
+            <a:avLst/>
+          </a:prstGeom>
+          <a:noFill/>
+          <a:ln w="12700">
+            <a:solidFill>
+              <a:srgbClr val="CD2264"/>
+            </a:solidFill>
+          </a:ln>
+        </p:spPr>
+        <p:style>
+          <a:lnRef idx="2">
+            <a:schemeClr val="accent1">
+              <a:shade val="50000"/>
+            </a:schemeClr>
+          </a:lnRef>
+          <a:fillRef idx="1">
+            <a:schemeClr val="accent1"/>
+          </a:fillRef>
+          <a:effectRef idx="0">
+            <a:schemeClr val="accent1"/>
+          </a:effectRef>
+          <a:fontRef idx="minor">
+            <a:schemeClr val="lt1"/>
+          </a:fontRef>
+        </p:style>
+        <p:txBody>
+          <a:bodyPr lIns="502920" tIns="91440"/>
+          <a:lstStyle/>
+          <a:p>
+            <a:pPr eaLnBrk="1" fontAlgn="auto" hangingPunct="1">
+              <a:spcBef>
+                <a:spcPts val="0"/>
+              </a:spcBef>
+              <a:spcAft>
+                <a:spcPts val="0"/>
+              </a:spcAft>
+              <a:defRPr/>
+            </a:pPr>
+            <a:r>
+              <a:rPr lang="en-US" sz="1200" dirty="0">
+                <a:solidFill>
+                  <a:srgbClr val="CD2264"/>
+                </a:solidFill>
+                <a:latin typeface="Arial" panose="020B0604020202020204" pitchFamily="34" charset="0"/>
+                <a:cs typeface="Arial" panose="020B0604020202020204" pitchFamily="34" charset="0"/>
+              </a:rPr>
+              <a:t>Audit Account</a:t>
+            </a:r>
+          </a:p>
+        </p:txBody>
+      </p:sp>
+      <p:pic>
+        <p:nvPicPr>
+          <p:cNvPr id="209" name="Graphic 208">
+            <a:extLst>
+              <a:ext uri="{FF2B5EF4-FFF2-40B4-BE49-F238E27FC236}">
+                <a16:creationId xmlns:a16="http://schemas.microsoft.com/office/drawing/2014/main" id="{51402323-0603-417E-93FD-C7785FA48EE1}"/>
+              </a:ext>
+            </a:extLst>
+          </p:cNvPr>
+          <p:cNvPicPr>
+            <a:picLocks noChangeAspect="1"/>
+          </p:cNvPicPr>
+          <p:nvPr/>
+        </p:nvPicPr>
+        <p:blipFill>
+          <a:blip r:embed="rId7">
+            <a:extLst>
+              <a:ext uri="{96DAC541-7B7A-43D3-8B79-37D633B846F1}">
+                <asvg:svgBlip xmlns:asvg="http://schemas.microsoft.com/office/drawing/2016/SVG/main" r:embed="rId8"/>
+              </a:ext>
+            </a:extLst>
+          </a:blip>
+          <a:stretch>
+            <a:fillRect/>
+          </a:stretch>
+        </p:blipFill>
+        <p:spPr>
+          <a:xfrm>
+            <a:off x="6985246" y="245364"/>
+            <a:ext cx="381000" cy="381000"/>
+          </a:xfrm>
+          <a:prstGeom prst="rect">
+            <a:avLst/>
+          </a:prstGeom>
+        </p:spPr>
+      </p:pic>
+      <p:sp>
+        <p:nvSpPr>
+          <p:cNvPr id="210" name="Oval 209">
+            <a:extLst>
+              <a:ext uri="{FF2B5EF4-FFF2-40B4-BE49-F238E27FC236}">
+                <a16:creationId xmlns:a16="http://schemas.microsoft.com/office/drawing/2014/main" id="{BD9A4F5F-C5C1-4658-A084-721674E8CE5F}"/>
+              </a:ext>
+            </a:extLst>
+          </p:cNvPr>
+          <p:cNvSpPr/>
+          <p:nvPr/>
+        </p:nvSpPr>
+        <p:spPr>
+          <a:xfrm>
+            <a:off x="7049028" y="581822"/>
+            <a:ext cx="253435" cy="212902"/>
+          </a:xfrm>
+          <a:prstGeom prst="ellipse">
+            <a:avLst/>
+          </a:prstGeom>
+          <a:solidFill>
+            <a:schemeClr val="tx1"/>
+          </a:solidFill>
+          <a:ln>
+            <a:solidFill>
+              <a:schemeClr val="tx1"/>
+            </a:solidFill>
+          </a:ln>
+        </p:spPr>
+        <p:style>
+          <a:lnRef idx="2">
+            <a:schemeClr val="accent1">
+              <a:shade val="50000"/>
+            </a:schemeClr>
+          </a:lnRef>
+          <a:fillRef idx="1">
+            <a:schemeClr val="accent1"/>
+          </a:fillRef>
+          <a:effectRef idx="0">
+            <a:schemeClr val="accent1"/>
+          </a:effectRef>
+          <a:fontRef idx="minor">
+            <a:schemeClr val="lt1"/>
+          </a:fontRef>
+        </p:style>
+        <p:txBody>
+          <a:bodyPr lIns="0" tIns="0" rIns="0" bIns="0" rtlCol="0" anchor="ctr"/>
+          <a:lstStyle/>
+          <a:p>
+            <a:pPr algn="ctr"/>
+            <a:r>
+              <a:rPr lang="en-US" sz="800" dirty="0">
+                <a:latin typeface="Arial" panose="020B0604020202020204" pitchFamily="34" charset="0"/>
+                <a:cs typeface="Arial" panose="020B0604020202020204" pitchFamily="34" charset="0"/>
+              </a:rPr>
+              <a:t>2.0</a:t>
+            </a:r>
+          </a:p>
+        </p:txBody>
+      </p:sp>
+      <p:sp>
+        <p:nvSpPr>
+          <p:cNvPr id="211" name="TextBox 210">
+            <a:extLst>
+              <a:ext uri="{FF2B5EF4-FFF2-40B4-BE49-F238E27FC236}">
+                <a16:creationId xmlns:a16="http://schemas.microsoft.com/office/drawing/2014/main" id="{801049E0-3218-41E0-8B9B-2A15FDE91F69}"/>
+              </a:ext>
+            </a:extLst>
+          </p:cNvPr>
+          <p:cNvSpPr txBox="1"/>
+          <p:nvPr/>
+        </p:nvSpPr>
+        <p:spPr>
+          <a:xfrm>
+            <a:off x="8336303" y="1806165"/>
+            <a:ext cx="1233913" cy="430887"/>
+          </a:xfrm>
+          <a:prstGeom prst="rect">
+            <a:avLst/>
+          </a:prstGeom>
+          <a:noFill/>
+        </p:spPr>
+        <p:txBody>
+          <a:bodyPr wrap="square" rtlCol="0">
             <a:spAutoFit/>
           </a:bodyPr>
-          <a:lstStyle>
-            <a:lvl1pPr>
-              <a:defRPr>
-                <a:solidFill>
-                  <a:schemeClr val="tx1"/>
-                </a:solidFill>
-                <a:latin typeface="Calibri" panose="020F0502020204030204" pitchFamily="34" charset="0"/>
-              </a:defRPr>
-            </a:lvl1pPr>
-            <a:lvl2pPr marL="742950" indent="-285750">
-              <a:defRPr>
-                <a:solidFill>
-                  <a:schemeClr val="tx1"/>
-                </a:solidFill>
-                <a:latin typeface="Calibri" panose="020F0502020204030204" pitchFamily="34" charset="0"/>
-              </a:defRPr>
-            </a:lvl2pPr>
-            <a:lvl3pPr marL="1143000" indent="-228600">
-              <a:defRPr>
-                <a:solidFill>
-                  <a:schemeClr val="tx1"/>
-                </a:solidFill>
-                <a:latin typeface="Calibri" panose="020F0502020204030204" pitchFamily="34" charset="0"/>
-              </a:defRPr>
-            </a:lvl3pPr>
-            <a:lvl4pPr marL="1600200" indent="-228600">
-              <a:defRPr>
-                <a:solidFill>
-                  <a:schemeClr val="tx1"/>
-                </a:solidFill>
-                <a:latin typeface="Calibri" panose="020F0502020204030204" pitchFamily="34" charset="0"/>
-              </a:defRPr>
-            </a:lvl4pPr>
-            <a:lvl5pPr marL="2057400" indent="-228600">
-              <a:defRPr>
-                <a:solidFill>
-                  <a:schemeClr val="tx1"/>
-                </a:solidFill>
-                <a:latin typeface="Calibri" panose="020F0502020204030204" pitchFamily="34" charset="0"/>
-              </a:defRPr>
-            </a:lvl5pPr>
-            <a:lvl6pPr marL="2514600" indent="-228600" eaLnBrk="0" fontAlgn="base" hangingPunct="0">
+          <a:lstStyle/>
+          <a:p>
+            <a:pPr algn="ctr"/>
+            <a:r>
+              <a:rPr lang="en-US" sz="1100" dirty="0">
+                <a:latin typeface="Arial" panose="020B0604020202020204" pitchFamily="34" charset="0"/>
+                <a:cs typeface="Arial" panose="020B0604020202020204" pitchFamily="34" charset="0"/>
+              </a:rPr>
+              <a:t>AWS CloudFormation</a:t>
+            </a:r>
+          </a:p>
+        </p:txBody>
+      </p:sp>
+      <p:pic>
+        <p:nvPicPr>
+          <p:cNvPr id="214" name="Graphic 213">
+            <a:extLst>
+              <a:ext uri="{FF2B5EF4-FFF2-40B4-BE49-F238E27FC236}">
+                <a16:creationId xmlns:a16="http://schemas.microsoft.com/office/drawing/2014/main" id="{6892D2DA-8947-4CB7-823F-BD7226A3F955}"/>
+              </a:ext>
+            </a:extLst>
+          </p:cNvPr>
+          <p:cNvPicPr>
+            <a:picLocks noChangeAspect="1"/>
+          </p:cNvPicPr>
+          <p:nvPr/>
+        </p:nvPicPr>
+        <p:blipFill>
+          <a:blip r:embed="rId14">
+            <a:extLst>
+              <a:ext uri="{96DAC541-7B7A-43D3-8B79-37D633B846F1}">
+                <asvg:svgBlip xmlns:asvg="http://schemas.microsoft.com/office/drawing/2016/SVG/main" r:embed="rId15"/>
+              </a:ext>
+            </a:extLst>
+          </a:blip>
+          <a:stretch>
+            <a:fillRect/>
+          </a:stretch>
+        </p:blipFill>
+        <p:spPr>
+          <a:xfrm>
+            <a:off x="10436602" y="1690152"/>
+            <a:ext cx="442506" cy="391567"/>
+          </a:xfrm>
+          <a:prstGeom prst="rect">
+            <a:avLst/>
+          </a:prstGeom>
+          <a:effectLst>
+            <a:outerShdw blurRad="50800" dist="38100" dir="13500000" algn="br" rotWithShape="0">
+              <a:prstClr val="black">
+                <a:alpha val="40000"/>
+              </a:prstClr>
+            </a:outerShdw>
+          </a:effectLst>
+        </p:spPr>
+      </p:pic>
+      <p:sp>
+        <p:nvSpPr>
+          <p:cNvPr id="215" name="Rectangle 214">
+            <a:extLst>
+              <a:ext uri="{FF2B5EF4-FFF2-40B4-BE49-F238E27FC236}">
+                <a16:creationId xmlns:a16="http://schemas.microsoft.com/office/drawing/2014/main" id="{2E743F60-DDC7-435F-B607-05DA8E4D3666}"/>
+              </a:ext>
+            </a:extLst>
+          </p:cNvPr>
+          <p:cNvSpPr/>
+          <p:nvPr/>
+        </p:nvSpPr>
+        <p:spPr>
+          <a:xfrm>
+            <a:off x="10559443" y="2007602"/>
+            <a:ext cx="1206014" cy="1161769"/>
+          </a:xfrm>
+          <a:prstGeom prst="rect">
+            <a:avLst/>
+          </a:prstGeom>
+          <a:solidFill>
+            <a:schemeClr val="bg1"/>
+          </a:solidFill>
+          <a:ln w="12700">
+            <a:solidFill>
+              <a:srgbClr val="5B9CD5"/>
+            </a:solidFill>
+            <a:prstDash val="sysDash"/>
+          </a:ln>
+          <a:effectLst>
+            <a:outerShdw blurRad="50800" dist="38100" dir="13500000" algn="br" rotWithShape="0">
+              <a:prstClr val="black">
+                <a:alpha val="40000"/>
+              </a:prstClr>
+            </a:outerShdw>
+          </a:effectLst>
+        </p:spPr>
+        <p:style>
+          <a:lnRef idx="2">
+            <a:schemeClr val="accent1">
+              <a:shade val="50000"/>
+            </a:schemeClr>
+          </a:lnRef>
+          <a:fillRef idx="1">
+            <a:schemeClr val="accent1"/>
+          </a:fillRef>
+          <a:effectRef idx="0">
+            <a:schemeClr val="accent1"/>
+          </a:effectRef>
+          <a:fontRef idx="minor">
+            <a:schemeClr val="lt1"/>
+          </a:fontRef>
+        </p:style>
+        <p:txBody>
+          <a:bodyPr lIns="502920" tIns="91440"/>
+          <a:lstStyle/>
+          <a:p>
+            <a:pPr eaLnBrk="1" fontAlgn="auto" hangingPunct="1">
               <a:spcBef>
-                <a:spcPct val="0"/>
+                <a:spcPts val="0"/>
               </a:spcBef>
               <a:spcAft>
-                <a:spcPct val="0"/>
+                <a:spcPts val="0"/>
               </a:spcAft>
-              <a:defRPr>
+              <a:defRPr/>
+            </a:pPr>
+            <a:r>
+              <a:rPr lang="en-US" sz="1200" dirty="0">
                 <a:solidFill>
-                  <a:schemeClr val="tx1"/>
+                  <a:srgbClr val="5B9CD5"/>
                 </a:solidFill>
-                <a:latin typeface="Calibri" panose="020F0502020204030204" pitchFamily="34" charset="0"/>
-              </a:defRPr>
-            </a:lvl6pPr>
-            <a:lvl7pPr marL="2971800" indent="-228600" eaLnBrk="0" fontAlgn="base" hangingPunct="0">
-              <a:spcBef>
-                <a:spcPct val="0"/>
-              </a:spcBef>
-              <a:spcAft>
-                <a:spcPct val="0"/>
-              </a:spcAft>
-              <a:defRPr>
-                <a:solidFill>
-                  <a:schemeClr val="tx1"/>
-                </a:solidFill>
-                <a:latin typeface="Calibri" panose="020F0502020204030204" pitchFamily="34" charset="0"/>
-              </a:defRPr>
-            </a:lvl7pPr>
-            <a:lvl8pPr marL="3429000" indent="-228600" eaLnBrk="0" fontAlgn="base" hangingPunct="0">
-              <a:spcBef>
-                <a:spcPct val="0"/>
-              </a:spcBef>
-              <a:spcAft>
-                <a:spcPct val="0"/>
-              </a:spcAft>
-              <a:defRPr>
-                <a:solidFill>
-                  <a:schemeClr val="tx1"/>
-                </a:solidFill>
-                <a:latin typeface="Calibri" panose="020F0502020204030204" pitchFamily="34" charset="0"/>
-              </a:defRPr>
-            </a:lvl8pPr>
-            <a:lvl9pPr marL="3886200" indent="-228600" eaLnBrk="0" fontAlgn="base" hangingPunct="0">
-              <a:spcBef>
-                <a:spcPct val="0"/>
-              </a:spcBef>
-              <a:spcAft>
-                <a:spcPct val="0"/>
-              </a:spcAft>
-              <a:defRPr>
-                <a:solidFill>
-                  <a:schemeClr val="tx1"/>
-                </a:solidFill>
-                <a:latin typeface="Calibri" panose="020F0502020204030204" pitchFamily="34" charset="0"/>
-              </a:defRPr>
-            </a:lvl9pPr>
-          </a:lstStyle>
+                <a:latin typeface="Arial" panose="020B0604020202020204" pitchFamily="34" charset="0"/>
+                <a:cs typeface="Arial" panose="020B0604020202020204" pitchFamily="34" charset="0"/>
+              </a:rPr>
+              <a:t>Region 1</a:t>
+            </a:r>
+          </a:p>
+        </p:txBody>
+      </p:sp>
+      <p:pic>
+        <p:nvPicPr>
+          <p:cNvPr id="216" name="Graphic 215">
+            <a:extLst>
+              <a:ext uri="{FF2B5EF4-FFF2-40B4-BE49-F238E27FC236}">
+                <a16:creationId xmlns:a16="http://schemas.microsoft.com/office/drawing/2014/main" id="{2DF0E5C9-8A77-4707-B6E6-A9C126004DDE}"/>
+              </a:ext>
+            </a:extLst>
+          </p:cNvPr>
+          <p:cNvPicPr>
+            <a:picLocks noChangeAspect="1"/>
+          </p:cNvPicPr>
+          <p:nvPr/>
+        </p:nvPicPr>
+        <p:blipFill>
+          <a:blip r:embed="rId14">
+            <a:extLst>
+              <a:ext uri="{96DAC541-7B7A-43D3-8B79-37D633B846F1}">
+                <asvg:svgBlip xmlns:asvg="http://schemas.microsoft.com/office/drawing/2016/SVG/main" r:embed="rId15"/>
+              </a:ext>
+            </a:extLst>
+          </a:blip>
+          <a:stretch>
+            <a:fillRect/>
+          </a:stretch>
+        </p:blipFill>
+        <p:spPr>
+          <a:xfrm>
+            <a:off x="10559442" y="2013416"/>
+            <a:ext cx="442506" cy="391567"/>
+          </a:xfrm>
+          <a:prstGeom prst="rect">
+            <a:avLst/>
+          </a:prstGeom>
+          <a:effectLst>
+            <a:outerShdw blurRad="50800" dist="38100" dir="13500000" algn="br" rotWithShape="0">
+              <a:prstClr val="black">
+                <a:alpha val="40000"/>
+              </a:prstClr>
+            </a:outerShdw>
+          </a:effectLst>
+        </p:spPr>
+      </p:pic>
+      <p:pic>
+        <p:nvPicPr>
+          <p:cNvPr id="109" name="Graphic 108">
+            <a:extLst>
+              <a:ext uri="{FF2B5EF4-FFF2-40B4-BE49-F238E27FC236}">
+                <a16:creationId xmlns:a16="http://schemas.microsoft.com/office/drawing/2014/main" id="{A640C55B-F6FD-3640-965F-605AEAB778BE}"/>
+              </a:ext>
+            </a:extLst>
+          </p:cNvPr>
+          <p:cNvPicPr>
+            <a:picLocks noChangeAspect="1"/>
+          </p:cNvPicPr>
+          <p:nvPr/>
+        </p:nvPicPr>
+        <p:blipFill>
+          <a:blip r:embed="rId3">
+            <a:extLst>
+              <a:ext uri="{96DAC541-7B7A-43D3-8B79-37D633B846F1}">
+                <asvg:svgBlip xmlns:asvg="http://schemas.microsoft.com/office/drawing/2016/SVG/main" r:embed="rId4"/>
+              </a:ext>
+            </a:extLst>
+          </a:blip>
+          <a:stretch>
+            <a:fillRect/>
+          </a:stretch>
+        </p:blipFill>
+        <p:spPr>
+          <a:xfrm>
+            <a:off x="8720568" y="1335435"/>
+            <a:ext cx="457200" cy="457200"/>
+          </a:xfrm>
+          <a:prstGeom prst="rect">
+            <a:avLst/>
+          </a:prstGeom>
+        </p:spPr>
+      </p:pic>
+      <p:sp>
+        <p:nvSpPr>
+          <p:cNvPr id="111" name="Oval 110">
+            <a:extLst>
+              <a:ext uri="{FF2B5EF4-FFF2-40B4-BE49-F238E27FC236}">
+                <a16:creationId xmlns:a16="http://schemas.microsoft.com/office/drawing/2014/main" id="{FB20F0D1-0CBE-9546-BAA5-F1447A9E8B2F}"/>
+              </a:ext>
+            </a:extLst>
+          </p:cNvPr>
+          <p:cNvSpPr/>
+          <p:nvPr/>
+        </p:nvSpPr>
+        <p:spPr>
+          <a:xfrm>
+            <a:off x="8629553" y="1254346"/>
+            <a:ext cx="253435" cy="212902"/>
+          </a:xfrm>
+          <a:prstGeom prst="ellipse">
+            <a:avLst/>
+          </a:prstGeom>
+          <a:solidFill>
+            <a:schemeClr val="tx1"/>
+          </a:solidFill>
+          <a:ln>
+            <a:solidFill>
+              <a:schemeClr val="tx1"/>
+            </a:solidFill>
+          </a:ln>
+        </p:spPr>
+        <p:style>
+          <a:lnRef idx="2">
+            <a:schemeClr val="accent1">
+              <a:shade val="50000"/>
+            </a:schemeClr>
+          </a:lnRef>
+          <a:fillRef idx="1">
+            <a:schemeClr val="accent1"/>
+          </a:fillRef>
+          <a:effectRef idx="0">
+            <a:schemeClr val="accent1"/>
+          </a:effectRef>
+          <a:fontRef idx="minor">
+            <a:schemeClr val="lt1"/>
+          </a:fontRef>
+        </p:style>
+        <p:txBody>
+          <a:bodyPr lIns="0" tIns="0" rIns="0" bIns="0" rtlCol="0" anchor="ctr"/>
+          <a:lstStyle/>
+          <a:p>
+            <a:pPr algn="ctr"/>
+            <a:r>
+              <a:rPr lang="en-US" sz="800" dirty="0">
+                <a:latin typeface="Arial" panose="020B0604020202020204" pitchFamily="34" charset="0"/>
+                <a:cs typeface="Arial" panose="020B0604020202020204" pitchFamily="34" charset="0"/>
+              </a:rPr>
+              <a:t>2.1</a:t>
+            </a:r>
+          </a:p>
+        </p:txBody>
+      </p:sp>
+      <p:sp>
+        <p:nvSpPr>
+          <p:cNvPr id="59" name="TextBox 58">
+            <a:extLst>
+              <a:ext uri="{FF2B5EF4-FFF2-40B4-BE49-F238E27FC236}">
+                <a16:creationId xmlns:a16="http://schemas.microsoft.com/office/drawing/2014/main" id="{DF368EA3-A8D0-7C40-9C72-DE5E49476E9C}"/>
+              </a:ext>
+            </a:extLst>
+          </p:cNvPr>
+          <p:cNvSpPr txBox="1"/>
+          <p:nvPr/>
+        </p:nvSpPr>
+        <p:spPr>
+          <a:xfrm>
+            <a:off x="10490186" y="2936606"/>
+            <a:ext cx="1387582" cy="261610"/>
+          </a:xfrm>
+          <a:prstGeom prst="rect">
+            <a:avLst/>
+          </a:prstGeom>
+          <a:noFill/>
+        </p:spPr>
+        <p:txBody>
+          <a:bodyPr wrap="square" rtlCol="0">
+            <a:spAutoFit/>
+          </a:bodyPr>
+          <a:lstStyle/>
           <a:p>
             <a:pPr algn="ctr"/>
             <a:r>
@@ -6471,28 +7818,17 @@
                 <a:ea typeface="Amazon Ember" panose="020B0603020204020204" pitchFamily="34" charset="0"/>
                 <a:cs typeface="Arial" panose="020B0604020202020204" pitchFamily="34" charset="0"/>
               </a:rPr>
-              <a:t>Configuration </a:t>
-            </a:r>
-          </a:p>
-          <a:p>
-            <a:pPr algn="ctr"/>
-            <a:r>
-              <a:rPr lang="en-US" altLang="en-US" sz="1100" dirty="0">
-                <a:latin typeface="Arial" panose="020B0604020202020204" pitchFamily="34" charset="0"/>
-                <a:ea typeface="Amazon Ember" panose="020B0603020204020204" pitchFamily="34" charset="0"/>
-                <a:cs typeface="Arial" panose="020B0604020202020204" pitchFamily="34" charset="0"/>
-              </a:rPr>
-              <a:t>Role</a:t>
+              <a:t>Security Hub</a:t>
             </a:r>
           </a:p>
         </p:txBody>
       </p:sp>
       <p:pic>
         <p:nvPicPr>
-          <p:cNvPr id="97" name="Graphic 49">
-            <a:extLst>
-              <a:ext uri="{FF2B5EF4-FFF2-40B4-BE49-F238E27FC236}">
-                <a16:creationId xmlns:a16="http://schemas.microsoft.com/office/drawing/2014/main" id="{142C67C1-85D4-884F-8467-EC8CEA4D39A7}"/>
+          <p:cNvPr id="68" name="Graphic 19">
+            <a:extLst>
+              <a:ext uri="{FF2B5EF4-FFF2-40B4-BE49-F238E27FC236}">
+                <a16:creationId xmlns:a16="http://schemas.microsoft.com/office/drawing/2014/main" id="{B3CE992A-C6D8-294E-8822-57F521C084DC}"/>
               </a:ext>
             </a:extLst>
           </p:cNvPr>
@@ -6502,10 +7838,10 @@
           <p:nvPr/>
         </p:nvPicPr>
         <p:blipFill>
-          <a:blip r:embed="rId7">
+          <a:blip r:embed="rId19">
             <a:extLst>
               <a:ext uri="{28A0092B-C50C-407E-A947-70E740481C1C}">
-                <a14:useLocalDpi xmlns:a14="http://schemas.microsoft.com/office/drawing/2010/main" val="0"/>
+                <a14:useLocalDpi xmlns:a14="http://schemas.microsoft.com/office/drawing/2010/main"/>
               </a:ext>
             </a:extLst>
           </a:blip>
@@ -6516,7 +7852,7 @@
         </p:blipFill>
         <p:spPr bwMode="auto">
           <a:xfrm>
-            <a:off x="8550461" y="5341272"/>
+            <a:off x="10927493" y="2503724"/>
             <a:ext cx="457200" cy="457200"/>
           </a:xfrm>
           <a:prstGeom prst="rect">
@@ -6549,10 +7885,10 @@
       </p:pic>
       <p:sp>
         <p:nvSpPr>
-          <p:cNvPr id="98" name="Oval 97">
-            <a:extLst>
-              <a:ext uri="{FF2B5EF4-FFF2-40B4-BE49-F238E27FC236}">
-                <a16:creationId xmlns:a16="http://schemas.microsoft.com/office/drawing/2014/main" id="{CF03D907-C303-E248-85D2-6E9BA760D360}"/>
+          <p:cNvPr id="83" name="Oval 82">
+            <a:extLst>
+              <a:ext uri="{FF2B5EF4-FFF2-40B4-BE49-F238E27FC236}">
+                <a16:creationId xmlns:a16="http://schemas.microsoft.com/office/drawing/2014/main" id="{7FAA5BDA-59EE-924B-ACDA-6C50D7ABCDCD}"/>
               </a:ext>
             </a:extLst>
           </p:cNvPr>
@@ -6561,7 +7897,7 @@
         </p:nvSpPr>
         <p:spPr>
           <a:xfrm>
-            <a:off x="8381504" y="5399312"/>
+            <a:off x="10833950" y="2423717"/>
             <a:ext cx="253435" cy="212902"/>
           </a:xfrm>
           <a:prstGeom prst="ellipse">
@@ -6602,206 +7938,17 @@
                 <a:latin typeface="Arial" panose="020B0604020202020204" pitchFamily="34" charset="0"/>
                 <a:cs typeface="Arial" panose="020B0604020202020204" pitchFamily="34" charset="0"/>
               </a:rPr>
-              <a:t>3.2</a:t>
-            </a:r>
-          </a:p>
-        </p:txBody>
-      </p:sp>
-      <p:sp>
-        <p:nvSpPr>
-          <p:cNvPr id="99" name="Rectangle 98">
-            <a:extLst>
-              <a:ext uri="{FF2B5EF4-FFF2-40B4-BE49-F238E27FC236}">
-                <a16:creationId xmlns:a16="http://schemas.microsoft.com/office/drawing/2014/main" id="{4B2670A8-11CF-694C-B441-E690B7BB0CAA}"/>
-              </a:ext>
-            </a:extLst>
-          </p:cNvPr>
-          <p:cNvSpPr/>
-          <p:nvPr/>
-        </p:nvSpPr>
-        <p:spPr>
-          <a:xfrm>
-            <a:off x="9729842" y="4548521"/>
-            <a:ext cx="1236216" cy="1398732"/>
-          </a:xfrm>
-          <a:prstGeom prst="rect">
-            <a:avLst/>
-          </a:prstGeom>
-          <a:noFill/>
-          <a:ln w="12700">
-            <a:solidFill>
-              <a:schemeClr val="tx1"/>
-            </a:solidFill>
-            <a:prstDash val="dash"/>
-          </a:ln>
-        </p:spPr>
-        <p:style>
-          <a:lnRef idx="2">
-            <a:schemeClr val="accent1">
-              <a:shade val="50000"/>
-            </a:schemeClr>
-          </a:lnRef>
-          <a:fillRef idx="1">
-            <a:schemeClr val="accent1"/>
-          </a:fillRef>
-          <a:effectRef idx="0">
-            <a:schemeClr val="accent1"/>
-          </a:effectRef>
-          <a:fontRef idx="minor">
-            <a:schemeClr val="lt1"/>
-          </a:fontRef>
-        </p:style>
-        <p:txBody>
-          <a:bodyPr rot="0" spcFirstLastPara="0" vertOverflow="overflow" horzOverflow="overflow" vert="horz" wrap="square" lIns="91440" tIns="0" rIns="91440" bIns="45720" numCol="1" spcCol="0" rtlCol="0" fromWordArt="0" anchor="t" anchorCtr="0" forceAA="0" compatLnSpc="1">
-            <a:noAutofit/>
-          </a:bodyPr>
-          <a:lstStyle/>
-          <a:p>
-            <a:r>
-              <a:rPr lang="en-US" sz="1100" b="1" dirty="0">
-                <a:solidFill>
-                  <a:schemeClr val="tx1"/>
-                </a:solidFill>
-                <a:latin typeface="Arial" panose="020B0604020202020204" pitchFamily="34" charset="0"/>
-                <a:cs typeface="Arial" panose="020B0604020202020204" pitchFamily="34" charset="0"/>
-              </a:rPr>
-              <a:t>region-1</a:t>
-            </a:r>
-          </a:p>
-        </p:txBody>
-      </p:sp>
-      <p:sp>
-        <p:nvSpPr>
-          <p:cNvPr id="100" name="Rectangle 99">
-            <a:extLst>
-              <a:ext uri="{FF2B5EF4-FFF2-40B4-BE49-F238E27FC236}">
-                <a16:creationId xmlns:a16="http://schemas.microsoft.com/office/drawing/2014/main" id="{53D9012E-A9AA-F04D-B5A5-ABC2C0B2E5A2}"/>
-              </a:ext>
-            </a:extLst>
-          </p:cNvPr>
-          <p:cNvSpPr/>
-          <p:nvPr/>
-        </p:nvSpPr>
-        <p:spPr>
-          <a:xfrm>
-            <a:off x="9826078" y="4769917"/>
-            <a:ext cx="1139980" cy="1177336"/>
-          </a:xfrm>
-          <a:prstGeom prst="rect">
-            <a:avLst/>
-          </a:prstGeom>
-          <a:noFill/>
-          <a:ln w="12700">
-            <a:solidFill>
-              <a:schemeClr val="tx1"/>
-            </a:solidFill>
-            <a:prstDash val="dash"/>
-          </a:ln>
-        </p:spPr>
-        <p:style>
-          <a:lnRef idx="2">
-            <a:schemeClr val="accent1">
-              <a:shade val="50000"/>
-            </a:schemeClr>
-          </a:lnRef>
-          <a:fillRef idx="1">
-            <a:schemeClr val="accent1"/>
-          </a:fillRef>
-          <a:effectRef idx="0">
-            <a:schemeClr val="accent1"/>
-          </a:effectRef>
-          <a:fontRef idx="minor">
-            <a:schemeClr val="lt1"/>
-          </a:fontRef>
-        </p:style>
-        <p:txBody>
-          <a:bodyPr rot="0" spcFirstLastPara="0" vertOverflow="overflow" horzOverflow="overflow" vert="horz" wrap="square" lIns="91440" tIns="0" rIns="91440" bIns="45720" numCol="1" spcCol="0" rtlCol="0" fromWordArt="0" anchor="t" anchorCtr="0" forceAA="0" compatLnSpc="1">
-            <a:noAutofit/>
-          </a:bodyPr>
-          <a:lstStyle/>
-          <a:p>
-            <a:r>
-              <a:rPr lang="en-US" sz="1100" b="1" dirty="0">
-                <a:solidFill>
-                  <a:schemeClr val="tx1"/>
-                </a:solidFill>
-                <a:latin typeface="Arial" panose="020B0604020202020204" pitchFamily="34" charset="0"/>
-                <a:cs typeface="Arial" panose="020B0604020202020204" pitchFamily="34" charset="0"/>
-              </a:rPr>
-              <a:t>region-2</a:t>
-            </a:r>
-          </a:p>
-        </p:txBody>
-      </p:sp>
-      <p:sp>
-        <p:nvSpPr>
-          <p:cNvPr id="101" name="Rectangle 100">
-            <a:extLst>
-              <a:ext uri="{FF2B5EF4-FFF2-40B4-BE49-F238E27FC236}">
-                <a16:creationId xmlns:a16="http://schemas.microsoft.com/office/drawing/2014/main" id="{DA8DA2D9-5C2F-9747-BEF0-1712ACBC7552}"/>
-              </a:ext>
-            </a:extLst>
-          </p:cNvPr>
-          <p:cNvSpPr/>
-          <p:nvPr/>
-        </p:nvSpPr>
-        <p:spPr>
-          <a:xfrm>
-            <a:off x="9907374" y="4995470"/>
-            <a:ext cx="1058684" cy="951783"/>
-          </a:xfrm>
-          <a:prstGeom prst="rect">
-            <a:avLst/>
-          </a:prstGeom>
-          <a:noFill/>
-          <a:ln w="12700">
-            <a:solidFill>
-              <a:schemeClr val="tx1"/>
-            </a:solidFill>
-            <a:prstDash val="dash"/>
-          </a:ln>
-        </p:spPr>
-        <p:style>
-          <a:lnRef idx="2">
-            <a:schemeClr val="accent1">
-              <a:shade val="50000"/>
-            </a:schemeClr>
-          </a:lnRef>
-          <a:fillRef idx="1">
-            <a:schemeClr val="accent1"/>
-          </a:fillRef>
-          <a:effectRef idx="0">
-            <a:schemeClr val="accent1"/>
-          </a:effectRef>
-          <a:fontRef idx="minor">
-            <a:schemeClr val="lt1"/>
-          </a:fontRef>
-        </p:style>
-        <p:txBody>
-          <a:bodyPr rot="0" spcFirstLastPara="0" vertOverflow="overflow" horzOverflow="overflow" vert="horz" wrap="square" lIns="91440" tIns="0" rIns="91440" bIns="45720" numCol="1" spcCol="0" rtlCol="0" fromWordArt="0" anchor="t" anchorCtr="0" forceAA="0" compatLnSpc="1">
-            <a:noAutofit/>
-          </a:bodyPr>
-          <a:lstStyle/>
-          <a:p>
-            <a:r>
-              <a:rPr lang="en-US" sz="1100" b="1" dirty="0">
-                <a:solidFill>
-                  <a:schemeClr val="tx1"/>
-                </a:solidFill>
-                <a:latin typeface="Arial" panose="020B0604020202020204" pitchFamily="34" charset="0"/>
-                <a:cs typeface="Arial" panose="020B0604020202020204" pitchFamily="34" charset="0"/>
-              </a:rPr>
-              <a:t>region-n</a:t>
-            </a:r>
-          </a:p>
-        </p:txBody>
-      </p:sp>
-      <p:sp>
-        <p:nvSpPr>
-          <p:cNvPr id="102" name="TextBox 101">
-            <a:extLst>
-              <a:ext uri="{FF2B5EF4-FFF2-40B4-BE49-F238E27FC236}">
-                <a16:creationId xmlns:a16="http://schemas.microsoft.com/office/drawing/2014/main" id="{A3B458CE-DFC3-5642-9743-EB6D6D28F735}"/>
+              <a:t>2.4</a:t>
+            </a:r>
+          </a:p>
+        </p:txBody>
+      </p:sp>
+      <p:sp>
+        <p:nvSpPr>
+          <p:cNvPr id="84" name="TextBox 83">
+            <a:extLst>
+              <a:ext uri="{FF2B5EF4-FFF2-40B4-BE49-F238E27FC236}">
+                <a16:creationId xmlns:a16="http://schemas.microsoft.com/office/drawing/2014/main" id="{CA6FA08B-9C3A-C74A-9199-441BF175B015}"/>
               </a:ext>
             </a:extLst>
           </p:cNvPr>
@@ -6810,8 +7957,8 @@
         </p:nvSpPr>
         <p:spPr>
           <a:xfrm>
-            <a:off x="9837420" y="5690779"/>
-            <a:ext cx="1139980" cy="261610"/>
+            <a:off x="8434971" y="2938279"/>
+            <a:ext cx="1037821" cy="261610"/>
           </a:xfrm>
           <a:prstGeom prst="rect">
             <a:avLst/>
@@ -6838,10 +7985,10 @@
       </p:sp>
       <p:pic>
         <p:nvPicPr>
-          <p:cNvPr id="103" name="Graphic 19">
-            <a:extLst>
-              <a:ext uri="{FF2B5EF4-FFF2-40B4-BE49-F238E27FC236}">
-                <a16:creationId xmlns:a16="http://schemas.microsoft.com/office/drawing/2014/main" id="{4FB17EB5-E73F-0448-91C5-9E03860C5E1E}"/>
+          <p:cNvPr id="85" name="Graphic 19">
+            <a:extLst>
+              <a:ext uri="{FF2B5EF4-FFF2-40B4-BE49-F238E27FC236}">
+                <a16:creationId xmlns:a16="http://schemas.microsoft.com/office/drawing/2014/main" id="{052D1FA4-53EF-3D4D-8389-53F260FA7527}"/>
               </a:ext>
             </a:extLst>
           </p:cNvPr>
@@ -6851,10 +7998,10 @@
           <p:nvPr/>
         </p:nvPicPr>
         <p:blipFill>
-          <a:blip r:embed="rId9">
+          <a:blip r:embed="rId19">
             <a:extLst>
               <a:ext uri="{28A0092B-C50C-407E-A947-70E740481C1C}">
-                <a14:useLocalDpi xmlns:a14="http://schemas.microsoft.com/office/drawing/2010/main" val="0"/>
+                <a14:useLocalDpi xmlns:a14="http://schemas.microsoft.com/office/drawing/2010/main"/>
               </a:ext>
             </a:extLst>
           </a:blip>
@@ -6865,7 +8012,7 @@
         </p:blipFill>
         <p:spPr bwMode="auto">
           <a:xfrm>
-            <a:off x="10183496" y="5234738"/>
+            <a:off x="8725282" y="2484459"/>
             <a:ext cx="457200" cy="457200"/>
           </a:xfrm>
           <a:prstGeom prst="rect">
@@ -6898,10 +8045,10 @@
       </p:pic>
       <p:sp>
         <p:nvSpPr>
-          <p:cNvPr id="104" name="Oval 103">
-            <a:extLst>
-              <a:ext uri="{FF2B5EF4-FFF2-40B4-BE49-F238E27FC236}">
-                <a16:creationId xmlns:a16="http://schemas.microsoft.com/office/drawing/2014/main" id="{81719607-B241-6741-938B-3FC1408AF05E}"/>
+          <p:cNvPr id="86" name="Oval 85">
+            <a:extLst>
+              <a:ext uri="{FF2B5EF4-FFF2-40B4-BE49-F238E27FC236}">
+                <a16:creationId xmlns:a16="http://schemas.microsoft.com/office/drawing/2014/main" id="{35153FDD-FB22-B342-84E8-288ECF8E2988}"/>
               </a:ext>
             </a:extLst>
           </p:cNvPr>
@@ -6910,7 +8057,7 @@
         </p:nvSpPr>
         <p:spPr>
           <a:xfrm>
-            <a:off x="10191557" y="5242477"/>
+            <a:off x="8645412" y="2413354"/>
             <a:ext cx="253435" cy="212902"/>
           </a:xfrm>
           <a:prstGeom prst="ellipse">
@@ -6951,17 +8098,17 @@
                 <a:latin typeface="Arial" panose="020B0604020202020204" pitchFamily="34" charset="0"/>
                 <a:cs typeface="Arial" panose="020B0604020202020204" pitchFamily="34" charset="0"/>
               </a:rPr>
-              <a:t>3.3</a:t>
-            </a:r>
-          </a:p>
-        </p:txBody>
-      </p:sp>
-      <p:sp>
-        <p:nvSpPr>
-          <p:cNvPr id="113" name="Rectangle 112">
-            <a:extLst>
-              <a:ext uri="{FF2B5EF4-FFF2-40B4-BE49-F238E27FC236}">
-                <a16:creationId xmlns:a16="http://schemas.microsoft.com/office/drawing/2014/main" id="{72A71EB1-7660-1644-8F82-9E88364BD5A6}"/>
+              <a:t>2.3</a:t>
+            </a:r>
+          </a:p>
+        </p:txBody>
+      </p:sp>
+      <p:sp>
+        <p:nvSpPr>
+          <p:cNvPr id="17" name="Left Arrow Callout 16">
+            <a:extLst>
+              <a:ext uri="{FF2B5EF4-FFF2-40B4-BE49-F238E27FC236}">
+                <a16:creationId xmlns:a16="http://schemas.microsoft.com/office/drawing/2014/main" id="{64B27E64-AD91-9D47-8309-E5091AFF20AB}"/>
               </a:ext>
             </a:extLst>
           </p:cNvPr>
@@ -6970,8 +8117,68 @@
         </p:nvSpPr>
         <p:spPr>
           <a:xfrm>
-            <a:off x="6262745" y="2237529"/>
-            <a:ext cx="1236216" cy="1399834"/>
+            <a:off x="9240609" y="2547333"/>
+            <a:ext cx="828614" cy="394326"/>
+          </a:xfrm>
+          <a:prstGeom prst="leftArrowCallout">
+            <a:avLst>
+              <a:gd name="adj1" fmla="val 16886"/>
+              <a:gd name="adj2" fmla="val 25000"/>
+              <a:gd name="adj3" fmla="val 26600"/>
+              <a:gd name="adj4" fmla="val 84605"/>
+            </a:avLst>
+          </a:prstGeom>
+          <a:ln>
+            <a:solidFill>
+              <a:schemeClr val="dk1"/>
+            </a:solidFill>
+          </a:ln>
+        </p:spPr>
+        <p:style>
+          <a:lnRef idx="2">
+            <a:schemeClr val="dk1"/>
+          </a:lnRef>
+          <a:fillRef idx="1">
+            <a:schemeClr val="lt1"/>
+          </a:fillRef>
+          <a:effectRef idx="0">
+            <a:schemeClr val="dk1"/>
+          </a:effectRef>
+          <a:fontRef idx="minor">
+            <a:schemeClr val="dk1"/>
+          </a:fontRef>
+        </p:style>
+        <p:txBody>
+          <a:bodyPr lIns="0" tIns="0" rIns="0" bIns="0" rtlCol="0" anchor="ctr"/>
+          <a:lstStyle/>
+          <a:p>
+            <a:pPr algn="ctr"/>
+            <a:r>
+              <a:rPr lang="en-US" sz="1000" dirty="0">
+                <a:latin typeface="Arial" panose="020B0604020202020204" pitchFamily="34" charset="0"/>
+                <a:cs typeface="Arial" panose="020B0604020202020204" pitchFamily="34" charset="0"/>
+              </a:rPr>
+              <a:t>Region Aggregator</a:t>
+            </a:r>
+          </a:p>
+        </p:txBody>
+      </p:sp>
+      <p:sp>
+        <p:nvSpPr>
+          <p:cNvPr id="219" name="Rectangle 218">
+            <a:extLst>
+              <a:ext uri="{FF2B5EF4-FFF2-40B4-BE49-F238E27FC236}">
+                <a16:creationId xmlns:a16="http://schemas.microsoft.com/office/drawing/2014/main" id="{C659489A-46FA-4DDE-A1BA-77F0607EF2A2}"/>
+              </a:ext>
+            </a:extLst>
+          </p:cNvPr>
+          <p:cNvSpPr/>
+          <p:nvPr/>
+        </p:nvSpPr>
+        <p:spPr>
+          <a:xfrm>
+            <a:off x="6985246" y="3435733"/>
+            <a:ext cx="4925060" cy="3224664"/>
           </a:xfrm>
           <a:prstGeom prst="rect">
             <a:avLst/>
@@ -6979,9 +8186,8 @@
           <a:noFill/>
           <a:ln w="12700">
             <a:solidFill>
-              <a:schemeClr val="tx1"/>
+              <a:srgbClr val="CD2264"/>
             </a:solidFill>
-            <a:prstDash val="dash"/>
           </a:ln>
         </p:spPr>
         <p:style>
@@ -7001,30 +8207,73 @@
           </a:fontRef>
         </p:style>
         <p:txBody>
-          <a:bodyPr rot="0" spcFirstLastPara="0" vertOverflow="overflow" horzOverflow="overflow" vert="horz" wrap="square" lIns="91440" tIns="0" rIns="91440" bIns="45720" numCol="1" spcCol="0" rtlCol="0" fromWordArt="0" anchor="t" anchorCtr="0" forceAA="0" compatLnSpc="1">
-            <a:noAutofit/>
-          </a:bodyPr>
+          <a:bodyPr lIns="502920" tIns="91440"/>
           <a:lstStyle/>
           <a:p>
-            <a:r>
-              <a:rPr lang="en-US" sz="1100" b="1" dirty="0">
+            <a:pPr eaLnBrk="1" fontAlgn="auto" hangingPunct="1">
+              <a:spcBef>
+                <a:spcPts val="0"/>
+              </a:spcBef>
+              <a:spcAft>
+                <a:spcPts val="0"/>
+              </a:spcAft>
+              <a:defRPr/>
+            </a:pPr>
+            <a:r>
+              <a:rPr lang="en-US" sz="1200" dirty="0">
                 <a:solidFill>
-                  <a:schemeClr val="tx1"/>
+                  <a:srgbClr val="CD2264"/>
                 </a:solidFill>
                 <a:latin typeface="Arial" panose="020B0604020202020204" pitchFamily="34" charset="0"/>
                 <a:cs typeface="Arial" panose="020B0604020202020204" pitchFamily="34" charset="0"/>
               </a:rPr>
-              <a:t>region-1</a:t>
-            </a:r>
-          </a:p>
-        </p:txBody>
-      </p:sp>
-      <p:sp>
-        <p:nvSpPr>
-          <p:cNvPr id="114" name="Rectangle 113">
-            <a:extLst>
-              <a:ext uri="{FF2B5EF4-FFF2-40B4-BE49-F238E27FC236}">
-                <a16:creationId xmlns:a16="http://schemas.microsoft.com/office/drawing/2014/main" id="{D0B2400D-49F3-C14F-94BF-F47D1BAEC1CD}"/>
+              <a:t>All Existing and Future Organization Member Accounts</a:t>
+            </a:r>
+          </a:p>
+        </p:txBody>
+      </p:sp>
+      <p:pic>
+        <p:nvPicPr>
+          <p:cNvPr id="220" name="Graphic 219">
+            <a:extLst>
+              <a:ext uri="{FF2B5EF4-FFF2-40B4-BE49-F238E27FC236}">
+                <a16:creationId xmlns:a16="http://schemas.microsoft.com/office/drawing/2014/main" id="{9BB2A7C4-93AA-4FC1-85F0-71732514BB4A}"/>
+              </a:ext>
+            </a:extLst>
+          </p:cNvPr>
+          <p:cNvPicPr>
+            <a:picLocks noChangeAspect="1"/>
+          </p:cNvPicPr>
+          <p:nvPr/>
+        </p:nvPicPr>
+        <p:blipFill>
+          <a:blip r:embed="rId7">
+            <a:extLst>
+              <a:ext uri="{96DAC541-7B7A-43D3-8B79-37D633B846F1}">
+                <asvg:svgBlip xmlns:asvg="http://schemas.microsoft.com/office/drawing/2016/SVG/main" r:embed="rId8"/>
+              </a:ext>
+            </a:extLst>
+          </a:blip>
+          <a:stretch>
+            <a:fillRect/>
+          </a:stretch>
+        </p:blipFill>
+        <p:spPr>
+          <a:xfrm>
+            <a:off x="6985246" y="3432873"/>
+            <a:ext cx="469211" cy="469211"/>
+          </a:xfrm>
+          <a:prstGeom prst="rect">
+            <a:avLst/>
+          </a:prstGeom>
+        </p:spPr>
+      </p:pic>
+      <p:sp>
+        <p:nvSpPr>
+          <p:cNvPr id="221" name="Rectangle 220">
+            <a:extLst>
+              <a:ext uri="{FF2B5EF4-FFF2-40B4-BE49-F238E27FC236}">
+                <a16:creationId xmlns:a16="http://schemas.microsoft.com/office/drawing/2014/main" id="{0EB590A6-47C4-4385-9025-6DCC5F4EDD2E}"/>
               </a:ext>
             </a:extLst>
           </p:cNvPr>
@@ -7033,8 +8282,8 @@
         </p:nvSpPr>
         <p:spPr>
           <a:xfrm>
-            <a:off x="6358981" y="2458925"/>
-            <a:ext cx="1139980" cy="1177336"/>
+            <a:off x="8379488" y="3852376"/>
+            <a:ext cx="3466857" cy="2616055"/>
           </a:xfrm>
           <a:prstGeom prst="rect">
             <a:avLst/>
@@ -7042,9 +8291,9 @@
           <a:noFill/>
           <a:ln w="12700">
             <a:solidFill>
-              <a:schemeClr val="tx1"/>
+              <a:srgbClr val="5B9CD5"/>
             </a:solidFill>
-            <a:prstDash val="dash"/>
+            <a:prstDash val="sysDash"/>
           </a:ln>
         </p:spPr>
         <p:style>
@@ -7064,30 +8313,37 @@
           </a:fontRef>
         </p:style>
         <p:txBody>
-          <a:bodyPr rot="0" spcFirstLastPara="0" vertOverflow="overflow" horzOverflow="overflow" vert="horz" wrap="square" lIns="91440" tIns="0" rIns="91440" bIns="45720" numCol="1" spcCol="0" rtlCol="0" fromWordArt="0" anchor="t" anchorCtr="0" forceAA="0" compatLnSpc="1">
-            <a:noAutofit/>
-          </a:bodyPr>
+          <a:bodyPr lIns="502920" tIns="91440"/>
           <a:lstStyle/>
           <a:p>
-            <a:r>
-              <a:rPr lang="en-US" sz="1100" b="1" dirty="0">
+            <a:pPr eaLnBrk="1" fontAlgn="auto" hangingPunct="1">
+              <a:spcBef>
+                <a:spcPts val="0"/>
+              </a:spcBef>
+              <a:spcAft>
+                <a:spcPts val="0"/>
+              </a:spcAft>
+              <a:defRPr/>
+            </a:pPr>
+            <a:r>
+              <a:rPr lang="en-US" sz="1200" dirty="0">
                 <a:solidFill>
-                  <a:schemeClr val="tx1"/>
+                  <a:srgbClr val="5B9CD5"/>
                 </a:solidFill>
                 <a:latin typeface="Arial" panose="020B0604020202020204" pitchFamily="34" charset="0"/>
                 <a:cs typeface="Arial" panose="020B0604020202020204" pitchFamily="34" charset="0"/>
               </a:rPr>
-              <a:t>region-2</a:t>
-            </a:r>
-          </a:p>
-        </p:txBody>
-      </p:sp>
-      <p:sp>
-        <p:nvSpPr>
-          <p:cNvPr id="115" name="Rectangle 114">
-            <a:extLst>
-              <a:ext uri="{FF2B5EF4-FFF2-40B4-BE49-F238E27FC236}">
-                <a16:creationId xmlns:a16="http://schemas.microsoft.com/office/drawing/2014/main" id="{7A361719-6E8F-0E48-B536-033B29B1530B}"/>
+              <a:t>Home Region</a:t>
+            </a:r>
+          </a:p>
+        </p:txBody>
+      </p:sp>
+      <p:sp>
+        <p:nvSpPr>
+          <p:cNvPr id="223" name="Rectangle 222">
+            <a:extLst>
+              <a:ext uri="{FF2B5EF4-FFF2-40B4-BE49-F238E27FC236}">
+                <a16:creationId xmlns:a16="http://schemas.microsoft.com/office/drawing/2014/main" id="{A5CD68E2-B1B3-4526-87B2-D568EE0A4283}"/>
               </a:ext>
             </a:extLst>
           </p:cNvPr>
@@ -7096,19 +8352,28 @@
         </p:nvSpPr>
         <p:spPr>
           <a:xfrm>
-            <a:off x="6440277" y="2684478"/>
-            <a:ext cx="1058684" cy="951784"/>
+            <a:off x="10316025" y="4602439"/>
+            <a:ext cx="1275435" cy="1307692"/>
           </a:xfrm>
           <a:prstGeom prst="rect">
             <a:avLst/>
           </a:prstGeom>
-          <a:noFill/>
+          <a:solidFill>
+            <a:schemeClr val="bg1"/>
+          </a:solidFill>
           <a:ln w="12700">
             <a:solidFill>
-              <a:schemeClr val="tx1"/>
+              <a:srgbClr val="5B9CD5"/>
             </a:solidFill>
-            <a:prstDash val="dash"/>
+            <a:prstDash val="sysDash"/>
           </a:ln>
+          <a:effectLst>
+            <a:outerShdw blurRad="50800" dist="38100" dir="13500000" algn="br" rotWithShape="0">
+              <a:prstClr val="black">
+                <a:alpha val="40000"/>
+              </a:prstClr>
+            </a:outerShdw>
+          </a:effectLst>
         </p:spPr>
         <p:style>
           <a:lnRef idx="2">
@@ -7127,30 +8392,324 @@
           </a:fontRef>
         </p:style>
         <p:txBody>
-          <a:bodyPr rot="0" spcFirstLastPara="0" vertOverflow="overflow" horzOverflow="overflow" vert="horz" wrap="square" lIns="91440" tIns="0" rIns="91440" bIns="45720" numCol="1" spcCol="0" rtlCol="0" fromWordArt="0" anchor="t" anchorCtr="0" forceAA="0" compatLnSpc="1">
-            <a:noAutofit/>
-          </a:bodyPr>
+          <a:bodyPr lIns="502920" tIns="91440"/>
           <a:lstStyle/>
           <a:p>
-            <a:r>
-              <a:rPr lang="en-US" sz="1100" b="1" dirty="0">
+            <a:pPr eaLnBrk="1" fontAlgn="auto" hangingPunct="1">
+              <a:spcBef>
+                <a:spcPts val="0"/>
+              </a:spcBef>
+              <a:spcAft>
+                <a:spcPts val="0"/>
+              </a:spcAft>
+              <a:defRPr/>
+            </a:pPr>
+            <a:r>
+              <a:rPr lang="en-US" sz="1200" dirty="0">
                 <a:solidFill>
-                  <a:schemeClr val="tx1"/>
+                  <a:srgbClr val="5B9CD5"/>
                 </a:solidFill>
                 <a:latin typeface="Arial" panose="020B0604020202020204" pitchFamily="34" charset="0"/>
                 <a:cs typeface="Arial" panose="020B0604020202020204" pitchFamily="34" charset="0"/>
               </a:rPr>
-              <a:t>region-n</a:t>
-            </a:r>
-          </a:p>
-        </p:txBody>
-      </p:sp>
-      <p:sp>
-        <p:nvSpPr>
-          <p:cNvPr id="116" name="TextBox 115">
-            <a:extLst>
-              <a:ext uri="{FF2B5EF4-FFF2-40B4-BE49-F238E27FC236}">
-                <a16:creationId xmlns:a16="http://schemas.microsoft.com/office/drawing/2014/main" id="{048F5901-3353-3F4F-9724-3570CA206207}"/>
+              <a:t>Region n</a:t>
+            </a:r>
+          </a:p>
+        </p:txBody>
+      </p:sp>
+      <p:pic>
+        <p:nvPicPr>
+          <p:cNvPr id="224" name="Graphic 223">
+            <a:extLst>
+              <a:ext uri="{FF2B5EF4-FFF2-40B4-BE49-F238E27FC236}">
+                <a16:creationId xmlns:a16="http://schemas.microsoft.com/office/drawing/2014/main" id="{07321E89-3364-4281-96F3-4E8151C201DA}"/>
+              </a:ext>
+            </a:extLst>
+          </p:cNvPr>
+          <p:cNvPicPr>
+            <a:picLocks noChangeAspect="1"/>
+          </p:cNvPicPr>
+          <p:nvPr/>
+        </p:nvPicPr>
+        <p:blipFill>
+          <a:blip r:embed="rId14">
+            <a:extLst>
+              <a:ext uri="{96DAC541-7B7A-43D3-8B79-37D633B846F1}">
+                <asvg:svgBlip xmlns:asvg="http://schemas.microsoft.com/office/drawing/2016/SVG/main" r:embed="rId15"/>
+              </a:ext>
+            </a:extLst>
+          </a:blip>
+          <a:stretch>
+            <a:fillRect/>
+          </a:stretch>
+        </p:blipFill>
+        <p:spPr>
+          <a:xfrm>
+            <a:off x="10311845" y="4596087"/>
+            <a:ext cx="442506" cy="391567"/>
+          </a:xfrm>
+          <a:prstGeom prst="rect">
+            <a:avLst/>
+          </a:prstGeom>
+          <a:effectLst>
+            <a:outerShdw blurRad="50800" dist="38100" dir="13500000" algn="br" rotWithShape="0">
+              <a:prstClr val="black">
+                <a:alpha val="40000"/>
+              </a:prstClr>
+            </a:outerShdw>
+          </a:effectLst>
+        </p:spPr>
+      </p:pic>
+      <p:sp>
+        <p:nvSpPr>
+          <p:cNvPr id="225" name="Rectangle 224">
+            <a:extLst>
+              <a:ext uri="{FF2B5EF4-FFF2-40B4-BE49-F238E27FC236}">
+                <a16:creationId xmlns:a16="http://schemas.microsoft.com/office/drawing/2014/main" id="{0102704B-7722-4CFB-98E8-9F9759C34265}"/>
+              </a:ext>
+            </a:extLst>
+          </p:cNvPr>
+          <p:cNvSpPr/>
+          <p:nvPr/>
+        </p:nvSpPr>
+        <p:spPr>
+          <a:xfrm>
+            <a:off x="10443030" y="4915402"/>
+            <a:ext cx="1237614" cy="1307692"/>
+          </a:xfrm>
+          <a:prstGeom prst="rect">
+            <a:avLst/>
+          </a:prstGeom>
+          <a:solidFill>
+            <a:schemeClr val="bg1"/>
+          </a:solidFill>
+          <a:ln w="12700">
+            <a:solidFill>
+              <a:srgbClr val="5B9CD5"/>
+            </a:solidFill>
+            <a:prstDash val="sysDash"/>
+          </a:ln>
+          <a:effectLst>
+            <a:outerShdw blurRad="50800" dist="38100" dir="13500000" algn="br" rotWithShape="0">
+              <a:prstClr val="black">
+                <a:alpha val="40000"/>
+              </a:prstClr>
+            </a:outerShdw>
+          </a:effectLst>
+        </p:spPr>
+        <p:style>
+          <a:lnRef idx="2">
+            <a:schemeClr val="accent1">
+              <a:shade val="50000"/>
+            </a:schemeClr>
+          </a:lnRef>
+          <a:fillRef idx="1">
+            <a:schemeClr val="accent1"/>
+          </a:fillRef>
+          <a:effectRef idx="0">
+            <a:schemeClr val="accent1"/>
+          </a:effectRef>
+          <a:fontRef idx="minor">
+            <a:schemeClr val="lt1"/>
+          </a:fontRef>
+        </p:style>
+        <p:txBody>
+          <a:bodyPr lIns="502920" tIns="91440"/>
+          <a:lstStyle/>
+          <a:p>
+            <a:pPr eaLnBrk="1" fontAlgn="auto" hangingPunct="1">
+              <a:spcBef>
+                <a:spcPts val="0"/>
+              </a:spcBef>
+              <a:spcAft>
+                <a:spcPts val="0"/>
+              </a:spcAft>
+              <a:defRPr/>
+            </a:pPr>
+            <a:r>
+              <a:rPr lang="en-US" sz="1200" dirty="0">
+                <a:solidFill>
+                  <a:srgbClr val="5B9CD5"/>
+                </a:solidFill>
+                <a:latin typeface="Arial" panose="020B0604020202020204" pitchFamily="34" charset="0"/>
+                <a:cs typeface="Arial" panose="020B0604020202020204" pitchFamily="34" charset="0"/>
+              </a:rPr>
+              <a:t>Region 2</a:t>
+            </a:r>
+          </a:p>
+        </p:txBody>
+      </p:sp>
+      <p:pic>
+        <p:nvPicPr>
+          <p:cNvPr id="228" name="Graphic 227">
+            <a:extLst>
+              <a:ext uri="{FF2B5EF4-FFF2-40B4-BE49-F238E27FC236}">
+                <a16:creationId xmlns:a16="http://schemas.microsoft.com/office/drawing/2014/main" id="{A77657A1-3F7D-4829-930C-C7457621F297}"/>
+              </a:ext>
+            </a:extLst>
+          </p:cNvPr>
+          <p:cNvPicPr>
+            <a:picLocks noChangeAspect="1"/>
+          </p:cNvPicPr>
+          <p:nvPr/>
+        </p:nvPicPr>
+        <p:blipFill>
+          <a:blip r:embed="rId14">
+            <a:extLst>
+              <a:ext uri="{96DAC541-7B7A-43D3-8B79-37D633B846F1}">
+                <asvg:svgBlip xmlns:asvg="http://schemas.microsoft.com/office/drawing/2016/SVG/main" r:embed="rId15"/>
+              </a:ext>
+            </a:extLst>
+          </a:blip>
+          <a:stretch>
+            <a:fillRect/>
+          </a:stretch>
+        </p:blipFill>
+        <p:spPr>
+          <a:xfrm>
+            <a:off x="10439371" y="4906110"/>
+            <a:ext cx="442506" cy="391567"/>
+          </a:xfrm>
+          <a:prstGeom prst="rect">
+            <a:avLst/>
+          </a:prstGeom>
+          <a:effectLst>
+            <a:outerShdw blurRad="50800" dist="38100" dir="13500000" algn="br" rotWithShape="0">
+              <a:prstClr val="black">
+                <a:alpha val="40000"/>
+              </a:prstClr>
+            </a:outerShdw>
+          </a:effectLst>
+        </p:spPr>
+      </p:pic>
+      <p:sp>
+        <p:nvSpPr>
+          <p:cNvPr id="229" name="Rectangle 228">
+            <a:extLst>
+              <a:ext uri="{FF2B5EF4-FFF2-40B4-BE49-F238E27FC236}">
+                <a16:creationId xmlns:a16="http://schemas.microsoft.com/office/drawing/2014/main" id="{49AC0F03-D447-4FFE-8A38-80B2B4CAE572}"/>
+              </a:ext>
+            </a:extLst>
+          </p:cNvPr>
+          <p:cNvSpPr/>
+          <p:nvPr/>
+        </p:nvSpPr>
+        <p:spPr>
+          <a:xfrm>
+            <a:off x="10562212" y="5223560"/>
+            <a:ext cx="1206014" cy="1161769"/>
+          </a:xfrm>
+          <a:prstGeom prst="rect">
+            <a:avLst/>
+          </a:prstGeom>
+          <a:solidFill>
+            <a:schemeClr val="bg1"/>
+          </a:solidFill>
+          <a:ln w="12700">
+            <a:solidFill>
+              <a:srgbClr val="5B9CD5"/>
+            </a:solidFill>
+            <a:prstDash val="sysDash"/>
+          </a:ln>
+          <a:effectLst>
+            <a:outerShdw blurRad="50800" dist="38100" dir="13500000" algn="br" rotWithShape="0">
+              <a:prstClr val="black">
+                <a:alpha val="40000"/>
+              </a:prstClr>
+            </a:outerShdw>
+          </a:effectLst>
+        </p:spPr>
+        <p:style>
+          <a:lnRef idx="2">
+            <a:schemeClr val="accent1">
+              <a:shade val="50000"/>
+            </a:schemeClr>
+          </a:lnRef>
+          <a:fillRef idx="1">
+            <a:schemeClr val="accent1"/>
+          </a:fillRef>
+          <a:effectRef idx="0">
+            <a:schemeClr val="accent1"/>
+          </a:effectRef>
+          <a:fontRef idx="minor">
+            <a:schemeClr val="lt1"/>
+          </a:fontRef>
+        </p:style>
+        <p:txBody>
+          <a:bodyPr lIns="502920" tIns="91440"/>
+          <a:lstStyle/>
+          <a:p>
+            <a:pPr eaLnBrk="1" fontAlgn="auto" hangingPunct="1">
+              <a:spcBef>
+                <a:spcPts val="0"/>
+              </a:spcBef>
+              <a:spcAft>
+                <a:spcPts val="0"/>
+              </a:spcAft>
+              <a:defRPr/>
+            </a:pPr>
+            <a:r>
+              <a:rPr lang="en-US" sz="1200" dirty="0">
+                <a:solidFill>
+                  <a:srgbClr val="5B9CD5"/>
+                </a:solidFill>
+                <a:latin typeface="Arial" panose="020B0604020202020204" pitchFamily="34" charset="0"/>
+                <a:cs typeface="Arial" panose="020B0604020202020204" pitchFamily="34" charset="0"/>
+              </a:rPr>
+              <a:t>Region 1</a:t>
+            </a:r>
+          </a:p>
+        </p:txBody>
+      </p:sp>
+      <p:pic>
+        <p:nvPicPr>
+          <p:cNvPr id="230" name="Graphic 229">
+            <a:extLst>
+              <a:ext uri="{FF2B5EF4-FFF2-40B4-BE49-F238E27FC236}">
+                <a16:creationId xmlns:a16="http://schemas.microsoft.com/office/drawing/2014/main" id="{211D58C1-32A9-4C69-A6A1-3CF98EBAB272}"/>
+              </a:ext>
+            </a:extLst>
+          </p:cNvPr>
+          <p:cNvPicPr>
+            <a:picLocks noChangeAspect="1"/>
+          </p:cNvPicPr>
+          <p:nvPr/>
+        </p:nvPicPr>
+        <p:blipFill>
+          <a:blip r:embed="rId14">
+            <a:extLst>
+              <a:ext uri="{96DAC541-7B7A-43D3-8B79-37D633B846F1}">
+                <asvg:svgBlip xmlns:asvg="http://schemas.microsoft.com/office/drawing/2016/SVG/main" r:embed="rId15"/>
+              </a:ext>
+            </a:extLst>
+          </a:blip>
+          <a:stretch>
+            <a:fillRect/>
+          </a:stretch>
+        </p:blipFill>
+        <p:spPr>
+          <a:xfrm>
+            <a:off x="10562211" y="5229374"/>
+            <a:ext cx="442506" cy="391567"/>
+          </a:xfrm>
+          <a:prstGeom prst="rect">
+            <a:avLst/>
+          </a:prstGeom>
+          <a:effectLst>
+            <a:outerShdw blurRad="50800" dist="38100" dir="13500000" algn="br" rotWithShape="0">
+              <a:prstClr val="black">
+                <a:alpha val="40000"/>
+              </a:prstClr>
+            </a:outerShdw>
+          </a:effectLst>
+        </p:spPr>
+      </p:pic>
+      <p:sp>
+        <p:nvSpPr>
+          <p:cNvPr id="231" name="TextBox 230">
+            <a:extLst>
+              <a:ext uri="{FF2B5EF4-FFF2-40B4-BE49-F238E27FC236}">
+                <a16:creationId xmlns:a16="http://schemas.microsoft.com/office/drawing/2014/main" id="{7B81497D-4FC4-4875-A762-87FF1B7B2242}"/>
               </a:ext>
             </a:extLst>
           </p:cNvPr>
@@ -7159,7 +8718,7 @@
         </p:nvSpPr>
         <p:spPr>
           <a:xfrm>
-            <a:off x="6279092" y="3356628"/>
+            <a:off x="10492955" y="6152564"/>
             <a:ext cx="1387582" cy="261610"/>
           </a:xfrm>
           <a:prstGeom prst="rect">
@@ -7187,10 +8746,10 @@
       </p:sp>
       <p:pic>
         <p:nvPicPr>
-          <p:cNvPr id="117" name="Graphic 19">
-            <a:extLst>
-              <a:ext uri="{FF2B5EF4-FFF2-40B4-BE49-F238E27FC236}">
-                <a16:creationId xmlns:a16="http://schemas.microsoft.com/office/drawing/2014/main" id="{681E6F44-6A2D-0F4F-9003-A247317810CA}"/>
+          <p:cNvPr id="232" name="Graphic 19">
+            <a:extLst>
+              <a:ext uri="{FF2B5EF4-FFF2-40B4-BE49-F238E27FC236}">
+                <a16:creationId xmlns:a16="http://schemas.microsoft.com/office/drawing/2014/main" id="{E12F0FED-A396-48AB-9B8D-DD963C965C8F}"/>
               </a:ext>
             </a:extLst>
           </p:cNvPr>
@@ -7200,10 +8759,10 @@
           <p:nvPr/>
         </p:nvPicPr>
         <p:blipFill>
-          <a:blip r:embed="rId9">
+          <a:blip r:embed="rId19">
             <a:extLst>
               <a:ext uri="{28A0092B-C50C-407E-A947-70E740481C1C}">
-                <a14:useLocalDpi xmlns:a14="http://schemas.microsoft.com/office/drawing/2010/main" val="0"/>
+                <a14:useLocalDpi xmlns:a14="http://schemas.microsoft.com/office/drawing/2010/main"/>
               </a:ext>
             </a:extLst>
           </a:blip>
@@ -7214,7 +8773,7 @@
         </p:blipFill>
         <p:spPr bwMode="auto">
           <a:xfrm>
-            <a:off x="6716399" y="2923746"/>
+            <a:off x="10930262" y="5719682"/>
             <a:ext cx="457200" cy="457200"/>
           </a:xfrm>
           <a:prstGeom prst="rect">
@@ -7247,240 +8806,10 @@
       </p:pic>
       <p:sp>
         <p:nvSpPr>
-          <p:cNvPr id="119" name="TextBox 2">
-            <a:extLst>
-              <a:ext uri="{FF2B5EF4-FFF2-40B4-BE49-F238E27FC236}">
-                <a16:creationId xmlns:a16="http://schemas.microsoft.com/office/drawing/2014/main" id="{09D97EC6-0028-0C4E-9A5E-FDAE7961F522}"/>
-              </a:ext>
-            </a:extLst>
-          </p:cNvPr>
-          <p:cNvSpPr txBox="1"/>
-          <p:nvPr/>
-        </p:nvSpPr>
-        <p:spPr>
-          <a:xfrm>
-            <a:off x="4188733" y="3152490"/>
-            <a:ext cx="1273984" cy="261610"/>
-          </a:xfrm>
-          <a:prstGeom prst="rect">
-            <a:avLst/>
-          </a:prstGeom>
-          <a:noFill/>
-        </p:spPr>
-        <p:style>
-          <a:lnRef idx="0">
-            <a:scrgbClr r="0" g="0" b="0"/>
-          </a:lnRef>
-          <a:fillRef idx="0">
-            <a:scrgbClr r="0" g="0" b="0"/>
-          </a:fillRef>
-          <a:effectRef idx="0">
-            <a:scrgbClr r="0" g="0" b="0"/>
-          </a:effectRef>
-          <a:fontRef idx="major"/>
-        </p:style>
-        <p:txBody>
-          <a:bodyPr wrap="square" rtlCol="0">
-            <a:spAutoFit/>
-          </a:bodyPr>
-          <a:lstStyle>
-            <a:lvl1pPr>
-              <a:defRPr>
-                <a:latin typeface="+mj-lt"/>
-                <a:ea typeface="+mj-ea"/>
-                <a:cs typeface="+mj-cs"/>
-              </a:defRPr>
-            </a:lvl1pPr>
-            <a:lvl2pPr>
-              <a:defRPr>
-                <a:latin typeface="+mj-lt"/>
-                <a:ea typeface="+mj-ea"/>
-                <a:cs typeface="+mj-cs"/>
-              </a:defRPr>
-            </a:lvl2pPr>
-            <a:lvl3pPr>
-              <a:defRPr>
-                <a:latin typeface="+mj-lt"/>
-                <a:ea typeface="+mj-ea"/>
-                <a:cs typeface="+mj-cs"/>
-              </a:defRPr>
-            </a:lvl3pPr>
-            <a:lvl4pPr>
-              <a:defRPr>
-                <a:latin typeface="+mj-lt"/>
-                <a:ea typeface="+mj-ea"/>
-                <a:cs typeface="+mj-cs"/>
-              </a:defRPr>
-            </a:lvl4pPr>
-            <a:lvl5pPr>
-              <a:defRPr>
-                <a:latin typeface="+mj-lt"/>
-                <a:ea typeface="+mj-ea"/>
-                <a:cs typeface="+mj-cs"/>
-              </a:defRPr>
-            </a:lvl5pPr>
-            <a:lvl6pPr>
-              <a:defRPr>
-                <a:latin typeface="+mj-lt"/>
-                <a:ea typeface="+mj-ea"/>
-                <a:cs typeface="+mj-cs"/>
-              </a:defRPr>
-            </a:lvl6pPr>
-            <a:lvl7pPr>
-              <a:defRPr>
-                <a:latin typeface="+mj-lt"/>
-                <a:ea typeface="+mj-ea"/>
-                <a:cs typeface="+mj-cs"/>
-              </a:defRPr>
-            </a:lvl7pPr>
-            <a:lvl8pPr>
-              <a:defRPr>
-                <a:latin typeface="+mj-lt"/>
-                <a:ea typeface="+mj-ea"/>
-                <a:cs typeface="+mj-cs"/>
-              </a:defRPr>
-            </a:lvl8pPr>
-            <a:lvl9pPr>
-              <a:defRPr>
-                <a:latin typeface="+mj-lt"/>
-                <a:ea typeface="+mj-ea"/>
-                <a:cs typeface="+mj-cs"/>
-              </a:defRPr>
-            </a:lvl9pPr>
-          </a:lstStyle>
-          <a:p>
-            <a:pPr algn="ctr"/>
-            <a:r>
-              <a:rPr lang="en-US" sz="1100" dirty="0">
-                <a:latin typeface="Arial" panose="020B0604020202020204" pitchFamily="34" charset="0"/>
-                <a:cs typeface="Arial" panose="020B0604020202020204" pitchFamily="34" charset="0"/>
-              </a:rPr>
-              <a:t>Lambda Function</a:t>
-            </a:r>
-          </a:p>
-        </p:txBody>
-      </p:sp>
-      <p:sp>
-        <p:nvSpPr>
-          <p:cNvPr id="120" name="TextBox 2">
-            <a:extLst>
-              <a:ext uri="{FF2B5EF4-FFF2-40B4-BE49-F238E27FC236}">
-                <a16:creationId xmlns:a16="http://schemas.microsoft.com/office/drawing/2014/main" id="{45754691-70CD-3F46-A03E-D5A1C0A380AF}"/>
-              </a:ext>
-            </a:extLst>
-          </p:cNvPr>
-          <p:cNvSpPr txBox="1"/>
-          <p:nvPr/>
-        </p:nvSpPr>
-        <p:spPr>
-          <a:xfrm>
-            <a:off x="4386370" y="4102178"/>
-            <a:ext cx="1098724" cy="430887"/>
-          </a:xfrm>
-          <a:prstGeom prst="rect">
-            <a:avLst/>
-          </a:prstGeom>
-          <a:noFill/>
-        </p:spPr>
-        <p:style>
-          <a:lnRef idx="0">
-            <a:scrgbClr r="0" g="0" b="0"/>
-          </a:lnRef>
-          <a:fillRef idx="0">
-            <a:scrgbClr r="0" g="0" b="0"/>
-          </a:fillRef>
-          <a:effectRef idx="0">
-            <a:scrgbClr r="0" g="0" b="0"/>
-          </a:effectRef>
-          <a:fontRef idx="major"/>
-        </p:style>
-        <p:txBody>
-          <a:bodyPr wrap="square" rtlCol="0">
-            <a:spAutoFit/>
-          </a:bodyPr>
-          <a:lstStyle>
-            <a:lvl1pPr>
-              <a:defRPr>
-                <a:latin typeface="+mj-lt"/>
-                <a:ea typeface="+mj-ea"/>
-                <a:cs typeface="+mj-cs"/>
-              </a:defRPr>
-            </a:lvl1pPr>
-            <a:lvl2pPr>
-              <a:defRPr>
-                <a:latin typeface="+mj-lt"/>
-                <a:ea typeface="+mj-ea"/>
-                <a:cs typeface="+mj-cs"/>
-              </a:defRPr>
-            </a:lvl2pPr>
-            <a:lvl3pPr>
-              <a:defRPr>
-                <a:latin typeface="+mj-lt"/>
-                <a:ea typeface="+mj-ea"/>
-                <a:cs typeface="+mj-cs"/>
-              </a:defRPr>
-            </a:lvl3pPr>
-            <a:lvl4pPr>
-              <a:defRPr>
-                <a:latin typeface="+mj-lt"/>
-                <a:ea typeface="+mj-ea"/>
-                <a:cs typeface="+mj-cs"/>
-              </a:defRPr>
-            </a:lvl4pPr>
-            <a:lvl5pPr>
-              <a:defRPr>
-                <a:latin typeface="+mj-lt"/>
-                <a:ea typeface="+mj-ea"/>
-                <a:cs typeface="+mj-cs"/>
-              </a:defRPr>
-            </a:lvl5pPr>
-            <a:lvl6pPr>
-              <a:defRPr>
-                <a:latin typeface="+mj-lt"/>
-                <a:ea typeface="+mj-ea"/>
-                <a:cs typeface="+mj-cs"/>
-              </a:defRPr>
-            </a:lvl6pPr>
-            <a:lvl7pPr>
-              <a:defRPr>
-                <a:latin typeface="+mj-lt"/>
-                <a:ea typeface="+mj-ea"/>
-                <a:cs typeface="+mj-cs"/>
-              </a:defRPr>
-            </a:lvl7pPr>
-            <a:lvl8pPr>
-              <a:defRPr>
-                <a:latin typeface="+mj-lt"/>
-                <a:ea typeface="+mj-ea"/>
-                <a:cs typeface="+mj-cs"/>
-              </a:defRPr>
-            </a:lvl8pPr>
-            <a:lvl9pPr>
-              <a:defRPr>
-                <a:latin typeface="+mj-lt"/>
-                <a:ea typeface="+mj-ea"/>
-                <a:cs typeface="+mj-cs"/>
-              </a:defRPr>
-            </a:lvl9pPr>
-          </a:lstStyle>
-          <a:p>
-            <a:pPr algn="ctr"/>
-            <a:r>
-              <a:rPr lang="en-US" sz="1100" dirty="0">
-                <a:latin typeface="Arial" panose="020B0604020202020204" pitchFamily="34" charset="0"/>
-                <a:cs typeface="Arial" panose="020B0604020202020204" pitchFamily="34" charset="0"/>
-              </a:rPr>
-              <a:t>CloudWatch Log Group</a:t>
-            </a:r>
-          </a:p>
-        </p:txBody>
-      </p:sp>
-      <p:sp>
-        <p:nvSpPr>
-          <p:cNvPr id="127" name="Oval 126">
-            <a:extLst>
-              <a:ext uri="{FF2B5EF4-FFF2-40B4-BE49-F238E27FC236}">
-                <a16:creationId xmlns:a16="http://schemas.microsoft.com/office/drawing/2014/main" id="{DABAD47C-74DD-2144-AA9E-4148BBC990CA}"/>
+          <p:cNvPr id="234" name="Oval 233">
+            <a:extLst>
+              <a:ext uri="{FF2B5EF4-FFF2-40B4-BE49-F238E27FC236}">
+                <a16:creationId xmlns:a16="http://schemas.microsoft.com/office/drawing/2014/main" id="{6EB5A766-9C35-4219-B581-3728C13CC74D}"/>
               </a:ext>
             </a:extLst>
           </p:cNvPr>
@@ -7489,7 +8818,7 @@
         </p:nvSpPr>
         <p:spPr>
           <a:xfrm>
-            <a:off x="4415306" y="3749771"/>
+            <a:off x="10847931" y="5643892"/>
             <a:ext cx="253435" cy="212902"/>
           </a:xfrm>
           <a:prstGeom prst="ellipse">
@@ -7530,42 +8859,231 @@
                 <a:latin typeface="Arial" panose="020B0604020202020204" pitchFamily="34" charset="0"/>
                 <a:cs typeface="Arial" panose="020B0604020202020204" pitchFamily="34" charset="0"/>
               </a:rPr>
-              <a:t>1.8</a:t>
+              <a:t>3.3</a:t>
+            </a:r>
+          </a:p>
+        </p:txBody>
+      </p:sp>
+      <p:sp>
+        <p:nvSpPr>
+          <p:cNvPr id="235" name="Oval 234">
+            <a:extLst>
+              <a:ext uri="{FF2B5EF4-FFF2-40B4-BE49-F238E27FC236}">
+                <a16:creationId xmlns:a16="http://schemas.microsoft.com/office/drawing/2014/main" id="{1BDB1ABD-271A-40FF-9892-B5B91A5F6E19}"/>
+              </a:ext>
+            </a:extLst>
+          </p:cNvPr>
+          <p:cNvSpPr/>
+          <p:nvPr/>
+        </p:nvSpPr>
+        <p:spPr>
+          <a:xfrm>
+            <a:off x="364192" y="990599"/>
+            <a:ext cx="253435" cy="212902"/>
+          </a:xfrm>
+          <a:prstGeom prst="ellipse">
+            <a:avLst/>
+          </a:prstGeom>
+          <a:solidFill>
+            <a:schemeClr val="tx1"/>
+          </a:solidFill>
+          <a:ln>
+            <a:solidFill>
+              <a:schemeClr val="tx1"/>
+            </a:solidFill>
+          </a:ln>
+        </p:spPr>
+        <p:style>
+          <a:lnRef idx="2">
+            <a:schemeClr val="accent1">
+              <a:shade val="50000"/>
+            </a:schemeClr>
+          </a:lnRef>
+          <a:fillRef idx="1">
+            <a:schemeClr val="accent1"/>
+          </a:fillRef>
+          <a:effectRef idx="0">
+            <a:schemeClr val="accent1"/>
+          </a:effectRef>
+          <a:fontRef idx="minor">
+            <a:schemeClr val="lt1"/>
+          </a:fontRef>
+        </p:style>
+        <p:txBody>
+          <a:bodyPr lIns="0" tIns="0" rIns="0" bIns="0" rtlCol="0" anchor="ctr"/>
+          <a:lstStyle/>
+          <a:p>
+            <a:pPr algn="ctr"/>
+            <a:r>
+              <a:rPr lang="en-US" sz="800" dirty="0">
+                <a:latin typeface="Arial" panose="020B0604020202020204" pitchFamily="34" charset="0"/>
+                <a:cs typeface="Arial" panose="020B0604020202020204" pitchFamily="34" charset="0"/>
+              </a:rPr>
+              <a:t>1.0</a:t>
             </a:r>
           </a:p>
         </p:txBody>
       </p:sp>
       <p:pic>
         <p:nvPicPr>
-          <p:cNvPr id="134" name="Graphic 13">
-            <a:extLst>
-              <a:ext uri="{FF2B5EF4-FFF2-40B4-BE49-F238E27FC236}">
-                <a16:creationId xmlns:a16="http://schemas.microsoft.com/office/drawing/2014/main" id="{E264F702-84AB-5049-8F85-097823504F5F}"/>
+          <p:cNvPr id="236" name="Graphic 235">
+            <a:extLst>
+              <a:ext uri="{FF2B5EF4-FFF2-40B4-BE49-F238E27FC236}">
+                <a16:creationId xmlns:a16="http://schemas.microsoft.com/office/drawing/2014/main" id="{15114E6C-45C0-4B88-A357-ECA72E9C9465}"/>
               </a:ext>
             </a:extLst>
           </p:cNvPr>
           <p:cNvPicPr>
-            <a:picLocks noChangeAspect="1" noChangeArrowheads="1"/>
+            <a:picLocks noChangeAspect="1"/>
           </p:cNvPicPr>
           <p:nvPr/>
         </p:nvPicPr>
         <p:blipFill>
-          <a:blip r:embed="rId10">
-            <a:extLst>
-              <a:ext uri="{28A0092B-C50C-407E-A947-70E740481C1C}">
-                <a14:useLocalDpi xmlns:a14="http://schemas.microsoft.com/office/drawing/2010/main" val="0"/>
+          <a:blip r:embed="rId14">
+            <a:extLst>
+              <a:ext uri="{96DAC541-7B7A-43D3-8B79-37D633B846F1}">
+                <asvg:svgBlip xmlns:asvg="http://schemas.microsoft.com/office/drawing/2016/SVG/main" r:embed="rId15"/>
               </a:ext>
             </a:extLst>
           </a:blip>
-          <a:srcRect/>
           <a:stretch>
             <a:fillRect/>
           </a:stretch>
         </p:blipFill>
+        <p:spPr>
+          <a:xfrm>
+            <a:off x="8379488" y="3846014"/>
+            <a:ext cx="391567" cy="391567"/>
+          </a:xfrm>
+          <a:prstGeom prst="rect">
+            <a:avLst/>
+          </a:prstGeom>
+        </p:spPr>
+      </p:pic>
+      <p:sp>
+        <p:nvSpPr>
+          <p:cNvPr id="110" name="Rectangle 109">
+            <a:extLst>
+              <a:ext uri="{FF2B5EF4-FFF2-40B4-BE49-F238E27FC236}">
+                <a16:creationId xmlns:a16="http://schemas.microsoft.com/office/drawing/2014/main" id="{B94EA0FF-46F8-444A-85E3-457A18944FC7}"/>
+              </a:ext>
+            </a:extLst>
+          </p:cNvPr>
+          <p:cNvSpPr/>
+          <p:nvPr/>
+        </p:nvSpPr>
+        <p:spPr>
+          <a:xfrm>
+            <a:off x="7111668" y="1102470"/>
+            <a:ext cx="1121050" cy="2112925"/>
+          </a:xfrm>
+          <a:prstGeom prst="rect">
+            <a:avLst/>
+          </a:prstGeom>
+          <a:noFill/>
+          <a:ln w="12700">
+            <a:solidFill>
+              <a:srgbClr val="5B9CD5"/>
+            </a:solidFill>
+            <a:prstDash val="sysDash"/>
+          </a:ln>
+        </p:spPr>
+        <p:style>
+          <a:lnRef idx="2">
+            <a:schemeClr val="accent1">
+              <a:shade val="50000"/>
+            </a:schemeClr>
+          </a:lnRef>
+          <a:fillRef idx="1">
+            <a:schemeClr val="accent1"/>
+          </a:fillRef>
+          <a:effectRef idx="0">
+            <a:schemeClr val="accent1"/>
+          </a:effectRef>
+          <a:fontRef idx="minor">
+            <a:schemeClr val="lt1"/>
+          </a:fontRef>
+        </p:style>
+        <p:txBody>
+          <a:bodyPr lIns="502920" tIns="91440"/>
+          <a:lstStyle/>
+          <a:p>
+            <a:pPr eaLnBrk="1" fontAlgn="auto" hangingPunct="1">
+              <a:spcBef>
+                <a:spcPts val="0"/>
+              </a:spcBef>
+              <a:spcAft>
+                <a:spcPts val="0"/>
+              </a:spcAft>
+              <a:defRPr/>
+            </a:pPr>
+            <a:r>
+              <a:rPr lang="en-US" sz="1200" dirty="0">
+                <a:solidFill>
+                  <a:srgbClr val="5B9CD5"/>
+                </a:solidFill>
+                <a:latin typeface="Arial" panose="020B0604020202020204" pitchFamily="34" charset="0"/>
+                <a:cs typeface="Arial" panose="020B0604020202020204" pitchFamily="34" charset="0"/>
+              </a:rPr>
+              <a:t>Global Region</a:t>
+            </a:r>
+          </a:p>
+        </p:txBody>
+      </p:sp>
+      <p:pic>
+        <p:nvPicPr>
+          <p:cNvPr id="112" name="Graphic 111">
+            <a:extLst>
+              <a:ext uri="{FF2B5EF4-FFF2-40B4-BE49-F238E27FC236}">
+                <a16:creationId xmlns:a16="http://schemas.microsoft.com/office/drawing/2014/main" id="{81103917-640F-4DE0-B729-367EBF518B6B}"/>
+              </a:ext>
+            </a:extLst>
+          </p:cNvPr>
+          <p:cNvPicPr>
+            <a:picLocks noChangeAspect="1"/>
+          </p:cNvPicPr>
+          <p:nvPr/>
+        </p:nvPicPr>
+        <p:blipFill>
+          <a:blip r:embed="rId14">
+            <a:extLst>
+              <a:ext uri="{96DAC541-7B7A-43D3-8B79-37D633B846F1}">
+                <asvg:svgBlip xmlns:asvg="http://schemas.microsoft.com/office/drawing/2016/SVG/main" r:embed="rId15"/>
+              </a:ext>
+            </a:extLst>
+          </a:blip>
+          <a:stretch>
+            <a:fillRect/>
+          </a:stretch>
+        </p:blipFill>
+        <p:spPr>
+          <a:xfrm>
+            <a:off x="7102723" y="1095978"/>
+            <a:ext cx="338804" cy="338804"/>
+          </a:xfrm>
+          <a:prstGeom prst="rect">
+            <a:avLst/>
+          </a:prstGeom>
+        </p:spPr>
+      </p:pic>
+      <p:sp>
+        <p:nvSpPr>
+          <p:cNvPr id="113" name="TextBox 29">
+            <a:extLst>
+              <a:ext uri="{FF2B5EF4-FFF2-40B4-BE49-F238E27FC236}">
+                <a16:creationId xmlns:a16="http://schemas.microsoft.com/office/drawing/2014/main" id="{D92C7268-8AE6-475C-9817-31D60F7F0535}"/>
+              </a:ext>
+            </a:extLst>
+          </p:cNvPr>
+          <p:cNvSpPr txBox="1">
+            <a:spLocks noChangeArrowheads="1"/>
+          </p:cNvSpPr>
+          <p:nvPr/>
+        </p:nvSpPr>
         <p:spPr bwMode="auto">
           <a:xfrm>
-            <a:off x="4598218" y="2700794"/>
-            <a:ext cx="457200" cy="457200"/>
+            <a:off x="6924993" y="1985415"/>
+            <a:ext cx="1519646" cy="430887"/>
           </a:xfrm>
           <a:prstGeom prst="rect">
             <a:avLst/>
@@ -7594,73 +9112,138 @@
             </a:ext>
           </a:extLst>
         </p:spPr>
-      </p:pic>
-      <p:sp>
-        <p:nvSpPr>
-          <p:cNvPr id="135" name="Oval 134">
-            <a:extLst>
-              <a:ext uri="{FF2B5EF4-FFF2-40B4-BE49-F238E27FC236}">
-                <a16:creationId xmlns:a16="http://schemas.microsoft.com/office/drawing/2014/main" id="{2AA7BBCB-A999-5247-BBC2-FD57DEA7AABD}"/>
-              </a:ext>
-            </a:extLst>
-          </p:cNvPr>
-          <p:cNvSpPr/>
-          <p:nvPr/>
-        </p:nvSpPr>
-        <p:spPr>
-          <a:xfrm>
-            <a:off x="4437113" y="2613295"/>
-            <a:ext cx="253435" cy="212902"/>
-          </a:xfrm>
-          <a:prstGeom prst="ellipse">
-            <a:avLst/>
-          </a:prstGeom>
-          <a:solidFill>
-            <a:schemeClr val="tx1"/>
-          </a:solidFill>
-          <a:ln>
-            <a:solidFill>
-              <a:schemeClr val="tx1"/>
-            </a:solidFill>
-          </a:ln>
-        </p:spPr>
-        <p:style>
-          <a:lnRef idx="2">
-            <a:schemeClr val="accent1">
-              <a:shade val="50000"/>
-            </a:schemeClr>
-          </a:lnRef>
-          <a:fillRef idx="1">
-            <a:schemeClr val="accent1"/>
-          </a:fillRef>
-          <a:effectRef idx="0">
-            <a:schemeClr val="accent1"/>
-          </a:effectRef>
-          <a:fontRef idx="minor">
-            <a:schemeClr val="lt1"/>
-          </a:fontRef>
-        </p:style>
-        <p:txBody>
-          <a:bodyPr lIns="0" tIns="0" rIns="0" bIns="0" rtlCol="0" anchor="ctr"/>
-          <a:lstStyle/>
-          <a:p>
-            <a:pPr algn="ctr"/>
-            <a:r>
-              <a:rPr lang="en-US" sz="800" dirty="0">
+        <p:txBody>
+          <a:bodyPr wrap="square">
+            <a:spAutoFit/>
+          </a:bodyPr>
+          <a:lstStyle>
+            <a:lvl1pPr>
+              <a:defRPr>
+                <a:solidFill>
+                  <a:schemeClr val="tx1"/>
+                </a:solidFill>
+                <a:latin typeface="Calibri" panose="020F0502020204030204" pitchFamily="34" charset="0"/>
+              </a:defRPr>
+            </a:lvl1pPr>
+            <a:lvl2pPr marL="742950" indent="-285750">
+              <a:defRPr>
+                <a:solidFill>
+                  <a:schemeClr val="tx1"/>
+                </a:solidFill>
+                <a:latin typeface="Calibri" panose="020F0502020204030204" pitchFamily="34" charset="0"/>
+              </a:defRPr>
+            </a:lvl2pPr>
+            <a:lvl3pPr marL="1143000" indent="-228600">
+              <a:defRPr>
+                <a:solidFill>
+                  <a:schemeClr val="tx1"/>
+                </a:solidFill>
+                <a:latin typeface="Calibri" panose="020F0502020204030204" pitchFamily="34" charset="0"/>
+              </a:defRPr>
+            </a:lvl3pPr>
+            <a:lvl4pPr marL="1600200" indent="-228600">
+              <a:defRPr>
+                <a:solidFill>
+                  <a:schemeClr val="tx1"/>
+                </a:solidFill>
+                <a:latin typeface="Calibri" panose="020F0502020204030204" pitchFamily="34" charset="0"/>
+              </a:defRPr>
+            </a:lvl4pPr>
+            <a:lvl5pPr marL="2057400" indent="-228600">
+              <a:defRPr>
+                <a:solidFill>
+                  <a:schemeClr val="tx1"/>
+                </a:solidFill>
+                <a:latin typeface="Calibri" panose="020F0502020204030204" pitchFamily="34" charset="0"/>
+              </a:defRPr>
+            </a:lvl5pPr>
+            <a:lvl6pPr marL="2514600" indent="-228600" eaLnBrk="0" fontAlgn="base" hangingPunct="0">
+              <a:spcBef>
+                <a:spcPct val="0"/>
+              </a:spcBef>
+              <a:spcAft>
+                <a:spcPct val="0"/>
+              </a:spcAft>
+              <a:defRPr>
+                <a:solidFill>
+                  <a:schemeClr val="tx1"/>
+                </a:solidFill>
+                <a:latin typeface="Calibri" panose="020F0502020204030204" pitchFamily="34" charset="0"/>
+              </a:defRPr>
+            </a:lvl6pPr>
+            <a:lvl7pPr marL="2971800" indent="-228600" eaLnBrk="0" fontAlgn="base" hangingPunct="0">
+              <a:spcBef>
+                <a:spcPct val="0"/>
+              </a:spcBef>
+              <a:spcAft>
+                <a:spcPct val="0"/>
+              </a:spcAft>
+              <a:defRPr>
+                <a:solidFill>
+                  <a:schemeClr val="tx1"/>
+                </a:solidFill>
+                <a:latin typeface="Calibri" panose="020F0502020204030204" pitchFamily="34" charset="0"/>
+              </a:defRPr>
+            </a:lvl7pPr>
+            <a:lvl8pPr marL="3429000" indent="-228600" eaLnBrk="0" fontAlgn="base" hangingPunct="0">
+              <a:spcBef>
+                <a:spcPct val="0"/>
+              </a:spcBef>
+              <a:spcAft>
+                <a:spcPct val="0"/>
+              </a:spcAft>
+              <a:defRPr>
+                <a:solidFill>
+                  <a:schemeClr val="tx1"/>
+                </a:solidFill>
+                <a:latin typeface="Calibri" panose="020F0502020204030204" pitchFamily="34" charset="0"/>
+              </a:defRPr>
+            </a:lvl8pPr>
+            <a:lvl9pPr marL="3886200" indent="-228600" eaLnBrk="0" fontAlgn="base" hangingPunct="0">
+              <a:spcBef>
+                <a:spcPct val="0"/>
+              </a:spcBef>
+              <a:spcAft>
+                <a:spcPct val="0"/>
+              </a:spcAft>
+              <a:defRPr>
+                <a:solidFill>
+                  <a:schemeClr val="tx1"/>
+                </a:solidFill>
+                <a:latin typeface="Calibri" panose="020F0502020204030204" pitchFamily="34" charset="0"/>
+              </a:defRPr>
+            </a:lvl9pPr>
+          </a:lstStyle>
+          <a:p>
+            <a:pPr algn="ctr" eaLnBrk="1" hangingPunct="1"/>
+            <a:r>
+              <a:rPr lang="en-US" altLang="en-US" sz="1100" dirty="0">
                 <a:latin typeface="Arial" panose="020B0604020202020204" pitchFamily="34" charset="0"/>
+                <a:ea typeface="Amazon Ember" panose="020B0603020204020204" pitchFamily="34" charset="0"/>
                 <a:cs typeface="Arial" panose="020B0604020202020204" pitchFamily="34" charset="0"/>
               </a:rPr>
-              <a:t>1.7</a:t>
+              <a:t>Configuration</a:t>
+            </a:r>
+          </a:p>
+          <a:p>
+            <a:pPr algn="ctr" eaLnBrk="1" hangingPunct="1"/>
+            <a:r>
+              <a:rPr lang="en-US" altLang="en-US" sz="1100" dirty="0">
+                <a:latin typeface="Arial" panose="020B0604020202020204" pitchFamily="34" charset="0"/>
+                <a:ea typeface="Amazon Ember" panose="020B0603020204020204" pitchFamily="34" charset="0"/>
+                <a:cs typeface="Arial" panose="020B0604020202020204" pitchFamily="34" charset="0"/>
+              </a:rPr>
+              <a:t>Role</a:t>
             </a:r>
           </a:p>
         </p:txBody>
       </p:sp>
       <p:pic>
         <p:nvPicPr>
-          <p:cNvPr id="137" name="Graphic 7">
-            <a:extLst>
-              <a:ext uri="{FF2B5EF4-FFF2-40B4-BE49-F238E27FC236}">
-                <a16:creationId xmlns:a16="http://schemas.microsoft.com/office/drawing/2014/main" id="{17D44A4F-DA13-4649-B3FC-C06000F8C2B5}"/>
+          <p:cNvPr id="114" name="Graphic 49">
+            <a:extLst>
+              <a:ext uri="{FF2B5EF4-FFF2-40B4-BE49-F238E27FC236}">
+                <a16:creationId xmlns:a16="http://schemas.microsoft.com/office/drawing/2014/main" id="{61E12E8E-7283-47DA-8664-8733FD04B8F2}"/>
               </a:ext>
             </a:extLst>
           </p:cNvPr>
@@ -7670,10 +9253,10 @@
           <p:nvPr/>
         </p:nvPicPr>
         <p:blipFill>
-          <a:blip r:embed="rId11">
+          <a:blip r:embed="rId20">
             <a:extLst>
               <a:ext uri="{28A0092B-C50C-407E-A947-70E740481C1C}">
-                <a14:useLocalDpi xmlns:a14="http://schemas.microsoft.com/office/drawing/2010/main" val="0"/>
+                <a14:useLocalDpi xmlns:a14="http://schemas.microsoft.com/office/drawing/2010/main"/>
               </a:ext>
             </a:extLst>
           </a:blip>
@@ -7684,7 +9267,7 @@
         </p:blipFill>
         <p:spPr bwMode="auto">
           <a:xfrm>
-            <a:off x="4709858" y="3684586"/>
+            <a:off x="7399404" y="1633864"/>
             <a:ext cx="457200" cy="457200"/>
           </a:xfrm>
           <a:prstGeom prst="rect">
@@ -7715,53 +9298,72 @@
           </a:extLst>
         </p:spPr>
       </p:pic>
-      <p:cxnSp>
-        <p:nvCxnSpPr>
-          <p:cNvPr id="139" name="Straight Arrow Connector 138">
-            <a:extLst>
-              <a:ext uri="{FF2B5EF4-FFF2-40B4-BE49-F238E27FC236}">
-                <a16:creationId xmlns:a16="http://schemas.microsoft.com/office/drawing/2014/main" id="{6F9F1E92-7045-184F-BEF3-EB4718C2FDD4}"/>
-              </a:ext>
-            </a:extLst>
-          </p:cNvPr>
-          <p:cNvCxnSpPr>
-            <a:cxnSpLocks/>
-          </p:cNvCxnSpPr>
-          <p:nvPr/>
-        </p:nvCxnSpPr>
-        <p:spPr>
-          <a:xfrm>
-            <a:off x="5247932" y="2912483"/>
-            <a:ext cx="702510" cy="0"/>
-          </a:xfrm>
-          <a:prstGeom prst="straightConnector1">
-            <a:avLst/>
-          </a:prstGeom>
+      <p:sp>
+        <p:nvSpPr>
+          <p:cNvPr id="115" name="Oval 114">
+            <a:extLst>
+              <a:ext uri="{FF2B5EF4-FFF2-40B4-BE49-F238E27FC236}">
+                <a16:creationId xmlns:a16="http://schemas.microsoft.com/office/drawing/2014/main" id="{655F3281-7A4A-4A60-B2E9-1E4A6AB839F3}"/>
+              </a:ext>
+            </a:extLst>
+          </p:cNvPr>
+          <p:cNvSpPr/>
+          <p:nvPr/>
+        </p:nvSpPr>
+        <p:spPr>
+          <a:xfrm>
+            <a:off x="7356133" y="1590309"/>
+            <a:ext cx="283464" cy="237744"/>
+          </a:xfrm>
+          <a:prstGeom prst="ellipse">
+            <a:avLst/>
+          </a:prstGeom>
+          <a:solidFill>
+            <a:schemeClr val="tx1"/>
+          </a:solidFill>
           <a:ln>
-            <a:tailEnd type="triangle"/>
+            <a:solidFill>
+              <a:schemeClr val="tx1"/>
+            </a:solidFill>
           </a:ln>
         </p:spPr>
         <p:style>
-          <a:lnRef idx="1">
-            <a:schemeClr val="dk1"/>
+          <a:lnRef idx="2">
+            <a:schemeClr val="accent1">
+              <a:shade val="50000"/>
+            </a:schemeClr>
           </a:lnRef>
-          <a:fillRef idx="0">
-            <a:schemeClr val="dk1"/>
+          <a:fillRef idx="1">
+            <a:schemeClr val="accent1"/>
           </a:fillRef>
           <a:effectRef idx="0">
-            <a:schemeClr val="dk1"/>
+            <a:schemeClr val="accent1"/>
           </a:effectRef>
           <a:fontRef idx="minor">
-            <a:schemeClr val="tx1"/>
+            <a:schemeClr val="lt1"/>
           </a:fontRef>
         </p:style>
-      </p:cxnSp>
+        <p:txBody>
+          <a:bodyPr lIns="0" tIns="0" rIns="0" bIns="0" rtlCol="0" anchor="ctr"/>
+          <a:lstStyle/>
+          <a:p>
+            <a:pPr algn="ctr"/>
+            <a:r>
+              <a:rPr lang="en-US" sz="800" dirty="0">
+                <a:latin typeface="Arial" panose="020B0604020202020204" pitchFamily="34" charset="0"/>
+                <a:cs typeface="Arial" panose="020B0604020202020204" pitchFamily="34" charset="0"/>
+              </a:rPr>
+              <a:t>2.2</a:t>
+            </a:r>
+          </a:p>
+        </p:txBody>
+      </p:sp>
       <p:pic>
         <p:nvPicPr>
-          <p:cNvPr id="140" name="Graphic 17">
-            <a:extLst>
-              <a:ext uri="{FF2B5EF4-FFF2-40B4-BE49-F238E27FC236}">
-                <a16:creationId xmlns:a16="http://schemas.microsoft.com/office/drawing/2014/main" id="{3E453AD8-6774-644B-BFD4-D0F320AE320C}"/>
+          <p:cNvPr id="116" name="Graphic 24">
+            <a:extLst>
+              <a:ext uri="{FF2B5EF4-FFF2-40B4-BE49-F238E27FC236}">
+                <a16:creationId xmlns:a16="http://schemas.microsoft.com/office/drawing/2014/main" id="{7991CA84-29C7-4A32-BF21-B8CD8806AF7A}"/>
               </a:ext>
             </a:extLst>
           </p:cNvPr>
@@ -7771,10 +9373,10 @@
           <p:nvPr/>
         </p:nvPicPr>
         <p:blipFill>
-          <a:blip r:embed="rId12">
+          <a:blip r:embed="rId18">
             <a:extLst>
               <a:ext uri="{28A0092B-C50C-407E-A947-70E740481C1C}">
-                <a14:useLocalDpi xmlns:a14="http://schemas.microsoft.com/office/drawing/2010/main" val="0"/>
+                <a14:useLocalDpi xmlns:a14="http://schemas.microsoft.com/office/drawing/2010/main"/>
               </a:ext>
             </a:extLst>
           </a:blip>
@@ -7785,7 +9387,7 @@
         </p:blipFill>
         <p:spPr bwMode="auto">
           <a:xfrm>
-            <a:off x="3302107" y="1353081"/>
+            <a:off x="9636883" y="1075728"/>
             <a:ext cx="457200" cy="457200"/>
           </a:xfrm>
           <a:prstGeom prst="rect">
@@ -7818,10 +9420,10 @@
       </p:pic>
       <p:sp>
         <p:nvSpPr>
-          <p:cNvPr id="141" name="TextBox 2">
-            <a:extLst>
-              <a:ext uri="{FF2B5EF4-FFF2-40B4-BE49-F238E27FC236}">
-                <a16:creationId xmlns:a16="http://schemas.microsoft.com/office/drawing/2014/main" id="{C6D44061-2569-1B46-9036-419DA1FED4C5}"/>
+          <p:cNvPr id="117" name="TextBox 2">
+            <a:extLst>
+              <a:ext uri="{FF2B5EF4-FFF2-40B4-BE49-F238E27FC236}">
+                <a16:creationId xmlns:a16="http://schemas.microsoft.com/office/drawing/2014/main" id="{CF6B4A60-A11B-44A5-85E6-BDD39C771309}"/>
               </a:ext>
             </a:extLst>
           </p:cNvPr>
@@ -7830,8 +9432,8 @@
         </p:nvSpPr>
         <p:spPr>
           <a:xfrm>
-            <a:off x="3068058" y="1759618"/>
-            <a:ext cx="917042" cy="261610"/>
+            <a:off x="9316121" y="1511258"/>
+            <a:ext cx="1098724" cy="430887"/>
           </a:xfrm>
           <a:prstGeom prst="rect">
             <a:avLst/>
@@ -7926,83 +9528,195 @@
                 <a:latin typeface="Arial" panose="020B0604020202020204" pitchFamily="34" charset="0"/>
                 <a:cs typeface="Arial" panose="020B0604020202020204" pitchFamily="34" charset="0"/>
               </a:rPr>
-              <a:t>SNS Topic</a:t>
-            </a:r>
-          </a:p>
-        </p:txBody>
-      </p:sp>
-      <p:cxnSp>
-        <p:nvCxnSpPr>
-          <p:cNvPr id="142" name="Straight Arrow Connector 141">
-            <a:extLst>
-              <a:ext uri="{FF2B5EF4-FFF2-40B4-BE49-F238E27FC236}">
-                <a16:creationId xmlns:a16="http://schemas.microsoft.com/office/drawing/2014/main" id="{6AC1F448-93BB-DF44-8A4D-6BA33939E91A}"/>
-              </a:ext>
-            </a:extLst>
-          </p:cNvPr>
-          <p:cNvCxnSpPr>
-            <a:cxnSpLocks/>
-          </p:cNvCxnSpPr>
-          <p:nvPr/>
-        </p:nvCxnSpPr>
-        <p:spPr>
-          <a:xfrm flipV="1">
-            <a:off x="4840764" y="2147695"/>
-            <a:ext cx="0" cy="465600"/>
-          </a:xfrm>
-          <a:prstGeom prst="straightConnector1">
-            <a:avLst/>
-          </a:prstGeom>
+              <a:t>Recorder Event Rule</a:t>
+            </a:r>
+          </a:p>
+        </p:txBody>
+      </p:sp>
+      <p:sp>
+        <p:nvSpPr>
+          <p:cNvPr id="118" name="Oval 117">
+            <a:extLst>
+              <a:ext uri="{FF2B5EF4-FFF2-40B4-BE49-F238E27FC236}">
+                <a16:creationId xmlns:a16="http://schemas.microsoft.com/office/drawing/2014/main" id="{6C15D84F-D66E-4AD8-8F4F-1417D446AC8C}"/>
+              </a:ext>
+            </a:extLst>
+          </p:cNvPr>
+          <p:cNvSpPr/>
+          <p:nvPr/>
+        </p:nvSpPr>
+        <p:spPr>
+          <a:xfrm>
+            <a:off x="9613519" y="1004907"/>
+            <a:ext cx="253435" cy="212902"/>
+          </a:xfrm>
+          <a:prstGeom prst="ellipse">
+            <a:avLst/>
+          </a:prstGeom>
+          <a:solidFill>
+            <a:schemeClr val="tx1"/>
+          </a:solidFill>
           <a:ln>
-            <a:tailEnd type="triangle"/>
+            <a:solidFill>
+              <a:schemeClr val="tx1"/>
+            </a:solidFill>
           </a:ln>
         </p:spPr>
         <p:style>
-          <a:lnRef idx="1">
-            <a:schemeClr val="dk1"/>
+          <a:lnRef idx="2">
+            <a:schemeClr val="accent1">
+              <a:shade val="50000"/>
+            </a:schemeClr>
           </a:lnRef>
-          <a:fillRef idx="0">
-            <a:schemeClr val="dk1"/>
+          <a:fillRef idx="1">
+            <a:schemeClr val="accent1"/>
           </a:fillRef>
           <a:effectRef idx="0">
-            <a:schemeClr val="dk1"/>
+            <a:schemeClr val="accent1"/>
           </a:effectRef>
           <a:fontRef idx="minor">
-            <a:schemeClr val="tx1"/>
+            <a:schemeClr val="lt1"/>
           </a:fontRef>
         </p:style>
-      </p:cxnSp>
+        <p:txBody>
+          <a:bodyPr lIns="0" tIns="0" rIns="0" bIns="0" rtlCol="0" anchor="ctr"/>
+          <a:lstStyle/>
+          <a:p>
+            <a:pPr algn="ctr"/>
+            <a:r>
+              <a:rPr lang="en-US" sz="800" dirty="0">
+                <a:latin typeface="Arial" panose="020B0604020202020204" pitchFamily="34" charset="0"/>
+                <a:cs typeface="Arial" panose="020B0604020202020204" pitchFamily="34" charset="0"/>
+              </a:rPr>
+              <a:t>2.5</a:t>
+            </a:r>
+          </a:p>
+        </p:txBody>
+      </p:sp>
+      <p:sp>
+        <p:nvSpPr>
+          <p:cNvPr id="135" name="Rectangle 134">
+            <a:extLst>
+              <a:ext uri="{FF2B5EF4-FFF2-40B4-BE49-F238E27FC236}">
+                <a16:creationId xmlns:a16="http://schemas.microsoft.com/office/drawing/2014/main" id="{B50BA5C4-8BB3-4272-B8D5-F3E9B345CD12}"/>
+              </a:ext>
+            </a:extLst>
+          </p:cNvPr>
+          <p:cNvSpPr/>
+          <p:nvPr/>
+        </p:nvSpPr>
+        <p:spPr>
+          <a:xfrm>
+            <a:off x="7136296" y="4356295"/>
+            <a:ext cx="1121050" cy="2112136"/>
+          </a:xfrm>
+          <a:prstGeom prst="rect">
+            <a:avLst/>
+          </a:prstGeom>
+          <a:noFill/>
+          <a:ln w="12700">
+            <a:solidFill>
+              <a:srgbClr val="5B9CD5"/>
+            </a:solidFill>
+            <a:prstDash val="sysDash"/>
+          </a:ln>
+        </p:spPr>
+        <p:style>
+          <a:lnRef idx="2">
+            <a:schemeClr val="accent1">
+              <a:shade val="50000"/>
+            </a:schemeClr>
+          </a:lnRef>
+          <a:fillRef idx="1">
+            <a:schemeClr val="accent1"/>
+          </a:fillRef>
+          <a:effectRef idx="0">
+            <a:schemeClr val="accent1"/>
+          </a:effectRef>
+          <a:fontRef idx="minor">
+            <a:schemeClr val="lt1"/>
+          </a:fontRef>
+        </p:style>
+        <p:txBody>
+          <a:bodyPr lIns="502920" tIns="91440"/>
+          <a:lstStyle/>
+          <a:p>
+            <a:pPr eaLnBrk="1" fontAlgn="auto" hangingPunct="1">
+              <a:spcBef>
+                <a:spcPts val="0"/>
+              </a:spcBef>
+              <a:spcAft>
+                <a:spcPts val="0"/>
+              </a:spcAft>
+              <a:defRPr/>
+            </a:pPr>
+            <a:r>
+              <a:rPr lang="en-US" sz="1200" dirty="0">
+                <a:solidFill>
+                  <a:srgbClr val="5B9CD5"/>
+                </a:solidFill>
+                <a:latin typeface="Arial" panose="020B0604020202020204" pitchFamily="34" charset="0"/>
+                <a:cs typeface="Arial" panose="020B0604020202020204" pitchFamily="34" charset="0"/>
+              </a:rPr>
+              <a:t>Global Region</a:t>
+            </a:r>
+          </a:p>
+        </p:txBody>
+      </p:sp>
       <p:pic>
         <p:nvPicPr>
-          <p:cNvPr id="143" name="Graphic 17">
-            <a:extLst>
-              <a:ext uri="{FF2B5EF4-FFF2-40B4-BE49-F238E27FC236}">
-                <a16:creationId xmlns:a16="http://schemas.microsoft.com/office/drawing/2014/main" id="{C463399F-CD72-F24D-BC42-32926859F30A}"/>
+          <p:cNvPr id="137" name="Graphic 136">
+            <a:extLst>
+              <a:ext uri="{FF2B5EF4-FFF2-40B4-BE49-F238E27FC236}">
+                <a16:creationId xmlns:a16="http://schemas.microsoft.com/office/drawing/2014/main" id="{66810E02-6475-4F23-BCD1-40241AB985AA}"/>
               </a:ext>
             </a:extLst>
           </p:cNvPr>
           <p:cNvPicPr>
-            <a:picLocks noChangeAspect="1" noChangeArrowheads="1"/>
+            <a:picLocks noChangeAspect="1"/>
           </p:cNvPicPr>
           <p:nvPr/>
         </p:nvPicPr>
         <p:blipFill>
-          <a:blip r:embed="rId12">
-            <a:extLst>
-              <a:ext uri="{28A0092B-C50C-407E-A947-70E740481C1C}">
-                <a14:useLocalDpi xmlns:a14="http://schemas.microsoft.com/office/drawing/2010/main" val="0"/>
+          <a:blip r:embed="rId14">
+            <a:extLst>
+              <a:ext uri="{96DAC541-7B7A-43D3-8B79-37D633B846F1}">
+                <asvg:svgBlip xmlns:asvg="http://schemas.microsoft.com/office/drawing/2016/SVG/main" r:embed="rId15"/>
               </a:ext>
             </a:extLst>
           </a:blip>
-          <a:srcRect/>
           <a:stretch>
             <a:fillRect/>
           </a:stretch>
         </p:blipFill>
+        <p:spPr>
+          <a:xfrm>
+            <a:off x="7127351" y="4349802"/>
+            <a:ext cx="338804" cy="338804"/>
+          </a:xfrm>
+          <a:prstGeom prst="rect">
+            <a:avLst/>
+          </a:prstGeom>
+        </p:spPr>
+      </p:pic>
+      <p:sp>
+        <p:nvSpPr>
+          <p:cNvPr id="139" name="TextBox 29">
+            <a:extLst>
+              <a:ext uri="{FF2B5EF4-FFF2-40B4-BE49-F238E27FC236}">
+                <a16:creationId xmlns:a16="http://schemas.microsoft.com/office/drawing/2014/main" id="{7810B277-94AD-46F6-84E1-FA2D028126D9}"/>
+              </a:ext>
+            </a:extLst>
+          </p:cNvPr>
+          <p:cNvSpPr txBox="1">
+            <a:spLocks noChangeArrowheads="1"/>
+          </p:cNvSpPr>
+          <p:nvPr/>
+        </p:nvSpPr>
         <p:spPr bwMode="auto">
           <a:xfrm>
-            <a:off x="5574109" y="1347069"/>
-            <a:ext cx="457200" cy="457200"/>
+            <a:off x="6949621" y="5239239"/>
+            <a:ext cx="1519646" cy="430887"/>
           </a:xfrm>
           <a:prstGeom prst="rect">
             <a:avLst/>
@@ -8031,170 +9745,138 @@
             </a:ext>
           </a:extLst>
         </p:spPr>
-      </p:pic>
-      <p:sp>
-        <p:nvSpPr>
-          <p:cNvPr id="144" name="TextBox 2">
-            <a:extLst>
-              <a:ext uri="{FF2B5EF4-FFF2-40B4-BE49-F238E27FC236}">
-                <a16:creationId xmlns:a16="http://schemas.microsoft.com/office/drawing/2014/main" id="{60F8FEA4-10F0-B34C-B65D-C6E13A093E9B}"/>
-              </a:ext>
-            </a:extLst>
-          </p:cNvPr>
-          <p:cNvSpPr txBox="1"/>
-          <p:nvPr/>
-        </p:nvSpPr>
-        <p:spPr>
-          <a:xfrm>
-            <a:off x="5339584" y="1749099"/>
-            <a:ext cx="932275" cy="261610"/>
-          </a:xfrm>
-          <a:prstGeom prst="rect">
-            <a:avLst/>
-          </a:prstGeom>
-          <a:noFill/>
-        </p:spPr>
-        <p:style>
-          <a:lnRef idx="0">
-            <a:scrgbClr r="0" g="0" b="0"/>
-          </a:lnRef>
-          <a:fillRef idx="0">
-            <a:scrgbClr r="0" g="0" b="0"/>
-          </a:fillRef>
-          <a:effectRef idx="0">
-            <a:scrgbClr r="0" g="0" b="0"/>
-          </a:effectRef>
-          <a:fontRef idx="major"/>
-        </p:style>
-        <p:txBody>
-          <a:bodyPr wrap="square" rtlCol="0">
+        <p:txBody>
+          <a:bodyPr wrap="square">
             <a:spAutoFit/>
           </a:bodyPr>
           <a:lstStyle>
             <a:lvl1pPr>
               <a:defRPr>
-                <a:latin typeface="+mj-lt"/>
-                <a:ea typeface="+mj-ea"/>
-                <a:cs typeface="+mj-cs"/>
+                <a:solidFill>
+                  <a:schemeClr val="tx1"/>
+                </a:solidFill>
+                <a:latin typeface="Calibri" panose="020F0502020204030204" pitchFamily="34" charset="0"/>
               </a:defRPr>
             </a:lvl1pPr>
-            <a:lvl2pPr>
+            <a:lvl2pPr marL="742950" indent="-285750">
               <a:defRPr>
-                <a:latin typeface="+mj-lt"/>
-                <a:ea typeface="+mj-ea"/>
-                <a:cs typeface="+mj-cs"/>
+                <a:solidFill>
+                  <a:schemeClr val="tx1"/>
+                </a:solidFill>
+                <a:latin typeface="Calibri" panose="020F0502020204030204" pitchFamily="34" charset="0"/>
               </a:defRPr>
             </a:lvl2pPr>
-            <a:lvl3pPr>
+            <a:lvl3pPr marL="1143000" indent="-228600">
               <a:defRPr>
-                <a:latin typeface="+mj-lt"/>
-                <a:ea typeface="+mj-ea"/>
-                <a:cs typeface="+mj-cs"/>
+                <a:solidFill>
+                  <a:schemeClr val="tx1"/>
+                </a:solidFill>
+                <a:latin typeface="Calibri" panose="020F0502020204030204" pitchFamily="34" charset="0"/>
               </a:defRPr>
             </a:lvl3pPr>
-            <a:lvl4pPr>
+            <a:lvl4pPr marL="1600200" indent="-228600">
               <a:defRPr>
-                <a:latin typeface="+mj-lt"/>
-                <a:ea typeface="+mj-ea"/>
-                <a:cs typeface="+mj-cs"/>
+                <a:solidFill>
+                  <a:schemeClr val="tx1"/>
+                </a:solidFill>
+                <a:latin typeface="Calibri" panose="020F0502020204030204" pitchFamily="34" charset="0"/>
               </a:defRPr>
             </a:lvl4pPr>
-            <a:lvl5pPr>
+            <a:lvl5pPr marL="2057400" indent="-228600">
               <a:defRPr>
-                <a:latin typeface="+mj-lt"/>
-                <a:ea typeface="+mj-ea"/>
-                <a:cs typeface="+mj-cs"/>
+                <a:solidFill>
+                  <a:schemeClr val="tx1"/>
+                </a:solidFill>
+                <a:latin typeface="Calibri" panose="020F0502020204030204" pitchFamily="34" charset="0"/>
               </a:defRPr>
             </a:lvl5pPr>
-            <a:lvl6pPr>
+            <a:lvl6pPr marL="2514600" indent="-228600" eaLnBrk="0" fontAlgn="base" hangingPunct="0">
+              <a:spcBef>
+                <a:spcPct val="0"/>
+              </a:spcBef>
+              <a:spcAft>
+                <a:spcPct val="0"/>
+              </a:spcAft>
               <a:defRPr>
-                <a:latin typeface="+mj-lt"/>
-                <a:ea typeface="+mj-ea"/>
-                <a:cs typeface="+mj-cs"/>
+                <a:solidFill>
+                  <a:schemeClr val="tx1"/>
+                </a:solidFill>
+                <a:latin typeface="Calibri" panose="020F0502020204030204" pitchFamily="34" charset="0"/>
               </a:defRPr>
             </a:lvl6pPr>
-            <a:lvl7pPr>
+            <a:lvl7pPr marL="2971800" indent="-228600" eaLnBrk="0" fontAlgn="base" hangingPunct="0">
+              <a:spcBef>
+                <a:spcPct val="0"/>
+              </a:spcBef>
+              <a:spcAft>
+                <a:spcPct val="0"/>
+              </a:spcAft>
               <a:defRPr>
-                <a:latin typeface="+mj-lt"/>
-                <a:ea typeface="+mj-ea"/>
-                <a:cs typeface="+mj-cs"/>
+                <a:solidFill>
+                  <a:schemeClr val="tx1"/>
+                </a:solidFill>
+                <a:latin typeface="Calibri" panose="020F0502020204030204" pitchFamily="34" charset="0"/>
               </a:defRPr>
             </a:lvl7pPr>
-            <a:lvl8pPr>
+            <a:lvl8pPr marL="3429000" indent="-228600" eaLnBrk="0" fontAlgn="base" hangingPunct="0">
+              <a:spcBef>
+                <a:spcPct val="0"/>
+              </a:spcBef>
+              <a:spcAft>
+                <a:spcPct val="0"/>
+              </a:spcAft>
               <a:defRPr>
-                <a:latin typeface="+mj-lt"/>
-                <a:ea typeface="+mj-ea"/>
-                <a:cs typeface="+mj-cs"/>
+                <a:solidFill>
+                  <a:schemeClr val="tx1"/>
+                </a:solidFill>
+                <a:latin typeface="Calibri" panose="020F0502020204030204" pitchFamily="34" charset="0"/>
               </a:defRPr>
             </a:lvl8pPr>
-            <a:lvl9pPr>
+            <a:lvl9pPr marL="3886200" indent="-228600" eaLnBrk="0" fontAlgn="base" hangingPunct="0">
+              <a:spcBef>
+                <a:spcPct val="0"/>
+              </a:spcBef>
+              <a:spcAft>
+                <a:spcPct val="0"/>
+              </a:spcAft>
               <a:defRPr>
-                <a:latin typeface="+mj-lt"/>
-                <a:ea typeface="+mj-ea"/>
-                <a:cs typeface="+mj-cs"/>
+                <a:solidFill>
+                  <a:schemeClr val="tx1"/>
+                </a:solidFill>
+                <a:latin typeface="Calibri" panose="020F0502020204030204" pitchFamily="34" charset="0"/>
               </a:defRPr>
             </a:lvl9pPr>
           </a:lstStyle>
           <a:p>
-            <a:pPr algn="ctr"/>
-            <a:r>
-              <a:rPr lang="en-US" sz="1100" dirty="0">
+            <a:pPr algn="ctr" eaLnBrk="1" hangingPunct="1"/>
+            <a:r>
+              <a:rPr lang="en-US" altLang="en-US" sz="1100" dirty="0">
                 <a:latin typeface="Arial" panose="020B0604020202020204" pitchFamily="34" charset="0"/>
+                <a:ea typeface="Amazon Ember" panose="020B0603020204020204" pitchFamily="34" charset="0"/>
                 <a:cs typeface="Arial" panose="020B0604020202020204" pitchFamily="34" charset="0"/>
               </a:rPr>
-              <a:t>Alarm Topic</a:t>
-            </a:r>
-          </a:p>
-        </p:txBody>
-      </p:sp>
-      <p:cxnSp>
-        <p:nvCxnSpPr>
-          <p:cNvPr id="145" name="Straight Arrow Connector 144">
-            <a:extLst>
-              <a:ext uri="{FF2B5EF4-FFF2-40B4-BE49-F238E27FC236}">
-                <a16:creationId xmlns:a16="http://schemas.microsoft.com/office/drawing/2014/main" id="{5B9F94BA-2974-E943-A8F4-271E121B2E50}"/>
-              </a:ext>
-            </a:extLst>
-          </p:cNvPr>
-          <p:cNvCxnSpPr>
-            <a:cxnSpLocks/>
-          </p:cNvCxnSpPr>
-          <p:nvPr/>
-        </p:nvCxnSpPr>
-        <p:spPr>
-          <a:xfrm>
-            <a:off x="3962307" y="2056853"/>
-            <a:ext cx="396856" cy="409889"/>
-          </a:xfrm>
-          <a:prstGeom prst="straightConnector1">
-            <a:avLst/>
-          </a:prstGeom>
-          <a:ln>
-            <a:headEnd type="triangle"/>
-            <a:tailEnd type="triangle"/>
-          </a:ln>
-        </p:spPr>
-        <p:style>
-          <a:lnRef idx="1">
-            <a:schemeClr val="dk1"/>
-          </a:lnRef>
-          <a:fillRef idx="0">
-            <a:schemeClr val="dk1"/>
-          </a:fillRef>
-          <a:effectRef idx="0">
-            <a:schemeClr val="dk1"/>
-          </a:effectRef>
-          <a:fontRef idx="minor">
-            <a:schemeClr val="tx1"/>
-          </a:fontRef>
-        </p:style>
-      </p:cxnSp>
+              <a:t>Configuration</a:t>
+            </a:r>
+          </a:p>
+          <a:p>
+            <a:pPr algn="ctr" eaLnBrk="1" hangingPunct="1"/>
+            <a:r>
+              <a:rPr lang="en-US" altLang="en-US" sz="1100" dirty="0">
+                <a:latin typeface="Arial" panose="020B0604020202020204" pitchFamily="34" charset="0"/>
+                <a:ea typeface="Amazon Ember" panose="020B0603020204020204" pitchFamily="34" charset="0"/>
+                <a:cs typeface="Arial" panose="020B0604020202020204" pitchFamily="34" charset="0"/>
+              </a:rPr>
+              <a:t>Role</a:t>
+            </a:r>
+          </a:p>
+        </p:txBody>
+      </p:sp>
       <p:pic>
         <p:nvPicPr>
-          <p:cNvPr id="146" name="Graphic 29">
-            <a:extLst>
-              <a:ext uri="{FF2B5EF4-FFF2-40B4-BE49-F238E27FC236}">
-                <a16:creationId xmlns:a16="http://schemas.microsoft.com/office/drawing/2014/main" id="{0FF21F99-2EF3-1341-A04B-AE41D9D90B3D}"/>
+          <p:cNvPr id="140" name="Graphic 49">
+            <a:extLst>
+              <a:ext uri="{FF2B5EF4-FFF2-40B4-BE49-F238E27FC236}">
+                <a16:creationId xmlns:a16="http://schemas.microsoft.com/office/drawing/2014/main" id="{37DE5417-FDBF-498A-A56F-DFEB99500DD6}"/>
               </a:ext>
             </a:extLst>
           </p:cNvPr>
@@ -8204,10 +9886,10 @@
           <p:nvPr/>
         </p:nvPicPr>
         <p:blipFill>
-          <a:blip r:embed="rId13">
+          <a:blip r:embed="rId20">
             <a:extLst>
               <a:ext uri="{28A0092B-C50C-407E-A947-70E740481C1C}">
-                <a14:useLocalDpi xmlns:a14="http://schemas.microsoft.com/office/drawing/2010/main" val="0"/>
+                <a14:useLocalDpi xmlns:a14="http://schemas.microsoft.com/office/drawing/2010/main"/>
               </a:ext>
             </a:extLst>
           </a:blip>
@@ -8218,7 +9900,7 @@
         </p:blipFill>
         <p:spPr bwMode="auto">
           <a:xfrm>
-            <a:off x="4597969" y="1352695"/>
+            <a:off x="7424032" y="4887688"/>
             <a:ext cx="457200" cy="457200"/>
           </a:xfrm>
           <a:prstGeom prst="rect">
@@ -8251,125 +9933,10 @@
       </p:pic>
       <p:sp>
         <p:nvSpPr>
-          <p:cNvPr id="147" name="TextBox 2">
-            <a:extLst>
-              <a:ext uri="{FF2B5EF4-FFF2-40B4-BE49-F238E27FC236}">
-                <a16:creationId xmlns:a16="http://schemas.microsoft.com/office/drawing/2014/main" id="{D07F4FDD-98C6-834B-A019-A6C5CB347B86}"/>
-              </a:ext>
-            </a:extLst>
-          </p:cNvPr>
-          <p:cNvSpPr txBox="1"/>
-          <p:nvPr/>
-        </p:nvSpPr>
-        <p:spPr>
-          <a:xfrm>
-            <a:off x="4359163" y="1727184"/>
-            <a:ext cx="932275" cy="261610"/>
-          </a:xfrm>
-          <a:prstGeom prst="rect">
-            <a:avLst/>
-          </a:prstGeom>
-          <a:noFill/>
-        </p:spPr>
-        <p:style>
-          <a:lnRef idx="0">
-            <a:scrgbClr r="0" g="0" b="0"/>
-          </a:lnRef>
-          <a:fillRef idx="0">
-            <a:scrgbClr r="0" g="0" b="0"/>
-          </a:fillRef>
-          <a:effectRef idx="0">
-            <a:scrgbClr r="0" g="0" b="0"/>
-          </a:effectRef>
-          <a:fontRef idx="major"/>
-        </p:style>
-        <p:txBody>
-          <a:bodyPr wrap="square" rtlCol="0">
-            <a:spAutoFit/>
-          </a:bodyPr>
-          <a:lstStyle>
-            <a:lvl1pPr>
-              <a:defRPr>
-                <a:latin typeface="+mj-lt"/>
-                <a:ea typeface="+mj-ea"/>
-                <a:cs typeface="+mj-cs"/>
-              </a:defRPr>
-            </a:lvl1pPr>
-            <a:lvl2pPr>
-              <a:defRPr>
-                <a:latin typeface="+mj-lt"/>
-                <a:ea typeface="+mj-ea"/>
-                <a:cs typeface="+mj-cs"/>
-              </a:defRPr>
-            </a:lvl2pPr>
-            <a:lvl3pPr>
-              <a:defRPr>
-                <a:latin typeface="+mj-lt"/>
-                <a:ea typeface="+mj-ea"/>
-                <a:cs typeface="+mj-cs"/>
-              </a:defRPr>
-            </a:lvl3pPr>
-            <a:lvl4pPr>
-              <a:defRPr>
-                <a:latin typeface="+mj-lt"/>
-                <a:ea typeface="+mj-ea"/>
-                <a:cs typeface="+mj-cs"/>
-              </a:defRPr>
-            </a:lvl4pPr>
-            <a:lvl5pPr>
-              <a:defRPr>
-                <a:latin typeface="+mj-lt"/>
-                <a:ea typeface="+mj-ea"/>
-                <a:cs typeface="+mj-cs"/>
-              </a:defRPr>
-            </a:lvl5pPr>
-            <a:lvl6pPr>
-              <a:defRPr>
-                <a:latin typeface="+mj-lt"/>
-                <a:ea typeface="+mj-ea"/>
-                <a:cs typeface="+mj-cs"/>
-              </a:defRPr>
-            </a:lvl6pPr>
-            <a:lvl7pPr>
-              <a:defRPr>
-                <a:latin typeface="+mj-lt"/>
-                <a:ea typeface="+mj-ea"/>
-                <a:cs typeface="+mj-cs"/>
-              </a:defRPr>
-            </a:lvl7pPr>
-            <a:lvl8pPr>
-              <a:defRPr>
-                <a:latin typeface="+mj-lt"/>
-                <a:ea typeface="+mj-ea"/>
-                <a:cs typeface="+mj-cs"/>
-              </a:defRPr>
-            </a:lvl8pPr>
-            <a:lvl9pPr>
-              <a:defRPr>
-                <a:latin typeface="+mj-lt"/>
-                <a:ea typeface="+mj-ea"/>
-                <a:cs typeface="+mj-cs"/>
-              </a:defRPr>
-            </a:lvl9pPr>
-          </a:lstStyle>
-          <a:p>
-            <a:pPr algn="ctr"/>
-            <a:r>
-              <a:rPr lang="en-US" sz="1100" dirty="0">
-                <a:latin typeface="Arial" panose="020B0604020202020204" pitchFamily="34" charset="0"/>
-                <a:cs typeface="Arial" panose="020B0604020202020204" pitchFamily="34" charset="0"/>
-              </a:rPr>
-              <a:t>DLQ</a:t>
-            </a:r>
-          </a:p>
-        </p:txBody>
-      </p:sp>
-      <p:sp>
-        <p:nvSpPr>
-          <p:cNvPr id="148" name="Oval 147">
-            <a:extLst>
-              <a:ext uri="{FF2B5EF4-FFF2-40B4-BE49-F238E27FC236}">
-                <a16:creationId xmlns:a16="http://schemas.microsoft.com/office/drawing/2014/main" id="{ADBC454F-34AC-2C42-BDE9-BBBD766C3225}"/>
+          <p:cNvPr id="141" name="Oval 140">
+            <a:extLst>
+              <a:ext uri="{FF2B5EF4-FFF2-40B4-BE49-F238E27FC236}">
+                <a16:creationId xmlns:a16="http://schemas.microsoft.com/office/drawing/2014/main" id="{C60858D8-65DB-480B-B60D-AC2A786DC1D3}"/>
               </a:ext>
             </a:extLst>
           </p:cNvPr>
@@ -8378,8 +9945,8 @@
         </p:nvSpPr>
         <p:spPr>
           <a:xfrm>
-            <a:off x="3335177" y="1412885"/>
-            <a:ext cx="253435" cy="212902"/>
+            <a:off x="7380761" y="4844133"/>
+            <a:ext cx="283464" cy="237744"/>
           </a:xfrm>
           <a:prstGeom prst="ellipse">
             <a:avLst/>
@@ -8419,384 +9986,17 @@
                 <a:latin typeface="Arial" panose="020B0604020202020204" pitchFamily="34" charset="0"/>
                 <a:cs typeface="Arial" panose="020B0604020202020204" pitchFamily="34" charset="0"/>
               </a:rPr>
-              <a:t>1.5</a:t>
-            </a:r>
-          </a:p>
-        </p:txBody>
-      </p:sp>
-      <p:sp>
-        <p:nvSpPr>
-          <p:cNvPr id="149" name="Oval 148">
-            <a:extLst>
-              <a:ext uri="{FF2B5EF4-FFF2-40B4-BE49-F238E27FC236}">
-                <a16:creationId xmlns:a16="http://schemas.microsoft.com/office/drawing/2014/main" id="{3CC9224A-2DE7-2F4C-98C8-378C4081EB31}"/>
-              </a:ext>
-            </a:extLst>
-          </p:cNvPr>
-          <p:cNvSpPr/>
-          <p:nvPr/>
-        </p:nvSpPr>
-        <p:spPr>
-          <a:xfrm>
-            <a:off x="4339819" y="1465214"/>
-            <a:ext cx="253435" cy="212902"/>
-          </a:xfrm>
-          <a:prstGeom prst="ellipse">
-            <a:avLst/>
-          </a:prstGeom>
-          <a:solidFill>
-            <a:schemeClr val="tx1"/>
-          </a:solidFill>
-          <a:ln>
-            <a:solidFill>
-              <a:schemeClr val="tx1"/>
-            </a:solidFill>
-          </a:ln>
-        </p:spPr>
-        <p:style>
-          <a:lnRef idx="2">
-            <a:schemeClr val="accent1">
-              <a:shade val="50000"/>
-            </a:schemeClr>
-          </a:lnRef>
-          <a:fillRef idx="1">
-            <a:schemeClr val="accent1"/>
-          </a:fillRef>
-          <a:effectRef idx="0">
-            <a:schemeClr val="accent1"/>
-          </a:effectRef>
-          <a:fontRef idx="minor">
-            <a:schemeClr val="lt1"/>
-          </a:fontRef>
-        </p:style>
-        <p:txBody>
-          <a:bodyPr lIns="0" tIns="0" rIns="0" bIns="0" rtlCol="0" anchor="ctr"/>
-          <a:lstStyle/>
-          <a:p>
-            <a:pPr algn="ctr"/>
-            <a:r>
-              <a:rPr lang="en-US" sz="800" dirty="0">
-                <a:latin typeface="Arial" panose="020B0604020202020204" pitchFamily="34" charset="0"/>
-                <a:cs typeface="Arial" panose="020B0604020202020204" pitchFamily="34" charset="0"/>
-              </a:rPr>
-              <a:t>1.6</a:t>
-            </a:r>
-          </a:p>
-        </p:txBody>
-      </p:sp>
-      <p:sp>
-        <p:nvSpPr>
-          <p:cNvPr id="150" name="Oval 149">
-            <a:extLst>
-              <a:ext uri="{FF2B5EF4-FFF2-40B4-BE49-F238E27FC236}">
-                <a16:creationId xmlns:a16="http://schemas.microsoft.com/office/drawing/2014/main" id="{F995BCFA-E8B8-CC4D-AA84-958BCF4B302B}"/>
-              </a:ext>
-            </a:extLst>
-          </p:cNvPr>
-          <p:cNvSpPr/>
-          <p:nvPr/>
-        </p:nvSpPr>
-        <p:spPr>
-          <a:xfrm>
-            <a:off x="5599187" y="1397874"/>
-            <a:ext cx="253435" cy="212902"/>
-          </a:xfrm>
-          <a:prstGeom prst="ellipse">
-            <a:avLst/>
-          </a:prstGeom>
-          <a:solidFill>
-            <a:schemeClr val="tx1"/>
-          </a:solidFill>
-          <a:ln>
-            <a:solidFill>
-              <a:schemeClr val="tx1"/>
-            </a:solidFill>
-          </a:ln>
-        </p:spPr>
-        <p:style>
-          <a:lnRef idx="2">
-            <a:schemeClr val="accent1">
-              <a:shade val="50000"/>
-            </a:schemeClr>
-          </a:lnRef>
-          <a:fillRef idx="1">
-            <a:schemeClr val="accent1"/>
-          </a:fillRef>
-          <a:effectRef idx="0">
-            <a:schemeClr val="accent1"/>
-          </a:effectRef>
-          <a:fontRef idx="minor">
-            <a:schemeClr val="lt1"/>
-          </a:fontRef>
-        </p:style>
-        <p:txBody>
-          <a:bodyPr lIns="0" tIns="0" rIns="0" bIns="0" rtlCol="0" anchor="ctr"/>
-          <a:lstStyle/>
-          <a:p>
-            <a:pPr algn="ctr"/>
-            <a:r>
-              <a:rPr lang="en-US" sz="800" dirty="0">
-                <a:latin typeface="Arial" panose="020B0604020202020204" pitchFamily="34" charset="0"/>
-                <a:cs typeface="Arial" panose="020B0604020202020204" pitchFamily="34" charset="0"/>
-              </a:rPr>
-              <a:t>1.9</a:t>
-            </a:r>
-          </a:p>
-        </p:txBody>
-      </p:sp>
-      <p:cxnSp>
-        <p:nvCxnSpPr>
-          <p:cNvPr id="154" name="Straight Arrow Connector 153">
-            <a:extLst>
-              <a:ext uri="{FF2B5EF4-FFF2-40B4-BE49-F238E27FC236}">
-                <a16:creationId xmlns:a16="http://schemas.microsoft.com/office/drawing/2014/main" id="{178FA32A-4097-1246-B4E1-FDF39B065443}"/>
-              </a:ext>
-            </a:extLst>
-          </p:cNvPr>
-          <p:cNvCxnSpPr>
-            <a:cxnSpLocks/>
-          </p:cNvCxnSpPr>
-          <p:nvPr/>
-        </p:nvCxnSpPr>
-        <p:spPr>
-          <a:xfrm>
-            <a:off x="5113168" y="1581681"/>
-            <a:ext cx="356540" cy="0"/>
-          </a:xfrm>
-          <a:prstGeom prst="straightConnector1">
-            <a:avLst/>
-          </a:prstGeom>
-          <a:ln>
-            <a:tailEnd type="triangle"/>
-          </a:ln>
-        </p:spPr>
-        <p:style>
-          <a:lnRef idx="1">
-            <a:schemeClr val="dk1"/>
-          </a:lnRef>
-          <a:fillRef idx="0">
-            <a:schemeClr val="dk1"/>
-          </a:fillRef>
-          <a:effectRef idx="0">
-            <a:schemeClr val="dk1"/>
-          </a:effectRef>
-          <a:fontRef idx="minor">
-            <a:schemeClr val="tx1"/>
-          </a:fontRef>
-        </p:style>
-      </p:cxnSp>
-      <p:cxnSp>
-        <p:nvCxnSpPr>
-          <p:cNvPr id="155" name="Straight Arrow Connector 154">
-            <a:extLst>
-              <a:ext uri="{FF2B5EF4-FFF2-40B4-BE49-F238E27FC236}">
-                <a16:creationId xmlns:a16="http://schemas.microsoft.com/office/drawing/2014/main" id="{88282EE8-7EF2-AC47-8C1E-AE339048FB62}"/>
-              </a:ext>
-            </a:extLst>
-          </p:cNvPr>
-          <p:cNvCxnSpPr>
-            <a:cxnSpLocks/>
-          </p:cNvCxnSpPr>
-          <p:nvPr/>
-        </p:nvCxnSpPr>
-        <p:spPr>
-          <a:xfrm>
-            <a:off x="4840764" y="3414100"/>
-            <a:ext cx="0" cy="270486"/>
-          </a:xfrm>
-          <a:prstGeom prst="straightConnector1">
-            <a:avLst/>
-          </a:prstGeom>
-          <a:ln>
-            <a:tailEnd type="triangle"/>
-          </a:ln>
-        </p:spPr>
-        <p:style>
-          <a:lnRef idx="1">
-            <a:schemeClr val="dk1"/>
-          </a:lnRef>
-          <a:fillRef idx="0">
-            <a:schemeClr val="dk1"/>
-          </a:fillRef>
-          <a:effectRef idx="0">
-            <a:schemeClr val="dk1"/>
-          </a:effectRef>
-          <a:fontRef idx="minor">
-            <a:schemeClr val="tx1"/>
-          </a:fontRef>
-        </p:style>
-      </p:cxnSp>
-      <p:cxnSp>
-        <p:nvCxnSpPr>
-          <p:cNvPr id="156" name="Straight Arrow Connector 155">
-            <a:extLst>
-              <a:ext uri="{FF2B5EF4-FFF2-40B4-BE49-F238E27FC236}">
-                <a16:creationId xmlns:a16="http://schemas.microsoft.com/office/drawing/2014/main" id="{06E406DF-FFDF-6347-BB1B-8FD625BDB5C8}"/>
-              </a:ext>
-            </a:extLst>
-          </p:cNvPr>
-          <p:cNvCxnSpPr>
-            <a:cxnSpLocks/>
-          </p:cNvCxnSpPr>
-          <p:nvPr/>
-        </p:nvCxnSpPr>
-        <p:spPr>
-          <a:xfrm>
-            <a:off x="3526579" y="2911259"/>
-            <a:ext cx="628999" cy="0"/>
-          </a:xfrm>
-          <a:prstGeom prst="straightConnector1">
-            <a:avLst/>
-          </a:prstGeom>
-          <a:ln>
-            <a:tailEnd type="triangle"/>
-          </a:ln>
-        </p:spPr>
-        <p:style>
-          <a:lnRef idx="1">
-            <a:schemeClr val="dk1"/>
-          </a:lnRef>
-          <a:fillRef idx="0">
-            <a:schemeClr val="dk1"/>
-          </a:fillRef>
-          <a:effectRef idx="0">
-            <a:schemeClr val="dk1"/>
-          </a:effectRef>
-          <a:fontRef idx="minor">
-            <a:schemeClr val="tx1"/>
-          </a:fontRef>
-        </p:style>
-      </p:cxnSp>
-      <p:sp>
-        <p:nvSpPr>
-          <p:cNvPr id="157" name="Oval 156">
-            <a:extLst>
-              <a:ext uri="{FF2B5EF4-FFF2-40B4-BE49-F238E27FC236}">
-                <a16:creationId xmlns:a16="http://schemas.microsoft.com/office/drawing/2014/main" id="{2E5F9CEB-8770-E743-A6DE-7331C56B987D}"/>
-              </a:ext>
-            </a:extLst>
-          </p:cNvPr>
-          <p:cNvSpPr/>
-          <p:nvPr/>
-        </p:nvSpPr>
-        <p:spPr>
-          <a:xfrm>
-            <a:off x="6721576" y="2934391"/>
-            <a:ext cx="300569" cy="204616"/>
-          </a:xfrm>
-          <a:prstGeom prst="ellipse">
-            <a:avLst/>
-          </a:prstGeom>
-          <a:solidFill>
-            <a:schemeClr val="tx1"/>
-          </a:solidFill>
-          <a:ln>
-            <a:solidFill>
-              <a:schemeClr val="tx1"/>
-            </a:solidFill>
-          </a:ln>
-        </p:spPr>
-        <p:style>
-          <a:lnRef idx="2">
-            <a:schemeClr val="accent1">
-              <a:shade val="50000"/>
-            </a:schemeClr>
-          </a:lnRef>
-          <a:fillRef idx="1">
-            <a:schemeClr val="accent1"/>
-          </a:fillRef>
-          <a:effectRef idx="0">
-            <a:schemeClr val="accent1"/>
-          </a:effectRef>
-          <a:fontRef idx="minor">
-            <a:schemeClr val="lt1"/>
-          </a:fontRef>
-        </p:style>
-        <p:txBody>
-          <a:bodyPr lIns="0" tIns="0" rIns="0" bIns="0" rtlCol="0" anchor="ctr"/>
-          <a:lstStyle/>
-          <a:p>
-            <a:pPr algn="ctr"/>
-            <a:r>
-              <a:rPr lang="en-US" sz="800" dirty="0">
-                <a:latin typeface="Arial" panose="020B0604020202020204" pitchFamily="34" charset="0"/>
-                <a:cs typeface="Arial" panose="020B0604020202020204" pitchFamily="34" charset="0"/>
-              </a:rPr>
-              <a:t>1.10</a:t>
-            </a:r>
-          </a:p>
-        </p:txBody>
-      </p:sp>
-      <p:sp>
-        <p:nvSpPr>
-          <p:cNvPr id="89" name="Rectangle 88">
-            <a:extLst>
-              <a:ext uri="{FF2B5EF4-FFF2-40B4-BE49-F238E27FC236}">
-                <a16:creationId xmlns:a16="http://schemas.microsoft.com/office/drawing/2014/main" id="{E9C7F202-493F-5E47-A2D4-A969A5C3AB4F}"/>
-              </a:ext>
-            </a:extLst>
-          </p:cNvPr>
-          <p:cNvSpPr/>
-          <p:nvPr/>
-        </p:nvSpPr>
-        <p:spPr>
-          <a:xfrm>
-            <a:off x="1125977" y="4648986"/>
-            <a:ext cx="6490624" cy="1049233"/>
-          </a:xfrm>
-          <a:prstGeom prst="rect">
-            <a:avLst/>
-          </a:prstGeom>
-          <a:noFill/>
-          <a:ln w="12700">
-            <a:solidFill>
-              <a:schemeClr val="tx1"/>
-            </a:solidFill>
-            <a:prstDash val="dash"/>
-          </a:ln>
-        </p:spPr>
-        <p:style>
-          <a:lnRef idx="2">
-            <a:schemeClr val="accent1">
-              <a:shade val="50000"/>
-            </a:schemeClr>
-          </a:lnRef>
-          <a:fillRef idx="1">
-            <a:schemeClr val="accent1"/>
-          </a:fillRef>
-          <a:effectRef idx="0">
-            <a:schemeClr val="accent1"/>
-          </a:effectRef>
-          <a:fontRef idx="minor">
-            <a:schemeClr val="lt1"/>
-          </a:fontRef>
-        </p:style>
-        <p:txBody>
-          <a:bodyPr rot="0" spcFirstLastPara="0" vertOverflow="overflow" horzOverflow="overflow" vert="horz" wrap="square" lIns="91440" tIns="0" rIns="91440" bIns="45720" numCol="1" spcCol="0" rtlCol="0" fromWordArt="0" anchor="t" anchorCtr="0" forceAA="0" compatLnSpc="1">
-            <a:prstTxWarp prst="textNoShape">
-              <a:avLst/>
-            </a:prstTxWarp>
-            <a:noAutofit/>
-          </a:bodyPr>
-          <a:lstStyle/>
-          <a:p>
-            <a:r>
-              <a:rPr lang="en-US" sz="1200" b="1" dirty="0">
-                <a:solidFill>
-                  <a:schemeClr val="tx1"/>
-                </a:solidFill>
-              </a:rPr>
-              <a:t>Global-region</a:t>
+              <a:t>3.2</a:t>
             </a:r>
           </a:p>
         </p:txBody>
       </p:sp>
       <p:pic>
         <p:nvPicPr>
-          <p:cNvPr id="105" name="Graphic 24">
-            <a:extLst>
-              <a:ext uri="{FF2B5EF4-FFF2-40B4-BE49-F238E27FC236}">
-                <a16:creationId xmlns:a16="http://schemas.microsoft.com/office/drawing/2014/main" id="{C3D967FB-732C-F048-8D8C-4DB9C678B82D}"/>
+          <p:cNvPr id="145" name="Graphic 24">
+            <a:extLst>
+              <a:ext uri="{FF2B5EF4-FFF2-40B4-BE49-F238E27FC236}">
+                <a16:creationId xmlns:a16="http://schemas.microsoft.com/office/drawing/2014/main" id="{C56E898F-C118-4BEA-BD2B-DA653139C64F}"/>
               </a:ext>
             </a:extLst>
           </p:cNvPr>
@@ -8806,10 +10006,10 @@
           <p:nvPr/>
         </p:nvPicPr>
         <p:blipFill>
-          <a:blip r:embed="rId8">
+          <a:blip r:embed="rId18">
             <a:extLst>
               <a:ext uri="{28A0092B-C50C-407E-A947-70E740481C1C}">
-                <a14:useLocalDpi xmlns:a14="http://schemas.microsoft.com/office/drawing/2010/main" val="0"/>
+                <a14:useLocalDpi xmlns:a14="http://schemas.microsoft.com/office/drawing/2010/main"/>
               </a:ext>
             </a:extLst>
           </a:blip>
@@ -8820,7 +10020,7 @@
         </p:blipFill>
         <p:spPr bwMode="auto">
           <a:xfrm>
-            <a:off x="2948936" y="4788615"/>
+            <a:off x="9143899" y="5551129"/>
             <a:ext cx="457200" cy="457200"/>
           </a:xfrm>
           <a:prstGeom prst="rect">
@@ -8853,22 +10053,415 @@
       </p:pic>
       <p:sp>
         <p:nvSpPr>
-          <p:cNvPr id="106" name="TextBox 26">
-            <a:extLst>
-              <a:ext uri="{FF2B5EF4-FFF2-40B4-BE49-F238E27FC236}">
-                <a16:creationId xmlns:a16="http://schemas.microsoft.com/office/drawing/2014/main" id="{CE5E3976-69CA-3240-B7E5-EDD5450EC732}"/>
-              </a:ext>
-            </a:extLst>
-          </p:cNvPr>
-          <p:cNvSpPr txBox="1">
-            <a:spLocks noChangeArrowheads="1"/>
-          </p:cNvSpPr>
-          <p:nvPr/>
-        </p:nvSpPr>
+          <p:cNvPr id="146" name="TextBox 2">
+            <a:extLst>
+              <a:ext uri="{FF2B5EF4-FFF2-40B4-BE49-F238E27FC236}">
+                <a16:creationId xmlns:a16="http://schemas.microsoft.com/office/drawing/2014/main" id="{ED7367DC-E1F3-4B9C-B512-7587B1A01D75}"/>
+              </a:ext>
+            </a:extLst>
+          </p:cNvPr>
+          <p:cNvSpPr txBox="1"/>
+          <p:nvPr/>
+        </p:nvSpPr>
+        <p:spPr>
+          <a:xfrm>
+            <a:off x="8823137" y="5986659"/>
+            <a:ext cx="1098724" cy="430887"/>
+          </a:xfrm>
+          <a:prstGeom prst="rect">
+            <a:avLst/>
+          </a:prstGeom>
+          <a:noFill/>
+        </p:spPr>
+        <p:style>
+          <a:lnRef idx="0">
+            <a:scrgbClr r="0" g="0" b="0"/>
+          </a:lnRef>
+          <a:fillRef idx="0">
+            <a:scrgbClr r="0" g="0" b="0"/>
+          </a:fillRef>
+          <a:effectRef idx="0">
+            <a:scrgbClr r="0" g="0" b="0"/>
+          </a:effectRef>
+          <a:fontRef idx="major"/>
+        </p:style>
+        <p:txBody>
+          <a:bodyPr wrap="square" rtlCol="0">
+            <a:spAutoFit/>
+          </a:bodyPr>
+          <a:lstStyle>
+            <a:lvl1pPr>
+              <a:defRPr>
+                <a:latin typeface="+mj-lt"/>
+                <a:ea typeface="+mj-ea"/>
+                <a:cs typeface="+mj-cs"/>
+              </a:defRPr>
+            </a:lvl1pPr>
+            <a:lvl2pPr>
+              <a:defRPr>
+                <a:latin typeface="+mj-lt"/>
+                <a:ea typeface="+mj-ea"/>
+                <a:cs typeface="+mj-cs"/>
+              </a:defRPr>
+            </a:lvl2pPr>
+            <a:lvl3pPr>
+              <a:defRPr>
+                <a:latin typeface="+mj-lt"/>
+                <a:ea typeface="+mj-ea"/>
+                <a:cs typeface="+mj-cs"/>
+              </a:defRPr>
+            </a:lvl3pPr>
+            <a:lvl4pPr>
+              <a:defRPr>
+                <a:latin typeface="+mj-lt"/>
+                <a:ea typeface="+mj-ea"/>
+                <a:cs typeface="+mj-cs"/>
+              </a:defRPr>
+            </a:lvl4pPr>
+            <a:lvl5pPr>
+              <a:defRPr>
+                <a:latin typeface="+mj-lt"/>
+                <a:ea typeface="+mj-ea"/>
+                <a:cs typeface="+mj-cs"/>
+              </a:defRPr>
+            </a:lvl5pPr>
+            <a:lvl6pPr>
+              <a:defRPr>
+                <a:latin typeface="+mj-lt"/>
+                <a:ea typeface="+mj-ea"/>
+                <a:cs typeface="+mj-cs"/>
+              </a:defRPr>
+            </a:lvl6pPr>
+            <a:lvl7pPr>
+              <a:defRPr>
+                <a:latin typeface="+mj-lt"/>
+                <a:ea typeface="+mj-ea"/>
+                <a:cs typeface="+mj-cs"/>
+              </a:defRPr>
+            </a:lvl7pPr>
+            <a:lvl8pPr>
+              <a:defRPr>
+                <a:latin typeface="+mj-lt"/>
+                <a:ea typeface="+mj-ea"/>
+                <a:cs typeface="+mj-cs"/>
+              </a:defRPr>
+            </a:lvl8pPr>
+            <a:lvl9pPr>
+              <a:defRPr>
+                <a:latin typeface="+mj-lt"/>
+                <a:ea typeface="+mj-ea"/>
+                <a:cs typeface="+mj-cs"/>
+              </a:defRPr>
+            </a:lvl9pPr>
+          </a:lstStyle>
+          <a:p>
+            <a:pPr algn="ctr"/>
+            <a:r>
+              <a:rPr lang="en-US" sz="1100" dirty="0">
+                <a:latin typeface="Arial" panose="020B0604020202020204" pitchFamily="34" charset="0"/>
+                <a:cs typeface="Arial" panose="020B0604020202020204" pitchFamily="34" charset="0"/>
+              </a:rPr>
+              <a:t>Recorder Event Rule</a:t>
+            </a:r>
+          </a:p>
+        </p:txBody>
+      </p:sp>
+      <p:sp>
+        <p:nvSpPr>
+          <p:cNvPr id="147" name="Oval 146">
+            <a:extLst>
+              <a:ext uri="{FF2B5EF4-FFF2-40B4-BE49-F238E27FC236}">
+                <a16:creationId xmlns:a16="http://schemas.microsoft.com/office/drawing/2014/main" id="{D70D6936-C8F3-4404-948B-0776A65D053E}"/>
+              </a:ext>
+            </a:extLst>
+          </p:cNvPr>
+          <p:cNvSpPr/>
+          <p:nvPr/>
+        </p:nvSpPr>
+        <p:spPr>
+          <a:xfrm>
+            <a:off x="9120535" y="5480308"/>
+            <a:ext cx="253435" cy="212902"/>
+          </a:xfrm>
+          <a:prstGeom prst="ellipse">
+            <a:avLst/>
+          </a:prstGeom>
+          <a:solidFill>
+            <a:schemeClr val="tx1"/>
+          </a:solidFill>
+          <a:ln>
+            <a:solidFill>
+              <a:schemeClr val="tx1"/>
+            </a:solidFill>
+          </a:ln>
+        </p:spPr>
+        <p:style>
+          <a:lnRef idx="2">
+            <a:schemeClr val="accent1">
+              <a:shade val="50000"/>
+            </a:schemeClr>
+          </a:lnRef>
+          <a:fillRef idx="1">
+            <a:schemeClr val="accent1"/>
+          </a:fillRef>
+          <a:effectRef idx="0">
+            <a:schemeClr val="accent1"/>
+          </a:effectRef>
+          <a:fontRef idx="minor">
+            <a:schemeClr val="lt1"/>
+          </a:fontRef>
+        </p:style>
+        <p:txBody>
+          <a:bodyPr lIns="0" tIns="0" rIns="0" bIns="0" rtlCol="0" anchor="ctr"/>
+          <a:lstStyle/>
+          <a:p>
+            <a:pPr algn="ctr"/>
+            <a:r>
+              <a:rPr lang="en-US" sz="800" dirty="0">
+                <a:latin typeface="Arial" panose="020B0604020202020204" pitchFamily="34" charset="0"/>
+                <a:cs typeface="Arial" panose="020B0604020202020204" pitchFamily="34" charset="0"/>
+              </a:rPr>
+              <a:t>3.4</a:t>
+            </a:r>
+          </a:p>
+        </p:txBody>
+      </p:sp>
+      <p:sp>
+        <p:nvSpPr>
+          <p:cNvPr id="148" name="TextBox 147">
+            <a:extLst>
+              <a:ext uri="{FF2B5EF4-FFF2-40B4-BE49-F238E27FC236}">
+                <a16:creationId xmlns:a16="http://schemas.microsoft.com/office/drawing/2014/main" id="{C09B3AB4-836F-4B69-A367-D9863A375838}"/>
+              </a:ext>
+            </a:extLst>
+          </p:cNvPr>
+          <p:cNvSpPr txBox="1"/>
+          <p:nvPr/>
+        </p:nvSpPr>
+        <p:spPr>
+          <a:xfrm>
+            <a:off x="3148216" y="5134649"/>
+            <a:ext cx="1098725" cy="430887"/>
+          </a:xfrm>
+          <a:prstGeom prst="rect">
+            <a:avLst/>
+          </a:prstGeom>
+          <a:noFill/>
+        </p:spPr>
+        <p:txBody>
+          <a:bodyPr wrap="square" rtlCol="0">
+            <a:spAutoFit/>
+          </a:bodyPr>
+          <a:lstStyle/>
+          <a:p>
+            <a:pPr algn="ctr"/>
+            <a:r>
+              <a:rPr lang="en-US" sz="1100" dirty="0">
+                <a:latin typeface="Arial" panose="020B0604020202020204" pitchFamily="34" charset="0"/>
+                <a:cs typeface="Arial" panose="020B0604020202020204" pitchFamily="34" charset="0"/>
+              </a:rPr>
+              <a:t>Lambda </a:t>
+            </a:r>
+          </a:p>
+          <a:p>
+            <a:pPr algn="ctr"/>
+            <a:r>
+              <a:rPr lang="en-US" sz="1100" dirty="0">
+                <a:latin typeface="Arial" panose="020B0604020202020204" pitchFamily="34" charset="0"/>
+                <a:cs typeface="Arial" panose="020B0604020202020204" pitchFamily="34" charset="0"/>
+              </a:rPr>
+              <a:t>Role</a:t>
+            </a:r>
+          </a:p>
+        </p:txBody>
+      </p:sp>
+      <p:pic>
+        <p:nvPicPr>
+          <p:cNvPr id="149" name="Graphic 148">
+            <a:extLst>
+              <a:ext uri="{FF2B5EF4-FFF2-40B4-BE49-F238E27FC236}">
+                <a16:creationId xmlns:a16="http://schemas.microsoft.com/office/drawing/2014/main" id="{1AD7BEC5-F0B3-4E67-9DEC-5ADA4E43F73F}"/>
+              </a:ext>
+            </a:extLst>
+          </p:cNvPr>
+          <p:cNvPicPr>
+            <a:picLocks noChangeAspect="1"/>
+          </p:cNvPicPr>
+          <p:nvPr/>
+        </p:nvPicPr>
+        <p:blipFill>
+          <a:blip r:embed="rId16">
+            <a:extLst>
+              <a:ext uri="{96DAC541-7B7A-43D3-8B79-37D633B846F1}">
+                <asvg:svgBlip xmlns:asvg="http://schemas.microsoft.com/office/drawing/2016/SVG/main" r:embed="rId17"/>
+              </a:ext>
+            </a:extLst>
+          </a:blip>
+          <a:stretch>
+            <a:fillRect/>
+          </a:stretch>
+        </p:blipFill>
+        <p:spPr>
+          <a:xfrm>
+            <a:off x="3460439" y="4799289"/>
+            <a:ext cx="469900" cy="469900"/>
+          </a:xfrm>
+          <a:prstGeom prst="rect">
+            <a:avLst/>
+          </a:prstGeom>
+        </p:spPr>
+      </p:pic>
+      <p:sp>
+        <p:nvSpPr>
+          <p:cNvPr id="150" name="Oval 149">
+            <a:extLst>
+              <a:ext uri="{FF2B5EF4-FFF2-40B4-BE49-F238E27FC236}">
+                <a16:creationId xmlns:a16="http://schemas.microsoft.com/office/drawing/2014/main" id="{3FFB5021-1CCD-406A-A857-E579C467B2FC}"/>
+              </a:ext>
+            </a:extLst>
+          </p:cNvPr>
+          <p:cNvSpPr/>
+          <p:nvPr/>
+        </p:nvSpPr>
+        <p:spPr>
+          <a:xfrm>
+            <a:off x="3736495" y="4776112"/>
+            <a:ext cx="253435" cy="212902"/>
+          </a:xfrm>
+          <a:prstGeom prst="ellipse">
+            <a:avLst/>
+          </a:prstGeom>
+          <a:solidFill>
+            <a:schemeClr val="tx1"/>
+          </a:solidFill>
+          <a:ln>
+            <a:solidFill>
+              <a:schemeClr val="tx1"/>
+            </a:solidFill>
+          </a:ln>
+        </p:spPr>
+        <p:style>
+          <a:lnRef idx="2">
+            <a:schemeClr val="accent1">
+              <a:shade val="50000"/>
+            </a:schemeClr>
+          </a:lnRef>
+          <a:fillRef idx="1">
+            <a:schemeClr val="accent1"/>
+          </a:fillRef>
+          <a:effectRef idx="0">
+            <a:schemeClr val="accent1"/>
+          </a:effectRef>
+          <a:fontRef idx="minor">
+            <a:schemeClr val="lt1"/>
+          </a:fontRef>
+        </p:style>
+        <p:txBody>
+          <a:bodyPr lIns="0" tIns="0" rIns="0" bIns="0" rtlCol="0" anchor="ctr"/>
+          <a:lstStyle/>
+          <a:p>
+            <a:pPr algn="ctr"/>
+            <a:r>
+              <a:rPr lang="en-US" sz="800" dirty="0">
+                <a:latin typeface="Arial" panose="020B0604020202020204" pitchFamily="34" charset="0"/>
+                <a:cs typeface="Arial" panose="020B0604020202020204" pitchFamily="34" charset="0"/>
+              </a:rPr>
+              <a:t>1.2</a:t>
+            </a:r>
+          </a:p>
+        </p:txBody>
+      </p:sp>
+      <p:sp>
+        <p:nvSpPr>
+          <p:cNvPr id="157" name="Oval 156">
+            <a:extLst>
+              <a:ext uri="{FF2B5EF4-FFF2-40B4-BE49-F238E27FC236}">
+                <a16:creationId xmlns:a16="http://schemas.microsoft.com/office/drawing/2014/main" id="{A81FF85E-0D58-449A-BD81-0C21DFE14451}"/>
+              </a:ext>
+            </a:extLst>
+          </p:cNvPr>
+          <p:cNvSpPr/>
+          <p:nvPr/>
+        </p:nvSpPr>
+        <p:spPr>
+          <a:xfrm>
+            <a:off x="7087773" y="3852376"/>
+            <a:ext cx="253435" cy="212902"/>
+          </a:xfrm>
+          <a:prstGeom prst="ellipse">
+            <a:avLst/>
+          </a:prstGeom>
+          <a:solidFill>
+            <a:schemeClr val="tx1"/>
+          </a:solidFill>
+          <a:ln>
+            <a:solidFill>
+              <a:schemeClr val="tx1"/>
+            </a:solidFill>
+          </a:ln>
+        </p:spPr>
+        <p:style>
+          <a:lnRef idx="2">
+            <a:schemeClr val="accent1">
+              <a:shade val="50000"/>
+            </a:schemeClr>
+          </a:lnRef>
+          <a:fillRef idx="1">
+            <a:schemeClr val="accent1"/>
+          </a:fillRef>
+          <a:effectRef idx="0">
+            <a:schemeClr val="accent1"/>
+          </a:effectRef>
+          <a:fontRef idx="minor">
+            <a:schemeClr val="lt1"/>
+          </a:fontRef>
+        </p:style>
+        <p:txBody>
+          <a:bodyPr lIns="0" tIns="0" rIns="0" bIns="0" rtlCol="0" anchor="ctr"/>
+          <a:lstStyle/>
+          <a:p>
+            <a:pPr algn="ctr"/>
+            <a:r>
+              <a:rPr lang="en-US" sz="800" dirty="0">
+                <a:latin typeface="Arial" panose="020B0604020202020204" pitchFamily="34" charset="0"/>
+                <a:cs typeface="Arial" panose="020B0604020202020204" pitchFamily="34" charset="0"/>
+              </a:rPr>
+              <a:t>3.0</a:t>
+            </a:r>
+          </a:p>
+        </p:txBody>
+      </p:sp>
+      <p:pic>
+        <p:nvPicPr>
+          <p:cNvPr id="119" name="Graphic 24">
+            <a:extLst>
+              <a:ext uri="{FF2B5EF4-FFF2-40B4-BE49-F238E27FC236}">
+                <a16:creationId xmlns:a16="http://schemas.microsoft.com/office/drawing/2014/main" id="{DA039A62-EE58-4A2D-A230-58604BC266BF}"/>
+              </a:ext>
+            </a:extLst>
+          </p:cNvPr>
+          <p:cNvPicPr>
+            <a:picLocks noChangeAspect="1" noChangeArrowheads="1"/>
+          </p:cNvPicPr>
+          <p:nvPr/>
+        </p:nvPicPr>
+        <p:blipFill>
+          <a:blip r:embed="rId18">
+            <a:extLst>
+              <a:ext uri="{28A0092B-C50C-407E-A947-70E740481C1C}">
+                <a14:useLocalDpi xmlns:a14="http://schemas.microsoft.com/office/drawing/2010/main"/>
+              </a:ext>
+            </a:extLst>
+          </a:blip>
+          <a:srcRect/>
+          <a:stretch>
+            <a:fillRect/>
+          </a:stretch>
+        </p:blipFill>
         <p:spPr bwMode="auto">
           <a:xfrm>
-            <a:off x="2592266" y="5204628"/>
-            <a:ext cx="1143852" cy="430887"/>
+            <a:off x="2359750" y="3665651"/>
+            <a:ext cx="457200" cy="457200"/>
           </a:xfrm>
           <a:prstGeom prst="rect">
             <a:avLst/>
@@ -8897,127 +10490,128 @@
             </a:ext>
           </a:extLst>
         </p:spPr>
-        <p:txBody>
-          <a:bodyPr wrap="square">
+      </p:pic>
+      <p:sp>
+        <p:nvSpPr>
+          <p:cNvPr id="120" name="TextBox 2">
+            <a:extLst>
+              <a:ext uri="{FF2B5EF4-FFF2-40B4-BE49-F238E27FC236}">
+                <a16:creationId xmlns:a16="http://schemas.microsoft.com/office/drawing/2014/main" id="{76F93C49-5696-41EA-A670-4768AB37A410}"/>
+              </a:ext>
+            </a:extLst>
+          </p:cNvPr>
+          <p:cNvSpPr txBox="1"/>
+          <p:nvPr/>
+        </p:nvSpPr>
+        <p:spPr>
+          <a:xfrm>
+            <a:off x="2038988" y="4101181"/>
+            <a:ext cx="1098724" cy="430887"/>
+          </a:xfrm>
+          <a:prstGeom prst="rect">
+            <a:avLst/>
+          </a:prstGeom>
+          <a:noFill/>
+        </p:spPr>
+        <p:style>
+          <a:lnRef idx="0">
+            <a:scrgbClr r="0" g="0" b="0"/>
+          </a:lnRef>
+          <a:fillRef idx="0">
+            <a:scrgbClr r="0" g="0" b="0"/>
+          </a:fillRef>
+          <a:effectRef idx="0">
+            <a:scrgbClr r="0" g="0" b="0"/>
+          </a:effectRef>
+          <a:fontRef idx="major"/>
+        </p:style>
+        <p:txBody>
+          <a:bodyPr wrap="square" rtlCol="0">
             <a:spAutoFit/>
           </a:bodyPr>
           <a:lstStyle>
             <a:lvl1pPr>
               <a:defRPr>
-                <a:solidFill>
-                  <a:schemeClr val="tx1"/>
-                </a:solidFill>
-                <a:latin typeface="Calibri" panose="020F0502020204030204" pitchFamily="34" charset="0"/>
+                <a:latin typeface="+mj-lt"/>
+                <a:ea typeface="+mj-ea"/>
+                <a:cs typeface="+mj-cs"/>
               </a:defRPr>
             </a:lvl1pPr>
-            <a:lvl2pPr marL="742950" indent="-285750">
+            <a:lvl2pPr>
               <a:defRPr>
-                <a:solidFill>
-                  <a:schemeClr val="tx1"/>
-                </a:solidFill>
-                <a:latin typeface="Calibri" panose="020F0502020204030204" pitchFamily="34" charset="0"/>
+                <a:latin typeface="+mj-lt"/>
+                <a:ea typeface="+mj-ea"/>
+                <a:cs typeface="+mj-cs"/>
               </a:defRPr>
             </a:lvl2pPr>
-            <a:lvl3pPr marL="1143000" indent="-228600">
+            <a:lvl3pPr>
               <a:defRPr>
-                <a:solidFill>
-                  <a:schemeClr val="tx1"/>
-                </a:solidFill>
-                <a:latin typeface="Calibri" panose="020F0502020204030204" pitchFamily="34" charset="0"/>
+                <a:latin typeface="+mj-lt"/>
+                <a:ea typeface="+mj-ea"/>
+                <a:cs typeface="+mj-cs"/>
               </a:defRPr>
             </a:lvl3pPr>
-            <a:lvl4pPr marL="1600200" indent="-228600">
+            <a:lvl4pPr>
               <a:defRPr>
-                <a:solidFill>
-                  <a:schemeClr val="tx1"/>
-                </a:solidFill>
-                <a:latin typeface="Calibri" panose="020F0502020204030204" pitchFamily="34" charset="0"/>
+                <a:latin typeface="+mj-lt"/>
+                <a:ea typeface="+mj-ea"/>
+                <a:cs typeface="+mj-cs"/>
               </a:defRPr>
             </a:lvl4pPr>
-            <a:lvl5pPr marL="2057400" indent="-228600">
+            <a:lvl5pPr>
               <a:defRPr>
-                <a:solidFill>
-                  <a:schemeClr val="tx1"/>
-                </a:solidFill>
-                <a:latin typeface="Calibri" panose="020F0502020204030204" pitchFamily="34" charset="0"/>
+                <a:latin typeface="+mj-lt"/>
+                <a:ea typeface="+mj-ea"/>
+                <a:cs typeface="+mj-cs"/>
               </a:defRPr>
             </a:lvl5pPr>
-            <a:lvl6pPr marL="2514600" indent="-228600" eaLnBrk="0" fontAlgn="base" hangingPunct="0">
-              <a:spcBef>
-                <a:spcPct val="0"/>
-              </a:spcBef>
-              <a:spcAft>
-                <a:spcPct val="0"/>
-              </a:spcAft>
+            <a:lvl6pPr>
               <a:defRPr>
-                <a:solidFill>
-                  <a:schemeClr val="tx1"/>
-                </a:solidFill>
-                <a:latin typeface="Calibri" panose="020F0502020204030204" pitchFamily="34" charset="0"/>
+                <a:latin typeface="+mj-lt"/>
+                <a:ea typeface="+mj-ea"/>
+                <a:cs typeface="+mj-cs"/>
               </a:defRPr>
             </a:lvl6pPr>
-            <a:lvl7pPr marL="2971800" indent="-228600" eaLnBrk="0" fontAlgn="base" hangingPunct="0">
-              <a:spcBef>
-                <a:spcPct val="0"/>
-              </a:spcBef>
-              <a:spcAft>
-                <a:spcPct val="0"/>
-              </a:spcAft>
+            <a:lvl7pPr>
               <a:defRPr>
-                <a:solidFill>
-                  <a:schemeClr val="tx1"/>
-                </a:solidFill>
-                <a:latin typeface="Calibri" panose="020F0502020204030204" pitchFamily="34" charset="0"/>
+                <a:latin typeface="+mj-lt"/>
+                <a:ea typeface="+mj-ea"/>
+                <a:cs typeface="+mj-cs"/>
               </a:defRPr>
             </a:lvl7pPr>
-            <a:lvl8pPr marL="3429000" indent="-228600" eaLnBrk="0" fontAlgn="base" hangingPunct="0">
-              <a:spcBef>
-                <a:spcPct val="0"/>
-              </a:spcBef>
-              <a:spcAft>
-                <a:spcPct val="0"/>
-              </a:spcAft>
+            <a:lvl8pPr>
               <a:defRPr>
-                <a:solidFill>
-                  <a:schemeClr val="tx1"/>
-                </a:solidFill>
-                <a:latin typeface="Calibri" panose="020F0502020204030204" pitchFamily="34" charset="0"/>
+                <a:latin typeface="+mj-lt"/>
+                <a:ea typeface="+mj-ea"/>
+                <a:cs typeface="+mj-cs"/>
               </a:defRPr>
             </a:lvl8pPr>
-            <a:lvl9pPr marL="3886200" indent="-228600" eaLnBrk="0" fontAlgn="base" hangingPunct="0">
-              <a:spcBef>
-                <a:spcPct val="0"/>
-              </a:spcBef>
-              <a:spcAft>
-                <a:spcPct val="0"/>
-              </a:spcAft>
+            <a:lvl9pPr>
               <a:defRPr>
-                <a:solidFill>
-                  <a:schemeClr val="tx1"/>
-                </a:solidFill>
-                <a:latin typeface="Calibri" panose="020F0502020204030204" pitchFamily="34" charset="0"/>
+                <a:latin typeface="+mj-lt"/>
+                <a:ea typeface="+mj-ea"/>
+                <a:cs typeface="+mj-cs"/>
               </a:defRPr>
             </a:lvl9pPr>
           </a:lstStyle>
           <a:p>
-            <a:pPr algn="ctr" eaLnBrk="1" hangingPunct="1"/>
-            <a:r>
-              <a:rPr lang="en-US" altLang="en-US" sz="1100" dirty="0">
+            <a:pPr algn="ctr"/>
+            <a:r>
+              <a:rPr lang="en-US" sz="1100" dirty="0">
                 <a:latin typeface="Arial" panose="020B0604020202020204" pitchFamily="34" charset="0"/>
-                <a:ea typeface="Amazon Ember" panose="020B0603020204020204" pitchFamily="34" charset="0"/>
                 <a:cs typeface="Arial" panose="020B0604020202020204" pitchFamily="34" charset="0"/>
               </a:rPr>
-              <a:t>Global Event Rules</a:t>
-            </a:r>
-          </a:p>
-        </p:txBody>
-      </p:sp>
-      <p:sp>
-        <p:nvSpPr>
-          <p:cNvPr id="110" name="Oval 109">
-            <a:extLst>
-              <a:ext uri="{FF2B5EF4-FFF2-40B4-BE49-F238E27FC236}">
-                <a16:creationId xmlns:a16="http://schemas.microsoft.com/office/drawing/2014/main" id="{25C9DE58-B653-B447-97CA-5FEDAFE124F4}"/>
+              <a:t>Recorder Event Rule</a:t>
+            </a:r>
+          </a:p>
+        </p:txBody>
+      </p:sp>
+      <p:sp>
+        <p:nvSpPr>
+          <p:cNvPr id="121" name="Oval 120">
+            <a:extLst>
+              <a:ext uri="{FF2B5EF4-FFF2-40B4-BE49-F238E27FC236}">
+                <a16:creationId xmlns:a16="http://schemas.microsoft.com/office/drawing/2014/main" id="{B3C5D098-FA8F-4EFD-937F-DC6A9720C030}"/>
               </a:ext>
             </a:extLst>
           </p:cNvPr>
@@ -9026,7 +10620,7 @@
         </p:nvSpPr>
         <p:spPr>
           <a:xfrm>
-            <a:off x="2746508" y="4723435"/>
+            <a:off x="2701198" y="3567098"/>
             <a:ext cx="253435" cy="212902"/>
           </a:xfrm>
           <a:prstGeom prst="ellipse">
@@ -9063,21 +10657,237 @@
           <a:p>
             <a:pPr algn="ctr"/>
             <a:r>
-              <a:rPr lang="en-US" sz="800" dirty="0">
+              <a:rPr lang="en-US" sz="700" dirty="0">
                 <a:latin typeface="Arial" panose="020B0604020202020204" pitchFamily="34" charset="0"/>
                 <a:cs typeface="Arial" panose="020B0604020202020204" pitchFamily="34" charset="0"/>
               </a:rPr>
-              <a:t>1.4</a:t>
-            </a:r>
-          </a:p>
-        </p:txBody>
-      </p:sp>
-      <p:sp>
-        <p:nvSpPr>
-          <p:cNvPr id="112" name="Oval 111">
-            <a:extLst>
-              <a:ext uri="{FF2B5EF4-FFF2-40B4-BE49-F238E27FC236}">
-                <a16:creationId xmlns:a16="http://schemas.microsoft.com/office/drawing/2014/main" id="{3B585DF5-E863-A541-8A57-A39966979E6D}"/>
+              <a:t>1.13</a:t>
+            </a:r>
+          </a:p>
+        </p:txBody>
+      </p:sp>
+      <p:cxnSp>
+        <p:nvCxnSpPr>
+          <p:cNvPr id="124" name="Straight Arrow Connector 123">
+            <a:extLst>
+              <a:ext uri="{FF2B5EF4-FFF2-40B4-BE49-F238E27FC236}">
+                <a16:creationId xmlns:a16="http://schemas.microsoft.com/office/drawing/2014/main" id="{44D702FD-C54E-4A1F-A6D7-8CB840AA0A83}"/>
+              </a:ext>
+            </a:extLst>
+          </p:cNvPr>
+          <p:cNvCxnSpPr>
+            <a:cxnSpLocks/>
+          </p:cNvCxnSpPr>
+          <p:nvPr/>
+        </p:nvCxnSpPr>
+        <p:spPr>
+          <a:xfrm flipV="1">
+            <a:off x="2566320" y="2953752"/>
+            <a:ext cx="446440" cy="858805"/>
+          </a:xfrm>
+          <a:prstGeom prst="straightConnector1">
+            <a:avLst/>
+          </a:prstGeom>
+          <a:ln>
+            <a:tailEnd type="triangle"/>
+          </a:ln>
+        </p:spPr>
+        <p:style>
+          <a:lnRef idx="1">
+            <a:schemeClr val="dk1"/>
+          </a:lnRef>
+          <a:fillRef idx="0">
+            <a:schemeClr val="dk1"/>
+          </a:fillRef>
+          <a:effectRef idx="0">
+            <a:schemeClr val="dk1"/>
+          </a:effectRef>
+          <a:fontRef idx="minor">
+            <a:schemeClr val="tx1"/>
+          </a:fontRef>
+        </p:style>
+      </p:cxnSp>
+      <p:pic>
+        <p:nvPicPr>
+          <p:cNvPr id="125" name="Graphic 24">
+            <a:extLst>
+              <a:ext uri="{FF2B5EF4-FFF2-40B4-BE49-F238E27FC236}">
+                <a16:creationId xmlns:a16="http://schemas.microsoft.com/office/drawing/2014/main" id="{3831F1A3-212C-4D92-B04F-F6288F62FE03}"/>
+              </a:ext>
+            </a:extLst>
+          </p:cNvPr>
+          <p:cNvPicPr>
+            <a:picLocks noChangeAspect="1" noChangeArrowheads="1"/>
+          </p:cNvPicPr>
+          <p:nvPr/>
+        </p:nvPicPr>
+        <p:blipFill>
+          <a:blip r:embed="rId18">
+            <a:extLst>
+              <a:ext uri="{28A0092B-C50C-407E-A947-70E740481C1C}">
+                <a14:useLocalDpi xmlns:a14="http://schemas.microsoft.com/office/drawing/2010/main"/>
+              </a:ext>
+            </a:extLst>
+          </a:blip>
+          <a:srcRect/>
+          <a:stretch>
+            <a:fillRect/>
+          </a:stretch>
+        </p:blipFill>
+        <p:spPr bwMode="auto">
+          <a:xfrm>
+            <a:off x="1527622" y="3507382"/>
+            <a:ext cx="457200" cy="457200"/>
+          </a:xfrm>
+          <a:prstGeom prst="rect">
+            <a:avLst/>
+          </a:prstGeom>
+          <a:noFill/>
+          <a:ln>
+            <a:noFill/>
+          </a:ln>
+          <a:extLst>
+            <a:ext uri="{909E8E84-426E-40DD-AFC4-6F175D3DCCD1}">
+              <a14:hiddenFill xmlns:a14="http://schemas.microsoft.com/office/drawing/2010/main">
+                <a:solidFill>
+                  <a:srgbClr val="FFFFFF"/>
+                </a:solidFill>
+              </a14:hiddenFill>
+            </a:ext>
+            <a:ext uri="{91240B29-F687-4F45-9708-019B960494DF}">
+              <a14:hiddenLine xmlns:a14="http://schemas.microsoft.com/office/drawing/2010/main" w="9525">
+                <a:solidFill>
+                  <a:srgbClr val="000000"/>
+                </a:solidFill>
+                <a:miter lim="800000"/>
+                <a:headEnd/>
+                <a:tailEnd/>
+              </a14:hiddenLine>
+            </a:ext>
+          </a:extLst>
+        </p:spPr>
+      </p:pic>
+      <p:sp>
+        <p:nvSpPr>
+          <p:cNvPr id="126" name="TextBox 2">
+            <a:extLst>
+              <a:ext uri="{FF2B5EF4-FFF2-40B4-BE49-F238E27FC236}">
+                <a16:creationId xmlns:a16="http://schemas.microsoft.com/office/drawing/2014/main" id="{BF3E43B4-FE19-41B8-8337-F1680EDE738C}"/>
+              </a:ext>
+            </a:extLst>
+          </p:cNvPr>
+          <p:cNvSpPr txBox="1"/>
+          <p:nvPr/>
+        </p:nvSpPr>
+        <p:spPr>
+          <a:xfrm>
+            <a:off x="1206860" y="3942912"/>
+            <a:ext cx="1098724" cy="430887"/>
+          </a:xfrm>
+          <a:prstGeom prst="rect">
+            <a:avLst/>
+          </a:prstGeom>
+          <a:noFill/>
+        </p:spPr>
+        <p:style>
+          <a:lnRef idx="0">
+            <a:scrgbClr r="0" g="0" b="0"/>
+          </a:lnRef>
+          <a:fillRef idx="0">
+            <a:scrgbClr r="0" g="0" b="0"/>
+          </a:fillRef>
+          <a:effectRef idx="0">
+            <a:scrgbClr r="0" g="0" b="0"/>
+          </a:effectRef>
+          <a:fontRef idx="major"/>
+        </p:style>
+        <p:txBody>
+          <a:bodyPr wrap="square" rtlCol="0">
+            <a:spAutoFit/>
+          </a:bodyPr>
+          <a:lstStyle>
+            <a:lvl1pPr>
+              <a:defRPr>
+                <a:latin typeface="+mj-lt"/>
+                <a:ea typeface="+mj-ea"/>
+                <a:cs typeface="+mj-cs"/>
+              </a:defRPr>
+            </a:lvl1pPr>
+            <a:lvl2pPr>
+              <a:defRPr>
+                <a:latin typeface="+mj-lt"/>
+                <a:ea typeface="+mj-ea"/>
+                <a:cs typeface="+mj-cs"/>
+              </a:defRPr>
+            </a:lvl2pPr>
+            <a:lvl3pPr>
+              <a:defRPr>
+                <a:latin typeface="+mj-lt"/>
+                <a:ea typeface="+mj-ea"/>
+                <a:cs typeface="+mj-cs"/>
+              </a:defRPr>
+            </a:lvl3pPr>
+            <a:lvl4pPr>
+              <a:defRPr>
+                <a:latin typeface="+mj-lt"/>
+                <a:ea typeface="+mj-ea"/>
+                <a:cs typeface="+mj-cs"/>
+              </a:defRPr>
+            </a:lvl4pPr>
+            <a:lvl5pPr>
+              <a:defRPr>
+                <a:latin typeface="+mj-lt"/>
+                <a:ea typeface="+mj-ea"/>
+                <a:cs typeface="+mj-cs"/>
+              </a:defRPr>
+            </a:lvl5pPr>
+            <a:lvl6pPr>
+              <a:defRPr>
+                <a:latin typeface="+mj-lt"/>
+                <a:ea typeface="+mj-ea"/>
+                <a:cs typeface="+mj-cs"/>
+              </a:defRPr>
+            </a:lvl6pPr>
+            <a:lvl7pPr>
+              <a:defRPr>
+                <a:latin typeface="+mj-lt"/>
+                <a:ea typeface="+mj-ea"/>
+                <a:cs typeface="+mj-cs"/>
+              </a:defRPr>
+            </a:lvl7pPr>
+            <a:lvl8pPr>
+              <a:defRPr>
+                <a:latin typeface="+mj-lt"/>
+                <a:ea typeface="+mj-ea"/>
+                <a:cs typeface="+mj-cs"/>
+              </a:defRPr>
+            </a:lvl8pPr>
+            <a:lvl9pPr>
+              <a:defRPr>
+                <a:latin typeface="+mj-lt"/>
+                <a:ea typeface="+mj-ea"/>
+                <a:cs typeface="+mj-cs"/>
+              </a:defRPr>
+            </a:lvl9pPr>
+          </a:lstStyle>
+          <a:p>
+            <a:pPr algn="ctr"/>
+            <a:r>
+              <a:rPr lang="en-US" sz="1100" dirty="0">
+                <a:latin typeface="Arial" panose="020B0604020202020204" pitchFamily="34" charset="0"/>
+                <a:cs typeface="Arial" panose="020B0604020202020204" pitchFamily="34" charset="0"/>
+              </a:rPr>
+              <a:t>Scheduled Event Rule</a:t>
+            </a:r>
+          </a:p>
+        </p:txBody>
+      </p:sp>
+      <p:sp>
+        <p:nvSpPr>
+          <p:cNvPr id="127" name="Oval 126">
+            <a:extLst>
+              <a:ext uri="{FF2B5EF4-FFF2-40B4-BE49-F238E27FC236}">
+                <a16:creationId xmlns:a16="http://schemas.microsoft.com/office/drawing/2014/main" id="{05BABE10-DA21-4361-A1B3-D35413687858}"/>
               </a:ext>
             </a:extLst>
           </p:cNvPr>
@@ -9086,7 +10896,7 @@
         </p:nvSpPr>
         <p:spPr>
           <a:xfrm>
-            <a:off x="2741753" y="2635909"/>
+            <a:off x="1869070" y="3408829"/>
             <a:ext cx="253435" cy="212902"/>
           </a:xfrm>
           <a:prstGeom prst="ellipse">
@@ -9123,11 +10933,508 @@
           <a:p>
             <a:pPr algn="ctr"/>
             <a:r>
-              <a:rPr lang="en-US" sz="800" dirty="0">
+              <a:rPr lang="en-US" sz="700" dirty="0">
                 <a:latin typeface="Arial" panose="020B0604020202020204" pitchFamily="34" charset="0"/>
                 <a:cs typeface="Arial" panose="020B0604020202020204" pitchFamily="34" charset="0"/>
               </a:rPr>
-              <a:t>1.3</a:t>
+              <a:t>1.12</a:t>
+            </a:r>
+          </a:p>
+        </p:txBody>
+      </p:sp>
+      <p:cxnSp>
+        <p:nvCxnSpPr>
+          <p:cNvPr id="128" name="Straight Arrow Connector 127">
+            <a:extLst>
+              <a:ext uri="{FF2B5EF4-FFF2-40B4-BE49-F238E27FC236}">
+                <a16:creationId xmlns:a16="http://schemas.microsoft.com/office/drawing/2014/main" id="{9B9953B3-0F5B-44C2-BE1D-04EBED9C3270}"/>
+              </a:ext>
+            </a:extLst>
+          </p:cNvPr>
+          <p:cNvCxnSpPr>
+            <a:cxnSpLocks/>
+          </p:cNvCxnSpPr>
+          <p:nvPr/>
+        </p:nvCxnSpPr>
+        <p:spPr>
+          <a:xfrm flipV="1">
+            <a:off x="1978181" y="2879650"/>
+            <a:ext cx="967280" cy="858479"/>
+          </a:xfrm>
+          <a:prstGeom prst="straightConnector1">
+            <a:avLst/>
+          </a:prstGeom>
+          <a:ln>
+            <a:tailEnd type="triangle"/>
+          </a:ln>
+        </p:spPr>
+        <p:style>
+          <a:lnRef idx="1">
+            <a:schemeClr val="dk1"/>
+          </a:lnRef>
+          <a:fillRef idx="0">
+            <a:schemeClr val="dk1"/>
+          </a:fillRef>
+          <a:effectRef idx="0">
+            <a:schemeClr val="dk1"/>
+          </a:effectRef>
+          <a:fontRef idx="minor">
+            <a:schemeClr val="tx1"/>
+          </a:fontRef>
+        </p:style>
+      </p:cxnSp>
+      <p:sp>
+        <p:nvSpPr>
+          <p:cNvPr id="129" name="TextBox 128">
+            <a:extLst>
+              <a:ext uri="{FF2B5EF4-FFF2-40B4-BE49-F238E27FC236}">
+                <a16:creationId xmlns:a16="http://schemas.microsoft.com/office/drawing/2014/main" id="{6BFD8A86-C19E-444E-856B-52D0C074DA7B}"/>
+              </a:ext>
+            </a:extLst>
+          </p:cNvPr>
+          <p:cNvSpPr txBox="1"/>
+          <p:nvPr/>
+        </p:nvSpPr>
+        <p:spPr>
+          <a:xfrm>
+            <a:off x="5641600" y="5140164"/>
+            <a:ext cx="1098725" cy="430887"/>
+          </a:xfrm>
+          <a:prstGeom prst="rect">
+            <a:avLst/>
+          </a:prstGeom>
+          <a:noFill/>
+        </p:spPr>
+        <p:txBody>
+          <a:bodyPr wrap="square" rtlCol="0">
+            <a:spAutoFit/>
+          </a:bodyPr>
+          <a:lstStyle/>
+          <a:p>
+            <a:pPr algn="ctr"/>
+            <a:r>
+              <a:rPr lang="en-US" sz="1100" dirty="0" err="1">
+                <a:latin typeface="Arial" panose="020B0604020202020204" pitchFamily="34" charset="0"/>
+                <a:cs typeface="Arial" panose="020B0604020202020204" pitchFamily="34" charset="0"/>
+              </a:rPr>
+              <a:t>EventBridge</a:t>
+            </a:r>
+            <a:r>
+              <a:rPr lang="en-US" sz="1100" dirty="0">
+                <a:latin typeface="Arial" panose="020B0604020202020204" pitchFamily="34" charset="0"/>
+                <a:cs typeface="Arial" panose="020B0604020202020204" pitchFamily="34" charset="0"/>
+              </a:rPr>
+              <a:t> </a:t>
+            </a:r>
+          </a:p>
+          <a:p>
+            <a:pPr algn="ctr"/>
+            <a:r>
+              <a:rPr lang="en-US" sz="1100" dirty="0">
+                <a:latin typeface="Arial" panose="020B0604020202020204" pitchFamily="34" charset="0"/>
+                <a:cs typeface="Arial" panose="020B0604020202020204" pitchFamily="34" charset="0"/>
+              </a:rPr>
+              <a:t>Role</a:t>
+            </a:r>
+          </a:p>
+        </p:txBody>
+      </p:sp>
+      <p:pic>
+        <p:nvPicPr>
+          <p:cNvPr id="131" name="Graphic 130">
+            <a:extLst>
+              <a:ext uri="{FF2B5EF4-FFF2-40B4-BE49-F238E27FC236}">
+                <a16:creationId xmlns:a16="http://schemas.microsoft.com/office/drawing/2014/main" id="{92AD6811-9FD6-428E-A78B-0B5715F8CAA5}"/>
+              </a:ext>
+            </a:extLst>
+          </p:cNvPr>
+          <p:cNvPicPr>
+            <a:picLocks noChangeAspect="1"/>
+          </p:cNvPicPr>
+          <p:nvPr/>
+        </p:nvPicPr>
+        <p:blipFill>
+          <a:blip r:embed="rId16">
+            <a:extLst>
+              <a:ext uri="{96DAC541-7B7A-43D3-8B79-37D633B846F1}">
+                <asvg:svgBlip xmlns:asvg="http://schemas.microsoft.com/office/drawing/2016/SVG/main" r:embed="rId17"/>
+              </a:ext>
+            </a:extLst>
+          </a:blip>
+          <a:stretch>
+            <a:fillRect/>
+          </a:stretch>
+        </p:blipFill>
+        <p:spPr>
+          <a:xfrm>
+            <a:off x="5953823" y="4781554"/>
+            <a:ext cx="469900" cy="469900"/>
+          </a:xfrm>
+          <a:prstGeom prst="rect">
+            <a:avLst/>
+          </a:prstGeom>
+        </p:spPr>
+      </p:pic>
+      <p:sp>
+        <p:nvSpPr>
+          <p:cNvPr id="132" name="Oval 131">
+            <a:extLst>
+              <a:ext uri="{FF2B5EF4-FFF2-40B4-BE49-F238E27FC236}">
+                <a16:creationId xmlns:a16="http://schemas.microsoft.com/office/drawing/2014/main" id="{72DE4A21-0576-4241-8C2E-EB9BFE320C6B}"/>
+              </a:ext>
+            </a:extLst>
+          </p:cNvPr>
+          <p:cNvSpPr/>
+          <p:nvPr/>
+        </p:nvSpPr>
+        <p:spPr>
+          <a:xfrm>
+            <a:off x="6229879" y="4758377"/>
+            <a:ext cx="253435" cy="212902"/>
+          </a:xfrm>
+          <a:prstGeom prst="ellipse">
+            <a:avLst/>
+          </a:prstGeom>
+          <a:solidFill>
+            <a:schemeClr val="tx1"/>
+          </a:solidFill>
+          <a:ln>
+            <a:solidFill>
+              <a:schemeClr val="tx1"/>
+            </a:solidFill>
+          </a:ln>
+        </p:spPr>
+        <p:style>
+          <a:lnRef idx="2">
+            <a:schemeClr val="accent1">
+              <a:shade val="50000"/>
+            </a:schemeClr>
+          </a:lnRef>
+          <a:fillRef idx="1">
+            <a:schemeClr val="accent1"/>
+          </a:fillRef>
+          <a:effectRef idx="0">
+            <a:schemeClr val="accent1"/>
+          </a:effectRef>
+          <a:fontRef idx="minor">
+            <a:schemeClr val="lt1"/>
+          </a:fontRef>
+        </p:style>
+        <p:txBody>
+          <a:bodyPr lIns="0" tIns="0" rIns="0" bIns="0" rtlCol="0" anchor="ctr"/>
+          <a:lstStyle/>
+          <a:p>
+            <a:pPr algn="ctr"/>
+            <a:r>
+              <a:rPr lang="en-US" sz="700" dirty="0">
+                <a:latin typeface="Arial" panose="020B0604020202020204" pitchFamily="34" charset="0"/>
+                <a:cs typeface="Arial" panose="020B0604020202020204" pitchFamily="34" charset="0"/>
+              </a:rPr>
+              <a:t>1.14</a:t>
+            </a:r>
+          </a:p>
+        </p:txBody>
+      </p:sp>
+      <p:sp>
+        <p:nvSpPr>
+          <p:cNvPr id="134" name="TextBox 133">
+            <a:extLst>
+              <a:ext uri="{FF2B5EF4-FFF2-40B4-BE49-F238E27FC236}">
+                <a16:creationId xmlns:a16="http://schemas.microsoft.com/office/drawing/2014/main" id="{18641EF6-BA39-4F19-A062-C4CCC106276A}"/>
+              </a:ext>
+            </a:extLst>
+          </p:cNvPr>
+          <p:cNvSpPr txBox="1"/>
+          <p:nvPr/>
+        </p:nvSpPr>
+        <p:spPr>
+          <a:xfrm>
+            <a:off x="7079567" y="2807462"/>
+            <a:ext cx="1098725" cy="430887"/>
+          </a:xfrm>
+          <a:prstGeom prst="rect">
+            <a:avLst/>
+          </a:prstGeom>
+          <a:noFill/>
+        </p:spPr>
+        <p:txBody>
+          <a:bodyPr wrap="square" rtlCol="0">
+            <a:spAutoFit/>
+          </a:bodyPr>
+          <a:lstStyle/>
+          <a:p>
+            <a:pPr algn="ctr"/>
+            <a:r>
+              <a:rPr lang="en-US" sz="1100" dirty="0" err="1">
+                <a:latin typeface="Arial" panose="020B0604020202020204" pitchFamily="34" charset="0"/>
+                <a:cs typeface="Arial" panose="020B0604020202020204" pitchFamily="34" charset="0"/>
+              </a:rPr>
+              <a:t>EventBridge</a:t>
+            </a:r>
+            <a:r>
+              <a:rPr lang="en-US" sz="1100" dirty="0">
+                <a:latin typeface="Arial" panose="020B0604020202020204" pitchFamily="34" charset="0"/>
+                <a:cs typeface="Arial" panose="020B0604020202020204" pitchFamily="34" charset="0"/>
+              </a:rPr>
+              <a:t> </a:t>
+            </a:r>
+          </a:p>
+          <a:p>
+            <a:pPr algn="ctr"/>
+            <a:r>
+              <a:rPr lang="en-US" sz="1100" dirty="0">
+                <a:latin typeface="Arial" panose="020B0604020202020204" pitchFamily="34" charset="0"/>
+                <a:cs typeface="Arial" panose="020B0604020202020204" pitchFamily="34" charset="0"/>
+              </a:rPr>
+              <a:t>Role</a:t>
+            </a:r>
+          </a:p>
+        </p:txBody>
+      </p:sp>
+      <p:pic>
+        <p:nvPicPr>
+          <p:cNvPr id="136" name="Graphic 135">
+            <a:extLst>
+              <a:ext uri="{FF2B5EF4-FFF2-40B4-BE49-F238E27FC236}">
+                <a16:creationId xmlns:a16="http://schemas.microsoft.com/office/drawing/2014/main" id="{5D33ACCD-D819-4AE7-961C-E125EC910777}"/>
+              </a:ext>
+            </a:extLst>
+          </p:cNvPr>
+          <p:cNvPicPr>
+            <a:picLocks noChangeAspect="1"/>
+          </p:cNvPicPr>
+          <p:nvPr/>
+        </p:nvPicPr>
+        <p:blipFill>
+          <a:blip r:embed="rId16">
+            <a:extLst>
+              <a:ext uri="{96DAC541-7B7A-43D3-8B79-37D633B846F1}">
+                <asvg:svgBlip xmlns:asvg="http://schemas.microsoft.com/office/drawing/2016/SVG/main" r:embed="rId17"/>
+              </a:ext>
+            </a:extLst>
+          </a:blip>
+          <a:stretch>
+            <a:fillRect/>
+          </a:stretch>
+        </p:blipFill>
+        <p:spPr>
+          <a:xfrm>
+            <a:off x="7391790" y="2448852"/>
+            <a:ext cx="469900" cy="469900"/>
+          </a:xfrm>
+          <a:prstGeom prst="rect">
+            <a:avLst/>
+          </a:prstGeom>
+        </p:spPr>
+      </p:pic>
+      <p:sp>
+        <p:nvSpPr>
+          <p:cNvPr id="142" name="Oval 141">
+            <a:extLst>
+              <a:ext uri="{FF2B5EF4-FFF2-40B4-BE49-F238E27FC236}">
+                <a16:creationId xmlns:a16="http://schemas.microsoft.com/office/drawing/2014/main" id="{AB52E57C-C37F-4D24-BC1C-57326BEFF347}"/>
+              </a:ext>
+            </a:extLst>
+          </p:cNvPr>
+          <p:cNvSpPr/>
+          <p:nvPr/>
+        </p:nvSpPr>
+        <p:spPr>
+          <a:xfrm>
+            <a:off x="7361668" y="2429406"/>
+            <a:ext cx="253435" cy="212902"/>
+          </a:xfrm>
+          <a:prstGeom prst="ellipse">
+            <a:avLst/>
+          </a:prstGeom>
+          <a:solidFill>
+            <a:schemeClr val="tx1"/>
+          </a:solidFill>
+          <a:ln>
+            <a:solidFill>
+              <a:schemeClr val="tx1"/>
+            </a:solidFill>
+          </a:ln>
+        </p:spPr>
+        <p:style>
+          <a:lnRef idx="2">
+            <a:schemeClr val="accent1">
+              <a:shade val="50000"/>
+            </a:schemeClr>
+          </a:lnRef>
+          <a:fillRef idx="1">
+            <a:schemeClr val="accent1"/>
+          </a:fillRef>
+          <a:effectRef idx="0">
+            <a:schemeClr val="accent1"/>
+          </a:effectRef>
+          <a:fontRef idx="minor">
+            <a:schemeClr val="lt1"/>
+          </a:fontRef>
+        </p:style>
+        <p:txBody>
+          <a:bodyPr lIns="0" tIns="0" rIns="0" bIns="0" rtlCol="0" anchor="ctr"/>
+          <a:lstStyle/>
+          <a:p>
+            <a:pPr algn="ctr"/>
+            <a:r>
+              <a:rPr lang="en-US" sz="700" dirty="0">
+                <a:latin typeface="Arial" panose="020B0604020202020204" pitchFamily="34" charset="0"/>
+                <a:cs typeface="Arial" panose="020B0604020202020204" pitchFamily="34" charset="0"/>
+              </a:rPr>
+              <a:t>2.6</a:t>
+            </a:r>
+          </a:p>
+        </p:txBody>
+      </p:sp>
+      <p:sp>
+        <p:nvSpPr>
+          <p:cNvPr id="143" name="TextBox 142">
+            <a:extLst>
+              <a:ext uri="{FF2B5EF4-FFF2-40B4-BE49-F238E27FC236}">
+                <a16:creationId xmlns:a16="http://schemas.microsoft.com/office/drawing/2014/main" id="{4D4CD159-1741-455F-9AF9-7EF0E5A18CC3}"/>
+              </a:ext>
+            </a:extLst>
+          </p:cNvPr>
+          <p:cNvSpPr txBox="1"/>
+          <p:nvPr/>
+        </p:nvSpPr>
+        <p:spPr>
+          <a:xfrm>
+            <a:off x="7120673" y="6033791"/>
+            <a:ext cx="1098725" cy="430887"/>
+          </a:xfrm>
+          <a:prstGeom prst="rect">
+            <a:avLst/>
+          </a:prstGeom>
+          <a:noFill/>
+        </p:spPr>
+        <p:txBody>
+          <a:bodyPr wrap="square" rtlCol="0">
+            <a:spAutoFit/>
+          </a:bodyPr>
+          <a:lstStyle/>
+          <a:p>
+            <a:pPr algn="ctr"/>
+            <a:r>
+              <a:rPr lang="en-US" sz="1100" dirty="0" err="1">
+                <a:latin typeface="Arial" panose="020B0604020202020204" pitchFamily="34" charset="0"/>
+                <a:cs typeface="Arial" panose="020B0604020202020204" pitchFamily="34" charset="0"/>
+              </a:rPr>
+              <a:t>EventBridge</a:t>
+            </a:r>
+            <a:r>
+              <a:rPr lang="en-US" sz="1100" dirty="0">
+                <a:latin typeface="Arial" panose="020B0604020202020204" pitchFamily="34" charset="0"/>
+                <a:cs typeface="Arial" panose="020B0604020202020204" pitchFamily="34" charset="0"/>
+              </a:rPr>
+              <a:t> </a:t>
+            </a:r>
+          </a:p>
+          <a:p>
+            <a:pPr algn="ctr"/>
+            <a:r>
+              <a:rPr lang="en-US" sz="1100" dirty="0">
+                <a:latin typeface="Arial" panose="020B0604020202020204" pitchFamily="34" charset="0"/>
+                <a:cs typeface="Arial" panose="020B0604020202020204" pitchFamily="34" charset="0"/>
+              </a:rPr>
+              <a:t>Role</a:t>
+            </a:r>
+          </a:p>
+        </p:txBody>
+      </p:sp>
+      <p:pic>
+        <p:nvPicPr>
+          <p:cNvPr id="144" name="Graphic 143">
+            <a:extLst>
+              <a:ext uri="{FF2B5EF4-FFF2-40B4-BE49-F238E27FC236}">
+                <a16:creationId xmlns:a16="http://schemas.microsoft.com/office/drawing/2014/main" id="{D6194059-1658-44CE-BD7A-495D35F1AB2F}"/>
+              </a:ext>
+            </a:extLst>
+          </p:cNvPr>
+          <p:cNvPicPr>
+            <a:picLocks noChangeAspect="1"/>
+          </p:cNvPicPr>
+          <p:nvPr/>
+        </p:nvPicPr>
+        <p:blipFill>
+          <a:blip r:embed="rId16">
+            <a:extLst>
+              <a:ext uri="{96DAC541-7B7A-43D3-8B79-37D633B846F1}">
+                <asvg:svgBlip xmlns:asvg="http://schemas.microsoft.com/office/drawing/2016/SVG/main" r:embed="rId17"/>
+              </a:ext>
+            </a:extLst>
+          </a:blip>
+          <a:stretch>
+            <a:fillRect/>
+          </a:stretch>
+        </p:blipFill>
+        <p:spPr>
+          <a:xfrm>
+            <a:off x="7432896" y="5675181"/>
+            <a:ext cx="469900" cy="469900"/>
+          </a:xfrm>
+          <a:prstGeom prst="rect">
+            <a:avLst/>
+          </a:prstGeom>
+        </p:spPr>
+      </p:pic>
+      <p:sp>
+        <p:nvSpPr>
+          <p:cNvPr id="151" name="Oval 150">
+            <a:extLst>
+              <a:ext uri="{FF2B5EF4-FFF2-40B4-BE49-F238E27FC236}">
+                <a16:creationId xmlns:a16="http://schemas.microsoft.com/office/drawing/2014/main" id="{0734FC11-725C-4EDB-B0C1-702DF73A3F2F}"/>
+              </a:ext>
+            </a:extLst>
+          </p:cNvPr>
+          <p:cNvSpPr/>
+          <p:nvPr/>
+        </p:nvSpPr>
+        <p:spPr>
+          <a:xfrm>
+            <a:off x="7399404" y="5656000"/>
+            <a:ext cx="253435" cy="212902"/>
+          </a:xfrm>
+          <a:prstGeom prst="ellipse">
+            <a:avLst/>
+          </a:prstGeom>
+          <a:solidFill>
+            <a:schemeClr val="tx1"/>
+          </a:solidFill>
+          <a:ln>
+            <a:solidFill>
+              <a:schemeClr val="tx1"/>
+            </a:solidFill>
+          </a:ln>
+        </p:spPr>
+        <p:style>
+          <a:lnRef idx="2">
+            <a:schemeClr val="accent1">
+              <a:shade val="50000"/>
+            </a:schemeClr>
+          </a:lnRef>
+          <a:fillRef idx="1">
+            <a:schemeClr val="accent1"/>
+          </a:fillRef>
+          <a:effectRef idx="0">
+            <a:schemeClr val="accent1"/>
+          </a:effectRef>
+          <a:fontRef idx="minor">
+            <a:schemeClr val="lt1"/>
+          </a:fontRef>
+        </p:style>
+        <p:txBody>
+          <a:bodyPr lIns="0" tIns="0" rIns="0" bIns="0" rtlCol="0" anchor="ctr"/>
+          <a:lstStyle/>
+          <a:p>
+            <a:pPr algn="ctr"/>
+            <a:r>
+              <a:rPr lang="en-US" sz="700" dirty="0">
+                <a:latin typeface="Arial" panose="020B0604020202020204" pitchFamily="34" charset="0"/>
+                <a:cs typeface="Arial" panose="020B0604020202020204" pitchFamily="34" charset="0"/>
+              </a:rPr>
+              <a:t>3.5</a:t>
             </a:r>
           </a:p>
         </p:txBody>
@@ -9135,7 +11442,7 @@
     </p:spTree>
     <p:extLst>
       <p:ext uri="{BB962C8B-B14F-4D97-AF65-F5344CB8AC3E}">
-        <p14:creationId xmlns:p14="http://schemas.microsoft.com/office/powerpoint/2010/main" val="2296993975"/>
+        <p14:creationId xmlns:p14="http://schemas.microsoft.com/office/powerpoint/2010/main" val="2996647091"/>
       </p:ext>
     </p:extLst>
   </p:cSld>

--- a/aws_sra_examples/solutions/securityhub/securityhub_org/documentation/securityhub-org.pptx
+++ b/aws_sra_examples/solutions/securityhub/securityhub_org/documentation/securityhub-org.pptx
@@ -5,10 +5,11 @@
     <p:sldMasterId id="2147483648" r:id="rId1"/>
   </p:sldMasterIdLst>
   <p:notesMasterIdLst>
-    <p:notesMasterId r:id="rId3"/>
+    <p:notesMasterId r:id="rId4"/>
   </p:notesMasterIdLst>
   <p:sldIdLst>
     <p:sldId id="257" r:id="rId2"/>
+    <p:sldId id="259" r:id="rId3"/>
   </p:sldIdLst>
   <p:sldSz cx="12192000" cy="6858000"/>
   <p:notesSz cx="6858000" cy="9144000"/>
@@ -108,6 +109,20 @@
     </a:lvl9pPr>
   </p:defaultTextStyle>
   <p:extLst>
+    <p:ext uri="{521415D9-36F7-43E2-AB2F-B90AF26B5E84}">
+      <p14:sectionLst xmlns:p14="http://schemas.microsoft.com/office/powerpoint/2010/main">
+        <p14:section name="AWS SRA Security Hub Cloudformation" id="{54F03CBF-71E3-466E-9B49-FAB03C02FF27}">
+          <p14:sldIdLst>
+            <p14:sldId id="257"/>
+          </p14:sldIdLst>
+        </p14:section>
+        <p14:section name="AWS SRA Security Hub Terraform" id="{EEEB3333-E84A-4F15-A656-89CBC410A891}">
+          <p14:sldIdLst>
+            <p14:sldId id="259"/>
+          </p14:sldIdLst>
+        </p14:section>
+      </p14:sectionLst>
+    </p:ext>
     <p:ext uri="{EFAFB233-063F-42B5-8137-9DF3F51BA10A}">
       <p15:sldGuideLst xmlns:p15="http://schemas.microsoft.com/office/powerpoint/2012/main"/>
     </p:ext>
@@ -197,7 +212,7 @@
           <a:p>
             <a:fld id="{FD8D84E3-00BA-4A46-8256-7E527D8B4480}" type="datetimeFigureOut">
               <a:rPr lang="en-US" smtClean="0"/>
-              <a:t>8/2/2023</a:t>
+              <a:t>2/2/2024</a:t>
             </a:fld>
             <a:endParaRPr lang="en-US"/>
           </a:p>
@@ -548,6 +563,90 @@
 </p:notes>
 </file>
 
+<file path=ppt/notesSlides/notesSlide2.xml><?xml version="1.0" encoding="utf-8"?>
+<p:notes xmlns:a="http://schemas.openxmlformats.org/drawingml/2006/main" xmlns:r="http://schemas.openxmlformats.org/officeDocument/2006/relationships" xmlns:p="http://schemas.openxmlformats.org/presentationml/2006/main">
+  <p:cSld>
+    <p:spTree>
+      <p:nvGrpSpPr>
+        <p:cNvPr id="1" name=""/>
+        <p:cNvGrpSpPr/>
+        <p:nvPr/>
+      </p:nvGrpSpPr>
+      <p:grpSpPr>
+        <a:xfrm>
+          <a:off x="0" y="0"/>
+          <a:ext cx="0" cy="0"/>
+          <a:chOff x="0" y="0"/>
+          <a:chExt cx="0" cy="0"/>
+        </a:xfrm>
+      </p:grpSpPr>
+      <p:sp>
+        <p:nvSpPr>
+          <p:cNvPr id="2" name="Slide Image Placeholder 1"/>
+          <p:cNvSpPr>
+            <a:spLocks noGrp="1" noRot="1" noChangeAspect="1"/>
+          </p:cNvSpPr>
+          <p:nvPr>
+            <p:ph type="sldImg"/>
+          </p:nvPr>
+        </p:nvSpPr>
+        <p:spPr/>
+      </p:sp>
+      <p:sp>
+        <p:nvSpPr>
+          <p:cNvPr id="3" name="Notes Placeholder 2"/>
+          <p:cNvSpPr>
+            <a:spLocks noGrp="1"/>
+          </p:cNvSpPr>
+          <p:nvPr>
+            <p:ph type="body" idx="1"/>
+          </p:nvPr>
+        </p:nvSpPr>
+        <p:spPr/>
+        <p:txBody>
+          <a:bodyPr/>
+          <a:lstStyle/>
+          <a:p>
+            <a:endParaRPr lang="en-US" dirty="0"/>
+          </a:p>
+        </p:txBody>
+      </p:sp>
+      <p:sp>
+        <p:nvSpPr>
+          <p:cNvPr id="4" name="Slide Number Placeholder 3"/>
+          <p:cNvSpPr>
+            <a:spLocks noGrp="1"/>
+          </p:cNvSpPr>
+          <p:nvPr>
+            <p:ph type="sldNum" sz="quarter" idx="5"/>
+          </p:nvPr>
+        </p:nvSpPr>
+        <p:spPr/>
+        <p:txBody>
+          <a:bodyPr/>
+          <a:lstStyle/>
+          <a:p>
+            <a:fld id="{9E1330C4-BBBB-FC4A-85DD-6AFA452BF0C0}" type="slidenum">
+              <a:rPr lang="en-US" smtClean="0"/>
+              <a:t>2</a:t>
+            </a:fld>
+            <a:endParaRPr lang="en-US"/>
+          </a:p>
+        </p:txBody>
+      </p:sp>
+    </p:spTree>
+    <p:extLst>
+      <p:ext uri="{BB962C8B-B14F-4D97-AF65-F5344CB8AC3E}">
+        <p14:creationId xmlns:p14="http://schemas.microsoft.com/office/powerpoint/2010/main" val="27507652"/>
+      </p:ext>
+    </p:extLst>
+  </p:cSld>
+  <p:clrMapOvr>
+    <a:masterClrMapping/>
+  </p:clrMapOvr>
+</p:notes>
+</file>
+
 <file path=ppt/slideLayouts/slideLayout1.xml><?xml version="1.0" encoding="utf-8"?>
 <p:sldLayout xmlns:a="http://schemas.openxmlformats.org/drawingml/2006/main" xmlns:r="http://schemas.openxmlformats.org/officeDocument/2006/relationships" xmlns:p="http://schemas.openxmlformats.org/presentationml/2006/main" type="title" preserve="1">
   <p:cSld name="Title Slide">
@@ -695,7 +794,7 @@
           <a:p>
             <a:fld id="{9FE185F7-9B28-9F45-9F43-9CB5A0B99390}" type="datetimeFigureOut">
               <a:rPr lang="en-US" smtClean="0"/>
-              <a:t>8/2/2023</a:t>
+              <a:t>2/2/2024</a:t>
             </a:fld>
             <a:endParaRPr lang="en-US"/>
           </a:p>
@@ -893,7 +992,7 @@
           <a:p>
             <a:fld id="{9FE185F7-9B28-9F45-9F43-9CB5A0B99390}" type="datetimeFigureOut">
               <a:rPr lang="en-US" smtClean="0"/>
-              <a:t>8/2/2023</a:t>
+              <a:t>2/2/2024</a:t>
             </a:fld>
             <a:endParaRPr lang="en-US"/>
           </a:p>
@@ -1101,7 +1200,7 @@
           <a:p>
             <a:fld id="{9FE185F7-9B28-9F45-9F43-9CB5A0B99390}" type="datetimeFigureOut">
               <a:rPr lang="en-US" smtClean="0"/>
-              <a:t>8/2/2023</a:t>
+              <a:t>2/2/2024</a:t>
             </a:fld>
             <a:endParaRPr lang="en-US"/>
           </a:p>
@@ -1299,7 +1398,7 @@
           <a:p>
             <a:fld id="{9FE185F7-9B28-9F45-9F43-9CB5A0B99390}" type="datetimeFigureOut">
               <a:rPr lang="en-US" smtClean="0"/>
-              <a:t>8/2/2023</a:t>
+              <a:t>2/2/2024</a:t>
             </a:fld>
             <a:endParaRPr lang="en-US"/>
           </a:p>
@@ -1574,7 +1673,7 @@
           <a:p>
             <a:fld id="{9FE185F7-9B28-9F45-9F43-9CB5A0B99390}" type="datetimeFigureOut">
               <a:rPr lang="en-US" smtClean="0"/>
-              <a:t>8/2/2023</a:t>
+              <a:t>2/2/2024</a:t>
             </a:fld>
             <a:endParaRPr lang="en-US"/>
           </a:p>
@@ -1839,7 +1938,7 @@
           <a:p>
             <a:fld id="{9FE185F7-9B28-9F45-9F43-9CB5A0B99390}" type="datetimeFigureOut">
               <a:rPr lang="en-US" smtClean="0"/>
-              <a:t>8/2/2023</a:t>
+              <a:t>2/2/2024</a:t>
             </a:fld>
             <a:endParaRPr lang="en-US"/>
           </a:p>
@@ -2251,7 +2350,7 @@
           <a:p>
             <a:fld id="{9FE185F7-9B28-9F45-9F43-9CB5A0B99390}" type="datetimeFigureOut">
               <a:rPr lang="en-US" smtClean="0"/>
-              <a:t>8/2/2023</a:t>
+              <a:t>2/2/2024</a:t>
             </a:fld>
             <a:endParaRPr lang="en-US"/>
           </a:p>
@@ -2392,7 +2491,7 @@
           <a:p>
             <a:fld id="{9FE185F7-9B28-9F45-9F43-9CB5A0B99390}" type="datetimeFigureOut">
               <a:rPr lang="en-US" smtClean="0"/>
-              <a:t>8/2/2023</a:t>
+              <a:t>2/2/2024</a:t>
             </a:fld>
             <a:endParaRPr lang="en-US"/>
           </a:p>
@@ -2505,7 +2604,7 @@
           <a:p>
             <a:fld id="{9FE185F7-9B28-9F45-9F43-9CB5A0B99390}" type="datetimeFigureOut">
               <a:rPr lang="en-US" smtClean="0"/>
-              <a:t>8/2/2023</a:t>
+              <a:t>2/2/2024</a:t>
             </a:fld>
             <a:endParaRPr lang="en-US"/>
           </a:p>
@@ -2816,7 +2915,7 @@
           <a:p>
             <a:fld id="{9FE185F7-9B28-9F45-9F43-9CB5A0B99390}" type="datetimeFigureOut">
               <a:rPr lang="en-US" smtClean="0"/>
-              <a:t>8/2/2023</a:t>
+              <a:t>2/2/2024</a:t>
             </a:fld>
             <a:endParaRPr lang="en-US"/>
           </a:p>
@@ -3104,7 +3203,7 @@
           <a:p>
             <a:fld id="{9FE185F7-9B28-9F45-9F43-9CB5A0B99390}" type="datetimeFigureOut">
               <a:rPr lang="en-US" smtClean="0"/>
-              <a:t>8/2/2023</a:t>
+              <a:t>2/2/2024</a:t>
             </a:fld>
             <a:endParaRPr lang="en-US"/>
           </a:p>
@@ -3345,7 +3444,7 @@
           <a:p>
             <a:fld id="{9FE185F7-9B28-9F45-9F43-9CB5A0B99390}" type="datetimeFigureOut">
               <a:rPr lang="en-US" smtClean="0"/>
-              <a:t>8/2/2023</a:t>
+              <a:t>2/2/2024</a:t>
             </a:fld>
             <a:endParaRPr lang="en-US"/>
           </a:p>
@@ -11443,6 +11542,7277 @@
     <p:extLst>
       <p:ext uri="{BB962C8B-B14F-4D97-AF65-F5344CB8AC3E}">
         <p14:creationId xmlns:p14="http://schemas.microsoft.com/office/powerpoint/2010/main" val="2996647091"/>
+      </p:ext>
+    </p:extLst>
+  </p:cSld>
+  <p:clrMapOvr>
+    <a:masterClrMapping/>
+  </p:clrMapOvr>
+</p:sld>
+</file>
+
+<file path=ppt/slides/slide2.xml><?xml version="1.0" encoding="utf-8"?>
+<p:sld xmlns:a="http://schemas.openxmlformats.org/drawingml/2006/main" xmlns:r="http://schemas.openxmlformats.org/officeDocument/2006/relationships" xmlns:p="http://schemas.openxmlformats.org/presentationml/2006/main">
+  <p:cSld>
+    <p:spTree>
+      <p:nvGrpSpPr>
+        <p:cNvPr id="1" name=""/>
+        <p:cNvGrpSpPr/>
+        <p:nvPr/>
+      </p:nvGrpSpPr>
+      <p:grpSpPr>
+        <a:xfrm>
+          <a:off x="0" y="0"/>
+          <a:ext cx="0" cy="0"/>
+          <a:chOff x="0" y="0"/>
+          <a:chExt cx="0" cy="0"/>
+        </a:xfrm>
+      </p:grpSpPr>
+      <p:sp>
+        <p:nvSpPr>
+          <p:cNvPr id="81" name="Rectangle 80">
+            <a:extLst>
+              <a:ext uri="{FF2B5EF4-FFF2-40B4-BE49-F238E27FC236}">
+                <a16:creationId xmlns:a16="http://schemas.microsoft.com/office/drawing/2014/main" id="{FD0BEA75-341F-49B4-83DB-758CA12480EF}"/>
+              </a:ext>
+            </a:extLst>
+          </p:cNvPr>
+          <p:cNvSpPr/>
+          <p:nvPr/>
+        </p:nvSpPr>
+        <p:spPr>
+          <a:xfrm>
+            <a:off x="162732" y="158633"/>
+            <a:ext cx="11887200" cy="6587003"/>
+          </a:xfrm>
+          <a:prstGeom prst="rect">
+            <a:avLst/>
+          </a:prstGeom>
+          <a:noFill/>
+          <a:ln w="12700">
+            <a:solidFill>
+              <a:schemeClr val="tx1"/>
+            </a:solidFill>
+          </a:ln>
+        </p:spPr>
+        <p:style>
+          <a:lnRef idx="2">
+            <a:schemeClr val="accent1">
+              <a:shade val="50000"/>
+            </a:schemeClr>
+          </a:lnRef>
+          <a:fillRef idx="1">
+            <a:schemeClr val="accent1"/>
+          </a:fillRef>
+          <a:effectRef idx="0">
+            <a:schemeClr val="accent1"/>
+          </a:effectRef>
+          <a:fontRef idx="minor">
+            <a:schemeClr val="lt1"/>
+          </a:fontRef>
+        </p:style>
+        <p:txBody>
+          <a:bodyPr lIns="502920" tIns="91440"/>
+          <a:lstStyle/>
+          <a:p>
+            <a:pPr eaLnBrk="1" fontAlgn="auto" hangingPunct="1">
+              <a:spcBef>
+                <a:spcPts val="0"/>
+              </a:spcBef>
+              <a:spcAft>
+                <a:spcPts val="0"/>
+              </a:spcAft>
+              <a:defRPr/>
+            </a:pPr>
+            <a:r>
+              <a:rPr lang="en-US" sz="1200" dirty="0">
+                <a:solidFill>
+                  <a:sysClr val="windowText" lastClr="000000"/>
+                </a:solidFill>
+                <a:latin typeface="Arial" panose="020B0604020202020204" pitchFamily="34" charset="0"/>
+                <a:cs typeface="Arial" panose="020B0604020202020204" pitchFamily="34" charset="0"/>
+              </a:rPr>
+              <a:t>AWS Cloud</a:t>
+            </a:r>
+          </a:p>
+        </p:txBody>
+      </p:sp>
+      <p:pic>
+        <p:nvPicPr>
+          <p:cNvPr id="82" name="Graphic 81">
+            <a:extLst>
+              <a:ext uri="{FF2B5EF4-FFF2-40B4-BE49-F238E27FC236}">
+                <a16:creationId xmlns:a16="http://schemas.microsoft.com/office/drawing/2014/main" id="{ADF00096-D97F-4D69-B4CB-8B0D7A8DF2BF}"/>
+              </a:ext>
+            </a:extLst>
+          </p:cNvPr>
+          <p:cNvPicPr>
+            <a:picLocks noChangeAspect="1"/>
+          </p:cNvPicPr>
+          <p:nvPr/>
+        </p:nvPicPr>
+        <p:blipFill>
+          <a:blip r:embed="rId3">
+            <a:extLst>
+              <a:ext uri="{96DAC541-7B7A-43D3-8B79-37D633B846F1}">
+                <asvg:svgBlip xmlns:asvg="http://schemas.microsoft.com/office/drawing/2016/SVG/main" r:embed="rId4"/>
+              </a:ext>
+            </a:extLst>
+          </a:blip>
+          <a:srcRect/>
+          <a:stretch/>
+        </p:blipFill>
+        <p:spPr>
+          <a:xfrm>
+            <a:off x="162732" y="158631"/>
+            <a:ext cx="381000" cy="381000"/>
+          </a:xfrm>
+          <a:prstGeom prst="rect">
+            <a:avLst/>
+          </a:prstGeom>
+        </p:spPr>
+      </p:pic>
+      <p:sp>
+        <p:nvSpPr>
+          <p:cNvPr id="87" name="Rectangle 86">
+            <a:extLst>
+              <a:ext uri="{FF2B5EF4-FFF2-40B4-BE49-F238E27FC236}">
+                <a16:creationId xmlns:a16="http://schemas.microsoft.com/office/drawing/2014/main" id="{233194F9-79FD-453D-AC8F-FA9F8DEF9795}"/>
+              </a:ext>
+            </a:extLst>
+          </p:cNvPr>
+          <p:cNvSpPr/>
+          <p:nvPr/>
+        </p:nvSpPr>
+        <p:spPr>
+          <a:xfrm>
+            <a:off x="281694" y="603750"/>
+            <a:ext cx="6574900" cy="5128850"/>
+          </a:xfrm>
+          <a:prstGeom prst="rect">
+            <a:avLst/>
+          </a:prstGeom>
+          <a:noFill/>
+          <a:ln w="12700">
+            <a:solidFill>
+              <a:srgbClr val="CD2264"/>
+            </a:solidFill>
+          </a:ln>
+        </p:spPr>
+        <p:style>
+          <a:lnRef idx="2">
+            <a:schemeClr val="accent1">
+              <a:shade val="50000"/>
+            </a:schemeClr>
+          </a:lnRef>
+          <a:fillRef idx="1">
+            <a:schemeClr val="accent1"/>
+          </a:fillRef>
+          <a:effectRef idx="0">
+            <a:schemeClr val="accent1"/>
+          </a:effectRef>
+          <a:fontRef idx="minor">
+            <a:schemeClr val="lt1"/>
+          </a:fontRef>
+        </p:style>
+        <p:txBody>
+          <a:bodyPr lIns="502920" tIns="91440"/>
+          <a:lstStyle/>
+          <a:p>
+            <a:pPr eaLnBrk="1" fontAlgn="auto" hangingPunct="1">
+              <a:spcBef>
+                <a:spcPts val="0"/>
+              </a:spcBef>
+              <a:spcAft>
+                <a:spcPts val="0"/>
+              </a:spcAft>
+              <a:defRPr/>
+            </a:pPr>
+            <a:r>
+              <a:rPr lang="en-US" sz="1200" dirty="0">
+                <a:solidFill>
+                  <a:srgbClr val="CD2264"/>
+                </a:solidFill>
+                <a:latin typeface="Arial" panose="020B0604020202020204" pitchFamily="34" charset="0"/>
+                <a:cs typeface="Arial" panose="020B0604020202020204" pitchFamily="34" charset="0"/>
+              </a:rPr>
+              <a:t>Organization Management Account</a:t>
+            </a:r>
+          </a:p>
+        </p:txBody>
+      </p:sp>
+      <p:pic>
+        <p:nvPicPr>
+          <p:cNvPr id="88" name="Graphic 87">
+            <a:extLst>
+              <a:ext uri="{FF2B5EF4-FFF2-40B4-BE49-F238E27FC236}">
+                <a16:creationId xmlns:a16="http://schemas.microsoft.com/office/drawing/2014/main" id="{234AB67D-9201-40E8-83E1-AF224AFD12B8}"/>
+              </a:ext>
+            </a:extLst>
+          </p:cNvPr>
+          <p:cNvPicPr>
+            <a:picLocks noChangeAspect="1"/>
+          </p:cNvPicPr>
+          <p:nvPr/>
+        </p:nvPicPr>
+        <p:blipFill>
+          <a:blip r:embed="rId5">
+            <a:extLst>
+              <a:ext uri="{96DAC541-7B7A-43D3-8B79-37D633B846F1}">
+                <asvg:svgBlip xmlns:asvg="http://schemas.microsoft.com/office/drawing/2016/SVG/main" r:embed="rId6"/>
+              </a:ext>
+            </a:extLst>
+          </a:blip>
+          <a:stretch>
+            <a:fillRect/>
+          </a:stretch>
+        </p:blipFill>
+        <p:spPr>
+          <a:xfrm>
+            <a:off x="278676" y="603748"/>
+            <a:ext cx="424469" cy="424469"/>
+          </a:xfrm>
+          <a:prstGeom prst="rect">
+            <a:avLst/>
+          </a:prstGeom>
+        </p:spPr>
+      </p:pic>
+      <p:sp>
+        <p:nvSpPr>
+          <p:cNvPr id="122" name="TextBox 2">
+            <a:extLst>
+              <a:ext uri="{FF2B5EF4-FFF2-40B4-BE49-F238E27FC236}">
+                <a16:creationId xmlns:a16="http://schemas.microsoft.com/office/drawing/2014/main" id="{D779FD12-DEC5-45B4-89B4-2B5EBBA6290B}"/>
+              </a:ext>
+            </a:extLst>
+          </p:cNvPr>
+          <p:cNvSpPr txBox="1"/>
+          <p:nvPr/>
+        </p:nvSpPr>
+        <p:spPr>
+          <a:xfrm>
+            <a:off x="3279561" y="2583954"/>
+            <a:ext cx="740002" cy="430887"/>
+          </a:xfrm>
+          <a:prstGeom prst="rect">
+            <a:avLst/>
+          </a:prstGeom>
+          <a:noFill/>
+        </p:spPr>
+        <p:style>
+          <a:lnRef idx="0">
+            <a:scrgbClr r="0" g="0" b="0"/>
+          </a:lnRef>
+          <a:fillRef idx="0">
+            <a:scrgbClr r="0" g="0" b="0"/>
+          </a:fillRef>
+          <a:effectRef idx="0">
+            <a:scrgbClr r="0" g="0" b="0"/>
+          </a:effectRef>
+          <a:fontRef idx="major"/>
+        </p:style>
+        <p:txBody>
+          <a:bodyPr wrap="square" rtlCol="0">
+            <a:spAutoFit/>
+          </a:bodyPr>
+          <a:lstStyle>
+            <a:lvl1pPr>
+              <a:defRPr>
+                <a:latin typeface="+mj-lt"/>
+                <a:ea typeface="+mj-ea"/>
+                <a:cs typeface="+mj-cs"/>
+              </a:defRPr>
+            </a:lvl1pPr>
+            <a:lvl2pPr>
+              <a:defRPr>
+                <a:latin typeface="+mj-lt"/>
+                <a:ea typeface="+mj-ea"/>
+                <a:cs typeface="+mj-cs"/>
+              </a:defRPr>
+            </a:lvl2pPr>
+            <a:lvl3pPr>
+              <a:defRPr>
+                <a:latin typeface="+mj-lt"/>
+                <a:ea typeface="+mj-ea"/>
+                <a:cs typeface="+mj-cs"/>
+              </a:defRPr>
+            </a:lvl3pPr>
+            <a:lvl4pPr>
+              <a:defRPr>
+                <a:latin typeface="+mj-lt"/>
+                <a:ea typeface="+mj-ea"/>
+                <a:cs typeface="+mj-cs"/>
+              </a:defRPr>
+            </a:lvl4pPr>
+            <a:lvl5pPr>
+              <a:defRPr>
+                <a:latin typeface="+mj-lt"/>
+                <a:ea typeface="+mj-ea"/>
+                <a:cs typeface="+mj-cs"/>
+              </a:defRPr>
+            </a:lvl5pPr>
+            <a:lvl6pPr>
+              <a:defRPr>
+                <a:latin typeface="+mj-lt"/>
+                <a:ea typeface="+mj-ea"/>
+                <a:cs typeface="+mj-cs"/>
+              </a:defRPr>
+            </a:lvl6pPr>
+            <a:lvl7pPr>
+              <a:defRPr>
+                <a:latin typeface="+mj-lt"/>
+                <a:ea typeface="+mj-ea"/>
+                <a:cs typeface="+mj-cs"/>
+              </a:defRPr>
+            </a:lvl7pPr>
+            <a:lvl8pPr>
+              <a:defRPr>
+                <a:latin typeface="+mj-lt"/>
+                <a:ea typeface="+mj-ea"/>
+                <a:cs typeface="+mj-cs"/>
+              </a:defRPr>
+            </a:lvl8pPr>
+            <a:lvl9pPr>
+              <a:defRPr>
+                <a:latin typeface="+mj-lt"/>
+                <a:ea typeface="+mj-ea"/>
+                <a:cs typeface="+mj-cs"/>
+              </a:defRPr>
+            </a:lvl9pPr>
+          </a:lstStyle>
+          <a:p>
+            <a:r>
+              <a:rPr lang="en-US" sz="1100" dirty="0">
+                <a:latin typeface="Arial" panose="020B0604020202020204" pitchFamily="34" charset="0"/>
+                <a:cs typeface="Arial" panose="020B0604020202020204" pitchFamily="34" charset="0"/>
+              </a:rPr>
+              <a:t>Lambda</a:t>
+            </a:r>
+          </a:p>
+          <a:p>
+            <a:r>
+              <a:rPr lang="en-US" sz="1100" dirty="0">
+                <a:latin typeface="Arial" panose="020B0604020202020204" pitchFamily="34" charset="0"/>
+                <a:cs typeface="Arial" panose="020B0604020202020204" pitchFamily="34" charset="0"/>
+              </a:rPr>
+              <a:t>Function</a:t>
+            </a:r>
+          </a:p>
+        </p:txBody>
+      </p:sp>
+      <p:sp>
+        <p:nvSpPr>
+          <p:cNvPr id="123" name="TextBox 2">
+            <a:extLst>
+              <a:ext uri="{FF2B5EF4-FFF2-40B4-BE49-F238E27FC236}">
+                <a16:creationId xmlns:a16="http://schemas.microsoft.com/office/drawing/2014/main" id="{956DC4A8-C454-4D0C-A193-B9CF227389CD}"/>
+              </a:ext>
+            </a:extLst>
+          </p:cNvPr>
+          <p:cNvSpPr txBox="1"/>
+          <p:nvPr/>
+        </p:nvSpPr>
+        <p:spPr>
+          <a:xfrm>
+            <a:off x="2802365" y="3902268"/>
+            <a:ext cx="1098724" cy="430887"/>
+          </a:xfrm>
+          <a:prstGeom prst="rect">
+            <a:avLst/>
+          </a:prstGeom>
+          <a:noFill/>
+        </p:spPr>
+        <p:style>
+          <a:lnRef idx="0">
+            <a:scrgbClr r="0" g="0" b="0"/>
+          </a:lnRef>
+          <a:fillRef idx="0">
+            <a:scrgbClr r="0" g="0" b="0"/>
+          </a:fillRef>
+          <a:effectRef idx="0">
+            <a:scrgbClr r="0" g="0" b="0"/>
+          </a:effectRef>
+          <a:fontRef idx="major"/>
+        </p:style>
+        <p:txBody>
+          <a:bodyPr wrap="square" rtlCol="0">
+            <a:spAutoFit/>
+          </a:bodyPr>
+          <a:lstStyle>
+            <a:lvl1pPr>
+              <a:defRPr>
+                <a:latin typeface="+mj-lt"/>
+                <a:ea typeface="+mj-ea"/>
+                <a:cs typeface="+mj-cs"/>
+              </a:defRPr>
+            </a:lvl1pPr>
+            <a:lvl2pPr>
+              <a:defRPr>
+                <a:latin typeface="+mj-lt"/>
+                <a:ea typeface="+mj-ea"/>
+                <a:cs typeface="+mj-cs"/>
+              </a:defRPr>
+            </a:lvl2pPr>
+            <a:lvl3pPr>
+              <a:defRPr>
+                <a:latin typeface="+mj-lt"/>
+                <a:ea typeface="+mj-ea"/>
+                <a:cs typeface="+mj-cs"/>
+              </a:defRPr>
+            </a:lvl3pPr>
+            <a:lvl4pPr>
+              <a:defRPr>
+                <a:latin typeface="+mj-lt"/>
+                <a:ea typeface="+mj-ea"/>
+                <a:cs typeface="+mj-cs"/>
+              </a:defRPr>
+            </a:lvl4pPr>
+            <a:lvl5pPr>
+              <a:defRPr>
+                <a:latin typeface="+mj-lt"/>
+                <a:ea typeface="+mj-ea"/>
+                <a:cs typeface="+mj-cs"/>
+              </a:defRPr>
+            </a:lvl5pPr>
+            <a:lvl6pPr>
+              <a:defRPr>
+                <a:latin typeface="+mj-lt"/>
+                <a:ea typeface="+mj-ea"/>
+                <a:cs typeface="+mj-cs"/>
+              </a:defRPr>
+            </a:lvl6pPr>
+            <a:lvl7pPr>
+              <a:defRPr>
+                <a:latin typeface="+mj-lt"/>
+                <a:ea typeface="+mj-ea"/>
+                <a:cs typeface="+mj-cs"/>
+              </a:defRPr>
+            </a:lvl7pPr>
+            <a:lvl8pPr>
+              <a:defRPr>
+                <a:latin typeface="+mj-lt"/>
+                <a:ea typeface="+mj-ea"/>
+                <a:cs typeface="+mj-cs"/>
+              </a:defRPr>
+            </a:lvl8pPr>
+            <a:lvl9pPr>
+              <a:defRPr>
+                <a:latin typeface="+mj-lt"/>
+                <a:ea typeface="+mj-ea"/>
+                <a:cs typeface="+mj-cs"/>
+              </a:defRPr>
+            </a:lvl9pPr>
+          </a:lstStyle>
+          <a:p>
+            <a:pPr algn="ctr"/>
+            <a:r>
+              <a:rPr lang="en-US" sz="1100" dirty="0">
+                <a:latin typeface="Arial" panose="020B0604020202020204" pitchFamily="34" charset="0"/>
+                <a:cs typeface="Arial" panose="020B0604020202020204" pitchFamily="34" charset="0"/>
+              </a:rPr>
+              <a:t>CloudWatch Log Group</a:t>
+            </a:r>
+          </a:p>
+        </p:txBody>
+      </p:sp>
+      <p:sp>
+        <p:nvSpPr>
+          <p:cNvPr id="133" name="Oval 132">
+            <a:extLst>
+              <a:ext uri="{FF2B5EF4-FFF2-40B4-BE49-F238E27FC236}">
+                <a16:creationId xmlns:a16="http://schemas.microsoft.com/office/drawing/2014/main" id="{40C04EF0-8999-4E87-9938-BB23E34A77B4}"/>
+              </a:ext>
+            </a:extLst>
+          </p:cNvPr>
+          <p:cNvSpPr/>
+          <p:nvPr/>
+        </p:nvSpPr>
+        <p:spPr>
+          <a:xfrm>
+            <a:off x="3447188" y="3458394"/>
+            <a:ext cx="253435" cy="212902"/>
+          </a:xfrm>
+          <a:prstGeom prst="ellipse">
+            <a:avLst/>
+          </a:prstGeom>
+          <a:solidFill>
+            <a:schemeClr val="tx1"/>
+          </a:solidFill>
+          <a:ln>
+            <a:solidFill>
+              <a:schemeClr val="tx1"/>
+            </a:solidFill>
+          </a:ln>
+        </p:spPr>
+        <p:style>
+          <a:lnRef idx="2">
+            <a:schemeClr val="accent1">
+              <a:shade val="50000"/>
+            </a:schemeClr>
+          </a:lnRef>
+          <a:fillRef idx="1">
+            <a:schemeClr val="accent1"/>
+          </a:fillRef>
+          <a:effectRef idx="0">
+            <a:schemeClr val="accent1"/>
+          </a:effectRef>
+          <a:fontRef idx="minor">
+            <a:schemeClr val="lt1"/>
+          </a:fontRef>
+        </p:style>
+        <p:txBody>
+          <a:bodyPr lIns="0" tIns="0" rIns="0" bIns="0" rtlCol="0" anchor="ctr"/>
+          <a:lstStyle/>
+          <a:p>
+            <a:pPr algn="ctr"/>
+            <a:r>
+              <a:rPr lang="en-US" sz="800" dirty="0">
+                <a:latin typeface="Arial" panose="020B0604020202020204" pitchFamily="34" charset="0"/>
+                <a:cs typeface="Arial" panose="020B0604020202020204" pitchFamily="34" charset="0"/>
+              </a:rPr>
+              <a:t>1.7</a:t>
+            </a:r>
+          </a:p>
+        </p:txBody>
+      </p:sp>
+      <p:pic>
+        <p:nvPicPr>
+          <p:cNvPr id="138" name="Graphic 13">
+            <a:extLst>
+              <a:ext uri="{FF2B5EF4-FFF2-40B4-BE49-F238E27FC236}">
+                <a16:creationId xmlns:a16="http://schemas.microsoft.com/office/drawing/2014/main" id="{DD93BA21-ED60-4BEA-8CCB-AB48DD1F7F7F}"/>
+              </a:ext>
+            </a:extLst>
+          </p:cNvPr>
+          <p:cNvPicPr>
+            <a:picLocks noChangeAspect="1" noChangeArrowheads="1"/>
+          </p:cNvPicPr>
+          <p:nvPr/>
+        </p:nvPicPr>
+        <p:blipFill>
+          <a:blip r:embed="rId7">
+            <a:extLst>
+              <a:ext uri="{28A0092B-C50C-407E-A947-70E740481C1C}">
+                <a14:useLocalDpi xmlns:a14="http://schemas.microsoft.com/office/drawing/2010/main"/>
+              </a:ext>
+            </a:extLst>
+          </a:blip>
+          <a:srcRect/>
+          <a:stretch>
+            <a:fillRect/>
+          </a:stretch>
+        </p:blipFill>
+        <p:spPr bwMode="auto">
+          <a:xfrm>
+            <a:off x="2914633" y="2519221"/>
+            <a:ext cx="457200" cy="457200"/>
+          </a:xfrm>
+          <a:prstGeom prst="rect">
+            <a:avLst/>
+          </a:prstGeom>
+          <a:noFill/>
+          <a:ln>
+            <a:noFill/>
+          </a:ln>
+          <a:extLst>
+            <a:ext uri="{909E8E84-426E-40DD-AFC4-6F175D3DCCD1}">
+              <a14:hiddenFill xmlns:a14="http://schemas.microsoft.com/office/drawing/2010/main">
+                <a:solidFill>
+                  <a:srgbClr val="FFFFFF"/>
+                </a:solidFill>
+              </a14:hiddenFill>
+            </a:ext>
+            <a:ext uri="{91240B29-F687-4F45-9708-019B960494DF}">
+              <a14:hiddenLine xmlns:a14="http://schemas.microsoft.com/office/drawing/2010/main" w="9525">
+                <a:solidFill>
+                  <a:srgbClr val="000000"/>
+                </a:solidFill>
+                <a:miter lim="800000"/>
+                <a:headEnd/>
+                <a:tailEnd/>
+              </a14:hiddenLine>
+            </a:ext>
+          </a:extLst>
+        </p:spPr>
+      </p:pic>
+      <p:sp>
+        <p:nvSpPr>
+          <p:cNvPr id="159" name="Oval 158">
+            <a:extLst>
+              <a:ext uri="{FF2B5EF4-FFF2-40B4-BE49-F238E27FC236}">
+                <a16:creationId xmlns:a16="http://schemas.microsoft.com/office/drawing/2014/main" id="{4A05C662-2FBC-439F-B802-9699E92DB84C}"/>
+              </a:ext>
+            </a:extLst>
+          </p:cNvPr>
+          <p:cNvSpPr/>
+          <p:nvPr/>
+        </p:nvSpPr>
+        <p:spPr>
+          <a:xfrm>
+            <a:off x="3194648" y="2432141"/>
+            <a:ext cx="253435" cy="212902"/>
+          </a:xfrm>
+          <a:prstGeom prst="ellipse">
+            <a:avLst/>
+          </a:prstGeom>
+          <a:solidFill>
+            <a:schemeClr val="tx1"/>
+          </a:solidFill>
+          <a:ln>
+            <a:solidFill>
+              <a:schemeClr val="tx1"/>
+            </a:solidFill>
+          </a:ln>
+        </p:spPr>
+        <p:style>
+          <a:lnRef idx="2">
+            <a:schemeClr val="accent1">
+              <a:shade val="50000"/>
+            </a:schemeClr>
+          </a:lnRef>
+          <a:fillRef idx="1">
+            <a:schemeClr val="accent1"/>
+          </a:fillRef>
+          <a:effectRef idx="0">
+            <a:schemeClr val="accent1"/>
+          </a:effectRef>
+          <a:fontRef idx="minor">
+            <a:schemeClr val="lt1"/>
+          </a:fontRef>
+        </p:style>
+        <p:txBody>
+          <a:bodyPr lIns="0" tIns="0" rIns="0" bIns="0" rtlCol="0" anchor="ctr"/>
+          <a:lstStyle/>
+          <a:p>
+            <a:pPr algn="ctr"/>
+            <a:r>
+              <a:rPr lang="en-US" sz="800" dirty="0">
+                <a:latin typeface="Arial" panose="020B0604020202020204" pitchFamily="34" charset="0"/>
+                <a:cs typeface="Arial" panose="020B0604020202020204" pitchFamily="34" charset="0"/>
+              </a:rPr>
+              <a:t>1.6</a:t>
+            </a:r>
+          </a:p>
+        </p:txBody>
+      </p:sp>
+      <p:pic>
+        <p:nvPicPr>
+          <p:cNvPr id="160" name="Graphic 7">
+            <a:extLst>
+              <a:ext uri="{FF2B5EF4-FFF2-40B4-BE49-F238E27FC236}">
+                <a16:creationId xmlns:a16="http://schemas.microsoft.com/office/drawing/2014/main" id="{0B13130F-B51E-4BFD-AECE-120AC8A6CA73}"/>
+              </a:ext>
+            </a:extLst>
+          </p:cNvPr>
+          <p:cNvPicPr>
+            <a:picLocks noChangeAspect="1" noChangeArrowheads="1"/>
+          </p:cNvPicPr>
+          <p:nvPr/>
+        </p:nvPicPr>
+        <p:blipFill>
+          <a:blip r:embed="rId8">
+            <a:extLst>
+              <a:ext uri="{28A0092B-C50C-407E-A947-70E740481C1C}">
+                <a14:useLocalDpi xmlns:a14="http://schemas.microsoft.com/office/drawing/2010/main"/>
+              </a:ext>
+            </a:extLst>
+          </a:blip>
+          <a:srcRect/>
+          <a:stretch>
+            <a:fillRect/>
+          </a:stretch>
+        </p:blipFill>
+        <p:spPr bwMode="auto">
+          <a:xfrm>
+            <a:off x="3177860" y="3515129"/>
+            <a:ext cx="457200" cy="457200"/>
+          </a:xfrm>
+          <a:prstGeom prst="rect">
+            <a:avLst/>
+          </a:prstGeom>
+          <a:noFill/>
+          <a:ln>
+            <a:noFill/>
+          </a:ln>
+          <a:extLst>
+            <a:ext uri="{909E8E84-426E-40DD-AFC4-6F175D3DCCD1}">
+              <a14:hiddenFill xmlns:a14="http://schemas.microsoft.com/office/drawing/2010/main">
+                <a:solidFill>
+                  <a:srgbClr val="FFFFFF"/>
+                </a:solidFill>
+              </a14:hiddenFill>
+            </a:ext>
+            <a:ext uri="{91240B29-F687-4F45-9708-019B960494DF}">
+              <a14:hiddenLine xmlns:a14="http://schemas.microsoft.com/office/drawing/2010/main" w="9525">
+                <a:solidFill>
+                  <a:srgbClr val="000000"/>
+                </a:solidFill>
+                <a:miter lim="800000"/>
+                <a:headEnd/>
+                <a:tailEnd/>
+              </a14:hiddenLine>
+            </a:ext>
+          </a:extLst>
+        </p:spPr>
+      </p:pic>
+      <p:cxnSp>
+        <p:nvCxnSpPr>
+          <p:cNvPr id="161" name="Straight Arrow Connector 160">
+            <a:extLst>
+              <a:ext uri="{FF2B5EF4-FFF2-40B4-BE49-F238E27FC236}">
+                <a16:creationId xmlns:a16="http://schemas.microsoft.com/office/drawing/2014/main" id="{5027F5E7-5F52-4829-B197-8F0895FD8F71}"/>
+              </a:ext>
+            </a:extLst>
+          </p:cNvPr>
+          <p:cNvCxnSpPr>
+            <a:cxnSpLocks/>
+          </p:cNvCxnSpPr>
+          <p:nvPr/>
+        </p:nvCxnSpPr>
+        <p:spPr>
+          <a:xfrm flipH="1" flipV="1">
+            <a:off x="2724625" y="1895270"/>
+            <a:ext cx="288135" cy="649210"/>
+          </a:xfrm>
+          <a:prstGeom prst="straightConnector1">
+            <a:avLst/>
+          </a:prstGeom>
+          <a:ln>
+            <a:tailEnd type="triangle"/>
+          </a:ln>
+        </p:spPr>
+        <p:style>
+          <a:lnRef idx="1">
+            <a:schemeClr val="dk1"/>
+          </a:lnRef>
+          <a:fillRef idx="0">
+            <a:schemeClr val="dk1"/>
+          </a:fillRef>
+          <a:effectRef idx="0">
+            <a:schemeClr val="dk1"/>
+          </a:effectRef>
+          <a:fontRef idx="minor">
+            <a:schemeClr val="tx1"/>
+          </a:fontRef>
+        </p:style>
+      </p:cxnSp>
+      <p:pic>
+        <p:nvPicPr>
+          <p:cNvPr id="162" name="Graphic 17">
+            <a:extLst>
+              <a:ext uri="{FF2B5EF4-FFF2-40B4-BE49-F238E27FC236}">
+                <a16:creationId xmlns:a16="http://schemas.microsoft.com/office/drawing/2014/main" id="{2A5D1DCB-4C74-4F64-8B48-F85EF8C1424A}"/>
+              </a:ext>
+            </a:extLst>
+          </p:cNvPr>
+          <p:cNvPicPr>
+            <a:picLocks noChangeAspect="1" noChangeArrowheads="1"/>
+          </p:cNvPicPr>
+          <p:nvPr/>
+        </p:nvPicPr>
+        <p:blipFill>
+          <a:blip r:embed="rId9">
+            <a:extLst>
+              <a:ext uri="{28A0092B-C50C-407E-A947-70E740481C1C}">
+                <a14:useLocalDpi xmlns:a14="http://schemas.microsoft.com/office/drawing/2010/main"/>
+              </a:ext>
+            </a:extLst>
+          </a:blip>
+          <a:srcRect/>
+          <a:stretch>
+            <a:fillRect/>
+          </a:stretch>
+        </p:blipFill>
+        <p:spPr bwMode="auto">
+          <a:xfrm>
+            <a:off x="2217692" y="1684870"/>
+            <a:ext cx="457200" cy="457200"/>
+          </a:xfrm>
+          <a:prstGeom prst="rect">
+            <a:avLst/>
+          </a:prstGeom>
+          <a:noFill/>
+          <a:ln>
+            <a:noFill/>
+          </a:ln>
+          <a:extLst>
+            <a:ext uri="{909E8E84-426E-40DD-AFC4-6F175D3DCCD1}">
+              <a14:hiddenFill xmlns:a14="http://schemas.microsoft.com/office/drawing/2010/main">
+                <a:solidFill>
+                  <a:srgbClr val="FFFFFF"/>
+                </a:solidFill>
+              </a14:hiddenFill>
+            </a:ext>
+            <a:ext uri="{91240B29-F687-4F45-9708-019B960494DF}">
+              <a14:hiddenLine xmlns:a14="http://schemas.microsoft.com/office/drawing/2010/main" w="9525">
+                <a:solidFill>
+                  <a:srgbClr val="000000"/>
+                </a:solidFill>
+                <a:miter lim="800000"/>
+                <a:headEnd/>
+                <a:tailEnd/>
+              </a14:hiddenLine>
+            </a:ext>
+          </a:extLst>
+        </p:spPr>
+      </p:pic>
+      <p:sp>
+        <p:nvSpPr>
+          <p:cNvPr id="163" name="TextBox 2">
+            <a:extLst>
+              <a:ext uri="{FF2B5EF4-FFF2-40B4-BE49-F238E27FC236}">
+                <a16:creationId xmlns:a16="http://schemas.microsoft.com/office/drawing/2014/main" id="{4F80BB92-ED3C-4B43-AE93-3C503210728A}"/>
+              </a:ext>
+            </a:extLst>
+          </p:cNvPr>
+          <p:cNvSpPr txBox="1"/>
+          <p:nvPr/>
+        </p:nvSpPr>
+        <p:spPr>
+          <a:xfrm>
+            <a:off x="1836928" y="2109554"/>
+            <a:ext cx="1273984" cy="261610"/>
+          </a:xfrm>
+          <a:prstGeom prst="rect">
+            <a:avLst/>
+          </a:prstGeom>
+          <a:noFill/>
+        </p:spPr>
+        <p:style>
+          <a:lnRef idx="0">
+            <a:scrgbClr r="0" g="0" b="0"/>
+          </a:lnRef>
+          <a:fillRef idx="0">
+            <a:scrgbClr r="0" g="0" b="0"/>
+          </a:fillRef>
+          <a:effectRef idx="0">
+            <a:scrgbClr r="0" g="0" b="0"/>
+          </a:effectRef>
+          <a:fontRef idx="major"/>
+        </p:style>
+        <p:txBody>
+          <a:bodyPr wrap="square" rtlCol="0">
+            <a:spAutoFit/>
+          </a:bodyPr>
+          <a:lstStyle>
+            <a:lvl1pPr>
+              <a:defRPr>
+                <a:latin typeface="+mj-lt"/>
+                <a:ea typeface="+mj-ea"/>
+                <a:cs typeface="+mj-cs"/>
+              </a:defRPr>
+            </a:lvl1pPr>
+            <a:lvl2pPr>
+              <a:defRPr>
+                <a:latin typeface="+mj-lt"/>
+                <a:ea typeface="+mj-ea"/>
+                <a:cs typeface="+mj-cs"/>
+              </a:defRPr>
+            </a:lvl2pPr>
+            <a:lvl3pPr>
+              <a:defRPr>
+                <a:latin typeface="+mj-lt"/>
+                <a:ea typeface="+mj-ea"/>
+                <a:cs typeface="+mj-cs"/>
+              </a:defRPr>
+            </a:lvl3pPr>
+            <a:lvl4pPr>
+              <a:defRPr>
+                <a:latin typeface="+mj-lt"/>
+                <a:ea typeface="+mj-ea"/>
+                <a:cs typeface="+mj-cs"/>
+              </a:defRPr>
+            </a:lvl4pPr>
+            <a:lvl5pPr>
+              <a:defRPr>
+                <a:latin typeface="+mj-lt"/>
+                <a:ea typeface="+mj-ea"/>
+                <a:cs typeface="+mj-cs"/>
+              </a:defRPr>
+            </a:lvl5pPr>
+            <a:lvl6pPr>
+              <a:defRPr>
+                <a:latin typeface="+mj-lt"/>
+                <a:ea typeface="+mj-ea"/>
+                <a:cs typeface="+mj-cs"/>
+              </a:defRPr>
+            </a:lvl6pPr>
+            <a:lvl7pPr>
+              <a:defRPr>
+                <a:latin typeface="+mj-lt"/>
+                <a:ea typeface="+mj-ea"/>
+                <a:cs typeface="+mj-cs"/>
+              </a:defRPr>
+            </a:lvl7pPr>
+            <a:lvl8pPr>
+              <a:defRPr>
+                <a:latin typeface="+mj-lt"/>
+                <a:ea typeface="+mj-ea"/>
+                <a:cs typeface="+mj-cs"/>
+              </a:defRPr>
+            </a:lvl8pPr>
+            <a:lvl9pPr>
+              <a:defRPr>
+                <a:latin typeface="+mj-lt"/>
+                <a:ea typeface="+mj-ea"/>
+                <a:cs typeface="+mj-cs"/>
+              </a:defRPr>
+            </a:lvl9pPr>
+          </a:lstStyle>
+          <a:p>
+            <a:pPr algn="ctr"/>
+            <a:r>
+              <a:rPr lang="en-US" sz="1100" dirty="0">
+                <a:latin typeface="Arial" panose="020B0604020202020204" pitchFamily="34" charset="0"/>
+                <a:cs typeface="Arial" panose="020B0604020202020204" pitchFamily="34" charset="0"/>
+              </a:rPr>
+              <a:t>SNS Topic</a:t>
+            </a:r>
+          </a:p>
+        </p:txBody>
+      </p:sp>
+      <p:cxnSp>
+        <p:nvCxnSpPr>
+          <p:cNvPr id="164" name="Straight Arrow Connector 163">
+            <a:extLst>
+              <a:ext uri="{FF2B5EF4-FFF2-40B4-BE49-F238E27FC236}">
+                <a16:creationId xmlns:a16="http://schemas.microsoft.com/office/drawing/2014/main" id="{576CF6C8-4D82-42C0-9B2D-E4B6FA6D170B}"/>
+              </a:ext>
+            </a:extLst>
+          </p:cNvPr>
+          <p:cNvCxnSpPr>
+            <a:cxnSpLocks/>
+            <a:stCxn id="138" idx="0"/>
+          </p:cNvCxnSpPr>
+          <p:nvPr/>
+        </p:nvCxnSpPr>
+        <p:spPr>
+          <a:xfrm flipV="1">
+            <a:off x="3143233" y="1826883"/>
+            <a:ext cx="199109" cy="692338"/>
+          </a:xfrm>
+          <a:prstGeom prst="straightConnector1">
+            <a:avLst/>
+          </a:prstGeom>
+          <a:ln>
+            <a:tailEnd type="triangle"/>
+          </a:ln>
+        </p:spPr>
+        <p:style>
+          <a:lnRef idx="1">
+            <a:schemeClr val="dk1"/>
+          </a:lnRef>
+          <a:fillRef idx="0">
+            <a:schemeClr val="dk1"/>
+          </a:fillRef>
+          <a:effectRef idx="0">
+            <a:schemeClr val="dk1"/>
+          </a:effectRef>
+          <a:fontRef idx="minor">
+            <a:schemeClr val="tx1"/>
+          </a:fontRef>
+        </p:style>
+      </p:cxnSp>
+      <p:pic>
+        <p:nvPicPr>
+          <p:cNvPr id="165" name="Graphic 17">
+            <a:extLst>
+              <a:ext uri="{FF2B5EF4-FFF2-40B4-BE49-F238E27FC236}">
+                <a16:creationId xmlns:a16="http://schemas.microsoft.com/office/drawing/2014/main" id="{6F887213-7B87-4EF7-8FFC-86F3F2BA8A6E}"/>
+              </a:ext>
+            </a:extLst>
+          </p:cNvPr>
+          <p:cNvPicPr>
+            <a:picLocks noChangeAspect="1" noChangeArrowheads="1"/>
+          </p:cNvPicPr>
+          <p:nvPr/>
+        </p:nvPicPr>
+        <p:blipFill>
+          <a:blip r:embed="rId9">
+            <a:extLst>
+              <a:ext uri="{28A0092B-C50C-407E-A947-70E740481C1C}">
+                <a14:useLocalDpi xmlns:a14="http://schemas.microsoft.com/office/drawing/2010/main"/>
+              </a:ext>
+            </a:extLst>
+          </a:blip>
+          <a:srcRect/>
+          <a:stretch>
+            <a:fillRect/>
+          </a:stretch>
+        </p:blipFill>
+        <p:spPr bwMode="auto">
+          <a:xfrm>
+            <a:off x="4332236" y="1230120"/>
+            <a:ext cx="457200" cy="457200"/>
+          </a:xfrm>
+          <a:prstGeom prst="rect">
+            <a:avLst/>
+          </a:prstGeom>
+          <a:noFill/>
+          <a:ln>
+            <a:noFill/>
+          </a:ln>
+          <a:extLst>
+            <a:ext uri="{909E8E84-426E-40DD-AFC4-6F175D3DCCD1}">
+              <a14:hiddenFill xmlns:a14="http://schemas.microsoft.com/office/drawing/2010/main">
+                <a:solidFill>
+                  <a:srgbClr val="FFFFFF"/>
+                </a:solidFill>
+              </a14:hiddenFill>
+            </a:ext>
+            <a:ext uri="{91240B29-F687-4F45-9708-019B960494DF}">
+              <a14:hiddenLine xmlns:a14="http://schemas.microsoft.com/office/drawing/2010/main" w="9525">
+                <a:solidFill>
+                  <a:srgbClr val="000000"/>
+                </a:solidFill>
+                <a:miter lim="800000"/>
+                <a:headEnd/>
+                <a:tailEnd/>
+              </a14:hiddenLine>
+            </a:ext>
+          </a:extLst>
+        </p:spPr>
+      </p:pic>
+      <p:sp>
+        <p:nvSpPr>
+          <p:cNvPr id="166" name="TextBox 2">
+            <a:extLst>
+              <a:ext uri="{FF2B5EF4-FFF2-40B4-BE49-F238E27FC236}">
+                <a16:creationId xmlns:a16="http://schemas.microsoft.com/office/drawing/2014/main" id="{7A13731A-47C5-476A-955C-8DC2DA5E0649}"/>
+              </a:ext>
+            </a:extLst>
+          </p:cNvPr>
+          <p:cNvSpPr txBox="1"/>
+          <p:nvPr/>
+        </p:nvSpPr>
+        <p:spPr>
+          <a:xfrm>
+            <a:off x="4072779" y="1634868"/>
+            <a:ext cx="932275" cy="261610"/>
+          </a:xfrm>
+          <a:prstGeom prst="rect">
+            <a:avLst/>
+          </a:prstGeom>
+          <a:noFill/>
+        </p:spPr>
+        <p:style>
+          <a:lnRef idx="0">
+            <a:scrgbClr r="0" g="0" b="0"/>
+          </a:lnRef>
+          <a:fillRef idx="0">
+            <a:scrgbClr r="0" g="0" b="0"/>
+          </a:fillRef>
+          <a:effectRef idx="0">
+            <a:scrgbClr r="0" g="0" b="0"/>
+          </a:effectRef>
+          <a:fontRef idx="major"/>
+        </p:style>
+        <p:txBody>
+          <a:bodyPr wrap="square" rtlCol="0">
+            <a:spAutoFit/>
+          </a:bodyPr>
+          <a:lstStyle>
+            <a:lvl1pPr>
+              <a:defRPr>
+                <a:latin typeface="+mj-lt"/>
+                <a:ea typeface="+mj-ea"/>
+                <a:cs typeface="+mj-cs"/>
+              </a:defRPr>
+            </a:lvl1pPr>
+            <a:lvl2pPr>
+              <a:defRPr>
+                <a:latin typeface="+mj-lt"/>
+                <a:ea typeface="+mj-ea"/>
+                <a:cs typeface="+mj-cs"/>
+              </a:defRPr>
+            </a:lvl2pPr>
+            <a:lvl3pPr>
+              <a:defRPr>
+                <a:latin typeface="+mj-lt"/>
+                <a:ea typeface="+mj-ea"/>
+                <a:cs typeface="+mj-cs"/>
+              </a:defRPr>
+            </a:lvl3pPr>
+            <a:lvl4pPr>
+              <a:defRPr>
+                <a:latin typeface="+mj-lt"/>
+                <a:ea typeface="+mj-ea"/>
+                <a:cs typeface="+mj-cs"/>
+              </a:defRPr>
+            </a:lvl4pPr>
+            <a:lvl5pPr>
+              <a:defRPr>
+                <a:latin typeface="+mj-lt"/>
+                <a:ea typeface="+mj-ea"/>
+                <a:cs typeface="+mj-cs"/>
+              </a:defRPr>
+            </a:lvl5pPr>
+            <a:lvl6pPr>
+              <a:defRPr>
+                <a:latin typeface="+mj-lt"/>
+                <a:ea typeface="+mj-ea"/>
+                <a:cs typeface="+mj-cs"/>
+              </a:defRPr>
+            </a:lvl6pPr>
+            <a:lvl7pPr>
+              <a:defRPr>
+                <a:latin typeface="+mj-lt"/>
+                <a:ea typeface="+mj-ea"/>
+                <a:cs typeface="+mj-cs"/>
+              </a:defRPr>
+            </a:lvl7pPr>
+            <a:lvl8pPr>
+              <a:defRPr>
+                <a:latin typeface="+mj-lt"/>
+                <a:ea typeface="+mj-ea"/>
+                <a:cs typeface="+mj-cs"/>
+              </a:defRPr>
+            </a:lvl8pPr>
+            <a:lvl9pPr>
+              <a:defRPr>
+                <a:latin typeface="+mj-lt"/>
+                <a:ea typeface="+mj-ea"/>
+                <a:cs typeface="+mj-cs"/>
+              </a:defRPr>
+            </a:lvl9pPr>
+          </a:lstStyle>
+          <a:p>
+            <a:pPr algn="ctr"/>
+            <a:r>
+              <a:rPr lang="en-US" sz="1100" dirty="0">
+                <a:latin typeface="Arial" panose="020B0604020202020204" pitchFamily="34" charset="0"/>
+                <a:cs typeface="Arial" panose="020B0604020202020204" pitchFamily="34" charset="0"/>
+              </a:rPr>
+              <a:t>Alarm Topic</a:t>
+            </a:r>
+          </a:p>
+        </p:txBody>
+      </p:sp>
+      <p:pic>
+        <p:nvPicPr>
+          <p:cNvPr id="167" name="Graphic 29">
+            <a:extLst>
+              <a:ext uri="{FF2B5EF4-FFF2-40B4-BE49-F238E27FC236}">
+                <a16:creationId xmlns:a16="http://schemas.microsoft.com/office/drawing/2014/main" id="{A964B389-DF95-490C-ABEE-039A026F09C2}"/>
+              </a:ext>
+            </a:extLst>
+          </p:cNvPr>
+          <p:cNvPicPr>
+            <a:picLocks noChangeAspect="1" noChangeArrowheads="1"/>
+          </p:cNvPicPr>
+          <p:nvPr/>
+        </p:nvPicPr>
+        <p:blipFill>
+          <a:blip r:embed="rId10">
+            <a:extLst>
+              <a:ext uri="{28A0092B-C50C-407E-A947-70E740481C1C}">
+                <a14:useLocalDpi xmlns:a14="http://schemas.microsoft.com/office/drawing/2010/main"/>
+              </a:ext>
+            </a:extLst>
+          </a:blip>
+          <a:srcRect/>
+          <a:stretch>
+            <a:fillRect/>
+          </a:stretch>
+        </p:blipFill>
+        <p:spPr bwMode="auto">
+          <a:xfrm>
+            <a:off x="3159556" y="1227670"/>
+            <a:ext cx="457200" cy="457200"/>
+          </a:xfrm>
+          <a:prstGeom prst="rect">
+            <a:avLst/>
+          </a:prstGeom>
+          <a:noFill/>
+          <a:ln>
+            <a:noFill/>
+          </a:ln>
+          <a:extLst>
+            <a:ext uri="{909E8E84-426E-40DD-AFC4-6F175D3DCCD1}">
+              <a14:hiddenFill xmlns:a14="http://schemas.microsoft.com/office/drawing/2010/main">
+                <a:solidFill>
+                  <a:srgbClr val="FFFFFF"/>
+                </a:solidFill>
+              </a14:hiddenFill>
+            </a:ext>
+            <a:ext uri="{91240B29-F687-4F45-9708-019B960494DF}">
+              <a14:hiddenLine xmlns:a14="http://schemas.microsoft.com/office/drawing/2010/main" w="9525">
+                <a:solidFill>
+                  <a:srgbClr val="000000"/>
+                </a:solidFill>
+                <a:miter lim="800000"/>
+                <a:headEnd/>
+                <a:tailEnd/>
+              </a14:hiddenLine>
+            </a:ext>
+          </a:extLst>
+        </p:spPr>
+      </p:pic>
+      <p:sp>
+        <p:nvSpPr>
+          <p:cNvPr id="168" name="TextBox 2">
+            <a:extLst>
+              <a:ext uri="{FF2B5EF4-FFF2-40B4-BE49-F238E27FC236}">
+                <a16:creationId xmlns:a16="http://schemas.microsoft.com/office/drawing/2014/main" id="{5C50D3CA-26BC-4467-A544-D63E0C024FD0}"/>
+              </a:ext>
+            </a:extLst>
+          </p:cNvPr>
+          <p:cNvSpPr txBox="1"/>
+          <p:nvPr/>
+        </p:nvSpPr>
+        <p:spPr>
+          <a:xfrm>
+            <a:off x="3120686" y="1568116"/>
+            <a:ext cx="475182" cy="261610"/>
+          </a:xfrm>
+          <a:prstGeom prst="rect">
+            <a:avLst/>
+          </a:prstGeom>
+          <a:noFill/>
+        </p:spPr>
+        <p:style>
+          <a:lnRef idx="0">
+            <a:scrgbClr r="0" g="0" b="0"/>
+          </a:lnRef>
+          <a:fillRef idx="0">
+            <a:scrgbClr r="0" g="0" b="0"/>
+          </a:fillRef>
+          <a:effectRef idx="0">
+            <a:scrgbClr r="0" g="0" b="0"/>
+          </a:effectRef>
+          <a:fontRef idx="major"/>
+        </p:style>
+        <p:txBody>
+          <a:bodyPr wrap="square" rtlCol="0">
+            <a:spAutoFit/>
+          </a:bodyPr>
+          <a:lstStyle>
+            <a:lvl1pPr>
+              <a:defRPr>
+                <a:latin typeface="+mj-lt"/>
+                <a:ea typeface="+mj-ea"/>
+                <a:cs typeface="+mj-cs"/>
+              </a:defRPr>
+            </a:lvl1pPr>
+            <a:lvl2pPr>
+              <a:defRPr>
+                <a:latin typeface="+mj-lt"/>
+                <a:ea typeface="+mj-ea"/>
+                <a:cs typeface="+mj-cs"/>
+              </a:defRPr>
+            </a:lvl2pPr>
+            <a:lvl3pPr>
+              <a:defRPr>
+                <a:latin typeface="+mj-lt"/>
+                <a:ea typeface="+mj-ea"/>
+                <a:cs typeface="+mj-cs"/>
+              </a:defRPr>
+            </a:lvl3pPr>
+            <a:lvl4pPr>
+              <a:defRPr>
+                <a:latin typeface="+mj-lt"/>
+                <a:ea typeface="+mj-ea"/>
+                <a:cs typeface="+mj-cs"/>
+              </a:defRPr>
+            </a:lvl4pPr>
+            <a:lvl5pPr>
+              <a:defRPr>
+                <a:latin typeface="+mj-lt"/>
+                <a:ea typeface="+mj-ea"/>
+                <a:cs typeface="+mj-cs"/>
+              </a:defRPr>
+            </a:lvl5pPr>
+            <a:lvl6pPr>
+              <a:defRPr>
+                <a:latin typeface="+mj-lt"/>
+                <a:ea typeface="+mj-ea"/>
+                <a:cs typeface="+mj-cs"/>
+              </a:defRPr>
+            </a:lvl6pPr>
+            <a:lvl7pPr>
+              <a:defRPr>
+                <a:latin typeface="+mj-lt"/>
+                <a:ea typeface="+mj-ea"/>
+                <a:cs typeface="+mj-cs"/>
+              </a:defRPr>
+            </a:lvl7pPr>
+            <a:lvl8pPr>
+              <a:defRPr>
+                <a:latin typeface="+mj-lt"/>
+                <a:ea typeface="+mj-ea"/>
+                <a:cs typeface="+mj-cs"/>
+              </a:defRPr>
+            </a:lvl8pPr>
+            <a:lvl9pPr>
+              <a:defRPr>
+                <a:latin typeface="+mj-lt"/>
+                <a:ea typeface="+mj-ea"/>
+                <a:cs typeface="+mj-cs"/>
+              </a:defRPr>
+            </a:lvl9pPr>
+          </a:lstStyle>
+          <a:p>
+            <a:pPr algn="ctr"/>
+            <a:r>
+              <a:rPr lang="en-US" sz="1100" dirty="0">
+                <a:latin typeface="Arial" panose="020B0604020202020204" pitchFamily="34" charset="0"/>
+                <a:cs typeface="Arial" panose="020B0604020202020204" pitchFamily="34" charset="0"/>
+              </a:rPr>
+              <a:t>DLQ</a:t>
+            </a:r>
+          </a:p>
+        </p:txBody>
+      </p:sp>
+      <p:cxnSp>
+        <p:nvCxnSpPr>
+          <p:cNvPr id="169" name="Straight Arrow Connector 168">
+            <a:extLst>
+              <a:ext uri="{FF2B5EF4-FFF2-40B4-BE49-F238E27FC236}">
+                <a16:creationId xmlns:a16="http://schemas.microsoft.com/office/drawing/2014/main" id="{A1AB6DA0-EA5A-488D-AE59-BD43FB2DB975}"/>
+              </a:ext>
+            </a:extLst>
+          </p:cNvPr>
+          <p:cNvCxnSpPr>
+            <a:cxnSpLocks/>
+            <a:stCxn id="167" idx="3"/>
+            <a:endCxn id="165" idx="1"/>
+          </p:cNvCxnSpPr>
+          <p:nvPr/>
+        </p:nvCxnSpPr>
+        <p:spPr>
+          <a:xfrm>
+            <a:off x="3616756" y="1456270"/>
+            <a:ext cx="715480" cy="2450"/>
+          </a:xfrm>
+          <a:prstGeom prst="straightConnector1">
+            <a:avLst/>
+          </a:prstGeom>
+          <a:ln>
+            <a:tailEnd type="triangle"/>
+          </a:ln>
+        </p:spPr>
+        <p:style>
+          <a:lnRef idx="1">
+            <a:schemeClr val="dk1"/>
+          </a:lnRef>
+          <a:fillRef idx="0">
+            <a:schemeClr val="dk1"/>
+          </a:fillRef>
+          <a:effectRef idx="0">
+            <a:schemeClr val="dk1"/>
+          </a:effectRef>
+          <a:fontRef idx="minor">
+            <a:schemeClr val="tx1"/>
+          </a:fontRef>
+        </p:style>
+      </p:cxnSp>
+      <p:sp>
+        <p:nvSpPr>
+          <p:cNvPr id="170" name="Oval 169">
+            <a:extLst>
+              <a:ext uri="{FF2B5EF4-FFF2-40B4-BE49-F238E27FC236}">
+                <a16:creationId xmlns:a16="http://schemas.microsoft.com/office/drawing/2014/main" id="{97797EDC-C96B-4205-9EA5-4896D4E19CC8}"/>
+              </a:ext>
+            </a:extLst>
+          </p:cNvPr>
+          <p:cNvSpPr/>
+          <p:nvPr/>
+        </p:nvSpPr>
+        <p:spPr>
+          <a:xfrm>
+            <a:off x="2553155" y="1599146"/>
+            <a:ext cx="253435" cy="212902"/>
+          </a:xfrm>
+          <a:prstGeom prst="ellipse">
+            <a:avLst/>
+          </a:prstGeom>
+          <a:solidFill>
+            <a:schemeClr val="tx1"/>
+          </a:solidFill>
+          <a:ln>
+            <a:solidFill>
+              <a:schemeClr val="tx1"/>
+            </a:solidFill>
+          </a:ln>
+        </p:spPr>
+        <p:style>
+          <a:lnRef idx="2">
+            <a:schemeClr val="accent1">
+              <a:shade val="50000"/>
+            </a:schemeClr>
+          </a:lnRef>
+          <a:fillRef idx="1">
+            <a:schemeClr val="accent1"/>
+          </a:fillRef>
+          <a:effectRef idx="0">
+            <a:schemeClr val="accent1"/>
+          </a:effectRef>
+          <a:fontRef idx="minor">
+            <a:schemeClr val="lt1"/>
+          </a:fontRef>
+        </p:style>
+        <p:txBody>
+          <a:bodyPr lIns="0" tIns="0" rIns="0" bIns="0" rtlCol="0" anchor="ctr"/>
+          <a:lstStyle/>
+          <a:p>
+            <a:pPr algn="ctr"/>
+            <a:r>
+              <a:rPr lang="en-US" sz="800" dirty="0">
+                <a:latin typeface="Arial" panose="020B0604020202020204" pitchFamily="34" charset="0"/>
+                <a:cs typeface="Arial" panose="020B0604020202020204" pitchFamily="34" charset="0"/>
+              </a:rPr>
+              <a:t>1.4</a:t>
+            </a:r>
+          </a:p>
+        </p:txBody>
+      </p:sp>
+      <p:sp>
+        <p:nvSpPr>
+          <p:cNvPr id="171" name="Oval 170">
+            <a:extLst>
+              <a:ext uri="{FF2B5EF4-FFF2-40B4-BE49-F238E27FC236}">
+                <a16:creationId xmlns:a16="http://schemas.microsoft.com/office/drawing/2014/main" id="{6CAE65A8-CCB2-4C12-9AFA-3E2BDB737702}"/>
+              </a:ext>
+            </a:extLst>
+          </p:cNvPr>
+          <p:cNvSpPr/>
+          <p:nvPr/>
+        </p:nvSpPr>
+        <p:spPr>
+          <a:xfrm>
+            <a:off x="3493369" y="1178283"/>
+            <a:ext cx="253435" cy="212902"/>
+          </a:xfrm>
+          <a:prstGeom prst="ellipse">
+            <a:avLst/>
+          </a:prstGeom>
+          <a:solidFill>
+            <a:schemeClr val="tx1"/>
+          </a:solidFill>
+          <a:ln>
+            <a:solidFill>
+              <a:schemeClr val="tx1"/>
+            </a:solidFill>
+          </a:ln>
+        </p:spPr>
+        <p:style>
+          <a:lnRef idx="2">
+            <a:schemeClr val="accent1">
+              <a:shade val="50000"/>
+            </a:schemeClr>
+          </a:lnRef>
+          <a:fillRef idx="1">
+            <a:schemeClr val="accent1"/>
+          </a:fillRef>
+          <a:effectRef idx="0">
+            <a:schemeClr val="accent1"/>
+          </a:effectRef>
+          <a:fontRef idx="minor">
+            <a:schemeClr val="lt1"/>
+          </a:fontRef>
+        </p:style>
+        <p:txBody>
+          <a:bodyPr lIns="0" tIns="0" rIns="0" bIns="0" rtlCol="0" anchor="ctr"/>
+          <a:lstStyle/>
+          <a:p>
+            <a:pPr algn="ctr"/>
+            <a:r>
+              <a:rPr lang="en-US" sz="800" dirty="0">
+                <a:latin typeface="Arial" panose="020B0604020202020204" pitchFamily="34" charset="0"/>
+                <a:cs typeface="Arial" panose="020B0604020202020204" pitchFamily="34" charset="0"/>
+              </a:rPr>
+              <a:t>1.5</a:t>
+            </a:r>
+          </a:p>
+        </p:txBody>
+      </p:sp>
+      <p:sp>
+        <p:nvSpPr>
+          <p:cNvPr id="172" name="Oval 171">
+            <a:extLst>
+              <a:ext uri="{FF2B5EF4-FFF2-40B4-BE49-F238E27FC236}">
+                <a16:creationId xmlns:a16="http://schemas.microsoft.com/office/drawing/2014/main" id="{94708E57-AB59-4E59-A000-F84C0F553A38}"/>
+              </a:ext>
+            </a:extLst>
+          </p:cNvPr>
+          <p:cNvSpPr/>
+          <p:nvPr/>
+        </p:nvSpPr>
+        <p:spPr>
+          <a:xfrm>
+            <a:off x="4679051" y="1145459"/>
+            <a:ext cx="253435" cy="212902"/>
+          </a:xfrm>
+          <a:prstGeom prst="ellipse">
+            <a:avLst/>
+          </a:prstGeom>
+          <a:solidFill>
+            <a:schemeClr val="tx1"/>
+          </a:solidFill>
+          <a:ln>
+            <a:solidFill>
+              <a:schemeClr val="tx1"/>
+            </a:solidFill>
+          </a:ln>
+        </p:spPr>
+        <p:style>
+          <a:lnRef idx="2">
+            <a:schemeClr val="accent1">
+              <a:shade val="50000"/>
+            </a:schemeClr>
+          </a:lnRef>
+          <a:fillRef idx="1">
+            <a:schemeClr val="accent1"/>
+          </a:fillRef>
+          <a:effectRef idx="0">
+            <a:schemeClr val="accent1"/>
+          </a:effectRef>
+          <a:fontRef idx="minor">
+            <a:schemeClr val="lt1"/>
+          </a:fontRef>
+        </p:style>
+        <p:txBody>
+          <a:bodyPr lIns="0" tIns="0" rIns="0" bIns="0" rtlCol="0" anchor="ctr"/>
+          <a:lstStyle/>
+          <a:p>
+            <a:pPr algn="ctr"/>
+            <a:r>
+              <a:rPr lang="en-US" sz="800" dirty="0">
+                <a:latin typeface="Arial" panose="020B0604020202020204" pitchFamily="34" charset="0"/>
+                <a:cs typeface="Arial" panose="020B0604020202020204" pitchFamily="34" charset="0"/>
+              </a:rPr>
+              <a:t>1.8</a:t>
+            </a:r>
+          </a:p>
+        </p:txBody>
+      </p:sp>
+      <p:sp>
+        <p:nvSpPr>
+          <p:cNvPr id="175" name="Rectangle 174">
+            <a:extLst>
+              <a:ext uri="{FF2B5EF4-FFF2-40B4-BE49-F238E27FC236}">
+                <a16:creationId xmlns:a16="http://schemas.microsoft.com/office/drawing/2014/main" id="{E23EF82D-34D3-46B6-978C-7B6A8238A22B}"/>
+              </a:ext>
+            </a:extLst>
+          </p:cNvPr>
+          <p:cNvSpPr/>
+          <p:nvPr/>
+        </p:nvSpPr>
+        <p:spPr>
+          <a:xfrm>
+            <a:off x="729970" y="1098831"/>
+            <a:ext cx="5920149" cy="3409580"/>
+          </a:xfrm>
+          <a:prstGeom prst="rect">
+            <a:avLst/>
+          </a:prstGeom>
+          <a:noFill/>
+          <a:ln w="12700">
+            <a:solidFill>
+              <a:srgbClr val="5B9CD5"/>
+            </a:solidFill>
+            <a:prstDash val="sysDash"/>
+          </a:ln>
+        </p:spPr>
+        <p:style>
+          <a:lnRef idx="2">
+            <a:schemeClr val="accent1">
+              <a:shade val="50000"/>
+            </a:schemeClr>
+          </a:lnRef>
+          <a:fillRef idx="1">
+            <a:schemeClr val="accent1"/>
+          </a:fillRef>
+          <a:effectRef idx="0">
+            <a:schemeClr val="accent1"/>
+          </a:effectRef>
+          <a:fontRef idx="minor">
+            <a:schemeClr val="lt1"/>
+          </a:fontRef>
+        </p:style>
+        <p:txBody>
+          <a:bodyPr lIns="502920" tIns="91440"/>
+          <a:lstStyle/>
+          <a:p>
+            <a:pPr eaLnBrk="1" fontAlgn="auto" hangingPunct="1">
+              <a:spcBef>
+                <a:spcPts val="0"/>
+              </a:spcBef>
+              <a:spcAft>
+                <a:spcPts val="0"/>
+              </a:spcAft>
+              <a:defRPr/>
+            </a:pPr>
+            <a:r>
+              <a:rPr lang="en-US" sz="1200" dirty="0">
+                <a:solidFill>
+                  <a:srgbClr val="5B9CD5"/>
+                </a:solidFill>
+                <a:latin typeface="Arial" panose="020B0604020202020204" pitchFamily="34" charset="0"/>
+                <a:cs typeface="Arial" panose="020B0604020202020204" pitchFamily="34" charset="0"/>
+              </a:rPr>
+              <a:t>Home Region</a:t>
+            </a:r>
+          </a:p>
+        </p:txBody>
+      </p:sp>
+      <p:pic>
+        <p:nvPicPr>
+          <p:cNvPr id="176" name="Graphic 175">
+            <a:extLst>
+              <a:ext uri="{FF2B5EF4-FFF2-40B4-BE49-F238E27FC236}">
+                <a16:creationId xmlns:a16="http://schemas.microsoft.com/office/drawing/2014/main" id="{79BE28C9-BA1C-439C-A7D3-8AB7EFF8AFC4}"/>
+              </a:ext>
+            </a:extLst>
+          </p:cNvPr>
+          <p:cNvPicPr>
+            <a:picLocks noChangeAspect="1"/>
+          </p:cNvPicPr>
+          <p:nvPr/>
+        </p:nvPicPr>
+        <p:blipFill>
+          <a:blip r:embed="rId11">
+            <a:extLst>
+              <a:ext uri="{96DAC541-7B7A-43D3-8B79-37D633B846F1}">
+                <asvg:svgBlip xmlns:asvg="http://schemas.microsoft.com/office/drawing/2016/SVG/main" r:embed="rId12"/>
+              </a:ext>
+            </a:extLst>
+          </a:blip>
+          <a:stretch>
+            <a:fillRect/>
+          </a:stretch>
+        </p:blipFill>
+        <p:spPr>
+          <a:xfrm>
+            <a:off x="721026" y="1092337"/>
+            <a:ext cx="391567" cy="391567"/>
+          </a:xfrm>
+          <a:prstGeom prst="rect">
+            <a:avLst/>
+          </a:prstGeom>
+        </p:spPr>
+      </p:pic>
+      <p:cxnSp>
+        <p:nvCxnSpPr>
+          <p:cNvPr id="177" name="Straight Arrow Connector 176">
+            <a:extLst>
+              <a:ext uri="{FF2B5EF4-FFF2-40B4-BE49-F238E27FC236}">
+                <a16:creationId xmlns:a16="http://schemas.microsoft.com/office/drawing/2014/main" id="{4A73DC17-2E0A-47FF-927C-2082DB636979}"/>
+              </a:ext>
+            </a:extLst>
+          </p:cNvPr>
+          <p:cNvCxnSpPr>
+            <a:cxnSpLocks/>
+            <a:endCxn id="160" idx="0"/>
+          </p:cNvCxnSpPr>
+          <p:nvPr/>
+        </p:nvCxnSpPr>
+        <p:spPr>
+          <a:xfrm>
+            <a:off x="3269143" y="2953751"/>
+            <a:ext cx="137317" cy="561378"/>
+          </a:xfrm>
+          <a:prstGeom prst="straightConnector1">
+            <a:avLst/>
+          </a:prstGeom>
+          <a:ln>
+            <a:tailEnd type="triangle"/>
+          </a:ln>
+        </p:spPr>
+        <p:style>
+          <a:lnRef idx="1">
+            <a:schemeClr val="dk1"/>
+          </a:lnRef>
+          <a:fillRef idx="0">
+            <a:schemeClr val="dk1"/>
+          </a:fillRef>
+          <a:effectRef idx="0">
+            <a:schemeClr val="dk1"/>
+          </a:effectRef>
+          <a:fontRef idx="minor">
+            <a:schemeClr val="tx1"/>
+          </a:fontRef>
+        </p:style>
+      </p:cxnSp>
+      <p:sp>
+        <p:nvSpPr>
+          <p:cNvPr id="178" name="Rectangle 177">
+            <a:extLst>
+              <a:ext uri="{FF2B5EF4-FFF2-40B4-BE49-F238E27FC236}">
+                <a16:creationId xmlns:a16="http://schemas.microsoft.com/office/drawing/2014/main" id="{2A5BD256-3DC9-4885-BEE2-FECB68F03E2D}"/>
+              </a:ext>
+            </a:extLst>
+          </p:cNvPr>
+          <p:cNvSpPr/>
+          <p:nvPr/>
+        </p:nvSpPr>
+        <p:spPr>
+          <a:xfrm>
+            <a:off x="734119" y="4599831"/>
+            <a:ext cx="5920149" cy="972968"/>
+          </a:xfrm>
+          <a:prstGeom prst="rect">
+            <a:avLst/>
+          </a:prstGeom>
+          <a:noFill/>
+          <a:ln w="12700">
+            <a:solidFill>
+              <a:srgbClr val="5B9CD5"/>
+            </a:solidFill>
+            <a:prstDash val="sysDash"/>
+          </a:ln>
+        </p:spPr>
+        <p:style>
+          <a:lnRef idx="2">
+            <a:schemeClr val="accent1">
+              <a:shade val="50000"/>
+            </a:schemeClr>
+          </a:lnRef>
+          <a:fillRef idx="1">
+            <a:schemeClr val="accent1"/>
+          </a:fillRef>
+          <a:effectRef idx="0">
+            <a:schemeClr val="accent1"/>
+          </a:effectRef>
+          <a:fontRef idx="minor">
+            <a:schemeClr val="lt1"/>
+          </a:fontRef>
+        </p:style>
+        <p:txBody>
+          <a:bodyPr lIns="502920" tIns="91440"/>
+          <a:lstStyle/>
+          <a:p>
+            <a:pPr eaLnBrk="1" fontAlgn="auto" hangingPunct="1">
+              <a:spcBef>
+                <a:spcPts val="0"/>
+              </a:spcBef>
+              <a:spcAft>
+                <a:spcPts val="0"/>
+              </a:spcAft>
+              <a:defRPr/>
+            </a:pPr>
+            <a:r>
+              <a:rPr lang="en-US" sz="1200" dirty="0">
+                <a:solidFill>
+                  <a:srgbClr val="5B9CD5"/>
+                </a:solidFill>
+                <a:latin typeface="Arial" panose="020B0604020202020204" pitchFamily="34" charset="0"/>
+                <a:cs typeface="Arial" panose="020B0604020202020204" pitchFamily="34" charset="0"/>
+              </a:rPr>
+              <a:t>Global Region</a:t>
+            </a:r>
+          </a:p>
+        </p:txBody>
+      </p:sp>
+      <p:pic>
+        <p:nvPicPr>
+          <p:cNvPr id="179" name="Graphic 178">
+            <a:extLst>
+              <a:ext uri="{FF2B5EF4-FFF2-40B4-BE49-F238E27FC236}">
+                <a16:creationId xmlns:a16="http://schemas.microsoft.com/office/drawing/2014/main" id="{FF3904C1-CE6D-4844-8DC9-52FD61C29128}"/>
+              </a:ext>
+            </a:extLst>
+          </p:cNvPr>
+          <p:cNvPicPr>
+            <a:picLocks noChangeAspect="1"/>
+          </p:cNvPicPr>
+          <p:nvPr/>
+        </p:nvPicPr>
+        <p:blipFill>
+          <a:blip r:embed="rId11">
+            <a:extLst>
+              <a:ext uri="{96DAC541-7B7A-43D3-8B79-37D633B846F1}">
+                <asvg:svgBlip xmlns:asvg="http://schemas.microsoft.com/office/drawing/2016/SVG/main" r:embed="rId12"/>
+              </a:ext>
+            </a:extLst>
+          </a:blip>
+          <a:stretch>
+            <a:fillRect/>
+          </a:stretch>
+        </p:blipFill>
+        <p:spPr>
+          <a:xfrm>
+            <a:off x="725175" y="4593336"/>
+            <a:ext cx="391567" cy="391567"/>
+          </a:xfrm>
+          <a:prstGeom prst="rect">
+            <a:avLst/>
+          </a:prstGeom>
+        </p:spPr>
+      </p:pic>
+      <p:sp>
+        <p:nvSpPr>
+          <p:cNvPr id="180" name="TextBox 179">
+            <a:extLst>
+              <a:ext uri="{FF2B5EF4-FFF2-40B4-BE49-F238E27FC236}">
+                <a16:creationId xmlns:a16="http://schemas.microsoft.com/office/drawing/2014/main" id="{AC7F548C-6A25-4C0C-8B1C-7834C3A5B2DF}"/>
+              </a:ext>
+            </a:extLst>
+          </p:cNvPr>
+          <p:cNvSpPr txBox="1"/>
+          <p:nvPr/>
+        </p:nvSpPr>
+        <p:spPr>
+          <a:xfrm>
+            <a:off x="4404325" y="5132704"/>
+            <a:ext cx="1098725" cy="430887"/>
+          </a:xfrm>
+          <a:prstGeom prst="rect">
+            <a:avLst/>
+          </a:prstGeom>
+          <a:noFill/>
+        </p:spPr>
+        <p:txBody>
+          <a:bodyPr wrap="square" rtlCol="0">
+            <a:spAutoFit/>
+          </a:bodyPr>
+          <a:lstStyle/>
+          <a:p>
+            <a:pPr algn="ctr"/>
+            <a:r>
+              <a:rPr lang="en-US" sz="1100" dirty="0">
+                <a:latin typeface="Arial" panose="020B0604020202020204" pitchFamily="34" charset="0"/>
+                <a:cs typeface="Arial" panose="020B0604020202020204" pitchFamily="34" charset="0"/>
+              </a:rPr>
+              <a:t>Configuration </a:t>
+            </a:r>
+          </a:p>
+          <a:p>
+            <a:pPr algn="ctr"/>
+            <a:r>
+              <a:rPr lang="en-US" sz="1100" dirty="0">
+                <a:latin typeface="Arial" panose="020B0604020202020204" pitchFamily="34" charset="0"/>
+                <a:cs typeface="Arial" panose="020B0604020202020204" pitchFamily="34" charset="0"/>
+              </a:rPr>
+              <a:t>Role</a:t>
+            </a:r>
+          </a:p>
+        </p:txBody>
+      </p:sp>
+      <p:pic>
+        <p:nvPicPr>
+          <p:cNvPr id="181" name="Graphic 180">
+            <a:extLst>
+              <a:ext uri="{FF2B5EF4-FFF2-40B4-BE49-F238E27FC236}">
+                <a16:creationId xmlns:a16="http://schemas.microsoft.com/office/drawing/2014/main" id="{F2F5F5D9-2DFE-4B62-BF98-68946BFBC8DD}"/>
+              </a:ext>
+            </a:extLst>
+          </p:cNvPr>
+          <p:cNvPicPr>
+            <a:picLocks noChangeAspect="1"/>
+          </p:cNvPicPr>
+          <p:nvPr/>
+        </p:nvPicPr>
+        <p:blipFill>
+          <a:blip r:embed="rId13">
+            <a:extLst>
+              <a:ext uri="{96DAC541-7B7A-43D3-8B79-37D633B846F1}">
+                <asvg:svgBlip xmlns:asvg="http://schemas.microsoft.com/office/drawing/2016/SVG/main" r:embed="rId14"/>
+              </a:ext>
+            </a:extLst>
+          </a:blip>
+          <a:stretch>
+            <a:fillRect/>
+          </a:stretch>
+        </p:blipFill>
+        <p:spPr>
+          <a:xfrm>
+            <a:off x="4716548" y="4774094"/>
+            <a:ext cx="469900" cy="469900"/>
+          </a:xfrm>
+          <a:prstGeom prst="rect">
+            <a:avLst/>
+          </a:prstGeom>
+        </p:spPr>
+      </p:pic>
+      <p:sp>
+        <p:nvSpPr>
+          <p:cNvPr id="182" name="Oval 181">
+            <a:extLst>
+              <a:ext uri="{FF2B5EF4-FFF2-40B4-BE49-F238E27FC236}">
+                <a16:creationId xmlns:a16="http://schemas.microsoft.com/office/drawing/2014/main" id="{E5AFFA29-B562-4693-A19B-E226CB2858D5}"/>
+              </a:ext>
+            </a:extLst>
+          </p:cNvPr>
+          <p:cNvSpPr/>
+          <p:nvPr/>
+        </p:nvSpPr>
+        <p:spPr>
+          <a:xfrm>
+            <a:off x="4992604" y="4750917"/>
+            <a:ext cx="253435" cy="212902"/>
+          </a:xfrm>
+          <a:prstGeom prst="ellipse">
+            <a:avLst/>
+          </a:prstGeom>
+          <a:solidFill>
+            <a:schemeClr val="tx1"/>
+          </a:solidFill>
+          <a:ln>
+            <a:solidFill>
+              <a:schemeClr val="tx1"/>
+            </a:solidFill>
+          </a:ln>
+        </p:spPr>
+        <p:style>
+          <a:lnRef idx="2">
+            <a:schemeClr val="accent1">
+              <a:shade val="50000"/>
+            </a:schemeClr>
+          </a:lnRef>
+          <a:fillRef idx="1">
+            <a:schemeClr val="accent1"/>
+          </a:fillRef>
+          <a:effectRef idx="0">
+            <a:schemeClr val="accent1"/>
+          </a:effectRef>
+          <a:fontRef idx="minor">
+            <a:schemeClr val="lt1"/>
+          </a:fontRef>
+        </p:style>
+        <p:txBody>
+          <a:bodyPr lIns="0" tIns="0" rIns="0" bIns="0" rtlCol="0" anchor="ctr"/>
+          <a:lstStyle/>
+          <a:p>
+            <a:pPr algn="ctr"/>
+            <a:r>
+              <a:rPr lang="en-US" sz="700" dirty="0">
+                <a:latin typeface="Arial" panose="020B0604020202020204" pitchFamily="34" charset="0"/>
+                <a:cs typeface="Arial" panose="020B0604020202020204" pitchFamily="34" charset="0"/>
+              </a:rPr>
+              <a:t>1.10</a:t>
+            </a:r>
+          </a:p>
+        </p:txBody>
+      </p:sp>
+      <p:pic>
+        <p:nvPicPr>
+          <p:cNvPr id="183" name="Graphic 24">
+            <a:extLst>
+              <a:ext uri="{FF2B5EF4-FFF2-40B4-BE49-F238E27FC236}">
+                <a16:creationId xmlns:a16="http://schemas.microsoft.com/office/drawing/2014/main" id="{5AEA5BCA-38E3-4EE3-9078-EE3314DD38FA}"/>
+              </a:ext>
+            </a:extLst>
+          </p:cNvPr>
+          <p:cNvPicPr>
+            <a:picLocks noChangeAspect="1" noChangeArrowheads="1"/>
+          </p:cNvPicPr>
+          <p:nvPr/>
+        </p:nvPicPr>
+        <p:blipFill>
+          <a:blip r:embed="rId15">
+            <a:extLst>
+              <a:ext uri="{28A0092B-C50C-407E-A947-70E740481C1C}">
+                <a14:useLocalDpi xmlns:a14="http://schemas.microsoft.com/office/drawing/2010/main"/>
+              </a:ext>
+            </a:extLst>
+          </a:blip>
+          <a:srcRect/>
+          <a:stretch>
+            <a:fillRect/>
+          </a:stretch>
+        </p:blipFill>
+        <p:spPr bwMode="auto">
+          <a:xfrm>
+            <a:off x="2322782" y="4725834"/>
+            <a:ext cx="457200" cy="457200"/>
+          </a:xfrm>
+          <a:prstGeom prst="rect">
+            <a:avLst/>
+          </a:prstGeom>
+          <a:noFill/>
+          <a:ln>
+            <a:noFill/>
+          </a:ln>
+          <a:extLst>
+            <a:ext uri="{909E8E84-426E-40DD-AFC4-6F175D3DCCD1}">
+              <a14:hiddenFill xmlns:a14="http://schemas.microsoft.com/office/drawing/2010/main">
+                <a:solidFill>
+                  <a:srgbClr val="FFFFFF"/>
+                </a:solidFill>
+              </a14:hiddenFill>
+            </a:ext>
+            <a:ext uri="{91240B29-F687-4F45-9708-019B960494DF}">
+              <a14:hiddenLine xmlns:a14="http://schemas.microsoft.com/office/drawing/2010/main" w="9525">
+                <a:solidFill>
+                  <a:srgbClr val="000000"/>
+                </a:solidFill>
+                <a:miter lim="800000"/>
+                <a:headEnd/>
+                <a:tailEnd/>
+              </a14:hiddenLine>
+            </a:ext>
+          </a:extLst>
+        </p:spPr>
+      </p:pic>
+      <p:sp>
+        <p:nvSpPr>
+          <p:cNvPr id="184" name="TextBox 2">
+            <a:extLst>
+              <a:ext uri="{FF2B5EF4-FFF2-40B4-BE49-F238E27FC236}">
+                <a16:creationId xmlns:a16="http://schemas.microsoft.com/office/drawing/2014/main" id="{4D413C83-25C6-4BC1-805C-083E62C5BEE9}"/>
+              </a:ext>
+            </a:extLst>
+          </p:cNvPr>
+          <p:cNvSpPr txBox="1"/>
+          <p:nvPr/>
+        </p:nvSpPr>
+        <p:spPr>
+          <a:xfrm>
+            <a:off x="2002020" y="5130314"/>
+            <a:ext cx="1098724" cy="430887"/>
+          </a:xfrm>
+          <a:prstGeom prst="rect">
+            <a:avLst/>
+          </a:prstGeom>
+          <a:noFill/>
+        </p:spPr>
+        <p:style>
+          <a:lnRef idx="0">
+            <a:scrgbClr r="0" g="0" b="0"/>
+          </a:lnRef>
+          <a:fillRef idx="0">
+            <a:scrgbClr r="0" g="0" b="0"/>
+          </a:fillRef>
+          <a:effectRef idx="0">
+            <a:scrgbClr r="0" g="0" b="0"/>
+          </a:effectRef>
+          <a:fontRef idx="major"/>
+        </p:style>
+        <p:txBody>
+          <a:bodyPr wrap="square" rtlCol="0">
+            <a:spAutoFit/>
+          </a:bodyPr>
+          <a:lstStyle>
+            <a:lvl1pPr>
+              <a:defRPr>
+                <a:latin typeface="+mj-lt"/>
+                <a:ea typeface="+mj-ea"/>
+                <a:cs typeface="+mj-cs"/>
+              </a:defRPr>
+            </a:lvl1pPr>
+            <a:lvl2pPr>
+              <a:defRPr>
+                <a:latin typeface="+mj-lt"/>
+                <a:ea typeface="+mj-ea"/>
+                <a:cs typeface="+mj-cs"/>
+              </a:defRPr>
+            </a:lvl2pPr>
+            <a:lvl3pPr>
+              <a:defRPr>
+                <a:latin typeface="+mj-lt"/>
+                <a:ea typeface="+mj-ea"/>
+                <a:cs typeface="+mj-cs"/>
+              </a:defRPr>
+            </a:lvl3pPr>
+            <a:lvl4pPr>
+              <a:defRPr>
+                <a:latin typeface="+mj-lt"/>
+                <a:ea typeface="+mj-ea"/>
+                <a:cs typeface="+mj-cs"/>
+              </a:defRPr>
+            </a:lvl4pPr>
+            <a:lvl5pPr>
+              <a:defRPr>
+                <a:latin typeface="+mj-lt"/>
+                <a:ea typeface="+mj-ea"/>
+                <a:cs typeface="+mj-cs"/>
+              </a:defRPr>
+            </a:lvl5pPr>
+            <a:lvl6pPr>
+              <a:defRPr>
+                <a:latin typeface="+mj-lt"/>
+                <a:ea typeface="+mj-ea"/>
+                <a:cs typeface="+mj-cs"/>
+              </a:defRPr>
+            </a:lvl6pPr>
+            <a:lvl7pPr>
+              <a:defRPr>
+                <a:latin typeface="+mj-lt"/>
+                <a:ea typeface="+mj-ea"/>
+                <a:cs typeface="+mj-cs"/>
+              </a:defRPr>
+            </a:lvl7pPr>
+            <a:lvl8pPr>
+              <a:defRPr>
+                <a:latin typeface="+mj-lt"/>
+                <a:ea typeface="+mj-ea"/>
+                <a:cs typeface="+mj-cs"/>
+              </a:defRPr>
+            </a:lvl8pPr>
+            <a:lvl9pPr>
+              <a:defRPr>
+                <a:latin typeface="+mj-lt"/>
+                <a:ea typeface="+mj-ea"/>
+                <a:cs typeface="+mj-cs"/>
+              </a:defRPr>
+            </a:lvl9pPr>
+          </a:lstStyle>
+          <a:p>
+            <a:pPr algn="ctr"/>
+            <a:r>
+              <a:rPr lang="en-US" sz="1100" dirty="0">
+                <a:latin typeface="Arial" panose="020B0604020202020204" pitchFamily="34" charset="0"/>
+                <a:cs typeface="Arial" panose="020B0604020202020204" pitchFamily="34" charset="0"/>
+              </a:rPr>
+              <a:t>Global Event Rule</a:t>
+            </a:r>
+          </a:p>
+        </p:txBody>
+      </p:sp>
+      <p:sp>
+        <p:nvSpPr>
+          <p:cNvPr id="185" name="Oval 184">
+            <a:extLst>
+              <a:ext uri="{FF2B5EF4-FFF2-40B4-BE49-F238E27FC236}">
+                <a16:creationId xmlns:a16="http://schemas.microsoft.com/office/drawing/2014/main" id="{F84C9C38-2F84-4974-8432-1960993E54BC}"/>
+              </a:ext>
+            </a:extLst>
+          </p:cNvPr>
+          <p:cNvSpPr/>
+          <p:nvPr/>
+        </p:nvSpPr>
+        <p:spPr>
+          <a:xfrm>
+            <a:off x="2687940" y="4655013"/>
+            <a:ext cx="253435" cy="212902"/>
+          </a:xfrm>
+          <a:prstGeom prst="ellipse">
+            <a:avLst/>
+          </a:prstGeom>
+          <a:solidFill>
+            <a:schemeClr val="tx1"/>
+          </a:solidFill>
+          <a:ln>
+            <a:solidFill>
+              <a:schemeClr val="tx1"/>
+            </a:solidFill>
+          </a:ln>
+        </p:spPr>
+        <p:style>
+          <a:lnRef idx="2">
+            <a:schemeClr val="accent1">
+              <a:shade val="50000"/>
+            </a:schemeClr>
+          </a:lnRef>
+          <a:fillRef idx="1">
+            <a:schemeClr val="accent1"/>
+          </a:fillRef>
+          <a:effectRef idx="0">
+            <a:schemeClr val="accent1"/>
+          </a:effectRef>
+          <a:fontRef idx="minor">
+            <a:schemeClr val="lt1"/>
+          </a:fontRef>
+        </p:style>
+        <p:txBody>
+          <a:bodyPr lIns="0" tIns="0" rIns="0" bIns="0" rtlCol="0" anchor="ctr"/>
+          <a:lstStyle/>
+          <a:p>
+            <a:pPr algn="ctr"/>
+            <a:r>
+              <a:rPr lang="en-US" sz="800" dirty="0">
+                <a:latin typeface="Arial" panose="020B0604020202020204" pitchFamily="34" charset="0"/>
+                <a:cs typeface="Arial" panose="020B0604020202020204" pitchFamily="34" charset="0"/>
+              </a:rPr>
+              <a:t>1.3</a:t>
+            </a:r>
+          </a:p>
+        </p:txBody>
+      </p:sp>
+      <p:pic>
+        <p:nvPicPr>
+          <p:cNvPr id="186" name="Graphic 24">
+            <a:extLst>
+              <a:ext uri="{FF2B5EF4-FFF2-40B4-BE49-F238E27FC236}">
+                <a16:creationId xmlns:a16="http://schemas.microsoft.com/office/drawing/2014/main" id="{1EE7C665-627A-4E73-BF26-C781AD54A4D3}"/>
+              </a:ext>
+            </a:extLst>
+          </p:cNvPr>
+          <p:cNvPicPr>
+            <a:picLocks noChangeAspect="1" noChangeArrowheads="1"/>
+          </p:cNvPicPr>
+          <p:nvPr/>
+        </p:nvPicPr>
+        <p:blipFill>
+          <a:blip r:embed="rId15">
+            <a:extLst>
+              <a:ext uri="{28A0092B-C50C-407E-A947-70E740481C1C}">
+                <a14:useLocalDpi xmlns:a14="http://schemas.microsoft.com/office/drawing/2010/main"/>
+              </a:ext>
+            </a:extLst>
+          </a:blip>
+          <a:srcRect/>
+          <a:stretch>
+            <a:fillRect/>
+          </a:stretch>
+        </p:blipFill>
+        <p:spPr bwMode="auto">
+          <a:xfrm>
+            <a:off x="1473889" y="2556963"/>
+            <a:ext cx="457200" cy="457200"/>
+          </a:xfrm>
+          <a:prstGeom prst="rect">
+            <a:avLst/>
+          </a:prstGeom>
+          <a:noFill/>
+          <a:ln>
+            <a:noFill/>
+          </a:ln>
+          <a:extLst>
+            <a:ext uri="{909E8E84-426E-40DD-AFC4-6F175D3DCCD1}">
+              <a14:hiddenFill xmlns:a14="http://schemas.microsoft.com/office/drawing/2010/main">
+                <a:solidFill>
+                  <a:srgbClr val="FFFFFF"/>
+                </a:solidFill>
+              </a14:hiddenFill>
+            </a:ext>
+            <a:ext uri="{91240B29-F687-4F45-9708-019B960494DF}">
+              <a14:hiddenLine xmlns:a14="http://schemas.microsoft.com/office/drawing/2010/main" w="9525">
+                <a:solidFill>
+                  <a:srgbClr val="000000"/>
+                </a:solidFill>
+                <a:miter lim="800000"/>
+                <a:headEnd/>
+                <a:tailEnd/>
+              </a14:hiddenLine>
+            </a:ext>
+          </a:extLst>
+        </p:spPr>
+      </p:pic>
+      <p:sp>
+        <p:nvSpPr>
+          <p:cNvPr id="187" name="TextBox 2">
+            <a:extLst>
+              <a:ext uri="{FF2B5EF4-FFF2-40B4-BE49-F238E27FC236}">
+                <a16:creationId xmlns:a16="http://schemas.microsoft.com/office/drawing/2014/main" id="{E4DD8898-7139-4F59-AA1C-4074F90E6EEE}"/>
+              </a:ext>
+            </a:extLst>
+          </p:cNvPr>
+          <p:cNvSpPr txBox="1"/>
+          <p:nvPr/>
+        </p:nvSpPr>
+        <p:spPr>
+          <a:xfrm>
+            <a:off x="1153127" y="2961443"/>
+            <a:ext cx="1098724" cy="430887"/>
+          </a:xfrm>
+          <a:prstGeom prst="rect">
+            <a:avLst/>
+          </a:prstGeom>
+          <a:noFill/>
+        </p:spPr>
+        <p:style>
+          <a:lnRef idx="0">
+            <a:scrgbClr r="0" g="0" b="0"/>
+          </a:lnRef>
+          <a:fillRef idx="0">
+            <a:scrgbClr r="0" g="0" b="0"/>
+          </a:fillRef>
+          <a:effectRef idx="0">
+            <a:scrgbClr r="0" g="0" b="0"/>
+          </a:effectRef>
+          <a:fontRef idx="major"/>
+        </p:style>
+        <p:txBody>
+          <a:bodyPr wrap="square" rtlCol="0">
+            <a:spAutoFit/>
+          </a:bodyPr>
+          <a:lstStyle>
+            <a:lvl1pPr>
+              <a:defRPr>
+                <a:latin typeface="+mj-lt"/>
+                <a:ea typeface="+mj-ea"/>
+                <a:cs typeface="+mj-cs"/>
+              </a:defRPr>
+            </a:lvl1pPr>
+            <a:lvl2pPr>
+              <a:defRPr>
+                <a:latin typeface="+mj-lt"/>
+                <a:ea typeface="+mj-ea"/>
+                <a:cs typeface="+mj-cs"/>
+              </a:defRPr>
+            </a:lvl2pPr>
+            <a:lvl3pPr>
+              <a:defRPr>
+                <a:latin typeface="+mj-lt"/>
+                <a:ea typeface="+mj-ea"/>
+                <a:cs typeface="+mj-cs"/>
+              </a:defRPr>
+            </a:lvl3pPr>
+            <a:lvl4pPr>
+              <a:defRPr>
+                <a:latin typeface="+mj-lt"/>
+                <a:ea typeface="+mj-ea"/>
+                <a:cs typeface="+mj-cs"/>
+              </a:defRPr>
+            </a:lvl4pPr>
+            <a:lvl5pPr>
+              <a:defRPr>
+                <a:latin typeface="+mj-lt"/>
+                <a:ea typeface="+mj-ea"/>
+                <a:cs typeface="+mj-cs"/>
+              </a:defRPr>
+            </a:lvl5pPr>
+            <a:lvl6pPr>
+              <a:defRPr>
+                <a:latin typeface="+mj-lt"/>
+                <a:ea typeface="+mj-ea"/>
+                <a:cs typeface="+mj-cs"/>
+              </a:defRPr>
+            </a:lvl6pPr>
+            <a:lvl7pPr>
+              <a:defRPr>
+                <a:latin typeface="+mj-lt"/>
+                <a:ea typeface="+mj-ea"/>
+                <a:cs typeface="+mj-cs"/>
+              </a:defRPr>
+            </a:lvl7pPr>
+            <a:lvl8pPr>
+              <a:defRPr>
+                <a:latin typeface="+mj-lt"/>
+                <a:ea typeface="+mj-ea"/>
+                <a:cs typeface="+mj-cs"/>
+              </a:defRPr>
+            </a:lvl8pPr>
+            <a:lvl9pPr>
+              <a:defRPr>
+                <a:latin typeface="+mj-lt"/>
+                <a:ea typeface="+mj-ea"/>
+                <a:cs typeface="+mj-cs"/>
+              </a:defRPr>
+            </a:lvl9pPr>
+          </a:lstStyle>
+          <a:p>
+            <a:pPr algn="ctr"/>
+            <a:r>
+              <a:rPr lang="en-US" sz="1100" dirty="0">
+                <a:latin typeface="Arial" panose="020B0604020202020204" pitchFamily="34" charset="0"/>
+                <a:cs typeface="Arial" panose="020B0604020202020204" pitchFamily="34" charset="0"/>
+              </a:rPr>
+              <a:t>Regional Event Rule</a:t>
+            </a:r>
+          </a:p>
+        </p:txBody>
+      </p:sp>
+      <p:sp>
+        <p:nvSpPr>
+          <p:cNvPr id="188" name="Oval 187">
+            <a:extLst>
+              <a:ext uri="{FF2B5EF4-FFF2-40B4-BE49-F238E27FC236}">
+                <a16:creationId xmlns:a16="http://schemas.microsoft.com/office/drawing/2014/main" id="{C2221D33-75AF-432C-B6AB-D1DB0348201A}"/>
+              </a:ext>
+            </a:extLst>
+          </p:cNvPr>
+          <p:cNvSpPr/>
+          <p:nvPr/>
+        </p:nvSpPr>
+        <p:spPr>
+          <a:xfrm>
+            <a:off x="1839047" y="2486142"/>
+            <a:ext cx="253435" cy="212902"/>
+          </a:xfrm>
+          <a:prstGeom prst="ellipse">
+            <a:avLst/>
+          </a:prstGeom>
+          <a:solidFill>
+            <a:schemeClr val="tx1"/>
+          </a:solidFill>
+          <a:ln>
+            <a:solidFill>
+              <a:schemeClr val="tx1"/>
+            </a:solidFill>
+          </a:ln>
+        </p:spPr>
+        <p:style>
+          <a:lnRef idx="2">
+            <a:schemeClr val="accent1">
+              <a:shade val="50000"/>
+            </a:schemeClr>
+          </a:lnRef>
+          <a:fillRef idx="1">
+            <a:schemeClr val="accent1"/>
+          </a:fillRef>
+          <a:effectRef idx="0">
+            <a:schemeClr val="accent1"/>
+          </a:effectRef>
+          <a:fontRef idx="minor">
+            <a:schemeClr val="lt1"/>
+          </a:fontRef>
+        </p:style>
+        <p:txBody>
+          <a:bodyPr lIns="0" tIns="0" rIns="0" bIns="0" rtlCol="0" anchor="ctr"/>
+          <a:lstStyle/>
+          <a:p>
+            <a:pPr algn="ctr"/>
+            <a:r>
+              <a:rPr lang="en-US" sz="800" dirty="0">
+                <a:latin typeface="Arial" panose="020B0604020202020204" pitchFamily="34" charset="0"/>
+                <a:cs typeface="Arial" panose="020B0604020202020204" pitchFamily="34" charset="0"/>
+              </a:rPr>
+              <a:t>1.2</a:t>
+            </a:r>
+          </a:p>
+        </p:txBody>
+      </p:sp>
+      <p:cxnSp>
+        <p:nvCxnSpPr>
+          <p:cNvPr id="189" name="Straight Arrow Connector 188">
+            <a:extLst>
+              <a:ext uri="{FF2B5EF4-FFF2-40B4-BE49-F238E27FC236}">
+                <a16:creationId xmlns:a16="http://schemas.microsoft.com/office/drawing/2014/main" id="{13756740-CBD2-4285-9E37-7A4C5D50B989}"/>
+              </a:ext>
+            </a:extLst>
+          </p:cNvPr>
+          <p:cNvCxnSpPr>
+            <a:cxnSpLocks/>
+            <a:stCxn id="186" idx="3"/>
+            <a:endCxn id="138" idx="1"/>
+          </p:cNvCxnSpPr>
+          <p:nvPr/>
+        </p:nvCxnSpPr>
+        <p:spPr>
+          <a:xfrm flipV="1">
+            <a:off x="1931089" y="2747821"/>
+            <a:ext cx="983544" cy="37742"/>
+          </a:xfrm>
+          <a:prstGeom prst="straightConnector1">
+            <a:avLst/>
+          </a:prstGeom>
+          <a:ln>
+            <a:tailEnd type="triangle"/>
+          </a:ln>
+        </p:spPr>
+        <p:style>
+          <a:lnRef idx="1">
+            <a:schemeClr val="dk1"/>
+          </a:lnRef>
+          <a:fillRef idx="0">
+            <a:schemeClr val="dk1"/>
+          </a:fillRef>
+          <a:effectRef idx="0">
+            <a:schemeClr val="dk1"/>
+          </a:effectRef>
+          <a:fontRef idx="minor">
+            <a:schemeClr val="tx1"/>
+          </a:fontRef>
+        </p:style>
+      </p:cxnSp>
+      <p:sp>
+        <p:nvSpPr>
+          <p:cNvPr id="190" name="Rectangle 189">
+            <a:extLst>
+              <a:ext uri="{FF2B5EF4-FFF2-40B4-BE49-F238E27FC236}">
+                <a16:creationId xmlns:a16="http://schemas.microsoft.com/office/drawing/2014/main" id="{FB33BE81-596F-4ED7-8BA5-7D14B454E0F9}"/>
+              </a:ext>
+            </a:extLst>
+          </p:cNvPr>
+          <p:cNvSpPr/>
+          <p:nvPr/>
+        </p:nvSpPr>
+        <p:spPr>
+          <a:xfrm>
+            <a:off x="4203858" y="2327448"/>
+            <a:ext cx="1516310" cy="1307692"/>
+          </a:xfrm>
+          <a:prstGeom prst="rect">
+            <a:avLst/>
+          </a:prstGeom>
+          <a:solidFill>
+            <a:schemeClr val="bg1"/>
+          </a:solidFill>
+          <a:ln w="12700">
+            <a:solidFill>
+              <a:srgbClr val="5B9CD5"/>
+            </a:solidFill>
+            <a:prstDash val="sysDash"/>
+          </a:ln>
+          <a:effectLst>
+            <a:outerShdw blurRad="50800" dist="38100" dir="13500000" algn="br" rotWithShape="0">
+              <a:prstClr val="black">
+                <a:alpha val="40000"/>
+              </a:prstClr>
+            </a:outerShdw>
+          </a:effectLst>
+        </p:spPr>
+        <p:style>
+          <a:lnRef idx="2">
+            <a:schemeClr val="accent1">
+              <a:shade val="50000"/>
+            </a:schemeClr>
+          </a:lnRef>
+          <a:fillRef idx="1">
+            <a:schemeClr val="accent1"/>
+          </a:fillRef>
+          <a:effectRef idx="0">
+            <a:schemeClr val="accent1"/>
+          </a:effectRef>
+          <a:fontRef idx="minor">
+            <a:schemeClr val="lt1"/>
+          </a:fontRef>
+        </p:style>
+        <p:txBody>
+          <a:bodyPr lIns="502920" tIns="91440"/>
+          <a:lstStyle/>
+          <a:p>
+            <a:pPr eaLnBrk="1" fontAlgn="auto" hangingPunct="1">
+              <a:spcBef>
+                <a:spcPts val="0"/>
+              </a:spcBef>
+              <a:spcAft>
+                <a:spcPts val="0"/>
+              </a:spcAft>
+              <a:defRPr/>
+            </a:pPr>
+            <a:r>
+              <a:rPr lang="en-US" sz="1200" dirty="0">
+                <a:solidFill>
+                  <a:srgbClr val="5B9CD5"/>
+                </a:solidFill>
+                <a:latin typeface="Arial" panose="020B0604020202020204" pitchFamily="34" charset="0"/>
+                <a:cs typeface="Arial" panose="020B0604020202020204" pitchFamily="34" charset="0"/>
+              </a:rPr>
+              <a:t>Region n</a:t>
+            </a:r>
+          </a:p>
+        </p:txBody>
+      </p:sp>
+      <p:pic>
+        <p:nvPicPr>
+          <p:cNvPr id="191" name="Graphic 190">
+            <a:extLst>
+              <a:ext uri="{FF2B5EF4-FFF2-40B4-BE49-F238E27FC236}">
+                <a16:creationId xmlns:a16="http://schemas.microsoft.com/office/drawing/2014/main" id="{EFDD8BD0-DF38-40A5-9412-28008B82706B}"/>
+              </a:ext>
+            </a:extLst>
+          </p:cNvPr>
+          <p:cNvPicPr>
+            <a:picLocks noChangeAspect="1"/>
+          </p:cNvPicPr>
+          <p:nvPr/>
+        </p:nvPicPr>
+        <p:blipFill>
+          <a:blip r:embed="rId11">
+            <a:extLst>
+              <a:ext uri="{96DAC541-7B7A-43D3-8B79-37D633B846F1}">
+                <asvg:svgBlip xmlns:asvg="http://schemas.microsoft.com/office/drawing/2016/SVG/main" r:embed="rId12"/>
+              </a:ext>
+            </a:extLst>
+          </a:blip>
+          <a:stretch>
+            <a:fillRect/>
+          </a:stretch>
+        </p:blipFill>
+        <p:spPr>
+          <a:xfrm>
+            <a:off x="4194914" y="2329563"/>
+            <a:ext cx="442506" cy="391567"/>
+          </a:xfrm>
+          <a:prstGeom prst="rect">
+            <a:avLst/>
+          </a:prstGeom>
+          <a:effectLst>
+            <a:outerShdw blurRad="50800" dist="38100" dir="13500000" algn="br" rotWithShape="0">
+              <a:prstClr val="black">
+                <a:alpha val="40000"/>
+              </a:prstClr>
+            </a:outerShdw>
+          </a:effectLst>
+        </p:spPr>
+      </p:pic>
+      <p:sp>
+        <p:nvSpPr>
+          <p:cNvPr id="192" name="Rectangle 191">
+            <a:extLst>
+              <a:ext uri="{FF2B5EF4-FFF2-40B4-BE49-F238E27FC236}">
+                <a16:creationId xmlns:a16="http://schemas.microsoft.com/office/drawing/2014/main" id="{5D0C1D3A-93F6-4D63-8242-CDCC01A39BFA}"/>
+              </a:ext>
+            </a:extLst>
+          </p:cNvPr>
+          <p:cNvSpPr/>
+          <p:nvPr/>
+        </p:nvSpPr>
+        <p:spPr>
+          <a:xfrm>
+            <a:off x="4330861" y="2623785"/>
+            <a:ext cx="1521910" cy="1307692"/>
+          </a:xfrm>
+          <a:prstGeom prst="rect">
+            <a:avLst/>
+          </a:prstGeom>
+          <a:solidFill>
+            <a:schemeClr val="bg1"/>
+          </a:solidFill>
+          <a:ln w="12700">
+            <a:solidFill>
+              <a:srgbClr val="5B9CD5"/>
+            </a:solidFill>
+            <a:prstDash val="sysDash"/>
+          </a:ln>
+          <a:effectLst>
+            <a:outerShdw blurRad="50800" dist="38100" dir="13500000" algn="br" rotWithShape="0">
+              <a:prstClr val="black">
+                <a:alpha val="40000"/>
+              </a:prstClr>
+            </a:outerShdw>
+          </a:effectLst>
+        </p:spPr>
+        <p:style>
+          <a:lnRef idx="2">
+            <a:schemeClr val="accent1">
+              <a:shade val="50000"/>
+            </a:schemeClr>
+          </a:lnRef>
+          <a:fillRef idx="1">
+            <a:schemeClr val="accent1"/>
+          </a:fillRef>
+          <a:effectRef idx="0">
+            <a:schemeClr val="accent1"/>
+          </a:effectRef>
+          <a:fontRef idx="minor">
+            <a:schemeClr val="lt1"/>
+          </a:fontRef>
+        </p:style>
+        <p:txBody>
+          <a:bodyPr lIns="502920" tIns="91440"/>
+          <a:lstStyle/>
+          <a:p>
+            <a:pPr eaLnBrk="1" fontAlgn="auto" hangingPunct="1">
+              <a:spcBef>
+                <a:spcPts val="0"/>
+              </a:spcBef>
+              <a:spcAft>
+                <a:spcPts val="0"/>
+              </a:spcAft>
+              <a:defRPr/>
+            </a:pPr>
+            <a:r>
+              <a:rPr lang="en-US" sz="1200" dirty="0">
+                <a:solidFill>
+                  <a:srgbClr val="5B9CD5"/>
+                </a:solidFill>
+                <a:latin typeface="Arial" panose="020B0604020202020204" pitchFamily="34" charset="0"/>
+                <a:cs typeface="Arial" panose="020B0604020202020204" pitchFamily="34" charset="0"/>
+              </a:rPr>
+              <a:t>Region 2</a:t>
+            </a:r>
+          </a:p>
+        </p:txBody>
+      </p:sp>
+      <p:pic>
+        <p:nvPicPr>
+          <p:cNvPr id="193" name="Graphic 192">
+            <a:extLst>
+              <a:ext uri="{FF2B5EF4-FFF2-40B4-BE49-F238E27FC236}">
+                <a16:creationId xmlns:a16="http://schemas.microsoft.com/office/drawing/2014/main" id="{6A82A4C9-9C1A-4DCD-B28A-423A688D2C9B}"/>
+              </a:ext>
+            </a:extLst>
+          </p:cNvPr>
+          <p:cNvPicPr>
+            <a:picLocks noChangeAspect="1"/>
+          </p:cNvPicPr>
+          <p:nvPr/>
+        </p:nvPicPr>
+        <p:blipFill>
+          <a:blip r:embed="rId11">
+            <a:extLst>
+              <a:ext uri="{96DAC541-7B7A-43D3-8B79-37D633B846F1}">
+                <asvg:svgBlip xmlns:asvg="http://schemas.microsoft.com/office/drawing/2016/SVG/main" r:embed="rId12"/>
+              </a:ext>
+            </a:extLst>
+          </a:blip>
+          <a:stretch>
+            <a:fillRect/>
+          </a:stretch>
+        </p:blipFill>
+        <p:spPr>
+          <a:xfrm>
+            <a:off x="4331444" y="2617672"/>
+            <a:ext cx="442506" cy="391567"/>
+          </a:xfrm>
+          <a:prstGeom prst="rect">
+            <a:avLst/>
+          </a:prstGeom>
+          <a:effectLst>
+            <a:outerShdw blurRad="50800" dist="38100" dir="13500000" algn="br" rotWithShape="0">
+              <a:prstClr val="black">
+                <a:alpha val="40000"/>
+              </a:prstClr>
+            </a:outerShdw>
+          </a:effectLst>
+        </p:spPr>
+      </p:pic>
+      <p:sp>
+        <p:nvSpPr>
+          <p:cNvPr id="194" name="Rectangle 193">
+            <a:extLst>
+              <a:ext uri="{FF2B5EF4-FFF2-40B4-BE49-F238E27FC236}">
+                <a16:creationId xmlns:a16="http://schemas.microsoft.com/office/drawing/2014/main" id="{89250F46-02BD-423F-84EF-A41C2A810235}"/>
+              </a:ext>
+            </a:extLst>
+          </p:cNvPr>
+          <p:cNvSpPr/>
+          <p:nvPr/>
+        </p:nvSpPr>
+        <p:spPr>
+          <a:xfrm>
+            <a:off x="4450044" y="2930111"/>
+            <a:ext cx="1523440" cy="1307692"/>
+          </a:xfrm>
+          <a:prstGeom prst="rect">
+            <a:avLst/>
+          </a:prstGeom>
+          <a:solidFill>
+            <a:schemeClr val="bg1"/>
+          </a:solidFill>
+          <a:ln w="12700">
+            <a:solidFill>
+              <a:srgbClr val="5B9CD5"/>
+            </a:solidFill>
+            <a:prstDash val="sysDash"/>
+          </a:ln>
+          <a:effectLst>
+            <a:outerShdw blurRad="50800" dist="38100" dir="13500000" algn="br" rotWithShape="0">
+              <a:prstClr val="black">
+                <a:alpha val="40000"/>
+              </a:prstClr>
+            </a:outerShdw>
+          </a:effectLst>
+        </p:spPr>
+        <p:style>
+          <a:lnRef idx="2">
+            <a:schemeClr val="accent1">
+              <a:shade val="50000"/>
+            </a:schemeClr>
+          </a:lnRef>
+          <a:fillRef idx="1">
+            <a:schemeClr val="accent1"/>
+          </a:fillRef>
+          <a:effectRef idx="0">
+            <a:schemeClr val="accent1"/>
+          </a:effectRef>
+          <a:fontRef idx="minor">
+            <a:schemeClr val="lt1"/>
+          </a:fontRef>
+        </p:style>
+        <p:txBody>
+          <a:bodyPr lIns="502920" tIns="91440"/>
+          <a:lstStyle/>
+          <a:p>
+            <a:pPr eaLnBrk="1" fontAlgn="auto" hangingPunct="1">
+              <a:spcBef>
+                <a:spcPts val="0"/>
+              </a:spcBef>
+              <a:spcAft>
+                <a:spcPts val="0"/>
+              </a:spcAft>
+              <a:defRPr/>
+            </a:pPr>
+            <a:r>
+              <a:rPr lang="en-US" sz="1200" dirty="0">
+                <a:solidFill>
+                  <a:srgbClr val="5B9CD5"/>
+                </a:solidFill>
+                <a:latin typeface="Arial" panose="020B0604020202020204" pitchFamily="34" charset="0"/>
+                <a:cs typeface="Arial" panose="020B0604020202020204" pitchFamily="34" charset="0"/>
+              </a:rPr>
+              <a:t>Region 1</a:t>
+            </a:r>
+          </a:p>
+        </p:txBody>
+      </p:sp>
+      <p:pic>
+        <p:nvPicPr>
+          <p:cNvPr id="195" name="Graphic 194">
+            <a:extLst>
+              <a:ext uri="{FF2B5EF4-FFF2-40B4-BE49-F238E27FC236}">
+                <a16:creationId xmlns:a16="http://schemas.microsoft.com/office/drawing/2014/main" id="{A67566A0-854E-4B0C-805B-1612CF1B700A}"/>
+              </a:ext>
+            </a:extLst>
+          </p:cNvPr>
+          <p:cNvPicPr>
+            <a:picLocks noChangeAspect="1"/>
+          </p:cNvPicPr>
+          <p:nvPr/>
+        </p:nvPicPr>
+        <p:blipFill>
+          <a:blip r:embed="rId11">
+            <a:extLst>
+              <a:ext uri="{96DAC541-7B7A-43D3-8B79-37D633B846F1}">
+                <asvg:svgBlip xmlns:asvg="http://schemas.microsoft.com/office/drawing/2016/SVG/main" r:embed="rId12"/>
+              </a:ext>
+            </a:extLst>
+          </a:blip>
+          <a:stretch>
+            <a:fillRect/>
+          </a:stretch>
+        </p:blipFill>
+        <p:spPr>
+          <a:xfrm>
+            <a:off x="4441100" y="2923759"/>
+            <a:ext cx="442506" cy="391567"/>
+          </a:xfrm>
+          <a:prstGeom prst="rect">
+            <a:avLst/>
+          </a:prstGeom>
+          <a:effectLst>
+            <a:outerShdw blurRad="50800" dist="38100" dir="13500000" algn="br" rotWithShape="0">
+              <a:prstClr val="black">
+                <a:alpha val="40000"/>
+              </a:prstClr>
+            </a:outerShdw>
+          </a:effectLst>
+        </p:spPr>
+      </p:pic>
+      <p:sp>
+        <p:nvSpPr>
+          <p:cNvPr id="196" name="TextBox 195">
+            <a:extLst>
+              <a:ext uri="{FF2B5EF4-FFF2-40B4-BE49-F238E27FC236}">
+                <a16:creationId xmlns:a16="http://schemas.microsoft.com/office/drawing/2014/main" id="{316B2C13-60B9-4027-82B6-A1AD81AFA44A}"/>
+              </a:ext>
+            </a:extLst>
+          </p:cNvPr>
+          <p:cNvSpPr txBox="1"/>
+          <p:nvPr/>
+        </p:nvSpPr>
+        <p:spPr>
+          <a:xfrm>
+            <a:off x="4330861" y="3780188"/>
+            <a:ext cx="1617142" cy="261610"/>
+          </a:xfrm>
+          <a:prstGeom prst="rect">
+            <a:avLst/>
+          </a:prstGeom>
+          <a:noFill/>
+        </p:spPr>
+        <p:txBody>
+          <a:bodyPr wrap="square" rtlCol="0">
+            <a:spAutoFit/>
+          </a:bodyPr>
+          <a:lstStyle/>
+          <a:p>
+            <a:pPr algn="ctr"/>
+            <a:r>
+              <a:rPr lang="en-US" sz="1100" dirty="0">
+                <a:latin typeface="Arial" panose="020B0604020202020204" pitchFamily="34" charset="0"/>
+                <a:cs typeface="Arial" panose="020B0604020202020204" pitchFamily="34" charset="0"/>
+              </a:rPr>
+              <a:t>Security Hub</a:t>
+            </a:r>
+          </a:p>
+        </p:txBody>
+      </p:sp>
+      <p:pic>
+        <p:nvPicPr>
+          <p:cNvPr id="202" name="Graphic 19">
+            <a:extLst>
+              <a:ext uri="{FF2B5EF4-FFF2-40B4-BE49-F238E27FC236}">
+                <a16:creationId xmlns:a16="http://schemas.microsoft.com/office/drawing/2014/main" id="{9E6E3A23-9546-42D3-81F6-D572342B9FA2}"/>
+              </a:ext>
+            </a:extLst>
+          </p:cNvPr>
+          <p:cNvPicPr>
+            <a:picLocks noChangeAspect="1" noChangeArrowheads="1"/>
+          </p:cNvPicPr>
+          <p:nvPr/>
+        </p:nvPicPr>
+        <p:blipFill>
+          <a:blip r:embed="rId16">
+            <a:extLst>
+              <a:ext uri="{28A0092B-C50C-407E-A947-70E740481C1C}">
+                <a14:useLocalDpi xmlns:a14="http://schemas.microsoft.com/office/drawing/2010/main"/>
+              </a:ext>
+            </a:extLst>
+          </a:blip>
+          <a:srcRect/>
+          <a:stretch>
+            <a:fillRect/>
+          </a:stretch>
+        </p:blipFill>
+        <p:spPr bwMode="auto">
+          <a:xfrm>
+            <a:off x="4910766" y="3355357"/>
+            <a:ext cx="457200" cy="457200"/>
+          </a:xfrm>
+          <a:prstGeom prst="rect">
+            <a:avLst/>
+          </a:prstGeom>
+          <a:noFill/>
+          <a:ln>
+            <a:noFill/>
+          </a:ln>
+          <a:extLst>
+            <a:ext uri="{909E8E84-426E-40DD-AFC4-6F175D3DCCD1}">
+              <a14:hiddenFill xmlns:a14="http://schemas.microsoft.com/office/drawing/2010/main">
+                <a:solidFill>
+                  <a:srgbClr val="FFFFFF"/>
+                </a:solidFill>
+              </a14:hiddenFill>
+            </a:ext>
+            <a:ext uri="{91240B29-F687-4F45-9708-019B960494DF}">
+              <a14:hiddenLine xmlns:a14="http://schemas.microsoft.com/office/drawing/2010/main" w="9525">
+                <a:solidFill>
+                  <a:srgbClr val="000000"/>
+                </a:solidFill>
+                <a:miter lim="800000"/>
+                <a:headEnd/>
+                <a:tailEnd/>
+              </a14:hiddenLine>
+            </a:ext>
+          </a:extLst>
+        </p:spPr>
+      </p:pic>
+      <p:sp>
+        <p:nvSpPr>
+          <p:cNvPr id="198" name="Oval 197">
+            <a:extLst>
+              <a:ext uri="{FF2B5EF4-FFF2-40B4-BE49-F238E27FC236}">
+                <a16:creationId xmlns:a16="http://schemas.microsoft.com/office/drawing/2014/main" id="{6D6165D5-B9D1-4991-AA75-68D53C2CDFA7}"/>
+              </a:ext>
+            </a:extLst>
+          </p:cNvPr>
+          <p:cNvSpPr/>
+          <p:nvPr/>
+        </p:nvSpPr>
+        <p:spPr>
+          <a:xfrm>
+            <a:off x="5266328" y="3240906"/>
+            <a:ext cx="253435" cy="212902"/>
+          </a:xfrm>
+          <a:prstGeom prst="ellipse">
+            <a:avLst/>
+          </a:prstGeom>
+          <a:solidFill>
+            <a:schemeClr val="tx1"/>
+          </a:solidFill>
+          <a:ln>
+            <a:solidFill>
+              <a:schemeClr val="tx1"/>
+            </a:solidFill>
+          </a:ln>
+        </p:spPr>
+        <p:style>
+          <a:lnRef idx="2">
+            <a:schemeClr val="accent1">
+              <a:shade val="50000"/>
+            </a:schemeClr>
+          </a:lnRef>
+          <a:fillRef idx="1">
+            <a:schemeClr val="accent1"/>
+          </a:fillRef>
+          <a:effectRef idx="0">
+            <a:schemeClr val="accent1"/>
+          </a:effectRef>
+          <a:fontRef idx="minor">
+            <a:schemeClr val="lt1"/>
+          </a:fontRef>
+        </p:style>
+        <p:txBody>
+          <a:bodyPr lIns="0" tIns="0" rIns="0" bIns="0" rtlCol="0" anchor="ctr"/>
+          <a:lstStyle/>
+          <a:p>
+            <a:pPr algn="ctr"/>
+            <a:r>
+              <a:rPr lang="en-US" sz="700" dirty="0">
+                <a:latin typeface="Arial" panose="020B0604020202020204" pitchFamily="34" charset="0"/>
+                <a:cs typeface="Arial" panose="020B0604020202020204" pitchFamily="34" charset="0"/>
+              </a:rPr>
+              <a:t>1.9</a:t>
+            </a:r>
+          </a:p>
+        </p:txBody>
+      </p:sp>
+      <p:sp>
+        <p:nvSpPr>
+          <p:cNvPr id="203" name="Rectangle 202">
+            <a:extLst>
+              <a:ext uri="{FF2B5EF4-FFF2-40B4-BE49-F238E27FC236}">
+                <a16:creationId xmlns:a16="http://schemas.microsoft.com/office/drawing/2014/main" id="{0C7341F0-D9E9-4E22-9FDA-AEDD18FEC77A}"/>
+              </a:ext>
+            </a:extLst>
+          </p:cNvPr>
+          <p:cNvSpPr/>
+          <p:nvPr/>
+        </p:nvSpPr>
+        <p:spPr>
+          <a:xfrm>
+            <a:off x="10313256" y="1386481"/>
+            <a:ext cx="1275435" cy="1307692"/>
+          </a:xfrm>
+          <a:prstGeom prst="rect">
+            <a:avLst/>
+          </a:prstGeom>
+          <a:solidFill>
+            <a:schemeClr val="bg1"/>
+          </a:solidFill>
+          <a:ln w="12700">
+            <a:solidFill>
+              <a:srgbClr val="5B9CD5"/>
+            </a:solidFill>
+            <a:prstDash val="sysDash"/>
+          </a:ln>
+          <a:effectLst>
+            <a:outerShdw blurRad="50800" dist="38100" dir="13500000" algn="br" rotWithShape="0">
+              <a:prstClr val="black">
+                <a:alpha val="40000"/>
+              </a:prstClr>
+            </a:outerShdw>
+          </a:effectLst>
+        </p:spPr>
+        <p:style>
+          <a:lnRef idx="2">
+            <a:schemeClr val="accent1">
+              <a:shade val="50000"/>
+            </a:schemeClr>
+          </a:lnRef>
+          <a:fillRef idx="1">
+            <a:schemeClr val="accent1"/>
+          </a:fillRef>
+          <a:effectRef idx="0">
+            <a:schemeClr val="accent1"/>
+          </a:effectRef>
+          <a:fontRef idx="minor">
+            <a:schemeClr val="lt1"/>
+          </a:fontRef>
+        </p:style>
+        <p:txBody>
+          <a:bodyPr lIns="502920" tIns="91440"/>
+          <a:lstStyle/>
+          <a:p>
+            <a:pPr eaLnBrk="1" fontAlgn="auto" hangingPunct="1">
+              <a:spcBef>
+                <a:spcPts val="0"/>
+              </a:spcBef>
+              <a:spcAft>
+                <a:spcPts val="0"/>
+              </a:spcAft>
+              <a:defRPr/>
+            </a:pPr>
+            <a:r>
+              <a:rPr lang="en-US" sz="1200" dirty="0">
+                <a:solidFill>
+                  <a:srgbClr val="5B9CD5"/>
+                </a:solidFill>
+                <a:latin typeface="Arial" panose="020B0604020202020204" pitchFamily="34" charset="0"/>
+                <a:cs typeface="Arial" panose="020B0604020202020204" pitchFamily="34" charset="0"/>
+              </a:rPr>
+              <a:t>Region n</a:t>
+            </a:r>
+          </a:p>
+        </p:txBody>
+      </p:sp>
+      <p:pic>
+        <p:nvPicPr>
+          <p:cNvPr id="204" name="Graphic 203">
+            <a:extLst>
+              <a:ext uri="{FF2B5EF4-FFF2-40B4-BE49-F238E27FC236}">
+                <a16:creationId xmlns:a16="http://schemas.microsoft.com/office/drawing/2014/main" id="{0ACF6319-1BDA-4DD7-ADCF-06F76CD39D99}"/>
+              </a:ext>
+            </a:extLst>
+          </p:cNvPr>
+          <p:cNvPicPr>
+            <a:picLocks noChangeAspect="1"/>
+          </p:cNvPicPr>
+          <p:nvPr/>
+        </p:nvPicPr>
+        <p:blipFill>
+          <a:blip r:embed="rId11">
+            <a:extLst>
+              <a:ext uri="{96DAC541-7B7A-43D3-8B79-37D633B846F1}">
+                <asvg:svgBlip xmlns:asvg="http://schemas.microsoft.com/office/drawing/2016/SVG/main" r:embed="rId12"/>
+              </a:ext>
+            </a:extLst>
+          </a:blip>
+          <a:stretch>
+            <a:fillRect/>
+          </a:stretch>
+        </p:blipFill>
+        <p:spPr>
+          <a:xfrm>
+            <a:off x="10309076" y="1380129"/>
+            <a:ext cx="442506" cy="391567"/>
+          </a:xfrm>
+          <a:prstGeom prst="rect">
+            <a:avLst/>
+          </a:prstGeom>
+          <a:effectLst>
+            <a:outerShdw blurRad="50800" dist="38100" dir="13500000" algn="br" rotWithShape="0">
+              <a:prstClr val="black">
+                <a:alpha val="40000"/>
+              </a:prstClr>
+            </a:outerShdw>
+          </a:effectLst>
+        </p:spPr>
+      </p:pic>
+      <p:sp>
+        <p:nvSpPr>
+          <p:cNvPr id="205" name="Rectangle 204">
+            <a:extLst>
+              <a:ext uri="{FF2B5EF4-FFF2-40B4-BE49-F238E27FC236}">
+                <a16:creationId xmlns:a16="http://schemas.microsoft.com/office/drawing/2014/main" id="{07406336-918D-4B31-8DF3-7BD86137B01B}"/>
+              </a:ext>
+            </a:extLst>
+          </p:cNvPr>
+          <p:cNvSpPr/>
+          <p:nvPr/>
+        </p:nvSpPr>
+        <p:spPr>
+          <a:xfrm>
+            <a:off x="10440261" y="1699444"/>
+            <a:ext cx="1237614" cy="1307692"/>
+          </a:xfrm>
+          <a:prstGeom prst="rect">
+            <a:avLst/>
+          </a:prstGeom>
+          <a:solidFill>
+            <a:schemeClr val="bg1"/>
+          </a:solidFill>
+          <a:ln w="12700">
+            <a:solidFill>
+              <a:srgbClr val="5B9CD5"/>
+            </a:solidFill>
+            <a:prstDash val="sysDash"/>
+          </a:ln>
+          <a:effectLst>
+            <a:outerShdw blurRad="50800" dist="38100" dir="13500000" algn="br" rotWithShape="0">
+              <a:prstClr val="black">
+                <a:alpha val="40000"/>
+              </a:prstClr>
+            </a:outerShdw>
+          </a:effectLst>
+        </p:spPr>
+        <p:style>
+          <a:lnRef idx="2">
+            <a:schemeClr val="accent1">
+              <a:shade val="50000"/>
+            </a:schemeClr>
+          </a:lnRef>
+          <a:fillRef idx="1">
+            <a:schemeClr val="accent1"/>
+          </a:fillRef>
+          <a:effectRef idx="0">
+            <a:schemeClr val="accent1"/>
+          </a:effectRef>
+          <a:fontRef idx="minor">
+            <a:schemeClr val="lt1"/>
+          </a:fontRef>
+        </p:style>
+        <p:txBody>
+          <a:bodyPr lIns="502920" tIns="91440"/>
+          <a:lstStyle/>
+          <a:p>
+            <a:pPr eaLnBrk="1" fontAlgn="auto" hangingPunct="1">
+              <a:spcBef>
+                <a:spcPts val="0"/>
+              </a:spcBef>
+              <a:spcAft>
+                <a:spcPts val="0"/>
+              </a:spcAft>
+              <a:defRPr/>
+            </a:pPr>
+            <a:r>
+              <a:rPr lang="en-US" sz="1200" dirty="0">
+                <a:solidFill>
+                  <a:srgbClr val="5B9CD5"/>
+                </a:solidFill>
+                <a:latin typeface="Arial" panose="020B0604020202020204" pitchFamily="34" charset="0"/>
+                <a:cs typeface="Arial" panose="020B0604020202020204" pitchFamily="34" charset="0"/>
+              </a:rPr>
+              <a:t>Region 2</a:t>
+            </a:r>
+          </a:p>
+        </p:txBody>
+      </p:sp>
+      <p:sp>
+        <p:nvSpPr>
+          <p:cNvPr id="206" name="Rectangle 205">
+            <a:extLst>
+              <a:ext uri="{FF2B5EF4-FFF2-40B4-BE49-F238E27FC236}">
+                <a16:creationId xmlns:a16="http://schemas.microsoft.com/office/drawing/2014/main" id="{1037C40E-DC39-4D3B-B81E-28A322956D5E}"/>
+              </a:ext>
+            </a:extLst>
+          </p:cNvPr>
+          <p:cNvSpPr/>
+          <p:nvPr/>
+        </p:nvSpPr>
+        <p:spPr>
+          <a:xfrm>
+            <a:off x="8379488" y="641245"/>
+            <a:ext cx="3444201" cy="2574151"/>
+          </a:xfrm>
+          <a:prstGeom prst="rect">
+            <a:avLst/>
+          </a:prstGeom>
+          <a:noFill/>
+          <a:ln w="12700">
+            <a:solidFill>
+              <a:srgbClr val="5B9CD5"/>
+            </a:solidFill>
+            <a:prstDash val="sysDash"/>
+          </a:ln>
+        </p:spPr>
+        <p:style>
+          <a:lnRef idx="2">
+            <a:schemeClr val="accent1">
+              <a:shade val="50000"/>
+            </a:schemeClr>
+          </a:lnRef>
+          <a:fillRef idx="1">
+            <a:schemeClr val="accent1"/>
+          </a:fillRef>
+          <a:effectRef idx="0">
+            <a:schemeClr val="accent1"/>
+          </a:effectRef>
+          <a:fontRef idx="minor">
+            <a:schemeClr val="lt1"/>
+          </a:fontRef>
+        </p:style>
+        <p:txBody>
+          <a:bodyPr lIns="502920" tIns="91440"/>
+          <a:lstStyle/>
+          <a:p>
+            <a:pPr eaLnBrk="1" fontAlgn="auto" hangingPunct="1">
+              <a:spcBef>
+                <a:spcPts val="0"/>
+              </a:spcBef>
+              <a:spcAft>
+                <a:spcPts val="0"/>
+              </a:spcAft>
+              <a:defRPr/>
+            </a:pPr>
+            <a:r>
+              <a:rPr lang="en-US" sz="1200" dirty="0">
+                <a:solidFill>
+                  <a:srgbClr val="5B9CD5"/>
+                </a:solidFill>
+                <a:latin typeface="Arial" panose="020B0604020202020204" pitchFamily="34" charset="0"/>
+                <a:cs typeface="Arial" panose="020B0604020202020204" pitchFamily="34" charset="0"/>
+              </a:rPr>
+              <a:t>Home Region</a:t>
+            </a:r>
+          </a:p>
+        </p:txBody>
+      </p:sp>
+      <p:pic>
+        <p:nvPicPr>
+          <p:cNvPr id="207" name="Graphic 206">
+            <a:extLst>
+              <a:ext uri="{FF2B5EF4-FFF2-40B4-BE49-F238E27FC236}">
+                <a16:creationId xmlns:a16="http://schemas.microsoft.com/office/drawing/2014/main" id="{87920BCE-77A0-48C5-9935-18FEF0BE01B5}"/>
+              </a:ext>
+            </a:extLst>
+          </p:cNvPr>
+          <p:cNvPicPr>
+            <a:picLocks noChangeAspect="1"/>
+          </p:cNvPicPr>
+          <p:nvPr/>
+        </p:nvPicPr>
+        <p:blipFill>
+          <a:blip r:embed="rId11">
+            <a:extLst>
+              <a:ext uri="{96DAC541-7B7A-43D3-8B79-37D633B846F1}">
+                <asvg:svgBlip xmlns:asvg="http://schemas.microsoft.com/office/drawing/2016/SVG/main" r:embed="rId12"/>
+              </a:ext>
+            </a:extLst>
+          </a:blip>
+          <a:stretch>
+            <a:fillRect/>
+          </a:stretch>
+        </p:blipFill>
+        <p:spPr>
+          <a:xfrm>
+            <a:off x="8382130" y="635823"/>
+            <a:ext cx="391567" cy="391567"/>
+          </a:xfrm>
+          <a:prstGeom prst="rect">
+            <a:avLst/>
+          </a:prstGeom>
+        </p:spPr>
+      </p:pic>
+      <p:sp>
+        <p:nvSpPr>
+          <p:cNvPr id="208" name="Rectangle 207">
+            <a:extLst>
+              <a:ext uri="{FF2B5EF4-FFF2-40B4-BE49-F238E27FC236}">
+                <a16:creationId xmlns:a16="http://schemas.microsoft.com/office/drawing/2014/main" id="{6DD09EAF-9350-4737-B91E-6243882023D0}"/>
+              </a:ext>
+            </a:extLst>
+          </p:cNvPr>
+          <p:cNvSpPr/>
+          <p:nvPr/>
+        </p:nvSpPr>
+        <p:spPr>
+          <a:xfrm>
+            <a:off x="6985247" y="240970"/>
+            <a:ext cx="4925059" cy="3102316"/>
+          </a:xfrm>
+          <a:prstGeom prst="rect">
+            <a:avLst/>
+          </a:prstGeom>
+          <a:noFill/>
+          <a:ln w="12700">
+            <a:solidFill>
+              <a:srgbClr val="CD2264"/>
+            </a:solidFill>
+          </a:ln>
+        </p:spPr>
+        <p:style>
+          <a:lnRef idx="2">
+            <a:schemeClr val="accent1">
+              <a:shade val="50000"/>
+            </a:schemeClr>
+          </a:lnRef>
+          <a:fillRef idx="1">
+            <a:schemeClr val="accent1"/>
+          </a:fillRef>
+          <a:effectRef idx="0">
+            <a:schemeClr val="accent1"/>
+          </a:effectRef>
+          <a:fontRef idx="minor">
+            <a:schemeClr val="lt1"/>
+          </a:fontRef>
+        </p:style>
+        <p:txBody>
+          <a:bodyPr lIns="502920" tIns="91440"/>
+          <a:lstStyle/>
+          <a:p>
+            <a:pPr eaLnBrk="1" fontAlgn="auto" hangingPunct="1">
+              <a:spcBef>
+                <a:spcPts val="0"/>
+              </a:spcBef>
+              <a:spcAft>
+                <a:spcPts val="0"/>
+              </a:spcAft>
+              <a:defRPr/>
+            </a:pPr>
+            <a:r>
+              <a:rPr lang="en-US" sz="1200" dirty="0">
+                <a:solidFill>
+                  <a:srgbClr val="CD2264"/>
+                </a:solidFill>
+                <a:latin typeface="Arial" panose="020B0604020202020204" pitchFamily="34" charset="0"/>
+                <a:cs typeface="Arial" panose="020B0604020202020204" pitchFamily="34" charset="0"/>
+              </a:rPr>
+              <a:t>Audit Account</a:t>
+            </a:r>
+          </a:p>
+        </p:txBody>
+      </p:sp>
+      <p:pic>
+        <p:nvPicPr>
+          <p:cNvPr id="209" name="Graphic 208">
+            <a:extLst>
+              <a:ext uri="{FF2B5EF4-FFF2-40B4-BE49-F238E27FC236}">
+                <a16:creationId xmlns:a16="http://schemas.microsoft.com/office/drawing/2014/main" id="{51402323-0603-417E-93FD-C7785FA48EE1}"/>
+              </a:ext>
+            </a:extLst>
+          </p:cNvPr>
+          <p:cNvPicPr>
+            <a:picLocks noChangeAspect="1"/>
+          </p:cNvPicPr>
+          <p:nvPr/>
+        </p:nvPicPr>
+        <p:blipFill>
+          <a:blip r:embed="rId5">
+            <a:extLst>
+              <a:ext uri="{96DAC541-7B7A-43D3-8B79-37D633B846F1}">
+                <asvg:svgBlip xmlns:asvg="http://schemas.microsoft.com/office/drawing/2016/SVG/main" r:embed="rId6"/>
+              </a:ext>
+            </a:extLst>
+          </a:blip>
+          <a:stretch>
+            <a:fillRect/>
+          </a:stretch>
+        </p:blipFill>
+        <p:spPr>
+          <a:xfrm>
+            <a:off x="6985246" y="245364"/>
+            <a:ext cx="381000" cy="381000"/>
+          </a:xfrm>
+          <a:prstGeom prst="rect">
+            <a:avLst/>
+          </a:prstGeom>
+        </p:spPr>
+      </p:pic>
+      <p:sp>
+        <p:nvSpPr>
+          <p:cNvPr id="210" name="Oval 209">
+            <a:extLst>
+              <a:ext uri="{FF2B5EF4-FFF2-40B4-BE49-F238E27FC236}">
+                <a16:creationId xmlns:a16="http://schemas.microsoft.com/office/drawing/2014/main" id="{BD9A4F5F-C5C1-4658-A084-721674E8CE5F}"/>
+              </a:ext>
+            </a:extLst>
+          </p:cNvPr>
+          <p:cNvSpPr/>
+          <p:nvPr/>
+        </p:nvSpPr>
+        <p:spPr>
+          <a:xfrm>
+            <a:off x="7049028" y="581822"/>
+            <a:ext cx="253435" cy="212902"/>
+          </a:xfrm>
+          <a:prstGeom prst="ellipse">
+            <a:avLst/>
+          </a:prstGeom>
+          <a:solidFill>
+            <a:schemeClr val="tx1"/>
+          </a:solidFill>
+          <a:ln>
+            <a:solidFill>
+              <a:schemeClr val="tx1"/>
+            </a:solidFill>
+          </a:ln>
+        </p:spPr>
+        <p:style>
+          <a:lnRef idx="2">
+            <a:schemeClr val="accent1">
+              <a:shade val="50000"/>
+            </a:schemeClr>
+          </a:lnRef>
+          <a:fillRef idx="1">
+            <a:schemeClr val="accent1"/>
+          </a:fillRef>
+          <a:effectRef idx="0">
+            <a:schemeClr val="accent1"/>
+          </a:effectRef>
+          <a:fontRef idx="minor">
+            <a:schemeClr val="lt1"/>
+          </a:fontRef>
+        </p:style>
+        <p:txBody>
+          <a:bodyPr lIns="0" tIns="0" rIns="0" bIns="0" rtlCol="0" anchor="ctr"/>
+          <a:lstStyle/>
+          <a:p>
+            <a:pPr algn="ctr"/>
+            <a:r>
+              <a:rPr lang="en-US" sz="800" dirty="0">
+                <a:latin typeface="Arial" panose="020B0604020202020204" pitchFamily="34" charset="0"/>
+                <a:cs typeface="Arial" panose="020B0604020202020204" pitchFamily="34" charset="0"/>
+              </a:rPr>
+              <a:t>2.0</a:t>
+            </a:r>
+          </a:p>
+        </p:txBody>
+      </p:sp>
+      <p:pic>
+        <p:nvPicPr>
+          <p:cNvPr id="214" name="Graphic 213">
+            <a:extLst>
+              <a:ext uri="{FF2B5EF4-FFF2-40B4-BE49-F238E27FC236}">
+                <a16:creationId xmlns:a16="http://schemas.microsoft.com/office/drawing/2014/main" id="{6892D2DA-8947-4CB7-823F-BD7226A3F955}"/>
+              </a:ext>
+            </a:extLst>
+          </p:cNvPr>
+          <p:cNvPicPr>
+            <a:picLocks noChangeAspect="1"/>
+          </p:cNvPicPr>
+          <p:nvPr/>
+        </p:nvPicPr>
+        <p:blipFill>
+          <a:blip r:embed="rId11">
+            <a:extLst>
+              <a:ext uri="{96DAC541-7B7A-43D3-8B79-37D633B846F1}">
+                <asvg:svgBlip xmlns:asvg="http://schemas.microsoft.com/office/drawing/2016/SVG/main" r:embed="rId12"/>
+              </a:ext>
+            </a:extLst>
+          </a:blip>
+          <a:stretch>
+            <a:fillRect/>
+          </a:stretch>
+        </p:blipFill>
+        <p:spPr>
+          <a:xfrm>
+            <a:off x="10436602" y="1690152"/>
+            <a:ext cx="442506" cy="391567"/>
+          </a:xfrm>
+          <a:prstGeom prst="rect">
+            <a:avLst/>
+          </a:prstGeom>
+          <a:effectLst>
+            <a:outerShdw blurRad="50800" dist="38100" dir="13500000" algn="br" rotWithShape="0">
+              <a:prstClr val="black">
+                <a:alpha val="40000"/>
+              </a:prstClr>
+            </a:outerShdw>
+          </a:effectLst>
+        </p:spPr>
+      </p:pic>
+      <p:sp>
+        <p:nvSpPr>
+          <p:cNvPr id="215" name="Rectangle 214">
+            <a:extLst>
+              <a:ext uri="{FF2B5EF4-FFF2-40B4-BE49-F238E27FC236}">
+                <a16:creationId xmlns:a16="http://schemas.microsoft.com/office/drawing/2014/main" id="{2E743F60-DDC7-435F-B607-05DA8E4D3666}"/>
+              </a:ext>
+            </a:extLst>
+          </p:cNvPr>
+          <p:cNvSpPr/>
+          <p:nvPr/>
+        </p:nvSpPr>
+        <p:spPr>
+          <a:xfrm>
+            <a:off x="10559443" y="2007602"/>
+            <a:ext cx="1206014" cy="1161769"/>
+          </a:xfrm>
+          <a:prstGeom prst="rect">
+            <a:avLst/>
+          </a:prstGeom>
+          <a:solidFill>
+            <a:schemeClr val="bg1"/>
+          </a:solidFill>
+          <a:ln w="12700">
+            <a:solidFill>
+              <a:srgbClr val="5B9CD5"/>
+            </a:solidFill>
+            <a:prstDash val="sysDash"/>
+          </a:ln>
+          <a:effectLst>
+            <a:outerShdw blurRad="50800" dist="38100" dir="13500000" algn="br" rotWithShape="0">
+              <a:prstClr val="black">
+                <a:alpha val="40000"/>
+              </a:prstClr>
+            </a:outerShdw>
+          </a:effectLst>
+        </p:spPr>
+        <p:style>
+          <a:lnRef idx="2">
+            <a:schemeClr val="accent1">
+              <a:shade val="50000"/>
+            </a:schemeClr>
+          </a:lnRef>
+          <a:fillRef idx="1">
+            <a:schemeClr val="accent1"/>
+          </a:fillRef>
+          <a:effectRef idx="0">
+            <a:schemeClr val="accent1"/>
+          </a:effectRef>
+          <a:fontRef idx="minor">
+            <a:schemeClr val="lt1"/>
+          </a:fontRef>
+        </p:style>
+        <p:txBody>
+          <a:bodyPr lIns="502920" tIns="91440"/>
+          <a:lstStyle/>
+          <a:p>
+            <a:pPr eaLnBrk="1" fontAlgn="auto" hangingPunct="1">
+              <a:spcBef>
+                <a:spcPts val="0"/>
+              </a:spcBef>
+              <a:spcAft>
+                <a:spcPts val="0"/>
+              </a:spcAft>
+              <a:defRPr/>
+            </a:pPr>
+            <a:r>
+              <a:rPr lang="en-US" sz="1200" dirty="0">
+                <a:solidFill>
+                  <a:srgbClr val="5B9CD5"/>
+                </a:solidFill>
+                <a:latin typeface="Arial" panose="020B0604020202020204" pitchFamily="34" charset="0"/>
+                <a:cs typeface="Arial" panose="020B0604020202020204" pitchFamily="34" charset="0"/>
+              </a:rPr>
+              <a:t>Region 1</a:t>
+            </a:r>
+          </a:p>
+        </p:txBody>
+      </p:sp>
+      <p:pic>
+        <p:nvPicPr>
+          <p:cNvPr id="216" name="Graphic 215">
+            <a:extLst>
+              <a:ext uri="{FF2B5EF4-FFF2-40B4-BE49-F238E27FC236}">
+                <a16:creationId xmlns:a16="http://schemas.microsoft.com/office/drawing/2014/main" id="{2DF0E5C9-8A77-4707-B6E6-A9C126004DDE}"/>
+              </a:ext>
+            </a:extLst>
+          </p:cNvPr>
+          <p:cNvPicPr>
+            <a:picLocks noChangeAspect="1"/>
+          </p:cNvPicPr>
+          <p:nvPr/>
+        </p:nvPicPr>
+        <p:blipFill>
+          <a:blip r:embed="rId11">
+            <a:extLst>
+              <a:ext uri="{96DAC541-7B7A-43D3-8B79-37D633B846F1}">
+                <asvg:svgBlip xmlns:asvg="http://schemas.microsoft.com/office/drawing/2016/SVG/main" r:embed="rId12"/>
+              </a:ext>
+            </a:extLst>
+          </a:blip>
+          <a:stretch>
+            <a:fillRect/>
+          </a:stretch>
+        </p:blipFill>
+        <p:spPr>
+          <a:xfrm>
+            <a:off x="10559442" y="2013416"/>
+            <a:ext cx="442506" cy="391567"/>
+          </a:xfrm>
+          <a:prstGeom prst="rect">
+            <a:avLst/>
+          </a:prstGeom>
+          <a:effectLst>
+            <a:outerShdw blurRad="50800" dist="38100" dir="13500000" algn="br" rotWithShape="0">
+              <a:prstClr val="black">
+                <a:alpha val="40000"/>
+              </a:prstClr>
+            </a:outerShdw>
+          </a:effectLst>
+        </p:spPr>
+      </p:pic>
+      <p:sp>
+        <p:nvSpPr>
+          <p:cNvPr id="59" name="TextBox 58">
+            <a:extLst>
+              <a:ext uri="{FF2B5EF4-FFF2-40B4-BE49-F238E27FC236}">
+                <a16:creationId xmlns:a16="http://schemas.microsoft.com/office/drawing/2014/main" id="{DF368EA3-A8D0-7C40-9C72-DE5E49476E9C}"/>
+              </a:ext>
+            </a:extLst>
+          </p:cNvPr>
+          <p:cNvSpPr txBox="1"/>
+          <p:nvPr/>
+        </p:nvSpPr>
+        <p:spPr>
+          <a:xfrm>
+            <a:off x="10490186" y="2936606"/>
+            <a:ext cx="1387582" cy="261610"/>
+          </a:xfrm>
+          <a:prstGeom prst="rect">
+            <a:avLst/>
+          </a:prstGeom>
+          <a:noFill/>
+        </p:spPr>
+        <p:txBody>
+          <a:bodyPr wrap="square" rtlCol="0">
+            <a:spAutoFit/>
+          </a:bodyPr>
+          <a:lstStyle/>
+          <a:p>
+            <a:pPr algn="ctr"/>
+            <a:r>
+              <a:rPr lang="en-US" altLang="en-US" sz="1100" dirty="0">
+                <a:latin typeface="Arial" panose="020B0604020202020204" pitchFamily="34" charset="0"/>
+                <a:ea typeface="Amazon Ember" panose="020B0603020204020204" pitchFamily="34" charset="0"/>
+                <a:cs typeface="Arial" panose="020B0604020202020204" pitchFamily="34" charset="0"/>
+              </a:rPr>
+              <a:t>Security Hub</a:t>
+            </a:r>
+          </a:p>
+        </p:txBody>
+      </p:sp>
+      <p:pic>
+        <p:nvPicPr>
+          <p:cNvPr id="68" name="Graphic 19">
+            <a:extLst>
+              <a:ext uri="{FF2B5EF4-FFF2-40B4-BE49-F238E27FC236}">
+                <a16:creationId xmlns:a16="http://schemas.microsoft.com/office/drawing/2014/main" id="{B3CE992A-C6D8-294E-8822-57F521C084DC}"/>
+              </a:ext>
+            </a:extLst>
+          </p:cNvPr>
+          <p:cNvPicPr>
+            <a:picLocks noChangeAspect="1" noChangeArrowheads="1"/>
+          </p:cNvPicPr>
+          <p:nvPr/>
+        </p:nvPicPr>
+        <p:blipFill>
+          <a:blip r:embed="rId16">
+            <a:extLst>
+              <a:ext uri="{28A0092B-C50C-407E-A947-70E740481C1C}">
+                <a14:useLocalDpi xmlns:a14="http://schemas.microsoft.com/office/drawing/2010/main"/>
+              </a:ext>
+            </a:extLst>
+          </a:blip>
+          <a:srcRect/>
+          <a:stretch>
+            <a:fillRect/>
+          </a:stretch>
+        </p:blipFill>
+        <p:spPr bwMode="auto">
+          <a:xfrm>
+            <a:off x="10927493" y="2503724"/>
+            <a:ext cx="457200" cy="457200"/>
+          </a:xfrm>
+          <a:prstGeom prst="rect">
+            <a:avLst/>
+          </a:prstGeom>
+          <a:noFill/>
+          <a:ln>
+            <a:noFill/>
+          </a:ln>
+          <a:extLst>
+            <a:ext uri="{909E8E84-426E-40DD-AFC4-6F175D3DCCD1}">
+              <a14:hiddenFill xmlns:a14="http://schemas.microsoft.com/office/drawing/2010/main">
+                <a:solidFill>
+                  <a:srgbClr val="FFFFFF"/>
+                </a:solidFill>
+              </a14:hiddenFill>
+            </a:ext>
+            <a:ext uri="{91240B29-F687-4F45-9708-019B960494DF}">
+              <a14:hiddenLine xmlns:a14="http://schemas.microsoft.com/office/drawing/2010/main" w="9525">
+                <a:solidFill>
+                  <a:srgbClr val="000000"/>
+                </a:solidFill>
+                <a:miter lim="800000"/>
+                <a:headEnd/>
+                <a:tailEnd/>
+              </a14:hiddenLine>
+            </a:ext>
+          </a:extLst>
+        </p:spPr>
+      </p:pic>
+      <p:sp>
+        <p:nvSpPr>
+          <p:cNvPr id="83" name="Oval 82">
+            <a:extLst>
+              <a:ext uri="{FF2B5EF4-FFF2-40B4-BE49-F238E27FC236}">
+                <a16:creationId xmlns:a16="http://schemas.microsoft.com/office/drawing/2014/main" id="{7FAA5BDA-59EE-924B-ACDA-6C50D7ABCDCD}"/>
+              </a:ext>
+            </a:extLst>
+          </p:cNvPr>
+          <p:cNvSpPr/>
+          <p:nvPr/>
+        </p:nvSpPr>
+        <p:spPr>
+          <a:xfrm>
+            <a:off x="10833950" y="2423717"/>
+            <a:ext cx="253435" cy="212902"/>
+          </a:xfrm>
+          <a:prstGeom prst="ellipse">
+            <a:avLst/>
+          </a:prstGeom>
+          <a:solidFill>
+            <a:schemeClr val="tx1"/>
+          </a:solidFill>
+          <a:ln>
+            <a:solidFill>
+              <a:schemeClr val="tx1"/>
+            </a:solidFill>
+          </a:ln>
+        </p:spPr>
+        <p:style>
+          <a:lnRef idx="2">
+            <a:schemeClr val="accent1">
+              <a:shade val="50000"/>
+            </a:schemeClr>
+          </a:lnRef>
+          <a:fillRef idx="1">
+            <a:schemeClr val="accent1"/>
+          </a:fillRef>
+          <a:effectRef idx="0">
+            <a:schemeClr val="accent1"/>
+          </a:effectRef>
+          <a:fontRef idx="minor">
+            <a:schemeClr val="lt1"/>
+          </a:fontRef>
+        </p:style>
+        <p:txBody>
+          <a:bodyPr lIns="0" tIns="0" rIns="0" bIns="0" rtlCol="0" anchor="ctr"/>
+          <a:lstStyle/>
+          <a:p>
+            <a:pPr algn="ctr"/>
+            <a:r>
+              <a:rPr lang="en-US" sz="800" dirty="0">
+                <a:latin typeface="Arial" panose="020B0604020202020204" pitchFamily="34" charset="0"/>
+                <a:cs typeface="Arial" panose="020B0604020202020204" pitchFamily="34" charset="0"/>
+              </a:rPr>
+              <a:t>2.3</a:t>
+            </a:r>
+          </a:p>
+        </p:txBody>
+      </p:sp>
+      <p:sp>
+        <p:nvSpPr>
+          <p:cNvPr id="84" name="TextBox 83">
+            <a:extLst>
+              <a:ext uri="{FF2B5EF4-FFF2-40B4-BE49-F238E27FC236}">
+                <a16:creationId xmlns:a16="http://schemas.microsoft.com/office/drawing/2014/main" id="{CA6FA08B-9C3A-C74A-9199-441BF175B015}"/>
+              </a:ext>
+            </a:extLst>
+          </p:cNvPr>
+          <p:cNvSpPr txBox="1"/>
+          <p:nvPr/>
+        </p:nvSpPr>
+        <p:spPr>
+          <a:xfrm>
+            <a:off x="8434971" y="2938279"/>
+            <a:ext cx="1037821" cy="261610"/>
+          </a:xfrm>
+          <a:prstGeom prst="rect">
+            <a:avLst/>
+          </a:prstGeom>
+          <a:noFill/>
+        </p:spPr>
+        <p:txBody>
+          <a:bodyPr wrap="square" rtlCol="0">
+            <a:spAutoFit/>
+          </a:bodyPr>
+          <a:lstStyle/>
+          <a:p>
+            <a:pPr algn="ctr"/>
+            <a:r>
+              <a:rPr lang="en-US" altLang="en-US" sz="1100" dirty="0">
+                <a:latin typeface="Arial" panose="020B0604020202020204" pitchFamily="34" charset="0"/>
+                <a:ea typeface="Amazon Ember" panose="020B0603020204020204" pitchFamily="34" charset="0"/>
+                <a:cs typeface="Arial" panose="020B0604020202020204" pitchFamily="34" charset="0"/>
+              </a:rPr>
+              <a:t>Security Hub</a:t>
+            </a:r>
+          </a:p>
+        </p:txBody>
+      </p:sp>
+      <p:pic>
+        <p:nvPicPr>
+          <p:cNvPr id="85" name="Graphic 19">
+            <a:extLst>
+              <a:ext uri="{FF2B5EF4-FFF2-40B4-BE49-F238E27FC236}">
+                <a16:creationId xmlns:a16="http://schemas.microsoft.com/office/drawing/2014/main" id="{052D1FA4-53EF-3D4D-8389-53F260FA7527}"/>
+              </a:ext>
+            </a:extLst>
+          </p:cNvPr>
+          <p:cNvPicPr>
+            <a:picLocks noChangeAspect="1" noChangeArrowheads="1"/>
+          </p:cNvPicPr>
+          <p:nvPr/>
+        </p:nvPicPr>
+        <p:blipFill>
+          <a:blip r:embed="rId16">
+            <a:extLst>
+              <a:ext uri="{28A0092B-C50C-407E-A947-70E740481C1C}">
+                <a14:useLocalDpi xmlns:a14="http://schemas.microsoft.com/office/drawing/2010/main"/>
+              </a:ext>
+            </a:extLst>
+          </a:blip>
+          <a:srcRect/>
+          <a:stretch>
+            <a:fillRect/>
+          </a:stretch>
+        </p:blipFill>
+        <p:spPr bwMode="auto">
+          <a:xfrm>
+            <a:off x="8725282" y="2484459"/>
+            <a:ext cx="457200" cy="457200"/>
+          </a:xfrm>
+          <a:prstGeom prst="rect">
+            <a:avLst/>
+          </a:prstGeom>
+          <a:noFill/>
+          <a:ln>
+            <a:noFill/>
+          </a:ln>
+          <a:extLst>
+            <a:ext uri="{909E8E84-426E-40DD-AFC4-6F175D3DCCD1}">
+              <a14:hiddenFill xmlns:a14="http://schemas.microsoft.com/office/drawing/2010/main">
+                <a:solidFill>
+                  <a:srgbClr val="FFFFFF"/>
+                </a:solidFill>
+              </a14:hiddenFill>
+            </a:ext>
+            <a:ext uri="{91240B29-F687-4F45-9708-019B960494DF}">
+              <a14:hiddenLine xmlns:a14="http://schemas.microsoft.com/office/drawing/2010/main" w="9525">
+                <a:solidFill>
+                  <a:srgbClr val="000000"/>
+                </a:solidFill>
+                <a:miter lim="800000"/>
+                <a:headEnd/>
+                <a:tailEnd/>
+              </a14:hiddenLine>
+            </a:ext>
+          </a:extLst>
+        </p:spPr>
+      </p:pic>
+      <p:sp>
+        <p:nvSpPr>
+          <p:cNvPr id="86" name="Oval 85">
+            <a:extLst>
+              <a:ext uri="{FF2B5EF4-FFF2-40B4-BE49-F238E27FC236}">
+                <a16:creationId xmlns:a16="http://schemas.microsoft.com/office/drawing/2014/main" id="{35153FDD-FB22-B342-84E8-288ECF8E2988}"/>
+              </a:ext>
+            </a:extLst>
+          </p:cNvPr>
+          <p:cNvSpPr/>
+          <p:nvPr/>
+        </p:nvSpPr>
+        <p:spPr>
+          <a:xfrm>
+            <a:off x="8645412" y="2413354"/>
+            <a:ext cx="253435" cy="212902"/>
+          </a:xfrm>
+          <a:prstGeom prst="ellipse">
+            <a:avLst/>
+          </a:prstGeom>
+          <a:solidFill>
+            <a:schemeClr val="tx1"/>
+          </a:solidFill>
+          <a:ln>
+            <a:solidFill>
+              <a:schemeClr val="tx1"/>
+            </a:solidFill>
+          </a:ln>
+        </p:spPr>
+        <p:style>
+          <a:lnRef idx="2">
+            <a:schemeClr val="accent1">
+              <a:shade val="50000"/>
+            </a:schemeClr>
+          </a:lnRef>
+          <a:fillRef idx="1">
+            <a:schemeClr val="accent1"/>
+          </a:fillRef>
+          <a:effectRef idx="0">
+            <a:schemeClr val="accent1"/>
+          </a:effectRef>
+          <a:fontRef idx="minor">
+            <a:schemeClr val="lt1"/>
+          </a:fontRef>
+        </p:style>
+        <p:txBody>
+          <a:bodyPr lIns="0" tIns="0" rIns="0" bIns="0" rtlCol="0" anchor="ctr"/>
+          <a:lstStyle/>
+          <a:p>
+            <a:pPr algn="ctr"/>
+            <a:r>
+              <a:rPr lang="en-US" sz="800" dirty="0">
+                <a:latin typeface="Arial" panose="020B0604020202020204" pitchFamily="34" charset="0"/>
+                <a:cs typeface="Arial" panose="020B0604020202020204" pitchFamily="34" charset="0"/>
+              </a:rPr>
+              <a:t>2.2</a:t>
+            </a:r>
+          </a:p>
+        </p:txBody>
+      </p:sp>
+      <p:sp>
+        <p:nvSpPr>
+          <p:cNvPr id="17" name="Left Arrow Callout 16">
+            <a:extLst>
+              <a:ext uri="{FF2B5EF4-FFF2-40B4-BE49-F238E27FC236}">
+                <a16:creationId xmlns:a16="http://schemas.microsoft.com/office/drawing/2014/main" id="{64B27E64-AD91-9D47-8309-E5091AFF20AB}"/>
+              </a:ext>
+            </a:extLst>
+          </p:cNvPr>
+          <p:cNvSpPr/>
+          <p:nvPr/>
+        </p:nvSpPr>
+        <p:spPr>
+          <a:xfrm>
+            <a:off x="9240609" y="2547333"/>
+            <a:ext cx="828614" cy="394326"/>
+          </a:xfrm>
+          <a:prstGeom prst="leftArrowCallout">
+            <a:avLst>
+              <a:gd name="adj1" fmla="val 16886"/>
+              <a:gd name="adj2" fmla="val 25000"/>
+              <a:gd name="adj3" fmla="val 26600"/>
+              <a:gd name="adj4" fmla="val 84605"/>
+            </a:avLst>
+          </a:prstGeom>
+          <a:ln>
+            <a:solidFill>
+              <a:schemeClr val="dk1"/>
+            </a:solidFill>
+          </a:ln>
+        </p:spPr>
+        <p:style>
+          <a:lnRef idx="2">
+            <a:schemeClr val="dk1"/>
+          </a:lnRef>
+          <a:fillRef idx="1">
+            <a:schemeClr val="lt1"/>
+          </a:fillRef>
+          <a:effectRef idx="0">
+            <a:schemeClr val="dk1"/>
+          </a:effectRef>
+          <a:fontRef idx="minor">
+            <a:schemeClr val="dk1"/>
+          </a:fontRef>
+        </p:style>
+        <p:txBody>
+          <a:bodyPr lIns="0" tIns="0" rIns="0" bIns="0" rtlCol="0" anchor="ctr"/>
+          <a:lstStyle/>
+          <a:p>
+            <a:pPr algn="ctr"/>
+            <a:r>
+              <a:rPr lang="en-US" sz="1000" dirty="0">
+                <a:latin typeface="Arial" panose="020B0604020202020204" pitchFamily="34" charset="0"/>
+                <a:cs typeface="Arial" panose="020B0604020202020204" pitchFamily="34" charset="0"/>
+              </a:rPr>
+              <a:t>Region Aggregator</a:t>
+            </a:r>
+          </a:p>
+        </p:txBody>
+      </p:sp>
+      <p:sp>
+        <p:nvSpPr>
+          <p:cNvPr id="219" name="Rectangle 218">
+            <a:extLst>
+              <a:ext uri="{FF2B5EF4-FFF2-40B4-BE49-F238E27FC236}">
+                <a16:creationId xmlns:a16="http://schemas.microsoft.com/office/drawing/2014/main" id="{C659489A-46FA-4DDE-A1BA-77F0607EF2A2}"/>
+              </a:ext>
+            </a:extLst>
+          </p:cNvPr>
+          <p:cNvSpPr/>
+          <p:nvPr/>
+        </p:nvSpPr>
+        <p:spPr>
+          <a:xfrm>
+            <a:off x="6985246" y="3435733"/>
+            <a:ext cx="4925060" cy="3224664"/>
+          </a:xfrm>
+          <a:prstGeom prst="rect">
+            <a:avLst/>
+          </a:prstGeom>
+          <a:noFill/>
+          <a:ln w="12700">
+            <a:solidFill>
+              <a:srgbClr val="CD2264"/>
+            </a:solidFill>
+          </a:ln>
+        </p:spPr>
+        <p:style>
+          <a:lnRef idx="2">
+            <a:schemeClr val="accent1">
+              <a:shade val="50000"/>
+            </a:schemeClr>
+          </a:lnRef>
+          <a:fillRef idx="1">
+            <a:schemeClr val="accent1"/>
+          </a:fillRef>
+          <a:effectRef idx="0">
+            <a:schemeClr val="accent1"/>
+          </a:effectRef>
+          <a:fontRef idx="minor">
+            <a:schemeClr val="lt1"/>
+          </a:fontRef>
+        </p:style>
+        <p:txBody>
+          <a:bodyPr lIns="502920" tIns="91440"/>
+          <a:lstStyle/>
+          <a:p>
+            <a:pPr eaLnBrk="1" fontAlgn="auto" hangingPunct="1">
+              <a:spcBef>
+                <a:spcPts val="0"/>
+              </a:spcBef>
+              <a:spcAft>
+                <a:spcPts val="0"/>
+              </a:spcAft>
+              <a:defRPr/>
+            </a:pPr>
+            <a:r>
+              <a:rPr lang="en-US" sz="1200" dirty="0">
+                <a:solidFill>
+                  <a:srgbClr val="CD2264"/>
+                </a:solidFill>
+                <a:latin typeface="Arial" panose="020B0604020202020204" pitchFamily="34" charset="0"/>
+                <a:cs typeface="Arial" panose="020B0604020202020204" pitchFamily="34" charset="0"/>
+              </a:rPr>
+              <a:t>All Existing and Future Organization Member Accounts</a:t>
+            </a:r>
+          </a:p>
+        </p:txBody>
+      </p:sp>
+      <p:pic>
+        <p:nvPicPr>
+          <p:cNvPr id="220" name="Graphic 219">
+            <a:extLst>
+              <a:ext uri="{FF2B5EF4-FFF2-40B4-BE49-F238E27FC236}">
+                <a16:creationId xmlns:a16="http://schemas.microsoft.com/office/drawing/2014/main" id="{9BB2A7C4-93AA-4FC1-85F0-71732514BB4A}"/>
+              </a:ext>
+            </a:extLst>
+          </p:cNvPr>
+          <p:cNvPicPr>
+            <a:picLocks noChangeAspect="1"/>
+          </p:cNvPicPr>
+          <p:nvPr/>
+        </p:nvPicPr>
+        <p:blipFill>
+          <a:blip r:embed="rId5">
+            <a:extLst>
+              <a:ext uri="{96DAC541-7B7A-43D3-8B79-37D633B846F1}">
+                <asvg:svgBlip xmlns:asvg="http://schemas.microsoft.com/office/drawing/2016/SVG/main" r:embed="rId6"/>
+              </a:ext>
+            </a:extLst>
+          </a:blip>
+          <a:stretch>
+            <a:fillRect/>
+          </a:stretch>
+        </p:blipFill>
+        <p:spPr>
+          <a:xfrm>
+            <a:off x="6985246" y="3432873"/>
+            <a:ext cx="469211" cy="469211"/>
+          </a:xfrm>
+          <a:prstGeom prst="rect">
+            <a:avLst/>
+          </a:prstGeom>
+        </p:spPr>
+      </p:pic>
+      <p:sp>
+        <p:nvSpPr>
+          <p:cNvPr id="221" name="Rectangle 220">
+            <a:extLst>
+              <a:ext uri="{FF2B5EF4-FFF2-40B4-BE49-F238E27FC236}">
+                <a16:creationId xmlns:a16="http://schemas.microsoft.com/office/drawing/2014/main" id="{0EB590A6-47C4-4385-9025-6DCC5F4EDD2E}"/>
+              </a:ext>
+            </a:extLst>
+          </p:cNvPr>
+          <p:cNvSpPr/>
+          <p:nvPr/>
+        </p:nvSpPr>
+        <p:spPr>
+          <a:xfrm>
+            <a:off x="8379488" y="3852376"/>
+            <a:ext cx="3466857" cy="2616055"/>
+          </a:xfrm>
+          <a:prstGeom prst="rect">
+            <a:avLst/>
+          </a:prstGeom>
+          <a:noFill/>
+          <a:ln w="12700">
+            <a:solidFill>
+              <a:srgbClr val="5B9CD5"/>
+            </a:solidFill>
+            <a:prstDash val="sysDash"/>
+          </a:ln>
+        </p:spPr>
+        <p:style>
+          <a:lnRef idx="2">
+            <a:schemeClr val="accent1">
+              <a:shade val="50000"/>
+            </a:schemeClr>
+          </a:lnRef>
+          <a:fillRef idx="1">
+            <a:schemeClr val="accent1"/>
+          </a:fillRef>
+          <a:effectRef idx="0">
+            <a:schemeClr val="accent1"/>
+          </a:effectRef>
+          <a:fontRef idx="minor">
+            <a:schemeClr val="lt1"/>
+          </a:fontRef>
+        </p:style>
+        <p:txBody>
+          <a:bodyPr lIns="502920" tIns="91440"/>
+          <a:lstStyle/>
+          <a:p>
+            <a:pPr eaLnBrk="1" fontAlgn="auto" hangingPunct="1">
+              <a:spcBef>
+                <a:spcPts val="0"/>
+              </a:spcBef>
+              <a:spcAft>
+                <a:spcPts val="0"/>
+              </a:spcAft>
+              <a:defRPr/>
+            </a:pPr>
+            <a:r>
+              <a:rPr lang="en-US" sz="1200" dirty="0">
+                <a:solidFill>
+                  <a:srgbClr val="5B9CD5"/>
+                </a:solidFill>
+                <a:latin typeface="Arial" panose="020B0604020202020204" pitchFamily="34" charset="0"/>
+                <a:cs typeface="Arial" panose="020B0604020202020204" pitchFamily="34" charset="0"/>
+              </a:rPr>
+              <a:t>Home Region</a:t>
+            </a:r>
+          </a:p>
+        </p:txBody>
+      </p:sp>
+      <p:sp>
+        <p:nvSpPr>
+          <p:cNvPr id="223" name="Rectangle 222">
+            <a:extLst>
+              <a:ext uri="{FF2B5EF4-FFF2-40B4-BE49-F238E27FC236}">
+                <a16:creationId xmlns:a16="http://schemas.microsoft.com/office/drawing/2014/main" id="{A5CD68E2-B1B3-4526-87B2-D568EE0A4283}"/>
+              </a:ext>
+            </a:extLst>
+          </p:cNvPr>
+          <p:cNvSpPr/>
+          <p:nvPr/>
+        </p:nvSpPr>
+        <p:spPr>
+          <a:xfrm>
+            <a:off x="10316025" y="4602439"/>
+            <a:ext cx="1275435" cy="1307692"/>
+          </a:xfrm>
+          <a:prstGeom prst="rect">
+            <a:avLst/>
+          </a:prstGeom>
+          <a:solidFill>
+            <a:schemeClr val="bg1"/>
+          </a:solidFill>
+          <a:ln w="12700">
+            <a:solidFill>
+              <a:srgbClr val="5B9CD5"/>
+            </a:solidFill>
+            <a:prstDash val="sysDash"/>
+          </a:ln>
+          <a:effectLst>
+            <a:outerShdw blurRad="50800" dist="38100" dir="13500000" algn="br" rotWithShape="0">
+              <a:prstClr val="black">
+                <a:alpha val="40000"/>
+              </a:prstClr>
+            </a:outerShdw>
+          </a:effectLst>
+        </p:spPr>
+        <p:style>
+          <a:lnRef idx="2">
+            <a:schemeClr val="accent1">
+              <a:shade val="50000"/>
+            </a:schemeClr>
+          </a:lnRef>
+          <a:fillRef idx="1">
+            <a:schemeClr val="accent1"/>
+          </a:fillRef>
+          <a:effectRef idx="0">
+            <a:schemeClr val="accent1"/>
+          </a:effectRef>
+          <a:fontRef idx="minor">
+            <a:schemeClr val="lt1"/>
+          </a:fontRef>
+        </p:style>
+        <p:txBody>
+          <a:bodyPr lIns="502920" tIns="91440"/>
+          <a:lstStyle/>
+          <a:p>
+            <a:pPr eaLnBrk="1" fontAlgn="auto" hangingPunct="1">
+              <a:spcBef>
+                <a:spcPts val="0"/>
+              </a:spcBef>
+              <a:spcAft>
+                <a:spcPts val="0"/>
+              </a:spcAft>
+              <a:defRPr/>
+            </a:pPr>
+            <a:r>
+              <a:rPr lang="en-US" sz="1200" dirty="0">
+                <a:solidFill>
+                  <a:srgbClr val="5B9CD5"/>
+                </a:solidFill>
+                <a:latin typeface="Arial" panose="020B0604020202020204" pitchFamily="34" charset="0"/>
+                <a:cs typeface="Arial" panose="020B0604020202020204" pitchFamily="34" charset="0"/>
+              </a:rPr>
+              <a:t>Region n</a:t>
+            </a:r>
+          </a:p>
+        </p:txBody>
+      </p:sp>
+      <p:pic>
+        <p:nvPicPr>
+          <p:cNvPr id="224" name="Graphic 223">
+            <a:extLst>
+              <a:ext uri="{FF2B5EF4-FFF2-40B4-BE49-F238E27FC236}">
+                <a16:creationId xmlns:a16="http://schemas.microsoft.com/office/drawing/2014/main" id="{07321E89-3364-4281-96F3-4E8151C201DA}"/>
+              </a:ext>
+            </a:extLst>
+          </p:cNvPr>
+          <p:cNvPicPr>
+            <a:picLocks noChangeAspect="1"/>
+          </p:cNvPicPr>
+          <p:nvPr/>
+        </p:nvPicPr>
+        <p:blipFill>
+          <a:blip r:embed="rId11">
+            <a:extLst>
+              <a:ext uri="{96DAC541-7B7A-43D3-8B79-37D633B846F1}">
+                <asvg:svgBlip xmlns:asvg="http://schemas.microsoft.com/office/drawing/2016/SVG/main" r:embed="rId12"/>
+              </a:ext>
+            </a:extLst>
+          </a:blip>
+          <a:stretch>
+            <a:fillRect/>
+          </a:stretch>
+        </p:blipFill>
+        <p:spPr>
+          <a:xfrm>
+            <a:off x="10311845" y="4596087"/>
+            <a:ext cx="442506" cy="391567"/>
+          </a:xfrm>
+          <a:prstGeom prst="rect">
+            <a:avLst/>
+          </a:prstGeom>
+          <a:effectLst>
+            <a:outerShdw blurRad="50800" dist="38100" dir="13500000" algn="br" rotWithShape="0">
+              <a:prstClr val="black">
+                <a:alpha val="40000"/>
+              </a:prstClr>
+            </a:outerShdw>
+          </a:effectLst>
+        </p:spPr>
+      </p:pic>
+      <p:sp>
+        <p:nvSpPr>
+          <p:cNvPr id="225" name="Rectangle 224">
+            <a:extLst>
+              <a:ext uri="{FF2B5EF4-FFF2-40B4-BE49-F238E27FC236}">
+                <a16:creationId xmlns:a16="http://schemas.microsoft.com/office/drawing/2014/main" id="{0102704B-7722-4CFB-98E8-9F9759C34265}"/>
+              </a:ext>
+            </a:extLst>
+          </p:cNvPr>
+          <p:cNvSpPr/>
+          <p:nvPr/>
+        </p:nvSpPr>
+        <p:spPr>
+          <a:xfrm>
+            <a:off x="10443030" y="4915402"/>
+            <a:ext cx="1237614" cy="1307692"/>
+          </a:xfrm>
+          <a:prstGeom prst="rect">
+            <a:avLst/>
+          </a:prstGeom>
+          <a:solidFill>
+            <a:schemeClr val="bg1"/>
+          </a:solidFill>
+          <a:ln w="12700">
+            <a:solidFill>
+              <a:srgbClr val="5B9CD5"/>
+            </a:solidFill>
+            <a:prstDash val="sysDash"/>
+          </a:ln>
+          <a:effectLst>
+            <a:outerShdw blurRad="50800" dist="38100" dir="13500000" algn="br" rotWithShape="0">
+              <a:prstClr val="black">
+                <a:alpha val="40000"/>
+              </a:prstClr>
+            </a:outerShdw>
+          </a:effectLst>
+        </p:spPr>
+        <p:style>
+          <a:lnRef idx="2">
+            <a:schemeClr val="accent1">
+              <a:shade val="50000"/>
+            </a:schemeClr>
+          </a:lnRef>
+          <a:fillRef idx="1">
+            <a:schemeClr val="accent1"/>
+          </a:fillRef>
+          <a:effectRef idx="0">
+            <a:schemeClr val="accent1"/>
+          </a:effectRef>
+          <a:fontRef idx="minor">
+            <a:schemeClr val="lt1"/>
+          </a:fontRef>
+        </p:style>
+        <p:txBody>
+          <a:bodyPr lIns="502920" tIns="91440"/>
+          <a:lstStyle/>
+          <a:p>
+            <a:pPr eaLnBrk="1" fontAlgn="auto" hangingPunct="1">
+              <a:spcBef>
+                <a:spcPts val="0"/>
+              </a:spcBef>
+              <a:spcAft>
+                <a:spcPts val="0"/>
+              </a:spcAft>
+              <a:defRPr/>
+            </a:pPr>
+            <a:r>
+              <a:rPr lang="en-US" sz="1200" dirty="0">
+                <a:solidFill>
+                  <a:srgbClr val="5B9CD5"/>
+                </a:solidFill>
+                <a:latin typeface="Arial" panose="020B0604020202020204" pitchFamily="34" charset="0"/>
+                <a:cs typeface="Arial" panose="020B0604020202020204" pitchFamily="34" charset="0"/>
+              </a:rPr>
+              <a:t>Region 2</a:t>
+            </a:r>
+          </a:p>
+        </p:txBody>
+      </p:sp>
+      <p:pic>
+        <p:nvPicPr>
+          <p:cNvPr id="228" name="Graphic 227">
+            <a:extLst>
+              <a:ext uri="{FF2B5EF4-FFF2-40B4-BE49-F238E27FC236}">
+                <a16:creationId xmlns:a16="http://schemas.microsoft.com/office/drawing/2014/main" id="{A77657A1-3F7D-4829-930C-C7457621F297}"/>
+              </a:ext>
+            </a:extLst>
+          </p:cNvPr>
+          <p:cNvPicPr>
+            <a:picLocks noChangeAspect="1"/>
+          </p:cNvPicPr>
+          <p:nvPr/>
+        </p:nvPicPr>
+        <p:blipFill>
+          <a:blip r:embed="rId11">
+            <a:extLst>
+              <a:ext uri="{96DAC541-7B7A-43D3-8B79-37D633B846F1}">
+                <asvg:svgBlip xmlns:asvg="http://schemas.microsoft.com/office/drawing/2016/SVG/main" r:embed="rId12"/>
+              </a:ext>
+            </a:extLst>
+          </a:blip>
+          <a:stretch>
+            <a:fillRect/>
+          </a:stretch>
+        </p:blipFill>
+        <p:spPr>
+          <a:xfrm>
+            <a:off x="10439371" y="4906110"/>
+            <a:ext cx="442506" cy="391567"/>
+          </a:xfrm>
+          <a:prstGeom prst="rect">
+            <a:avLst/>
+          </a:prstGeom>
+          <a:effectLst>
+            <a:outerShdw blurRad="50800" dist="38100" dir="13500000" algn="br" rotWithShape="0">
+              <a:prstClr val="black">
+                <a:alpha val="40000"/>
+              </a:prstClr>
+            </a:outerShdw>
+          </a:effectLst>
+        </p:spPr>
+      </p:pic>
+      <p:sp>
+        <p:nvSpPr>
+          <p:cNvPr id="229" name="Rectangle 228">
+            <a:extLst>
+              <a:ext uri="{FF2B5EF4-FFF2-40B4-BE49-F238E27FC236}">
+                <a16:creationId xmlns:a16="http://schemas.microsoft.com/office/drawing/2014/main" id="{49AC0F03-D447-4FFE-8A38-80B2B4CAE572}"/>
+              </a:ext>
+            </a:extLst>
+          </p:cNvPr>
+          <p:cNvSpPr/>
+          <p:nvPr/>
+        </p:nvSpPr>
+        <p:spPr>
+          <a:xfrm>
+            <a:off x="10562212" y="5223560"/>
+            <a:ext cx="1206014" cy="1161769"/>
+          </a:xfrm>
+          <a:prstGeom prst="rect">
+            <a:avLst/>
+          </a:prstGeom>
+          <a:solidFill>
+            <a:schemeClr val="bg1"/>
+          </a:solidFill>
+          <a:ln w="12700">
+            <a:solidFill>
+              <a:srgbClr val="5B9CD5"/>
+            </a:solidFill>
+            <a:prstDash val="sysDash"/>
+          </a:ln>
+          <a:effectLst>
+            <a:outerShdw blurRad="50800" dist="38100" dir="13500000" algn="br" rotWithShape="0">
+              <a:prstClr val="black">
+                <a:alpha val="40000"/>
+              </a:prstClr>
+            </a:outerShdw>
+          </a:effectLst>
+        </p:spPr>
+        <p:style>
+          <a:lnRef idx="2">
+            <a:schemeClr val="accent1">
+              <a:shade val="50000"/>
+            </a:schemeClr>
+          </a:lnRef>
+          <a:fillRef idx="1">
+            <a:schemeClr val="accent1"/>
+          </a:fillRef>
+          <a:effectRef idx="0">
+            <a:schemeClr val="accent1"/>
+          </a:effectRef>
+          <a:fontRef idx="minor">
+            <a:schemeClr val="lt1"/>
+          </a:fontRef>
+        </p:style>
+        <p:txBody>
+          <a:bodyPr lIns="502920" tIns="91440"/>
+          <a:lstStyle/>
+          <a:p>
+            <a:pPr eaLnBrk="1" fontAlgn="auto" hangingPunct="1">
+              <a:spcBef>
+                <a:spcPts val="0"/>
+              </a:spcBef>
+              <a:spcAft>
+                <a:spcPts val="0"/>
+              </a:spcAft>
+              <a:defRPr/>
+            </a:pPr>
+            <a:r>
+              <a:rPr lang="en-US" sz="1200" dirty="0">
+                <a:solidFill>
+                  <a:srgbClr val="5B9CD5"/>
+                </a:solidFill>
+                <a:latin typeface="Arial" panose="020B0604020202020204" pitchFamily="34" charset="0"/>
+                <a:cs typeface="Arial" panose="020B0604020202020204" pitchFamily="34" charset="0"/>
+              </a:rPr>
+              <a:t>Region 1</a:t>
+            </a:r>
+          </a:p>
+        </p:txBody>
+      </p:sp>
+      <p:pic>
+        <p:nvPicPr>
+          <p:cNvPr id="230" name="Graphic 229">
+            <a:extLst>
+              <a:ext uri="{FF2B5EF4-FFF2-40B4-BE49-F238E27FC236}">
+                <a16:creationId xmlns:a16="http://schemas.microsoft.com/office/drawing/2014/main" id="{211D58C1-32A9-4C69-A6A1-3CF98EBAB272}"/>
+              </a:ext>
+            </a:extLst>
+          </p:cNvPr>
+          <p:cNvPicPr>
+            <a:picLocks noChangeAspect="1"/>
+          </p:cNvPicPr>
+          <p:nvPr/>
+        </p:nvPicPr>
+        <p:blipFill>
+          <a:blip r:embed="rId11">
+            <a:extLst>
+              <a:ext uri="{96DAC541-7B7A-43D3-8B79-37D633B846F1}">
+                <asvg:svgBlip xmlns:asvg="http://schemas.microsoft.com/office/drawing/2016/SVG/main" r:embed="rId12"/>
+              </a:ext>
+            </a:extLst>
+          </a:blip>
+          <a:stretch>
+            <a:fillRect/>
+          </a:stretch>
+        </p:blipFill>
+        <p:spPr>
+          <a:xfrm>
+            <a:off x="10562211" y="5229374"/>
+            <a:ext cx="442506" cy="391567"/>
+          </a:xfrm>
+          <a:prstGeom prst="rect">
+            <a:avLst/>
+          </a:prstGeom>
+          <a:effectLst>
+            <a:outerShdw blurRad="50800" dist="38100" dir="13500000" algn="br" rotWithShape="0">
+              <a:prstClr val="black">
+                <a:alpha val="40000"/>
+              </a:prstClr>
+            </a:outerShdw>
+          </a:effectLst>
+        </p:spPr>
+      </p:pic>
+      <p:sp>
+        <p:nvSpPr>
+          <p:cNvPr id="231" name="TextBox 230">
+            <a:extLst>
+              <a:ext uri="{FF2B5EF4-FFF2-40B4-BE49-F238E27FC236}">
+                <a16:creationId xmlns:a16="http://schemas.microsoft.com/office/drawing/2014/main" id="{7B81497D-4FC4-4875-A762-87FF1B7B2242}"/>
+              </a:ext>
+            </a:extLst>
+          </p:cNvPr>
+          <p:cNvSpPr txBox="1"/>
+          <p:nvPr/>
+        </p:nvSpPr>
+        <p:spPr>
+          <a:xfrm>
+            <a:off x="10492955" y="6152564"/>
+            <a:ext cx="1387582" cy="261610"/>
+          </a:xfrm>
+          <a:prstGeom prst="rect">
+            <a:avLst/>
+          </a:prstGeom>
+          <a:noFill/>
+        </p:spPr>
+        <p:txBody>
+          <a:bodyPr wrap="square" rtlCol="0">
+            <a:spAutoFit/>
+          </a:bodyPr>
+          <a:lstStyle/>
+          <a:p>
+            <a:pPr algn="ctr"/>
+            <a:r>
+              <a:rPr lang="en-US" altLang="en-US" sz="1100" dirty="0">
+                <a:latin typeface="Arial" panose="020B0604020202020204" pitchFamily="34" charset="0"/>
+                <a:ea typeface="Amazon Ember" panose="020B0603020204020204" pitchFamily="34" charset="0"/>
+                <a:cs typeface="Arial" panose="020B0604020202020204" pitchFamily="34" charset="0"/>
+              </a:rPr>
+              <a:t>Security Hub</a:t>
+            </a:r>
+          </a:p>
+        </p:txBody>
+      </p:sp>
+      <p:pic>
+        <p:nvPicPr>
+          <p:cNvPr id="232" name="Graphic 19">
+            <a:extLst>
+              <a:ext uri="{FF2B5EF4-FFF2-40B4-BE49-F238E27FC236}">
+                <a16:creationId xmlns:a16="http://schemas.microsoft.com/office/drawing/2014/main" id="{E12F0FED-A396-48AB-9B8D-DD963C965C8F}"/>
+              </a:ext>
+            </a:extLst>
+          </p:cNvPr>
+          <p:cNvPicPr>
+            <a:picLocks noChangeAspect="1" noChangeArrowheads="1"/>
+          </p:cNvPicPr>
+          <p:nvPr/>
+        </p:nvPicPr>
+        <p:blipFill>
+          <a:blip r:embed="rId16">
+            <a:extLst>
+              <a:ext uri="{28A0092B-C50C-407E-A947-70E740481C1C}">
+                <a14:useLocalDpi xmlns:a14="http://schemas.microsoft.com/office/drawing/2010/main"/>
+              </a:ext>
+            </a:extLst>
+          </a:blip>
+          <a:srcRect/>
+          <a:stretch>
+            <a:fillRect/>
+          </a:stretch>
+        </p:blipFill>
+        <p:spPr bwMode="auto">
+          <a:xfrm>
+            <a:off x="10930262" y="5719682"/>
+            <a:ext cx="457200" cy="457200"/>
+          </a:xfrm>
+          <a:prstGeom prst="rect">
+            <a:avLst/>
+          </a:prstGeom>
+          <a:noFill/>
+          <a:ln>
+            <a:noFill/>
+          </a:ln>
+          <a:extLst>
+            <a:ext uri="{909E8E84-426E-40DD-AFC4-6F175D3DCCD1}">
+              <a14:hiddenFill xmlns:a14="http://schemas.microsoft.com/office/drawing/2010/main">
+                <a:solidFill>
+                  <a:srgbClr val="FFFFFF"/>
+                </a:solidFill>
+              </a14:hiddenFill>
+            </a:ext>
+            <a:ext uri="{91240B29-F687-4F45-9708-019B960494DF}">
+              <a14:hiddenLine xmlns:a14="http://schemas.microsoft.com/office/drawing/2010/main" w="9525">
+                <a:solidFill>
+                  <a:srgbClr val="000000"/>
+                </a:solidFill>
+                <a:miter lim="800000"/>
+                <a:headEnd/>
+                <a:tailEnd/>
+              </a14:hiddenLine>
+            </a:ext>
+          </a:extLst>
+        </p:spPr>
+      </p:pic>
+      <p:sp>
+        <p:nvSpPr>
+          <p:cNvPr id="234" name="Oval 233">
+            <a:extLst>
+              <a:ext uri="{FF2B5EF4-FFF2-40B4-BE49-F238E27FC236}">
+                <a16:creationId xmlns:a16="http://schemas.microsoft.com/office/drawing/2014/main" id="{6EB5A766-9C35-4219-B581-3728C13CC74D}"/>
+              </a:ext>
+            </a:extLst>
+          </p:cNvPr>
+          <p:cNvSpPr/>
+          <p:nvPr/>
+        </p:nvSpPr>
+        <p:spPr>
+          <a:xfrm>
+            <a:off x="10847931" y="5643892"/>
+            <a:ext cx="253435" cy="212902"/>
+          </a:xfrm>
+          <a:prstGeom prst="ellipse">
+            <a:avLst/>
+          </a:prstGeom>
+          <a:solidFill>
+            <a:schemeClr val="tx1"/>
+          </a:solidFill>
+          <a:ln>
+            <a:solidFill>
+              <a:schemeClr val="tx1"/>
+            </a:solidFill>
+          </a:ln>
+        </p:spPr>
+        <p:style>
+          <a:lnRef idx="2">
+            <a:schemeClr val="accent1">
+              <a:shade val="50000"/>
+            </a:schemeClr>
+          </a:lnRef>
+          <a:fillRef idx="1">
+            <a:schemeClr val="accent1"/>
+          </a:fillRef>
+          <a:effectRef idx="0">
+            <a:schemeClr val="accent1"/>
+          </a:effectRef>
+          <a:fontRef idx="minor">
+            <a:schemeClr val="lt1"/>
+          </a:fontRef>
+        </p:style>
+        <p:txBody>
+          <a:bodyPr lIns="0" tIns="0" rIns="0" bIns="0" rtlCol="0" anchor="ctr"/>
+          <a:lstStyle/>
+          <a:p>
+            <a:pPr algn="ctr"/>
+            <a:r>
+              <a:rPr lang="en-US" sz="800" dirty="0">
+                <a:latin typeface="Arial" panose="020B0604020202020204" pitchFamily="34" charset="0"/>
+                <a:cs typeface="Arial" panose="020B0604020202020204" pitchFamily="34" charset="0"/>
+              </a:rPr>
+              <a:t>3.2</a:t>
+            </a:r>
+          </a:p>
+        </p:txBody>
+      </p:sp>
+      <p:sp>
+        <p:nvSpPr>
+          <p:cNvPr id="235" name="Oval 234">
+            <a:extLst>
+              <a:ext uri="{FF2B5EF4-FFF2-40B4-BE49-F238E27FC236}">
+                <a16:creationId xmlns:a16="http://schemas.microsoft.com/office/drawing/2014/main" id="{1BDB1ABD-271A-40FF-9892-B5B91A5F6E19}"/>
+              </a:ext>
+            </a:extLst>
+          </p:cNvPr>
+          <p:cNvSpPr/>
+          <p:nvPr/>
+        </p:nvSpPr>
+        <p:spPr>
+          <a:xfrm>
+            <a:off x="364192" y="990599"/>
+            <a:ext cx="253435" cy="212902"/>
+          </a:xfrm>
+          <a:prstGeom prst="ellipse">
+            <a:avLst/>
+          </a:prstGeom>
+          <a:solidFill>
+            <a:schemeClr val="tx1"/>
+          </a:solidFill>
+          <a:ln>
+            <a:solidFill>
+              <a:schemeClr val="tx1"/>
+            </a:solidFill>
+          </a:ln>
+        </p:spPr>
+        <p:style>
+          <a:lnRef idx="2">
+            <a:schemeClr val="accent1">
+              <a:shade val="50000"/>
+            </a:schemeClr>
+          </a:lnRef>
+          <a:fillRef idx="1">
+            <a:schemeClr val="accent1"/>
+          </a:fillRef>
+          <a:effectRef idx="0">
+            <a:schemeClr val="accent1"/>
+          </a:effectRef>
+          <a:fontRef idx="minor">
+            <a:schemeClr val="lt1"/>
+          </a:fontRef>
+        </p:style>
+        <p:txBody>
+          <a:bodyPr lIns="0" tIns="0" rIns="0" bIns="0" rtlCol="0" anchor="ctr"/>
+          <a:lstStyle/>
+          <a:p>
+            <a:pPr algn="ctr"/>
+            <a:r>
+              <a:rPr lang="en-US" sz="800" dirty="0">
+                <a:latin typeface="Arial" panose="020B0604020202020204" pitchFamily="34" charset="0"/>
+                <a:cs typeface="Arial" panose="020B0604020202020204" pitchFamily="34" charset="0"/>
+              </a:rPr>
+              <a:t>1.0</a:t>
+            </a:r>
+          </a:p>
+        </p:txBody>
+      </p:sp>
+      <p:pic>
+        <p:nvPicPr>
+          <p:cNvPr id="236" name="Graphic 235">
+            <a:extLst>
+              <a:ext uri="{FF2B5EF4-FFF2-40B4-BE49-F238E27FC236}">
+                <a16:creationId xmlns:a16="http://schemas.microsoft.com/office/drawing/2014/main" id="{15114E6C-45C0-4B88-A357-ECA72E9C9465}"/>
+              </a:ext>
+            </a:extLst>
+          </p:cNvPr>
+          <p:cNvPicPr>
+            <a:picLocks noChangeAspect="1"/>
+          </p:cNvPicPr>
+          <p:nvPr/>
+        </p:nvPicPr>
+        <p:blipFill>
+          <a:blip r:embed="rId11">
+            <a:extLst>
+              <a:ext uri="{96DAC541-7B7A-43D3-8B79-37D633B846F1}">
+                <asvg:svgBlip xmlns:asvg="http://schemas.microsoft.com/office/drawing/2016/SVG/main" r:embed="rId12"/>
+              </a:ext>
+            </a:extLst>
+          </a:blip>
+          <a:stretch>
+            <a:fillRect/>
+          </a:stretch>
+        </p:blipFill>
+        <p:spPr>
+          <a:xfrm>
+            <a:off x="8379488" y="3846014"/>
+            <a:ext cx="391567" cy="391567"/>
+          </a:xfrm>
+          <a:prstGeom prst="rect">
+            <a:avLst/>
+          </a:prstGeom>
+        </p:spPr>
+      </p:pic>
+      <p:sp>
+        <p:nvSpPr>
+          <p:cNvPr id="110" name="Rectangle 109">
+            <a:extLst>
+              <a:ext uri="{FF2B5EF4-FFF2-40B4-BE49-F238E27FC236}">
+                <a16:creationId xmlns:a16="http://schemas.microsoft.com/office/drawing/2014/main" id="{B94EA0FF-46F8-444A-85E3-457A18944FC7}"/>
+              </a:ext>
+            </a:extLst>
+          </p:cNvPr>
+          <p:cNvSpPr/>
+          <p:nvPr/>
+        </p:nvSpPr>
+        <p:spPr>
+          <a:xfrm>
+            <a:off x="7111668" y="1102470"/>
+            <a:ext cx="1121050" cy="2112925"/>
+          </a:xfrm>
+          <a:prstGeom prst="rect">
+            <a:avLst/>
+          </a:prstGeom>
+          <a:noFill/>
+          <a:ln w="12700">
+            <a:solidFill>
+              <a:srgbClr val="5B9CD5"/>
+            </a:solidFill>
+            <a:prstDash val="sysDash"/>
+          </a:ln>
+        </p:spPr>
+        <p:style>
+          <a:lnRef idx="2">
+            <a:schemeClr val="accent1">
+              <a:shade val="50000"/>
+            </a:schemeClr>
+          </a:lnRef>
+          <a:fillRef idx="1">
+            <a:schemeClr val="accent1"/>
+          </a:fillRef>
+          <a:effectRef idx="0">
+            <a:schemeClr val="accent1"/>
+          </a:effectRef>
+          <a:fontRef idx="minor">
+            <a:schemeClr val="lt1"/>
+          </a:fontRef>
+        </p:style>
+        <p:txBody>
+          <a:bodyPr lIns="502920" tIns="91440"/>
+          <a:lstStyle/>
+          <a:p>
+            <a:pPr eaLnBrk="1" fontAlgn="auto" hangingPunct="1">
+              <a:spcBef>
+                <a:spcPts val="0"/>
+              </a:spcBef>
+              <a:spcAft>
+                <a:spcPts val="0"/>
+              </a:spcAft>
+              <a:defRPr/>
+            </a:pPr>
+            <a:r>
+              <a:rPr lang="en-US" sz="1200" dirty="0">
+                <a:solidFill>
+                  <a:srgbClr val="5B9CD5"/>
+                </a:solidFill>
+                <a:latin typeface="Arial" panose="020B0604020202020204" pitchFamily="34" charset="0"/>
+                <a:cs typeface="Arial" panose="020B0604020202020204" pitchFamily="34" charset="0"/>
+              </a:rPr>
+              <a:t>Global Region</a:t>
+            </a:r>
+          </a:p>
+        </p:txBody>
+      </p:sp>
+      <p:pic>
+        <p:nvPicPr>
+          <p:cNvPr id="112" name="Graphic 111">
+            <a:extLst>
+              <a:ext uri="{FF2B5EF4-FFF2-40B4-BE49-F238E27FC236}">
+                <a16:creationId xmlns:a16="http://schemas.microsoft.com/office/drawing/2014/main" id="{81103917-640F-4DE0-B729-367EBF518B6B}"/>
+              </a:ext>
+            </a:extLst>
+          </p:cNvPr>
+          <p:cNvPicPr>
+            <a:picLocks noChangeAspect="1"/>
+          </p:cNvPicPr>
+          <p:nvPr/>
+        </p:nvPicPr>
+        <p:blipFill>
+          <a:blip r:embed="rId11">
+            <a:extLst>
+              <a:ext uri="{96DAC541-7B7A-43D3-8B79-37D633B846F1}">
+                <asvg:svgBlip xmlns:asvg="http://schemas.microsoft.com/office/drawing/2016/SVG/main" r:embed="rId12"/>
+              </a:ext>
+            </a:extLst>
+          </a:blip>
+          <a:stretch>
+            <a:fillRect/>
+          </a:stretch>
+        </p:blipFill>
+        <p:spPr>
+          <a:xfrm>
+            <a:off x="7102723" y="1095978"/>
+            <a:ext cx="338804" cy="338804"/>
+          </a:xfrm>
+          <a:prstGeom prst="rect">
+            <a:avLst/>
+          </a:prstGeom>
+        </p:spPr>
+      </p:pic>
+      <p:sp>
+        <p:nvSpPr>
+          <p:cNvPr id="113" name="TextBox 29">
+            <a:extLst>
+              <a:ext uri="{FF2B5EF4-FFF2-40B4-BE49-F238E27FC236}">
+                <a16:creationId xmlns:a16="http://schemas.microsoft.com/office/drawing/2014/main" id="{D92C7268-8AE6-475C-9817-31D60F7F0535}"/>
+              </a:ext>
+            </a:extLst>
+          </p:cNvPr>
+          <p:cNvSpPr txBox="1">
+            <a:spLocks noChangeArrowheads="1"/>
+          </p:cNvSpPr>
+          <p:nvPr/>
+        </p:nvSpPr>
+        <p:spPr bwMode="auto">
+          <a:xfrm>
+            <a:off x="6924993" y="1985415"/>
+            <a:ext cx="1519646" cy="430887"/>
+          </a:xfrm>
+          <a:prstGeom prst="rect">
+            <a:avLst/>
+          </a:prstGeom>
+          <a:noFill/>
+          <a:ln>
+            <a:noFill/>
+          </a:ln>
+          <a:extLst>
+            <a:ext uri="{909E8E84-426E-40DD-AFC4-6F175D3DCCD1}">
+              <a14:hiddenFill xmlns:a14="http://schemas.microsoft.com/office/drawing/2010/main">
+                <a:solidFill>
+                  <a:srgbClr val="FFFFFF"/>
+                </a:solidFill>
+              </a14:hiddenFill>
+            </a:ext>
+            <a:ext uri="{91240B29-F687-4F45-9708-019B960494DF}">
+              <a14:hiddenLine xmlns:a14="http://schemas.microsoft.com/office/drawing/2010/main" w="9525">
+                <a:solidFill>
+                  <a:srgbClr val="000000"/>
+                </a:solidFill>
+                <a:miter lim="800000"/>
+                <a:headEnd/>
+                <a:tailEnd/>
+              </a14:hiddenLine>
+            </a:ext>
+          </a:extLst>
+        </p:spPr>
+        <p:txBody>
+          <a:bodyPr wrap="square">
+            <a:spAutoFit/>
+          </a:bodyPr>
+          <a:lstStyle>
+            <a:lvl1pPr>
+              <a:defRPr>
+                <a:solidFill>
+                  <a:schemeClr val="tx1"/>
+                </a:solidFill>
+                <a:latin typeface="Calibri" panose="020F0502020204030204" pitchFamily="34" charset="0"/>
+              </a:defRPr>
+            </a:lvl1pPr>
+            <a:lvl2pPr marL="742950" indent="-285750">
+              <a:defRPr>
+                <a:solidFill>
+                  <a:schemeClr val="tx1"/>
+                </a:solidFill>
+                <a:latin typeface="Calibri" panose="020F0502020204030204" pitchFamily="34" charset="0"/>
+              </a:defRPr>
+            </a:lvl2pPr>
+            <a:lvl3pPr marL="1143000" indent="-228600">
+              <a:defRPr>
+                <a:solidFill>
+                  <a:schemeClr val="tx1"/>
+                </a:solidFill>
+                <a:latin typeface="Calibri" panose="020F0502020204030204" pitchFamily="34" charset="0"/>
+              </a:defRPr>
+            </a:lvl3pPr>
+            <a:lvl4pPr marL="1600200" indent="-228600">
+              <a:defRPr>
+                <a:solidFill>
+                  <a:schemeClr val="tx1"/>
+                </a:solidFill>
+                <a:latin typeface="Calibri" panose="020F0502020204030204" pitchFamily="34" charset="0"/>
+              </a:defRPr>
+            </a:lvl4pPr>
+            <a:lvl5pPr marL="2057400" indent="-228600">
+              <a:defRPr>
+                <a:solidFill>
+                  <a:schemeClr val="tx1"/>
+                </a:solidFill>
+                <a:latin typeface="Calibri" panose="020F0502020204030204" pitchFamily="34" charset="0"/>
+              </a:defRPr>
+            </a:lvl5pPr>
+            <a:lvl6pPr marL="2514600" indent="-228600" eaLnBrk="0" fontAlgn="base" hangingPunct="0">
+              <a:spcBef>
+                <a:spcPct val="0"/>
+              </a:spcBef>
+              <a:spcAft>
+                <a:spcPct val="0"/>
+              </a:spcAft>
+              <a:defRPr>
+                <a:solidFill>
+                  <a:schemeClr val="tx1"/>
+                </a:solidFill>
+                <a:latin typeface="Calibri" panose="020F0502020204030204" pitchFamily="34" charset="0"/>
+              </a:defRPr>
+            </a:lvl6pPr>
+            <a:lvl7pPr marL="2971800" indent="-228600" eaLnBrk="0" fontAlgn="base" hangingPunct="0">
+              <a:spcBef>
+                <a:spcPct val="0"/>
+              </a:spcBef>
+              <a:spcAft>
+                <a:spcPct val="0"/>
+              </a:spcAft>
+              <a:defRPr>
+                <a:solidFill>
+                  <a:schemeClr val="tx1"/>
+                </a:solidFill>
+                <a:latin typeface="Calibri" panose="020F0502020204030204" pitchFamily="34" charset="0"/>
+              </a:defRPr>
+            </a:lvl7pPr>
+            <a:lvl8pPr marL="3429000" indent="-228600" eaLnBrk="0" fontAlgn="base" hangingPunct="0">
+              <a:spcBef>
+                <a:spcPct val="0"/>
+              </a:spcBef>
+              <a:spcAft>
+                <a:spcPct val="0"/>
+              </a:spcAft>
+              <a:defRPr>
+                <a:solidFill>
+                  <a:schemeClr val="tx1"/>
+                </a:solidFill>
+                <a:latin typeface="Calibri" panose="020F0502020204030204" pitchFamily="34" charset="0"/>
+              </a:defRPr>
+            </a:lvl8pPr>
+            <a:lvl9pPr marL="3886200" indent="-228600" eaLnBrk="0" fontAlgn="base" hangingPunct="0">
+              <a:spcBef>
+                <a:spcPct val="0"/>
+              </a:spcBef>
+              <a:spcAft>
+                <a:spcPct val="0"/>
+              </a:spcAft>
+              <a:defRPr>
+                <a:solidFill>
+                  <a:schemeClr val="tx1"/>
+                </a:solidFill>
+                <a:latin typeface="Calibri" panose="020F0502020204030204" pitchFamily="34" charset="0"/>
+              </a:defRPr>
+            </a:lvl9pPr>
+          </a:lstStyle>
+          <a:p>
+            <a:pPr algn="ctr" eaLnBrk="1" hangingPunct="1"/>
+            <a:r>
+              <a:rPr lang="en-US" altLang="en-US" sz="1100" dirty="0">
+                <a:latin typeface="Arial" panose="020B0604020202020204" pitchFamily="34" charset="0"/>
+                <a:ea typeface="Amazon Ember" panose="020B0603020204020204" pitchFamily="34" charset="0"/>
+                <a:cs typeface="Arial" panose="020B0604020202020204" pitchFamily="34" charset="0"/>
+              </a:rPr>
+              <a:t>Configuration</a:t>
+            </a:r>
+          </a:p>
+          <a:p>
+            <a:pPr algn="ctr" eaLnBrk="1" hangingPunct="1"/>
+            <a:r>
+              <a:rPr lang="en-US" altLang="en-US" sz="1100" dirty="0">
+                <a:latin typeface="Arial" panose="020B0604020202020204" pitchFamily="34" charset="0"/>
+                <a:ea typeface="Amazon Ember" panose="020B0603020204020204" pitchFamily="34" charset="0"/>
+                <a:cs typeface="Arial" panose="020B0604020202020204" pitchFamily="34" charset="0"/>
+              </a:rPr>
+              <a:t>Role</a:t>
+            </a:r>
+          </a:p>
+        </p:txBody>
+      </p:sp>
+      <p:pic>
+        <p:nvPicPr>
+          <p:cNvPr id="114" name="Graphic 49">
+            <a:extLst>
+              <a:ext uri="{FF2B5EF4-FFF2-40B4-BE49-F238E27FC236}">
+                <a16:creationId xmlns:a16="http://schemas.microsoft.com/office/drawing/2014/main" id="{61E12E8E-7283-47DA-8664-8733FD04B8F2}"/>
+              </a:ext>
+            </a:extLst>
+          </p:cNvPr>
+          <p:cNvPicPr>
+            <a:picLocks noChangeAspect="1" noChangeArrowheads="1"/>
+          </p:cNvPicPr>
+          <p:nvPr/>
+        </p:nvPicPr>
+        <p:blipFill>
+          <a:blip r:embed="rId17">
+            <a:extLst>
+              <a:ext uri="{28A0092B-C50C-407E-A947-70E740481C1C}">
+                <a14:useLocalDpi xmlns:a14="http://schemas.microsoft.com/office/drawing/2010/main"/>
+              </a:ext>
+            </a:extLst>
+          </a:blip>
+          <a:srcRect/>
+          <a:stretch>
+            <a:fillRect/>
+          </a:stretch>
+        </p:blipFill>
+        <p:spPr bwMode="auto">
+          <a:xfrm>
+            <a:off x="7399404" y="1633864"/>
+            <a:ext cx="457200" cy="457200"/>
+          </a:xfrm>
+          <a:prstGeom prst="rect">
+            <a:avLst/>
+          </a:prstGeom>
+          <a:noFill/>
+          <a:ln>
+            <a:noFill/>
+          </a:ln>
+          <a:extLst>
+            <a:ext uri="{909E8E84-426E-40DD-AFC4-6F175D3DCCD1}">
+              <a14:hiddenFill xmlns:a14="http://schemas.microsoft.com/office/drawing/2010/main">
+                <a:solidFill>
+                  <a:srgbClr val="FFFFFF"/>
+                </a:solidFill>
+              </a14:hiddenFill>
+            </a:ext>
+            <a:ext uri="{91240B29-F687-4F45-9708-019B960494DF}">
+              <a14:hiddenLine xmlns:a14="http://schemas.microsoft.com/office/drawing/2010/main" w="9525">
+                <a:solidFill>
+                  <a:srgbClr val="000000"/>
+                </a:solidFill>
+                <a:miter lim="800000"/>
+                <a:headEnd/>
+                <a:tailEnd/>
+              </a14:hiddenLine>
+            </a:ext>
+          </a:extLst>
+        </p:spPr>
+      </p:pic>
+      <p:sp>
+        <p:nvSpPr>
+          <p:cNvPr id="115" name="Oval 114">
+            <a:extLst>
+              <a:ext uri="{FF2B5EF4-FFF2-40B4-BE49-F238E27FC236}">
+                <a16:creationId xmlns:a16="http://schemas.microsoft.com/office/drawing/2014/main" id="{655F3281-7A4A-4A60-B2E9-1E4A6AB839F3}"/>
+              </a:ext>
+            </a:extLst>
+          </p:cNvPr>
+          <p:cNvSpPr/>
+          <p:nvPr/>
+        </p:nvSpPr>
+        <p:spPr>
+          <a:xfrm>
+            <a:off x="7356133" y="1590309"/>
+            <a:ext cx="283464" cy="237744"/>
+          </a:xfrm>
+          <a:prstGeom prst="ellipse">
+            <a:avLst/>
+          </a:prstGeom>
+          <a:solidFill>
+            <a:schemeClr val="tx1"/>
+          </a:solidFill>
+          <a:ln>
+            <a:solidFill>
+              <a:schemeClr val="tx1"/>
+            </a:solidFill>
+          </a:ln>
+        </p:spPr>
+        <p:style>
+          <a:lnRef idx="2">
+            <a:schemeClr val="accent1">
+              <a:shade val="50000"/>
+            </a:schemeClr>
+          </a:lnRef>
+          <a:fillRef idx="1">
+            <a:schemeClr val="accent1"/>
+          </a:fillRef>
+          <a:effectRef idx="0">
+            <a:schemeClr val="accent1"/>
+          </a:effectRef>
+          <a:fontRef idx="minor">
+            <a:schemeClr val="lt1"/>
+          </a:fontRef>
+        </p:style>
+        <p:txBody>
+          <a:bodyPr lIns="0" tIns="0" rIns="0" bIns="0" rtlCol="0" anchor="ctr"/>
+          <a:lstStyle/>
+          <a:p>
+            <a:pPr algn="ctr"/>
+            <a:r>
+              <a:rPr lang="en-US" sz="800" dirty="0">
+                <a:latin typeface="Arial" panose="020B0604020202020204" pitchFamily="34" charset="0"/>
+                <a:cs typeface="Arial" panose="020B0604020202020204" pitchFamily="34" charset="0"/>
+              </a:rPr>
+              <a:t>2.1</a:t>
+            </a:r>
+          </a:p>
+        </p:txBody>
+      </p:sp>
+      <p:pic>
+        <p:nvPicPr>
+          <p:cNvPr id="116" name="Graphic 24">
+            <a:extLst>
+              <a:ext uri="{FF2B5EF4-FFF2-40B4-BE49-F238E27FC236}">
+                <a16:creationId xmlns:a16="http://schemas.microsoft.com/office/drawing/2014/main" id="{7991CA84-29C7-4A32-BF21-B8CD8806AF7A}"/>
+              </a:ext>
+            </a:extLst>
+          </p:cNvPr>
+          <p:cNvPicPr>
+            <a:picLocks noChangeAspect="1" noChangeArrowheads="1"/>
+          </p:cNvPicPr>
+          <p:nvPr/>
+        </p:nvPicPr>
+        <p:blipFill>
+          <a:blip r:embed="rId15">
+            <a:extLst>
+              <a:ext uri="{28A0092B-C50C-407E-A947-70E740481C1C}">
+                <a14:useLocalDpi xmlns:a14="http://schemas.microsoft.com/office/drawing/2010/main"/>
+              </a:ext>
+            </a:extLst>
+          </a:blip>
+          <a:srcRect/>
+          <a:stretch>
+            <a:fillRect/>
+          </a:stretch>
+        </p:blipFill>
+        <p:spPr bwMode="auto">
+          <a:xfrm>
+            <a:off x="8659207" y="1358503"/>
+            <a:ext cx="457200" cy="457200"/>
+          </a:xfrm>
+          <a:prstGeom prst="rect">
+            <a:avLst/>
+          </a:prstGeom>
+          <a:noFill/>
+          <a:ln>
+            <a:noFill/>
+          </a:ln>
+          <a:extLst>
+            <a:ext uri="{909E8E84-426E-40DD-AFC4-6F175D3DCCD1}">
+              <a14:hiddenFill xmlns:a14="http://schemas.microsoft.com/office/drawing/2010/main">
+                <a:solidFill>
+                  <a:srgbClr val="FFFFFF"/>
+                </a:solidFill>
+              </a14:hiddenFill>
+            </a:ext>
+            <a:ext uri="{91240B29-F687-4F45-9708-019B960494DF}">
+              <a14:hiddenLine xmlns:a14="http://schemas.microsoft.com/office/drawing/2010/main" w="9525">
+                <a:solidFill>
+                  <a:srgbClr val="000000"/>
+                </a:solidFill>
+                <a:miter lim="800000"/>
+                <a:headEnd/>
+                <a:tailEnd/>
+              </a14:hiddenLine>
+            </a:ext>
+          </a:extLst>
+        </p:spPr>
+      </p:pic>
+      <p:sp>
+        <p:nvSpPr>
+          <p:cNvPr id="117" name="TextBox 2">
+            <a:extLst>
+              <a:ext uri="{FF2B5EF4-FFF2-40B4-BE49-F238E27FC236}">
+                <a16:creationId xmlns:a16="http://schemas.microsoft.com/office/drawing/2014/main" id="{CF6B4A60-A11B-44A5-85E6-BDD39C771309}"/>
+              </a:ext>
+            </a:extLst>
+          </p:cNvPr>
+          <p:cNvSpPr txBox="1"/>
+          <p:nvPr/>
+        </p:nvSpPr>
+        <p:spPr>
+          <a:xfrm>
+            <a:off x="8338445" y="1794033"/>
+            <a:ext cx="1098724" cy="430887"/>
+          </a:xfrm>
+          <a:prstGeom prst="rect">
+            <a:avLst/>
+          </a:prstGeom>
+          <a:noFill/>
+        </p:spPr>
+        <p:style>
+          <a:lnRef idx="0">
+            <a:scrgbClr r="0" g="0" b="0"/>
+          </a:lnRef>
+          <a:fillRef idx="0">
+            <a:scrgbClr r="0" g="0" b="0"/>
+          </a:fillRef>
+          <a:effectRef idx="0">
+            <a:scrgbClr r="0" g="0" b="0"/>
+          </a:effectRef>
+          <a:fontRef idx="major"/>
+        </p:style>
+        <p:txBody>
+          <a:bodyPr wrap="square" rtlCol="0">
+            <a:spAutoFit/>
+          </a:bodyPr>
+          <a:lstStyle>
+            <a:lvl1pPr>
+              <a:defRPr>
+                <a:latin typeface="+mj-lt"/>
+                <a:ea typeface="+mj-ea"/>
+                <a:cs typeface="+mj-cs"/>
+              </a:defRPr>
+            </a:lvl1pPr>
+            <a:lvl2pPr>
+              <a:defRPr>
+                <a:latin typeface="+mj-lt"/>
+                <a:ea typeface="+mj-ea"/>
+                <a:cs typeface="+mj-cs"/>
+              </a:defRPr>
+            </a:lvl2pPr>
+            <a:lvl3pPr>
+              <a:defRPr>
+                <a:latin typeface="+mj-lt"/>
+                <a:ea typeface="+mj-ea"/>
+                <a:cs typeface="+mj-cs"/>
+              </a:defRPr>
+            </a:lvl3pPr>
+            <a:lvl4pPr>
+              <a:defRPr>
+                <a:latin typeface="+mj-lt"/>
+                <a:ea typeface="+mj-ea"/>
+                <a:cs typeface="+mj-cs"/>
+              </a:defRPr>
+            </a:lvl4pPr>
+            <a:lvl5pPr>
+              <a:defRPr>
+                <a:latin typeface="+mj-lt"/>
+                <a:ea typeface="+mj-ea"/>
+                <a:cs typeface="+mj-cs"/>
+              </a:defRPr>
+            </a:lvl5pPr>
+            <a:lvl6pPr>
+              <a:defRPr>
+                <a:latin typeface="+mj-lt"/>
+                <a:ea typeface="+mj-ea"/>
+                <a:cs typeface="+mj-cs"/>
+              </a:defRPr>
+            </a:lvl6pPr>
+            <a:lvl7pPr>
+              <a:defRPr>
+                <a:latin typeface="+mj-lt"/>
+                <a:ea typeface="+mj-ea"/>
+                <a:cs typeface="+mj-cs"/>
+              </a:defRPr>
+            </a:lvl7pPr>
+            <a:lvl8pPr>
+              <a:defRPr>
+                <a:latin typeface="+mj-lt"/>
+                <a:ea typeface="+mj-ea"/>
+                <a:cs typeface="+mj-cs"/>
+              </a:defRPr>
+            </a:lvl8pPr>
+            <a:lvl9pPr>
+              <a:defRPr>
+                <a:latin typeface="+mj-lt"/>
+                <a:ea typeface="+mj-ea"/>
+                <a:cs typeface="+mj-cs"/>
+              </a:defRPr>
+            </a:lvl9pPr>
+          </a:lstStyle>
+          <a:p>
+            <a:pPr algn="ctr"/>
+            <a:r>
+              <a:rPr lang="en-US" sz="1100" dirty="0">
+                <a:latin typeface="Arial" panose="020B0604020202020204" pitchFamily="34" charset="0"/>
+                <a:cs typeface="Arial" panose="020B0604020202020204" pitchFamily="34" charset="0"/>
+              </a:rPr>
+              <a:t>Recorder Event Rule</a:t>
+            </a:r>
+          </a:p>
+        </p:txBody>
+      </p:sp>
+      <p:sp>
+        <p:nvSpPr>
+          <p:cNvPr id="118" name="Oval 117">
+            <a:extLst>
+              <a:ext uri="{FF2B5EF4-FFF2-40B4-BE49-F238E27FC236}">
+                <a16:creationId xmlns:a16="http://schemas.microsoft.com/office/drawing/2014/main" id="{6C15D84F-D66E-4AD8-8F4F-1417D446AC8C}"/>
+              </a:ext>
+            </a:extLst>
+          </p:cNvPr>
+          <p:cNvSpPr/>
+          <p:nvPr/>
+        </p:nvSpPr>
+        <p:spPr>
+          <a:xfrm>
+            <a:off x="8635843" y="1287682"/>
+            <a:ext cx="253435" cy="212902"/>
+          </a:xfrm>
+          <a:prstGeom prst="ellipse">
+            <a:avLst/>
+          </a:prstGeom>
+          <a:solidFill>
+            <a:schemeClr val="tx1"/>
+          </a:solidFill>
+          <a:ln>
+            <a:solidFill>
+              <a:schemeClr val="tx1"/>
+            </a:solidFill>
+          </a:ln>
+        </p:spPr>
+        <p:style>
+          <a:lnRef idx="2">
+            <a:schemeClr val="accent1">
+              <a:shade val="50000"/>
+            </a:schemeClr>
+          </a:lnRef>
+          <a:fillRef idx="1">
+            <a:schemeClr val="accent1"/>
+          </a:fillRef>
+          <a:effectRef idx="0">
+            <a:schemeClr val="accent1"/>
+          </a:effectRef>
+          <a:fontRef idx="minor">
+            <a:schemeClr val="lt1"/>
+          </a:fontRef>
+        </p:style>
+        <p:txBody>
+          <a:bodyPr lIns="0" tIns="0" rIns="0" bIns="0" rtlCol="0" anchor="ctr"/>
+          <a:lstStyle/>
+          <a:p>
+            <a:pPr algn="ctr"/>
+            <a:r>
+              <a:rPr lang="en-US" sz="800" dirty="0">
+                <a:latin typeface="Arial" panose="020B0604020202020204" pitchFamily="34" charset="0"/>
+                <a:cs typeface="Arial" panose="020B0604020202020204" pitchFamily="34" charset="0"/>
+              </a:rPr>
+              <a:t>2.4</a:t>
+            </a:r>
+          </a:p>
+        </p:txBody>
+      </p:sp>
+      <p:sp>
+        <p:nvSpPr>
+          <p:cNvPr id="135" name="Rectangle 134">
+            <a:extLst>
+              <a:ext uri="{FF2B5EF4-FFF2-40B4-BE49-F238E27FC236}">
+                <a16:creationId xmlns:a16="http://schemas.microsoft.com/office/drawing/2014/main" id="{B50BA5C4-8BB3-4272-B8D5-F3E9B345CD12}"/>
+              </a:ext>
+            </a:extLst>
+          </p:cNvPr>
+          <p:cNvSpPr/>
+          <p:nvPr/>
+        </p:nvSpPr>
+        <p:spPr>
+          <a:xfrm>
+            <a:off x="7136296" y="4356295"/>
+            <a:ext cx="1121050" cy="2112136"/>
+          </a:xfrm>
+          <a:prstGeom prst="rect">
+            <a:avLst/>
+          </a:prstGeom>
+          <a:noFill/>
+          <a:ln w="12700">
+            <a:solidFill>
+              <a:srgbClr val="5B9CD5"/>
+            </a:solidFill>
+            <a:prstDash val="sysDash"/>
+          </a:ln>
+        </p:spPr>
+        <p:style>
+          <a:lnRef idx="2">
+            <a:schemeClr val="accent1">
+              <a:shade val="50000"/>
+            </a:schemeClr>
+          </a:lnRef>
+          <a:fillRef idx="1">
+            <a:schemeClr val="accent1"/>
+          </a:fillRef>
+          <a:effectRef idx="0">
+            <a:schemeClr val="accent1"/>
+          </a:effectRef>
+          <a:fontRef idx="minor">
+            <a:schemeClr val="lt1"/>
+          </a:fontRef>
+        </p:style>
+        <p:txBody>
+          <a:bodyPr lIns="502920" tIns="91440"/>
+          <a:lstStyle/>
+          <a:p>
+            <a:pPr eaLnBrk="1" fontAlgn="auto" hangingPunct="1">
+              <a:spcBef>
+                <a:spcPts val="0"/>
+              </a:spcBef>
+              <a:spcAft>
+                <a:spcPts val="0"/>
+              </a:spcAft>
+              <a:defRPr/>
+            </a:pPr>
+            <a:r>
+              <a:rPr lang="en-US" sz="1200" dirty="0">
+                <a:solidFill>
+                  <a:srgbClr val="5B9CD5"/>
+                </a:solidFill>
+                <a:latin typeface="Arial" panose="020B0604020202020204" pitchFamily="34" charset="0"/>
+                <a:cs typeface="Arial" panose="020B0604020202020204" pitchFamily="34" charset="0"/>
+              </a:rPr>
+              <a:t>Global Region</a:t>
+            </a:r>
+          </a:p>
+        </p:txBody>
+      </p:sp>
+      <p:pic>
+        <p:nvPicPr>
+          <p:cNvPr id="137" name="Graphic 136">
+            <a:extLst>
+              <a:ext uri="{FF2B5EF4-FFF2-40B4-BE49-F238E27FC236}">
+                <a16:creationId xmlns:a16="http://schemas.microsoft.com/office/drawing/2014/main" id="{66810E02-6475-4F23-BCD1-40241AB985AA}"/>
+              </a:ext>
+            </a:extLst>
+          </p:cNvPr>
+          <p:cNvPicPr>
+            <a:picLocks noChangeAspect="1"/>
+          </p:cNvPicPr>
+          <p:nvPr/>
+        </p:nvPicPr>
+        <p:blipFill>
+          <a:blip r:embed="rId11">
+            <a:extLst>
+              <a:ext uri="{96DAC541-7B7A-43D3-8B79-37D633B846F1}">
+                <asvg:svgBlip xmlns:asvg="http://schemas.microsoft.com/office/drawing/2016/SVG/main" r:embed="rId12"/>
+              </a:ext>
+            </a:extLst>
+          </a:blip>
+          <a:stretch>
+            <a:fillRect/>
+          </a:stretch>
+        </p:blipFill>
+        <p:spPr>
+          <a:xfrm>
+            <a:off x="7127351" y="4349802"/>
+            <a:ext cx="338804" cy="338804"/>
+          </a:xfrm>
+          <a:prstGeom prst="rect">
+            <a:avLst/>
+          </a:prstGeom>
+        </p:spPr>
+      </p:pic>
+      <p:sp>
+        <p:nvSpPr>
+          <p:cNvPr id="139" name="TextBox 29">
+            <a:extLst>
+              <a:ext uri="{FF2B5EF4-FFF2-40B4-BE49-F238E27FC236}">
+                <a16:creationId xmlns:a16="http://schemas.microsoft.com/office/drawing/2014/main" id="{7810B277-94AD-46F6-84E1-FA2D028126D9}"/>
+              </a:ext>
+            </a:extLst>
+          </p:cNvPr>
+          <p:cNvSpPr txBox="1">
+            <a:spLocks noChangeArrowheads="1"/>
+          </p:cNvSpPr>
+          <p:nvPr/>
+        </p:nvSpPr>
+        <p:spPr bwMode="auto">
+          <a:xfrm>
+            <a:off x="6949621" y="5239239"/>
+            <a:ext cx="1519646" cy="430887"/>
+          </a:xfrm>
+          <a:prstGeom prst="rect">
+            <a:avLst/>
+          </a:prstGeom>
+          <a:noFill/>
+          <a:ln>
+            <a:noFill/>
+          </a:ln>
+          <a:extLst>
+            <a:ext uri="{909E8E84-426E-40DD-AFC4-6F175D3DCCD1}">
+              <a14:hiddenFill xmlns:a14="http://schemas.microsoft.com/office/drawing/2010/main">
+                <a:solidFill>
+                  <a:srgbClr val="FFFFFF"/>
+                </a:solidFill>
+              </a14:hiddenFill>
+            </a:ext>
+            <a:ext uri="{91240B29-F687-4F45-9708-019B960494DF}">
+              <a14:hiddenLine xmlns:a14="http://schemas.microsoft.com/office/drawing/2010/main" w="9525">
+                <a:solidFill>
+                  <a:srgbClr val="000000"/>
+                </a:solidFill>
+                <a:miter lim="800000"/>
+                <a:headEnd/>
+                <a:tailEnd/>
+              </a14:hiddenLine>
+            </a:ext>
+          </a:extLst>
+        </p:spPr>
+        <p:txBody>
+          <a:bodyPr wrap="square">
+            <a:spAutoFit/>
+          </a:bodyPr>
+          <a:lstStyle>
+            <a:lvl1pPr>
+              <a:defRPr>
+                <a:solidFill>
+                  <a:schemeClr val="tx1"/>
+                </a:solidFill>
+                <a:latin typeface="Calibri" panose="020F0502020204030204" pitchFamily="34" charset="0"/>
+              </a:defRPr>
+            </a:lvl1pPr>
+            <a:lvl2pPr marL="742950" indent="-285750">
+              <a:defRPr>
+                <a:solidFill>
+                  <a:schemeClr val="tx1"/>
+                </a:solidFill>
+                <a:latin typeface="Calibri" panose="020F0502020204030204" pitchFamily="34" charset="0"/>
+              </a:defRPr>
+            </a:lvl2pPr>
+            <a:lvl3pPr marL="1143000" indent="-228600">
+              <a:defRPr>
+                <a:solidFill>
+                  <a:schemeClr val="tx1"/>
+                </a:solidFill>
+                <a:latin typeface="Calibri" panose="020F0502020204030204" pitchFamily="34" charset="0"/>
+              </a:defRPr>
+            </a:lvl3pPr>
+            <a:lvl4pPr marL="1600200" indent="-228600">
+              <a:defRPr>
+                <a:solidFill>
+                  <a:schemeClr val="tx1"/>
+                </a:solidFill>
+                <a:latin typeface="Calibri" panose="020F0502020204030204" pitchFamily="34" charset="0"/>
+              </a:defRPr>
+            </a:lvl4pPr>
+            <a:lvl5pPr marL="2057400" indent="-228600">
+              <a:defRPr>
+                <a:solidFill>
+                  <a:schemeClr val="tx1"/>
+                </a:solidFill>
+                <a:latin typeface="Calibri" panose="020F0502020204030204" pitchFamily="34" charset="0"/>
+              </a:defRPr>
+            </a:lvl5pPr>
+            <a:lvl6pPr marL="2514600" indent="-228600" eaLnBrk="0" fontAlgn="base" hangingPunct="0">
+              <a:spcBef>
+                <a:spcPct val="0"/>
+              </a:spcBef>
+              <a:spcAft>
+                <a:spcPct val="0"/>
+              </a:spcAft>
+              <a:defRPr>
+                <a:solidFill>
+                  <a:schemeClr val="tx1"/>
+                </a:solidFill>
+                <a:latin typeface="Calibri" panose="020F0502020204030204" pitchFamily="34" charset="0"/>
+              </a:defRPr>
+            </a:lvl6pPr>
+            <a:lvl7pPr marL="2971800" indent="-228600" eaLnBrk="0" fontAlgn="base" hangingPunct="0">
+              <a:spcBef>
+                <a:spcPct val="0"/>
+              </a:spcBef>
+              <a:spcAft>
+                <a:spcPct val="0"/>
+              </a:spcAft>
+              <a:defRPr>
+                <a:solidFill>
+                  <a:schemeClr val="tx1"/>
+                </a:solidFill>
+                <a:latin typeface="Calibri" panose="020F0502020204030204" pitchFamily="34" charset="0"/>
+              </a:defRPr>
+            </a:lvl7pPr>
+            <a:lvl8pPr marL="3429000" indent="-228600" eaLnBrk="0" fontAlgn="base" hangingPunct="0">
+              <a:spcBef>
+                <a:spcPct val="0"/>
+              </a:spcBef>
+              <a:spcAft>
+                <a:spcPct val="0"/>
+              </a:spcAft>
+              <a:defRPr>
+                <a:solidFill>
+                  <a:schemeClr val="tx1"/>
+                </a:solidFill>
+                <a:latin typeface="Calibri" panose="020F0502020204030204" pitchFamily="34" charset="0"/>
+              </a:defRPr>
+            </a:lvl8pPr>
+            <a:lvl9pPr marL="3886200" indent="-228600" eaLnBrk="0" fontAlgn="base" hangingPunct="0">
+              <a:spcBef>
+                <a:spcPct val="0"/>
+              </a:spcBef>
+              <a:spcAft>
+                <a:spcPct val="0"/>
+              </a:spcAft>
+              <a:defRPr>
+                <a:solidFill>
+                  <a:schemeClr val="tx1"/>
+                </a:solidFill>
+                <a:latin typeface="Calibri" panose="020F0502020204030204" pitchFamily="34" charset="0"/>
+              </a:defRPr>
+            </a:lvl9pPr>
+          </a:lstStyle>
+          <a:p>
+            <a:pPr algn="ctr" eaLnBrk="1" hangingPunct="1"/>
+            <a:r>
+              <a:rPr lang="en-US" altLang="en-US" sz="1100" dirty="0">
+                <a:latin typeface="Arial" panose="020B0604020202020204" pitchFamily="34" charset="0"/>
+                <a:ea typeface="Amazon Ember" panose="020B0603020204020204" pitchFamily="34" charset="0"/>
+                <a:cs typeface="Arial" panose="020B0604020202020204" pitchFamily="34" charset="0"/>
+              </a:rPr>
+              <a:t>Configuration</a:t>
+            </a:r>
+          </a:p>
+          <a:p>
+            <a:pPr algn="ctr" eaLnBrk="1" hangingPunct="1"/>
+            <a:r>
+              <a:rPr lang="en-US" altLang="en-US" sz="1100" dirty="0">
+                <a:latin typeface="Arial" panose="020B0604020202020204" pitchFamily="34" charset="0"/>
+                <a:ea typeface="Amazon Ember" panose="020B0603020204020204" pitchFamily="34" charset="0"/>
+                <a:cs typeface="Arial" panose="020B0604020202020204" pitchFamily="34" charset="0"/>
+              </a:rPr>
+              <a:t>Role</a:t>
+            </a:r>
+          </a:p>
+        </p:txBody>
+      </p:sp>
+      <p:pic>
+        <p:nvPicPr>
+          <p:cNvPr id="140" name="Graphic 49">
+            <a:extLst>
+              <a:ext uri="{FF2B5EF4-FFF2-40B4-BE49-F238E27FC236}">
+                <a16:creationId xmlns:a16="http://schemas.microsoft.com/office/drawing/2014/main" id="{37DE5417-FDBF-498A-A56F-DFEB99500DD6}"/>
+              </a:ext>
+            </a:extLst>
+          </p:cNvPr>
+          <p:cNvPicPr>
+            <a:picLocks noChangeAspect="1" noChangeArrowheads="1"/>
+          </p:cNvPicPr>
+          <p:nvPr/>
+        </p:nvPicPr>
+        <p:blipFill>
+          <a:blip r:embed="rId17">
+            <a:extLst>
+              <a:ext uri="{28A0092B-C50C-407E-A947-70E740481C1C}">
+                <a14:useLocalDpi xmlns:a14="http://schemas.microsoft.com/office/drawing/2010/main"/>
+              </a:ext>
+            </a:extLst>
+          </a:blip>
+          <a:srcRect/>
+          <a:stretch>
+            <a:fillRect/>
+          </a:stretch>
+        </p:blipFill>
+        <p:spPr bwMode="auto">
+          <a:xfrm>
+            <a:off x="7424032" y="4887688"/>
+            <a:ext cx="457200" cy="457200"/>
+          </a:xfrm>
+          <a:prstGeom prst="rect">
+            <a:avLst/>
+          </a:prstGeom>
+          <a:noFill/>
+          <a:ln>
+            <a:noFill/>
+          </a:ln>
+          <a:extLst>
+            <a:ext uri="{909E8E84-426E-40DD-AFC4-6F175D3DCCD1}">
+              <a14:hiddenFill xmlns:a14="http://schemas.microsoft.com/office/drawing/2010/main">
+                <a:solidFill>
+                  <a:srgbClr val="FFFFFF"/>
+                </a:solidFill>
+              </a14:hiddenFill>
+            </a:ext>
+            <a:ext uri="{91240B29-F687-4F45-9708-019B960494DF}">
+              <a14:hiddenLine xmlns:a14="http://schemas.microsoft.com/office/drawing/2010/main" w="9525">
+                <a:solidFill>
+                  <a:srgbClr val="000000"/>
+                </a:solidFill>
+                <a:miter lim="800000"/>
+                <a:headEnd/>
+                <a:tailEnd/>
+              </a14:hiddenLine>
+            </a:ext>
+          </a:extLst>
+        </p:spPr>
+      </p:pic>
+      <p:sp>
+        <p:nvSpPr>
+          <p:cNvPr id="141" name="Oval 140">
+            <a:extLst>
+              <a:ext uri="{FF2B5EF4-FFF2-40B4-BE49-F238E27FC236}">
+                <a16:creationId xmlns:a16="http://schemas.microsoft.com/office/drawing/2014/main" id="{C60858D8-65DB-480B-B60D-AC2A786DC1D3}"/>
+              </a:ext>
+            </a:extLst>
+          </p:cNvPr>
+          <p:cNvSpPr/>
+          <p:nvPr/>
+        </p:nvSpPr>
+        <p:spPr>
+          <a:xfrm>
+            <a:off x="7380761" y="4844133"/>
+            <a:ext cx="283464" cy="237744"/>
+          </a:xfrm>
+          <a:prstGeom prst="ellipse">
+            <a:avLst/>
+          </a:prstGeom>
+          <a:solidFill>
+            <a:schemeClr val="tx1"/>
+          </a:solidFill>
+          <a:ln>
+            <a:solidFill>
+              <a:schemeClr val="tx1"/>
+            </a:solidFill>
+          </a:ln>
+        </p:spPr>
+        <p:style>
+          <a:lnRef idx="2">
+            <a:schemeClr val="accent1">
+              <a:shade val="50000"/>
+            </a:schemeClr>
+          </a:lnRef>
+          <a:fillRef idx="1">
+            <a:schemeClr val="accent1"/>
+          </a:fillRef>
+          <a:effectRef idx="0">
+            <a:schemeClr val="accent1"/>
+          </a:effectRef>
+          <a:fontRef idx="minor">
+            <a:schemeClr val="lt1"/>
+          </a:fontRef>
+        </p:style>
+        <p:txBody>
+          <a:bodyPr lIns="0" tIns="0" rIns="0" bIns="0" rtlCol="0" anchor="ctr"/>
+          <a:lstStyle/>
+          <a:p>
+            <a:pPr algn="ctr"/>
+            <a:r>
+              <a:rPr lang="en-US" sz="800" dirty="0">
+                <a:latin typeface="Arial" panose="020B0604020202020204" pitchFamily="34" charset="0"/>
+                <a:cs typeface="Arial" panose="020B0604020202020204" pitchFamily="34" charset="0"/>
+              </a:rPr>
+              <a:t>3.1</a:t>
+            </a:r>
+          </a:p>
+        </p:txBody>
+      </p:sp>
+      <p:pic>
+        <p:nvPicPr>
+          <p:cNvPr id="145" name="Graphic 24">
+            <a:extLst>
+              <a:ext uri="{FF2B5EF4-FFF2-40B4-BE49-F238E27FC236}">
+                <a16:creationId xmlns:a16="http://schemas.microsoft.com/office/drawing/2014/main" id="{C56E898F-C118-4BEA-BD2B-DA653139C64F}"/>
+              </a:ext>
+            </a:extLst>
+          </p:cNvPr>
+          <p:cNvPicPr>
+            <a:picLocks noChangeAspect="1" noChangeArrowheads="1"/>
+          </p:cNvPicPr>
+          <p:nvPr/>
+        </p:nvPicPr>
+        <p:blipFill>
+          <a:blip r:embed="rId15">
+            <a:extLst>
+              <a:ext uri="{28A0092B-C50C-407E-A947-70E740481C1C}">
+                <a14:useLocalDpi xmlns:a14="http://schemas.microsoft.com/office/drawing/2010/main"/>
+              </a:ext>
+            </a:extLst>
+          </a:blip>
+          <a:srcRect/>
+          <a:stretch>
+            <a:fillRect/>
+          </a:stretch>
+        </p:blipFill>
+        <p:spPr bwMode="auto">
+          <a:xfrm>
+            <a:off x="9025847" y="5081877"/>
+            <a:ext cx="457200" cy="457200"/>
+          </a:xfrm>
+          <a:prstGeom prst="rect">
+            <a:avLst/>
+          </a:prstGeom>
+          <a:noFill/>
+          <a:ln>
+            <a:noFill/>
+          </a:ln>
+          <a:extLst>
+            <a:ext uri="{909E8E84-426E-40DD-AFC4-6F175D3DCCD1}">
+              <a14:hiddenFill xmlns:a14="http://schemas.microsoft.com/office/drawing/2010/main">
+                <a:solidFill>
+                  <a:srgbClr val="FFFFFF"/>
+                </a:solidFill>
+              </a14:hiddenFill>
+            </a:ext>
+            <a:ext uri="{91240B29-F687-4F45-9708-019B960494DF}">
+              <a14:hiddenLine xmlns:a14="http://schemas.microsoft.com/office/drawing/2010/main" w="9525">
+                <a:solidFill>
+                  <a:srgbClr val="000000"/>
+                </a:solidFill>
+                <a:miter lim="800000"/>
+                <a:headEnd/>
+                <a:tailEnd/>
+              </a14:hiddenLine>
+            </a:ext>
+          </a:extLst>
+        </p:spPr>
+      </p:pic>
+      <p:sp>
+        <p:nvSpPr>
+          <p:cNvPr id="146" name="TextBox 2">
+            <a:extLst>
+              <a:ext uri="{FF2B5EF4-FFF2-40B4-BE49-F238E27FC236}">
+                <a16:creationId xmlns:a16="http://schemas.microsoft.com/office/drawing/2014/main" id="{ED7367DC-E1F3-4B9C-B512-7587B1A01D75}"/>
+              </a:ext>
+            </a:extLst>
+          </p:cNvPr>
+          <p:cNvSpPr txBox="1"/>
+          <p:nvPr/>
+        </p:nvSpPr>
+        <p:spPr>
+          <a:xfrm>
+            <a:off x="8705085" y="5517407"/>
+            <a:ext cx="1098724" cy="430887"/>
+          </a:xfrm>
+          <a:prstGeom prst="rect">
+            <a:avLst/>
+          </a:prstGeom>
+          <a:noFill/>
+        </p:spPr>
+        <p:style>
+          <a:lnRef idx="0">
+            <a:scrgbClr r="0" g="0" b="0"/>
+          </a:lnRef>
+          <a:fillRef idx="0">
+            <a:scrgbClr r="0" g="0" b="0"/>
+          </a:fillRef>
+          <a:effectRef idx="0">
+            <a:scrgbClr r="0" g="0" b="0"/>
+          </a:effectRef>
+          <a:fontRef idx="major"/>
+        </p:style>
+        <p:txBody>
+          <a:bodyPr wrap="square" rtlCol="0">
+            <a:spAutoFit/>
+          </a:bodyPr>
+          <a:lstStyle>
+            <a:lvl1pPr>
+              <a:defRPr>
+                <a:latin typeface="+mj-lt"/>
+                <a:ea typeface="+mj-ea"/>
+                <a:cs typeface="+mj-cs"/>
+              </a:defRPr>
+            </a:lvl1pPr>
+            <a:lvl2pPr>
+              <a:defRPr>
+                <a:latin typeface="+mj-lt"/>
+                <a:ea typeface="+mj-ea"/>
+                <a:cs typeface="+mj-cs"/>
+              </a:defRPr>
+            </a:lvl2pPr>
+            <a:lvl3pPr>
+              <a:defRPr>
+                <a:latin typeface="+mj-lt"/>
+                <a:ea typeface="+mj-ea"/>
+                <a:cs typeface="+mj-cs"/>
+              </a:defRPr>
+            </a:lvl3pPr>
+            <a:lvl4pPr>
+              <a:defRPr>
+                <a:latin typeface="+mj-lt"/>
+                <a:ea typeface="+mj-ea"/>
+                <a:cs typeface="+mj-cs"/>
+              </a:defRPr>
+            </a:lvl4pPr>
+            <a:lvl5pPr>
+              <a:defRPr>
+                <a:latin typeface="+mj-lt"/>
+                <a:ea typeface="+mj-ea"/>
+                <a:cs typeface="+mj-cs"/>
+              </a:defRPr>
+            </a:lvl5pPr>
+            <a:lvl6pPr>
+              <a:defRPr>
+                <a:latin typeface="+mj-lt"/>
+                <a:ea typeface="+mj-ea"/>
+                <a:cs typeface="+mj-cs"/>
+              </a:defRPr>
+            </a:lvl6pPr>
+            <a:lvl7pPr>
+              <a:defRPr>
+                <a:latin typeface="+mj-lt"/>
+                <a:ea typeface="+mj-ea"/>
+                <a:cs typeface="+mj-cs"/>
+              </a:defRPr>
+            </a:lvl7pPr>
+            <a:lvl8pPr>
+              <a:defRPr>
+                <a:latin typeface="+mj-lt"/>
+                <a:ea typeface="+mj-ea"/>
+                <a:cs typeface="+mj-cs"/>
+              </a:defRPr>
+            </a:lvl8pPr>
+            <a:lvl9pPr>
+              <a:defRPr>
+                <a:latin typeface="+mj-lt"/>
+                <a:ea typeface="+mj-ea"/>
+                <a:cs typeface="+mj-cs"/>
+              </a:defRPr>
+            </a:lvl9pPr>
+          </a:lstStyle>
+          <a:p>
+            <a:pPr algn="ctr"/>
+            <a:r>
+              <a:rPr lang="en-US" sz="1100" dirty="0">
+                <a:latin typeface="Arial" panose="020B0604020202020204" pitchFamily="34" charset="0"/>
+                <a:cs typeface="Arial" panose="020B0604020202020204" pitchFamily="34" charset="0"/>
+              </a:rPr>
+              <a:t>Recorder Event Rule</a:t>
+            </a:r>
+          </a:p>
+        </p:txBody>
+      </p:sp>
+      <p:sp>
+        <p:nvSpPr>
+          <p:cNvPr id="147" name="Oval 146">
+            <a:extLst>
+              <a:ext uri="{FF2B5EF4-FFF2-40B4-BE49-F238E27FC236}">
+                <a16:creationId xmlns:a16="http://schemas.microsoft.com/office/drawing/2014/main" id="{D70D6936-C8F3-4404-948B-0776A65D053E}"/>
+              </a:ext>
+            </a:extLst>
+          </p:cNvPr>
+          <p:cNvSpPr/>
+          <p:nvPr/>
+        </p:nvSpPr>
+        <p:spPr>
+          <a:xfrm>
+            <a:off x="9002483" y="5011056"/>
+            <a:ext cx="253435" cy="212902"/>
+          </a:xfrm>
+          <a:prstGeom prst="ellipse">
+            <a:avLst/>
+          </a:prstGeom>
+          <a:solidFill>
+            <a:schemeClr val="tx1"/>
+          </a:solidFill>
+          <a:ln>
+            <a:solidFill>
+              <a:schemeClr val="tx1"/>
+            </a:solidFill>
+          </a:ln>
+        </p:spPr>
+        <p:style>
+          <a:lnRef idx="2">
+            <a:schemeClr val="accent1">
+              <a:shade val="50000"/>
+            </a:schemeClr>
+          </a:lnRef>
+          <a:fillRef idx="1">
+            <a:schemeClr val="accent1"/>
+          </a:fillRef>
+          <a:effectRef idx="0">
+            <a:schemeClr val="accent1"/>
+          </a:effectRef>
+          <a:fontRef idx="minor">
+            <a:schemeClr val="lt1"/>
+          </a:fontRef>
+        </p:style>
+        <p:txBody>
+          <a:bodyPr lIns="0" tIns="0" rIns="0" bIns="0" rtlCol="0" anchor="ctr"/>
+          <a:lstStyle/>
+          <a:p>
+            <a:pPr algn="ctr"/>
+            <a:r>
+              <a:rPr lang="en-US" sz="800" dirty="0">
+                <a:latin typeface="Arial" panose="020B0604020202020204" pitchFamily="34" charset="0"/>
+                <a:cs typeface="Arial" panose="020B0604020202020204" pitchFamily="34" charset="0"/>
+              </a:rPr>
+              <a:t>3.3</a:t>
+            </a:r>
+          </a:p>
+        </p:txBody>
+      </p:sp>
+      <p:sp>
+        <p:nvSpPr>
+          <p:cNvPr id="148" name="TextBox 147">
+            <a:extLst>
+              <a:ext uri="{FF2B5EF4-FFF2-40B4-BE49-F238E27FC236}">
+                <a16:creationId xmlns:a16="http://schemas.microsoft.com/office/drawing/2014/main" id="{C09B3AB4-836F-4B69-A367-D9863A375838}"/>
+              </a:ext>
+            </a:extLst>
+          </p:cNvPr>
+          <p:cNvSpPr txBox="1"/>
+          <p:nvPr/>
+        </p:nvSpPr>
+        <p:spPr>
+          <a:xfrm>
+            <a:off x="3148216" y="5134649"/>
+            <a:ext cx="1098725" cy="430887"/>
+          </a:xfrm>
+          <a:prstGeom prst="rect">
+            <a:avLst/>
+          </a:prstGeom>
+          <a:noFill/>
+        </p:spPr>
+        <p:txBody>
+          <a:bodyPr wrap="square" rtlCol="0">
+            <a:spAutoFit/>
+          </a:bodyPr>
+          <a:lstStyle/>
+          <a:p>
+            <a:pPr algn="ctr"/>
+            <a:r>
+              <a:rPr lang="en-US" sz="1100" dirty="0">
+                <a:latin typeface="Arial" panose="020B0604020202020204" pitchFamily="34" charset="0"/>
+                <a:cs typeface="Arial" panose="020B0604020202020204" pitchFamily="34" charset="0"/>
+              </a:rPr>
+              <a:t>Lambda </a:t>
+            </a:r>
+          </a:p>
+          <a:p>
+            <a:pPr algn="ctr"/>
+            <a:r>
+              <a:rPr lang="en-US" sz="1100" dirty="0">
+                <a:latin typeface="Arial" panose="020B0604020202020204" pitchFamily="34" charset="0"/>
+                <a:cs typeface="Arial" panose="020B0604020202020204" pitchFamily="34" charset="0"/>
+              </a:rPr>
+              <a:t>Role</a:t>
+            </a:r>
+          </a:p>
+        </p:txBody>
+      </p:sp>
+      <p:pic>
+        <p:nvPicPr>
+          <p:cNvPr id="149" name="Graphic 148">
+            <a:extLst>
+              <a:ext uri="{FF2B5EF4-FFF2-40B4-BE49-F238E27FC236}">
+                <a16:creationId xmlns:a16="http://schemas.microsoft.com/office/drawing/2014/main" id="{1AD7BEC5-F0B3-4E67-9DEC-5ADA4E43F73F}"/>
+              </a:ext>
+            </a:extLst>
+          </p:cNvPr>
+          <p:cNvPicPr>
+            <a:picLocks noChangeAspect="1"/>
+          </p:cNvPicPr>
+          <p:nvPr/>
+        </p:nvPicPr>
+        <p:blipFill>
+          <a:blip r:embed="rId13">
+            <a:extLst>
+              <a:ext uri="{96DAC541-7B7A-43D3-8B79-37D633B846F1}">
+                <asvg:svgBlip xmlns:asvg="http://schemas.microsoft.com/office/drawing/2016/SVG/main" r:embed="rId14"/>
+              </a:ext>
+            </a:extLst>
+          </a:blip>
+          <a:stretch>
+            <a:fillRect/>
+          </a:stretch>
+        </p:blipFill>
+        <p:spPr>
+          <a:xfrm>
+            <a:off x="3460439" y="4799289"/>
+            <a:ext cx="469900" cy="469900"/>
+          </a:xfrm>
+          <a:prstGeom prst="rect">
+            <a:avLst/>
+          </a:prstGeom>
+        </p:spPr>
+      </p:pic>
+      <p:sp>
+        <p:nvSpPr>
+          <p:cNvPr id="150" name="Oval 149">
+            <a:extLst>
+              <a:ext uri="{FF2B5EF4-FFF2-40B4-BE49-F238E27FC236}">
+                <a16:creationId xmlns:a16="http://schemas.microsoft.com/office/drawing/2014/main" id="{3FFB5021-1CCD-406A-A857-E579C467B2FC}"/>
+              </a:ext>
+            </a:extLst>
+          </p:cNvPr>
+          <p:cNvSpPr/>
+          <p:nvPr/>
+        </p:nvSpPr>
+        <p:spPr>
+          <a:xfrm>
+            <a:off x="3736495" y="4776112"/>
+            <a:ext cx="253435" cy="212902"/>
+          </a:xfrm>
+          <a:prstGeom prst="ellipse">
+            <a:avLst/>
+          </a:prstGeom>
+          <a:solidFill>
+            <a:schemeClr val="tx1"/>
+          </a:solidFill>
+          <a:ln>
+            <a:solidFill>
+              <a:schemeClr val="tx1"/>
+            </a:solidFill>
+          </a:ln>
+        </p:spPr>
+        <p:style>
+          <a:lnRef idx="2">
+            <a:schemeClr val="accent1">
+              <a:shade val="50000"/>
+            </a:schemeClr>
+          </a:lnRef>
+          <a:fillRef idx="1">
+            <a:schemeClr val="accent1"/>
+          </a:fillRef>
+          <a:effectRef idx="0">
+            <a:schemeClr val="accent1"/>
+          </a:effectRef>
+          <a:fontRef idx="minor">
+            <a:schemeClr val="lt1"/>
+          </a:fontRef>
+        </p:style>
+        <p:txBody>
+          <a:bodyPr lIns="0" tIns="0" rIns="0" bIns="0" rtlCol="0" anchor="ctr"/>
+          <a:lstStyle/>
+          <a:p>
+            <a:pPr algn="ctr"/>
+            <a:r>
+              <a:rPr lang="en-US" sz="800" dirty="0">
+                <a:latin typeface="Arial" panose="020B0604020202020204" pitchFamily="34" charset="0"/>
+                <a:cs typeface="Arial" panose="020B0604020202020204" pitchFamily="34" charset="0"/>
+              </a:rPr>
+              <a:t>1.1</a:t>
+            </a:r>
+          </a:p>
+        </p:txBody>
+      </p:sp>
+      <p:sp>
+        <p:nvSpPr>
+          <p:cNvPr id="157" name="Oval 156">
+            <a:extLst>
+              <a:ext uri="{FF2B5EF4-FFF2-40B4-BE49-F238E27FC236}">
+                <a16:creationId xmlns:a16="http://schemas.microsoft.com/office/drawing/2014/main" id="{A81FF85E-0D58-449A-BD81-0C21DFE14451}"/>
+              </a:ext>
+            </a:extLst>
+          </p:cNvPr>
+          <p:cNvSpPr/>
+          <p:nvPr/>
+        </p:nvSpPr>
+        <p:spPr>
+          <a:xfrm>
+            <a:off x="7087773" y="3852376"/>
+            <a:ext cx="253435" cy="212902"/>
+          </a:xfrm>
+          <a:prstGeom prst="ellipse">
+            <a:avLst/>
+          </a:prstGeom>
+          <a:solidFill>
+            <a:schemeClr val="tx1"/>
+          </a:solidFill>
+          <a:ln>
+            <a:solidFill>
+              <a:schemeClr val="tx1"/>
+            </a:solidFill>
+          </a:ln>
+        </p:spPr>
+        <p:style>
+          <a:lnRef idx="2">
+            <a:schemeClr val="accent1">
+              <a:shade val="50000"/>
+            </a:schemeClr>
+          </a:lnRef>
+          <a:fillRef idx="1">
+            <a:schemeClr val="accent1"/>
+          </a:fillRef>
+          <a:effectRef idx="0">
+            <a:schemeClr val="accent1"/>
+          </a:effectRef>
+          <a:fontRef idx="minor">
+            <a:schemeClr val="lt1"/>
+          </a:fontRef>
+        </p:style>
+        <p:txBody>
+          <a:bodyPr lIns="0" tIns="0" rIns="0" bIns="0" rtlCol="0" anchor="ctr"/>
+          <a:lstStyle/>
+          <a:p>
+            <a:pPr algn="ctr"/>
+            <a:r>
+              <a:rPr lang="en-US" sz="800" dirty="0">
+                <a:latin typeface="Arial" panose="020B0604020202020204" pitchFamily="34" charset="0"/>
+                <a:cs typeface="Arial" panose="020B0604020202020204" pitchFamily="34" charset="0"/>
+              </a:rPr>
+              <a:t>3.0</a:t>
+            </a:r>
+          </a:p>
+        </p:txBody>
+      </p:sp>
+      <p:pic>
+        <p:nvPicPr>
+          <p:cNvPr id="119" name="Graphic 24">
+            <a:extLst>
+              <a:ext uri="{FF2B5EF4-FFF2-40B4-BE49-F238E27FC236}">
+                <a16:creationId xmlns:a16="http://schemas.microsoft.com/office/drawing/2014/main" id="{DA039A62-EE58-4A2D-A230-58604BC266BF}"/>
+              </a:ext>
+            </a:extLst>
+          </p:cNvPr>
+          <p:cNvPicPr>
+            <a:picLocks noChangeAspect="1" noChangeArrowheads="1"/>
+          </p:cNvPicPr>
+          <p:nvPr/>
+        </p:nvPicPr>
+        <p:blipFill>
+          <a:blip r:embed="rId15">
+            <a:extLst>
+              <a:ext uri="{28A0092B-C50C-407E-A947-70E740481C1C}">
+                <a14:useLocalDpi xmlns:a14="http://schemas.microsoft.com/office/drawing/2010/main"/>
+              </a:ext>
+            </a:extLst>
+          </a:blip>
+          <a:srcRect/>
+          <a:stretch>
+            <a:fillRect/>
+          </a:stretch>
+        </p:blipFill>
+        <p:spPr bwMode="auto">
+          <a:xfrm>
+            <a:off x="2359750" y="3665651"/>
+            <a:ext cx="457200" cy="457200"/>
+          </a:xfrm>
+          <a:prstGeom prst="rect">
+            <a:avLst/>
+          </a:prstGeom>
+          <a:noFill/>
+          <a:ln>
+            <a:noFill/>
+          </a:ln>
+          <a:extLst>
+            <a:ext uri="{909E8E84-426E-40DD-AFC4-6F175D3DCCD1}">
+              <a14:hiddenFill xmlns:a14="http://schemas.microsoft.com/office/drawing/2010/main">
+                <a:solidFill>
+                  <a:srgbClr val="FFFFFF"/>
+                </a:solidFill>
+              </a14:hiddenFill>
+            </a:ext>
+            <a:ext uri="{91240B29-F687-4F45-9708-019B960494DF}">
+              <a14:hiddenLine xmlns:a14="http://schemas.microsoft.com/office/drawing/2010/main" w="9525">
+                <a:solidFill>
+                  <a:srgbClr val="000000"/>
+                </a:solidFill>
+                <a:miter lim="800000"/>
+                <a:headEnd/>
+                <a:tailEnd/>
+              </a14:hiddenLine>
+            </a:ext>
+          </a:extLst>
+        </p:spPr>
+      </p:pic>
+      <p:sp>
+        <p:nvSpPr>
+          <p:cNvPr id="120" name="TextBox 2">
+            <a:extLst>
+              <a:ext uri="{FF2B5EF4-FFF2-40B4-BE49-F238E27FC236}">
+                <a16:creationId xmlns:a16="http://schemas.microsoft.com/office/drawing/2014/main" id="{76F93C49-5696-41EA-A670-4768AB37A410}"/>
+              </a:ext>
+            </a:extLst>
+          </p:cNvPr>
+          <p:cNvSpPr txBox="1"/>
+          <p:nvPr/>
+        </p:nvSpPr>
+        <p:spPr>
+          <a:xfrm>
+            <a:off x="2038988" y="4101181"/>
+            <a:ext cx="1098724" cy="430887"/>
+          </a:xfrm>
+          <a:prstGeom prst="rect">
+            <a:avLst/>
+          </a:prstGeom>
+          <a:noFill/>
+        </p:spPr>
+        <p:style>
+          <a:lnRef idx="0">
+            <a:scrgbClr r="0" g="0" b="0"/>
+          </a:lnRef>
+          <a:fillRef idx="0">
+            <a:scrgbClr r="0" g="0" b="0"/>
+          </a:fillRef>
+          <a:effectRef idx="0">
+            <a:scrgbClr r="0" g="0" b="0"/>
+          </a:effectRef>
+          <a:fontRef idx="major"/>
+        </p:style>
+        <p:txBody>
+          <a:bodyPr wrap="square" rtlCol="0">
+            <a:spAutoFit/>
+          </a:bodyPr>
+          <a:lstStyle>
+            <a:lvl1pPr>
+              <a:defRPr>
+                <a:latin typeface="+mj-lt"/>
+                <a:ea typeface="+mj-ea"/>
+                <a:cs typeface="+mj-cs"/>
+              </a:defRPr>
+            </a:lvl1pPr>
+            <a:lvl2pPr>
+              <a:defRPr>
+                <a:latin typeface="+mj-lt"/>
+                <a:ea typeface="+mj-ea"/>
+                <a:cs typeface="+mj-cs"/>
+              </a:defRPr>
+            </a:lvl2pPr>
+            <a:lvl3pPr>
+              <a:defRPr>
+                <a:latin typeface="+mj-lt"/>
+                <a:ea typeface="+mj-ea"/>
+                <a:cs typeface="+mj-cs"/>
+              </a:defRPr>
+            </a:lvl3pPr>
+            <a:lvl4pPr>
+              <a:defRPr>
+                <a:latin typeface="+mj-lt"/>
+                <a:ea typeface="+mj-ea"/>
+                <a:cs typeface="+mj-cs"/>
+              </a:defRPr>
+            </a:lvl4pPr>
+            <a:lvl5pPr>
+              <a:defRPr>
+                <a:latin typeface="+mj-lt"/>
+                <a:ea typeface="+mj-ea"/>
+                <a:cs typeface="+mj-cs"/>
+              </a:defRPr>
+            </a:lvl5pPr>
+            <a:lvl6pPr>
+              <a:defRPr>
+                <a:latin typeface="+mj-lt"/>
+                <a:ea typeface="+mj-ea"/>
+                <a:cs typeface="+mj-cs"/>
+              </a:defRPr>
+            </a:lvl6pPr>
+            <a:lvl7pPr>
+              <a:defRPr>
+                <a:latin typeface="+mj-lt"/>
+                <a:ea typeface="+mj-ea"/>
+                <a:cs typeface="+mj-cs"/>
+              </a:defRPr>
+            </a:lvl7pPr>
+            <a:lvl8pPr>
+              <a:defRPr>
+                <a:latin typeface="+mj-lt"/>
+                <a:ea typeface="+mj-ea"/>
+                <a:cs typeface="+mj-cs"/>
+              </a:defRPr>
+            </a:lvl8pPr>
+            <a:lvl9pPr>
+              <a:defRPr>
+                <a:latin typeface="+mj-lt"/>
+                <a:ea typeface="+mj-ea"/>
+                <a:cs typeface="+mj-cs"/>
+              </a:defRPr>
+            </a:lvl9pPr>
+          </a:lstStyle>
+          <a:p>
+            <a:pPr algn="ctr"/>
+            <a:r>
+              <a:rPr lang="en-US" sz="1100" dirty="0">
+                <a:latin typeface="Arial" panose="020B0604020202020204" pitchFamily="34" charset="0"/>
+                <a:cs typeface="Arial" panose="020B0604020202020204" pitchFamily="34" charset="0"/>
+              </a:rPr>
+              <a:t>Recorder Event Rule</a:t>
+            </a:r>
+          </a:p>
+        </p:txBody>
+      </p:sp>
+      <p:sp>
+        <p:nvSpPr>
+          <p:cNvPr id="121" name="Oval 120">
+            <a:extLst>
+              <a:ext uri="{FF2B5EF4-FFF2-40B4-BE49-F238E27FC236}">
+                <a16:creationId xmlns:a16="http://schemas.microsoft.com/office/drawing/2014/main" id="{B3C5D098-FA8F-4EFD-937F-DC6A9720C030}"/>
+              </a:ext>
+            </a:extLst>
+          </p:cNvPr>
+          <p:cNvSpPr/>
+          <p:nvPr/>
+        </p:nvSpPr>
+        <p:spPr>
+          <a:xfrm>
+            <a:off x="2701198" y="3567098"/>
+            <a:ext cx="253435" cy="212902"/>
+          </a:xfrm>
+          <a:prstGeom prst="ellipse">
+            <a:avLst/>
+          </a:prstGeom>
+          <a:solidFill>
+            <a:schemeClr val="tx1"/>
+          </a:solidFill>
+          <a:ln>
+            <a:solidFill>
+              <a:schemeClr val="tx1"/>
+            </a:solidFill>
+          </a:ln>
+        </p:spPr>
+        <p:style>
+          <a:lnRef idx="2">
+            <a:schemeClr val="accent1">
+              <a:shade val="50000"/>
+            </a:schemeClr>
+          </a:lnRef>
+          <a:fillRef idx="1">
+            <a:schemeClr val="accent1"/>
+          </a:fillRef>
+          <a:effectRef idx="0">
+            <a:schemeClr val="accent1"/>
+          </a:effectRef>
+          <a:fontRef idx="minor">
+            <a:schemeClr val="lt1"/>
+          </a:fontRef>
+        </p:style>
+        <p:txBody>
+          <a:bodyPr lIns="0" tIns="0" rIns="0" bIns="0" rtlCol="0" anchor="ctr"/>
+          <a:lstStyle/>
+          <a:p>
+            <a:pPr algn="ctr"/>
+            <a:r>
+              <a:rPr lang="en-US" sz="700" dirty="0">
+                <a:latin typeface="Arial" panose="020B0604020202020204" pitchFamily="34" charset="0"/>
+                <a:cs typeface="Arial" panose="020B0604020202020204" pitchFamily="34" charset="0"/>
+              </a:rPr>
+              <a:t>1.12</a:t>
+            </a:r>
+          </a:p>
+        </p:txBody>
+      </p:sp>
+      <p:cxnSp>
+        <p:nvCxnSpPr>
+          <p:cNvPr id="124" name="Straight Arrow Connector 123">
+            <a:extLst>
+              <a:ext uri="{FF2B5EF4-FFF2-40B4-BE49-F238E27FC236}">
+                <a16:creationId xmlns:a16="http://schemas.microsoft.com/office/drawing/2014/main" id="{44D702FD-C54E-4A1F-A6D7-8CB840AA0A83}"/>
+              </a:ext>
+            </a:extLst>
+          </p:cNvPr>
+          <p:cNvCxnSpPr>
+            <a:cxnSpLocks/>
+          </p:cNvCxnSpPr>
+          <p:nvPr/>
+        </p:nvCxnSpPr>
+        <p:spPr>
+          <a:xfrm flipV="1">
+            <a:off x="2566320" y="2953752"/>
+            <a:ext cx="446440" cy="858805"/>
+          </a:xfrm>
+          <a:prstGeom prst="straightConnector1">
+            <a:avLst/>
+          </a:prstGeom>
+          <a:ln>
+            <a:tailEnd type="triangle"/>
+          </a:ln>
+        </p:spPr>
+        <p:style>
+          <a:lnRef idx="1">
+            <a:schemeClr val="dk1"/>
+          </a:lnRef>
+          <a:fillRef idx="0">
+            <a:schemeClr val="dk1"/>
+          </a:fillRef>
+          <a:effectRef idx="0">
+            <a:schemeClr val="dk1"/>
+          </a:effectRef>
+          <a:fontRef idx="minor">
+            <a:schemeClr val="tx1"/>
+          </a:fontRef>
+        </p:style>
+      </p:cxnSp>
+      <p:pic>
+        <p:nvPicPr>
+          <p:cNvPr id="125" name="Graphic 24">
+            <a:extLst>
+              <a:ext uri="{FF2B5EF4-FFF2-40B4-BE49-F238E27FC236}">
+                <a16:creationId xmlns:a16="http://schemas.microsoft.com/office/drawing/2014/main" id="{3831F1A3-212C-4D92-B04F-F6288F62FE03}"/>
+              </a:ext>
+            </a:extLst>
+          </p:cNvPr>
+          <p:cNvPicPr>
+            <a:picLocks noChangeAspect="1" noChangeArrowheads="1"/>
+          </p:cNvPicPr>
+          <p:nvPr/>
+        </p:nvPicPr>
+        <p:blipFill>
+          <a:blip r:embed="rId15">
+            <a:extLst>
+              <a:ext uri="{28A0092B-C50C-407E-A947-70E740481C1C}">
+                <a14:useLocalDpi xmlns:a14="http://schemas.microsoft.com/office/drawing/2010/main"/>
+              </a:ext>
+            </a:extLst>
+          </a:blip>
+          <a:srcRect/>
+          <a:stretch>
+            <a:fillRect/>
+          </a:stretch>
+        </p:blipFill>
+        <p:spPr bwMode="auto">
+          <a:xfrm>
+            <a:off x="1527622" y="3507382"/>
+            <a:ext cx="457200" cy="457200"/>
+          </a:xfrm>
+          <a:prstGeom prst="rect">
+            <a:avLst/>
+          </a:prstGeom>
+          <a:noFill/>
+          <a:ln>
+            <a:noFill/>
+          </a:ln>
+          <a:extLst>
+            <a:ext uri="{909E8E84-426E-40DD-AFC4-6F175D3DCCD1}">
+              <a14:hiddenFill xmlns:a14="http://schemas.microsoft.com/office/drawing/2010/main">
+                <a:solidFill>
+                  <a:srgbClr val="FFFFFF"/>
+                </a:solidFill>
+              </a14:hiddenFill>
+            </a:ext>
+            <a:ext uri="{91240B29-F687-4F45-9708-019B960494DF}">
+              <a14:hiddenLine xmlns:a14="http://schemas.microsoft.com/office/drawing/2010/main" w="9525">
+                <a:solidFill>
+                  <a:srgbClr val="000000"/>
+                </a:solidFill>
+                <a:miter lim="800000"/>
+                <a:headEnd/>
+                <a:tailEnd/>
+              </a14:hiddenLine>
+            </a:ext>
+          </a:extLst>
+        </p:spPr>
+      </p:pic>
+      <p:sp>
+        <p:nvSpPr>
+          <p:cNvPr id="126" name="TextBox 2">
+            <a:extLst>
+              <a:ext uri="{FF2B5EF4-FFF2-40B4-BE49-F238E27FC236}">
+                <a16:creationId xmlns:a16="http://schemas.microsoft.com/office/drawing/2014/main" id="{BF3E43B4-FE19-41B8-8337-F1680EDE738C}"/>
+              </a:ext>
+            </a:extLst>
+          </p:cNvPr>
+          <p:cNvSpPr txBox="1"/>
+          <p:nvPr/>
+        </p:nvSpPr>
+        <p:spPr>
+          <a:xfrm>
+            <a:off x="1206860" y="3942912"/>
+            <a:ext cx="1098724" cy="430887"/>
+          </a:xfrm>
+          <a:prstGeom prst="rect">
+            <a:avLst/>
+          </a:prstGeom>
+          <a:noFill/>
+        </p:spPr>
+        <p:style>
+          <a:lnRef idx="0">
+            <a:scrgbClr r="0" g="0" b="0"/>
+          </a:lnRef>
+          <a:fillRef idx="0">
+            <a:scrgbClr r="0" g="0" b="0"/>
+          </a:fillRef>
+          <a:effectRef idx="0">
+            <a:scrgbClr r="0" g="0" b="0"/>
+          </a:effectRef>
+          <a:fontRef idx="major"/>
+        </p:style>
+        <p:txBody>
+          <a:bodyPr wrap="square" rtlCol="0">
+            <a:spAutoFit/>
+          </a:bodyPr>
+          <a:lstStyle>
+            <a:lvl1pPr>
+              <a:defRPr>
+                <a:latin typeface="+mj-lt"/>
+                <a:ea typeface="+mj-ea"/>
+                <a:cs typeface="+mj-cs"/>
+              </a:defRPr>
+            </a:lvl1pPr>
+            <a:lvl2pPr>
+              <a:defRPr>
+                <a:latin typeface="+mj-lt"/>
+                <a:ea typeface="+mj-ea"/>
+                <a:cs typeface="+mj-cs"/>
+              </a:defRPr>
+            </a:lvl2pPr>
+            <a:lvl3pPr>
+              <a:defRPr>
+                <a:latin typeface="+mj-lt"/>
+                <a:ea typeface="+mj-ea"/>
+                <a:cs typeface="+mj-cs"/>
+              </a:defRPr>
+            </a:lvl3pPr>
+            <a:lvl4pPr>
+              <a:defRPr>
+                <a:latin typeface="+mj-lt"/>
+                <a:ea typeface="+mj-ea"/>
+                <a:cs typeface="+mj-cs"/>
+              </a:defRPr>
+            </a:lvl4pPr>
+            <a:lvl5pPr>
+              <a:defRPr>
+                <a:latin typeface="+mj-lt"/>
+                <a:ea typeface="+mj-ea"/>
+                <a:cs typeface="+mj-cs"/>
+              </a:defRPr>
+            </a:lvl5pPr>
+            <a:lvl6pPr>
+              <a:defRPr>
+                <a:latin typeface="+mj-lt"/>
+                <a:ea typeface="+mj-ea"/>
+                <a:cs typeface="+mj-cs"/>
+              </a:defRPr>
+            </a:lvl6pPr>
+            <a:lvl7pPr>
+              <a:defRPr>
+                <a:latin typeface="+mj-lt"/>
+                <a:ea typeface="+mj-ea"/>
+                <a:cs typeface="+mj-cs"/>
+              </a:defRPr>
+            </a:lvl7pPr>
+            <a:lvl8pPr>
+              <a:defRPr>
+                <a:latin typeface="+mj-lt"/>
+                <a:ea typeface="+mj-ea"/>
+                <a:cs typeface="+mj-cs"/>
+              </a:defRPr>
+            </a:lvl8pPr>
+            <a:lvl9pPr>
+              <a:defRPr>
+                <a:latin typeface="+mj-lt"/>
+                <a:ea typeface="+mj-ea"/>
+                <a:cs typeface="+mj-cs"/>
+              </a:defRPr>
+            </a:lvl9pPr>
+          </a:lstStyle>
+          <a:p>
+            <a:pPr algn="ctr"/>
+            <a:r>
+              <a:rPr lang="en-US" sz="1100" dirty="0">
+                <a:latin typeface="Arial" panose="020B0604020202020204" pitchFamily="34" charset="0"/>
+                <a:cs typeface="Arial" panose="020B0604020202020204" pitchFamily="34" charset="0"/>
+              </a:rPr>
+              <a:t>Scheduled Event Rule</a:t>
+            </a:r>
+          </a:p>
+        </p:txBody>
+      </p:sp>
+      <p:sp>
+        <p:nvSpPr>
+          <p:cNvPr id="127" name="Oval 126">
+            <a:extLst>
+              <a:ext uri="{FF2B5EF4-FFF2-40B4-BE49-F238E27FC236}">
+                <a16:creationId xmlns:a16="http://schemas.microsoft.com/office/drawing/2014/main" id="{05BABE10-DA21-4361-A1B3-D35413687858}"/>
+              </a:ext>
+            </a:extLst>
+          </p:cNvPr>
+          <p:cNvSpPr/>
+          <p:nvPr/>
+        </p:nvSpPr>
+        <p:spPr>
+          <a:xfrm>
+            <a:off x="1869070" y="3408829"/>
+            <a:ext cx="253435" cy="212902"/>
+          </a:xfrm>
+          <a:prstGeom prst="ellipse">
+            <a:avLst/>
+          </a:prstGeom>
+          <a:solidFill>
+            <a:schemeClr val="tx1"/>
+          </a:solidFill>
+          <a:ln>
+            <a:solidFill>
+              <a:schemeClr val="tx1"/>
+            </a:solidFill>
+          </a:ln>
+        </p:spPr>
+        <p:style>
+          <a:lnRef idx="2">
+            <a:schemeClr val="accent1">
+              <a:shade val="50000"/>
+            </a:schemeClr>
+          </a:lnRef>
+          <a:fillRef idx="1">
+            <a:schemeClr val="accent1"/>
+          </a:fillRef>
+          <a:effectRef idx="0">
+            <a:schemeClr val="accent1"/>
+          </a:effectRef>
+          <a:fontRef idx="minor">
+            <a:schemeClr val="lt1"/>
+          </a:fontRef>
+        </p:style>
+        <p:txBody>
+          <a:bodyPr lIns="0" tIns="0" rIns="0" bIns="0" rtlCol="0" anchor="ctr"/>
+          <a:lstStyle/>
+          <a:p>
+            <a:pPr algn="ctr"/>
+            <a:r>
+              <a:rPr lang="en-US" sz="700" dirty="0">
+                <a:latin typeface="Arial" panose="020B0604020202020204" pitchFamily="34" charset="0"/>
+                <a:cs typeface="Arial" panose="020B0604020202020204" pitchFamily="34" charset="0"/>
+              </a:rPr>
+              <a:t>1.11</a:t>
+            </a:r>
+          </a:p>
+        </p:txBody>
+      </p:sp>
+      <p:cxnSp>
+        <p:nvCxnSpPr>
+          <p:cNvPr id="128" name="Straight Arrow Connector 127">
+            <a:extLst>
+              <a:ext uri="{FF2B5EF4-FFF2-40B4-BE49-F238E27FC236}">
+                <a16:creationId xmlns:a16="http://schemas.microsoft.com/office/drawing/2014/main" id="{9B9953B3-0F5B-44C2-BE1D-04EBED9C3270}"/>
+              </a:ext>
+            </a:extLst>
+          </p:cNvPr>
+          <p:cNvCxnSpPr>
+            <a:cxnSpLocks/>
+          </p:cNvCxnSpPr>
+          <p:nvPr/>
+        </p:nvCxnSpPr>
+        <p:spPr>
+          <a:xfrm flipV="1">
+            <a:off x="1978181" y="2879650"/>
+            <a:ext cx="967280" cy="858479"/>
+          </a:xfrm>
+          <a:prstGeom prst="straightConnector1">
+            <a:avLst/>
+          </a:prstGeom>
+          <a:ln>
+            <a:tailEnd type="triangle"/>
+          </a:ln>
+        </p:spPr>
+        <p:style>
+          <a:lnRef idx="1">
+            <a:schemeClr val="dk1"/>
+          </a:lnRef>
+          <a:fillRef idx="0">
+            <a:schemeClr val="dk1"/>
+          </a:fillRef>
+          <a:effectRef idx="0">
+            <a:schemeClr val="dk1"/>
+          </a:effectRef>
+          <a:fontRef idx="minor">
+            <a:schemeClr val="tx1"/>
+          </a:fontRef>
+        </p:style>
+      </p:cxnSp>
+      <p:sp>
+        <p:nvSpPr>
+          <p:cNvPr id="129" name="TextBox 128">
+            <a:extLst>
+              <a:ext uri="{FF2B5EF4-FFF2-40B4-BE49-F238E27FC236}">
+                <a16:creationId xmlns:a16="http://schemas.microsoft.com/office/drawing/2014/main" id="{6BFD8A86-C19E-444E-856B-52D0C074DA7B}"/>
+              </a:ext>
+            </a:extLst>
+          </p:cNvPr>
+          <p:cNvSpPr txBox="1"/>
+          <p:nvPr/>
+        </p:nvSpPr>
+        <p:spPr>
+          <a:xfrm>
+            <a:off x="5641600" y="5140164"/>
+            <a:ext cx="1098725" cy="430887"/>
+          </a:xfrm>
+          <a:prstGeom prst="rect">
+            <a:avLst/>
+          </a:prstGeom>
+          <a:noFill/>
+        </p:spPr>
+        <p:txBody>
+          <a:bodyPr wrap="square" rtlCol="0">
+            <a:spAutoFit/>
+          </a:bodyPr>
+          <a:lstStyle/>
+          <a:p>
+            <a:pPr algn="ctr"/>
+            <a:r>
+              <a:rPr lang="en-US" sz="1100" dirty="0">
+                <a:latin typeface="Arial" panose="020B0604020202020204" pitchFamily="34" charset="0"/>
+                <a:cs typeface="Arial" panose="020B0604020202020204" pitchFamily="34" charset="0"/>
+              </a:rPr>
+              <a:t>EventBridge </a:t>
+            </a:r>
+          </a:p>
+          <a:p>
+            <a:pPr algn="ctr"/>
+            <a:r>
+              <a:rPr lang="en-US" sz="1100" dirty="0">
+                <a:latin typeface="Arial" panose="020B0604020202020204" pitchFamily="34" charset="0"/>
+                <a:cs typeface="Arial" panose="020B0604020202020204" pitchFamily="34" charset="0"/>
+              </a:rPr>
+              <a:t>Role</a:t>
+            </a:r>
+          </a:p>
+        </p:txBody>
+      </p:sp>
+      <p:pic>
+        <p:nvPicPr>
+          <p:cNvPr id="131" name="Graphic 130">
+            <a:extLst>
+              <a:ext uri="{FF2B5EF4-FFF2-40B4-BE49-F238E27FC236}">
+                <a16:creationId xmlns:a16="http://schemas.microsoft.com/office/drawing/2014/main" id="{92AD6811-9FD6-428E-A78B-0B5715F8CAA5}"/>
+              </a:ext>
+            </a:extLst>
+          </p:cNvPr>
+          <p:cNvPicPr>
+            <a:picLocks noChangeAspect="1"/>
+          </p:cNvPicPr>
+          <p:nvPr/>
+        </p:nvPicPr>
+        <p:blipFill>
+          <a:blip r:embed="rId13">
+            <a:extLst>
+              <a:ext uri="{96DAC541-7B7A-43D3-8B79-37D633B846F1}">
+                <asvg:svgBlip xmlns:asvg="http://schemas.microsoft.com/office/drawing/2016/SVG/main" r:embed="rId14"/>
+              </a:ext>
+            </a:extLst>
+          </a:blip>
+          <a:stretch>
+            <a:fillRect/>
+          </a:stretch>
+        </p:blipFill>
+        <p:spPr>
+          <a:xfrm>
+            <a:off x="5953823" y="4781554"/>
+            <a:ext cx="469900" cy="469900"/>
+          </a:xfrm>
+          <a:prstGeom prst="rect">
+            <a:avLst/>
+          </a:prstGeom>
+        </p:spPr>
+      </p:pic>
+      <p:sp>
+        <p:nvSpPr>
+          <p:cNvPr id="132" name="Oval 131">
+            <a:extLst>
+              <a:ext uri="{FF2B5EF4-FFF2-40B4-BE49-F238E27FC236}">
+                <a16:creationId xmlns:a16="http://schemas.microsoft.com/office/drawing/2014/main" id="{72DE4A21-0576-4241-8C2E-EB9BFE320C6B}"/>
+              </a:ext>
+            </a:extLst>
+          </p:cNvPr>
+          <p:cNvSpPr/>
+          <p:nvPr/>
+        </p:nvSpPr>
+        <p:spPr>
+          <a:xfrm>
+            <a:off x="6229879" y="4758377"/>
+            <a:ext cx="253435" cy="212902"/>
+          </a:xfrm>
+          <a:prstGeom prst="ellipse">
+            <a:avLst/>
+          </a:prstGeom>
+          <a:solidFill>
+            <a:schemeClr val="tx1"/>
+          </a:solidFill>
+          <a:ln>
+            <a:solidFill>
+              <a:schemeClr val="tx1"/>
+            </a:solidFill>
+          </a:ln>
+        </p:spPr>
+        <p:style>
+          <a:lnRef idx="2">
+            <a:schemeClr val="accent1">
+              <a:shade val="50000"/>
+            </a:schemeClr>
+          </a:lnRef>
+          <a:fillRef idx="1">
+            <a:schemeClr val="accent1"/>
+          </a:fillRef>
+          <a:effectRef idx="0">
+            <a:schemeClr val="accent1"/>
+          </a:effectRef>
+          <a:fontRef idx="minor">
+            <a:schemeClr val="lt1"/>
+          </a:fontRef>
+        </p:style>
+        <p:txBody>
+          <a:bodyPr lIns="0" tIns="0" rIns="0" bIns="0" rtlCol="0" anchor="ctr"/>
+          <a:lstStyle/>
+          <a:p>
+            <a:pPr algn="ctr"/>
+            <a:r>
+              <a:rPr lang="en-US" sz="700" dirty="0">
+                <a:latin typeface="Arial" panose="020B0604020202020204" pitchFamily="34" charset="0"/>
+                <a:cs typeface="Arial" panose="020B0604020202020204" pitchFamily="34" charset="0"/>
+              </a:rPr>
+              <a:t>1.13</a:t>
+            </a:r>
+          </a:p>
+        </p:txBody>
+      </p:sp>
+      <p:sp>
+        <p:nvSpPr>
+          <p:cNvPr id="134" name="TextBox 133">
+            <a:extLst>
+              <a:ext uri="{FF2B5EF4-FFF2-40B4-BE49-F238E27FC236}">
+                <a16:creationId xmlns:a16="http://schemas.microsoft.com/office/drawing/2014/main" id="{18641EF6-BA39-4F19-A062-C4CCC106276A}"/>
+              </a:ext>
+            </a:extLst>
+          </p:cNvPr>
+          <p:cNvSpPr txBox="1"/>
+          <p:nvPr/>
+        </p:nvSpPr>
+        <p:spPr>
+          <a:xfrm>
+            <a:off x="7079567" y="2807462"/>
+            <a:ext cx="1098725" cy="430887"/>
+          </a:xfrm>
+          <a:prstGeom prst="rect">
+            <a:avLst/>
+          </a:prstGeom>
+          <a:noFill/>
+        </p:spPr>
+        <p:txBody>
+          <a:bodyPr wrap="square" rtlCol="0">
+            <a:spAutoFit/>
+          </a:bodyPr>
+          <a:lstStyle/>
+          <a:p>
+            <a:pPr algn="ctr"/>
+            <a:r>
+              <a:rPr lang="en-US" sz="1100" dirty="0" err="1">
+                <a:latin typeface="Arial" panose="020B0604020202020204" pitchFamily="34" charset="0"/>
+                <a:cs typeface="Arial" panose="020B0604020202020204" pitchFamily="34" charset="0"/>
+              </a:rPr>
+              <a:t>EventBridge</a:t>
+            </a:r>
+            <a:r>
+              <a:rPr lang="en-US" sz="1100" dirty="0">
+                <a:latin typeface="Arial" panose="020B0604020202020204" pitchFamily="34" charset="0"/>
+                <a:cs typeface="Arial" panose="020B0604020202020204" pitchFamily="34" charset="0"/>
+              </a:rPr>
+              <a:t> </a:t>
+            </a:r>
+          </a:p>
+          <a:p>
+            <a:pPr algn="ctr"/>
+            <a:r>
+              <a:rPr lang="en-US" sz="1100" dirty="0">
+                <a:latin typeface="Arial" panose="020B0604020202020204" pitchFamily="34" charset="0"/>
+                <a:cs typeface="Arial" panose="020B0604020202020204" pitchFamily="34" charset="0"/>
+              </a:rPr>
+              <a:t>Role</a:t>
+            </a:r>
+          </a:p>
+        </p:txBody>
+      </p:sp>
+      <p:pic>
+        <p:nvPicPr>
+          <p:cNvPr id="136" name="Graphic 135">
+            <a:extLst>
+              <a:ext uri="{FF2B5EF4-FFF2-40B4-BE49-F238E27FC236}">
+                <a16:creationId xmlns:a16="http://schemas.microsoft.com/office/drawing/2014/main" id="{5D33ACCD-D819-4AE7-961C-E125EC910777}"/>
+              </a:ext>
+            </a:extLst>
+          </p:cNvPr>
+          <p:cNvPicPr>
+            <a:picLocks noChangeAspect="1"/>
+          </p:cNvPicPr>
+          <p:nvPr/>
+        </p:nvPicPr>
+        <p:blipFill>
+          <a:blip r:embed="rId13">
+            <a:extLst>
+              <a:ext uri="{96DAC541-7B7A-43D3-8B79-37D633B846F1}">
+                <asvg:svgBlip xmlns:asvg="http://schemas.microsoft.com/office/drawing/2016/SVG/main" r:embed="rId14"/>
+              </a:ext>
+            </a:extLst>
+          </a:blip>
+          <a:stretch>
+            <a:fillRect/>
+          </a:stretch>
+        </p:blipFill>
+        <p:spPr>
+          <a:xfrm>
+            <a:off x="7391790" y="2448852"/>
+            <a:ext cx="469900" cy="469900"/>
+          </a:xfrm>
+          <a:prstGeom prst="rect">
+            <a:avLst/>
+          </a:prstGeom>
+        </p:spPr>
+      </p:pic>
+      <p:sp>
+        <p:nvSpPr>
+          <p:cNvPr id="142" name="Oval 141">
+            <a:extLst>
+              <a:ext uri="{FF2B5EF4-FFF2-40B4-BE49-F238E27FC236}">
+                <a16:creationId xmlns:a16="http://schemas.microsoft.com/office/drawing/2014/main" id="{AB52E57C-C37F-4D24-BC1C-57326BEFF347}"/>
+              </a:ext>
+            </a:extLst>
+          </p:cNvPr>
+          <p:cNvSpPr/>
+          <p:nvPr/>
+        </p:nvSpPr>
+        <p:spPr>
+          <a:xfrm>
+            <a:off x="7361668" y="2429406"/>
+            <a:ext cx="253435" cy="212902"/>
+          </a:xfrm>
+          <a:prstGeom prst="ellipse">
+            <a:avLst/>
+          </a:prstGeom>
+          <a:solidFill>
+            <a:schemeClr val="tx1"/>
+          </a:solidFill>
+          <a:ln>
+            <a:solidFill>
+              <a:schemeClr val="tx1"/>
+            </a:solidFill>
+          </a:ln>
+        </p:spPr>
+        <p:style>
+          <a:lnRef idx="2">
+            <a:schemeClr val="accent1">
+              <a:shade val="50000"/>
+            </a:schemeClr>
+          </a:lnRef>
+          <a:fillRef idx="1">
+            <a:schemeClr val="accent1"/>
+          </a:fillRef>
+          <a:effectRef idx="0">
+            <a:schemeClr val="accent1"/>
+          </a:effectRef>
+          <a:fontRef idx="minor">
+            <a:schemeClr val="lt1"/>
+          </a:fontRef>
+        </p:style>
+        <p:txBody>
+          <a:bodyPr lIns="0" tIns="0" rIns="0" bIns="0" rtlCol="0" anchor="ctr"/>
+          <a:lstStyle/>
+          <a:p>
+            <a:pPr algn="ctr"/>
+            <a:r>
+              <a:rPr lang="en-US" sz="700" dirty="0">
+                <a:latin typeface="Arial" panose="020B0604020202020204" pitchFamily="34" charset="0"/>
+                <a:cs typeface="Arial" panose="020B0604020202020204" pitchFamily="34" charset="0"/>
+              </a:rPr>
+              <a:t>2.5</a:t>
+            </a:r>
+          </a:p>
+        </p:txBody>
+      </p:sp>
+      <p:sp>
+        <p:nvSpPr>
+          <p:cNvPr id="143" name="TextBox 142">
+            <a:extLst>
+              <a:ext uri="{FF2B5EF4-FFF2-40B4-BE49-F238E27FC236}">
+                <a16:creationId xmlns:a16="http://schemas.microsoft.com/office/drawing/2014/main" id="{4D4CD159-1741-455F-9AF9-7EF0E5A18CC3}"/>
+              </a:ext>
+            </a:extLst>
+          </p:cNvPr>
+          <p:cNvSpPr txBox="1"/>
+          <p:nvPr/>
+        </p:nvSpPr>
+        <p:spPr>
+          <a:xfrm>
+            <a:off x="7120673" y="6033791"/>
+            <a:ext cx="1098725" cy="430887"/>
+          </a:xfrm>
+          <a:prstGeom prst="rect">
+            <a:avLst/>
+          </a:prstGeom>
+          <a:noFill/>
+        </p:spPr>
+        <p:txBody>
+          <a:bodyPr wrap="square" rtlCol="0">
+            <a:spAutoFit/>
+          </a:bodyPr>
+          <a:lstStyle/>
+          <a:p>
+            <a:pPr algn="ctr"/>
+            <a:r>
+              <a:rPr lang="en-US" sz="1100" dirty="0" err="1">
+                <a:latin typeface="Arial" panose="020B0604020202020204" pitchFamily="34" charset="0"/>
+                <a:cs typeface="Arial" panose="020B0604020202020204" pitchFamily="34" charset="0"/>
+              </a:rPr>
+              <a:t>EventBridge</a:t>
+            </a:r>
+            <a:r>
+              <a:rPr lang="en-US" sz="1100" dirty="0">
+                <a:latin typeface="Arial" panose="020B0604020202020204" pitchFamily="34" charset="0"/>
+                <a:cs typeface="Arial" panose="020B0604020202020204" pitchFamily="34" charset="0"/>
+              </a:rPr>
+              <a:t> </a:t>
+            </a:r>
+          </a:p>
+          <a:p>
+            <a:pPr algn="ctr"/>
+            <a:r>
+              <a:rPr lang="en-US" sz="1100" dirty="0">
+                <a:latin typeface="Arial" panose="020B0604020202020204" pitchFamily="34" charset="0"/>
+                <a:cs typeface="Arial" panose="020B0604020202020204" pitchFamily="34" charset="0"/>
+              </a:rPr>
+              <a:t>Role</a:t>
+            </a:r>
+          </a:p>
+        </p:txBody>
+      </p:sp>
+      <p:pic>
+        <p:nvPicPr>
+          <p:cNvPr id="144" name="Graphic 143">
+            <a:extLst>
+              <a:ext uri="{FF2B5EF4-FFF2-40B4-BE49-F238E27FC236}">
+                <a16:creationId xmlns:a16="http://schemas.microsoft.com/office/drawing/2014/main" id="{D6194059-1658-44CE-BD7A-495D35F1AB2F}"/>
+              </a:ext>
+            </a:extLst>
+          </p:cNvPr>
+          <p:cNvPicPr>
+            <a:picLocks noChangeAspect="1"/>
+          </p:cNvPicPr>
+          <p:nvPr/>
+        </p:nvPicPr>
+        <p:blipFill>
+          <a:blip r:embed="rId13">
+            <a:extLst>
+              <a:ext uri="{96DAC541-7B7A-43D3-8B79-37D633B846F1}">
+                <asvg:svgBlip xmlns:asvg="http://schemas.microsoft.com/office/drawing/2016/SVG/main" r:embed="rId14"/>
+              </a:ext>
+            </a:extLst>
+          </a:blip>
+          <a:stretch>
+            <a:fillRect/>
+          </a:stretch>
+        </p:blipFill>
+        <p:spPr>
+          <a:xfrm>
+            <a:off x="7432896" y="5675181"/>
+            <a:ext cx="469900" cy="469900"/>
+          </a:xfrm>
+          <a:prstGeom prst="rect">
+            <a:avLst/>
+          </a:prstGeom>
+        </p:spPr>
+      </p:pic>
+      <p:sp>
+        <p:nvSpPr>
+          <p:cNvPr id="151" name="Oval 150">
+            <a:extLst>
+              <a:ext uri="{FF2B5EF4-FFF2-40B4-BE49-F238E27FC236}">
+                <a16:creationId xmlns:a16="http://schemas.microsoft.com/office/drawing/2014/main" id="{0734FC11-725C-4EDB-B0C1-702DF73A3F2F}"/>
+              </a:ext>
+            </a:extLst>
+          </p:cNvPr>
+          <p:cNvSpPr/>
+          <p:nvPr/>
+        </p:nvSpPr>
+        <p:spPr>
+          <a:xfrm>
+            <a:off x="7399404" y="5656000"/>
+            <a:ext cx="253435" cy="212902"/>
+          </a:xfrm>
+          <a:prstGeom prst="ellipse">
+            <a:avLst/>
+          </a:prstGeom>
+          <a:solidFill>
+            <a:schemeClr val="tx1"/>
+          </a:solidFill>
+          <a:ln>
+            <a:solidFill>
+              <a:schemeClr val="tx1"/>
+            </a:solidFill>
+          </a:ln>
+        </p:spPr>
+        <p:style>
+          <a:lnRef idx="2">
+            <a:schemeClr val="accent1">
+              <a:shade val="50000"/>
+            </a:schemeClr>
+          </a:lnRef>
+          <a:fillRef idx="1">
+            <a:schemeClr val="accent1"/>
+          </a:fillRef>
+          <a:effectRef idx="0">
+            <a:schemeClr val="accent1"/>
+          </a:effectRef>
+          <a:fontRef idx="minor">
+            <a:schemeClr val="lt1"/>
+          </a:fontRef>
+        </p:style>
+        <p:txBody>
+          <a:bodyPr lIns="0" tIns="0" rIns="0" bIns="0" rtlCol="0" anchor="ctr"/>
+          <a:lstStyle/>
+          <a:p>
+            <a:pPr algn="ctr"/>
+            <a:r>
+              <a:rPr lang="en-US" sz="700" dirty="0">
+                <a:latin typeface="Arial" panose="020B0604020202020204" pitchFamily="34" charset="0"/>
+                <a:cs typeface="Arial" panose="020B0604020202020204" pitchFamily="34" charset="0"/>
+              </a:rPr>
+              <a:t>3.4</a:t>
+            </a:r>
+          </a:p>
+        </p:txBody>
+      </p:sp>
+    </p:spTree>
+    <p:extLst>
+      <p:ext uri="{BB962C8B-B14F-4D97-AF65-F5344CB8AC3E}">
+        <p14:creationId xmlns:p14="http://schemas.microsoft.com/office/powerpoint/2010/main" val="3615053143"/>
       </p:ext>
     </p:extLst>
   </p:cSld>
